--- a/개발계획서.pptx
+++ b/개발계획서.pptx
@@ -8,9 +8,11 @@
     <p:sldId id="256" r:id="rId2"/>
     <p:sldId id="257" r:id="rId3"/>
     <p:sldId id="258" r:id="rId4"/>
-    <p:sldId id="261" r:id="rId5"/>
-    <p:sldId id="259" r:id="rId6"/>
-    <p:sldId id="260" r:id="rId7"/>
+    <p:sldId id="273" r:id="rId5"/>
+    <p:sldId id="272" r:id="rId6"/>
+    <p:sldId id="271" r:id="rId7"/>
+    <p:sldId id="270" r:id="rId8"/>
+    <p:sldId id="269" r:id="rId9"/>
   </p:sldIdLst>
   <p:sldSz cx="12192000" cy="6858000"/>
   <p:notesSz cx="6858000" cy="9144000"/>
@@ -264,7 +266,7 @@
           <a:p>
             <a:fld id="{B2310862-A932-4A4D-BE7A-7832C8DBE490}" type="datetimeFigureOut">
               <a:rPr kumimoji="1" lang="ko-KR" altLang="en-US" smtClean="0"/>
-              <a:t>2024. 7. 11.</a:t>
+              <a:t>2024. 7. 15.</a:t>
             </a:fld>
             <a:endParaRPr kumimoji="1" lang="ko-KR" altLang="en-US"/>
           </a:p>
@@ -462,7 +464,7 @@
           <a:p>
             <a:fld id="{B2310862-A932-4A4D-BE7A-7832C8DBE490}" type="datetimeFigureOut">
               <a:rPr kumimoji="1" lang="ko-KR" altLang="en-US" smtClean="0"/>
-              <a:t>2024. 7. 11.</a:t>
+              <a:t>2024. 7. 15.</a:t>
             </a:fld>
             <a:endParaRPr kumimoji="1" lang="ko-KR" altLang="en-US"/>
           </a:p>
@@ -670,7 +672,7 @@
           <a:p>
             <a:fld id="{B2310862-A932-4A4D-BE7A-7832C8DBE490}" type="datetimeFigureOut">
               <a:rPr kumimoji="1" lang="ko-KR" altLang="en-US" smtClean="0"/>
-              <a:t>2024. 7. 11.</a:t>
+              <a:t>2024. 7. 15.</a:t>
             </a:fld>
             <a:endParaRPr kumimoji="1" lang="ko-KR" altLang="en-US"/>
           </a:p>
@@ -868,7 +870,7 @@
           <a:p>
             <a:fld id="{B2310862-A932-4A4D-BE7A-7832C8DBE490}" type="datetimeFigureOut">
               <a:rPr kumimoji="1" lang="ko-KR" altLang="en-US" smtClean="0"/>
-              <a:t>2024. 7. 11.</a:t>
+              <a:t>2024. 7. 15.</a:t>
             </a:fld>
             <a:endParaRPr kumimoji="1" lang="ko-KR" altLang="en-US"/>
           </a:p>
@@ -1143,7 +1145,7 @@
           <a:p>
             <a:fld id="{B2310862-A932-4A4D-BE7A-7832C8DBE490}" type="datetimeFigureOut">
               <a:rPr kumimoji="1" lang="ko-KR" altLang="en-US" smtClean="0"/>
-              <a:t>2024. 7. 11.</a:t>
+              <a:t>2024. 7. 15.</a:t>
             </a:fld>
             <a:endParaRPr kumimoji="1" lang="ko-KR" altLang="en-US"/>
           </a:p>
@@ -1408,7 +1410,7 @@
           <a:p>
             <a:fld id="{B2310862-A932-4A4D-BE7A-7832C8DBE490}" type="datetimeFigureOut">
               <a:rPr kumimoji="1" lang="ko-KR" altLang="en-US" smtClean="0"/>
-              <a:t>2024. 7. 11.</a:t>
+              <a:t>2024. 7. 15.</a:t>
             </a:fld>
             <a:endParaRPr kumimoji="1" lang="ko-KR" altLang="en-US"/>
           </a:p>
@@ -1820,7 +1822,7 @@
           <a:p>
             <a:fld id="{B2310862-A932-4A4D-BE7A-7832C8DBE490}" type="datetimeFigureOut">
               <a:rPr kumimoji="1" lang="ko-KR" altLang="en-US" smtClean="0"/>
-              <a:t>2024. 7. 11.</a:t>
+              <a:t>2024. 7. 15.</a:t>
             </a:fld>
             <a:endParaRPr kumimoji="1" lang="ko-KR" altLang="en-US"/>
           </a:p>
@@ -1961,7 +1963,7 @@
           <a:p>
             <a:fld id="{B2310862-A932-4A4D-BE7A-7832C8DBE490}" type="datetimeFigureOut">
               <a:rPr kumimoji="1" lang="ko-KR" altLang="en-US" smtClean="0"/>
-              <a:t>2024. 7. 11.</a:t>
+              <a:t>2024. 7. 15.</a:t>
             </a:fld>
             <a:endParaRPr kumimoji="1" lang="ko-KR" altLang="en-US"/>
           </a:p>
@@ -2074,7 +2076,7 @@
           <a:p>
             <a:fld id="{B2310862-A932-4A4D-BE7A-7832C8DBE490}" type="datetimeFigureOut">
               <a:rPr kumimoji="1" lang="ko-KR" altLang="en-US" smtClean="0"/>
-              <a:t>2024. 7. 11.</a:t>
+              <a:t>2024. 7. 15.</a:t>
             </a:fld>
             <a:endParaRPr kumimoji="1" lang="ko-KR" altLang="en-US"/>
           </a:p>
@@ -2385,7 +2387,7 @@
           <a:p>
             <a:fld id="{B2310862-A932-4A4D-BE7A-7832C8DBE490}" type="datetimeFigureOut">
               <a:rPr kumimoji="1" lang="ko-KR" altLang="en-US" smtClean="0"/>
-              <a:t>2024. 7. 11.</a:t>
+              <a:t>2024. 7. 15.</a:t>
             </a:fld>
             <a:endParaRPr kumimoji="1" lang="ko-KR" altLang="en-US"/>
           </a:p>
@@ -2673,7 +2675,7 @@
           <a:p>
             <a:fld id="{B2310862-A932-4A4D-BE7A-7832C8DBE490}" type="datetimeFigureOut">
               <a:rPr kumimoji="1" lang="ko-KR" altLang="en-US" smtClean="0"/>
-              <a:t>2024. 7. 11.</a:t>
+              <a:t>2024. 7. 15.</a:t>
             </a:fld>
             <a:endParaRPr kumimoji="1" lang="ko-KR" altLang="en-US"/>
           </a:p>
@@ -2914,7 +2916,7 @@
           <a:p>
             <a:fld id="{B2310862-A932-4A4D-BE7A-7832C8DBE490}" type="datetimeFigureOut">
               <a:rPr kumimoji="1" lang="ko-KR" altLang="en-US" smtClean="0"/>
-              <a:t>2024. 7. 11.</a:t>
+              <a:t>2024. 7. 15.</a:t>
             </a:fld>
             <a:endParaRPr kumimoji="1" lang="ko-KR" altLang="en-US"/>
           </a:p>
@@ -3927,7 +3929,7 @@
                 <a:ea typeface="KoPubWorldDotum Medium" pitchFamily="2" charset="-127"/>
                 <a:cs typeface="KoPubWorldDotum Medium" pitchFamily="2" charset="-127"/>
               </a:rPr>
-              <a:t>Phase 1: Bedrock </a:t>
+              <a:t>Phase 0: </a:t>
             </a:r>
             <a:r>
               <a:rPr kumimoji="1" lang="ko-KR" altLang="en-US" sz="2800" dirty="0">
@@ -3935,80 +3937,17 @@
                 <a:ea typeface="KoPubWorldDotum Medium" pitchFamily="2" charset="-127"/>
                 <a:cs typeface="KoPubWorldDotum Medium" pitchFamily="2" charset="-127"/>
               </a:rPr>
-              <a:t>활용 최소 </a:t>
-            </a:r>
-            <a:r>
-              <a:rPr kumimoji="1" lang="en-US" altLang="ko-KR" sz="2800" dirty="0">
-                <a:latin typeface="KoPubWorldDotum Medium" pitchFamily="2" charset="-127"/>
-                <a:ea typeface="KoPubWorldDotum Medium" pitchFamily="2" charset="-127"/>
-                <a:cs typeface="KoPubWorldDotum Medium" pitchFamily="2" charset="-127"/>
-              </a:rPr>
-              <a:t>PoC </a:t>
-            </a:r>
-            <a:r>
-              <a:rPr kumimoji="1" lang="ko-KR" altLang="en-US" sz="2800" dirty="0">
-                <a:latin typeface="KoPubWorldDotum Medium" pitchFamily="2" charset="-127"/>
-                <a:ea typeface="KoPubWorldDotum Medium" pitchFamily="2" charset="-127"/>
-                <a:cs typeface="KoPubWorldDotum Medium" pitchFamily="2" charset="-127"/>
-              </a:rPr>
-              <a:t>구축</a:t>
-            </a:r>
-          </a:p>
-        </p:txBody>
-      </p:sp>
-      <p:pic>
-        <p:nvPicPr>
-          <p:cNvPr id="1026" name="Picture 2" descr="Amazon Bedrock Connector - Overview (O11) | OutSystems">
-            <a:extLst>
-              <a:ext uri="{FF2B5EF4-FFF2-40B4-BE49-F238E27FC236}">
-                <a16:creationId xmlns:a16="http://schemas.microsoft.com/office/drawing/2014/main" id="{6DA16296-BD32-D7F0-01D5-6C09271FAC81}"/>
-              </a:ext>
-            </a:extLst>
-          </p:cNvPr>
-          <p:cNvPicPr>
-            <a:picLocks noChangeAspect="1" noChangeArrowheads="1"/>
-          </p:cNvPicPr>
-          <p:nvPr/>
-        </p:nvPicPr>
-        <p:blipFill>
-          <a:blip r:embed="rId2">
-            <a:extLst>
-              <a:ext uri="{28A0092B-C50C-407E-A947-70E740481C1C}">
-                <a14:useLocalDpi xmlns:a14="http://schemas.microsoft.com/office/drawing/2010/main" val="0"/>
-              </a:ext>
-            </a:extLst>
-          </a:blip>
-          <a:srcRect/>
-          <a:stretch>
-            <a:fillRect/>
-          </a:stretch>
-        </p:blipFill>
-        <p:spPr bwMode="auto">
-          <a:xfrm>
-            <a:off x="2959757" y="3379062"/>
-            <a:ext cx="465430" cy="465430"/>
-          </a:xfrm>
-          <a:prstGeom prst="rect">
-            <a:avLst/>
-          </a:prstGeom>
-          <a:noFill/>
-          <a:extLst>
-            <a:ext uri="{909E8E84-426E-40DD-AFC4-6F175D3DCCD1}">
-              <a14:hiddenFill xmlns:a14="http://schemas.microsoft.com/office/drawing/2010/main">
-                <a:solidFill>
-                  <a:srgbClr val="FFFFFF"/>
-                </a:solidFill>
-              </a14:hiddenFill>
-            </a:ext>
-          </a:extLst>
-        </p:spPr>
-      </p:pic>
-      <p:sp>
-        <p:nvSpPr>
-          <p:cNvPr id="4" name="제목 1">
-            <a:extLst>
-              <a:ext uri="{FF2B5EF4-FFF2-40B4-BE49-F238E27FC236}">
-                <a16:creationId xmlns:a16="http://schemas.microsoft.com/office/drawing/2014/main" id="{6B3A304C-BFF1-2B0E-6D04-E3EBC01A9BD6}"/>
+              <a:t>개발 가능성 검토</a:t>
+            </a:r>
+          </a:p>
+        </p:txBody>
+      </p:sp>
+      <p:sp>
+        <p:nvSpPr>
+          <p:cNvPr id="37" name="제목 1">
+            <a:extLst>
+              <a:ext uri="{FF2B5EF4-FFF2-40B4-BE49-F238E27FC236}">
+                <a16:creationId xmlns:a16="http://schemas.microsoft.com/office/drawing/2014/main" id="{163F80DA-9669-620F-6B55-9F86CE7E6220}"/>
               </a:ext>
             </a:extLst>
           </p:cNvPr>
@@ -4019,8 +3958,8 @@
         </p:nvSpPr>
         <p:spPr>
           <a:xfrm>
-            <a:off x="2822871" y="3829937"/>
-            <a:ext cx="739201" cy="267998"/>
+            <a:off x="368537" y="749889"/>
+            <a:ext cx="11454925" cy="1139237"/>
           </a:xfrm>
           <a:prstGeom prst="rect">
             <a:avLst/>
@@ -4050,29 +3989,173 @@
             </a:lvl1pPr>
           </a:lstStyle>
           <a:p>
-            <a:pPr algn="ctr"/>
-            <a:r>
-              <a:rPr kumimoji="1" lang="en-US" altLang="ko-KR" sz="1100" b="1" dirty="0">
-                <a:latin typeface="KoPubWorldDotum Bold" pitchFamily="2" charset="-127"/>
-                <a:ea typeface="KoPubWorldDotum Bold" pitchFamily="2" charset="-127"/>
-                <a:cs typeface="KoPubWorldDotum Bold" pitchFamily="2" charset="-127"/>
-              </a:rPr>
-              <a:t>Bedrock</a:t>
-            </a:r>
-            <a:endParaRPr kumimoji="1" lang="ko-KR" altLang="en-US" sz="1100" b="1" dirty="0">
-              <a:latin typeface="KoPubWorldDotum Bold" pitchFamily="2" charset="-127"/>
-              <a:ea typeface="KoPubWorldDotum Bold" pitchFamily="2" charset="-127"/>
-              <a:cs typeface="KoPubWorldDotum Bold" pitchFamily="2" charset="-127"/>
+            <a:pPr marL="285750" indent="-285750">
+              <a:lnSpc>
+                <a:spcPct val="150000"/>
+              </a:lnSpc>
+              <a:buFont typeface="Arial" panose="020B0604020202020204" pitchFamily="34" charset="0"/>
+              <a:buChar char="•"/>
+            </a:pPr>
+            <a:r>
+              <a:rPr kumimoji="1" lang="ko-KR" altLang="en-US" sz="1400" dirty="0" err="1">
+                <a:latin typeface="KoPubWorldDotum Medium" pitchFamily="2" charset="-127"/>
+                <a:ea typeface="KoPubWorldDotum Medium" pitchFamily="2" charset="-127"/>
+                <a:cs typeface="KoPubWorldDotum Medium" pitchFamily="2" charset="-127"/>
+              </a:rPr>
+              <a:t>챗봇에</a:t>
+            </a:r>
+            <a:r>
+              <a:rPr kumimoji="1" lang="ko-KR" altLang="en-US" sz="1400" dirty="0">
+                <a:latin typeface="KoPubWorldDotum Medium" pitchFamily="2" charset="-127"/>
+                <a:ea typeface="KoPubWorldDotum Medium" pitchFamily="2" charset="-127"/>
+                <a:cs typeface="KoPubWorldDotum Medium" pitchFamily="2" charset="-127"/>
+              </a:rPr>
+              <a:t> 질문을 던지면 응답이 가능한 기본 구조</a:t>
+            </a:r>
+            <a:endParaRPr kumimoji="1" lang="en-US" altLang="ko-KR" sz="1400" dirty="0">
+              <a:latin typeface="KoPubWorldDotum Medium" pitchFamily="2" charset="-127"/>
+              <a:ea typeface="KoPubWorldDotum Medium" pitchFamily="2" charset="-127"/>
+              <a:cs typeface="KoPubWorldDotum Medium" pitchFamily="2" charset="-127"/>
             </a:endParaRPr>
           </a:p>
-        </p:txBody>
-      </p:sp>
-      <p:sp>
-        <p:nvSpPr>
-          <p:cNvPr id="5" name="처리 4">
-            <a:extLst>
-              <a:ext uri="{FF2B5EF4-FFF2-40B4-BE49-F238E27FC236}">
-                <a16:creationId xmlns:a16="http://schemas.microsoft.com/office/drawing/2014/main" id="{1251B4A2-E216-00DA-2410-157BE1F5C454}"/>
+          <a:p>
+            <a:pPr marL="285750" indent="-285750">
+              <a:lnSpc>
+                <a:spcPct val="150000"/>
+              </a:lnSpc>
+              <a:buFont typeface="Arial" panose="020B0604020202020204" pitchFamily="34" charset="0"/>
+              <a:buChar char="•"/>
+            </a:pPr>
+            <a:r>
+              <a:rPr kumimoji="1" lang="ko-KR" altLang="en-US" sz="1400" dirty="0">
+                <a:latin typeface="KoPubWorldDotum Medium" pitchFamily="2" charset="-127"/>
+                <a:ea typeface="KoPubWorldDotum Medium" pitchFamily="2" charset="-127"/>
+                <a:cs typeface="KoPubWorldDotum Medium" pitchFamily="2" charset="-127"/>
+              </a:rPr>
+              <a:t>로컬에서 </a:t>
+            </a:r>
+            <a:r>
+              <a:rPr kumimoji="1" lang="ko-KR" altLang="en-US" sz="1400" dirty="0" err="1">
+                <a:latin typeface="KoPubWorldDotum Medium" pitchFamily="2" charset="-127"/>
+                <a:ea typeface="KoPubWorldDotum Medium" pitchFamily="2" charset="-127"/>
+                <a:cs typeface="KoPubWorldDotum Medium" pitchFamily="2" charset="-127"/>
+              </a:rPr>
+              <a:t>백엔드</a:t>
+            </a:r>
+            <a:r>
+              <a:rPr kumimoji="1" lang="ko-KR" altLang="en-US" sz="1400" dirty="0">
+                <a:latin typeface="KoPubWorldDotum Medium" pitchFamily="2" charset="-127"/>
+                <a:ea typeface="KoPubWorldDotum Medium" pitchFamily="2" charset="-127"/>
+                <a:cs typeface="KoPubWorldDotum Medium" pitchFamily="2" charset="-127"/>
+              </a:rPr>
+              <a:t> 파일로 </a:t>
+            </a:r>
+            <a:r>
+              <a:rPr kumimoji="1" lang="en-US" altLang="ko-KR" sz="1400" dirty="0">
+                <a:latin typeface="KoPubWorldDotum Medium" pitchFamily="2" charset="-127"/>
+                <a:ea typeface="KoPubWorldDotum Medium" pitchFamily="2" charset="-127"/>
+                <a:cs typeface="KoPubWorldDotum Medium" pitchFamily="2" charset="-127"/>
+              </a:rPr>
+              <a:t>Bedrock API </a:t>
+            </a:r>
+            <a:r>
+              <a:rPr kumimoji="1" lang="ko-KR" altLang="en-US" sz="1400" dirty="0">
+                <a:latin typeface="KoPubWorldDotum Medium" pitchFamily="2" charset="-127"/>
+                <a:ea typeface="KoPubWorldDotum Medium" pitchFamily="2" charset="-127"/>
+                <a:cs typeface="KoPubWorldDotum Medium" pitchFamily="2" charset="-127"/>
+              </a:rPr>
+              <a:t>접근</a:t>
+            </a:r>
+            <a:endParaRPr kumimoji="1" lang="en-US" altLang="ko-KR" sz="1400" dirty="0">
+              <a:latin typeface="KoPubWorldDotum Medium" pitchFamily="2" charset="-127"/>
+              <a:ea typeface="KoPubWorldDotum Medium" pitchFamily="2" charset="-127"/>
+              <a:cs typeface="KoPubWorldDotum Medium" pitchFamily="2" charset="-127"/>
+            </a:endParaRPr>
+          </a:p>
+          <a:p>
+            <a:pPr marL="285750" indent="-285750">
+              <a:lnSpc>
+                <a:spcPct val="150000"/>
+              </a:lnSpc>
+              <a:buFont typeface="Arial" panose="020B0604020202020204" pitchFamily="34" charset="0"/>
+              <a:buChar char="•"/>
+            </a:pPr>
+            <a:r>
+              <a:rPr kumimoji="1" lang="ko-KR" altLang="en-US" sz="1400" dirty="0" err="1">
+                <a:latin typeface="KoPubWorldDotum Medium" pitchFamily="2" charset="-127"/>
+                <a:ea typeface="KoPubWorldDotum Medium" pitchFamily="2" charset="-127"/>
+                <a:cs typeface="KoPubWorldDotum Medium" pitchFamily="2" charset="-127"/>
+              </a:rPr>
+              <a:t>챗봇은</a:t>
+            </a:r>
+            <a:r>
+              <a:rPr kumimoji="1" lang="ko-KR" altLang="en-US" sz="1400" dirty="0">
+                <a:latin typeface="KoPubWorldDotum Medium" pitchFamily="2" charset="-127"/>
+                <a:ea typeface="KoPubWorldDotum Medium" pitchFamily="2" charset="-127"/>
+                <a:cs typeface="KoPubWorldDotum Medium" pitchFamily="2" charset="-127"/>
+              </a:rPr>
+              <a:t> 별도의 </a:t>
+            </a:r>
+            <a:r>
+              <a:rPr kumimoji="1" lang="en-US" altLang="ko-KR" sz="1400" dirty="0">
+                <a:latin typeface="KoPubWorldDotum Medium" pitchFamily="2" charset="-127"/>
+                <a:ea typeface="KoPubWorldDotum Medium" pitchFamily="2" charset="-127"/>
+                <a:cs typeface="KoPubWorldDotum Medium" pitchFamily="2" charset="-127"/>
+              </a:rPr>
+              <a:t>Agent</a:t>
+            </a:r>
+            <a:r>
+              <a:rPr kumimoji="1" lang="ko-KR" altLang="en-US" sz="1400" dirty="0">
+                <a:latin typeface="KoPubWorldDotum Medium" pitchFamily="2" charset="-127"/>
+                <a:ea typeface="KoPubWorldDotum Medium" pitchFamily="2" charset="-127"/>
+                <a:cs typeface="KoPubWorldDotum Medium" pitchFamily="2" charset="-127"/>
+              </a:rPr>
+              <a:t>가 붙어 있거나</a:t>
+            </a:r>
+            <a:r>
+              <a:rPr kumimoji="1" lang="en-US" altLang="ko-KR" sz="1400" dirty="0">
+                <a:latin typeface="KoPubWorldDotum Medium" pitchFamily="2" charset="-127"/>
+                <a:ea typeface="KoPubWorldDotum Medium" pitchFamily="2" charset="-127"/>
+                <a:cs typeface="KoPubWorldDotum Medium" pitchFamily="2" charset="-127"/>
+              </a:rPr>
+              <a:t>,</a:t>
+            </a:r>
+            <a:r>
+              <a:rPr kumimoji="1" lang="ko-KR" altLang="en-US" sz="1400" dirty="0">
+                <a:latin typeface="KoPubWorldDotum Medium" pitchFamily="2" charset="-127"/>
+                <a:ea typeface="KoPubWorldDotum Medium" pitchFamily="2" charset="-127"/>
+                <a:cs typeface="KoPubWorldDotum Medium" pitchFamily="2" charset="-127"/>
+              </a:rPr>
+              <a:t> 이전 대화를 기억하지는 못하는 상태</a:t>
+            </a:r>
+            <a:endParaRPr kumimoji="1" lang="en-US" altLang="ko-KR" sz="1400" dirty="0">
+              <a:latin typeface="KoPubWorldDotum Medium" pitchFamily="2" charset="-127"/>
+              <a:ea typeface="KoPubWorldDotum Medium" pitchFamily="2" charset="-127"/>
+              <a:cs typeface="KoPubWorldDotum Medium" pitchFamily="2" charset="-127"/>
+            </a:endParaRPr>
+          </a:p>
+          <a:p>
+            <a:pPr marL="285750" indent="-285750">
+              <a:lnSpc>
+                <a:spcPct val="150000"/>
+              </a:lnSpc>
+              <a:buFont typeface="Arial" panose="020B0604020202020204" pitchFamily="34" charset="0"/>
+              <a:buChar char="•"/>
+            </a:pPr>
+            <a:endParaRPr kumimoji="1" lang="ko-KR" altLang="en-US" sz="1400" dirty="0">
+              <a:latin typeface="KoPubWorldDotum Medium" pitchFamily="2" charset="-127"/>
+              <a:ea typeface="KoPubWorldDotum Medium" pitchFamily="2" charset="-127"/>
+              <a:cs typeface="KoPubWorldDotum Medium" pitchFamily="2" charset="-127"/>
+            </a:endParaRPr>
+          </a:p>
+        </p:txBody>
+      </p:sp>
+      <p:sp>
+        <p:nvSpPr>
+          <p:cNvPr id="3" name="직사각형 2">
+            <a:extLst>
+              <a:ext uri="{FF2B5EF4-FFF2-40B4-BE49-F238E27FC236}">
+                <a16:creationId xmlns:a16="http://schemas.microsoft.com/office/drawing/2014/main" id="{412515ED-AFBE-EA0A-BFA6-98E7537E4A6E}"/>
               </a:ext>
             </a:extLst>
           </p:cNvPr>
@@ -4081,14 +4164,17 @@
         </p:nvSpPr>
         <p:spPr>
           <a:xfrm>
-            <a:off x="5203828" y="3475616"/>
-            <a:ext cx="1203109" cy="243942"/>
-          </a:xfrm>
-          <a:prstGeom prst="flowChartProcess">
+            <a:off x="486535" y="2330451"/>
+            <a:ext cx="2250316" cy="2965492"/>
+          </a:xfrm>
+          <a:prstGeom prst="rect">
             <a:avLst/>
           </a:prstGeom>
           <a:solidFill>
-            <a:schemeClr val="accent1"/>
+            <a:schemeClr val="accent2">
+              <a:lumMod val="20000"/>
+              <a:lumOff val="80000"/>
+            </a:schemeClr>
           </a:solidFill>
           <a:ln>
             <a:noFill/>
@@ -4115,310 +4201,16 @@
           <a:lstStyle/>
           <a:p>
             <a:pPr algn="ctr"/>
-            <a:r>
-              <a:rPr kumimoji="1" lang="en-US" altLang="ko-KR" sz="1100" b="1" dirty="0" err="1">
-                <a:latin typeface="KoPubWorldDotum Bold" pitchFamily="2" charset="-127"/>
-                <a:ea typeface="KoPubWorldDotum Bold" pitchFamily="2" charset="-127"/>
-                <a:cs typeface="KoPubWorldDotum Bold" pitchFamily="2" charset="-127"/>
-              </a:rPr>
-              <a:t>Backend.py</a:t>
-            </a:r>
-            <a:endParaRPr kumimoji="1" lang="ko-KR" altLang="en-US" sz="1100" b="1" dirty="0">
-              <a:latin typeface="KoPubWorldDotum Bold" pitchFamily="2" charset="-127"/>
-              <a:ea typeface="KoPubWorldDotum Bold" pitchFamily="2" charset="-127"/>
-              <a:cs typeface="KoPubWorldDotum Bold" pitchFamily="2" charset="-127"/>
-            </a:endParaRPr>
-          </a:p>
-        </p:txBody>
-      </p:sp>
-      <p:sp>
-        <p:nvSpPr>
-          <p:cNvPr id="6" name="처리 5">
-            <a:extLst>
-              <a:ext uri="{FF2B5EF4-FFF2-40B4-BE49-F238E27FC236}">
-                <a16:creationId xmlns:a16="http://schemas.microsoft.com/office/drawing/2014/main" id="{E3AF3DC5-0B3B-1B9B-D4BB-49E417376FC8}"/>
-              </a:ext>
-            </a:extLst>
-          </p:cNvPr>
-          <p:cNvSpPr/>
-          <p:nvPr/>
-        </p:nvSpPr>
-        <p:spPr>
-          <a:xfrm>
-            <a:off x="6614069" y="3475616"/>
-            <a:ext cx="1203109" cy="243942"/>
-          </a:xfrm>
-          <a:prstGeom prst="flowChartProcess">
-            <a:avLst/>
-          </a:prstGeom>
-          <a:solidFill>
-            <a:schemeClr val="accent1"/>
-          </a:solidFill>
-          <a:ln>
-            <a:noFill/>
-          </a:ln>
-        </p:spPr>
-        <p:style>
-          <a:lnRef idx="2">
-            <a:schemeClr val="accent1">
-              <a:shade val="15000"/>
-            </a:schemeClr>
-          </a:lnRef>
-          <a:fillRef idx="1">
-            <a:schemeClr val="accent1"/>
-          </a:fillRef>
-          <a:effectRef idx="0">
-            <a:schemeClr val="accent1"/>
-          </a:effectRef>
-          <a:fontRef idx="minor">
-            <a:schemeClr val="lt1"/>
-          </a:fontRef>
-        </p:style>
-        <p:txBody>
-          <a:bodyPr rtlCol="0" anchor="ctr"/>
-          <a:lstStyle/>
-          <a:p>
-            <a:pPr algn="ctr"/>
-            <a:r>
-              <a:rPr kumimoji="1" lang="en-US" altLang="ko-KR" sz="1100" b="1" dirty="0" err="1">
-                <a:latin typeface="KoPubWorldDotum Bold" pitchFamily="2" charset="-127"/>
-                <a:ea typeface="KoPubWorldDotum Bold" pitchFamily="2" charset="-127"/>
-                <a:cs typeface="KoPubWorldDotum Bold" pitchFamily="2" charset="-127"/>
-              </a:rPr>
-              <a:t>Frontend.py</a:t>
-            </a:r>
-            <a:endParaRPr kumimoji="1" lang="ko-KR" altLang="en-US" sz="1100" b="1" dirty="0">
-              <a:latin typeface="KoPubWorldDotum Bold" pitchFamily="2" charset="-127"/>
-              <a:ea typeface="KoPubWorldDotum Bold" pitchFamily="2" charset="-127"/>
-              <a:cs typeface="KoPubWorldDotum Bold" pitchFamily="2" charset="-127"/>
-            </a:endParaRPr>
-          </a:p>
-        </p:txBody>
-      </p:sp>
-      <p:cxnSp>
-        <p:nvCxnSpPr>
-          <p:cNvPr id="9" name="직선 화살표 연결선 8">
-            <a:extLst>
-              <a:ext uri="{FF2B5EF4-FFF2-40B4-BE49-F238E27FC236}">
-                <a16:creationId xmlns:a16="http://schemas.microsoft.com/office/drawing/2014/main" id="{63F375FA-A27A-6ED8-2450-14C70EA8598F}"/>
-              </a:ext>
-            </a:extLst>
-          </p:cNvPr>
-          <p:cNvCxnSpPr>
-            <a:cxnSpLocks/>
-            <a:stCxn id="5" idx="1"/>
-            <a:endCxn id="1026" idx="3"/>
-          </p:cNvCxnSpPr>
-          <p:nvPr/>
-        </p:nvCxnSpPr>
-        <p:spPr>
-          <a:xfrm flipH="1">
-            <a:off x="3425187" y="3597587"/>
-            <a:ext cx="1778641" cy="14190"/>
-          </a:xfrm>
-          <a:prstGeom prst="straightConnector1">
-            <a:avLst/>
-          </a:prstGeom>
-          <a:ln>
-            <a:headEnd type="none" w="med" len="med"/>
-            <a:tailEnd type="none" w="med" len="med"/>
-          </a:ln>
-        </p:spPr>
-        <p:style>
-          <a:lnRef idx="2">
-            <a:schemeClr val="accent1"/>
-          </a:lnRef>
-          <a:fillRef idx="0">
-            <a:schemeClr val="accent1"/>
-          </a:fillRef>
-          <a:effectRef idx="1">
-            <a:schemeClr val="accent1"/>
-          </a:effectRef>
-          <a:fontRef idx="minor">
-            <a:schemeClr val="tx1"/>
-          </a:fontRef>
-        </p:style>
-      </p:cxnSp>
-      <p:sp>
-        <p:nvSpPr>
-          <p:cNvPr id="17" name="직사각형 16">
-            <a:extLst>
-              <a:ext uri="{FF2B5EF4-FFF2-40B4-BE49-F238E27FC236}">
-                <a16:creationId xmlns:a16="http://schemas.microsoft.com/office/drawing/2014/main" id="{0087B29A-7014-910D-771F-2CDEFDBFABCA}"/>
-              </a:ext>
-            </a:extLst>
-          </p:cNvPr>
-          <p:cNvSpPr/>
-          <p:nvPr/>
-        </p:nvSpPr>
-        <p:spPr>
-          <a:xfrm>
-            <a:off x="2396592" y="3042154"/>
-            <a:ext cx="1574264" cy="1139246"/>
-          </a:xfrm>
-          <a:prstGeom prst="rect">
-            <a:avLst/>
-          </a:prstGeom>
-          <a:noFill/>
-          <a:ln>
-            <a:solidFill>
-              <a:srgbClr val="000000"/>
-            </a:solidFill>
-            <a:prstDash val="sysDash"/>
-          </a:ln>
-        </p:spPr>
-        <p:style>
-          <a:lnRef idx="2">
-            <a:schemeClr val="accent1">
-              <a:shade val="15000"/>
-            </a:schemeClr>
-          </a:lnRef>
-          <a:fillRef idx="1">
-            <a:schemeClr val="accent1"/>
-          </a:fillRef>
-          <a:effectRef idx="0">
-            <a:schemeClr val="accent1"/>
-          </a:effectRef>
-          <a:fontRef idx="minor">
-            <a:schemeClr val="lt1"/>
-          </a:fontRef>
-        </p:style>
-        <p:txBody>
-          <a:bodyPr rtlCol="0" anchor="ctr"/>
-          <a:lstStyle/>
-          <a:p>
-            <a:pPr algn="ctr"/>
-            <a:endParaRPr kumimoji="1" lang="ko-KR" altLang="en-US"/>
-          </a:p>
-        </p:txBody>
-      </p:sp>
-      <p:cxnSp>
-        <p:nvCxnSpPr>
-          <p:cNvPr id="21" name="직선 화살표 연결선 20">
-            <a:extLst>
-              <a:ext uri="{FF2B5EF4-FFF2-40B4-BE49-F238E27FC236}">
-                <a16:creationId xmlns:a16="http://schemas.microsoft.com/office/drawing/2014/main" id="{8E155C8E-EF80-A08C-48C3-C23C7C6EF776}"/>
-              </a:ext>
-            </a:extLst>
-          </p:cNvPr>
-          <p:cNvCxnSpPr>
-            <a:cxnSpLocks/>
-            <a:stCxn id="6" idx="1"/>
-          </p:cNvCxnSpPr>
-          <p:nvPr/>
-        </p:nvCxnSpPr>
-        <p:spPr>
-          <a:xfrm flipH="1">
-            <a:off x="6406937" y="3597587"/>
-            <a:ext cx="207132" cy="0"/>
-          </a:xfrm>
-          <a:prstGeom prst="straightConnector1">
-            <a:avLst/>
-          </a:prstGeom>
-          <a:ln>
-            <a:headEnd type="none" w="med" len="med"/>
-            <a:tailEnd type="none" w="med" len="med"/>
-          </a:ln>
-        </p:spPr>
-        <p:style>
-          <a:lnRef idx="2">
-            <a:schemeClr val="accent1"/>
-          </a:lnRef>
-          <a:fillRef idx="0">
-            <a:schemeClr val="accent1"/>
-          </a:fillRef>
-          <a:effectRef idx="1">
-            <a:schemeClr val="accent1"/>
-          </a:effectRef>
-          <a:fontRef idx="minor">
-            <a:schemeClr val="tx1"/>
-          </a:fontRef>
-        </p:style>
-      </p:cxnSp>
-      <p:cxnSp>
-        <p:nvCxnSpPr>
-          <p:cNvPr id="23" name="직선 화살표 연결선 22">
-            <a:extLst>
-              <a:ext uri="{FF2B5EF4-FFF2-40B4-BE49-F238E27FC236}">
-                <a16:creationId xmlns:a16="http://schemas.microsoft.com/office/drawing/2014/main" id="{F324855C-3D5A-6DE2-990C-B6C2361E7B9F}"/>
-              </a:ext>
-            </a:extLst>
-          </p:cNvPr>
-          <p:cNvCxnSpPr>
-            <a:cxnSpLocks/>
-          </p:cNvCxnSpPr>
-          <p:nvPr/>
-        </p:nvCxnSpPr>
-        <p:spPr>
-          <a:xfrm flipH="1">
-            <a:off x="7817178" y="3591749"/>
-            <a:ext cx="626833" cy="0"/>
-          </a:xfrm>
-          <a:prstGeom prst="straightConnector1">
-            <a:avLst/>
-          </a:prstGeom>
-          <a:ln>
-            <a:headEnd type="none" w="med" len="med"/>
-            <a:tailEnd type="none" w="med" len="med"/>
-          </a:ln>
-        </p:spPr>
-        <p:style>
-          <a:lnRef idx="2">
-            <a:schemeClr val="accent1"/>
-          </a:lnRef>
-          <a:fillRef idx="0">
-            <a:schemeClr val="accent1"/>
-          </a:fillRef>
-          <a:effectRef idx="1">
-            <a:schemeClr val="accent1"/>
-          </a:effectRef>
-          <a:fontRef idx="minor">
-            <a:schemeClr val="tx1"/>
-          </a:fontRef>
-        </p:style>
-      </p:cxnSp>
+            <a:endParaRPr kumimoji="1" lang="ko-KR" altLang="en-US" dirty="0"/>
+          </a:p>
+        </p:txBody>
+      </p:sp>
       <p:pic>
         <p:nvPicPr>
-          <p:cNvPr id="28" name="그래픽 27" descr="사용자 단색으로 채워진">
-            <a:extLst>
-              <a:ext uri="{FF2B5EF4-FFF2-40B4-BE49-F238E27FC236}">
-                <a16:creationId xmlns:a16="http://schemas.microsoft.com/office/drawing/2014/main" id="{4C1EE409-3C9B-A418-CA5E-CD5545837FB5}"/>
-              </a:ext>
-            </a:extLst>
-          </p:cNvPr>
-          <p:cNvPicPr>
-            <a:picLocks noChangeAspect="1"/>
-          </p:cNvPicPr>
-          <p:nvPr/>
-        </p:nvPicPr>
-        <p:blipFill>
-          <a:blip r:embed="rId3">
-            <a:extLst>
-              <a:ext uri="{96DAC541-7B7A-43D3-8B79-37D633B846F1}">
-                <asvg:svgBlip xmlns:asvg="http://schemas.microsoft.com/office/drawing/2016/SVG/main" r:embed="rId4"/>
-              </a:ext>
-            </a:extLst>
-          </a:blip>
-          <a:stretch>
-            <a:fillRect/>
-          </a:stretch>
-        </p:blipFill>
-        <p:spPr>
-          <a:xfrm>
-            <a:off x="8444011" y="3141147"/>
-            <a:ext cx="754027" cy="754027"/>
-          </a:xfrm>
-          <a:prstGeom prst="rect">
-            <a:avLst/>
-          </a:prstGeom>
-        </p:spPr>
-      </p:pic>
-      <p:pic>
-        <p:nvPicPr>
-          <p:cNvPr id="1028" name="Picture 4" descr="Amazon Web Services | Incentro Partner">
-            <a:extLst>
-              <a:ext uri="{FF2B5EF4-FFF2-40B4-BE49-F238E27FC236}">
-                <a16:creationId xmlns:a16="http://schemas.microsoft.com/office/drawing/2014/main" id="{45B7C2A1-CEBF-C7B4-9117-1C82167D105A}"/>
+          <p:cNvPr id="5" name="Picture 2" descr="Amazon Bedrock Connector - Overview (O11) | OutSystems">
+            <a:extLst>
+              <a:ext uri="{FF2B5EF4-FFF2-40B4-BE49-F238E27FC236}">
+                <a16:creationId xmlns:a16="http://schemas.microsoft.com/office/drawing/2014/main" id="{009C7BDF-7A85-7866-458A-52846211F6A5}"/>
               </a:ext>
             </a:extLst>
           </p:cNvPr>
@@ -4428,7 +4220,7 @@
           <p:nvPr/>
         </p:nvPicPr>
         <p:blipFill>
-          <a:blip r:embed="rId5">
+          <a:blip r:embed="rId2">
             <a:extLst>
               <a:ext uri="{28A0092B-C50C-407E-A947-70E740481C1C}">
                 <a14:useLocalDpi xmlns:a14="http://schemas.microsoft.com/office/drawing/2010/main" val="0"/>
@@ -4442,8 +4234,8 @@
         </p:blipFill>
         <p:spPr bwMode="auto">
           <a:xfrm>
-            <a:off x="2384149" y="3026129"/>
-            <a:ext cx="377292" cy="377292"/>
+            <a:off x="1976960" y="3379062"/>
+            <a:ext cx="465430" cy="465430"/>
           </a:xfrm>
           <a:prstGeom prst="rect">
             <a:avLst/>
@@ -4462,151 +4254,10 @@
       </p:pic>
       <p:sp>
         <p:nvSpPr>
-          <p:cNvPr id="33" name="직사각형 32">
-            <a:extLst>
-              <a:ext uri="{FF2B5EF4-FFF2-40B4-BE49-F238E27FC236}">
-                <a16:creationId xmlns:a16="http://schemas.microsoft.com/office/drawing/2014/main" id="{AAD43A7A-6E6E-A986-C371-6035D5F81567}"/>
-              </a:ext>
-            </a:extLst>
-          </p:cNvPr>
-          <p:cNvSpPr/>
-          <p:nvPr/>
-        </p:nvSpPr>
-        <p:spPr>
-          <a:xfrm>
-            <a:off x="4977914" y="3042154"/>
-            <a:ext cx="3049167" cy="1139246"/>
-          </a:xfrm>
-          <a:prstGeom prst="rect">
-            <a:avLst/>
-          </a:prstGeom>
-          <a:noFill/>
-          <a:ln>
-            <a:solidFill>
-              <a:srgbClr val="000000"/>
-            </a:solidFill>
-            <a:prstDash val="sysDash"/>
-          </a:ln>
-        </p:spPr>
-        <p:style>
-          <a:lnRef idx="2">
-            <a:schemeClr val="accent1">
-              <a:shade val="15000"/>
-            </a:schemeClr>
-          </a:lnRef>
-          <a:fillRef idx="1">
-            <a:schemeClr val="accent1"/>
-          </a:fillRef>
-          <a:effectRef idx="0">
-            <a:schemeClr val="accent1"/>
-          </a:effectRef>
-          <a:fontRef idx="minor">
-            <a:schemeClr val="lt1"/>
-          </a:fontRef>
-        </p:style>
-        <p:txBody>
-          <a:bodyPr rtlCol="0" anchor="ctr"/>
-          <a:lstStyle/>
-          <a:p>
-            <a:pPr algn="ctr"/>
-            <a:endParaRPr kumimoji="1" lang="ko-KR" altLang="en-US"/>
-          </a:p>
-        </p:txBody>
-      </p:sp>
-      <p:sp>
-        <p:nvSpPr>
-          <p:cNvPr id="34" name="직사각형 33">
-            <a:extLst>
-              <a:ext uri="{FF2B5EF4-FFF2-40B4-BE49-F238E27FC236}">
-                <a16:creationId xmlns:a16="http://schemas.microsoft.com/office/drawing/2014/main" id="{E4636279-9071-D0AA-AF5B-07154507FAFD}"/>
-              </a:ext>
-            </a:extLst>
-          </p:cNvPr>
-          <p:cNvSpPr/>
-          <p:nvPr/>
-        </p:nvSpPr>
-        <p:spPr>
-          <a:xfrm>
-            <a:off x="4965302" y="3028695"/>
-            <a:ext cx="377292" cy="377292"/>
-          </a:xfrm>
-          <a:prstGeom prst="rect">
-            <a:avLst/>
-          </a:prstGeom>
-          <a:solidFill>
-            <a:schemeClr val="tx1"/>
-          </a:solidFill>
-          <a:ln>
-            <a:noFill/>
-          </a:ln>
-        </p:spPr>
-        <p:style>
-          <a:lnRef idx="2">
-            <a:schemeClr val="accent1">
-              <a:shade val="15000"/>
-            </a:schemeClr>
-          </a:lnRef>
-          <a:fillRef idx="1">
-            <a:schemeClr val="accent1"/>
-          </a:fillRef>
-          <a:effectRef idx="0">
-            <a:schemeClr val="accent1"/>
-          </a:effectRef>
-          <a:fontRef idx="minor">
-            <a:schemeClr val="lt1"/>
-          </a:fontRef>
-        </p:style>
-        <p:txBody>
-          <a:bodyPr rtlCol="0" anchor="ctr"/>
-          <a:lstStyle/>
-          <a:p>
-            <a:pPr algn="ctr"/>
-            <a:endParaRPr kumimoji="1" lang="ko-KR" altLang="en-US"/>
-          </a:p>
-        </p:txBody>
-      </p:sp>
-      <p:pic>
-        <p:nvPicPr>
-          <p:cNvPr id="36" name="그래픽 35" descr="건물 단색으로 채워진">
-            <a:extLst>
-              <a:ext uri="{FF2B5EF4-FFF2-40B4-BE49-F238E27FC236}">
-                <a16:creationId xmlns:a16="http://schemas.microsoft.com/office/drawing/2014/main" id="{B76A9C00-F003-602C-E35F-B1789D984B68}"/>
-              </a:ext>
-            </a:extLst>
-          </p:cNvPr>
-          <p:cNvPicPr>
-            <a:picLocks noChangeAspect="1"/>
-          </p:cNvPicPr>
-          <p:nvPr/>
-        </p:nvPicPr>
-        <p:blipFill>
-          <a:blip r:embed="rId6">
-            <a:extLst>
-              <a:ext uri="{96DAC541-7B7A-43D3-8B79-37D633B846F1}">
-                <asvg:svgBlip xmlns:asvg="http://schemas.microsoft.com/office/drawing/2016/SVG/main" r:embed="rId7"/>
-              </a:ext>
-            </a:extLst>
-          </a:blip>
-          <a:stretch>
-            <a:fillRect/>
-          </a:stretch>
-        </p:blipFill>
-        <p:spPr>
-          <a:xfrm>
-            <a:off x="5004853" y="3067784"/>
-            <a:ext cx="298189" cy="298189"/>
-          </a:xfrm>
-          <a:prstGeom prst="rect">
-            <a:avLst/>
-          </a:prstGeom>
-        </p:spPr>
-      </p:pic>
-      <p:sp>
-        <p:nvSpPr>
-          <p:cNvPr id="37" name="제목 1">
-            <a:extLst>
-              <a:ext uri="{FF2B5EF4-FFF2-40B4-BE49-F238E27FC236}">
-                <a16:creationId xmlns:a16="http://schemas.microsoft.com/office/drawing/2014/main" id="{163F80DA-9669-620F-6B55-9F86CE7E6220}"/>
+          <p:cNvPr id="6" name="제목 1">
+            <a:extLst>
+              <a:ext uri="{FF2B5EF4-FFF2-40B4-BE49-F238E27FC236}">
+                <a16:creationId xmlns:a16="http://schemas.microsoft.com/office/drawing/2014/main" id="{B6D7CF8A-B99A-5B13-092E-36AE3609FBC7}"/>
               </a:ext>
             </a:extLst>
           </p:cNvPr>
@@ -4617,8 +4268,8 @@
         </p:nvSpPr>
         <p:spPr>
           <a:xfrm>
-            <a:off x="368537" y="6420448"/>
-            <a:ext cx="11454925" cy="487906"/>
+            <a:off x="1840074" y="3829937"/>
+            <a:ext cx="739201" cy="267998"/>
           </a:xfrm>
           <a:prstGeom prst="rect">
             <a:avLst/>
@@ -4648,68 +4299,607 @@
             </a:lvl1pPr>
           </a:lstStyle>
           <a:p>
-            <a:pPr marL="285750" indent="-285750">
+            <a:pPr algn="ctr"/>
+            <a:r>
+              <a:rPr kumimoji="1" lang="en-US" altLang="ko-KR" sz="1100" b="1" dirty="0">
+                <a:latin typeface="KoPubWorldDotum Bold" pitchFamily="2" charset="-127"/>
+                <a:ea typeface="KoPubWorldDotum Bold" pitchFamily="2" charset="-127"/>
+                <a:cs typeface="KoPubWorldDotum Bold" pitchFamily="2" charset="-127"/>
+              </a:rPr>
+              <a:t>Bedrock</a:t>
+            </a:r>
+            <a:endParaRPr kumimoji="1" lang="ko-KR" altLang="en-US" sz="1100" b="1" dirty="0">
+              <a:latin typeface="KoPubWorldDotum Bold" pitchFamily="2" charset="-127"/>
+              <a:ea typeface="KoPubWorldDotum Bold" pitchFamily="2" charset="-127"/>
+              <a:cs typeface="KoPubWorldDotum Bold" pitchFamily="2" charset="-127"/>
+            </a:endParaRPr>
+          </a:p>
+        </p:txBody>
+      </p:sp>
+      <p:cxnSp>
+        <p:nvCxnSpPr>
+          <p:cNvPr id="7" name="직선 화살표 연결선 6">
+            <a:extLst>
+              <a:ext uri="{FF2B5EF4-FFF2-40B4-BE49-F238E27FC236}">
+                <a16:creationId xmlns:a16="http://schemas.microsoft.com/office/drawing/2014/main" id="{1B18F9CE-CBE7-763B-55DB-F39502769976}"/>
+              </a:ext>
+            </a:extLst>
+          </p:cNvPr>
+          <p:cNvCxnSpPr>
+            <a:cxnSpLocks/>
+            <a:stCxn id="30" idx="1"/>
+            <a:endCxn id="5" idx="3"/>
+          </p:cNvCxnSpPr>
+          <p:nvPr/>
+        </p:nvCxnSpPr>
+        <p:spPr>
+          <a:xfrm flipH="1">
+            <a:off x="2442390" y="3597587"/>
+            <a:ext cx="2444754" cy="14190"/>
+          </a:xfrm>
+          <a:prstGeom prst="straightConnector1">
+            <a:avLst/>
+          </a:prstGeom>
+          <a:ln>
+            <a:headEnd type="none" w="med" len="med"/>
+            <a:tailEnd type="none" w="med" len="med"/>
+          </a:ln>
+        </p:spPr>
+        <p:style>
+          <a:lnRef idx="2">
+            <a:schemeClr val="accent1"/>
+          </a:lnRef>
+          <a:fillRef idx="0">
+            <a:schemeClr val="accent1"/>
+          </a:fillRef>
+          <a:effectRef idx="1">
+            <a:schemeClr val="accent1"/>
+          </a:effectRef>
+          <a:fontRef idx="minor">
+            <a:schemeClr val="tx1"/>
+          </a:fontRef>
+        </p:style>
+      </p:cxnSp>
+      <p:cxnSp>
+        <p:nvCxnSpPr>
+          <p:cNvPr id="9" name="직선 화살표 연결선 8">
+            <a:extLst>
+              <a:ext uri="{FF2B5EF4-FFF2-40B4-BE49-F238E27FC236}">
+                <a16:creationId xmlns:a16="http://schemas.microsoft.com/office/drawing/2014/main" id="{3C1B939A-A465-35A2-9843-14B2B03BA0AD}"/>
+              </a:ext>
+            </a:extLst>
+          </p:cNvPr>
+          <p:cNvCxnSpPr>
+            <a:cxnSpLocks/>
+            <a:endCxn id="30" idx="3"/>
+          </p:cNvCxnSpPr>
+          <p:nvPr/>
+        </p:nvCxnSpPr>
+        <p:spPr>
+          <a:xfrm flipH="1">
+            <a:off x="6090253" y="3597587"/>
+            <a:ext cx="5415947" cy="0"/>
+          </a:xfrm>
+          <a:prstGeom prst="straightConnector1">
+            <a:avLst/>
+          </a:prstGeom>
+          <a:ln>
+            <a:headEnd type="none" w="med" len="med"/>
+            <a:tailEnd type="none" w="med" len="med"/>
+          </a:ln>
+        </p:spPr>
+        <p:style>
+          <a:lnRef idx="2">
+            <a:schemeClr val="accent1"/>
+          </a:lnRef>
+          <a:fillRef idx="0">
+            <a:schemeClr val="accent1"/>
+          </a:fillRef>
+          <a:effectRef idx="1">
+            <a:schemeClr val="accent1"/>
+          </a:effectRef>
+          <a:fontRef idx="minor">
+            <a:schemeClr val="tx1"/>
+          </a:fontRef>
+        </p:style>
+      </p:cxnSp>
+      <p:sp>
+        <p:nvSpPr>
+          <p:cNvPr id="11" name="제목 1">
+            <a:extLst>
+              <a:ext uri="{FF2B5EF4-FFF2-40B4-BE49-F238E27FC236}">
+                <a16:creationId xmlns:a16="http://schemas.microsoft.com/office/drawing/2014/main" id="{60C63AE5-968C-7FD2-0726-CD5EE6CB2A1F}"/>
+              </a:ext>
+            </a:extLst>
+          </p:cNvPr>
+          <p:cNvSpPr txBox="1">
+            <a:spLocks/>
+          </p:cNvSpPr>
+          <p:nvPr/>
+        </p:nvSpPr>
+        <p:spPr>
+          <a:xfrm>
+            <a:off x="606663" y="3862660"/>
+            <a:ext cx="1206609" cy="267998"/>
+          </a:xfrm>
+          <a:prstGeom prst="rect">
+            <a:avLst/>
+          </a:prstGeom>
+        </p:spPr>
+        <p:txBody>
+          <a:bodyPr vert="horz" lIns="91440" tIns="45720" rIns="91440" bIns="45720" rtlCol="0" anchor="ctr">
+            <a:normAutofit fontScale="92500"/>
+          </a:bodyPr>
+          <a:lstStyle>
+            <a:lvl1pPr algn="l" defTabSz="914400" rtl="0" eaLnBrk="1" latinLnBrk="1" hangingPunct="1">
               <a:lnSpc>
-                <a:spcPct val="150000"/>
+                <a:spcPct val="90000"/>
               </a:lnSpc>
-              <a:buFont typeface="Arial" panose="020B0604020202020204" pitchFamily="34" charset="0"/>
-              <a:buChar char="•"/>
-            </a:pPr>
-            <a:r>
-              <a:rPr kumimoji="1" lang="en-US" altLang="ko-KR" sz="1400" dirty="0">
-                <a:latin typeface="KoPubWorldDotum Medium" pitchFamily="2" charset="-127"/>
-                <a:ea typeface="KoPubWorldDotum Medium" pitchFamily="2" charset="-127"/>
-                <a:cs typeface="KoPubWorldDotum Medium" pitchFamily="2" charset="-127"/>
-              </a:rPr>
-              <a:t>Vanila</a:t>
-            </a:r>
-            <a:r>
-              <a:rPr kumimoji="1" lang="ko-KR" altLang="en-US" sz="1400" dirty="0">
-                <a:latin typeface="KoPubWorldDotum Medium" pitchFamily="2" charset="-127"/>
-                <a:ea typeface="KoPubWorldDotum Medium" pitchFamily="2" charset="-127"/>
-                <a:cs typeface="KoPubWorldDotum Medium" pitchFamily="2" charset="-127"/>
-              </a:rPr>
-              <a:t> </a:t>
-            </a:r>
-            <a:r>
-              <a:rPr kumimoji="1" lang="en-US" altLang="ko-KR" sz="1400" dirty="0">
-                <a:latin typeface="KoPubWorldDotum Medium" pitchFamily="2" charset="-127"/>
-                <a:ea typeface="KoPubWorldDotum Medium" pitchFamily="2" charset="-127"/>
-                <a:cs typeface="KoPubWorldDotum Medium" pitchFamily="2" charset="-127"/>
-              </a:rPr>
-              <a:t>LLM + </a:t>
-            </a:r>
-            <a:r>
-              <a:rPr kumimoji="1" lang="en-US" altLang="ko-KR" sz="1400" dirty="0" err="1">
-                <a:latin typeface="KoPubWorldDotum Medium" pitchFamily="2" charset="-127"/>
-                <a:ea typeface="KoPubWorldDotum Medium" pitchFamily="2" charset="-127"/>
-                <a:cs typeface="KoPubWorldDotum Medium" pitchFamily="2" charset="-127"/>
-              </a:rPr>
-              <a:t>Langchain</a:t>
-            </a:r>
-            <a:r>
-              <a:rPr kumimoji="1" lang="en-US" altLang="ko-KR" sz="1400" dirty="0">
-                <a:latin typeface="KoPubWorldDotum Medium" pitchFamily="2" charset="-127"/>
-                <a:ea typeface="KoPubWorldDotum Medium" pitchFamily="2" charset="-127"/>
-                <a:cs typeface="KoPubWorldDotum Medium" pitchFamily="2" charset="-127"/>
-              </a:rPr>
-              <a:t> </a:t>
-            </a:r>
-            <a:r>
-              <a:rPr kumimoji="1" lang="ko-KR" altLang="en-US" sz="1400" dirty="0">
-                <a:latin typeface="KoPubWorldDotum Medium" pitchFamily="2" charset="-127"/>
-                <a:ea typeface="KoPubWorldDotum Medium" pitchFamily="2" charset="-127"/>
-                <a:cs typeface="KoPubWorldDotum Medium" pitchFamily="2" charset="-127"/>
-              </a:rPr>
-              <a:t>기반 코드로 동작 방식 및 확장 방안 고민에 초점</a:t>
-            </a:r>
-          </a:p>
-        </p:txBody>
-      </p:sp>
+              <a:spcBef>
+                <a:spcPct val="0"/>
+              </a:spcBef>
+              <a:buNone/>
+              <a:defRPr sz="4400" kern="1200">
+                <a:solidFill>
+                  <a:schemeClr val="tx1"/>
+                </a:solidFill>
+                <a:latin typeface="+mj-lt"/>
+                <a:ea typeface="+mj-ea"/>
+                <a:cs typeface="+mj-cs"/>
+              </a:defRPr>
+            </a:lvl1pPr>
+          </a:lstStyle>
+          <a:p>
+            <a:pPr algn="ctr"/>
+            <a:r>
+              <a:rPr kumimoji="1" lang="en-US" altLang="ko-KR" sz="1100" b="1" dirty="0">
+                <a:latin typeface="KoPubWorldDotum Bold" pitchFamily="2" charset="-127"/>
+                <a:ea typeface="KoPubWorldDotum Bold" pitchFamily="2" charset="-127"/>
+                <a:cs typeface="KoPubWorldDotum Bold" pitchFamily="2" charset="-127"/>
+              </a:rPr>
+              <a:t>Claude 3 Sonnet</a:t>
+            </a:r>
+            <a:endParaRPr kumimoji="1" lang="ko-KR" altLang="en-US" sz="1100" b="1" dirty="0">
+              <a:latin typeface="KoPubWorldDotum Bold" pitchFamily="2" charset="-127"/>
+              <a:ea typeface="KoPubWorldDotum Bold" pitchFamily="2" charset="-127"/>
+              <a:cs typeface="KoPubWorldDotum Bold" pitchFamily="2" charset="-127"/>
+            </a:endParaRPr>
+          </a:p>
+        </p:txBody>
+      </p:sp>
+      <p:cxnSp>
+        <p:nvCxnSpPr>
+          <p:cNvPr id="12" name="직선 화살표 연결선 11">
+            <a:extLst>
+              <a:ext uri="{FF2B5EF4-FFF2-40B4-BE49-F238E27FC236}">
+                <a16:creationId xmlns:a16="http://schemas.microsoft.com/office/drawing/2014/main" id="{33C52862-93D1-41CC-5DC7-A05E67A2D6FC}"/>
+              </a:ext>
+            </a:extLst>
+          </p:cNvPr>
+          <p:cNvCxnSpPr>
+            <a:cxnSpLocks/>
+            <a:stCxn id="5" idx="1"/>
+          </p:cNvCxnSpPr>
+          <p:nvPr/>
+        </p:nvCxnSpPr>
+        <p:spPr>
+          <a:xfrm flipH="1">
+            <a:off x="1463248" y="3611777"/>
+            <a:ext cx="513712" cy="7056"/>
+          </a:xfrm>
+          <a:prstGeom prst="straightConnector1">
+            <a:avLst/>
+          </a:prstGeom>
+          <a:ln>
+            <a:headEnd type="none" w="med" len="med"/>
+            <a:tailEnd type="none" w="med" len="med"/>
+          </a:ln>
+        </p:spPr>
+        <p:style>
+          <a:lnRef idx="2">
+            <a:schemeClr val="accent1"/>
+          </a:lnRef>
+          <a:fillRef idx="0">
+            <a:schemeClr val="accent1"/>
+          </a:fillRef>
+          <a:effectRef idx="1">
+            <a:schemeClr val="accent1"/>
+          </a:effectRef>
+          <a:fontRef idx="minor">
+            <a:schemeClr val="tx1"/>
+          </a:fontRef>
+        </p:style>
+      </p:cxnSp>
+      <p:pic>
+        <p:nvPicPr>
+          <p:cNvPr id="14" name="Picture 2" descr="The AI wars heat up with Claude 3, claimed to have “near-human” abilities |  Ars Technica">
+            <a:extLst>
+              <a:ext uri="{FF2B5EF4-FFF2-40B4-BE49-F238E27FC236}">
+                <a16:creationId xmlns:a16="http://schemas.microsoft.com/office/drawing/2014/main" id="{6D14F15F-012F-C947-96D0-D005C282728B}"/>
+              </a:ext>
+            </a:extLst>
+          </p:cNvPr>
+          <p:cNvPicPr>
+            <a:picLocks noChangeAspect="1" noChangeArrowheads="1"/>
+          </p:cNvPicPr>
+          <p:nvPr/>
+        </p:nvPicPr>
+        <p:blipFill rotWithShape="1">
+          <a:blip r:embed="rId3">
+            <a:extLst>
+              <a:ext uri="{28A0092B-C50C-407E-A947-70E740481C1C}">
+                <a14:useLocalDpi xmlns:a14="http://schemas.microsoft.com/office/drawing/2010/main" val="0"/>
+              </a:ext>
+            </a:extLst>
+          </a:blip>
+          <a:srcRect l="28567" t="10984" r="29591" b="14630"/>
+          <a:stretch/>
+        </p:blipFill>
+        <p:spPr bwMode="auto">
+          <a:xfrm>
+            <a:off x="1018257" y="3391256"/>
+            <a:ext cx="465430" cy="465430"/>
+          </a:xfrm>
+          <a:prstGeom prst="rect">
+            <a:avLst/>
+          </a:prstGeom>
+          <a:noFill/>
+          <a:extLst>
+            <a:ext uri="{909E8E84-426E-40DD-AFC4-6F175D3DCCD1}">
+              <a14:hiddenFill xmlns:a14="http://schemas.microsoft.com/office/drawing/2010/main">
+                <a:solidFill>
+                  <a:srgbClr val="FFFFFF"/>
+                </a:solidFill>
+              </a14:hiddenFill>
+            </a:ext>
+          </a:extLst>
+        </p:spPr>
+      </p:pic>
+      <p:sp>
+        <p:nvSpPr>
+          <p:cNvPr id="28" name="직사각형 27">
+            <a:extLst>
+              <a:ext uri="{FF2B5EF4-FFF2-40B4-BE49-F238E27FC236}">
+                <a16:creationId xmlns:a16="http://schemas.microsoft.com/office/drawing/2014/main" id="{2D1177B4-443A-DE48-6E59-55242EF9534A}"/>
+              </a:ext>
+            </a:extLst>
+          </p:cNvPr>
+          <p:cNvSpPr/>
+          <p:nvPr/>
+        </p:nvSpPr>
+        <p:spPr>
+          <a:xfrm>
+            <a:off x="481291" y="2336800"/>
+            <a:ext cx="2250316" cy="2965493"/>
+          </a:xfrm>
+          <a:prstGeom prst="rect">
+            <a:avLst/>
+          </a:prstGeom>
+          <a:noFill/>
+          <a:ln>
+            <a:solidFill>
+              <a:srgbClr val="000000"/>
+            </a:solidFill>
+            <a:prstDash val="sysDash"/>
+          </a:ln>
+        </p:spPr>
+        <p:style>
+          <a:lnRef idx="2">
+            <a:schemeClr val="accent1">
+              <a:shade val="15000"/>
+            </a:schemeClr>
+          </a:lnRef>
+          <a:fillRef idx="1">
+            <a:schemeClr val="accent1"/>
+          </a:fillRef>
+          <a:effectRef idx="0">
+            <a:schemeClr val="accent1"/>
+          </a:effectRef>
+          <a:fontRef idx="minor">
+            <a:schemeClr val="lt1"/>
+          </a:fontRef>
+        </p:style>
+        <p:txBody>
+          <a:bodyPr rtlCol="0" anchor="ctr"/>
+          <a:lstStyle/>
+          <a:p>
+            <a:pPr algn="ctr"/>
+            <a:endParaRPr kumimoji="1" lang="ko-KR" altLang="en-US"/>
+          </a:p>
+        </p:txBody>
+      </p:sp>
+      <p:pic>
+        <p:nvPicPr>
+          <p:cNvPr id="29" name="Picture 4" descr="Amazon Web Services | Incentro Partner">
+            <a:extLst>
+              <a:ext uri="{FF2B5EF4-FFF2-40B4-BE49-F238E27FC236}">
+                <a16:creationId xmlns:a16="http://schemas.microsoft.com/office/drawing/2014/main" id="{44F1C286-5CB2-B985-4AC2-F1D6B2416C7A}"/>
+              </a:ext>
+            </a:extLst>
+          </p:cNvPr>
+          <p:cNvPicPr>
+            <a:picLocks noChangeAspect="1" noChangeArrowheads="1"/>
+          </p:cNvPicPr>
+          <p:nvPr/>
+        </p:nvPicPr>
+        <p:blipFill>
+          <a:blip r:embed="rId4">
+            <a:extLst>
+              <a:ext uri="{28A0092B-C50C-407E-A947-70E740481C1C}">
+                <a14:useLocalDpi xmlns:a14="http://schemas.microsoft.com/office/drawing/2010/main" val="0"/>
+              </a:ext>
+            </a:extLst>
+          </a:blip>
+          <a:srcRect/>
+          <a:stretch>
+            <a:fillRect/>
+          </a:stretch>
+        </p:blipFill>
+        <p:spPr bwMode="auto">
+          <a:xfrm>
+            <a:off x="486534" y="2328764"/>
+            <a:ext cx="377292" cy="377292"/>
+          </a:xfrm>
+          <a:prstGeom prst="rect">
+            <a:avLst/>
+          </a:prstGeom>
+          <a:noFill/>
+          <a:extLst>
+            <a:ext uri="{909E8E84-426E-40DD-AFC4-6F175D3DCCD1}">
+              <a14:hiddenFill xmlns:a14="http://schemas.microsoft.com/office/drawing/2010/main">
+                <a:solidFill>
+                  <a:srgbClr val="FFFFFF"/>
+                </a:solidFill>
+              </a14:hiddenFill>
+            </a:ext>
+          </a:extLst>
+        </p:spPr>
+      </p:pic>
+      <p:sp>
+        <p:nvSpPr>
+          <p:cNvPr id="30" name="처리 29">
+            <a:extLst>
+              <a:ext uri="{FF2B5EF4-FFF2-40B4-BE49-F238E27FC236}">
+                <a16:creationId xmlns:a16="http://schemas.microsoft.com/office/drawing/2014/main" id="{A00AB7F7-7997-5E94-B797-0064F198B1E6}"/>
+              </a:ext>
+            </a:extLst>
+          </p:cNvPr>
+          <p:cNvSpPr/>
+          <p:nvPr/>
+        </p:nvSpPr>
+        <p:spPr>
+          <a:xfrm>
+            <a:off x="4887144" y="3475616"/>
+            <a:ext cx="1203109" cy="243942"/>
+          </a:xfrm>
+          <a:prstGeom prst="flowChartProcess">
+            <a:avLst/>
+          </a:prstGeom>
+          <a:solidFill>
+            <a:schemeClr val="accent1"/>
+          </a:solidFill>
+          <a:ln>
+            <a:noFill/>
+          </a:ln>
+        </p:spPr>
+        <p:style>
+          <a:lnRef idx="2">
+            <a:schemeClr val="accent1">
+              <a:shade val="15000"/>
+            </a:schemeClr>
+          </a:lnRef>
+          <a:fillRef idx="1">
+            <a:schemeClr val="accent1"/>
+          </a:fillRef>
+          <a:effectRef idx="0">
+            <a:schemeClr val="accent1"/>
+          </a:effectRef>
+          <a:fontRef idx="minor">
+            <a:schemeClr val="lt1"/>
+          </a:fontRef>
+        </p:style>
+        <p:txBody>
+          <a:bodyPr rtlCol="0" anchor="ctr"/>
+          <a:lstStyle/>
+          <a:p>
+            <a:pPr algn="ctr"/>
+            <a:r>
+              <a:rPr kumimoji="1" lang="en-US" altLang="ko-KR" sz="1100" b="1" dirty="0" err="1">
+                <a:latin typeface="KoPubWorldDotum Bold" pitchFamily="2" charset="-127"/>
+                <a:ea typeface="KoPubWorldDotum Bold" pitchFamily="2" charset="-127"/>
+                <a:cs typeface="KoPubWorldDotum Bold" pitchFamily="2" charset="-127"/>
+              </a:rPr>
+              <a:t>Back.py</a:t>
+            </a:r>
+            <a:endParaRPr kumimoji="1" lang="ko-KR" altLang="en-US" sz="1100" b="1" dirty="0">
+              <a:latin typeface="KoPubWorldDotum Bold" pitchFamily="2" charset="-127"/>
+              <a:ea typeface="KoPubWorldDotum Bold" pitchFamily="2" charset="-127"/>
+              <a:cs typeface="KoPubWorldDotum Bold" pitchFamily="2" charset="-127"/>
+            </a:endParaRPr>
+          </a:p>
+        </p:txBody>
+      </p:sp>
+      <p:pic>
+        <p:nvPicPr>
+          <p:cNvPr id="31" name="그래픽 30" descr="사용자 단색으로 채워진">
+            <a:extLst>
+              <a:ext uri="{FF2B5EF4-FFF2-40B4-BE49-F238E27FC236}">
+                <a16:creationId xmlns:a16="http://schemas.microsoft.com/office/drawing/2014/main" id="{2DB94361-6B77-3514-FA86-699D67415257}"/>
+              </a:ext>
+            </a:extLst>
+          </p:cNvPr>
+          <p:cNvPicPr>
+            <a:picLocks noChangeAspect="1"/>
+          </p:cNvPicPr>
+          <p:nvPr/>
+        </p:nvPicPr>
+        <p:blipFill>
+          <a:blip r:embed="rId5">
+            <a:extLst>
+              <a:ext uri="{96DAC541-7B7A-43D3-8B79-37D633B846F1}">
+                <asvg:svgBlip xmlns:asvg="http://schemas.microsoft.com/office/drawing/2016/SVG/main" r:embed="rId6"/>
+              </a:ext>
+            </a:extLst>
+          </a:blip>
+          <a:stretch>
+            <a:fillRect/>
+          </a:stretch>
+        </p:blipFill>
+        <p:spPr>
+          <a:xfrm>
+            <a:off x="11069435" y="3141147"/>
+            <a:ext cx="754027" cy="754027"/>
+          </a:xfrm>
+          <a:prstGeom prst="rect">
+            <a:avLst/>
+          </a:prstGeom>
+        </p:spPr>
+      </p:pic>
+      <p:sp>
+        <p:nvSpPr>
+          <p:cNvPr id="32" name="직사각형 31">
+            <a:extLst>
+              <a:ext uri="{FF2B5EF4-FFF2-40B4-BE49-F238E27FC236}">
+                <a16:creationId xmlns:a16="http://schemas.microsoft.com/office/drawing/2014/main" id="{9BE9C039-262B-B5BF-5822-71637DC0744D}"/>
+              </a:ext>
+            </a:extLst>
+          </p:cNvPr>
+          <p:cNvSpPr/>
+          <p:nvPr/>
+        </p:nvSpPr>
+        <p:spPr>
+          <a:xfrm>
+            <a:off x="4646366" y="2336799"/>
+            <a:ext cx="1672053" cy="2965493"/>
+          </a:xfrm>
+          <a:prstGeom prst="rect">
+            <a:avLst/>
+          </a:prstGeom>
+          <a:noFill/>
+          <a:ln>
+            <a:solidFill>
+              <a:srgbClr val="000000"/>
+            </a:solidFill>
+            <a:prstDash val="sysDash"/>
+          </a:ln>
+        </p:spPr>
+        <p:style>
+          <a:lnRef idx="2">
+            <a:schemeClr val="accent1">
+              <a:shade val="15000"/>
+            </a:schemeClr>
+          </a:lnRef>
+          <a:fillRef idx="1">
+            <a:schemeClr val="accent1"/>
+          </a:fillRef>
+          <a:effectRef idx="0">
+            <a:schemeClr val="accent1"/>
+          </a:effectRef>
+          <a:fontRef idx="minor">
+            <a:schemeClr val="lt1"/>
+          </a:fontRef>
+        </p:style>
+        <p:txBody>
+          <a:bodyPr rtlCol="0" anchor="ctr"/>
+          <a:lstStyle/>
+          <a:p>
+            <a:pPr algn="ctr"/>
+            <a:endParaRPr kumimoji="1" lang="ko-KR" altLang="en-US"/>
+          </a:p>
+        </p:txBody>
+      </p:sp>
+      <p:sp>
+        <p:nvSpPr>
+          <p:cNvPr id="35" name="직사각형 34">
+            <a:extLst>
+              <a:ext uri="{FF2B5EF4-FFF2-40B4-BE49-F238E27FC236}">
+                <a16:creationId xmlns:a16="http://schemas.microsoft.com/office/drawing/2014/main" id="{AA7DEE17-5317-5091-378B-F298918F78EC}"/>
+              </a:ext>
+            </a:extLst>
+          </p:cNvPr>
+          <p:cNvSpPr/>
+          <p:nvPr/>
+        </p:nvSpPr>
+        <p:spPr>
+          <a:xfrm>
+            <a:off x="4633754" y="2328764"/>
+            <a:ext cx="377292" cy="377292"/>
+          </a:xfrm>
+          <a:prstGeom prst="rect">
+            <a:avLst/>
+          </a:prstGeom>
+          <a:solidFill>
+            <a:schemeClr val="tx1"/>
+          </a:solidFill>
+          <a:ln>
+            <a:noFill/>
+          </a:ln>
+        </p:spPr>
+        <p:style>
+          <a:lnRef idx="2">
+            <a:schemeClr val="accent1">
+              <a:shade val="15000"/>
+            </a:schemeClr>
+          </a:lnRef>
+          <a:fillRef idx="1">
+            <a:schemeClr val="accent1"/>
+          </a:fillRef>
+          <a:effectRef idx="0">
+            <a:schemeClr val="accent1"/>
+          </a:effectRef>
+          <a:fontRef idx="minor">
+            <a:schemeClr val="lt1"/>
+          </a:fontRef>
+        </p:style>
+        <p:txBody>
+          <a:bodyPr rtlCol="0" anchor="ctr"/>
+          <a:lstStyle/>
+          <a:p>
+            <a:pPr algn="ctr"/>
+            <a:endParaRPr kumimoji="1" lang="ko-KR" altLang="en-US"/>
+          </a:p>
+        </p:txBody>
+      </p:sp>
+      <p:pic>
+        <p:nvPicPr>
+          <p:cNvPr id="38" name="그래픽 37" descr="건물 단색으로 채워진">
+            <a:extLst>
+              <a:ext uri="{FF2B5EF4-FFF2-40B4-BE49-F238E27FC236}">
+                <a16:creationId xmlns:a16="http://schemas.microsoft.com/office/drawing/2014/main" id="{50BDE907-9BBC-B38E-1001-2433B1B0F1E1}"/>
+              </a:ext>
+            </a:extLst>
+          </p:cNvPr>
+          <p:cNvPicPr>
+            <a:picLocks noChangeAspect="1"/>
+          </p:cNvPicPr>
+          <p:nvPr/>
+        </p:nvPicPr>
+        <p:blipFill>
+          <a:blip r:embed="rId7">
+            <a:extLst>
+              <a:ext uri="{96DAC541-7B7A-43D3-8B79-37D633B846F1}">
+                <asvg:svgBlip xmlns:asvg="http://schemas.microsoft.com/office/drawing/2016/SVG/main" r:embed="rId8"/>
+              </a:ext>
+            </a:extLst>
+          </a:blip>
+          <a:stretch>
+            <a:fillRect/>
+          </a:stretch>
+        </p:blipFill>
+        <p:spPr>
+          <a:xfrm>
+            <a:off x="4673305" y="2367853"/>
+            <a:ext cx="298189" cy="298189"/>
+          </a:xfrm>
+          <a:prstGeom prst="rect">
+            <a:avLst/>
+          </a:prstGeom>
+        </p:spPr>
+      </p:pic>
     </p:spTree>
     <p:extLst>
       <p:ext uri="{BB962C8B-B14F-4D97-AF65-F5344CB8AC3E}">
-        <p14:creationId xmlns:p14="http://schemas.microsoft.com/office/powerpoint/2010/main" val="4055087170"/>
+        <p14:creationId xmlns:p14="http://schemas.microsoft.com/office/powerpoint/2010/main" val="4242104945"/>
       </p:ext>
     </p:extLst>
   </p:cSld>
@@ -4738,122 +4928,6 @@
       </p:grpSpPr>
       <p:sp>
         <p:nvSpPr>
-          <p:cNvPr id="26" name="직사각형 25">
-            <a:extLst>
-              <a:ext uri="{FF2B5EF4-FFF2-40B4-BE49-F238E27FC236}">
-                <a16:creationId xmlns:a16="http://schemas.microsoft.com/office/drawing/2014/main" id="{E6D0BFD3-9BEB-67EE-5254-30AE334CAF64}"/>
-              </a:ext>
-            </a:extLst>
-          </p:cNvPr>
-          <p:cNvSpPr/>
-          <p:nvPr/>
-        </p:nvSpPr>
-        <p:spPr>
-          <a:xfrm>
-            <a:off x="1922203" y="2161183"/>
-            <a:ext cx="983768" cy="1009248"/>
-          </a:xfrm>
-          <a:prstGeom prst="rect">
-            <a:avLst/>
-          </a:prstGeom>
-          <a:solidFill>
-            <a:schemeClr val="tx2">
-              <a:lumMod val="10000"/>
-              <a:lumOff val="90000"/>
-            </a:schemeClr>
-          </a:solidFill>
-          <a:ln>
-            <a:solidFill>
-              <a:srgbClr val="000000"/>
-            </a:solidFill>
-            <a:prstDash val="sysDash"/>
-          </a:ln>
-        </p:spPr>
-        <p:style>
-          <a:lnRef idx="2">
-            <a:schemeClr val="accent1">
-              <a:shade val="15000"/>
-            </a:schemeClr>
-          </a:lnRef>
-          <a:fillRef idx="1">
-            <a:schemeClr val="accent1"/>
-          </a:fillRef>
-          <a:effectRef idx="0">
-            <a:schemeClr val="accent1"/>
-          </a:effectRef>
-          <a:fontRef idx="minor">
-            <a:schemeClr val="lt1"/>
-          </a:fontRef>
-        </p:style>
-        <p:txBody>
-          <a:bodyPr rtlCol="0" anchor="ctr"/>
-          <a:lstStyle/>
-          <a:p>
-            <a:pPr algn="ctr"/>
-            <a:endParaRPr kumimoji="1" lang="ko-KR" altLang="en-US"/>
-          </a:p>
-        </p:txBody>
-      </p:sp>
-      <p:sp>
-        <p:nvSpPr>
-          <p:cNvPr id="22" name="직사각형 21">
-            <a:extLst>
-              <a:ext uri="{FF2B5EF4-FFF2-40B4-BE49-F238E27FC236}">
-                <a16:creationId xmlns:a16="http://schemas.microsoft.com/office/drawing/2014/main" id="{A51E6A43-D2B6-BA02-2224-D4254F987213}"/>
-              </a:ext>
-            </a:extLst>
-          </p:cNvPr>
-          <p:cNvSpPr/>
-          <p:nvPr/>
-        </p:nvSpPr>
-        <p:spPr>
-          <a:xfrm>
-            <a:off x="5095415" y="3391909"/>
-            <a:ext cx="2831487" cy="745754"/>
-          </a:xfrm>
-          <a:prstGeom prst="rect">
-            <a:avLst/>
-          </a:prstGeom>
-          <a:solidFill>
-            <a:schemeClr val="tx2">
-              <a:lumMod val="10000"/>
-              <a:lumOff val="90000"/>
-            </a:schemeClr>
-          </a:solidFill>
-          <a:ln>
-            <a:solidFill>
-              <a:srgbClr val="000000"/>
-            </a:solidFill>
-            <a:prstDash val="sysDash"/>
-          </a:ln>
-        </p:spPr>
-        <p:style>
-          <a:lnRef idx="2">
-            <a:schemeClr val="accent1">
-              <a:shade val="15000"/>
-            </a:schemeClr>
-          </a:lnRef>
-          <a:fillRef idx="1">
-            <a:schemeClr val="accent1"/>
-          </a:fillRef>
-          <a:effectRef idx="0">
-            <a:schemeClr val="accent1"/>
-          </a:effectRef>
-          <a:fontRef idx="minor">
-            <a:schemeClr val="lt1"/>
-          </a:fontRef>
-        </p:style>
-        <p:txBody>
-          <a:bodyPr rtlCol="0" anchor="ctr"/>
-          <a:lstStyle/>
-          <a:p>
-            <a:pPr algn="ctr"/>
-            <a:endParaRPr kumimoji="1" lang="ko-KR" altLang="en-US"/>
-          </a:p>
-        </p:txBody>
-      </p:sp>
-      <p:sp>
-        <p:nvSpPr>
           <p:cNvPr id="2" name="제목 1">
             <a:extLst>
               <a:ext uri="{FF2B5EF4-FFF2-40B4-BE49-F238E27FC236}">
@@ -4886,7 +4960,15 @@
                 <a:ea typeface="KoPubWorldDotum Medium" pitchFamily="2" charset="-127"/>
                 <a:cs typeface="KoPubWorldDotum Medium" pitchFamily="2" charset="-127"/>
               </a:rPr>
-              <a:t>Phase 2: LLM </a:t>
+              <a:t>Phase 1: </a:t>
+            </a:r>
+            <a:r>
+              <a:rPr kumimoji="1" lang="ko-KR" altLang="en-US" sz="2800" dirty="0" err="1">
+                <a:latin typeface="KoPubWorldDotum Medium" pitchFamily="2" charset="-127"/>
+                <a:ea typeface="KoPubWorldDotum Medium" pitchFamily="2" charset="-127"/>
+                <a:cs typeface="KoPubWorldDotum Medium" pitchFamily="2" charset="-127"/>
+              </a:rPr>
+              <a:t>백엔드</a:t>
             </a:r>
             <a:r>
               <a:rPr kumimoji="1" lang="ko-KR" altLang="en-US" sz="2800" dirty="0">
@@ -4894,80 +4976,17 @@
                 <a:ea typeface="KoPubWorldDotum Medium" pitchFamily="2" charset="-127"/>
                 <a:cs typeface="KoPubWorldDotum Medium" pitchFamily="2" charset="-127"/>
               </a:rPr>
-              <a:t>학습 </a:t>
-            </a:r>
-            <a:r>
-              <a:rPr kumimoji="1" lang="en-US" altLang="ko-KR" sz="2800" dirty="0">
-                <a:latin typeface="KoPubWorldDotum Medium" pitchFamily="2" charset="-127"/>
-                <a:ea typeface="KoPubWorldDotum Medium" pitchFamily="2" charset="-127"/>
-                <a:cs typeface="KoPubWorldDotum Medium" pitchFamily="2" charset="-127"/>
-              </a:rPr>
-              <a:t>+</a:t>
-            </a:r>
-            <a:r>
-              <a:rPr kumimoji="1" lang="ko-KR" altLang="en-US" sz="2800" dirty="0">
-                <a:latin typeface="KoPubWorldDotum Medium" pitchFamily="2" charset="-127"/>
-                <a:ea typeface="KoPubWorldDotum Medium" pitchFamily="2" charset="-127"/>
-                <a:cs typeface="KoPubWorldDotum Medium" pitchFamily="2" charset="-127"/>
-              </a:rPr>
-              <a:t> 최소 아키텍처 작업</a:t>
-            </a:r>
-          </a:p>
-        </p:txBody>
-      </p:sp>
-      <p:pic>
-        <p:nvPicPr>
-          <p:cNvPr id="1026" name="Picture 2" descr="Amazon Bedrock Connector - Overview (O11) | OutSystems">
-            <a:extLst>
-              <a:ext uri="{FF2B5EF4-FFF2-40B4-BE49-F238E27FC236}">
-                <a16:creationId xmlns:a16="http://schemas.microsoft.com/office/drawing/2014/main" id="{6DA16296-BD32-D7F0-01D5-6C09271FAC81}"/>
-              </a:ext>
-            </a:extLst>
-          </p:cNvPr>
-          <p:cNvPicPr>
-            <a:picLocks noChangeAspect="1" noChangeArrowheads="1"/>
-          </p:cNvPicPr>
-          <p:nvPr/>
-        </p:nvPicPr>
-        <p:blipFill>
-          <a:blip r:embed="rId2">
-            <a:extLst>
-              <a:ext uri="{28A0092B-C50C-407E-A947-70E740481C1C}">
-                <a14:useLocalDpi xmlns:a14="http://schemas.microsoft.com/office/drawing/2010/main" val="0"/>
-              </a:ext>
-            </a:extLst>
-          </a:blip>
-          <a:srcRect/>
-          <a:stretch>
-            <a:fillRect/>
-          </a:stretch>
-        </p:blipFill>
-        <p:spPr bwMode="auto">
-          <a:xfrm>
-            <a:off x="2959757" y="3379062"/>
-            <a:ext cx="465430" cy="465430"/>
-          </a:xfrm>
-          <a:prstGeom prst="rect">
-            <a:avLst/>
-          </a:prstGeom>
-          <a:noFill/>
-          <a:extLst>
-            <a:ext uri="{909E8E84-426E-40DD-AFC4-6F175D3DCCD1}">
-              <a14:hiddenFill xmlns:a14="http://schemas.microsoft.com/office/drawing/2010/main">
-                <a:solidFill>
-                  <a:srgbClr val="FFFFFF"/>
-                </a:solidFill>
-              </a14:hiddenFill>
-            </a:ext>
-          </a:extLst>
-        </p:spPr>
-      </p:pic>
-      <p:sp>
-        <p:nvSpPr>
-          <p:cNvPr id="4" name="제목 1">
-            <a:extLst>
-              <a:ext uri="{FF2B5EF4-FFF2-40B4-BE49-F238E27FC236}">
-                <a16:creationId xmlns:a16="http://schemas.microsoft.com/office/drawing/2014/main" id="{6B3A304C-BFF1-2B0E-6D04-E3EBC01A9BD6}"/>
+              <a:t> 필수 요소 구축</a:t>
+            </a:r>
+          </a:p>
+        </p:txBody>
+      </p:sp>
+      <p:sp>
+        <p:nvSpPr>
+          <p:cNvPr id="37" name="제목 1">
+            <a:extLst>
+              <a:ext uri="{FF2B5EF4-FFF2-40B4-BE49-F238E27FC236}">
+                <a16:creationId xmlns:a16="http://schemas.microsoft.com/office/drawing/2014/main" id="{163F80DA-9669-620F-6B55-9F86CE7E6220}"/>
               </a:ext>
             </a:extLst>
           </p:cNvPr>
@@ -4978,8 +4997,8 @@
         </p:nvSpPr>
         <p:spPr>
           <a:xfrm>
-            <a:off x="2822871" y="3829937"/>
-            <a:ext cx="739201" cy="267998"/>
+            <a:off x="368537" y="700863"/>
+            <a:ext cx="11454925" cy="1518755"/>
           </a:xfrm>
           <a:prstGeom prst="rect">
             <a:avLst/>
@@ -5009,29 +5028,238 @@
             </a:lvl1pPr>
           </a:lstStyle>
           <a:p>
-            <a:pPr algn="ctr"/>
-            <a:r>
-              <a:rPr kumimoji="1" lang="en-US" altLang="ko-KR" sz="1100" b="1" dirty="0">
-                <a:latin typeface="KoPubWorldDotum Bold" pitchFamily="2" charset="-127"/>
-                <a:ea typeface="KoPubWorldDotum Bold" pitchFamily="2" charset="-127"/>
-                <a:cs typeface="KoPubWorldDotum Bold" pitchFamily="2" charset="-127"/>
-              </a:rPr>
-              <a:t>Bedrock</a:t>
-            </a:r>
-            <a:endParaRPr kumimoji="1" lang="ko-KR" altLang="en-US" sz="1100" b="1" dirty="0">
-              <a:latin typeface="KoPubWorldDotum Bold" pitchFamily="2" charset="-127"/>
-              <a:ea typeface="KoPubWorldDotum Bold" pitchFamily="2" charset="-127"/>
-              <a:cs typeface="KoPubWorldDotum Bold" pitchFamily="2" charset="-127"/>
+            <a:pPr marL="285750" indent="-285750">
+              <a:lnSpc>
+                <a:spcPct val="150000"/>
+              </a:lnSpc>
+              <a:buFont typeface="Arial" panose="020B0604020202020204" pitchFamily="34" charset="0"/>
+              <a:buChar char="•"/>
+            </a:pPr>
+            <a:r>
+              <a:rPr kumimoji="1" lang="ko-KR" altLang="en-US" sz="1400" dirty="0" err="1">
+                <a:latin typeface="KoPubWorldDotum Medium" pitchFamily="2" charset="-127"/>
+                <a:ea typeface="KoPubWorldDotum Medium" pitchFamily="2" charset="-127"/>
+                <a:cs typeface="KoPubWorldDotum Medium" pitchFamily="2" charset="-127"/>
+              </a:rPr>
+              <a:t>챗봇에게</a:t>
+            </a:r>
+            <a:r>
+              <a:rPr kumimoji="1" lang="ko-KR" altLang="en-US" sz="1400" dirty="0">
+                <a:latin typeface="KoPubWorldDotum Medium" pitchFamily="2" charset="-127"/>
+                <a:ea typeface="KoPubWorldDotum Medium" pitchFamily="2" charset="-127"/>
+                <a:cs typeface="KoPubWorldDotum Medium" pitchFamily="2" charset="-127"/>
+              </a:rPr>
+              <a:t> 역할을 제시하는 </a:t>
+            </a:r>
+            <a:r>
+              <a:rPr kumimoji="1" lang="en-US" altLang="ko-KR" sz="1400" dirty="0">
+                <a:latin typeface="KoPubWorldDotum Medium" pitchFamily="2" charset="-127"/>
+                <a:ea typeface="KoPubWorldDotum Medium" pitchFamily="2" charset="-127"/>
+                <a:cs typeface="KoPubWorldDotum Medium" pitchFamily="2" charset="-127"/>
+              </a:rPr>
+              <a:t>Agent</a:t>
+            </a:r>
+            <a:r>
+              <a:rPr kumimoji="1" lang="ko-KR" altLang="en-US" sz="1400" dirty="0" err="1">
+                <a:latin typeface="KoPubWorldDotum Medium" pitchFamily="2" charset="-127"/>
+                <a:ea typeface="KoPubWorldDotum Medium" pitchFamily="2" charset="-127"/>
+                <a:cs typeface="KoPubWorldDotum Medium" pitchFamily="2" charset="-127"/>
+              </a:rPr>
+              <a:t>를</a:t>
+            </a:r>
+            <a:r>
+              <a:rPr kumimoji="1" lang="ko-KR" altLang="en-US" sz="1400" dirty="0">
+                <a:latin typeface="KoPubWorldDotum Medium" pitchFamily="2" charset="-127"/>
+                <a:ea typeface="KoPubWorldDotum Medium" pitchFamily="2" charset="-127"/>
+                <a:cs typeface="KoPubWorldDotum Medium" pitchFamily="2" charset="-127"/>
+              </a:rPr>
+              <a:t> 직접 구현</a:t>
+            </a:r>
+            <a:endParaRPr kumimoji="1" lang="en-US" altLang="ko-KR" sz="1400" dirty="0">
+              <a:latin typeface="KoPubWorldDotum Medium" pitchFamily="2" charset="-127"/>
+              <a:ea typeface="KoPubWorldDotum Medium" pitchFamily="2" charset="-127"/>
+              <a:cs typeface="KoPubWorldDotum Medium" pitchFamily="2" charset="-127"/>
             </a:endParaRPr>
           </a:p>
-        </p:txBody>
-      </p:sp>
-      <p:sp>
-        <p:nvSpPr>
-          <p:cNvPr id="5" name="처리 4">
-            <a:extLst>
-              <a:ext uri="{FF2B5EF4-FFF2-40B4-BE49-F238E27FC236}">
-                <a16:creationId xmlns:a16="http://schemas.microsoft.com/office/drawing/2014/main" id="{1251B4A2-E216-00DA-2410-157BE1F5C454}"/>
+          <a:p>
+            <a:pPr marL="285750" indent="-285750">
+              <a:lnSpc>
+                <a:spcPct val="150000"/>
+              </a:lnSpc>
+              <a:buFont typeface="Arial" panose="020B0604020202020204" pitchFamily="34" charset="0"/>
+              <a:buChar char="•"/>
+            </a:pPr>
+            <a:r>
+              <a:rPr kumimoji="1" lang="ko-KR" altLang="en-US" sz="1400" dirty="0" err="1">
+                <a:latin typeface="KoPubWorldDotum Medium" pitchFamily="2" charset="-127"/>
+                <a:ea typeface="KoPubWorldDotum Medium" pitchFamily="2" charset="-127"/>
+                <a:cs typeface="KoPubWorldDotum Medium" pitchFamily="2" charset="-127"/>
+              </a:rPr>
+              <a:t>백엔드</a:t>
+            </a:r>
+            <a:r>
+              <a:rPr kumimoji="1" lang="ko-KR" altLang="en-US" sz="1400" dirty="0">
+                <a:latin typeface="KoPubWorldDotum Medium" pitchFamily="2" charset="-127"/>
+                <a:ea typeface="KoPubWorldDotum Medium" pitchFamily="2" charset="-127"/>
+                <a:cs typeface="KoPubWorldDotum Medium" pitchFamily="2" charset="-127"/>
+              </a:rPr>
+              <a:t> 파일은 서버리스로 </a:t>
+            </a:r>
+            <a:r>
+              <a:rPr kumimoji="1" lang="en-US" altLang="ko-KR" sz="1400" dirty="0">
+                <a:latin typeface="KoPubWorldDotum Medium" pitchFamily="2" charset="-127"/>
+                <a:ea typeface="KoPubWorldDotum Medium" pitchFamily="2" charset="-127"/>
+                <a:cs typeface="KoPubWorldDotum Medium" pitchFamily="2" charset="-127"/>
+              </a:rPr>
+              <a:t>Lambda</a:t>
+            </a:r>
+            <a:r>
+              <a:rPr kumimoji="1" lang="ko-KR" altLang="en-US" sz="1400" dirty="0">
+                <a:latin typeface="KoPubWorldDotum Medium" pitchFamily="2" charset="-127"/>
+                <a:ea typeface="KoPubWorldDotum Medium" pitchFamily="2" charset="-127"/>
+                <a:cs typeface="KoPubWorldDotum Medium" pitchFamily="2" charset="-127"/>
+              </a:rPr>
+              <a:t> 활용</a:t>
+            </a:r>
+            <a:r>
+              <a:rPr kumimoji="1" lang="en-US" altLang="ko-KR" sz="1400" dirty="0">
+                <a:latin typeface="KoPubWorldDotum Medium" pitchFamily="2" charset="-127"/>
+                <a:ea typeface="KoPubWorldDotum Medium" pitchFamily="2" charset="-127"/>
+                <a:cs typeface="KoPubWorldDotum Medium" pitchFamily="2" charset="-127"/>
+              </a:rPr>
+              <a:t>, python </a:t>
+            </a:r>
+            <a:r>
+              <a:rPr kumimoji="1" lang="ko-KR" altLang="en-US" sz="1400" dirty="0">
+                <a:latin typeface="KoPubWorldDotum Medium" pitchFamily="2" charset="-127"/>
+                <a:ea typeface="KoPubWorldDotum Medium" pitchFamily="2" charset="-127"/>
+                <a:cs typeface="KoPubWorldDotum Medium" pitchFamily="2" charset="-127"/>
+              </a:rPr>
+              <a:t>외 다른 언어 써도 </a:t>
+            </a:r>
+            <a:r>
+              <a:rPr kumimoji="1" lang="en-US" altLang="ko-KR" sz="1400" dirty="0">
+                <a:latin typeface="KoPubWorldDotum Medium" pitchFamily="2" charset="-127"/>
+                <a:ea typeface="KoPubWorldDotum Medium" pitchFamily="2" charset="-127"/>
+                <a:cs typeface="KoPubWorldDotum Medium" pitchFamily="2" charset="-127"/>
+              </a:rPr>
+              <a:t>OK</a:t>
+            </a:r>
+          </a:p>
+          <a:p>
+            <a:pPr marL="285750" indent="-285750">
+              <a:lnSpc>
+                <a:spcPct val="150000"/>
+              </a:lnSpc>
+              <a:buFont typeface="Arial" panose="020B0604020202020204" pitchFamily="34" charset="0"/>
+              <a:buChar char="•"/>
+            </a:pPr>
+            <a:r>
+              <a:rPr kumimoji="1" lang="ko-KR" altLang="en-US" sz="1400" dirty="0">
+                <a:latin typeface="KoPubWorldDotum Medium" pitchFamily="2" charset="-127"/>
+                <a:ea typeface="KoPubWorldDotum Medium" pitchFamily="2" charset="-127"/>
+                <a:cs typeface="KoPubWorldDotum Medium" pitchFamily="2" charset="-127"/>
+              </a:rPr>
+              <a:t>단일 사용자 단일 세션을 가정하고 메모리 구현 </a:t>
+            </a:r>
+            <a:r>
+              <a:rPr kumimoji="1" lang="en-US" altLang="ko-KR" sz="1400" dirty="0">
+                <a:latin typeface="KoPubWorldDotum Medium" pitchFamily="2" charset="-127"/>
+                <a:ea typeface="KoPubWorldDotum Medium" pitchFamily="2" charset="-127"/>
+                <a:cs typeface="KoPubWorldDotum Medium" pitchFamily="2" charset="-127"/>
+              </a:rPr>
+              <a:t>–</a:t>
+            </a:r>
+            <a:r>
+              <a:rPr kumimoji="1" lang="ko-KR" altLang="en-US" sz="1400" dirty="0">
+                <a:latin typeface="KoPubWorldDotum Medium" pitchFamily="2" charset="-127"/>
+                <a:ea typeface="KoPubWorldDotum Medium" pitchFamily="2" charset="-127"/>
+                <a:cs typeface="KoPubWorldDotum Medium" pitchFamily="2" charset="-127"/>
+              </a:rPr>
+              <a:t> 일단 레퍼런스 참고해서 </a:t>
+            </a:r>
+            <a:r>
+              <a:rPr kumimoji="1" lang="en-US" altLang="ko-KR" sz="1400" dirty="0">
+                <a:latin typeface="KoPubWorldDotum Medium" pitchFamily="2" charset="-127"/>
+                <a:ea typeface="KoPubWorldDotum Medium" pitchFamily="2" charset="-127"/>
+                <a:cs typeface="KoPubWorldDotum Medium" pitchFamily="2" charset="-127"/>
+              </a:rPr>
+              <a:t>DynamoDB</a:t>
+            </a:r>
+            <a:r>
+              <a:rPr kumimoji="1" lang="ko-KR" altLang="en-US" sz="1400" dirty="0">
+                <a:latin typeface="KoPubWorldDotum Medium" pitchFamily="2" charset="-127"/>
+                <a:ea typeface="KoPubWorldDotum Medium" pitchFamily="2" charset="-127"/>
+                <a:cs typeface="KoPubWorldDotum Medium" pitchFamily="2" charset="-127"/>
+              </a:rPr>
+              <a:t> 활용</a:t>
+            </a:r>
+            <a:endParaRPr kumimoji="1" lang="en-US" altLang="ko-KR" sz="1400" dirty="0">
+              <a:latin typeface="KoPubWorldDotum Medium" pitchFamily="2" charset="-127"/>
+              <a:ea typeface="KoPubWorldDotum Medium" pitchFamily="2" charset="-127"/>
+              <a:cs typeface="KoPubWorldDotum Medium" pitchFamily="2" charset="-127"/>
+            </a:endParaRPr>
+          </a:p>
+          <a:p>
+            <a:pPr marL="285750" indent="-285750">
+              <a:lnSpc>
+                <a:spcPct val="150000"/>
+              </a:lnSpc>
+              <a:buFont typeface="Arial" panose="020B0604020202020204" pitchFamily="34" charset="0"/>
+              <a:buChar char="•"/>
+            </a:pPr>
+            <a:r>
+              <a:rPr kumimoji="1" lang="ko-KR" altLang="en-US" sz="1400" dirty="0">
+                <a:latin typeface="KoPubWorldDotum Medium" pitchFamily="2" charset="-127"/>
+                <a:ea typeface="KoPubWorldDotum Medium" pitchFamily="2" charset="-127"/>
+                <a:cs typeface="KoPubWorldDotum Medium" pitchFamily="2" charset="-127"/>
+              </a:rPr>
+              <a:t>프론트 없으므로 인터랙션</a:t>
+            </a:r>
+            <a:r>
+              <a:rPr kumimoji="1" lang="en-US" altLang="ko-KR" sz="1400" dirty="0">
+                <a:latin typeface="KoPubWorldDotum Medium" pitchFamily="2" charset="-127"/>
+                <a:ea typeface="KoPubWorldDotum Medium" pitchFamily="2" charset="-127"/>
+                <a:cs typeface="KoPubWorldDotum Medium" pitchFamily="2" charset="-127"/>
+              </a:rPr>
+              <a:t> </a:t>
+            </a:r>
+            <a:r>
+              <a:rPr kumimoji="1" lang="ko-KR" altLang="en-US" sz="1400" dirty="0">
+                <a:latin typeface="KoPubWorldDotum Medium" pitchFamily="2" charset="-127"/>
+                <a:ea typeface="KoPubWorldDotum Medium" pitchFamily="2" charset="-127"/>
+                <a:cs typeface="KoPubWorldDotum Medium" pitchFamily="2" charset="-127"/>
+              </a:rPr>
+              <a:t>제한적</a:t>
+            </a:r>
+            <a:endParaRPr kumimoji="1" lang="en-US" altLang="ko-KR" sz="1400" dirty="0">
+              <a:latin typeface="KoPubWorldDotum Medium" pitchFamily="2" charset="-127"/>
+              <a:ea typeface="KoPubWorldDotum Medium" pitchFamily="2" charset="-127"/>
+              <a:cs typeface="KoPubWorldDotum Medium" pitchFamily="2" charset="-127"/>
+            </a:endParaRPr>
+          </a:p>
+          <a:p>
+            <a:pPr marL="285750" indent="-285750">
+              <a:lnSpc>
+                <a:spcPct val="150000"/>
+              </a:lnSpc>
+              <a:buFont typeface="Arial" panose="020B0604020202020204" pitchFamily="34" charset="0"/>
+              <a:buChar char="•"/>
+            </a:pPr>
+            <a:endParaRPr kumimoji="1" lang="ko-KR" altLang="en-US" sz="1400" dirty="0">
+              <a:latin typeface="KoPubWorldDotum Medium" pitchFamily="2" charset="-127"/>
+              <a:ea typeface="KoPubWorldDotum Medium" pitchFamily="2" charset="-127"/>
+              <a:cs typeface="KoPubWorldDotum Medium" pitchFamily="2" charset="-127"/>
+            </a:endParaRPr>
+          </a:p>
+        </p:txBody>
+      </p:sp>
+      <p:sp>
+        <p:nvSpPr>
+          <p:cNvPr id="11" name="직사각형 10">
+            <a:extLst>
+              <a:ext uri="{FF2B5EF4-FFF2-40B4-BE49-F238E27FC236}">
+                <a16:creationId xmlns:a16="http://schemas.microsoft.com/office/drawing/2014/main" id="{45503354-2789-16C9-FBA8-C33B6340EB7C}"/>
               </a:ext>
             </a:extLst>
           </p:cNvPr>
@@ -5040,14 +5268,17 @@
         </p:nvSpPr>
         <p:spPr>
           <a:xfrm>
-            <a:off x="5203828" y="3475616"/>
-            <a:ext cx="1203109" cy="243942"/>
-          </a:xfrm>
-          <a:prstGeom prst="flowChartProcess">
+            <a:off x="486534" y="2330451"/>
+            <a:ext cx="5023559" cy="2965492"/>
+          </a:xfrm>
+          <a:prstGeom prst="rect">
             <a:avLst/>
           </a:prstGeom>
           <a:solidFill>
-            <a:schemeClr val="accent1"/>
+            <a:schemeClr val="accent2">
+              <a:lumMod val="20000"/>
+              <a:lumOff val="80000"/>
+            </a:schemeClr>
           </a:solidFill>
           <a:ln>
             <a:noFill/>
@@ -5074,310 +5305,16 @@
           <a:lstStyle/>
           <a:p>
             <a:pPr algn="ctr"/>
-            <a:r>
-              <a:rPr kumimoji="1" lang="en-US" altLang="ko-KR" sz="1100" b="1" dirty="0" err="1">
-                <a:latin typeface="KoPubWorldDotum Bold" pitchFamily="2" charset="-127"/>
-                <a:ea typeface="KoPubWorldDotum Bold" pitchFamily="2" charset="-127"/>
-                <a:cs typeface="KoPubWorldDotum Bold" pitchFamily="2" charset="-127"/>
-              </a:rPr>
-              <a:t>Backend.py</a:t>
-            </a:r>
-            <a:endParaRPr kumimoji="1" lang="ko-KR" altLang="en-US" sz="1100" b="1" dirty="0">
-              <a:latin typeface="KoPubWorldDotum Bold" pitchFamily="2" charset="-127"/>
-              <a:ea typeface="KoPubWorldDotum Bold" pitchFamily="2" charset="-127"/>
-              <a:cs typeface="KoPubWorldDotum Bold" pitchFamily="2" charset="-127"/>
-            </a:endParaRPr>
-          </a:p>
-        </p:txBody>
-      </p:sp>
-      <p:sp>
-        <p:nvSpPr>
-          <p:cNvPr id="6" name="처리 5">
-            <a:extLst>
-              <a:ext uri="{FF2B5EF4-FFF2-40B4-BE49-F238E27FC236}">
-                <a16:creationId xmlns:a16="http://schemas.microsoft.com/office/drawing/2014/main" id="{E3AF3DC5-0B3B-1B9B-D4BB-49E417376FC8}"/>
-              </a:ext>
-            </a:extLst>
-          </p:cNvPr>
-          <p:cNvSpPr/>
-          <p:nvPr/>
-        </p:nvSpPr>
-        <p:spPr>
-          <a:xfrm>
-            <a:off x="6614069" y="3475616"/>
-            <a:ext cx="1203109" cy="243942"/>
-          </a:xfrm>
-          <a:prstGeom prst="flowChartProcess">
-            <a:avLst/>
-          </a:prstGeom>
-          <a:solidFill>
-            <a:schemeClr val="accent1"/>
-          </a:solidFill>
-          <a:ln>
-            <a:noFill/>
-          </a:ln>
-        </p:spPr>
-        <p:style>
-          <a:lnRef idx="2">
-            <a:schemeClr val="accent1">
-              <a:shade val="15000"/>
-            </a:schemeClr>
-          </a:lnRef>
-          <a:fillRef idx="1">
-            <a:schemeClr val="accent1"/>
-          </a:fillRef>
-          <a:effectRef idx="0">
-            <a:schemeClr val="accent1"/>
-          </a:effectRef>
-          <a:fontRef idx="minor">
-            <a:schemeClr val="lt1"/>
-          </a:fontRef>
-        </p:style>
-        <p:txBody>
-          <a:bodyPr rtlCol="0" anchor="ctr"/>
-          <a:lstStyle/>
-          <a:p>
-            <a:pPr algn="ctr"/>
-            <a:r>
-              <a:rPr kumimoji="1" lang="en-US" altLang="ko-KR" sz="1100" b="1" dirty="0" err="1">
-                <a:latin typeface="KoPubWorldDotum Bold" pitchFamily="2" charset="-127"/>
-                <a:ea typeface="KoPubWorldDotum Bold" pitchFamily="2" charset="-127"/>
-                <a:cs typeface="KoPubWorldDotum Bold" pitchFamily="2" charset="-127"/>
-              </a:rPr>
-              <a:t>Frontend.py</a:t>
-            </a:r>
-            <a:endParaRPr kumimoji="1" lang="ko-KR" altLang="en-US" sz="1100" b="1" dirty="0">
-              <a:latin typeface="KoPubWorldDotum Bold" pitchFamily="2" charset="-127"/>
-              <a:ea typeface="KoPubWorldDotum Bold" pitchFamily="2" charset="-127"/>
-              <a:cs typeface="KoPubWorldDotum Bold" pitchFamily="2" charset="-127"/>
-            </a:endParaRPr>
-          </a:p>
-        </p:txBody>
-      </p:sp>
-      <p:cxnSp>
-        <p:nvCxnSpPr>
-          <p:cNvPr id="9" name="직선 화살표 연결선 8">
-            <a:extLst>
-              <a:ext uri="{FF2B5EF4-FFF2-40B4-BE49-F238E27FC236}">
-                <a16:creationId xmlns:a16="http://schemas.microsoft.com/office/drawing/2014/main" id="{63F375FA-A27A-6ED8-2450-14C70EA8598F}"/>
-              </a:ext>
-            </a:extLst>
-          </p:cNvPr>
-          <p:cNvCxnSpPr>
-            <a:cxnSpLocks/>
-            <a:stCxn id="5" idx="1"/>
-            <a:endCxn id="1026" idx="3"/>
-          </p:cNvCxnSpPr>
-          <p:nvPr/>
-        </p:nvCxnSpPr>
-        <p:spPr>
-          <a:xfrm flipH="1">
-            <a:off x="3425187" y="3597587"/>
-            <a:ext cx="1778641" cy="14190"/>
-          </a:xfrm>
-          <a:prstGeom prst="straightConnector1">
-            <a:avLst/>
-          </a:prstGeom>
-          <a:ln>
-            <a:headEnd type="none" w="med" len="med"/>
-            <a:tailEnd type="none" w="med" len="med"/>
-          </a:ln>
-        </p:spPr>
-        <p:style>
-          <a:lnRef idx="2">
-            <a:schemeClr val="accent1"/>
-          </a:lnRef>
-          <a:fillRef idx="0">
-            <a:schemeClr val="accent1"/>
-          </a:fillRef>
-          <a:effectRef idx="1">
-            <a:schemeClr val="accent1"/>
-          </a:effectRef>
-          <a:fontRef idx="minor">
-            <a:schemeClr val="tx1"/>
-          </a:fontRef>
-        </p:style>
-      </p:cxnSp>
-      <p:sp>
-        <p:nvSpPr>
-          <p:cNvPr id="17" name="직사각형 16">
-            <a:extLst>
-              <a:ext uri="{FF2B5EF4-FFF2-40B4-BE49-F238E27FC236}">
-                <a16:creationId xmlns:a16="http://schemas.microsoft.com/office/drawing/2014/main" id="{0087B29A-7014-910D-771F-2CDEFDBFABCA}"/>
-              </a:ext>
-            </a:extLst>
-          </p:cNvPr>
-          <p:cNvSpPr/>
-          <p:nvPr/>
-        </p:nvSpPr>
-        <p:spPr>
-          <a:xfrm>
-            <a:off x="1185567" y="1668259"/>
-            <a:ext cx="8046676" cy="3338870"/>
-          </a:xfrm>
-          <a:prstGeom prst="rect">
-            <a:avLst/>
-          </a:prstGeom>
-          <a:noFill/>
-          <a:ln>
-            <a:solidFill>
-              <a:srgbClr val="000000"/>
-            </a:solidFill>
-            <a:prstDash val="sysDash"/>
-          </a:ln>
-        </p:spPr>
-        <p:style>
-          <a:lnRef idx="2">
-            <a:schemeClr val="accent1">
-              <a:shade val="15000"/>
-            </a:schemeClr>
-          </a:lnRef>
-          <a:fillRef idx="1">
-            <a:schemeClr val="accent1"/>
-          </a:fillRef>
-          <a:effectRef idx="0">
-            <a:schemeClr val="accent1"/>
-          </a:effectRef>
-          <a:fontRef idx="minor">
-            <a:schemeClr val="lt1"/>
-          </a:fontRef>
-        </p:style>
-        <p:txBody>
-          <a:bodyPr rtlCol="0" anchor="ctr"/>
-          <a:lstStyle/>
-          <a:p>
-            <a:pPr algn="ctr"/>
             <a:endParaRPr kumimoji="1" lang="ko-KR" altLang="en-US"/>
           </a:p>
         </p:txBody>
       </p:sp>
-      <p:cxnSp>
-        <p:nvCxnSpPr>
-          <p:cNvPr id="21" name="직선 화살표 연결선 20">
-            <a:extLst>
-              <a:ext uri="{FF2B5EF4-FFF2-40B4-BE49-F238E27FC236}">
-                <a16:creationId xmlns:a16="http://schemas.microsoft.com/office/drawing/2014/main" id="{8E155C8E-EF80-A08C-48C3-C23C7C6EF776}"/>
-              </a:ext>
-            </a:extLst>
-          </p:cNvPr>
-          <p:cNvCxnSpPr>
-            <a:cxnSpLocks/>
-            <a:stCxn id="6" idx="1"/>
-          </p:cNvCxnSpPr>
-          <p:nvPr/>
-        </p:nvCxnSpPr>
-        <p:spPr>
-          <a:xfrm flipH="1">
-            <a:off x="6406937" y="3597587"/>
-            <a:ext cx="207132" cy="0"/>
-          </a:xfrm>
-          <a:prstGeom prst="straightConnector1">
-            <a:avLst/>
-          </a:prstGeom>
-          <a:ln>
-            <a:headEnd type="none" w="med" len="med"/>
-            <a:tailEnd type="none" w="med" len="med"/>
-          </a:ln>
-        </p:spPr>
-        <p:style>
-          <a:lnRef idx="2">
-            <a:schemeClr val="accent1"/>
-          </a:lnRef>
-          <a:fillRef idx="0">
-            <a:schemeClr val="accent1"/>
-          </a:fillRef>
-          <a:effectRef idx="1">
-            <a:schemeClr val="accent1"/>
-          </a:effectRef>
-          <a:fontRef idx="minor">
-            <a:schemeClr val="tx1"/>
-          </a:fontRef>
-        </p:style>
-      </p:cxnSp>
-      <p:cxnSp>
-        <p:nvCxnSpPr>
-          <p:cNvPr id="23" name="직선 화살표 연결선 22">
-            <a:extLst>
-              <a:ext uri="{FF2B5EF4-FFF2-40B4-BE49-F238E27FC236}">
-                <a16:creationId xmlns:a16="http://schemas.microsoft.com/office/drawing/2014/main" id="{F324855C-3D5A-6DE2-990C-B6C2361E7B9F}"/>
-              </a:ext>
-            </a:extLst>
-          </p:cNvPr>
-          <p:cNvCxnSpPr>
-            <a:cxnSpLocks/>
-          </p:cNvCxnSpPr>
-          <p:nvPr/>
-        </p:nvCxnSpPr>
-        <p:spPr>
-          <a:xfrm flipH="1">
-            <a:off x="7817178" y="3591749"/>
-            <a:ext cx="626833" cy="0"/>
-          </a:xfrm>
-          <a:prstGeom prst="straightConnector1">
-            <a:avLst/>
-          </a:prstGeom>
-          <a:ln>
-            <a:headEnd type="none" w="med" len="med"/>
-            <a:tailEnd type="none" w="med" len="med"/>
-          </a:ln>
-        </p:spPr>
-        <p:style>
-          <a:lnRef idx="2">
-            <a:schemeClr val="accent1"/>
-          </a:lnRef>
-          <a:fillRef idx="0">
-            <a:schemeClr val="accent1"/>
-          </a:fillRef>
-          <a:effectRef idx="1">
-            <a:schemeClr val="accent1"/>
-          </a:effectRef>
-          <a:fontRef idx="minor">
-            <a:schemeClr val="tx1"/>
-          </a:fontRef>
-        </p:style>
-      </p:cxnSp>
       <p:pic>
         <p:nvPicPr>
-          <p:cNvPr id="28" name="그래픽 27" descr="사용자 단색으로 채워진">
-            <a:extLst>
-              <a:ext uri="{FF2B5EF4-FFF2-40B4-BE49-F238E27FC236}">
-                <a16:creationId xmlns:a16="http://schemas.microsoft.com/office/drawing/2014/main" id="{4C1EE409-3C9B-A418-CA5E-CD5545837FB5}"/>
-              </a:ext>
-            </a:extLst>
-          </p:cNvPr>
-          <p:cNvPicPr>
-            <a:picLocks noChangeAspect="1"/>
-          </p:cNvPicPr>
-          <p:nvPr/>
-        </p:nvPicPr>
-        <p:blipFill>
-          <a:blip r:embed="rId3">
-            <a:extLst>
-              <a:ext uri="{96DAC541-7B7A-43D3-8B79-37D633B846F1}">
-                <asvg:svgBlip xmlns:asvg="http://schemas.microsoft.com/office/drawing/2016/SVG/main" r:embed="rId4"/>
-              </a:ext>
-            </a:extLst>
-          </a:blip>
-          <a:stretch>
-            <a:fillRect/>
-          </a:stretch>
-        </p:blipFill>
-        <p:spPr>
-          <a:xfrm>
-            <a:off x="9498561" y="3176698"/>
-            <a:ext cx="754027" cy="754027"/>
-          </a:xfrm>
-          <a:prstGeom prst="rect">
-            <a:avLst/>
-          </a:prstGeom>
-        </p:spPr>
-      </p:pic>
-      <p:pic>
-        <p:nvPicPr>
-          <p:cNvPr id="1028" name="Picture 4" descr="Amazon Web Services | Incentro Partner">
-            <a:extLst>
-              <a:ext uri="{FF2B5EF4-FFF2-40B4-BE49-F238E27FC236}">
-                <a16:creationId xmlns:a16="http://schemas.microsoft.com/office/drawing/2014/main" id="{45B7C2A1-CEBF-C7B4-9117-1C82167D105A}"/>
+          <p:cNvPr id="12" name="Picture 2" descr="Amazon Bedrock Connector - Overview (O11) | OutSystems">
+            <a:extLst>
+              <a:ext uri="{FF2B5EF4-FFF2-40B4-BE49-F238E27FC236}">
+                <a16:creationId xmlns:a16="http://schemas.microsoft.com/office/drawing/2014/main" id="{1775A4BB-7BCC-565E-AEF6-6103A8907477}"/>
               </a:ext>
             </a:extLst>
           </p:cNvPr>
@@ -5387,7 +5324,7 @@
           <p:nvPr/>
         </p:nvPicPr>
         <p:blipFill>
-          <a:blip r:embed="rId5">
+          <a:blip r:embed="rId2">
             <a:extLst>
               <a:ext uri="{28A0092B-C50C-407E-A947-70E740481C1C}">
                 <a14:useLocalDpi xmlns:a14="http://schemas.microsoft.com/office/drawing/2010/main" val="0"/>
@@ -5401,8 +5338,8 @@
         </p:blipFill>
         <p:spPr bwMode="auto">
           <a:xfrm>
-            <a:off x="1185567" y="1668258"/>
-            <a:ext cx="377292" cy="377292"/>
+            <a:off x="1976960" y="3379062"/>
+            <a:ext cx="465430" cy="465430"/>
           </a:xfrm>
           <a:prstGeom prst="rect">
             <a:avLst/>
@@ -5421,63 +5358,10 @@
       </p:pic>
       <p:sp>
         <p:nvSpPr>
-          <p:cNvPr id="33" name="직사각형 32">
-            <a:extLst>
-              <a:ext uri="{FF2B5EF4-FFF2-40B4-BE49-F238E27FC236}">
-                <a16:creationId xmlns:a16="http://schemas.microsoft.com/office/drawing/2014/main" id="{AAD43A7A-6E6E-A986-C371-6035D5F81567}"/>
-              </a:ext>
-            </a:extLst>
-          </p:cNvPr>
-          <p:cNvSpPr/>
-          <p:nvPr/>
-        </p:nvSpPr>
-        <p:spPr>
-          <a:xfrm>
-            <a:off x="4975597" y="3141146"/>
-            <a:ext cx="3077429" cy="745754"/>
-          </a:xfrm>
-          <a:prstGeom prst="rect">
-            <a:avLst/>
-          </a:prstGeom>
-          <a:noFill/>
-          <a:ln>
-            <a:solidFill>
-              <a:srgbClr val="000000"/>
-            </a:solidFill>
-            <a:prstDash val="sysDash"/>
-          </a:ln>
-        </p:spPr>
-        <p:style>
-          <a:lnRef idx="2">
-            <a:schemeClr val="accent1">
-              <a:shade val="15000"/>
-            </a:schemeClr>
-          </a:lnRef>
-          <a:fillRef idx="1">
-            <a:schemeClr val="accent1"/>
-          </a:fillRef>
-          <a:effectRef idx="0">
-            <a:schemeClr val="accent1"/>
-          </a:effectRef>
-          <a:fontRef idx="minor">
-            <a:schemeClr val="lt1"/>
-          </a:fontRef>
-        </p:style>
-        <p:txBody>
-          <a:bodyPr rtlCol="0" anchor="ctr"/>
-          <a:lstStyle/>
-          <a:p>
-            <a:pPr algn="ctr"/>
-            <a:endParaRPr kumimoji="1" lang="ko-KR" altLang="en-US"/>
-          </a:p>
-        </p:txBody>
-      </p:sp>
-      <p:sp>
-        <p:nvSpPr>
-          <p:cNvPr id="37" name="제목 1">
-            <a:extLst>
-              <a:ext uri="{FF2B5EF4-FFF2-40B4-BE49-F238E27FC236}">
-                <a16:creationId xmlns:a16="http://schemas.microsoft.com/office/drawing/2014/main" id="{163F80DA-9669-620F-6B55-9F86CE7E6220}"/>
+          <p:cNvPr id="18" name="제목 1">
+            <a:extLst>
+              <a:ext uri="{FF2B5EF4-FFF2-40B4-BE49-F238E27FC236}">
+                <a16:creationId xmlns:a16="http://schemas.microsoft.com/office/drawing/2014/main" id="{B54295F5-9450-EF5C-D19B-0272DE5989B2}"/>
               </a:ext>
             </a:extLst>
           </p:cNvPr>
@@ -5488,232 +5372,7 @@
         </p:nvSpPr>
         <p:spPr>
           <a:xfrm>
-            <a:off x="368537" y="5309419"/>
-            <a:ext cx="11454925" cy="1325788"/>
-          </a:xfrm>
-          <a:prstGeom prst="rect">
-            <a:avLst/>
-          </a:prstGeom>
-        </p:spPr>
-        <p:txBody>
-          <a:bodyPr vert="horz" lIns="91440" tIns="45720" rIns="91440" bIns="45720" rtlCol="0" anchor="ctr">
-            <a:normAutofit lnSpcReduction="10000"/>
-          </a:bodyPr>
-          <a:lstStyle>
-            <a:lvl1pPr algn="l" defTabSz="914400" rtl="0" eaLnBrk="1" latinLnBrk="1" hangingPunct="1">
-              <a:lnSpc>
-                <a:spcPct val="90000"/>
-              </a:lnSpc>
-              <a:spcBef>
-                <a:spcPct val="0"/>
-              </a:spcBef>
-              <a:buNone/>
-              <a:defRPr sz="4400" kern="1200">
-                <a:solidFill>
-                  <a:schemeClr val="tx1"/>
-                </a:solidFill>
-                <a:latin typeface="+mj-lt"/>
-                <a:ea typeface="+mj-ea"/>
-                <a:cs typeface="+mj-cs"/>
-              </a:defRPr>
-            </a:lvl1pPr>
-          </a:lstStyle>
-          <a:p>
-            <a:pPr marL="285750" indent="-285750">
-              <a:lnSpc>
-                <a:spcPct val="150000"/>
-              </a:lnSpc>
-              <a:buFont typeface="Arial" panose="020B0604020202020204" pitchFamily="34" charset="0"/>
-              <a:buChar char="•"/>
-            </a:pPr>
-            <a:r>
-              <a:rPr kumimoji="1" lang="en-US" altLang="ko-KR" sz="1400" dirty="0">
-                <a:latin typeface="KoPubWorldDotum Medium" pitchFamily="2" charset="-127"/>
-                <a:ea typeface="KoPubWorldDotum Medium" pitchFamily="2" charset="-127"/>
-                <a:cs typeface="KoPubWorldDotum Medium" pitchFamily="2" charset="-127"/>
-              </a:rPr>
-              <a:t>LLM</a:t>
-            </a:r>
-            <a:r>
-              <a:rPr kumimoji="1" lang="ko-KR" altLang="en-US" sz="1400" dirty="0">
-                <a:latin typeface="KoPubWorldDotum Medium" pitchFamily="2" charset="-127"/>
-                <a:ea typeface="KoPubWorldDotum Medium" pitchFamily="2" charset="-127"/>
-                <a:cs typeface="KoPubWorldDotum Medium" pitchFamily="2" charset="-127"/>
-              </a:rPr>
-              <a:t>을 적절한 방식으로 학습시킬 방법에 대한 본격적인 고민 필요</a:t>
-            </a:r>
-            <a:endParaRPr kumimoji="1" lang="en-US" altLang="ko-KR" sz="1400" dirty="0">
-              <a:latin typeface="KoPubWorldDotum Medium" pitchFamily="2" charset="-127"/>
-              <a:ea typeface="KoPubWorldDotum Medium" pitchFamily="2" charset="-127"/>
-              <a:cs typeface="KoPubWorldDotum Medium" pitchFamily="2" charset="-127"/>
-            </a:endParaRPr>
-          </a:p>
-          <a:p>
-            <a:pPr marL="285750" indent="-285750">
-              <a:lnSpc>
-                <a:spcPct val="150000"/>
-              </a:lnSpc>
-              <a:buFont typeface="Arial" panose="020B0604020202020204" pitchFamily="34" charset="0"/>
-              <a:buChar char="•"/>
-            </a:pPr>
-            <a:r>
-              <a:rPr kumimoji="1" lang="en-US" altLang="ko-KR" sz="1400" dirty="0">
-                <a:latin typeface="KoPubWorldDotum Medium" pitchFamily="2" charset="-127"/>
-                <a:ea typeface="KoPubWorldDotum Medium" pitchFamily="2" charset="-127"/>
-                <a:cs typeface="KoPubWorldDotum Medium" pitchFamily="2" charset="-127"/>
-              </a:rPr>
-              <a:t>1-2</a:t>
-            </a:r>
-            <a:r>
-              <a:rPr kumimoji="1" lang="ko-KR" altLang="en-US" sz="1400" dirty="0">
-                <a:latin typeface="KoPubWorldDotum Medium" pitchFamily="2" charset="-127"/>
-                <a:ea typeface="KoPubWorldDotum Medium" pitchFamily="2" charset="-127"/>
-                <a:cs typeface="KoPubWorldDotum Medium" pitchFamily="2" charset="-127"/>
-              </a:rPr>
-              <a:t>명의 사용자가 </a:t>
-            </a:r>
-            <a:r>
-              <a:rPr kumimoji="1" lang="en-US" altLang="ko-KR" sz="1400" dirty="0">
-                <a:latin typeface="KoPubWorldDotum Medium" pitchFamily="2" charset="-127"/>
-                <a:ea typeface="KoPubWorldDotum Medium" pitchFamily="2" charset="-127"/>
-                <a:cs typeface="KoPubWorldDotum Medium" pitchFamily="2" charset="-127"/>
-              </a:rPr>
-              <a:t>URL</a:t>
-            </a:r>
-            <a:r>
-              <a:rPr kumimoji="1" lang="ko-KR" altLang="en-US" sz="1400" dirty="0">
-                <a:latin typeface="KoPubWorldDotum Medium" pitchFamily="2" charset="-127"/>
-                <a:ea typeface="KoPubWorldDotum Medium" pitchFamily="2" charset="-127"/>
-                <a:cs typeface="KoPubWorldDotum Medium" pitchFamily="2" charset="-127"/>
-              </a:rPr>
-              <a:t>을 통해 원시적인 </a:t>
-            </a:r>
-            <a:r>
-              <a:rPr kumimoji="1" lang="en-US" altLang="ko-KR" sz="1400" dirty="0">
-                <a:latin typeface="KoPubWorldDotum Medium" pitchFamily="2" charset="-127"/>
-                <a:ea typeface="KoPubWorldDotum Medium" pitchFamily="2" charset="-127"/>
-                <a:cs typeface="KoPubWorldDotum Medium" pitchFamily="2" charset="-127"/>
-              </a:rPr>
-              <a:t>UI</a:t>
-            </a:r>
-            <a:r>
-              <a:rPr kumimoji="1" lang="ko-KR" altLang="en-US" sz="1400" dirty="0" err="1">
-                <a:latin typeface="KoPubWorldDotum Medium" pitchFamily="2" charset="-127"/>
-                <a:ea typeface="KoPubWorldDotum Medium" pitchFamily="2" charset="-127"/>
-                <a:cs typeface="KoPubWorldDotum Medium" pitchFamily="2" charset="-127"/>
-              </a:rPr>
-              <a:t>에</a:t>
-            </a:r>
-            <a:r>
-              <a:rPr kumimoji="1" lang="ko-KR" altLang="en-US" sz="1400" dirty="0">
-                <a:latin typeface="KoPubWorldDotum Medium" pitchFamily="2" charset="-127"/>
-                <a:ea typeface="KoPubWorldDotum Medium" pitchFamily="2" charset="-127"/>
-                <a:cs typeface="KoPubWorldDotum Medium" pitchFamily="2" charset="-127"/>
-              </a:rPr>
-              <a:t> 접근 가능하도록 기초적인 아키텍처 작업</a:t>
-            </a:r>
-            <a:endParaRPr kumimoji="1" lang="en-US" altLang="ko-KR" sz="1400" dirty="0">
-              <a:latin typeface="KoPubWorldDotum Medium" pitchFamily="2" charset="-127"/>
-              <a:ea typeface="KoPubWorldDotum Medium" pitchFamily="2" charset="-127"/>
-              <a:cs typeface="KoPubWorldDotum Medium" pitchFamily="2" charset="-127"/>
-            </a:endParaRPr>
-          </a:p>
-          <a:p>
-            <a:pPr marL="285750" indent="-285750">
-              <a:lnSpc>
-                <a:spcPct val="150000"/>
-              </a:lnSpc>
-              <a:buFont typeface="Arial" panose="020B0604020202020204" pitchFamily="34" charset="0"/>
-              <a:buChar char="•"/>
-            </a:pPr>
-            <a:r>
-              <a:rPr kumimoji="1" lang="ko-KR" altLang="en-US" sz="1400" dirty="0" err="1">
-                <a:latin typeface="KoPubWorldDotum Medium" pitchFamily="2" charset="-127"/>
-                <a:ea typeface="KoPubWorldDotum Medium" pitchFamily="2" charset="-127"/>
-                <a:cs typeface="KoPubWorldDotum Medium" pitchFamily="2" charset="-127"/>
-              </a:rPr>
-              <a:t>프로덕트화</a:t>
-            </a:r>
-            <a:r>
-              <a:rPr kumimoji="1" lang="ko-KR" altLang="en-US" sz="1400" dirty="0">
-                <a:latin typeface="KoPubWorldDotum Medium" pitchFamily="2" charset="-127"/>
-                <a:ea typeface="KoPubWorldDotum Medium" pitchFamily="2" charset="-127"/>
-                <a:cs typeface="KoPubWorldDotum Medium" pitchFamily="2" charset="-127"/>
-              </a:rPr>
-              <a:t> 여부가 여기서 결정되면 개발하기에 용이할 듯</a:t>
-            </a:r>
-            <a:endParaRPr kumimoji="1" lang="en-US" altLang="ko-KR" sz="1400" dirty="0">
-              <a:latin typeface="KoPubWorldDotum Medium" pitchFamily="2" charset="-127"/>
-              <a:ea typeface="KoPubWorldDotum Medium" pitchFamily="2" charset="-127"/>
-              <a:cs typeface="KoPubWorldDotum Medium" pitchFamily="2" charset="-127"/>
-            </a:endParaRPr>
-          </a:p>
-          <a:p>
-            <a:pPr marL="285750" indent="-285750">
-              <a:lnSpc>
-                <a:spcPct val="150000"/>
-              </a:lnSpc>
-              <a:buFont typeface="Arial" panose="020B0604020202020204" pitchFamily="34" charset="0"/>
-              <a:buChar char="•"/>
-            </a:pPr>
-            <a:r>
-              <a:rPr kumimoji="1" lang="ko-KR" altLang="en-US" sz="1400" dirty="0">
-                <a:latin typeface="KoPubWorldDotum Medium" pitchFamily="2" charset="-127"/>
-                <a:ea typeface="KoPubWorldDotum Medium" pitchFamily="2" charset="-127"/>
-                <a:cs typeface="KoPubWorldDotum Medium" pitchFamily="2" charset="-127"/>
-              </a:rPr>
-              <a:t>여기서 프론트 구현해도 좋음</a:t>
-            </a:r>
-          </a:p>
-        </p:txBody>
-      </p:sp>
-      <p:pic>
-        <p:nvPicPr>
-          <p:cNvPr id="8" name="그림 7">
-            <a:extLst>
-              <a:ext uri="{FF2B5EF4-FFF2-40B4-BE49-F238E27FC236}">
-                <a16:creationId xmlns:a16="http://schemas.microsoft.com/office/drawing/2014/main" id="{B61AE8A1-1752-CCED-2D38-C8B02ED81926}"/>
-              </a:ext>
-            </a:extLst>
-          </p:cNvPr>
-          <p:cNvPicPr>
-            <a:picLocks noChangeAspect="1"/>
-          </p:cNvPicPr>
-          <p:nvPr/>
-        </p:nvPicPr>
-        <p:blipFill>
-          <a:blip r:embed="rId6"/>
-          <a:stretch>
-            <a:fillRect/>
-          </a:stretch>
-        </p:blipFill>
-        <p:spPr>
-          <a:xfrm>
-            <a:off x="6296721" y="2903937"/>
-            <a:ext cx="465430" cy="465430"/>
-          </a:xfrm>
-          <a:prstGeom prst="rect">
-            <a:avLst/>
-          </a:prstGeom>
-        </p:spPr>
-      </p:pic>
-      <p:sp>
-        <p:nvSpPr>
-          <p:cNvPr id="11" name="제목 1">
-            <a:extLst>
-              <a:ext uri="{FF2B5EF4-FFF2-40B4-BE49-F238E27FC236}">
-                <a16:creationId xmlns:a16="http://schemas.microsoft.com/office/drawing/2014/main" id="{9E8B7899-549D-454F-5611-A8EDBD982FBC}"/>
-              </a:ext>
-            </a:extLst>
-          </p:cNvPr>
-          <p:cNvSpPr txBox="1">
-            <a:spLocks/>
-          </p:cNvSpPr>
-          <p:nvPr/>
-        </p:nvSpPr>
-        <p:spPr>
-          <a:xfrm>
-            <a:off x="6159835" y="2684269"/>
+            <a:off x="1840074" y="3829937"/>
             <a:ext cx="739201" cy="267998"/>
           </a:xfrm>
           <a:prstGeom prst="rect">
@@ -5751,7 +5410,7 @@
                 <a:ea typeface="KoPubWorldDotum Bold" pitchFamily="2" charset="-127"/>
                 <a:cs typeface="KoPubWorldDotum Bold" pitchFamily="2" charset="-127"/>
               </a:rPr>
-              <a:t>EC2</a:t>
+              <a:t>Bedrock</a:t>
             </a:r>
             <a:endParaRPr kumimoji="1" lang="ko-KR" altLang="en-US" sz="1100" b="1" dirty="0">
               <a:latin typeface="KoPubWorldDotum Bold" pitchFamily="2" charset="-127"/>
@@ -5761,113 +5420,33 @@
           </a:p>
         </p:txBody>
       </p:sp>
-      <p:pic>
-        <p:nvPicPr>
-          <p:cNvPr id="12" name="Picture 2" descr="Amazon Bedrock Connector - Overview (O11) | OutSystems">
-            <a:extLst>
-              <a:ext uri="{FF2B5EF4-FFF2-40B4-BE49-F238E27FC236}">
-                <a16:creationId xmlns:a16="http://schemas.microsoft.com/office/drawing/2014/main" id="{27944138-78E3-8586-1C54-C00329EE2B58}"/>
-              </a:ext>
-            </a:extLst>
-          </p:cNvPr>
-          <p:cNvPicPr>
-            <a:picLocks noChangeAspect="1" noChangeArrowheads="1"/>
-          </p:cNvPicPr>
-          <p:nvPr/>
-        </p:nvPicPr>
-        <p:blipFill>
-          <a:blip r:embed="rId2">
-            <a:extLst>
-              <a:ext uri="{28A0092B-C50C-407E-A947-70E740481C1C}">
-                <a14:useLocalDpi xmlns:a14="http://schemas.microsoft.com/office/drawing/2010/main" val="0"/>
-              </a:ext>
-            </a:extLst>
-          </a:blip>
-          <a:srcRect/>
-          <a:stretch>
-            <a:fillRect/>
-          </a:stretch>
-        </p:blipFill>
-        <p:spPr bwMode="auto">
-          <a:xfrm>
-            <a:off x="2181372" y="4097930"/>
-            <a:ext cx="465430" cy="465430"/>
-          </a:xfrm>
-          <a:prstGeom prst="rect">
-            <a:avLst/>
-          </a:prstGeom>
-          <a:noFill/>
-          <a:extLst>
-            <a:ext uri="{909E8E84-426E-40DD-AFC4-6F175D3DCCD1}">
-              <a14:hiddenFill xmlns:a14="http://schemas.microsoft.com/office/drawing/2010/main">
-                <a:solidFill>
-                  <a:srgbClr val="FFFFFF"/>
-                </a:solidFill>
-              </a14:hiddenFill>
-            </a:ext>
-          </a:extLst>
-        </p:spPr>
-      </p:pic>
-      <p:pic>
-        <p:nvPicPr>
-          <p:cNvPr id="14" name="그래픽 13" descr="문서 단색으로 채워진">
-            <a:extLst>
-              <a:ext uri="{FF2B5EF4-FFF2-40B4-BE49-F238E27FC236}">
-                <a16:creationId xmlns:a16="http://schemas.microsoft.com/office/drawing/2014/main" id="{71905D3A-963F-24B5-9484-01594D49DDA6}"/>
-              </a:ext>
-            </a:extLst>
-          </p:cNvPr>
-          <p:cNvPicPr>
-            <a:picLocks noChangeAspect="1"/>
-          </p:cNvPicPr>
-          <p:nvPr/>
-        </p:nvPicPr>
-        <p:blipFill>
-          <a:blip r:embed="rId7">
-            <a:extLst>
-              <a:ext uri="{96DAC541-7B7A-43D3-8B79-37D633B846F1}">
-                <asvg:svgBlip xmlns:asvg="http://schemas.microsoft.com/office/drawing/2016/SVG/main" r:embed="rId8"/>
-              </a:ext>
-            </a:extLst>
-          </a:blip>
-          <a:stretch>
-            <a:fillRect/>
-          </a:stretch>
-        </p:blipFill>
-        <p:spPr>
-          <a:xfrm>
-            <a:off x="2205117" y="2458506"/>
-            <a:ext cx="418892" cy="418892"/>
-          </a:xfrm>
-          <a:prstGeom prst="rect">
-            <a:avLst/>
-          </a:prstGeom>
-        </p:spPr>
-      </p:pic>
       <p:cxnSp>
         <p:nvCxnSpPr>
-          <p:cNvPr id="16" name="꺾인 연결선[E] 15">
-            <a:extLst>
-              <a:ext uri="{FF2B5EF4-FFF2-40B4-BE49-F238E27FC236}">
-                <a16:creationId xmlns:a16="http://schemas.microsoft.com/office/drawing/2014/main" id="{CE204AC8-FC20-9ECE-7E23-5CAA93CEAE23}"/>
+          <p:cNvPr id="19" name="직선 화살표 연결선 18">
+            <a:extLst>
+              <a:ext uri="{FF2B5EF4-FFF2-40B4-BE49-F238E27FC236}">
+                <a16:creationId xmlns:a16="http://schemas.microsoft.com/office/drawing/2014/main" id="{9C5115C0-B6B1-3DD3-33BD-E9BCC44D9B06}"/>
               </a:ext>
             </a:extLst>
           </p:cNvPr>
           <p:cNvCxnSpPr>
             <a:cxnSpLocks/>
-            <a:stCxn id="12" idx="0"/>
-            <a:endCxn id="1026" idx="1"/>
+            <a:endCxn id="12" idx="3"/>
           </p:cNvCxnSpPr>
           <p:nvPr/>
         </p:nvCxnSpPr>
         <p:spPr>
-          <a:xfrm rot="5400000" flipH="1" flipV="1">
-            <a:off x="2443846" y="3582019"/>
-            <a:ext cx="486153" cy="545670"/>
-          </a:xfrm>
-          <a:prstGeom prst="bentConnector2">
-            <a:avLst/>
-          </a:prstGeom>
+          <a:xfrm flipH="1">
+            <a:off x="2442390" y="3597587"/>
+            <a:ext cx="647704" cy="14190"/>
+          </a:xfrm>
+          <a:prstGeom prst="straightConnector1">
+            <a:avLst/>
+          </a:prstGeom>
+          <a:ln>
+            <a:headEnd type="none" w="med" len="med"/>
+            <a:tailEnd type="none" w="med" len="med"/>
+          </a:ln>
         </p:spPr>
         <p:style>
           <a:lnRef idx="2">
@@ -5884,12 +5463,55 @@
           </a:fontRef>
         </p:style>
       </p:cxnSp>
-      <p:sp>
-        <p:nvSpPr>
-          <p:cNvPr id="20" name="제목 1">
-            <a:extLst>
-              <a:ext uri="{FF2B5EF4-FFF2-40B4-BE49-F238E27FC236}">
-                <a16:creationId xmlns:a16="http://schemas.microsoft.com/office/drawing/2014/main" id="{7D8705C0-AA11-BAFB-4CD6-C40CE76BCFBF}"/>
+      <p:cxnSp>
+        <p:nvCxnSpPr>
+          <p:cNvPr id="20" name="직선 화살표 연결선 19">
+            <a:extLst>
+              <a:ext uri="{FF2B5EF4-FFF2-40B4-BE49-F238E27FC236}">
+                <a16:creationId xmlns:a16="http://schemas.microsoft.com/office/drawing/2014/main" id="{1E72205D-7185-D36A-794A-7D2C457C1075}"/>
+              </a:ext>
+            </a:extLst>
+          </p:cNvPr>
+          <p:cNvCxnSpPr>
+            <a:cxnSpLocks/>
+            <a:endCxn id="43" idx="3"/>
+          </p:cNvCxnSpPr>
+          <p:nvPr/>
+        </p:nvCxnSpPr>
+        <p:spPr>
+          <a:xfrm flipH="1">
+            <a:off x="4293203" y="3597587"/>
+            <a:ext cx="7041547" cy="0"/>
+          </a:xfrm>
+          <a:prstGeom prst="straightConnector1">
+            <a:avLst/>
+          </a:prstGeom>
+          <a:ln>
+            <a:headEnd type="none" w="med" len="med"/>
+            <a:tailEnd type="none" w="med" len="med"/>
+          </a:ln>
+        </p:spPr>
+        <p:style>
+          <a:lnRef idx="2">
+            <a:schemeClr val="accent1"/>
+          </a:lnRef>
+          <a:fillRef idx="0">
+            <a:schemeClr val="accent1"/>
+          </a:fillRef>
+          <a:effectRef idx="1">
+            <a:schemeClr val="accent1"/>
+          </a:effectRef>
+          <a:fontRef idx="minor">
+            <a:schemeClr val="tx1"/>
+          </a:fontRef>
+        </p:style>
+      </p:cxnSp>
+      <p:sp>
+        <p:nvSpPr>
+          <p:cNvPr id="21" name="제목 1">
+            <a:extLst>
+              <a:ext uri="{FF2B5EF4-FFF2-40B4-BE49-F238E27FC236}">
+                <a16:creationId xmlns:a16="http://schemas.microsoft.com/office/drawing/2014/main" id="{18921228-81AA-2796-DA54-107AA12843BA}"/>
               </a:ext>
             </a:extLst>
           </p:cNvPr>
@@ -5900,8 +5522,8 @@
         </p:nvSpPr>
         <p:spPr>
           <a:xfrm>
-            <a:off x="1896979" y="4579384"/>
-            <a:ext cx="1089699" cy="267998"/>
+            <a:off x="606663" y="3862660"/>
+            <a:ext cx="1206609" cy="267998"/>
           </a:xfrm>
           <a:prstGeom prst="rect">
             <a:avLst/>
@@ -5938,7 +5560,7 @@
                 <a:ea typeface="KoPubWorldDotum Bold" pitchFamily="2" charset="-127"/>
                 <a:cs typeface="KoPubWorldDotum Bold" pitchFamily="2" charset="-127"/>
               </a:rPr>
-              <a:t>Bedrock Agent</a:t>
+              <a:t>Claude 3 Sonnet</a:t>
             </a:r>
             <a:endParaRPr kumimoji="1" lang="ko-KR" altLang="en-US" sz="1100" b="1" dirty="0">
               <a:latin typeface="KoPubWorldDotum Bold" pitchFamily="2" charset="-127"/>
@@ -5948,42 +5570,147 @@
           </a:p>
         </p:txBody>
       </p:sp>
+      <p:cxnSp>
+        <p:nvCxnSpPr>
+          <p:cNvPr id="25" name="직선 화살표 연결선 24">
+            <a:extLst>
+              <a:ext uri="{FF2B5EF4-FFF2-40B4-BE49-F238E27FC236}">
+                <a16:creationId xmlns:a16="http://schemas.microsoft.com/office/drawing/2014/main" id="{4505CC1A-2896-4158-A777-F5A85BEC9DC8}"/>
+              </a:ext>
+            </a:extLst>
+          </p:cNvPr>
+          <p:cNvCxnSpPr>
+            <a:cxnSpLocks/>
+            <a:stCxn id="12" idx="1"/>
+          </p:cNvCxnSpPr>
+          <p:nvPr/>
+        </p:nvCxnSpPr>
+        <p:spPr>
+          <a:xfrm flipH="1">
+            <a:off x="1463248" y="3611777"/>
+            <a:ext cx="513712" cy="7056"/>
+          </a:xfrm>
+          <a:prstGeom prst="straightConnector1">
+            <a:avLst/>
+          </a:prstGeom>
+          <a:ln>
+            <a:headEnd type="none" w="med" len="med"/>
+            <a:tailEnd type="none" w="med" len="med"/>
+          </a:ln>
+        </p:spPr>
+        <p:style>
+          <a:lnRef idx="2">
+            <a:schemeClr val="accent1"/>
+          </a:lnRef>
+          <a:fillRef idx="0">
+            <a:schemeClr val="accent1"/>
+          </a:fillRef>
+          <a:effectRef idx="1">
+            <a:schemeClr val="accent1"/>
+          </a:effectRef>
+          <a:fontRef idx="minor">
+            <a:schemeClr val="tx1"/>
+          </a:fontRef>
+        </p:style>
+      </p:cxnSp>
       <p:pic>
         <p:nvPicPr>
-          <p:cNvPr id="10" name="그림 9">
-            <a:extLst>
-              <a:ext uri="{FF2B5EF4-FFF2-40B4-BE49-F238E27FC236}">
-                <a16:creationId xmlns:a16="http://schemas.microsoft.com/office/drawing/2014/main" id="{FF576B4A-45BB-861D-8C39-F47DD4103744}"/>
+          <p:cNvPr id="28" name="Picture 2" descr="The AI wars heat up with Claude 3, claimed to have “near-human” abilities |  Ars Technica">
+            <a:extLst>
+              <a:ext uri="{FF2B5EF4-FFF2-40B4-BE49-F238E27FC236}">
+                <a16:creationId xmlns:a16="http://schemas.microsoft.com/office/drawing/2014/main" id="{D1123443-E18F-7D3C-4E96-BEB05DDA959A}"/>
               </a:ext>
             </a:extLst>
           </p:cNvPr>
           <p:cNvPicPr>
-            <a:picLocks noChangeAspect="1"/>
+            <a:picLocks noChangeAspect="1" noChangeArrowheads="1"/>
+          </p:cNvPicPr>
+          <p:nvPr/>
+        </p:nvPicPr>
+        <p:blipFill rotWithShape="1">
+          <a:blip r:embed="rId3">
+            <a:extLst>
+              <a:ext uri="{28A0092B-C50C-407E-A947-70E740481C1C}">
+                <a14:useLocalDpi xmlns:a14="http://schemas.microsoft.com/office/drawing/2010/main" val="0"/>
+              </a:ext>
+            </a:extLst>
+          </a:blip>
+          <a:srcRect l="28567" t="10984" r="29591" b="14630"/>
+          <a:stretch/>
+        </p:blipFill>
+        <p:spPr bwMode="auto">
+          <a:xfrm>
+            <a:off x="1018257" y="3391256"/>
+            <a:ext cx="465430" cy="465430"/>
+          </a:xfrm>
+          <a:prstGeom prst="rect">
+            <a:avLst/>
+          </a:prstGeom>
+          <a:noFill/>
+          <a:extLst>
+            <a:ext uri="{909E8E84-426E-40DD-AFC4-6F175D3DCCD1}">
+              <a14:hiddenFill xmlns:a14="http://schemas.microsoft.com/office/drawing/2010/main">
+                <a:solidFill>
+                  <a:srgbClr val="FFFFFF"/>
+                </a:solidFill>
+              </a14:hiddenFill>
+            </a:ext>
+          </a:extLst>
+        </p:spPr>
+      </p:pic>
+      <p:pic>
+        <p:nvPicPr>
+          <p:cNvPr id="30" name="Picture 2" descr="Amazon Bedrock Connector - Overview (O11) | OutSystems">
+            <a:extLst>
+              <a:ext uri="{FF2B5EF4-FFF2-40B4-BE49-F238E27FC236}">
+                <a16:creationId xmlns:a16="http://schemas.microsoft.com/office/drawing/2014/main" id="{D76DEC2A-A69D-026F-1B08-FEC01D7B96C4}"/>
+              </a:ext>
+            </a:extLst>
+          </p:cNvPr>
+          <p:cNvPicPr>
+            <a:picLocks noChangeAspect="1" noChangeArrowheads="1"/>
           </p:cNvPicPr>
           <p:nvPr/>
         </p:nvPicPr>
         <p:blipFill>
-          <a:blip r:embed="rId9"/>
+          <a:blip r:embed="rId2">
+            <a:extLst>
+              <a:ext uri="{28A0092B-C50C-407E-A947-70E740481C1C}">
+                <a14:useLocalDpi xmlns:a14="http://schemas.microsoft.com/office/drawing/2010/main" val="0"/>
+              </a:ext>
+            </a:extLst>
+          </a:blip>
+          <a:srcRect/>
           <a:stretch>
             <a:fillRect/>
           </a:stretch>
         </p:blipFill>
-        <p:spPr>
-          <a:xfrm>
-            <a:off x="6273619" y="3981844"/>
-            <a:ext cx="461792" cy="461792"/>
+        <p:spPr bwMode="auto">
+          <a:xfrm>
+            <a:off x="1511530" y="4276532"/>
+            <a:ext cx="465430" cy="465430"/>
           </a:xfrm>
           <a:prstGeom prst="rect">
             <a:avLst/>
           </a:prstGeom>
+          <a:noFill/>
+          <a:extLst>
+            <a:ext uri="{909E8E84-426E-40DD-AFC4-6F175D3DCCD1}">
+              <a14:hiddenFill xmlns:a14="http://schemas.microsoft.com/office/drawing/2010/main">
+                <a:solidFill>
+                  <a:srgbClr val="FFFFFF"/>
+                </a:solidFill>
+              </a14:hiddenFill>
+            </a:ext>
+          </a:extLst>
         </p:spPr>
       </p:pic>
       <p:sp>
         <p:nvSpPr>
-          <p:cNvPr id="24" name="제목 1">
-            <a:extLst>
-              <a:ext uri="{FF2B5EF4-FFF2-40B4-BE49-F238E27FC236}">
-                <a16:creationId xmlns:a16="http://schemas.microsoft.com/office/drawing/2014/main" id="{17BA8541-77E7-E388-9CB5-23D6E93BD717}"/>
+          <p:cNvPr id="32" name="제목 1">
+            <a:extLst>
+              <a:ext uri="{FF2B5EF4-FFF2-40B4-BE49-F238E27FC236}">
+                <a16:creationId xmlns:a16="http://schemas.microsoft.com/office/drawing/2014/main" id="{54F57808-1E21-5B61-59F8-287C0C8C6B09}"/>
               </a:ext>
             </a:extLst>
           </p:cNvPr>
@@ -5994,8 +5721,8 @@
         </p:nvSpPr>
         <p:spPr>
           <a:xfrm>
-            <a:off x="6134914" y="4566983"/>
-            <a:ext cx="739201" cy="267998"/>
+            <a:off x="1140940" y="4737333"/>
+            <a:ext cx="1206609" cy="267998"/>
           </a:xfrm>
           <a:prstGeom prst="rect">
             <a:avLst/>
@@ -6032,7 +5759,23 @@
                 <a:ea typeface="KoPubWorldDotum Bold" pitchFamily="2" charset="-127"/>
                 <a:cs typeface="KoPubWorldDotum Bold" pitchFamily="2" charset="-127"/>
               </a:rPr>
-              <a:t>EFS</a:t>
+              <a:t>Bedrock</a:t>
+            </a:r>
+            <a:r>
+              <a:rPr kumimoji="1" lang="ko-KR" altLang="en-US" sz="1100" b="1" dirty="0">
+                <a:latin typeface="KoPubWorldDotum Bold" pitchFamily="2" charset="-127"/>
+                <a:ea typeface="KoPubWorldDotum Bold" pitchFamily="2" charset="-127"/>
+                <a:cs typeface="KoPubWorldDotum Bold" pitchFamily="2" charset="-127"/>
+              </a:rPr>
+              <a:t> </a:t>
+            </a:r>
+            <a:r>
+              <a:rPr kumimoji="1" lang="en-US" altLang="ko-KR" sz="1100" b="1" dirty="0">
+                <a:latin typeface="KoPubWorldDotum Bold" pitchFamily="2" charset="-127"/>
+                <a:ea typeface="KoPubWorldDotum Bold" pitchFamily="2" charset="-127"/>
+                <a:cs typeface="KoPubWorldDotum Bold" pitchFamily="2" charset="-127"/>
+              </a:rPr>
+              <a:t>Agent</a:t>
             </a:r>
             <a:endParaRPr kumimoji="1" lang="ko-KR" altLang="en-US" sz="1100" b="1" dirty="0">
               <a:latin typeface="KoPubWorldDotum Bold" pitchFamily="2" charset="-127"/>
@@ -6042,12 +5785,107 @@
           </a:p>
         </p:txBody>
       </p:sp>
+      <p:cxnSp>
+        <p:nvCxnSpPr>
+          <p:cNvPr id="33" name="직선 화살표 연결선 32">
+            <a:extLst>
+              <a:ext uri="{FF2B5EF4-FFF2-40B4-BE49-F238E27FC236}">
+                <a16:creationId xmlns:a16="http://schemas.microsoft.com/office/drawing/2014/main" id="{E3003217-E82C-FD3B-6DA2-D7246D07104B}"/>
+              </a:ext>
+            </a:extLst>
+          </p:cNvPr>
+          <p:cNvCxnSpPr>
+            <a:cxnSpLocks/>
+          </p:cNvCxnSpPr>
+          <p:nvPr/>
+        </p:nvCxnSpPr>
+        <p:spPr>
+          <a:xfrm>
+            <a:off x="1744244" y="3618833"/>
+            <a:ext cx="0" cy="661227"/>
+          </a:xfrm>
+          <a:prstGeom prst="straightConnector1">
+            <a:avLst/>
+          </a:prstGeom>
+          <a:ln>
+            <a:headEnd type="none" w="med" len="med"/>
+            <a:tailEnd type="none" w="med" len="med"/>
+          </a:ln>
+        </p:spPr>
+        <p:style>
+          <a:lnRef idx="2">
+            <a:schemeClr val="accent1"/>
+          </a:lnRef>
+          <a:fillRef idx="0">
+            <a:schemeClr val="accent1"/>
+          </a:fillRef>
+          <a:effectRef idx="1">
+            <a:schemeClr val="accent1"/>
+          </a:effectRef>
+          <a:fontRef idx="minor">
+            <a:schemeClr val="tx1"/>
+          </a:fontRef>
+        </p:style>
+      </p:cxnSp>
+      <p:sp>
+        <p:nvSpPr>
+          <p:cNvPr id="34" name="직사각형 33">
+            <a:extLst>
+              <a:ext uri="{FF2B5EF4-FFF2-40B4-BE49-F238E27FC236}">
+                <a16:creationId xmlns:a16="http://schemas.microsoft.com/office/drawing/2014/main" id="{F78681F1-1C99-B030-F542-DCCB506FFB56}"/>
+              </a:ext>
+            </a:extLst>
+          </p:cNvPr>
+          <p:cNvSpPr/>
+          <p:nvPr/>
+        </p:nvSpPr>
+        <p:spPr>
+          <a:xfrm>
+            <a:off x="2950853" y="3223567"/>
+            <a:ext cx="1503655" cy="734740"/>
+          </a:xfrm>
+          <a:prstGeom prst="rect">
+            <a:avLst/>
+          </a:prstGeom>
+          <a:noFill/>
+          <a:ln>
+            <a:solidFill>
+              <a:srgbClr val="000000"/>
+            </a:solidFill>
+            <a:prstDash val="sysDash"/>
+          </a:ln>
+        </p:spPr>
+        <p:style>
+          <a:lnRef idx="2">
+            <a:schemeClr val="accent1">
+              <a:shade val="15000"/>
+            </a:schemeClr>
+          </a:lnRef>
+          <a:fillRef idx="1">
+            <a:schemeClr val="accent1"/>
+          </a:fillRef>
+          <a:effectRef idx="0">
+            <a:schemeClr val="accent1"/>
+          </a:effectRef>
+          <a:fontRef idx="minor">
+            <a:schemeClr val="lt1"/>
+          </a:fontRef>
+        </p:style>
+        <p:txBody>
+          <a:bodyPr rtlCol="0" anchor="ctr"/>
+          <a:lstStyle/>
+          <a:p>
+            <a:pPr algn="ctr"/>
+            <a:endParaRPr kumimoji="1" lang="ko-KR" altLang="en-US"/>
+          </a:p>
+        </p:txBody>
+      </p:sp>
       <p:pic>
         <p:nvPicPr>
-          <p:cNvPr id="25" name="그림 24">
-            <a:extLst>
-              <a:ext uri="{FF2B5EF4-FFF2-40B4-BE49-F238E27FC236}">
-                <a16:creationId xmlns:a16="http://schemas.microsoft.com/office/drawing/2014/main" id="{21B516DC-7362-38B0-0DF6-DC58FD0D1443}"/>
+          <p:cNvPr id="35" name="그림 34">
+            <a:extLst>
+              <a:ext uri="{FF2B5EF4-FFF2-40B4-BE49-F238E27FC236}">
+                <a16:creationId xmlns:a16="http://schemas.microsoft.com/office/drawing/2014/main" id="{65E23596-1DD4-C806-4199-B4B83ADBEE36}"/>
               </a:ext>
             </a:extLst>
           </p:cNvPr>
@@ -6057,15 +5895,15 @@
           <p:nvPr/>
         </p:nvPicPr>
         <p:blipFill>
-          <a:blip r:embed="rId10"/>
+          <a:blip r:embed="rId4"/>
           <a:stretch>
             <a:fillRect/>
           </a:stretch>
         </p:blipFill>
         <p:spPr>
           <a:xfrm>
-            <a:off x="2183190" y="1926593"/>
-            <a:ext cx="461792" cy="461792"/>
+            <a:off x="3460577" y="3751749"/>
+            <a:ext cx="462142" cy="462142"/>
           </a:xfrm>
           <a:prstGeom prst="rect">
             <a:avLst/>
@@ -6074,10 +5912,10 @@
       </p:pic>
       <p:sp>
         <p:nvSpPr>
-          <p:cNvPr id="27" name="제목 1">
-            <a:extLst>
-              <a:ext uri="{FF2B5EF4-FFF2-40B4-BE49-F238E27FC236}">
-                <a16:creationId xmlns:a16="http://schemas.microsoft.com/office/drawing/2014/main" id="{F0E58B80-8C4A-E82F-CEDD-9E3651CC6FC1}"/>
+          <p:cNvPr id="36" name="제목 1">
+            <a:extLst>
+              <a:ext uri="{FF2B5EF4-FFF2-40B4-BE49-F238E27FC236}">
+                <a16:creationId xmlns:a16="http://schemas.microsoft.com/office/drawing/2014/main" id="{D4BA8984-1D6E-676B-B84D-1BC198C37AE0}"/>
               </a:ext>
             </a:extLst>
           </p:cNvPr>
@@ -6088,7 +5926,7 @@
         </p:nvSpPr>
         <p:spPr>
           <a:xfrm>
-            <a:off x="2023511" y="1729365"/>
+            <a:off x="3333079" y="4190088"/>
             <a:ext cx="739201" cy="267998"/>
           </a:xfrm>
           <a:prstGeom prst="rect">
@@ -6126,7 +5964,7 @@
                 <a:ea typeface="KoPubWorldDotum Bold" pitchFamily="2" charset="-127"/>
                 <a:cs typeface="KoPubWorldDotum Bold" pitchFamily="2" charset="-127"/>
               </a:rPr>
-              <a:t>S3</a:t>
+              <a:t>Lambda</a:t>
             </a:r>
             <a:endParaRPr kumimoji="1" lang="ko-KR" altLang="en-US" sz="1100" b="1" dirty="0">
               <a:latin typeface="KoPubWorldDotum Bold" pitchFamily="2" charset="-127"/>
@@ -6136,12 +5974,42 @@
           </a:p>
         </p:txBody>
       </p:sp>
-      <p:sp>
-        <p:nvSpPr>
-          <p:cNvPr id="29" name="제목 1">
-            <a:extLst>
-              <a:ext uri="{FF2B5EF4-FFF2-40B4-BE49-F238E27FC236}">
-                <a16:creationId xmlns:a16="http://schemas.microsoft.com/office/drawing/2014/main" id="{D4089B60-6ED9-6F6B-FA85-2196E3B1ADD4}"/>
+      <p:pic>
+        <p:nvPicPr>
+          <p:cNvPr id="38" name="그림 37">
+            <a:extLst>
+              <a:ext uri="{FF2B5EF4-FFF2-40B4-BE49-F238E27FC236}">
+                <a16:creationId xmlns:a16="http://schemas.microsoft.com/office/drawing/2014/main" id="{B73F89F0-2648-7168-A68F-46AEDB0EA308}"/>
+              </a:ext>
+            </a:extLst>
+          </p:cNvPr>
+          <p:cNvPicPr>
+            <a:picLocks noChangeAspect="1"/>
+          </p:cNvPicPr>
+          <p:nvPr/>
+        </p:nvPicPr>
+        <p:blipFill>
+          <a:blip r:embed="rId5"/>
+          <a:stretch>
+            <a:fillRect/>
+          </a:stretch>
+        </p:blipFill>
+        <p:spPr>
+          <a:xfrm>
+            <a:off x="3469964" y="4520876"/>
+            <a:ext cx="465429" cy="465429"/>
+          </a:xfrm>
+          <a:prstGeom prst="rect">
+            <a:avLst/>
+          </a:prstGeom>
+        </p:spPr>
+      </p:pic>
+      <p:sp>
+        <p:nvSpPr>
+          <p:cNvPr id="39" name="제목 1">
+            <a:extLst>
+              <a:ext uri="{FF2B5EF4-FFF2-40B4-BE49-F238E27FC236}">
+                <a16:creationId xmlns:a16="http://schemas.microsoft.com/office/drawing/2014/main" id="{2C20A8B7-513E-2B61-A847-3FE9DBDCB6DA}"/>
               </a:ext>
             </a:extLst>
           </p:cNvPr>
@@ -6152,8 +6020,8 @@
         </p:nvSpPr>
         <p:spPr>
           <a:xfrm>
-            <a:off x="1867663" y="2837245"/>
-            <a:ext cx="1092847" cy="267998"/>
+            <a:off x="3257073" y="5008219"/>
+            <a:ext cx="869150" cy="267998"/>
           </a:xfrm>
           <a:prstGeom prst="rect">
             <a:avLst/>
@@ -6161,7 +6029,7 @@
         </p:spPr>
         <p:txBody>
           <a:bodyPr vert="horz" lIns="91440" tIns="45720" rIns="91440" bIns="45720" rtlCol="0" anchor="ctr">
-            <a:normAutofit/>
+            <a:normAutofit fontScale="92500"/>
           </a:bodyPr>
           <a:lstStyle>
             <a:lvl1pPr algn="l" defTabSz="914400" rtl="0" eaLnBrk="1" latinLnBrk="1" hangingPunct="1">
@@ -6185,12 +6053,12 @@
           <a:p>
             <a:pPr algn="ctr"/>
             <a:r>
-              <a:rPr kumimoji="1" lang="en-US" altLang="ko-KR" sz="1100" b="1" dirty="0" err="1">
+              <a:rPr kumimoji="1" lang="en-US" altLang="ko-KR" sz="1100" b="1" dirty="0">
                 <a:latin typeface="KoPubWorldDotum Bold" pitchFamily="2" charset="-127"/>
                 <a:ea typeface="KoPubWorldDotum Bold" pitchFamily="2" charset="-127"/>
                 <a:cs typeface="KoPubWorldDotum Bold" pitchFamily="2" charset="-127"/>
               </a:rPr>
-              <a:t>Meaning.pdf</a:t>
+              <a:t>DynamoDB</a:t>
             </a:r>
             <a:endParaRPr kumimoji="1" lang="ko-KR" altLang="en-US" sz="1100" b="1" dirty="0">
               <a:latin typeface="KoPubWorldDotum Bold" pitchFamily="2" charset="-127"/>
@@ -6200,59 +6068,33 @@
           </a:p>
         </p:txBody>
       </p:sp>
-      <p:pic>
-        <p:nvPicPr>
-          <p:cNvPr id="30" name="그림 29">
-            <a:extLst>
-              <a:ext uri="{FF2B5EF4-FFF2-40B4-BE49-F238E27FC236}">
-                <a16:creationId xmlns:a16="http://schemas.microsoft.com/office/drawing/2014/main" id="{2AE9D767-AEBC-EB58-9E0C-F05A64EAD4FE}"/>
-              </a:ext>
-            </a:extLst>
-          </p:cNvPr>
-          <p:cNvPicPr>
-            <a:picLocks noChangeAspect="1"/>
-          </p:cNvPicPr>
-          <p:nvPr/>
-        </p:nvPicPr>
-        <p:blipFill>
-          <a:blip r:embed="rId11"/>
-          <a:stretch>
-            <a:fillRect/>
-          </a:stretch>
-        </p:blipFill>
-        <p:spPr>
-          <a:xfrm>
-            <a:off x="8444011" y="3359034"/>
-            <a:ext cx="465430" cy="465430"/>
-          </a:xfrm>
-          <a:prstGeom prst="rect">
-            <a:avLst/>
-          </a:prstGeom>
-        </p:spPr>
-      </p:pic>
       <p:cxnSp>
         <p:nvCxnSpPr>
-          <p:cNvPr id="31" name="꺾인 연결선[E] 30">
-            <a:extLst>
-              <a:ext uri="{FF2B5EF4-FFF2-40B4-BE49-F238E27FC236}">
-                <a16:creationId xmlns:a16="http://schemas.microsoft.com/office/drawing/2014/main" id="{A9161649-50C7-DCC7-E34D-7D373E11C280}"/>
+          <p:cNvPr id="40" name="직선 화살표 연결선 39">
+            <a:extLst>
+              <a:ext uri="{FF2B5EF4-FFF2-40B4-BE49-F238E27FC236}">
+                <a16:creationId xmlns:a16="http://schemas.microsoft.com/office/drawing/2014/main" id="{E9982E57-9053-CEEC-5B03-E9A62A0BA8C8}"/>
               </a:ext>
             </a:extLst>
           </p:cNvPr>
           <p:cNvCxnSpPr>
             <a:cxnSpLocks/>
-            <a:endCxn id="1026" idx="1"/>
+            <a:endCxn id="38" idx="0"/>
           </p:cNvCxnSpPr>
           <p:nvPr/>
         </p:nvCxnSpPr>
         <p:spPr>
-          <a:xfrm rot="16200000" flipH="1">
-            <a:off x="2404979" y="3056998"/>
-            <a:ext cx="563885" cy="545671"/>
-          </a:xfrm>
-          <a:prstGeom prst="bentConnector2">
-            <a:avLst/>
-          </a:prstGeom>
+          <a:xfrm>
+            <a:off x="3702679" y="4383314"/>
+            <a:ext cx="0" cy="137562"/>
+          </a:xfrm>
+          <a:prstGeom prst="straightConnector1">
+            <a:avLst/>
+          </a:prstGeom>
+          <a:ln>
+            <a:headEnd type="none" w="med" len="med"/>
+            <a:tailEnd type="none" w="med" len="med"/>
+          </a:ln>
         </p:spPr>
         <p:style>
           <a:lnRef idx="2">
@@ -6269,103 +6111,161 @@
           </a:fontRef>
         </p:style>
       </p:cxnSp>
-      <p:cxnSp>
-        <p:nvCxnSpPr>
-          <p:cNvPr id="40" name="직선 화살표 연결선 39">
-            <a:extLst>
-              <a:ext uri="{FF2B5EF4-FFF2-40B4-BE49-F238E27FC236}">
-                <a16:creationId xmlns:a16="http://schemas.microsoft.com/office/drawing/2014/main" id="{42968DCA-C16B-F4E1-0A5F-6D979664B3B1}"/>
-              </a:ext>
-            </a:extLst>
-          </p:cNvPr>
-          <p:cNvCxnSpPr>
-            <a:cxnSpLocks/>
-          </p:cNvCxnSpPr>
-          <p:nvPr/>
-        </p:nvCxnSpPr>
-        <p:spPr>
-          <a:xfrm flipH="1">
-            <a:off x="8909441" y="3611776"/>
-            <a:ext cx="626833" cy="0"/>
-          </a:xfrm>
-          <a:prstGeom prst="straightConnector1">
-            <a:avLst/>
-          </a:prstGeom>
+      <p:sp>
+        <p:nvSpPr>
+          <p:cNvPr id="41" name="직사각형 40">
+            <a:extLst>
+              <a:ext uri="{FF2B5EF4-FFF2-40B4-BE49-F238E27FC236}">
+                <a16:creationId xmlns:a16="http://schemas.microsoft.com/office/drawing/2014/main" id="{847313FC-431B-8ABA-A7B0-50C416FA85CF}"/>
+              </a:ext>
+            </a:extLst>
+          </p:cNvPr>
+          <p:cNvSpPr/>
+          <p:nvPr/>
+        </p:nvSpPr>
+        <p:spPr>
+          <a:xfrm>
+            <a:off x="481291" y="2336800"/>
+            <a:ext cx="5023560" cy="2965493"/>
+          </a:xfrm>
+          <a:prstGeom prst="rect">
+            <a:avLst/>
+          </a:prstGeom>
+          <a:noFill/>
           <a:ln>
-            <a:headEnd type="none" w="med" len="med"/>
-            <a:tailEnd type="none" w="med" len="med"/>
+            <a:solidFill>
+              <a:srgbClr val="000000"/>
+            </a:solidFill>
+            <a:prstDash val="sysDash"/>
           </a:ln>
         </p:spPr>
         <p:style>
           <a:lnRef idx="2">
-            <a:schemeClr val="accent1"/>
+            <a:schemeClr val="accent1">
+              <a:shade val="15000"/>
+            </a:schemeClr>
           </a:lnRef>
-          <a:fillRef idx="0">
+          <a:fillRef idx="1">
             <a:schemeClr val="accent1"/>
           </a:fillRef>
-          <a:effectRef idx="1">
+          <a:effectRef idx="0">
             <a:schemeClr val="accent1"/>
           </a:effectRef>
           <a:fontRef idx="minor">
-            <a:schemeClr val="tx1"/>
+            <a:schemeClr val="lt1"/>
           </a:fontRef>
         </p:style>
-      </p:cxnSp>
-      <p:sp>
-        <p:nvSpPr>
-          <p:cNvPr id="41" name="제목 1">
-            <a:extLst>
-              <a:ext uri="{FF2B5EF4-FFF2-40B4-BE49-F238E27FC236}">
-                <a16:creationId xmlns:a16="http://schemas.microsoft.com/office/drawing/2014/main" id="{A13C1EF2-3735-8633-22EC-7C7DDDBA152F}"/>
-              </a:ext>
-            </a:extLst>
-          </p:cNvPr>
-          <p:cNvSpPr txBox="1">
-            <a:spLocks/>
-          </p:cNvSpPr>
-          <p:nvPr/>
-        </p:nvSpPr>
-        <p:spPr>
-          <a:xfrm>
-            <a:off x="8287874" y="3842400"/>
-            <a:ext cx="835645" cy="267998"/>
+        <p:txBody>
+          <a:bodyPr rtlCol="0" anchor="ctr"/>
+          <a:lstStyle/>
+          <a:p>
+            <a:pPr algn="ctr"/>
+            <a:endParaRPr kumimoji="1" lang="ko-KR" altLang="en-US"/>
+          </a:p>
+        </p:txBody>
+      </p:sp>
+      <p:pic>
+        <p:nvPicPr>
+          <p:cNvPr id="42" name="Picture 4" descr="Amazon Web Services | Incentro Partner">
+            <a:extLst>
+              <a:ext uri="{FF2B5EF4-FFF2-40B4-BE49-F238E27FC236}">
+                <a16:creationId xmlns:a16="http://schemas.microsoft.com/office/drawing/2014/main" id="{57422508-9008-D48F-6FF9-91C6E049AA0D}"/>
+              </a:ext>
+            </a:extLst>
+          </p:cNvPr>
+          <p:cNvPicPr>
+            <a:picLocks noChangeAspect="1" noChangeArrowheads="1"/>
+          </p:cNvPicPr>
+          <p:nvPr/>
+        </p:nvPicPr>
+        <p:blipFill>
+          <a:blip r:embed="rId6">
+            <a:extLst>
+              <a:ext uri="{28A0092B-C50C-407E-A947-70E740481C1C}">
+                <a14:useLocalDpi xmlns:a14="http://schemas.microsoft.com/office/drawing/2010/main" val="0"/>
+              </a:ext>
+            </a:extLst>
+          </a:blip>
+          <a:srcRect/>
+          <a:stretch>
+            <a:fillRect/>
+          </a:stretch>
+        </p:blipFill>
+        <p:spPr bwMode="auto">
+          <a:xfrm>
+            <a:off x="486534" y="2328764"/>
+            <a:ext cx="377292" cy="377292"/>
           </a:xfrm>
           <a:prstGeom prst="rect">
             <a:avLst/>
           </a:prstGeom>
-        </p:spPr>
-        <p:txBody>
-          <a:bodyPr vert="horz" lIns="91440" tIns="45720" rIns="91440" bIns="45720" rtlCol="0" anchor="ctr">
-            <a:normAutofit/>
-          </a:bodyPr>
-          <a:lstStyle>
-            <a:lvl1pPr algn="l" defTabSz="914400" rtl="0" eaLnBrk="1" latinLnBrk="1" hangingPunct="1">
-              <a:lnSpc>
-                <a:spcPct val="90000"/>
-              </a:lnSpc>
-              <a:spcBef>
-                <a:spcPct val="0"/>
-              </a:spcBef>
-              <a:buNone/>
-              <a:defRPr sz="4400" kern="1200">
+          <a:noFill/>
+          <a:extLst>
+            <a:ext uri="{909E8E84-426E-40DD-AFC4-6F175D3DCCD1}">
+              <a14:hiddenFill xmlns:a14="http://schemas.microsoft.com/office/drawing/2010/main">
                 <a:solidFill>
-                  <a:schemeClr val="tx1"/>
+                  <a:srgbClr val="FFFFFF"/>
                 </a:solidFill>
-                <a:latin typeface="+mj-lt"/>
-                <a:ea typeface="+mj-ea"/>
-                <a:cs typeface="+mj-cs"/>
-              </a:defRPr>
-            </a:lvl1pPr>
-          </a:lstStyle>
+              </a14:hiddenFill>
+            </a:ext>
+          </a:extLst>
+        </p:spPr>
+      </p:pic>
+      <p:sp>
+        <p:nvSpPr>
+          <p:cNvPr id="43" name="처리 42">
+            <a:extLst>
+              <a:ext uri="{FF2B5EF4-FFF2-40B4-BE49-F238E27FC236}">
+                <a16:creationId xmlns:a16="http://schemas.microsoft.com/office/drawing/2014/main" id="{A6BCF453-F0B0-693B-F029-74BCD668629C}"/>
+              </a:ext>
+            </a:extLst>
+          </p:cNvPr>
+          <p:cNvSpPr/>
+          <p:nvPr/>
+        </p:nvSpPr>
+        <p:spPr>
+          <a:xfrm>
+            <a:off x="3090094" y="3475616"/>
+            <a:ext cx="1203109" cy="243942"/>
+          </a:xfrm>
+          <a:prstGeom prst="flowChartProcess">
+            <a:avLst/>
+          </a:prstGeom>
+          <a:solidFill>
+            <a:schemeClr val="accent1"/>
+          </a:solidFill>
+          <a:ln>
+            <a:noFill/>
+          </a:ln>
+        </p:spPr>
+        <p:style>
+          <a:lnRef idx="2">
+            <a:schemeClr val="accent1">
+              <a:shade val="15000"/>
+            </a:schemeClr>
+          </a:lnRef>
+          <a:fillRef idx="1">
+            <a:schemeClr val="accent1"/>
+          </a:fillRef>
+          <a:effectRef idx="0">
+            <a:schemeClr val="accent1"/>
+          </a:effectRef>
+          <a:fontRef idx="minor">
+            <a:schemeClr val="lt1"/>
+          </a:fontRef>
+        </p:style>
+        <p:txBody>
+          <a:bodyPr rtlCol="0" anchor="ctr"/>
+          <a:lstStyle/>
           <a:p>
             <a:pPr algn="ctr"/>
             <a:r>
-              <a:rPr kumimoji="1" lang="en-US" altLang="ko-KR" sz="1100" b="1" dirty="0">
+              <a:rPr kumimoji="1" lang="en-US" altLang="ko-KR" sz="1100" b="1" dirty="0" err="1">
                 <a:latin typeface="KoPubWorldDotum Bold" pitchFamily="2" charset="-127"/>
                 <a:ea typeface="KoPubWorldDotum Bold" pitchFamily="2" charset="-127"/>
                 <a:cs typeface="KoPubWorldDotum Bold" pitchFamily="2" charset="-127"/>
               </a:rPr>
-              <a:t>Route 53</a:t>
+              <a:t>Back.py</a:t>
             </a:r>
             <a:endParaRPr kumimoji="1" lang="ko-KR" altLang="en-US" sz="1100" b="1" dirty="0">
               <a:latin typeface="KoPubWorldDotum Bold" pitchFamily="2" charset="-127"/>
@@ -6375,10 +6275,46 @@
           </a:p>
         </p:txBody>
       </p:sp>
+      <p:pic>
+        <p:nvPicPr>
+          <p:cNvPr id="49" name="그래픽 48" descr="사용자 단색으로 채워진">
+            <a:extLst>
+              <a:ext uri="{FF2B5EF4-FFF2-40B4-BE49-F238E27FC236}">
+                <a16:creationId xmlns:a16="http://schemas.microsoft.com/office/drawing/2014/main" id="{B00A906E-AD6B-B5CF-BD37-B276F36556FD}"/>
+              </a:ext>
+            </a:extLst>
+          </p:cNvPr>
+          <p:cNvPicPr>
+            <a:picLocks noChangeAspect="1"/>
+          </p:cNvPicPr>
+          <p:nvPr/>
+        </p:nvPicPr>
+        <p:blipFill>
+          <a:blip r:embed="rId7">
+            <a:extLst>
+              <a:ext uri="{96DAC541-7B7A-43D3-8B79-37D633B846F1}">
+                <asvg:svgBlip xmlns:asvg="http://schemas.microsoft.com/office/drawing/2016/SVG/main" r:embed="rId8"/>
+              </a:ext>
+            </a:extLst>
+          </a:blip>
+          <a:stretch>
+            <a:fillRect/>
+          </a:stretch>
+        </p:blipFill>
+        <p:spPr>
+          <a:xfrm>
+            <a:off x="11069435" y="3141147"/>
+            <a:ext cx="754027" cy="754027"/>
+          </a:xfrm>
+          <a:prstGeom prst="rect">
+            <a:avLst/>
+          </a:prstGeom>
+        </p:spPr>
+      </p:pic>
     </p:spTree>
     <p:extLst>
       <p:ext uri="{BB962C8B-B14F-4D97-AF65-F5344CB8AC3E}">
-        <p14:creationId xmlns:p14="http://schemas.microsoft.com/office/powerpoint/2010/main" val="2740597743"/>
+        <p14:creationId xmlns:p14="http://schemas.microsoft.com/office/powerpoint/2010/main" val="1569038290"/>
       </p:ext>
     </p:extLst>
   </p:cSld>
@@ -6439,7 +6375,15 @@
                 <a:ea typeface="KoPubWorldDotum Medium" pitchFamily="2" charset="-127"/>
                 <a:cs typeface="KoPubWorldDotum Medium" pitchFamily="2" charset="-127"/>
               </a:rPr>
-              <a:t>Phase 3: </a:t>
+              <a:t>Phase 2: </a:t>
+            </a:r>
+            <a:r>
+              <a:rPr kumimoji="1" lang="ko-KR" altLang="en-US" sz="2800" dirty="0" err="1">
+                <a:latin typeface="KoPubWorldDotum Medium" pitchFamily="2" charset="-127"/>
+                <a:ea typeface="KoPubWorldDotum Medium" pitchFamily="2" charset="-127"/>
+                <a:cs typeface="KoPubWorldDotum Medium" pitchFamily="2" charset="-127"/>
+              </a:rPr>
+              <a:t>프론트엔드</a:t>
             </a:r>
             <a:r>
               <a:rPr kumimoji="1" lang="ko-KR" altLang="en-US" sz="2800" dirty="0">
@@ -6447,7 +6391,7 @@
                 <a:ea typeface="KoPubWorldDotum Medium" pitchFamily="2" charset="-127"/>
                 <a:cs typeface="KoPubWorldDotum Medium" pitchFamily="2" charset="-127"/>
               </a:rPr>
-              <a:t>소규모 솔루션 아키텍처 확보</a:t>
+              <a:t> 필수 요소 구축</a:t>
             </a:r>
           </a:p>
         </p:txBody>
@@ -6468,8 +6412,8 @@
         </p:nvSpPr>
         <p:spPr>
           <a:xfrm>
-            <a:off x="368537" y="754841"/>
-            <a:ext cx="11454925" cy="1464943"/>
+            <a:off x="368537" y="700863"/>
+            <a:ext cx="11454925" cy="1657301"/>
           </a:xfrm>
           <a:prstGeom prst="rect">
             <a:avLst/>
@@ -6507,12 +6451,20 @@
               <a:buChar char="•"/>
             </a:pPr>
             <a:r>
+              <a:rPr kumimoji="1" lang="ko-KR" altLang="en-US" sz="1400" dirty="0" err="1">
+                <a:latin typeface="KoPubWorldDotum Medium" pitchFamily="2" charset="-127"/>
+                <a:ea typeface="KoPubWorldDotum Medium" pitchFamily="2" charset="-127"/>
+                <a:cs typeface="KoPubWorldDotum Medium" pitchFamily="2" charset="-127"/>
+              </a:rPr>
+              <a:t>백엔드</a:t>
+            </a:r>
+            <a:r>
               <a:rPr kumimoji="1" lang="ko-KR" altLang="en-US" sz="1400" dirty="0">
                 <a:latin typeface="KoPubWorldDotum Medium" pitchFamily="2" charset="-127"/>
                 <a:ea typeface="KoPubWorldDotum Medium" pitchFamily="2" charset="-127"/>
                 <a:cs typeface="KoPubWorldDotum Medium" pitchFamily="2" charset="-127"/>
               </a:rPr>
-              <a:t>웹 </a:t>
+              <a:t> 기본 구조를</a:t>
             </a:r>
             <a:r>
               <a:rPr kumimoji="1" lang="en-US" altLang="ko-KR" sz="1400" dirty="0">
@@ -6520,7 +6472,7 @@
                 <a:ea typeface="KoPubWorldDotum Medium" pitchFamily="2" charset="-127"/>
                 <a:cs typeface="KoPubWorldDotum Medium" pitchFamily="2" charset="-127"/>
               </a:rPr>
-              <a:t>UI </a:t>
+              <a:t>,</a:t>
             </a:r>
             <a:r>
               <a:rPr kumimoji="1" lang="ko-KR" altLang="en-US" sz="1400" dirty="0">
@@ -6528,7 +6480,23 @@
                 <a:ea typeface="KoPubWorldDotum Medium" pitchFamily="2" charset="-127"/>
                 <a:cs typeface="KoPubWorldDotum Medium" pitchFamily="2" charset="-127"/>
               </a:rPr>
-              <a:t>프론트 구현</a:t>
+              <a:t> 사용자 인터랙션이 가능하도록 </a:t>
+            </a:r>
+            <a:r>
+              <a:rPr kumimoji="1" lang="en-US" altLang="ko-KR" sz="1400" dirty="0">
+                <a:latin typeface="KoPubWorldDotum Medium" pitchFamily="2" charset="-127"/>
+                <a:ea typeface="KoPubWorldDotum Medium" pitchFamily="2" charset="-127"/>
+                <a:cs typeface="KoPubWorldDotum Medium" pitchFamily="2" charset="-127"/>
+              </a:rPr>
+              <a:t>API Gateway</a:t>
+            </a:r>
+            <a:r>
+              <a:rPr kumimoji="1" lang="ko-KR" altLang="en-US" sz="1400" dirty="0">
+                <a:latin typeface="KoPubWorldDotum Medium" pitchFamily="2" charset="-127"/>
+                <a:ea typeface="KoPubWorldDotum Medium" pitchFamily="2" charset="-127"/>
+                <a:cs typeface="KoPubWorldDotum Medium" pitchFamily="2" charset="-127"/>
+              </a:rPr>
+              <a:t> 구축</a:t>
             </a:r>
             <a:endParaRPr kumimoji="1" lang="en-US" altLang="ko-KR" sz="1400" dirty="0">
               <a:latin typeface="KoPubWorldDotum Medium" pitchFamily="2" charset="-127"/>
@@ -6550,7 +6518,31 @@
                 <a:ea typeface="KoPubWorldDotum Medium" pitchFamily="2" charset="-127"/>
                 <a:cs typeface="KoPubWorldDotum Medium" pitchFamily="2" charset="-127"/>
               </a:rPr>
-              <a:t>소수의 트래픽 감당 가능하도록 인스턴스 스케일링</a:t>
+              <a:t>프론트는 정적 웹페이지로 </a:t>
+            </a:r>
+            <a:r>
+              <a:rPr kumimoji="1" lang="en-US" altLang="ko-KR" sz="1400" dirty="0">
+                <a:latin typeface="KoPubWorldDotum Medium" pitchFamily="2" charset="-127"/>
+                <a:ea typeface="KoPubWorldDotum Medium" pitchFamily="2" charset="-127"/>
+                <a:cs typeface="KoPubWorldDotum Medium" pitchFamily="2" charset="-127"/>
+              </a:rPr>
+              <a:t>S3</a:t>
+            </a:r>
+            <a:r>
+              <a:rPr kumimoji="1" lang="ko-KR" altLang="en-US" sz="1400" dirty="0" err="1">
+                <a:latin typeface="KoPubWorldDotum Medium" pitchFamily="2" charset="-127"/>
+                <a:ea typeface="KoPubWorldDotum Medium" pitchFamily="2" charset="-127"/>
+                <a:cs typeface="KoPubWorldDotum Medium" pitchFamily="2" charset="-127"/>
+              </a:rPr>
+              <a:t>에</a:t>
+            </a:r>
+            <a:r>
+              <a:rPr kumimoji="1" lang="ko-KR" altLang="en-US" sz="1400" dirty="0">
+                <a:latin typeface="KoPubWorldDotum Medium" pitchFamily="2" charset="-127"/>
+                <a:ea typeface="KoPubWorldDotum Medium" pitchFamily="2" charset="-127"/>
+                <a:cs typeface="KoPubWorldDotum Medium" pitchFamily="2" charset="-127"/>
+              </a:rPr>
+              <a:t> 적재</a:t>
             </a:r>
             <a:endParaRPr kumimoji="1" lang="en-US" altLang="ko-KR" sz="1400" dirty="0">
               <a:latin typeface="KoPubWorldDotum Medium" pitchFamily="2" charset="-127"/>
@@ -6572,7 +6564,7 @@
                 <a:ea typeface="KoPubWorldDotum Medium" pitchFamily="2" charset="-127"/>
                 <a:cs typeface="KoPubWorldDotum Medium" pitchFamily="2" charset="-127"/>
               </a:rPr>
-              <a:t>사용자 로그 모니터링</a:t>
+              <a:t>사용자 스크립트를 캐치해서 역으로 전달하는 경로 필요</a:t>
             </a:r>
             <a:endParaRPr kumimoji="1" lang="en-US" altLang="ko-KR" sz="1400" dirty="0">
               <a:latin typeface="KoPubWorldDotum Medium" pitchFamily="2" charset="-127"/>
@@ -6589,22 +6581,198 @@
               <a:buChar char="•"/>
             </a:pPr>
             <a:r>
-              <a:rPr kumimoji="1" lang="ko-KR" altLang="en-US" sz="1400" u="sng" dirty="0">
+              <a:rPr kumimoji="1" lang="ko-KR" altLang="en-US" sz="1400" dirty="0">
                 <a:latin typeface="KoPubWorldDotum Medium" pitchFamily="2" charset="-127"/>
                 <a:ea typeface="KoPubWorldDotum Medium" pitchFamily="2" charset="-127"/>
                 <a:cs typeface="KoPubWorldDotum Medium" pitchFamily="2" charset="-127"/>
               </a:rPr>
-              <a:t>여기서부터 비용 모니터링 필수</a:t>
-            </a:r>
-          </a:p>
-        </p:txBody>
-      </p:sp>
-      <p:sp>
-        <p:nvSpPr>
-          <p:cNvPr id="3" name="제목 1">
-            <a:extLst>
-              <a:ext uri="{FF2B5EF4-FFF2-40B4-BE49-F238E27FC236}">
-                <a16:creationId xmlns:a16="http://schemas.microsoft.com/office/drawing/2014/main" id="{B628E711-6289-2508-3187-919FD9B6778C}"/>
+              <a:t>실행 시 웹페이지 직접 접근 필요한 상태</a:t>
+            </a:r>
+            <a:endParaRPr kumimoji="1" lang="en-US" altLang="ko-KR" sz="1400" dirty="0">
+              <a:latin typeface="KoPubWorldDotum Medium" pitchFamily="2" charset="-127"/>
+              <a:ea typeface="KoPubWorldDotum Medium" pitchFamily="2" charset="-127"/>
+              <a:cs typeface="KoPubWorldDotum Medium" pitchFamily="2" charset="-127"/>
+            </a:endParaRPr>
+          </a:p>
+          <a:p>
+            <a:pPr marL="285750" indent="-285750">
+              <a:lnSpc>
+                <a:spcPct val="150000"/>
+              </a:lnSpc>
+              <a:buFont typeface="Arial" panose="020B0604020202020204" pitchFamily="34" charset="0"/>
+              <a:buChar char="•"/>
+            </a:pPr>
+            <a:endParaRPr kumimoji="1" lang="ko-KR" altLang="en-US" sz="1400" dirty="0">
+              <a:latin typeface="KoPubWorldDotum Medium" pitchFamily="2" charset="-127"/>
+              <a:ea typeface="KoPubWorldDotum Medium" pitchFamily="2" charset="-127"/>
+              <a:cs typeface="KoPubWorldDotum Medium" pitchFamily="2" charset="-127"/>
+            </a:endParaRPr>
+          </a:p>
+        </p:txBody>
+      </p:sp>
+      <p:sp>
+        <p:nvSpPr>
+          <p:cNvPr id="5" name="직사각형 4">
+            <a:extLst>
+              <a:ext uri="{FF2B5EF4-FFF2-40B4-BE49-F238E27FC236}">
+                <a16:creationId xmlns:a16="http://schemas.microsoft.com/office/drawing/2014/main" id="{D3B09CEE-62D0-D88B-0500-ED86BA1E2FFB}"/>
+              </a:ext>
+            </a:extLst>
+          </p:cNvPr>
+          <p:cNvSpPr/>
+          <p:nvPr/>
+        </p:nvSpPr>
+        <p:spPr>
+          <a:xfrm>
+            <a:off x="5510807" y="2336799"/>
+            <a:ext cx="5450364" cy="2965493"/>
+          </a:xfrm>
+          <a:prstGeom prst="rect">
+            <a:avLst/>
+          </a:prstGeom>
+          <a:solidFill>
+            <a:schemeClr val="tx2">
+              <a:lumMod val="10000"/>
+              <a:lumOff val="90000"/>
+            </a:schemeClr>
+          </a:solidFill>
+          <a:ln>
+            <a:noFill/>
+          </a:ln>
+        </p:spPr>
+        <p:style>
+          <a:lnRef idx="2">
+            <a:schemeClr val="accent1">
+              <a:shade val="15000"/>
+            </a:schemeClr>
+          </a:lnRef>
+          <a:fillRef idx="1">
+            <a:schemeClr val="accent1"/>
+          </a:fillRef>
+          <a:effectRef idx="0">
+            <a:schemeClr val="accent1"/>
+          </a:effectRef>
+          <a:fontRef idx="minor">
+            <a:schemeClr val="lt1"/>
+          </a:fontRef>
+        </p:style>
+        <p:txBody>
+          <a:bodyPr rtlCol="0" anchor="ctr"/>
+          <a:lstStyle/>
+          <a:p>
+            <a:pPr algn="ctr"/>
+            <a:endParaRPr kumimoji="1" lang="ko-KR" altLang="en-US"/>
+          </a:p>
+        </p:txBody>
+      </p:sp>
+      <p:sp>
+        <p:nvSpPr>
+          <p:cNvPr id="20" name="직사각형 19">
+            <a:extLst>
+              <a:ext uri="{FF2B5EF4-FFF2-40B4-BE49-F238E27FC236}">
+                <a16:creationId xmlns:a16="http://schemas.microsoft.com/office/drawing/2014/main" id="{E773D0BF-66DB-1F16-5230-E7DFC9D7B114}"/>
+              </a:ext>
+            </a:extLst>
+          </p:cNvPr>
+          <p:cNvSpPr/>
+          <p:nvPr/>
+        </p:nvSpPr>
+        <p:spPr>
+          <a:xfrm>
+            <a:off x="486534" y="2330451"/>
+            <a:ext cx="5023559" cy="2965492"/>
+          </a:xfrm>
+          <a:prstGeom prst="rect">
+            <a:avLst/>
+          </a:prstGeom>
+          <a:solidFill>
+            <a:schemeClr val="accent2">
+              <a:lumMod val="20000"/>
+              <a:lumOff val="80000"/>
+            </a:schemeClr>
+          </a:solidFill>
+          <a:ln>
+            <a:noFill/>
+          </a:ln>
+        </p:spPr>
+        <p:style>
+          <a:lnRef idx="2">
+            <a:schemeClr val="accent1">
+              <a:shade val="15000"/>
+            </a:schemeClr>
+          </a:lnRef>
+          <a:fillRef idx="1">
+            <a:schemeClr val="accent1"/>
+          </a:fillRef>
+          <a:effectRef idx="0">
+            <a:schemeClr val="accent1"/>
+          </a:effectRef>
+          <a:fontRef idx="minor">
+            <a:schemeClr val="lt1"/>
+          </a:fontRef>
+        </p:style>
+        <p:txBody>
+          <a:bodyPr rtlCol="0" anchor="ctr"/>
+          <a:lstStyle/>
+          <a:p>
+            <a:pPr algn="ctr"/>
+            <a:endParaRPr kumimoji="1" lang="ko-KR" altLang="en-US"/>
+          </a:p>
+        </p:txBody>
+      </p:sp>
+      <p:pic>
+        <p:nvPicPr>
+          <p:cNvPr id="24" name="Picture 2" descr="Amazon Bedrock Connector - Overview (O11) | OutSystems">
+            <a:extLst>
+              <a:ext uri="{FF2B5EF4-FFF2-40B4-BE49-F238E27FC236}">
+                <a16:creationId xmlns:a16="http://schemas.microsoft.com/office/drawing/2014/main" id="{F366E6C8-4277-3EA1-86C6-CF16CDDE236B}"/>
+              </a:ext>
+            </a:extLst>
+          </p:cNvPr>
+          <p:cNvPicPr>
+            <a:picLocks noChangeAspect="1" noChangeArrowheads="1"/>
+          </p:cNvPicPr>
+          <p:nvPr/>
+        </p:nvPicPr>
+        <p:blipFill>
+          <a:blip r:embed="rId2">
+            <a:extLst>
+              <a:ext uri="{28A0092B-C50C-407E-A947-70E740481C1C}">
+                <a14:useLocalDpi xmlns:a14="http://schemas.microsoft.com/office/drawing/2010/main" val="0"/>
+              </a:ext>
+            </a:extLst>
+          </a:blip>
+          <a:srcRect/>
+          <a:stretch>
+            <a:fillRect/>
+          </a:stretch>
+        </p:blipFill>
+        <p:spPr bwMode="auto">
+          <a:xfrm>
+            <a:off x="1976960" y="3379062"/>
+            <a:ext cx="465430" cy="465430"/>
+          </a:xfrm>
+          <a:prstGeom prst="rect">
+            <a:avLst/>
+          </a:prstGeom>
+          <a:noFill/>
+          <a:extLst>
+            <a:ext uri="{909E8E84-426E-40DD-AFC4-6F175D3DCCD1}">
+              <a14:hiddenFill xmlns:a14="http://schemas.microsoft.com/office/drawing/2010/main">
+                <a:solidFill>
+                  <a:srgbClr val="FFFFFF"/>
+                </a:solidFill>
+              </a14:hiddenFill>
+            </a:ext>
+          </a:extLst>
+        </p:spPr>
+      </p:pic>
+      <p:sp>
+        <p:nvSpPr>
+          <p:cNvPr id="25" name="제목 1">
+            <a:extLst>
+              <a:ext uri="{FF2B5EF4-FFF2-40B4-BE49-F238E27FC236}">
+                <a16:creationId xmlns:a16="http://schemas.microsoft.com/office/drawing/2014/main" id="{A01239A9-7B7A-D1FB-D148-3CB089B47BCA}"/>
               </a:ext>
             </a:extLst>
           </p:cNvPr>
@@ -6615,8 +6783,8 @@
         </p:nvSpPr>
         <p:spPr>
           <a:xfrm>
-            <a:off x="236783" y="2568536"/>
-            <a:ext cx="10515600" cy="487906"/>
+            <a:off x="1840074" y="3829937"/>
+            <a:ext cx="739201" cy="267998"/>
           </a:xfrm>
           <a:prstGeom prst="rect">
             <a:avLst/>
@@ -6646,31 +6814,115 @@
             </a:lvl1pPr>
           </a:lstStyle>
           <a:p>
-            <a:r>
-              <a:rPr kumimoji="1" lang="en-US" altLang="ko-KR" sz="2800" dirty="0">
-                <a:latin typeface="KoPubWorldDotum Medium" pitchFamily="2" charset="-127"/>
-                <a:ea typeface="KoPubWorldDotum Medium" pitchFamily="2" charset="-127"/>
-                <a:cs typeface="KoPubWorldDotum Medium" pitchFamily="2" charset="-127"/>
-              </a:rPr>
-              <a:t>Phase 4: </a:t>
-            </a:r>
-            <a:r>
-              <a:rPr kumimoji="1" lang="ko-KR" altLang="en-US" sz="2800" dirty="0">
-                <a:latin typeface="KoPubWorldDotum Medium" pitchFamily="2" charset="-127"/>
-                <a:ea typeface="KoPubWorldDotum Medium" pitchFamily="2" charset="-127"/>
-                <a:cs typeface="KoPubWorldDotum Medium" pitchFamily="2" charset="-127"/>
-              </a:rPr>
-              <a:t>솔루션 고도화</a:t>
-            </a:r>
-          </a:p>
-        </p:txBody>
-      </p:sp>
-      <p:sp>
-        <p:nvSpPr>
-          <p:cNvPr id="7" name="제목 1">
-            <a:extLst>
-              <a:ext uri="{FF2B5EF4-FFF2-40B4-BE49-F238E27FC236}">
-                <a16:creationId xmlns:a16="http://schemas.microsoft.com/office/drawing/2014/main" id="{12289F0F-D6BA-C031-4C0E-2B80D2F4CB92}"/>
+            <a:pPr algn="ctr"/>
+            <a:r>
+              <a:rPr kumimoji="1" lang="en-US" altLang="ko-KR" sz="1100" b="1" dirty="0">
+                <a:latin typeface="KoPubWorldDotum Bold" pitchFamily="2" charset="-127"/>
+                <a:ea typeface="KoPubWorldDotum Bold" pitchFamily="2" charset="-127"/>
+                <a:cs typeface="KoPubWorldDotum Bold" pitchFamily="2" charset="-127"/>
+              </a:rPr>
+              <a:t>Bedrock</a:t>
+            </a:r>
+            <a:endParaRPr kumimoji="1" lang="ko-KR" altLang="en-US" sz="1100" b="1" dirty="0">
+              <a:latin typeface="KoPubWorldDotum Bold" pitchFamily="2" charset="-127"/>
+              <a:ea typeface="KoPubWorldDotum Bold" pitchFamily="2" charset="-127"/>
+              <a:cs typeface="KoPubWorldDotum Bold" pitchFamily="2" charset="-127"/>
+            </a:endParaRPr>
+          </a:p>
+        </p:txBody>
+      </p:sp>
+      <p:cxnSp>
+        <p:nvCxnSpPr>
+          <p:cNvPr id="27" name="직선 화살표 연결선 26">
+            <a:extLst>
+              <a:ext uri="{FF2B5EF4-FFF2-40B4-BE49-F238E27FC236}">
+                <a16:creationId xmlns:a16="http://schemas.microsoft.com/office/drawing/2014/main" id="{0021E5ED-596D-5C46-A72B-3A3117ED4E10}"/>
+              </a:ext>
+            </a:extLst>
+          </p:cNvPr>
+          <p:cNvCxnSpPr>
+            <a:cxnSpLocks/>
+            <a:endCxn id="24" idx="3"/>
+          </p:cNvCxnSpPr>
+          <p:nvPr/>
+        </p:nvCxnSpPr>
+        <p:spPr>
+          <a:xfrm flipH="1">
+            <a:off x="2442390" y="3597587"/>
+            <a:ext cx="647704" cy="14190"/>
+          </a:xfrm>
+          <a:prstGeom prst="straightConnector1">
+            <a:avLst/>
+          </a:prstGeom>
+          <a:ln>
+            <a:headEnd type="none" w="med" len="med"/>
+            <a:tailEnd type="none" w="med" len="med"/>
+          </a:ln>
+        </p:spPr>
+        <p:style>
+          <a:lnRef idx="2">
+            <a:schemeClr val="accent1"/>
+          </a:lnRef>
+          <a:fillRef idx="0">
+            <a:schemeClr val="accent1"/>
+          </a:fillRef>
+          <a:effectRef idx="1">
+            <a:schemeClr val="accent1"/>
+          </a:effectRef>
+          <a:fontRef idx="minor">
+            <a:schemeClr val="tx1"/>
+          </a:fontRef>
+        </p:style>
+      </p:cxnSp>
+      <p:cxnSp>
+        <p:nvCxnSpPr>
+          <p:cNvPr id="28" name="직선 화살표 연결선 27">
+            <a:extLst>
+              <a:ext uri="{FF2B5EF4-FFF2-40B4-BE49-F238E27FC236}">
+                <a16:creationId xmlns:a16="http://schemas.microsoft.com/office/drawing/2014/main" id="{865D7FFA-41D7-771E-C890-81A2FCAB3123}"/>
+              </a:ext>
+            </a:extLst>
+          </p:cNvPr>
+          <p:cNvCxnSpPr>
+            <a:cxnSpLocks/>
+            <a:endCxn id="48" idx="3"/>
+          </p:cNvCxnSpPr>
+          <p:nvPr/>
+        </p:nvCxnSpPr>
+        <p:spPr>
+          <a:xfrm flipH="1">
+            <a:off x="4293203" y="3584145"/>
+            <a:ext cx="3047776" cy="13442"/>
+          </a:xfrm>
+          <a:prstGeom prst="straightConnector1">
+            <a:avLst/>
+          </a:prstGeom>
+          <a:ln>
+            <a:headEnd type="none" w="med" len="med"/>
+            <a:tailEnd type="none" w="med" len="med"/>
+          </a:ln>
+        </p:spPr>
+        <p:style>
+          <a:lnRef idx="2">
+            <a:schemeClr val="accent1"/>
+          </a:lnRef>
+          <a:fillRef idx="0">
+            <a:schemeClr val="accent1"/>
+          </a:fillRef>
+          <a:effectRef idx="1">
+            <a:schemeClr val="accent1"/>
+          </a:effectRef>
+          <a:fontRef idx="minor">
+            <a:schemeClr val="tx1"/>
+          </a:fontRef>
+        </p:style>
+      </p:cxnSp>
+      <p:sp>
+        <p:nvSpPr>
+          <p:cNvPr id="29" name="제목 1">
+            <a:extLst>
+              <a:ext uri="{FF2B5EF4-FFF2-40B4-BE49-F238E27FC236}">
+                <a16:creationId xmlns:a16="http://schemas.microsoft.com/office/drawing/2014/main" id="{3DE1589F-60AE-439F-E6B8-547A7B46ED1B}"/>
               </a:ext>
             </a:extLst>
           </p:cNvPr>
@@ -6681,8 +6933,207 @@
         </p:nvSpPr>
         <p:spPr>
           <a:xfrm>
-            <a:off x="368537" y="2949236"/>
-            <a:ext cx="11454925" cy="1325788"/>
+            <a:off x="606663" y="3862660"/>
+            <a:ext cx="1206609" cy="267998"/>
+          </a:xfrm>
+          <a:prstGeom prst="rect">
+            <a:avLst/>
+          </a:prstGeom>
+        </p:spPr>
+        <p:txBody>
+          <a:bodyPr vert="horz" lIns="91440" tIns="45720" rIns="91440" bIns="45720" rtlCol="0" anchor="ctr">
+            <a:normAutofit fontScale="92500"/>
+          </a:bodyPr>
+          <a:lstStyle>
+            <a:lvl1pPr algn="l" defTabSz="914400" rtl="0" eaLnBrk="1" latinLnBrk="1" hangingPunct="1">
+              <a:lnSpc>
+                <a:spcPct val="90000"/>
+              </a:lnSpc>
+              <a:spcBef>
+                <a:spcPct val="0"/>
+              </a:spcBef>
+              <a:buNone/>
+              <a:defRPr sz="4400" kern="1200">
+                <a:solidFill>
+                  <a:schemeClr val="tx1"/>
+                </a:solidFill>
+                <a:latin typeface="+mj-lt"/>
+                <a:ea typeface="+mj-ea"/>
+                <a:cs typeface="+mj-cs"/>
+              </a:defRPr>
+            </a:lvl1pPr>
+          </a:lstStyle>
+          <a:p>
+            <a:pPr algn="ctr"/>
+            <a:r>
+              <a:rPr kumimoji="1" lang="en-US" altLang="ko-KR" sz="1100" b="1" dirty="0">
+                <a:latin typeface="KoPubWorldDotum Bold" pitchFamily="2" charset="-127"/>
+                <a:ea typeface="KoPubWorldDotum Bold" pitchFamily="2" charset="-127"/>
+                <a:cs typeface="KoPubWorldDotum Bold" pitchFamily="2" charset="-127"/>
+              </a:rPr>
+              <a:t>Claude 3 Sonnet</a:t>
+            </a:r>
+            <a:endParaRPr kumimoji="1" lang="ko-KR" altLang="en-US" sz="1100" b="1" dirty="0">
+              <a:latin typeface="KoPubWorldDotum Bold" pitchFamily="2" charset="-127"/>
+              <a:ea typeface="KoPubWorldDotum Bold" pitchFamily="2" charset="-127"/>
+              <a:cs typeface="KoPubWorldDotum Bold" pitchFamily="2" charset="-127"/>
+            </a:endParaRPr>
+          </a:p>
+        </p:txBody>
+      </p:sp>
+      <p:cxnSp>
+        <p:nvCxnSpPr>
+          <p:cNvPr id="31" name="직선 화살표 연결선 30">
+            <a:extLst>
+              <a:ext uri="{FF2B5EF4-FFF2-40B4-BE49-F238E27FC236}">
+                <a16:creationId xmlns:a16="http://schemas.microsoft.com/office/drawing/2014/main" id="{A1C4523D-880F-B7F7-6484-F57FC7C93FDC}"/>
+              </a:ext>
+            </a:extLst>
+          </p:cNvPr>
+          <p:cNvCxnSpPr>
+            <a:cxnSpLocks/>
+            <a:stCxn id="24" idx="1"/>
+          </p:cNvCxnSpPr>
+          <p:nvPr/>
+        </p:nvCxnSpPr>
+        <p:spPr>
+          <a:xfrm flipH="1">
+            <a:off x="1463248" y="3611777"/>
+            <a:ext cx="513712" cy="7056"/>
+          </a:xfrm>
+          <a:prstGeom prst="straightConnector1">
+            <a:avLst/>
+          </a:prstGeom>
+          <a:ln>
+            <a:headEnd type="none" w="med" len="med"/>
+            <a:tailEnd type="none" w="med" len="med"/>
+          </a:ln>
+        </p:spPr>
+        <p:style>
+          <a:lnRef idx="2">
+            <a:schemeClr val="accent1"/>
+          </a:lnRef>
+          <a:fillRef idx="0">
+            <a:schemeClr val="accent1"/>
+          </a:fillRef>
+          <a:effectRef idx="1">
+            <a:schemeClr val="accent1"/>
+          </a:effectRef>
+          <a:fontRef idx="minor">
+            <a:schemeClr val="tx1"/>
+          </a:fontRef>
+        </p:style>
+      </p:cxnSp>
+      <p:pic>
+        <p:nvPicPr>
+          <p:cNvPr id="32" name="Picture 2" descr="The AI wars heat up with Claude 3, claimed to have “near-human” abilities |  Ars Technica">
+            <a:extLst>
+              <a:ext uri="{FF2B5EF4-FFF2-40B4-BE49-F238E27FC236}">
+                <a16:creationId xmlns:a16="http://schemas.microsoft.com/office/drawing/2014/main" id="{CA72C237-BB17-3697-F24B-E3BC601FA2B9}"/>
+              </a:ext>
+            </a:extLst>
+          </p:cNvPr>
+          <p:cNvPicPr>
+            <a:picLocks noChangeAspect="1" noChangeArrowheads="1"/>
+          </p:cNvPicPr>
+          <p:nvPr/>
+        </p:nvPicPr>
+        <p:blipFill rotWithShape="1">
+          <a:blip r:embed="rId3">
+            <a:extLst>
+              <a:ext uri="{28A0092B-C50C-407E-A947-70E740481C1C}">
+                <a14:useLocalDpi xmlns:a14="http://schemas.microsoft.com/office/drawing/2010/main" val="0"/>
+              </a:ext>
+            </a:extLst>
+          </a:blip>
+          <a:srcRect l="28567" t="10984" r="29591" b="14630"/>
+          <a:stretch/>
+        </p:blipFill>
+        <p:spPr bwMode="auto">
+          <a:xfrm>
+            <a:off x="1018257" y="3391256"/>
+            <a:ext cx="465430" cy="465430"/>
+          </a:xfrm>
+          <a:prstGeom prst="rect">
+            <a:avLst/>
+          </a:prstGeom>
+          <a:noFill/>
+          <a:extLst>
+            <a:ext uri="{909E8E84-426E-40DD-AFC4-6F175D3DCCD1}">
+              <a14:hiddenFill xmlns:a14="http://schemas.microsoft.com/office/drawing/2010/main">
+                <a:solidFill>
+                  <a:srgbClr val="FFFFFF"/>
+                </a:solidFill>
+              </a14:hiddenFill>
+            </a:ext>
+          </a:extLst>
+        </p:spPr>
+      </p:pic>
+      <p:pic>
+        <p:nvPicPr>
+          <p:cNvPr id="33" name="Picture 2" descr="Amazon Bedrock Connector - Overview (O11) | OutSystems">
+            <a:extLst>
+              <a:ext uri="{FF2B5EF4-FFF2-40B4-BE49-F238E27FC236}">
+                <a16:creationId xmlns:a16="http://schemas.microsoft.com/office/drawing/2014/main" id="{11440FC3-95AD-E513-2EE3-FD2400F312B8}"/>
+              </a:ext>
+            </a:extLst>
+          </p:cNvPr>
+          <p:cNvPicPr>
+            <a:picLocks noChangeAspect="1" noChangeArrowheads="1"/>
+          </p:cNvPicPr>
+          <p:nvPr/>
+        </p:nvPicPr>
+        <p:blipFill>
+          <a:blip r:embed="rId2">
+            <a:extLst>
+              <a:ext uri="{28A0092B-C50C-407E-A947-70E740481C1C}">
+                <a14:useLocalDpi xmlns:a14="http://schemas.microsoft.com/office/drawing/2010/main" val="0"/>
+              </a:ext>
+            </a:extLst>
+          </a:blip>
+          <a:srcRect/>
+          <a:stretch>
+            <a:fillRect/>
+          </a:stretch>
+        </p:blipFill>
+        <p:spPr bwMode="auto">
+          <a:xfrm>
+            <a:off x="1511530" y="4276532"/>
+            <a:ext cx="465430" cy="465430"/>
+          </a:xfrm>
+          <a:prstGeom prst="rect">
+            <a:avLst/>
+          </a:prstGeom>
+          <a:noFill/>
+          <a:extLst>
+            <a:ext uri="{909E8E84-426E-40DD-AFC4-6F175D3DCCD1}">
+              <a14:hiddenFill xmlns:a14="http://schemas.microsoft.com/office/drawing/2010/main">
+                <a:solidFill>
+                  <a:srgbClr val="FFFFFF"/>
+                </a:solidFill>
+              </a14:hiddenFill>
+            </a:ext>
+          </a:extLst>
+        </p:spPr>
+      </p:pic>
+      <p:sp>
+        <p:nvSpPr>
+          <p:cNvPr id="34" name="제목 1">
+            <a:extLst>
+              <a:ext uri="{FF2B5EF4-FFF2-40B4-BE49-F238E27FC236}">
+                <a16:creationId xmlns:a16="http://schemas.microsoft.com/office/drawing/2014/main" id="{71C62DB9-F224-E560-71A8-F1BB961C9240}"/>
+              </a:ext>
+            </a:extLst>
+          </p:cNvPr>
+          <p:cNvSpPr txBox="1">
+            <a:spLocks/>
+          </p:cNvSpPr>
+          <p:nvPr/>
+        </p:nvSpPr>
+        <p:spPr>
+          <a:xfrm>
+            <a:off x="1140940" y="4737333"/>
+            <a:ext cx="1206609" cy="267998"/>
           </a:xfrm>
           <a:prstGeom prst="rect">
             <a:avLst/>
@@ -6712,6 +7163,1101 @@
             </a:lvl1pPr>
           </a:lstStyle>
           <a:p>
+            <a:pPr algn="ctr"/>
+            <a:r>
+              <a:rPr kumimoji="1" lang="en-US" altLang="ko-KR" sz="1100" b="1" dirty="0">
+                <a:latin typeface="KoPubWorldDotum Bold" pitchFamily="2" charset="-127"/>
+                <a:ea typeface="KoPubWorldDotum Bold" pitchFamily="2" charset="-127"/>
+                <a:cs typeface="KoPubWorldDotum Bold" pitchFamily="2" charset="-127"/>
+              </a:rPr>
+              <a:t>Bedrock</a:t>
+            </a:r>
+            <a:r>
+              <a:rPr kumimoji="1" lang="ko-KR" altLang="en-US" sz="1100" b="1" dirty="0">
+                <a:latin typeface="KoPubWorldDotum Bold" pitchFamily="2" charset="-127"/>
+                <a:ea typeface="KoPubWorldDotum Bold" pitchFamily="2" charset="-127"/>
+                <a:cs typeface="KoPubWorldDotum Bold" pitchFamily="2" charset="-127"/>
+              </a:rPr>
+              <a:t> </a:t>
+            </a:r>
+            <a:r>
+              <a:rPr kumimoji="1" lang="en-US" altLang="ko-KR" sz="1100" b="1" dirty="0">
+                <a:latin typeface="KoPubWorldDotum Bold" pitchFamily="2" charset="-127"/>
+                <a:ea typeface="KoPubWorldDotum Bold" pitchFamily="2" charset="-127"/>
+                <a:cs typeface="KoPubWorldDotum Bold" pitchFamily="2" charset="-127"/>
+              </a:rPr>
+              <a:t>Agent</a:t>
+            </a:r>
+            <a:endParaRPr kumimoji="1" lang="ko-KR" altLang="en-US" sz="1100" b="1" dirty="0">
+              <a:latin typeface="KoPubWorldDotum Bold" pitchFamily="2" charset="-127"/>
+              <a:ea typeface="KoPubWorldDotum Bold" pitchFamily="2" charset="-127"/>
+              <a:cs typeface="KoPubWorldDotum Bold" pitchFamily="2" charset="-127"/>
+            </a:endParaRPr>
+          </a:p>
+        </p:txBody>
+      </p:sp>
+      <p:cxnSp>
+        <p:nvCxnSpPr>
+          <p:cNvPr id="35" name="직선 화살표 연결선 34">
+            <a:extLst>
+              <a:ext uri="{FF2B5EF4-FFF2-40B4-BE49-F238E27FC236}">
+                <a16:creationId xmlns:a16="http://schemas.microsoft.com/office/drawing/2014/main" id="{5B07EF37-A891-EB27-6F1A-B5C1BD915BEF}"/>
+              </a:ext>
+            </a:extLst>
+          </p:cNvPr>
+          <p:cNvCxnSpPr>
+            <a:cxnSpLocks/>
+          </p:cNvCxnSpPr>
+          <p:nvPr/>
+        </p:nvCxnSpPr>
+        <p:spPr>
+          <a:xfrm>
+            <a:off x="1744244" y="3618833"/>
+            <a:ext cx="0" cy="661227"/>
+          </a:xfrm>
+          <a:prstGeom prst="straightConnector1">
+            <a:avLst/>
+          </a:prstGeom>
+          <a:ln>
+            <a:headEnd type="none" w="med" len="med"/>
+            <a:tailEnd type="none" w="med" len="med"/>
+          </a:ln>
+        </p:spPr>
+        <p:style>
+          <a:lnRef idx="2">
+            <a:schemeClr val="accent1"/>
+          </a:lnRef>
+          <a:fillRef idx="0">
+            <a:schemeClr val="accent1"/>
+          </a:fillRef>
+          <a:effectRef idx="1">
+            <a:schemeClr val="accent1"/>
+          </a:effectRef>
+          <a:fontRef idx="minor">
+            <a:schemeClr val="tx1"/>
+          </a:fontRef>
+        </p:style>
+      </p:cxnSp>
+      <p:sp>
+        <p:nvSpPr>
+          <p:cNvPr id="36" name="직사각형 35">
+            <a:extLst>
+              <a:ext uri="{FF2B5EF4-FFF2-40B4-BE49-F238E27FC236}">
+                <a16:creationId xmlns:a16="http://schemas.microsoft.com/office/drawing/2014/main" id="{4D52C94C-66EF-EA6D-EAF7-7CA9839270E7}"/>
+              </a:ext>
+            </a:extLst>
+          </p:cNvPr>
+          <p:cNvSpPr/>
+          <p:nvPr/>
+        </p:nvSpPr>
+        <p:spPr>
+          <a:xfrm>
+            <a:off x="2950853" y="3223567"/>
+            <a:ext cx="1503655" cy="734740"/>
+          </a:xfrm>
+          <a:prstGeom prst="rect">
+            <a:avLst/>
+          </a:prstGeom>
+          <a:noFill/>
+          <a:ln>
+            <a:solidFill>
+              <a:srgbClr val="000000"/>
+            </a:solidFill>
+            <a:prstDash val="sysDash"/>
+          </a:ln>
+        </p:spPr>
+        <p:style>
+          <a:lnRef idx="2">
+            <a:schemeClr val="accent1">
+              <a:shade val="15000"/>
+            </a:schemeClr>
+          </a:lnRef>
+          <a:fillRef idx="1">
+            <a:schemeClr val="accent1"/>
+          </a:fillRef>
+          <a:effectRef idx="0">
+            <a:schemeClr val="accent1"/>
+          </a:effectRef>
+          <a:fontRef idx="minor">
+            <a:schemeClr val="lt1"/>
+          </a:fontRef>
+        </p:style>
+        <p:txBody>
+          <a:bodyPr rtlCol="0" anchor="ctr"/>
+          <a:lstStyle/>
+          <a:p>
+            <a:pPr algn="ctr"/>
+            <a:endParaRPr kumimoji="1" lang="ko-KR" altLang="en-US"/>
+          </a:p>
+        </p:txBody>
+      </p:sp>
+      <p:pic>
+        <p:nvPicPr>
+          <p:cNvPr id="38" name="그림 37">
+            <a:extLst>
+              <a:ext uri="{FF2B5EF4-FFF2-40B4-BE49-F238E27FC236}">
+                <a16:creationId xmlns:a16="http://schemas.microsoft.com/office/drawing/2014/main" id="{E6AC1C3B-234C-8344-542D-AFF9349D60E5}"/>
+              </a:ext>
+            </a:extLst>
+          </p:cNvPr>
+          <p:cNvPicPr>
+            <a:picLocks noChangeAspect="1"/>
+          </p:cNvPicPr>
+          <p:nvPr/>
+        </p:nvPicPr>
+        <p:blipFill>
+          <a:blip r:embed="rId4"/>
+          <a:stretch>
+            <a:fillRect/>
+          </a:stretch>
+        </p:blipFill>
+        <p:spPr>
+          <a:xfrm>
+            <a:off x="3460577" y="3751749"/>
+            <a:ext cx="462142" cy="462142"/>
+          </a:xfrm>
+          <a:prstGeom prst="rect">
+            <a:avLst/>
+          </a:prstGeom>
+        </p:spPr>
+      </p:pic>
+      <p:sp>
+        <p:nvSpPr>
+          <p:cNvPr id="39" name="제목 1">
+            <a:extLst>
+              <a:ext uri="{FF2B5EF4-FFF2-40B4-BE49-F238E27FC236}">
+                <a16:creationId xmlns:a16="http://schemas.microsoft.com/office/drawing/2014/main" id="{944CA5A0-9483-E425-76C0-475D28A2021D}"/>
+              </a:ext>
+            </a:extLst>
+          </p:cNvPr>
+          <p:cNvSpPr txBox="1">
+            <a:spLocks/>
+          </p:cNvSpPr>
+          <p:nvPr/>
+        </p:nvSpPr>
+        <p:spPr>
+          <a:xfrm>
+            <a:off x="3333079" y="4190088"/>
+            <a:ext cx="739201" cy="267998"/>
+          </a:xfrm>
+          <a:prstGeom prst="rect">
+            <a:avLst/>
+          </a:prstGeom>
+        </p:spPr>
+        <p:txBody>
+          <a:bodyPr vert="horz" lIns="91440" tIns="45720" rIns="91440" bIns="45720" rtlCol="0" anchor="ctr">
+            <a:normAutofit/>
+          </a:bodyPr>
+          <a:lstStyle>
+            <a:lvl1pPr algn="l" defTabSz="914400" rtl="0" eaLnBrk="1" latinLnBrk="1" hangingPunct="1">
+              <a:lnSpc>
+                <a:spcPct val="90000"/>
+              </a:lnSpc>
+              <a:spcBef>
+                <a:spcPct val="0"/>
+              </a:spcBef>
+              <a:buNone/>
+              <a:defRPr sz="4400" kern="1200">
+                <a:solidFill>
+                  <a:schemeClr val="tx1"/>
+                </a:solidFill>
+                <a:latin typeface="+mj-lt"/>
+                <a:ea typeface="+mj-ea"/>
+                <a:cs typeface="+mj-cs"/>
+              </a:defRPr>
+            </a:lvl1pPr>
+          </a:lstStyle>
+          <a:p>
+            <a:pPr algn="ctr"/>
+            <a:r>
+              <a:rPr kumimoji="1" lang="en-US" altLang="ko-KR" sz="1100" b="1" dirty="0">
+                <a:latin typeface="KoPubWorldDotum Bold" pitchFamily="2" charset="-127"/>
+                <a:ea typeface="KoPubWorldDotum Bold" pitchFamily="2" charset="-127"/>
+                <a:cs typeface="KoPubWorldDotum Bold" pitchFamily="2" charset="-127"/>
+              </a:rPr>
+              <a:t>Lambda</a:t>
+            </a:r>
+            <a:endParaRPr kumimoji="1" lang="ko-KR" altLang="en-US" sz="1100" b="1" dirty="0">
+              <a:latin typeface="KoPubWorldDotum Bold" pitchFamily="2" charset="-127"/>
+              <a:ea typeface="KoPubWorldDotum Bold" pitchFamily="2" charset="-127"/>
+              <a:cs typeface="KoPubWorldDotum Bold" pitchFamily="2" charset="-127"/>
+            </a:endParaRPr>
+          </a:p>
+        </p:txBody>
+      </p:sp>
+      <p:pic>
+        <p:nvPicPr>
+          <p:cNvPr id="40" name="그림 39">
+            <a:extLst>
+              <a:ext uri="{FF2B5EF4-FFF2-40B4-BE49-F238E27FC236}">
+                <a16:creationId xmlns:a16="http://schemas.microsoft.com/office/drawing/2014/main" id="{F8BB39B5-B0FB-FDE1-8570-9817EC41E309}"/>
+              </a:ext>
+            </a:extLst>
+          </p:cNvPr>
+          <p:cNvPicPr>
+            <a:picLocks noChangeAspect="1"/>
+          </p:cNvPicPr>
+          <p:nvPr/>
+        </p:nvPicPr>
+        <p:blipFill>
+          <a:blip r:embed="rId5"/>
+          <a:stretch>
+            <a:fillRect/>
+          </a:stretch>
+        </p:blipFill>
+        <p:spPr>
+          <a:xfrm>
+            <a:off x="3469964" y="4520876"/>
+            <a:ext cx="465429" cy="465429"/>
+          </a:xfrm>
+          <a:prstGeom prst="rect">
+            <a:avLst/>
+          </a:prstGeom>
+        </p:spPr>
+      </p:pic>
+      <p:sp>
+        <p:nvSpPr>
+          <p:cNvPr id="41" name="제목 1">
+            <a:extLst>
+              <a:ext uri="{FF2B5EF4-FFF2-40B4-BE49-F238E27FC236}">
+                <a16:creationId xmlns:a16="http://schemas.microsoft.com/office/drawing/2014/main" id="{88835BB3-D416-74DE-EE11-047B21CBE7C8}"/>
+              </a:ext>
+            </a:extLst>
+          </p:cNvPr>
+          <p:cNvSpPr txBox="1">
+            <a:spLocks/>
+          </p:cNvSpPr>
+          <p:nvPr/>
+        </p:nvSpPr>
+        <p:spPr>
+          <a:xfrm>
+            <a:off x="3257073" y="5008219"/>
+            <a:ext cx="869150" cy="267998"/>
+          </a:xfrm>
+          <a:prstGeom prst="rect">
+            <a:avLst/>
+          </a:prstGeom>
+        </p:spPr>
+        <p:txBody>
+          <a:bodyPr vert="horz" lIns="91440" tIns="45720" rIns="91440" bIns="45720" rtlCol="0" anchor="ctr">
+            <a:normAutofit fontScale="92500"/>
+          </a:bodyPr>
+          <a:lstStyle>
+            <a:lvl1pPr algn="l" defTabSz="914400" rtl="0" eaLnBrk="1" latinLnBrk="1" hangingPunct="1">
+              <a:lnSpc>
+                <a:spcPct val="90000"/>
+              </a:lnSpc>
+              <a:spcBef>
+                <a:spcPct val="0"/>
+              </a:spcBef>
+              <a:buNone/>
+              <a:defRPr sz="4400" kern="1200">
+                <a:solidFill>
+                  <a:schemeClr val="tx1"/>
+                </a:solidFill>
+                <a:latin typeface="+mj-lt"/>
+                <a:ea typeface="+mj-ea"/>
+                <a:cs typeface="+mj-cs"/>
+              </a:defRPr>
+            </a:lvl1pPr>
+          </a:lstStyle>
+          <a:p>
+            <a:pPr algn="ctr"/>
+            <a:r>
+              <a:rPr kumimoji="1" lang="en-US" altLang="ko-KR" sz="1100" b="1" dirty="0">
+                <a:latin typeface="KoPubWorldDotum Bold" pitchFamily="2" charset="-127"/>
+                <a:ea typeface="KoPubWorldDotum Bold" pitchFamily="2" charset="-127"/>
+                <a:cs typeface="KoPubWorldDotum Bold" pitchFamily="2" charset="-127"/>
+              </a:rPr>
+              <a:t>DynamoDB</a:t>
+            </a:r>
+            <a:endParaRPr kumimoji="1" lang="ko-KR" altLang="en-US" sz="1100" b="1" dirty="0">
+              <a:latin typeface="KoPubWorldDotum Bold" pitchFamily="2" charset="-127"/>
+              <a:ea typeface="KoPubWorldDotum Bold" pitchFamily="2" charset="-127"/>
+              <a:cs typeface="KoPubWorldDotum Bold" pitchFamily="2" charset="-127"/>
+            </a:endParaRPr>
+          </a:p>
+        </p:txBody>
+      </p:sp>
+      <p:cxnSp>
+        <p:nvCxnSpPr>
+          <p:cNvPr id="42" name="직선 화살표 연결선 41">
+            <a:extLst>
+              <a:ext uri="{FF2B5EF4-FFF2-40B4-BE49-F238E27FC236}">
+                <a16:creationId xmlns:a16="http://schemas.microsoft.com/office/drawing/2014/main" id="{F2A3F4B0-697B-E921-925F-5A295446EB4D}"/>
+              </a:ext>
+            </a:extLst>
+          </p:cNvPr>
+          <p:cNvCxnSpPr>
+            <a:cxnSpLocks/>
+            <a:endCxn id="40" idx="0"/>
+          </p:cNvCxnSpPr>
+          <p:nvPr/>
+        </p:nvCxnSpPr>
+        <p:spPr>
+          <a:xfrm>
+            <a:off x="3702679" y="4383314"/>
+            <a:ext cx="0" cy="137562"/>
+          </a:xfrm>
+          <a:prstGeom prst="straightConnector1">
+            <a:avLst/>
+          </a:prstGeom>
+          <a:ln>
+            <a:headEnd type="none" w="med" len="med"/>
+            <a:tailEnd type="none" w="med" len="med"/>
+          </a:ln>
+        </p:spPr>
+        <p:style>
+          <a:lnRef idx="2">
+            <a:schemeClr val="accent1"/>
+          </a:lnRef>
+          <a:fillRef idx="0">
+            <a:schemeClr val="accent1"/>
+          </a:fillRef>
+          <a:effectRef idx="1">
+            <a:schemeClr val="accent1"/>
+          </a:effectRef>
+          <a:fontRef idx="minor">
+            <a:schemeClr val="tx1"/>
+          </a:fontRef>
+        </p:style>
+      </p:cxnSp>
+      <p:sp>
+        <p:nvSpPr>
+          <p:cNvPr id="44" name="직사각형 43">
+            <a:extLst>
+              <a:ext uri="{FF2B5EF4-FFF2-40B4-BE49-F238E27FC236}">
+                <a16:creationId xmlns:a16="http://schemas.microsoft.com/office/drawing/2014/main" id="{966A3E74-BBCD-5284-F117-922CAE1E4117}"/>
+              </a:ext>
+            </a:extLst>
+          </p:cNvPr>
+          <p:cNvSpPr/>
+          <p:nvPr/>
+        </p:nvSpPr>
+        <p:spPr>
+          <a:xfrm>
+            <a:off x="481290" y="2336800"/>
+            <a:ext cx="10479881" cy="2965493"/>
+          </a:xfrm>
+          <a:prstGeom prst="rect">
+            <a:avLst/>
+          </a:prstGeom>
+          <a:noFill/>
+          <a:ln>
+            <a:solidFill>
+              <a:srgbClr val="000000"/>
+            </a:solidFill>
+            <a:prstDash val="sysDash"/>
+          </a:ln>
+        </p:spPr>
+        <p:style>
+          <a:lnRef idx="2">
+            <a:schemeClr val="accent1">
+              <a:shade val="15000"/>
+            </a:schemeClr>
+          </a:lnRef>
+          <a:fillRef idx="1">
+            <a:schemeClr val="accent1"/>
+          </a:fillRef>
+          <a:effectRef idx="0">
+            <a:schemeClr val="accent1"/>
+          </a:effectRef>
+          <a:fontRef idx="minor">
+            <a:schemeClr val="lt1"/>
+          </a:fontRef>
+        </p:style>
+        <p:txBody>
+          <a:bodyPr rtlCol="0" anchor="ctr"/>
+          <a:lstStyle/>
+          <a:p>
+            <a:pPr algn="ctr"/>
+            <a:endParaRPr kumimoji="1" lang="ko-KR" altLang="en-US"/>
+          </a:p>
+        </p:txBody>
+      </p:sp>
+      <p:pic>
+        <p:nvPicPr>
+          <p:cNvPr id="45" name="Picture 4" descr="Amazon Web Services | Incentro Partner">
+            <a:extLst>
+              <a:ext uri="{FF2B5EF4-FFF2-40B4-BE49-F238E27FC236}">
+                <a16:creationId xmlns:a16="http://schemas.microsoft.com/office/drawing/2014/main" id="{EBCE8D7C-FD13-1389-B116-6E02A1C38220}"/>
+              </a:ext>
+            </a:extLst>
+          </p:cNvPr>
+          <p:cNvPicPr>
+            <a:picLocks noChangeAspect="1" noChangeArrowheads="1"/>
+          </p:cNvPicPr>
+          <p:nvPr/>
+        </p:nvPicPr>
+        <p:blipFill>
+          <a:blip r:embed="rId6">
+            <a:extLst>
+              <a:ext uri="{28A0092B-C50C-407E-A947-70E740481C1C}">
+                <a14:useLocalDpi xmlns:a14="http://schemas.microsoft.com/office/drawing/2010/main" val="0"/>
+              </a:ext>
+            </a:extLst>
+          </a:blip>
+          <a:srcRect/>
+          <a:stretch>
+            <a:fillRect/>
+          </a:stretch>
+        </p:blipFill>
+        <p:spPr bwMode="auto">
+          <a:xfrm>
+            <a:off x="486534" y="2328764"/>
+            <a:ext cx="377292" cy="377292"/>
+          </a:xfrm>
+          <a:prstGeom prst="rect">
+            <a:avLst/>
+          </a:prstGeom>
+          <a:noFill/>
+          <a:extLst>
+            <a:ext uri="{909E8E84-426E-40DD-AFC4-6F175D3DCCD1}">
+              <a14:hiddenFill xmlns:a14="http://schemas.microsoft.com/office/drawing/2010/main">
+                <a:solidFill>
+                  <a:srgbClr val="FFFFFF"/>
+                </a:solidFill>
+              </a14:hiddenFill>
+            </a:ext>
+          </a:extLst>
+        </p:spPr>
+      </p:pic>
+      <p:sp>
+        <p:nvSpPr>
+          <p:cNvPr id="48" name="처리 47">
+            <a:extLst>
+              <a:ext uri="{FF2B5EF4-FFF2-40B4-BE49-F238E27FC236}">
+                <a16:creationId xmlns:a16="http://schemas.microsoft.com/office/drawing/2014/main" id="{0CA1953F-DCDF-7CEC-9EAE-9F3FDBFF10F8}"/>
+              </a:ext>
+            </a:extLst>
+          </p:cNvPr>
+          <p:cNvSpPr/>
+          <p:nvPr/>
+        </p:nvSpPr>
+        <p:spPr>
+          <a:xfrm>
+            <a:off x="3090094" y="3475616"/>
+            <a:ext cx="1203109" cy="243942"/>
+          </a:xfrm>
+          <a:prstGeom prst="flowChartProcess">
+            <a:avLst/>
+          </a:prstGeom>
+          <a:solidFill>
+            <a:schemeClr val="accent1"/>
+          </a:solidFill>
+          <a:ln>
+            <a:noFill/>
+          </a:ln>
+        </p:spPr>
+        <p:style>
+          <a:lnRef idx="2">
+            <a:schemeClr val="accent1">
+              <a:shade val="15000"/>
+            </a:schemeClr>
+          </a:lnRef>
+          <a:fillRef idx="1">
+            <a:schemeClr val="accent1"/>
+          </a:fillRef>
+          <a:effectRef idx="0">
+            <a:schemeClr val="accent1"/>
+          </a:effectRef>
+          <a:fontRef idx="minor">
+            <a:schemeClr val="lt1"/>
+          </a:fontRef>
+        </p:style>
+        <p:txBody>
+          <a:bodyPr rtlCol="0" anchor="ctr"/>
+          <a:lstStyle/>
+          <a:p>
+            <a:pPr algn="ctr"/>
+            <a:r>
+              <a:rPr kumimoji="1" lang="en-US" altLang="ko-KR" sz="1100" b="1" dirty="0" err="1">
+                <a:latin typeface="KoPubWorldDotum Bold" pitchFamily="2" charset="-127"/>
+                <a:ea typeface="KoPubWorldDotum Bold" pitchFamily="2" charset="-127"/>
+                <a:cs typeface="KoPubWorldDotum Bold" pitchFamily="2" charset="-127"/>
+              </a:rPr>
+              <a:t>Back.py</a:t>
+            </a:r>
+            <a:endParaRPr kumimoji="1" lang="ko-KR" altLang="en-US" sz="1100" b="1" dirty="0">
+              <a:latin typeface="KoPubWorldDotum Bold" pitchFamily="2" charset="-127"/>
+              <a:ea typeface="KoPubWorldDotum Bold" pitchFamily="2" charset="-127"/>
+              <a:cs typeface="KoPubWorldDotum Bold" pitchFamily="2" charset="-127"/>
+            </a:endParaRPr>
+          </a:p>
+        </p:txBody>
+      </p:sp>
+      <p:pic>
+        <p:nvPicPr>
+          <p:cNvPr id="50" name="그림 49">
+            <a:extLst>
+              <a:ext uri="{FF2B5EF4-FFF2-40B4-BE49-F238E27FC236}">
+                <a16:creationId xmlns:a16="http://schemas.microsoft.com/office/drawing/2014/main" id="{7D28E73E-EF03-7CBA-F713-0F910E50B955}"/>
+              </a:ext>
+            </a:extLst>
+          </p:cNvPr>
+          <p:cNvPicPr>
+            <a:picLocks noChangeAspect="1"/>
+          </p:cNvPicPr>
+          <p:nvPr/>
+        </p:nvPicPr>
+        <p:blipFill>
+          <a:blip r:embed="rId7"/>
+          <a:stretch>
+            <a:fillRect/>
+          </a:stretch>
+        </p:blipFill>
+        <p:spPr>
+          <a:xfrm>
+            <a:off x="5695248" y="3360274"/>
+            <a:ext cx="461326" cy="461326"/>
+          </a:xfrm>
+          <a:prstGeom prst="rect">
+            <a:avLst/>
+          </a:prstGeom>
+        </p:spPr>
+      </p:pic>
+      <p:sp>
+        <p:nvSpPr>
+          <p:cNvPr id="51" name="직사각형 50">
+            <a:extLst>
+              <a:ext uri="{FF2B5EF4-FFF2-40B4-BE49-F238E27FC236}">
+                <a16:creationId xmlns:a16="http://schemas.microsoft.com/office/drawing/2014/main" id="{A5BDD9B3-89AA-D44E-37E0-60BEC21FD42C}"/>
+              </a:ext>
+            </a:extLst>
+          </p:cNvPr>
+          <p:cNvSpPr/>
+          <p:nvPr/>
+        </p:nvSpPr>
+        <p:spPr>
+          <a:xfrm>
+            <a:off x="7340979" y="3037631"/>
+            <a:ext cx="1503655" cy="1093027"/>
+          </a:xfrm>
+          <a:prstGeom prst="rect">
+            <a:avLst/>
+          </a:prstGeom>
+          <a:noFill/>
+          <a:ln>
+            <a:solidFill>
+              <a:srgbClr val="000000"/>
+            </a:solidFill>
+            <a:prstDash val="sysDash"/>
+          </a:ln>
+        </p:spPr>
+        <p:style>
+          <a:lnRef idx="2">
+            <a:schemeClr val="accent1">
+              <a:shade val="15000"/>
+            </a:schemeClr>
+          </a:lnRef>
+          <a:fillRef idx="1">
+            <a:schemeClr val="accent1"/>
+          </a:fillRef>
+          <a:effectRef idx="0">
+            <a:schemeClr val="accent1"/>
+          </a:effectRef>
+          <a:fontRef idx="minor">
+            <a:schemeClr val="lt1"/>
+          </a:fontRef>
+        </p:style>
+        <p:txBody>
+          <a:bodyPr rtlCol="0" anchor="ctr"/>
+          <a:lstStyle/>
+          <a:p>
+            <a:pPr algn="ctr"/>
+            <a:endParaRPr kumimoji="1" lang="ko-KR" altLang="en-US"/>
+          </a:p>
+        </p:txBody>
+      </p:sp>
+      <p:pic>
+        <p:nvPicPr>
+          <p:cNvPr id="56" name="그림 55">
+            <a:extLst>
+              <a:ext uri="{FF2B5EF4-FFF2-40B4-BE49-F238E27FC236}">
+                <a16:creationId xmlns:a16="http://schemas.microsoft.com/office/drawing/2014/main" id="{ACAA5710-62C3-61ED-44BE-684ACA05AF4B}"/>
+              </a:ext>
+            </a:extLst>
+          </p:cNvPr>
+          <p:cNvPicPr>
+            <a:picLocks noChangeAspect="1"/>
+          </p:cNvPicPr>
+          <p:nvPr/>
+        </p:nvPicPr>
+        <p:blipFill>
+          <a:blip r:embed="rId8"/>
+          <a:stretch>
+            <a:fillRect/>
+          </a:stretch>
+        </p:blipFill>
+        <p:spPr>
+          <a:xfrm>
+            <a:off x="7896163" y="3915611"/>
+            <a:ext cx="462142" cy="462142"/>
+          </a:xfrm>
+          <a:prstGeom prst="rect">
+            <a:avLst/>
+          </a:prstGeom>
+        </p:spPr>
+      </p:pic>
+      <p:sp>
+        <p:nvSpPr>
+          <p:cNvPr id="57" name="제목 1">
+            <a:extLst>
+              <a:ext uri="{FF2B5EF4-FFF2-40B4-BE49-F238E27FC236}">
+                <a16:creationId xmlns:a16="http://schemas.microsoft.com/office/drawing/2014/main" id="{75A95E0A-FFF2-183F-9A96-3D7382B5350F}"/>
+              </a:ext>
+            </a:extLst>
+          </p:cNvPr>
+          <p:cNvSpPr txBox="1">
+            <a:spLocks/>
+          </p:cNvSpPr>
+          <p:nvPr/>
+        </p:nvSpPr>
+        <p:spPr>
+          <a:xfrm>
+            <a:off x="7669737" y="4387113"/>
+            <a:ext cx="967879" cy="267998"/>
+          </a:xfrm>
+          <a:prstGeom prst="rect">
+            <a:avLst/>
+          </a:prstGeom>
+        </p:spPr>
+        <p:txBody>
+          <a:bodyPr vert="horz" lIns="91440" tIns="45720" rIns="91440" bIns="45720" rtlCol="0" anchor="ctr">
+            <a:normAutofit/>
+          </a:bodyPr>
+          <a:lstStyle>
+            <a:lvl1pPr algn="l" defTabSz="914400" rtl="0" eaLnBrk="1" latinLnBrk="1" hangingPunct="1">
+              <a:lnSpc>
+                <a:spcPct val="90000"/>
+              </a:lnSpc>
+              <a:spcBef>
+                <a:spcPct val="0"/>
+              </a:spcBef>
+              <a:buNone/>
+              <a:defRPr sz="4400" kern="1200">
+                <a:solidFill>
+                  <a:schemeClr val="tx1"/>
+                </a:solidFill>
+                <a:latin typeface="+mj-lt"/>
+                <a:ea typeface="+mj-ea"/>
+                <a:cs typeface="+mj-cs"/>
+              </a:defRPr>
+            </a:lvl1pPr>
+          </a:lstStyle>
+          <a:p>
+            <a:pPr algn="ctr"/>
+            <a:r>
+              <a:rPr kumimoji="1" lang="en-US" altLang="ko-KR" sz="1100" b="1" dirty="0">
+                <a:latin typeface="KoPubWorldDotum Bold" pitchFamily="2" charset="-127"/>
+                <a:ea typeface="KoPubWorldDotum Bold" pitchFamily="2" charset="-127"/>
+                <a:cs typeface="KoPubWorldDotum Bold" pitchFamily="2" charset="-127"/>
+              </a:rPr>
+              <a:t>S3</a:t>
+            </a:r>
+            <a:endParaRPr kumimoji="1" lang="ko-KR" altLang="en-US" sz="1100" b="1" dirty="0">
+              <a:latin typeface="KoPubWorldDotum Bold" pitchFamily="2" charset="-127"/>
+              <a:ea typeface="KoPubWorldDotum Bold" pitchFamily="2" charset="-127"/>
+              <a:cs typeface="KoPubWorldDotum Bold" pitchFamily="2" charset="-127"/>
+            </a:endParaRPr>
+          </a:p>
+        </p:txBody>
+      </p:sp>
+      <p:cxnSp>
+        <p:nvCxnSpPr>
+          <p:cNvPr id="58" name="직선 화살표 연결선 57">
+            <a:extLst>
+              <a:ext uri="{FF2B5EF4-FFF2-40B4-BE49-F238E27FC236}">
+                <a16:creationId xmlns:a16="http://schemas.microsoft.com/office/drawing/2014/main" id="{D09C960E-B472-3308-9005-DE1CFFB1A08A}"/>
+              </a:ext>
+            </a:extLst>
+          </p:cNvPr>
+          <p:cNvCxnSpPr>
+            <a:cxnSpLocks/>
+            <a:endCxn id="51" idx="3"/>
+          </p:cNvCxnSpPr>
+          <p:nvPr/>
+        </p:nvCxnSpPr>
+        <p:spPr>
+          <a:xfrm flipH="1">
+            <a:off x="8844634" y="3584145"/>
+            <a:ext cx="2545956" cy="0"/>
+          </a:xfrm>
+          <a:prstGeom prst="straightConnector1">
+            <a:avLst/>
+          </a:prstGeom>
+          <a:ln>
+            <a:headEnd type="none" w="med" len="med"/>
+            <a:tailEnd type="none" w="med" len="med"/>
+          </a:ln>
+        </p:spPr>
+        <p:style>
+          <a:lnRef idx="2">
+            <a:schemeClr val="accent1"/>
+          </a:lnRef>
+          <a:fillRef idx="0">
+            <a:schemeClr val="accent1"/>
+          </a:fillRef>
+          <a:effectRef idx="1">
+            <a:schemeClr val="accent1"/>
+          </a:effectRef>
+          <a:fontRef idx="minor">
+            <a:schemeClr val="tx1"/>
+          </a:fontRef>
+        </p:style>
+      </p:cxnSp>
+      <p:pic>
+        <p:nvPicPr>
+          <p:cNvPr id="59" name="그래픽 58" descr="사용자 단색으로 채워진">
+            <a:extLst>
+              <a:ext uri="{FF2B5EF4-FFF2-40B4-BE49-F238E27FC236}">
+                <a16:creationId xmlns:a16="http://schemas.microsoft.com/office/drawing/2014/main" id="{166587A7-A9CB-438E-B696-63B2160E2147}"/>
+              </a:ext>
+            </a:extLst>
+          </p:cNvPr>
+          <p:cNvPicPr>
+            <a:picLocks noChangeAspect="1"/>
+          </p:cNvPicPr>
+          <p:nvPr/>
+        </p:nvPicPr>
+        <p:blipFill>
+          <a:blip r:embed="rId9">
+            <a:extLst>
+              <a:ext uri="{96DAC541-7B7A-43D3-8B79-37D633B846F1}">
+                <asvg:svgBlip xmlns:asvg="http://schemas.microsoft.com/office/drawing/2016/SVG/main" r:embed="rId10"/>
+              </a:ext>
+            </a:extLst>
+          </a:blip>
+          <a:stretch>
+            <a:fillRect/>
+          </a:stretch>
+        </p:blipFill>
+        <p:spPr>
+          <a:xfrm>
+            <a:off x="11069435" y="3141147"/>
+            <a:ext cx="754027" cy="754027"/>
+          </a:xfrm>
+          <a:prstGeom prst="rect">
+            <a:avLst/>
+          </a:prstGeom>
+        </p:spPr>
+      </p:pic>
+      <p:sp>
+        <p:nvSpPr>
+          <p:cNvPr id="62" name="처리 61">
+            <a:extLst>
+              <a:ext uri="{FF2B5EF4-FFF2-40B4-BE49-F238E27FC236}">
+                <a16:creationId xmlns:a16="http://schemas.microsoft.com/office/drawing/2014/main" id="{8F7B3322-7D72-9627-3088-12BCF4888023}"/>
+              </a:ext>
+            </a:extLst>
+          </p:cNvPr>
+          <p:cNvSpPr/>
+          <p:nvPr/>
+        </p:nvSpPr>
+        <p:spPr>
+          <a:xfrm>
+            <a:off x="7502416" y="3123937"/>
+            <a:ext cx="1203109" cy="243942"/>
+          </a:xfrm>
+          <a:prstGeom prst="flowChartProcess">
+            <a:avLst/>
+          </a:prstGeom>
+          <a:solidFill>
+            <a:schemeClr val="accent1"/>
+          </a:solidFill>
+          <a:ln>
+            <a:noFill/>
+          </a:ln>
+        </p:spPr>
+        <p:style>
+          <a:lnRef idx="2">
+            <a:schemeClr val="accent1">
+              <a:shade val="15000"/>
+            </a:schemeClr>
+          </a:lnRef>
+          <a:fillRef idx="1">
+            <a:schemeClr val="accent1"/>
+          </a:fillRef>
+          <a:effectRef idx="0">
+            <a:schemeClr val="accent1"/>
+          </a:effectRef>
+          <a:fontRef idx="minor">
+            <a:schemeClr val="lt1"/>
+          </a:fontRef>
+        </p:style>
+        <p:txBody>
+          <a:bodyPr rtlCol="0" anchor="ctr"/>
+          <a:lstStyle/>
+          <a:p>
+            <a:pPr algn="ctr"/>
+            <a:r>
+              <a:rPr kumimoji="1" lang="en-US" altLang="ko-KR" sz="1100" b="1" dirty="0" err="1">
+                <a:latin typeface="KoPubWorldDotum Bold" pitchFamily="2" charset="-127"/>
+                <a:ea typeface="KoPubWorldDotum Bold" pitchFamily="2" charset="-127"/>
+                <a:cs typeface="KoPubWorldDotum Bold" pitchFamily="2" charset="-127"/>
+              </a:rPr>
+              <a:t>Front.js</a:t>
+            </a:r>
+            <a:endParaRPr kumimoji="1" lang="ko-KR" altLang="en-US" sz="1100" b="1" dirty="0">
+              <a:latin typeface="KoPubWorldDotum Bold" pitchFamily="2" charset="-127"/>
+              <a:ea typeface="KoPubWorldDotum Bold" pitchFamily="2" charset="-127"/>
+              <a:cs typeface="KoPubWorldDotum Bold" pitchFamily="2" charset="-127"/>
+            </a:endParaRPr>
+          </a:p>
+        </p:txBody>
+      </p:sp>
+      <p:sp>
+        <p:nvSpPr>
+          <p:cNvPr id="63" name="처리 62">
+            <a:extLst>
+              <a:ext uri="{FF2B5EF4-FFF2-40B4-BE49-F238E27FC236}">
+                <a16:creationId xmlns:a16="http://schemas.microsoft.com/office/drawing/2014/main" id="{EFA30434-324C-CCD1-86D4-74CD7630B643}"/>
+              </a:ext>
+            </a:extLst>
+          </p:cNvPr>
+          <p:cNvSpPr/>
+          <p:nvPr/>
+        </p:nvSpPr>
+        <p:spPr>
+          <a:xfrm>
+            <a:off x="7502416" y="3383903"/>
+            <a:ext cx="1203109" cy="243942"/>
+          </a:xfrm>
+          <a:prstGeom prst="flowChartProcess">
+            <a:avLst/>
+          </a:prstGeom>
+          <a:solidFill>
+            <a:schemeClr val="accent1"/>
+          </a:solidFill>
+          <a:ln>
+            <a:noFill/>
+          </a:ln>
+        </p:spPr>
+        <p:style>
+          <a:lnRef idx="2">
+            <a:schemeClr val="accent1">
+              <a:shade val="15000"/>
+            </a:schemeClr>
+          </a:lnRef>
+          <a:fillRef idx="1">
+            <a:schemeClr val="accent1"/>
+          </a:fillRef>
+          <a:effectRef idx="0">
+            <a:schemeClr val="accent1"/>
+          </a:effectRef>
+          <a:fontRef idx="minor">
+            <a:schemeClr val="lt1"/>
+          </a:fontRef>
+        </p:style>
+        <p:txBody>
+          <a:bodyPr rtlCol="0" anchor="ctr"/>
+          <a:lstStyle/>
+          <a:p>
+            <a:pPr algn="ctr"/>
+            <a:r>
+              <a:rPr kumimoji="1" lang="en-US" altLang="ko-KR" sz="1100" b="1" dirty="0" err="1">
+                <a:latin typeface="KoPubWorldDotum Bold" pitchFamily="2" charset="-127"/>
+                <a:ea typeface="KoPubWorldDotum Bold" pitchFamily="2" charset="-127"/>
+                <a:cs typeface="KoPubWorldDotum Bold" pitchFamily="2" charset="-127"/>
+              </a:rPr>
+              <a:t>Front.html</a:t>
+            </a:r>
+            <a:endParaRPr kumimoji="1" lang="ko-KR" altLang="en-US" sz="1100" b="1" dirty="0">
+              <a:latin typeface="KoPubWorldDotum Bold" pitchFamily="2" charset="-127"/>
+              <a:ea typeface="KoPubWorldDotum Bold" pitchFamily="2" charset="-127"/>
+              <a:cs typeface="KoPubWorldDotum Bold" pitchFamily="2" charset="-127"/>
+            </a:endParaRPr>
+          </a:p>
+        </p:txBody>
+      </p:sp>
+      <p:sp>
+        <p:nvSpPr>
+          <p:cNvPr id="1025" name="제목 1">
+            <a:extLst>
+              <a:ext uri="{FF2B5EF4-FFF2-40B4-BE49-F238E27FC236}">
+                <a16:creationId xmlns:a16="http://schemas.microsoft.com/office/drawing/2014/main" id="{E2DA89EC-6E48-C7FB-FF43-52AF78BC1788}"/>
+              </a:ext>
+            </a:extLst>
+          </p:cNvPr>
+          <p:cNvSpPr txBox="1">
+            <a:spLocks/>
+          </p:cNvSpPr>
+          <p:nvPr/>
+        </p:nvSpPr>
+        <p:spPr>
+          <a:xfrm>
+            <a:off x="5451168" y="3869287"/>
+            <a:ext cx="967879" cy="267998"/>
+          </a:xfrm>
+          <a:prstGeom prst="rect">
+            <a:avLst/>
+          </a:prstGeom>
+        </p:spPr>
+        <p:txBody>
+          <a:bodyPr vert="horz" lIns="91440" tIns="45720" rIns="91440" bIns="45720" rtlCol="0" anchor="ctr">
+            <a:normAutofit fontScale="92500"/>
+          </a:bodyPr>
+          <a:lstStyle>
+            <a:lvl1pPr algn="l" defTabSz="914400" rtl="0" eaLnBrk="1" latinLnBrk="1" hangingPunct="1">
+              <a:lnSpc>
+                <a:spcPct val="90000"/>
+              </a:lnSpc>
+              <a:spcBef>
+                <a:spcPct val="0"/>
+              </a:spcBef>
+              <a:buNone/>
+              <a:defRPr sz="4400" kern="1200">
+                <a:solidFill>
+                  <a:schemeClr val="tx1"/>
+                </a:solidFill>
+                <a:latin typeface="+mj-lt"/>
+                <a:ea typeface="+mj-ea"/>
+                <a:cs typeface="+mj-cs"/>
+              </a:defRPr>
+            </a:lvl1pPr>
+          </a:lstStyle>
+          <a:p>
+            <a:pPr algn="ctr"/>
+            <a:r>
+              <a:rPr kumimoji="1" lang="en-US" altLang="ko-KR" sz="1100" b="1" dirty="0">
+                <a:latin typeface="KoPubWorldDotum Bold" pitchFamily="2" charset="-127"/>
+                <a:ea typeface="KoPubWorldDotum Bold" pitchFamily="2" charset="-127"/>
+                <a:cs typeface="KoPubWorldDotum Bold" pitchFamily="2" charset="-127"/>
+              </a:rPr>
+              <a:t>API Gateway</a:t>
+            </a:r>
+            <a:endParaRPr kumimoji="1" lang="ko-KR" altLang="en-US" sz="1100" b="1" dirty="0">
+              <a:latin typeface="KoPubWorldDotum Bold" pitchFamily="2" charset="-127"/>
+              <a:ea typeface="KoPubWorldDotum Bold" pitchFamily="2" charset="-127"/>
+              <a:cs typeface="KoPubWorldDotum Bold" pitchFamily="2" charset="-127"/>
+            </a:endParaRPr>
+          </a:p>
+        </p:txBody>
+      </p:sp>
+    </p:spTree>
+    <p:extLst>
+      <p:ext uri="{BB962C8B-B14F-4D97-AF65-F5344CB8AC3E}">
+        <p14:creationId xmlns:p14="http://schemas.microsoft.com/office/powerpoint/2010/main" val="1774389717"/>
+      </p:ext>
+    </p:extLst>
+  </p:cSld>
+  <p:clrMapOvr>
+    <a:masterClrMapping/>
+  </p:clrMapOvr>
+</p:sld>
+</file>
+
+<file path=ppt/slides/slide7.xml><?xml version="1.0" encoding="utf-8"?>
+<p:sld xmlns:a="http://schemas.openxmlformats.org/drawingml/2006/main" xmlns:r="http://schemas.openxmlformats.org/officeDocument/2006/relationships" xmlns:p="http://schemas.openxmlformats.org/presentationml/2006/main">
+  <p:cSld>
+    <p:spTree>
+      <p:nvGrpSpPr>
+        <p:cNvPr id="1" name=""/>
+        <p:cNvGrpSpPr/>
+        <p:nvPr/>
+      </p:nvGrpSpPr>
+      <p:grpSpPr>
+        <a:xfrm>
+          <a:off x="0" y="0"/>
+          <a:ext cx="0" cy="0"/>
+          <a:chOff x="0" y="0"/>
+          <a:chExt cx="0" cy="0"/>
+        </a:xfrm>
+      </p:grpSpPr>
+      <p:sp>
+        <p:nvSpPr>
+          <p:cNvPr id="25" name="제목 1">
+            <a:extLst>
+              <a:ext uri="{FF2B5EF4-FFF2-40B4-BE49-F238E27FC236}">
+                <a16:creationId xmlns:a16="http://schemas.microsoft.com/office/drawing/2014/main" id="{3FCD91E1-CEB1-2FF4-7332-72C55A5DF3C6}"/>
+              </a:ext>
+            </a:extLst>
+          </p:cNvPr>
+          <p:cNvSpPr>
+            <a:spLocks noGrp="1"/>
+          </p:cNvSpPr>
+          <p:nvPr>
+            <p:ph type="title"/>
+          </p:nvPr>
+        </p:nvSpPr>
+        <p:spPr>
+          <a:xfrm>
+            <a:off x="236783" y="266936"/>
+            <a:ext cx="10515600" cy="487906"/>
+          </a:xfrm>
+        </p:spPr>
+        <p:txBody>
+          <a:bodyPr>
+            <a:normAutofit/>
+          </a:bodyPr>
+          <a:lstStyle/>
+          <a:p>
+            <a:r>
+              <a:rPr kumimoji="1" lang="en-US" altLang="ko-KR" sz="2800" dirty="0">
+                <a:latin typeface="KoPubWorldDotum Medium" pitchFamily="2" charset="-127"/>
+                <a:ea typeface="KoPubWorldDotum Medium" pitchFamily="2" charset="-127"/>
+                <a:cs typeface="KoPubWorldDotum Medium" pitchFamily="2" charset="-127"/>
+              </a:rPr>
+              <a:t>Phase 3: </a:t>
+            </a:r>
+            <a:r>
+              <a:rPr kumimoji="1" lang="ko-KR" altLang="en-US" sz="2800" dirty="0">
+                <a:latin typeface="KoPubWorldDotum Medium" pitchFamily="2" charset="-127"/>
+                <a:ea typeface="KoPubWorldDotum Medium" pitchFamily="2" charset="-127"/>
+                <a:cs typeface="KoPubWorldDotum Medium" pitchFamily="2" charset="-127"/>
+              </a:rPr>
+              <a:t>솔루션 완성</a:t>
+            </a:r>
+          </a:p>
+        </p:txBody>
+      </p:sp>
+      <p:sp>
+        <p:nvSpPr>
+          <p:cNvPr id="27" name="제목 1">
+            <a:extLst>
+              <a:ext uri="{FF2B5EF4-FFF2-40B4-BE49-F238E27FC236}">
+                <a16:creationId xmlns:a16="http://schemas.microsoft.com/office/drawing/2014/main" id="{17D942F3-BE09-1EDD-D651-5B547AA4B259}"/>
+              </a:ext>
+            </a:extLst>
+          </p:cNvPr>
+          <p:cNvSpPr txBox="1">
+            <a:spLocks/>
+          </p:cNvSpPr>
+          <p:nvPr/>
+        </p:nvSpPr>
+        <p:spPr>
+          <a:xfrm>
+            <a:off x="368537" y="700863"/>
+            <a:ext cx="11454925" cy="1275277"/>
+          </a:xfrm>
+          <a:prstGeom prst="rect">
+            <a:avLst/>
+          </a:prstGeom>
+        </p:spPr>
+        <p:txBody>
+          <a:bodyPr vert="horz" lIns="91440" tIns="45720" rIns="91440" bIns="45720" rtlCol="0" anchor="ctr">
+            <a:normAutofit/>
+          </a:bodyPr>
+          <a:lstStyle>
+            <a:lvl1pPr algn="l" defTabSz="914400" rtl="0" eaLnBrk="1" latinLnBrk="1" hangingPunct="1">
+              <a:lnSpc>
+                <a:spcPct val="90000"/>
+              </a:lnSpc>
+              <a:spcBef>
+                <a:spcPct val="0"/>
+              </a:spcBef>
+              <a:buNone/>
+              <a:defRPr sz="4400" kern="1200">
+                <a:solidFill>
+                  <a:schemeClr val="tx1"/>
+                </a:solidFill>
+                <a:latin typeface="+mj-lt"/>
+                <a:ea typeface="+mj-ea"/>
+                <a:cs typeface="+mj-cs"/>
+              </a:defRPr>
+            </a:lvl1pPr>
+          </a:lstStyle>
+          <a:p>
             <a:pPr marL="285750" indent="-285750">
               <a:lnSpc>
                 <a:spcPct val="150000"/>
@@ -6725,13 +8271,32 @@
                 <a:ea typeface="KoPubWorldDotum Medium" pitchFamily="2" charset="-127"/>
                 <a:cs typeface="KoPubWorldDotum Medium" pitchFamily="2" charset="-127"/>
               </a:rPr>
-              <a:t>로그인 및 보안 기능 구현</a:t>
-            </a:r>
-            <a:endParaRPr kumimoji="1" lang="en-US" altLang="ko-KR" sz="1400" dirty="0">
-              <a:latin typeface="KoPubWorldDotum Medium" pitchFamily="2" charset="-127"/>
-              <a:ea typeface="KoPubWorldDotum Medium" pitchFamily="2" charset="-127"/>
-              <a:cs typeface="KoPubWorldDotum Medium" pitchFamily="2" charset="-127"/>
-            </a:endParaRPr>
+              <a:t>모니터링 구현 </a:t>
+            </a:r>
+            <a:r>
+              <a:rPr kumimoji="1" lang="en-US" altLang="ko-KR" sz="1400" dirty="0">
+                <a:latin typeface="KoPubWorldDotum Medium" pitchFamily="2" charset="-127"/>
+                <a:ea typeface="KoPubWorldDotum Medium" pitchFamily="2" charset="-127"/>
+                <a:cs typeface="KoPubWorldDotum Medium" pitchFamily="2" charset="-127"/>
+              </a:rPr>
+              <a:t>(</a:t>
+            </a:r>
+            <a:r>
+              <a:rPr kumimoji="1" lang="en-US" altLang="ko-KR" sz="1400" dirty="0" err="1">
+                <a:latin typeface="KoPubWorldDotum Medium" pitchFamily="2" charset="-127"/>
+                <a:ea typeface="KoPubWorldDotum Medium" pitchFamily="2" charset="-127"/>
+                <a:cs typeface="KoPubWorldDotum Medium" pitchFamily="2" charset="-127"/>
+              </a:rPr>
+              <a:t>Cloudwatch</a:t>
+            </a:r>
+            <a:r>
+              <a:rPr kumimoji="1" lang="en-US" altLang="ko-KR" sz="1400" dirty="0">
+                <a:latin typeface="KoPubWorldDotum Medium" pitchFamily="2" charset="-127"/>
+                <a:ea typeface="KoPubWorldDotum Medium" pitchFamily="2" charset="-127"/>
+                <a:cs typeface="KoPubWorldDotum Medium" pitchFamily="2" charset="-127"/>
+              </a:rPr>
+              <a:t>)</a:t>
+            </a:r>
           </a:p>
           <a:p>
             <a:pPr marL="285750" indent="-285750">
@@ -6747,7 +8312,39 @@
                 <a:ea typeface="KoPubWorldDotum Medium" pitchFamily="2" charset="-127"/>
                 <a:cs typeface="KoPubWorldDotum Medium" pitchFamily="2" charset="-127"/>
               </a:rPr>
-              <a:t>대화 저장 기능 구현</a:t>
+              <a:t>웹 디자인 </a:t>
+            </a:r>
+            <a:r>
+              <a:rPr kumimoji="1" lang="en-US" altLang="ko-KR" sz="1400" dirty="0">
+                <a:latin typeface="KoPubWorldDotum Medium" pitchFamily="2" charset="-127"/>
+                <a:ea typeface="KoPubWorldDotum Medium" pitchFamily="2" charset="-127"/>
+                <a:cs typeface="KoPubWorldDotum Medium" pitchFamily="2" charset="-127"/>
+              </a:rPr>
+              <a:t>+</a:t>
+            </a:r>
+            <a:r>
+              <a:rPr kumimoji="1" lang="ko-KR" altLang="en-US" sz="1400" dirty="0">
+                <a:latin typeface="KoPubWorldDotum Medium" pitchFamily="2" charset="-127"/>
+                <a:ea typeface="KoPubWorldDotum Medium" pitchFamily="2" charset="-127"/>
+                <a:cs typeface="KoPubWorldDotum Medium" pitchFamily="2" charset="-127"/>
+              </a:rPr>
+              <a:t> </a:t>
+            </a:r>
+            <a:r>
+              <a:rPr kumimoji="1" lang="en-US" altLang="ko-KR" sz="1400" dirty="0">
+                <a:latin typeface="KoPubWorldDotum Medium" pitchFamily="2" charset="-127"/>
+                <a:ea typeface="KoPubWorldDotum Medium" pitchFamily="2" charset="-127"/>
+                <a:cs typeface="KoPubWorldDotum Medium" pitchFamily="2" charset="-127"/>
+              </a:rPr>
+              <a:t>CSS</a:t>
+            </a:r>
+            <a:r>
+              <a:rPr kumimoji="1" lang="ko-KR" altLang="en-US" sz="1400" dirty="0">
+                <a:latin typeface="KoPubWorldDotum Medium" pitchFamily="2" charset="-127"/>
+                <a:ea typeface="KoPubWorldDotum Medium" pitchFamily="2" charset="-127"/>
+                <a:cs typeface="KoPubWorldDotum Medium" pitchFamily="2" charset="-127"/>
+              </a:rPr>
+              <a:t> 구현</a:t>
             </a:r>
             <a:endParaRPr kumimoji="1" lang="en-US" altLang="ko-KR" sz="1400" dirty="0">
               <a:latin typeface="KoPubWorldDotum Medium" pitchFamily="2" charset="-127"/>
@@ -6764,20 +8361,3087 @@
               <a:buChar char="•"/>
             </a:pPr>
             <a:r>
+              <a:rPr kumimoji="1" lang="en-US" altLang="ko-KR" sz="1400" dirty="0">
+                <a:latin typeface="KoPubWorldDotum Medium" pitchFamily="2" charset="-127"/>
+                <a:ea typeface="KoPubWorldDotum Medium" pitchFamily="2" charset="-127"/>
+                <a:cs typeface="KoPubWorldDotum Medium" pitchFamily="2" charset="-127"/>
+              </a:rPr>
+              <a:t>Route 53</a:t>
+            </a:r>
+            <a:r>
               <a:rPr kumimoji="1" lang="ko-KR" altLang="en-US" sz="1400" dirty="0">
                 <a:latin typeface="KoPubWorldDotum Medium" pitchFamily="2" charset="-127"/>
                 <a:ea typeface="KoPubWorldDotum Medium" pitchFamily="2" charset="-127"/>
                 <a:cs typeface="KoPubWorldDotum Medium" pitchFamily="2" charset="-127"/>
               </a:rPr>
-              <a:t>내결함성</a:t>
-            </a:r>
+              <a:t> 등으로 도메인 접속 구현</a:t>
+            </a:r>
+            <a:endParaRPr kumimoji="1" lang="en-US" altLang="ko-KR" sz="1400" dirty="0">
+              <a:latin typeface="KoPubWorldDotum Medium" pitchFamily="2" charset="-127"/>
+              <a:ea typeface="KoPubWorldDotum Medium" pitchFamily="2" charset="-127"/>
+              <a:cs typeface="KoPubWorldDotum Medium" pitchFamily="2" charset="-127"/>
+            </a:endParaRPr>
+          </a:p>
+          <a:p>
+            <a:pPr marL="285750" indent="-285750">
+              <a:lnSpc>
+                <a:spcPct val="150000"/>
+              </a:lnSpc>
+              <a:buFont typeface="Arial" panose="020B0604020202020204" pitchFamily="34" charset="0"/>
+              <a:buChar char="•"/>
+            </a:pPr>
+            <a:endParaRPr kumimoji="1" lang="ko-KR" altLang="en-US" sz="1400" dirty="0">
+              <a:latin typeface="KoPubWorldDotum Medium" pitchFamily="2" charset="-127"/>
+              <a:ea typeface="KoPubWorldDotum Medium" pitchFamily="2" charset="-127"/>
+              <a:cs typeface="KoPubWorldDotum Medium" pitchFamily="2" charset="-127"/>
+            </a:endParaRPr>
+          </a:p>
+        </p:txBody>
+      </p:sp>
+      <p:sp>
+        <p:nvSpPr>
+          <p:cNvPr id="2" name="직사각형 1">
+            <a:extLst>
+              <a:ext uri="{FF2B5EF4-FFF2-40B4-BE49-F238E27FC236}">
+                <a16:creationId xmlns:a16="http://schemas.microsoft.com/office/drawing/2014/main" id="{5B858CA3-1176-501F-B23A-28780D3EB680}"/>
+              </a:ext>
+            </a:extLst>
+          </p:cNvPr>
+          <p:cNvSpPr/>
+          <p:nvPr/>
+        </p:nvSpPr>
+        <p:spPr>
+          <a:xfrm>
+            <a:off x="5510807" y="2336799"/>
+            <a:ext cx="5450364" cy="2965493"/>
+          </a:xfrm>
+          <a:prstGeom prst="rect">
+            <a:avLst/>
+          </a:prstGeom>
+          <a:solidFill>
+            <a:schemeClr val="tx2">
+              <a:lumMod val="10000"/>
+              <a:lumOff val="90000"/>
+            </a:schemeClr>
+          </a:solidFill>
+          <a:ln>
+            <a:noFill/>
+          </a:ln>
+        </p:spPr>
+        <p:style>
+          <a:lnRef idx="2">
+            <a:schemeClr val="accent1">
+              <a:shade val="15000"/>
+            </a:schemeClr>
+          </a:lnRef>
+          <a:fillRef idx="1">
+            <a:schemeClr val="accent1"/>
+          </a:fillRef>
+          <a:effectRef idx="0">
+            <a:schemeClr val="accent1"/>
+          </a:effectRef>
+          <a:fontRef idx="minor">
+            <a:schemeClr val="lt1"/>
+          </a:fontRef>
+        </p:style>
+        <p:txBody>
+          <a:bodyPr rtlCol="0" anchor="ctr"/>
+          <a:lstStyle/>
+          <a:p>
+            <a:pPr algn="ctr"/>
+            <a:endParaRPr kumimoji="1" lang="ko-KR" altLang="en-US"/>
+          </a:p>
+        </p:txBody>
+      </p:sp>
+      <p:sp>
+        <p:nvSpPr>
+          <p:cNvPr id="5" name="직사각형 4">
+            <a:extLst>
+              <a:ext uri="{FF2B5EF4-FFF2-40B4-BE49-F238E27FC236}">
+                <a16:creationId xmlns:a16="http://schemas.microsoft.com/office/drawing/2014/main" id="{2AAA1867-6EFF-05BB-A353-520319FA33B3}"/>
+              </a:ext>
+            </a:extLst>
+          </p:cNvPr>
+          <p:cNvSpPr/>
+          <p:nvPr/>
+        </p:nvSpPr>
+        <p:spPr>
+          <a:xfrm>
+            <a:off x="486534" y="2330451"/>
+            <a:ext cx="5023559" cy="2965492"/>
+          </a:xfrm>
+          <a:prstGeom prst="rect">
+            <a:avLst/>
+          </a:prstGeom>
+          <a:solidFill>
+            <a:schemeClr val="accent2">
+              <a:lumMod val="20000"/>
+              <a:lumOff val="80000"/>
+            </a:schemeClr>
+          </a:solidFill>
+          <a:ln>
+            <a:noFill/>
+          </a:ln>
+        </p:spPr>
+        <p:style>
+          <a:lnRef idx="2">
+            <a:schemeClr val="accent1">
+              <a:shade val="15000"/>
+            </a:schemeClr>
+          </a:lnRef>
+          <a:fillRef idx="1">
+            <a:schemeClr val="accent1"/>
+          </a:fillRef>
+          <a:effectRef idx="0">
+            <a:schemeClr val="accent1"/>
+          </a:effectRef>
+          <a:fontRef idx="minor">
+            <a:schemeClr val="lt1"/>
+          </a:fontRef>
+        </p:style>
+        <p:txBody>
+          <a:bodyPr rtlCol="0" anchor="ctr"/>
+          <a:lstStyle/>
+          <a:p>
+            <a:pPr algn="ctr"/>
+            <a:endParaRPr kumimoji="1" lang="ko-KR" altLang="en-US"/>
+          </a:p>
+        </p:txBody>
+      </p:sp>
+      <p:pic>
+        <p:nvPicPr>
+          <p:cNvPr id="17" name="Picture 2" descr="Amazon Bedrock Connector - Overview (O11) | OutSystems">
+            <a:extLst>
+              <a:ext uri="{FF2B5EF4-FFF2-40B4-BE49-F238E27FC236}">
+                <a16:creationId xmlns:a16="http://schemas.microsoft.com/office/drawing/2014/main" id="{9E9048DF-C9A5-3004-BB91-DA6E1F890E54}"/>
+              </a:ext>
+            </a:extLst>
+          </p:cNvPr>
+          <p:cNvPicPr>
+            <a:picLocks noChangeAspect="1" noChangeArrowheads="1"/>
+          </p:cNvPicPr>
+          <p:nvPr/>
+        </p:nvPicPr>
+        <p:blipFill>
+          <a:blip r:embed="rId2">
+            <a:extLst>
+              <a:ext uri="{28A0092B-C50C-407E-A947-70E740481C1C}">
+                <a14:useLocalDpi xmlns:a14="http://schemas.microsoft.com/office/drawing/2010/main" val="0"/>
+              </a:ext>
+            </a:extLst>
+          </a:blip>
+          <a:srcRect/>
+          <a:stretch>
+            <a:fillRect/>
+          </a:stretch>
+        </p:blipFill>
+        <p:spPr bwMode="auto">
+          <a:xfrm>
+            <a:off x="1976960" y="3379062"/>
+            <a:ext cx="465430" cy="465430"/>
+          </a:xfrm>
+          <a:prstGeom prst="rect">
+            <a:avLst/>
+          </a:prstGeom>
+          <a:noFill/>
+          <a:extLst>
+            <a:ext uri="{909E8E84-426E-40DD-AFC4-6F175D3DCCD1}">
+              <a14:hiddenFill xmlns:a14="http://schemas.microsoft.com/office/drawing/2010/main">
+                <a:solidFill>
+                  <a:srgbClr val="FFFFFF"/>
+                </a:solidFill>
+              </a14:hiddenFill>
+            </a:ext>
+          </a:extLst>
+        </p:spPr>
+      </p:pic>
+      <p:sp>
+        <p:nvSpPr>
+          <p:cNvPr id="20" name="제목 1">
+            <a:extLst>
+              <a:ext uri="{FF2B5EF4-FFF2-40B4-BE49-F238E27FC236}">
+                <a16:creationId xmlns:a16="http://schemas.microsoft.com/office/drawing/2014/main" id="{105E1E09-4688-C342-C1CB-40920DE400BB}"/>
+              </a:ext>
+            </a:extLst>
+          </p:cNvPr>
+          <p:cNvSpPr txBox="1">
+            <a:spLocks/>
+          </p:cNvSpPr>
+          <p:nvPr/>
+        </p:nvSpPr>
+        <p:spPr>
+          <a:xfrm>
+            <a:off x="1840074" y="3829937"/>
+            <a:ext cx="739201" cy="267998"/>
+          </a:xfrm>
+          <a:prstGeom prst="rect">
+            <a:avLst/>
+          </a:prstGeom>
+        </p:spPr>
+        <p:txBody>
+          <a:bodyPr vert="horz" lIns="91440" tIns="45720" rIns="91440" bIns="45720" rtlCol="0" anchor="ctr">
+            <a:normAutofit/>
+          </a:bodyPr>
+          <a:lstStyle>
+            <a:lvl1pPr algn="l" defTabSz="914400" rtl="0" eaLnBrk="1" latinLnBrk="1" hangingPunct="1">
+              <a:lnSpc>
+                <a:spcPct val="90000"/>
+              </a:lnSpc>
+              <a:spcBef>
+                <a:spcPct val="0"/>
+              </a:spcBef>
+              <a:buNone/>
+              <a:defRPr sz="4400" kern="1200">
+                <a:solidFill>
+                  <a:schemeClr val="tx1"/>
+                </a:solidFill>
+                <a:latin typeface="+mj-lt"/>
+                <a:ea typeface="+mj-ea"/>
+                <a:cs typeface="+mj-cs"/>
+              </a:defRPr>
+            </a:lvl1pPr>
+          </a:lstStyle>
+          <a:p>
+            <a:pPr algn="ctr"/>
+            <a:r>
+              <a:rPr kumimoji="1" lang="en-US" altLang="ko-KR" sz="1100" b="1" dirty="0">
+                <a:latin typeface="KoPubWorldDotum Bold" pitchFamily="2" charset="-127"/>
+                <a:ea typeface="KoPubWorldDotum Bold" pitchFamily="2" charset="-127"/>
+                <a:cs typeface="KoPubWorldDotum Bold" pitchFamily="2" charset="-127"/>
+              </a:rPr>
+              <a:t>Bedrock</a:t>
+            </a:r>
+            <a:endParaRPr kumimoji="1" lang="ko-KR" altLang="en-US" sz="1100" b="1" dirty="0">
+              <a:latin typeface="KoPubWorldDotum Bold" pitchFamily="2" charset="-127"/>
+              <a:ea typeface="KoPubWorldDotum Bold" pitchFamily="2" charset="-127"/>
+              <a:cs typeface="KoPubWorldDotum Bold" pitchFamily="2" charset="-127"/>
+            </a:endParaRPr>
+          </a:p>
+        </p:txBody>
+      </p:sp>
+      <p:cxnSp>
+        <p:nvCxnSpPr>
+          <p:cNvPr id="24" name="직선 화살표 연결선 23">
+            <a:extLst>
+              <a:ext uri="{FF2B5EF4-FFF2-40B4-BE49-F238E27FC236}">
+                <a16:creationId xmlns:a16="http://schemas.microsoft.com/office/drawing/2014/main" id="{C910D88C-DEA2-BD7D-AA4A-7E495EA9FB80}"/>
+              </a:ext>
+            </a:extLst>
+          </p:cNvPr>
+          <p:cNvCxnSpPr>
+            <a:cxnSpLocks/>
+            <a:endCxn id="17" idx="3"/>
+          </p:cNvCxnSpPr>
+          <p:nvPr/>
+        </p:nvCxnSpPr>
+        <p:spPr>
+          <a:xfrm flipH="1">
+            <a:off x="2442390" y="3597587"/>
+            <a:ext cx="647704" cy="14190"/>
+          </a:xfrm>
+          <a:prstGeom prst="straightConnector1">
+            <a:avLst/>
+          </a:prstGeom>
+          <a:ln>
+            <a:headEnd type="none" w="med" len="med"/>
+            <a:tailEnd type="none" w="med" len="med"/>
+          </a:ln>
+        </p:spPr>
+        <p:style>
+          <a:lnRef idx="2">
+            <a:schemeClr val="accent1"/>
+          </a:lnRef>
+          <a:fillRef idx="0">
+            <a:schemeClr val="accent1"/>
+          </a:fillRef>
+          <a:effectRef idx="1">
+            <a:schemeClr val="accent1"/>
+          </a:effectRef>
+          <a:fontRef idx="minor">
+            <a:schemeClr val="tx1"/>
+          </a:fontRef>
+        </p:style>
+      </p:cxnSp>
+      <p:cxnSp>
+        <p:nvCxnSpPr>
+          <p:cNvPr id="28" name="직선 화살표 연결선 27">
+            <a:extLst>
+              <a:ext uri="{FF2B5EF4-FFF2-40B4-BE49-F238E27FC236}">
+                <a16:creationId xmlns:a16="http://schemas.microsoft.com/office/drawing/2014/main" id="{8DEE8AC7-1567-67BB-F56B-A2C27C26DB31}"/>
+              </a:ext>
+            </a:extLst>
+          </p:cNvPr>
+          <p:cNvCxnSpPr>
+            <a:cxnSpLocks/>
+            <a:endCxn id="52" idx="3"/>
+          </p:cNvCxnSpPr>
+          <p:nvPr/>
+        </p:nvCxnSpPr>
+        <p:spPr>
+          <a:xfrm flipH="1">
+            <a:off x="4293203" y="3584145"/>
+            <a:ext cx="3047776" cy="13442"/>
+          </a:xfrm>
+          <a:prstGeom prst="straightConnector1">
+            <a:avLst/>
+          </a:prstGeom>
+          <a:ln>
+            <a:headEnd type="none" w="med" len="med"/>
+            <a:tailEnd type="none" w="med" len="med"/>
+          </a:ln>
+        </p:spPr>
+        <p:style>
+          <a:lnRef idx="2">
+            <a:schemeClr val="accent1"/>
+          </a:lnRef>
+          <a:fillRef idx="0">
+            <a:schemeClr val="accent1"/>
+          </a:fillRef>
+          <a:effectRef idx="1">
+            <a:schemeClr val="accent1"/>
+          </a:effectRef>
+          <a:fontRef idx="minor">
+            <a:schemeClr val="tx1"/>
+          </a:fontRef>
+        </p:style>
+      </p:cxnSp>
+      <p:sp>
+        <p:nvSpPr>
+          <p:cNvPr id="29" name="제목 1">
+            <a:extLst>
+              <a:ext uri="{FF2B5EF4-FFF2-40B4-BE49-F238E27FC236}">
+                <a16:creationId xmlns:a16="http://schemas.microsoft.com/office/drawing/2014/main" id="{17338016-E7BE-647E-6152-F6416E4B1004}"/>
+              </a:ext>
+            </a:extLst>
+          </p:cNvPr>
+          <p:cNvSpPr txBox="1">
+            <a:spLocks/>
+          </p:cNvSpPr>
+          <p:nvPr/>
+        </p:nvSpPr>
+        <p:spPr>
+          <a:xfrm>
+            <a:off x="606663" y="3862660"/>
+            <a:ext cx="1206609" cy="267998"/>
+          </a:xfrm>
+          <a:prstGeom prst="rect">
+            <a:avLst/>
+          </a:prstGeom>
+        </p:spPr>
+        <p:txBody>
+          <a:bodyPr vert="horz" lIns="91440" tIns="45720" rIns="91440" bIns="45720" rtlCol="0" anchor="ctr">
+            <a:normAutofit fontScale="92500"/>
+          </a:bodyPr>
+          <a:lstStyle>
+            <a:lvl1pPr algn="l" defTabSz="914400" rtl="0" eaLnBrk="1" latinLnBrk="1" hangingPunct="1">
+              <a:lnSpc>
+                <a:spcPct val="90000"/>
+              </a:lnSpc>
+              <a:spcBef>
+                <a:spcPct val="0"/>
+              </a:spcBef>
+              <a:buNone/>
+              <a:defRPr sz="4400" kern="1200">
+                <a:solidFill>
+                  <a:schemeClr val="tx1"/>
+                </a:solidFill>
+                <a:latin typeface="+mj-lt"/>
+                <a:ea typeface="+mj-ea"/>
+                <a:cs typeface="+mj-cs"/>
+              </a:defRPr>
+            </a:lvl1pPr>
+          </a:lstStyle>
+          <a:p>
+            <a:pPr algn="ctr"/>
+            <a:r>
+              <a:rPr kumimoji="1" lang="en-US" altLang="ko-KR" sz="1100" b="1" dirty="0">
+                <a:latin typeface="KoPubWorldDotum Bold" pitchFamily="2" charset="-127"/>
+                <a:ea typeface="KoPubWorldDotum Bold" pitchFamily="2" charset="-127"/>
+                <a:cs typeface="KoPubWorldDotum Bold" pitchFamily="2" charset="-127"/>
+              </a:rPr>
+              <a:t>Claude 3 Sonnet</a:t>
+            </a:r>
+            <a:endParaRPr kumimoji="1" lang="ko-KR" altLang="en-US" sz="1100" b="1" dirty="0">
+              <a:latin typeface="KoPubWorldDotum Bold" pitchFamily="2" charset="-127"/>
+              <a:ea typeface="KoPubWorldDotum Bold" pitchFamily="2" charset="-127"/>
+              <a:cs typeface="KoPubWorldDotum Bold" pitchFamily="2" charset="-127"/>
+            </a:endParaRPr>
+          </a:p>
+        </p:txBody>
+      </p:sp>
+      <p:cxnSp>
+        <p:nvCxnSpPr>
+          <p:cNvPr id="31" name="직선 화살표 연결선 30">
+            <a:extLst>
+              <a:ext uri="{FF2B5EF4-FFF2-40B4-BE49-F238E27FC236}">
+                <a16:creationId xmlns:a16="http://schemas.microsoft.com/office/drawing/2014/main" id="{35E79BEE-F751-0813-40F9-477C7EC51628}"/>
+              </a:ext>
+            </a:extLst>
+          </p:cNvPr>
+          <p:cNvCxnSpPr>
+            <a:cxnSpLocks/>
+            <a:stCxn id="17" idx="1"/>
+          </p:cNvCxnSpPr>
+          <p:nvPr/>
+        </p:nvCxnSpPr>
+        <p:spPr>
+          <a:xfrm flipH="1">
+            <a:off x="1463248" y="3611777"/>
+            <a:ext cx="513712" cy="7056"/>
+          </a:xfrm>
+          <a:prstGeom prst="straightConnector1">
+            <a:avLst/>
+          </a:prstGeom>
+          <a:ln>
+            <a:headEnd type="none" w="med" len="med"/>
+            <a:tailEnd type="none" w="med" len="med"/>
+          </a:ln>
+        </p:spPr>
+        <p:style>
+          <a:lnRef idx="2">
+            <a:schemeClr val="accent1"/>
+          </a:lnRef>
+          <a:fillRef idx="0">
+            <a:schemeClr val="accent1"/>
+          </a:fillRef>
+          <a:effectRef idx="1">
+            <a:schemeClr val="accent1"/>
+          </a:effectRef>
+          <a:fontRef idx="minor">
+            <a:schemeClr val="tx1"/>
+          </a:fontRef>
+        </p:style>
+      </p:cxnSp>
+      <p:pic>
+        <p:nvPicPr>
+          <p:cNvPr id="32" name="Picture 2" descr="The AI wars heat up with Claude 3, claimed to have “near-human” abilities |  Ars Technica">
+            <a:extLst>
+              <a:ext uri="{FF2B5EF4-FFF2-40B4-BE49-F238E27FC236}">
+                <a16:creationId xmlns:a16="http://schemas.microsoft.com/office/drawing/2014/main" id="{DBD69CDF-F6F8-D6E4-2D66-92DF88F6E608}"/>
+              </a:ext>
+            </a:extLst>
+          </p:cNvPr>
+          <p:cNvPicPr>
+            <a:picLocks noChangeAspect="1" noChangeArrowheads="1"/>
+          </p:cNvPicPr>
+          <p:nvPr/>
+        </p:nvPicPr>
+        <p:blipFill rotWithShape="1">
+          <a:blip r:embed="rId3">
+            <a:extLst>
+              <a:ext uri="{28A0092B-C50C-407E-A947-70E740481C1C}">
+                <a14:useLocalDpi xmlns:a14="http://schemas.microsoft.com/office/drawing/2010/main" val="0"/>
+              </a:ext>
+            </a:extLst>
+          </a:blip>
+          <a:srcRect l="28567" t="10984" r="29591" b="14630"/>
+          <a:stretch/>
+        </p:blipFill>
+        <p:spPr bwMode="auto">
+          <a:xfrm>
+            <a:off x="1018257" y="3391256"/>
+            <a:ext cx="465430" cy="465430"/>
+          </a:xfrm>
+          <a:prstGeom prst="rect">
+            <a:avLst/>
+          </a:prstGeom>
+          <a:noFill/>
+          <a:extLst>
+            <a:ext uri="{909E8E84-426E-40DD-AFC4-6F175D3DCCD1}">
+              <a14:hiddenFill xmlns:a14="http://schemas.microsoft.com/office/drawing/2010/main">
+                <a:solidFill>
+                  <a:srgbClr val="FFFFFF"/>
+                </a:solidFill>
+              </a14:hiddenFill>
+            </a:ext>
+          </a:extLst>
+        </p:spPr>
+      </p:pic>
+      <p:pic>
+        <p:nvPicPr>
+          <p:cNvPr id="33" name="Picture 2" descr="Amazon Bedrock Connector - Overview (O11) | OutSystems">
+            <a:extLst>
+              <a:ext uri="{FF2B5EF4-FFF2-40B4-BE49-F238E27FC236}">
+                <a16:creationId xmlns:a16="http://schemas.microsoft.com/office/drawing/2014/main" id="{DF8F9015-19A6-7B6D-D611-B68B73ECBCF5}"/>
+              </a:ext>
+            </a:extLst>
+          </p:cNvPr>
+          <p:cNvPicPr>
+            <a:picLocks noChangeAspect="1" noChangeArrowheads="1"/>
+          </p:cNvPicPr>
+          <p:nvPr/>
+        </p:nvPicPr>
+        <p:blipFill>
+          <a:blip r:embed="rId2">
+            <a:extLst>
+              <a:ext uri="{28A0092B-C50C-407E-A947-70E740481C1C}">
+                <a14:useLocalDpi xmlns:a14="http://schemas.microsoft.com/office/drawing/2010/main" val="0"/>
+              </a:ext>
+            </a:extLst>
+          </a:blip>
+          <a:srcRect/>
+          <a:stretch>
+            <a:fillRect/>
+          </a:stretch>
+        </p:blipFill>
+        <p:spPr bwMode="auto">
+          <a:xfrm>
+            <a:off x="1511530" y="4276532"/>
+            <a:ext cx="465430" cy="465430"/>
+          </a:xfrm>
+          <a:prstGeom prst="rect">
+            <a:avLst/>
+          </a:prstGeom>
+          <a:noFill/>
+          <a:extLst>
+            <a:ext uri="{909E8E84-426E-40DD-AFC4-6F175D3DCCD1}">
+              <a14:hiddenFill xmlns:a14="http://schemas.microsoft.com/office/drawing/2010/main">
+                <a:solidFill>
+                  <a:srgbClr val="FFFFFF"/>
+                </a:solidFill>
+              </a14:hiddenFill>
+            </a:ext>
+          </a:extLst>
+        </p:spPr>
+      </p:pic>
+      <p:sp>
+        <p:nvSpPr>
+          <p:cNvPr id="37" name="제목 1">
+            <a:extLst>
+              <a:ext uri="{FF2B5EF4-FFF2-40B4-BE49-F238E27FC236}">
+                <a16:creationId xmlns:a16="http://schemas.microsoft.com/office/drawing/2014/main" id="{7B9ABD60-535E-4747-94C5-EE3AD09E7E17}"/>
+              </a:ext>
+            </a:extLst>
+          </p:cNvPr>
+          <p:cNvSpPr txBox="1">
+            <a:spLocks/>
+          </p:cNvSpPr>
+          <p:nvPr/>
+        </p:nvSpPr>
+        <p:spPr>
+          <a:xfrm>
+            <a:off x="1140940" y="4737333"/>
+            <a:ext cx="1206609" cy="267998"/>
+          </a:xfrm>
+          <a:prstGeom prst="rect">
+            <a:avLst/>
+          </a:prstGeom>
+        </p:spPr>
+        <p:txBody>
+          <a:bodyPr vert="horz" lIns="91440" tIns="45720" rIns="91440" bIns="45720" rtlCol="0" anchor="ctr">
+            <a:normAutofit/>
+          </a:bodyPr>
+          <a:lstStyle>
+            <a:lvl1pPr algn="l" defTabSz="914400" rtl="0" eaLnBrk="1" latinLnBrk="1" hangingPunct="1">
+              <a:lnSpc>
+                <a:spcPct val="90000"/>
+              </a:lnSpc>
+              <a:spcBef>
+                <a:spcPct val="0"/>
+              </a:spcBef>
+              <a:buNone/>
+              <a:defRPr sz="4400" kern="1200">
+                <a:solidFill>
+                  <a:schemeClr val="tx1"/>
+                </a:solidFill>
+                <a:latin typeface="+mj-lt"/>
+                <a:ea typeface="+mj-ea"/>
+                <a:cs typeface="+mj-cs"/>
+              </a:defRPr>
+            </a:lvl1pPr>
+          </a:lstStyle>
+          <a:p>
+            <a:pPr algn="ctr"/>
+            <a:r>
+              <a:rPr kumimoji="1" lang="en-US" altLang="ko-KR" sz="1100" b="1" dirty="0">
+                <a:latin typeface="KoPubWorldDotum Bold" pitchFamily="2" charset="-127"/>
+                <a:ea typeface="KoPubWorldDotum Bold" pitchFamily="2" charset="-127"/>
+                <a:cs typeface="KoPubWorldDotum Bold" pitchFamily="2" charset="-127"/>
+              </a:rPr>
+              <a:t>Bedrock</a:t>
+            </a:r>
+            <a:r>
+              <a:rPr kumimoji="1" lang="ko-KR" altLang="en-US" sz="1100" b="1" dirty="0">
+                <a:latin typeface="KoPubWorldDotum Bold" pitchFamily="2" charset="-127"/>
+                <a:ea typeface="KoPubWorldDotum Bold" pitchFamily="2" charset="-127"/>
+                <a:cs typeface="KoPubWorldDotum Bold" pitchFamily="2" charset="-127"/>
+              </a:rPr>
+              <a:t> </a:t>
+            </a:r>
+            <a:r>
+              <a:rPr kumimoji="1" lang="en-US" altLang="ko-KR" sz="1100" b="1" dirty="0">
+                <a:latin typeface="KoPubWorldDotum Bold" pitchFamily="2" charset="-127"/>
+                <a:ea typeface="KoPubWorldDotum Bold" pitchFamily="2" charset="-127"/>
+                <a:cs typeface="KoPubWorldDotum Bold" pitchFamily="2" charset="-127"/>
+              </a:rPr>
+              <a:t>Agent</a:t>
+            </a:r>
+            <a:endParaRPr kumimoji="1" lang="ko-KR" altLang="en-US" sz="1100" b="1" dirty="0">
+              <a:latin typeface="KoPubWorldDotum Bold" pitchFamily="2" charset="-127"/>
+              <a:ea typeface="KoPubWorldDotum Bold" pitchFamily="2" charset="-127"/>
+              <a:cs typeface="KoPubWorldDotum Bold" pitchFamily="2" charset="-127"/>
+            </a:endParaRPr>
+          </a:p>
+        </p:txBody>
+      </p:sp>
+      <p:cxnSp>
+        <p:nvCxnSpPr>
+          <p:cNvPr id="38" name="직선 화살표 연결선 37">
+            <a:extLst>
+              <a:ext uri="{FF2B5EF4-FFF2-40B4-BE49-F238E27FC236}">
+                <a16:creationId xmlns:a16="http://schemas.microsoft.com/office/drawing/2014/main" id="{2880CC0B-46F5-871E-783C-32FB7670C303}"/>
+              </a:ext>
+            </a:extLst>
+          </p:cNvPr>
+          <p:cNvCxnSpPr>
+            <a:cxnSpLocks/>
+          </p:cNvCxnSpPr>
+          <p:nvPr/>
+        </p:nvCxnSpPr>
+        <p:spPr>
+          <a:xfrm>
+            <a:off x="1744244" y="3618833"/>
+            <a:ext cx="0" cy="661227"/>
+          </a:xfrm>
+          <a:prstGeom prst="straightConnector1">
+            <a:avLst/>
+          </a:prstGeom>
+          <a:ln>
+            <a:headEnd type="none" w="med" len="med"/>
+            <a:tailEnd type="none" w="med" len="med"/>
+          </a:ln>
+        </p:spPr>
+        <p:style>
+          <a:lnRef idx="2">
+            <a:schemeClr val="accent1"/>
+          </a:lnRef>
+          <a:fillRef idx="0">
+            <a:schemeClr val="accent1"/>
+          </a:fillRef>
+          <a:effectRef idx="1">
+            <a:schemeClr val="accent1"/>
+          </a:effectRef>
+          <a:fontRef idx="minor">
+            <a:schemeClr val="tx1"/>
+          </a:fontRef>
+        </p:style>
+      </p:cxnSp>
+      <p:sp>
+        <p:nvSpPr>
+          <p:cNvPr id="39" name="직사각형 38">
+            <a:extLst>
+              <a:ext uri="{FF2B5EF4-FFF2-40B4-BE49-F238E27FC236}">
+                <a16:creationId xmlns:a16="http://schemas.microsoft.com/office/drawing/2014/main" id="{03EB75B4-ADCA-68C2-0B0A-D40C109D1D01}"/>
+              </a:ext>
+            </a:extLst>
+          </p:cNvPr>
+          <p:cNvSpPr/>
+          <p:nvPr/>
+        </p:nvSpPr>
+        <p:spPr>
+          <a:xfrm>
+            <a:off x="2950853" y="3223567"/>
+            <a:ext cx="1503655" cy="734740"/>
+          </a:xfrm>
+          <a:prstGeom prst="rect">
+            <a:avLst/>
+          </a:prstGeom>
+          <a:noFill/>
+          <a:ln>
+            <a:solidFill>
+              <a:srgbClr val="000000"/>
+            </a:solidFill>
+            <a:prstDash val="sysDash"/>
+          </a:ln>
+        </p:spPr>
+        <p:style>
+          <a:lnRef idx="2">
+            <a:schemeClr val="accent1">
+              <a:shade val="15000"/>
+            </a:schemeClr>
+          </a:lnRef>
+          <a:fillRef idx="1">
+            <a:schemeClr val="accent1"/>
+          </a:fillRef>
+          <a:effectRef idx="0">
+            <a:schemeClr val="accent1"/>
+          </a:effectRef>
+          <a:fontRef idx="minor">
+            <a:schemeClr val="lt1"/>
+          </a:fontRef>
+        </p:style>
+        <p:txBody>
+          <a:bodyPr rtlCol="0" anchor="ctr"/>
+          <a:lstStyle/>
+          <a:p>
+            <a:pPr algn="ctr"/>
+            <a:endParaRPr kumimoji="1" lang="ko-KR" altLang="en-US"/>
+          </a:p>
+        </p:txBody>
+      </p:sp>
+      <p:pic>
+        <p:nvPicPr>
+          <p:cNvPr id="40" name="그림 39">
+            <a:extLst>
+              <a:ext uri="{FF2B5EF4-FFF2-40B4-BE49-F238E27FC236}">
+                <a16:creationId xmlns:a16="http://schemas.microsoft.com/office/drawing/2014/main" id="{56B33B3E-D126-47F9-231A-7FC8C8FC7CE3}"/>
+              </a:ext>
+            </a:extLst>
+          </p:cNvPr>
+          <p:cNvPicPr>
+            <a:picLocks noChangeAspect="1"/>
+          </p:cNvPicPr>
+          <p:nvPr/>
+        </p:nvPicPr>
+        <p:blipFill>
+          <a:blip r:embed="rId4"/>
+          <a:stretch>
+            <a:fillRect/>
+          </a:stretch>
+        </p:blipFill>
+        <p:spPr>
+          <a:xfrm>
+            <a:off x="3460577" y="3751749"/>
+            <a:ext cx="462142" cy="462142"/>
+          </a:xfrm>
+          <a:prstGeom prst="rect">
+            <a:avLst/>
+          </a:prstGeom>
+        </p:spPr>
+      </p:pic>
+      <p:sp>
+        <p:nvSpPr>
+          <p:cNvPr id="41" name="제목 1">
+            <a:extLst>
+              <a:ext uri="{FF2B5EF4-FFF2-40B4-BE49-F238E27FC236}">
+                <a16:creationId xmlns:a16="http://schemas.microsoft.com/office/drawing/2014/main" id="{61942511-75D3-6537-186A-65D91FA0331C}"/>
+              </a:ext>
+            </a:extLst>
+          </p:cNvPr>
+          <p:cNvSpPr txBox="1">
+            <a:spLocks/>
+          </p:cNvSpPr>
+          <p:nvPr/>
+        </p:nvSpPr>
+        <p:spPr>
+          <a:xfrm>
+            <a:off x="3333079" y="4190088"/>
+            <a:ext cx="739201" cy="267998"/>
+          </a:xfrm>
+          <a:prstGeom prst="rect">
+            <a:avLst/>
+          </a:prstGeom>
+        </p:spPr>
+        <p:txBody>
+          <a:bodyPr vert="horz" lIns="91440" tIns="45720" rIns="91440" bIns="45720" rtlCol="0" anchor="ctr">
+            <a:normAutofit/>
+          </a:bodyPr>
+          <a:lstStyle>
+            <a:lvl1pPr algn="l" defTabSz="914400" rtl="0" eaLnBrk="1" latinLnBrk="1" hangingPunct="1">
+              <a:lnSpc>
+                <a:spcPct val="90000"/>
+              </a:lnSpc>
+              <a:spcBef>
+                <a:spcPct val="0"/>
+              </a:spcBef>
+              <a:buNone/>
+              <a:defRPr sz="4400" kern="1200">
+                <a:solidFill>
+                  <a:schemeClr val="tx1"/>
+                </a:solidFill>
+                <a:latin typeface="+mj-lt"/>
+                <a:ea typeface="+mj-ea"/>
+                <a:cs typeface="+mj-cs"/>
+              </a:defRPr>
+            </a:lvl1pPr>
+          </a:lstStyle>
+          <a:p>
+            <a:pPr algn="ctr"/>
+            <a:r>
+              <a:rPr kumimoji="1" lang="en-US" altLang="ko-KR" sz="1100" b="1" dirty="0">
+                <a:latin typeface="KoPubWorldDotum Bold" pitchFamily="2" charset="-127"/>
+                <a:ea typeface="KoPubWorldDotum Bold" pitchFamily="2" charset="-127"/>
+                <a:cs typeface="KoPubWorldDotum Bold" pitchFamily="2" charset="-127"/>
+              </a:rPr>
+              <a:t>Lambda</a:t>
+            </a:r>
+            <a:endParaRPr kumimoji="1" lang="ko-KR" altLang="en-US" sz="1100" b="1" dirty="0">
+              <a:latin typeface="KoPubWorldDotum Bold" pitchFamily="2" charset="-127"/>
+              <a:ea typeface="KoPubWorldDotum Bold" pitchFamily="2" charset="-127"/>
+              <a:cs typeface="KoPubWorldDotum Bold" pitchFamily="2" charset="-127"/>
+            </a:endParaRPr>
+          </a:p>
+        </p:txBody>
+      </p:sp>
+      <p:pic>
+        <p:nvPicPr>
+          <p:cNvPr id="42" name="그림 41">
+            <a:extLst>
+              <a:ext uri="{FF2B5EF4-FFF2-40B4-BE49-F238E27FC236}">
+                <a16:creationId xmlns:a16="http://schemas.microsoft.com/office/drawing/2014/main" id="{F0F37604-7F97-DC3A-F40A-AD67CA7FF3CA}"/>
+              </a:ext>
+            </a:extLst>
+          </p:cNvPr>
+          <p:cNvPicPr>
+            <a:picLocks noChangeAspect="1"/>
+          </p:cNvPicPr>
+          <p:nvPr/>
+        </p:nvPicPr>
+        <p:blipFill>
+          <a:blip r:embed="rId5"/>
+          <a:stretch>
+            <a:fillRect/>
+          </a:stretch>
+        </p:blipFill>
+        <p:spPr>
+          <a:xfrm>
+            <a:off x="3469964" y="4520876"/>
+            <a:ext cx="465429" cy="465429"/>
+          </a:xfrm>
+          <a:prstGeom prst="rect">
+            <a:avLst/>
+          </a:prstGeom>
+        </p:spPr>
+      </p:pic>
+      <p:sp>
+        <p:nvSpPr>
+          <p:cNvPr id="44" name="제목 1">
+            <a:extLst>
+              <a:ext uri="{FF2B5EF4-FFF2-40B4-BE49-F238E27FC236}">
+                <a16:creationId xmlns:a16="http://schemas.microsoft.com/office/drawing/2014/main" id="{65E8B885-2A47-E33E-D0BF-9BDE236EC4C5}"/>
+              </a:ext>
+            </a:extLst>
+          </p:cNvPr>
+          <p:cNvSpPr txBox="1">
+            <a:spLocks/>
+          </p:cNvSpPr>
+          <p:nvPr/>
+        </p:nvSpPr>
+        <p:spPr>
+          <a:xfrm>
+            <a:off x="3257073" y="5008219"/>
+            <a:ext cx="869150" cy="267998"/>
+          </a:xfrm>
+          <a:prstGeom prst="rect">
+            <a:avLst/>
+          </a:prstGeom>
+        </p:spPr>
+        <p:txBody>
+          <a:bodyPr vert="horz" lIns="91440" tIns="45720" rIns="91440" bIns="45720" rtlCol="0" anchor="ctr">
+            <a:normAutofit fontScale="92500"/>
+          </a:bodyPr>
+          <a:lstStyle>
+            <a:lvl1pPr algn="l" defTabSz="914400" rtl="0" eaLnBrk="1" latinLnBrk="1" hangingPunct="1">
+              <a:lnSpc>
+                <a:spcPct val="90000"/>
+              </a:lnSpc>
+              <a:spcBef>
+                <a:spcPct val="0"/>
+              </a:spcBef>
+              <a:buNone/>
+              <a:defRPr sz="4400" kern="1200">
+                <a:solidFill>
+                  <a:schemeClr val="tx1"/>
+                </a:solidFill>
+                <a:latin typeface="+mj-lt"/>
+                <a:ea typeface="+mj-ea"/>
+                <a:cs typeface="+mj-cs"/>
+              </a:defRPr>
+            </a:lvl1pPr>
+          </a:lstStyle>
+          <a:p>
+            <a:pPr algn="ctr"/>
+            <a:r>
+              <a:rPr kumimoji="1" lang="en-US" altLang="ko-KR" sz="1100" b="1" dirty="0">
+                <a:latin typeface="KoPubWorldDotum Bold" pitchFamily="2" charset="-127"/>
+                <a:ea typeface="KoPubWorldDotum Bold" pitchFamily="2" charset="-127"/>
+                <a:cs typeface="KoPubWorldDotum Bold" pitchFamily="2" charset="-127"/>
+              </a:rPr>
+              <a:t>DynamoDB</a:t>
+            </a:r>
+            <a:endParaRPr kumimoji="1" lang="ko-KR" altLang="en-US" sz="1100" b="1" dirty="0">
+              <a:latin typeface="KoPubWorldDotum Bold" pitchFamily="2" charset="-127"/>
+              <a:ea typeface="KoPubWorldDotum Bold" pitchFamily="2" charset="-127"/>
+              <a:cs typeface="KoPubWorldDotum Bold" pitchFamily="2" charset="-127"/>
+            </a:endParaRPr>
+          </a:p>
+        </p:txBody>
+      </p:sp>
+      <p:cxnSp>
+        <p:nvCxnSpPr>
+          <p:cNvPr id="45" name="직선 화살표 연결선 44">
+            <a:extLst>
+              <a:ext uri="{FF2B5EF4-FFF2-40B4-BE49-F238E27FC236}">
+                <a16:creationId xmlns:a16="http://schemas.microsoft.com/office/drawing/2014/main" id="{D5249C5D-58DA-CFB7-DDB8-661743AA66FD}"/>
+              </a:ext>
+            </a:extLst>
+          </p:cNvPr>
+          <p:cNvCxnSpPr>
+            <a:cxnSpLocks/>
+            <a:endCxn id="42" idx="0"/>
+          </p:cNvCxnSpPr>
+          <p:nvPr/>
+        </p:nvCxnSpPr>
+        <p:spPr>
+          <a:xfrm>
+            <a:off x="3702679" y="4383314"/>
+            <a:ext cx="0" cy="137562"/>
+          </a:xfrm>
+          <a:prstGeom prst="straightConnector1">
+            <a:avLst/>
+          </a:prstGeom>
+          <a:ln>
+            <a:headEnd type="none" w="med" len="med"/>
+            <a:tailEnd type="none" w="med" len="med"/>
+          </a:ln>
+        </p:spPr>
+        <p:style>
+          <a:lnRef idx="2">
+            <a:schemeClr val="accent1"/>
+          </a:lnRef>
+          <a:fillRef idx="0">
+            <a:schemeClr val="accent1"/>
+          </a:fillRef>
+          <a:effectRef idx="1">
+            <a:schemeClr val="accent1"/>
+          </a:effectRef>
+          <a:fontRef idx="minor">
+            <a:schemeClr val="tx1"/>
+          </a:fontRef>
+        </p:style>
+      </p:cxnSp>
+      <p:sp>
+        <p:nvSpPr>
+          <p:cNvPr id="47" name="직사각형 46">
+            <a:extLst>
+              <a:ext uri="{FF2B5EF4-FFF2-40B4-BE49-F238E27FC236}">
+                <a16:creationId xmlns:a16="http://schemas.microsoft.com/office/drawing/2014/main" id="{29EA22F1-E5B7-B0FD-7F55-388CB6E0A121}"/>
+              </a:ext>
+            </a:extLst>
+          </p:cNvPr>
+          <p:cNvSpPr/>
+          <p:nvPr/>
+        </p:nvSpPr>
+        <p:spPr>
+          <a:xfrm>
+            <a:off x="481290" y="2336800"/>
+            <a:ext cx="10479881" cy="2965493"/>
+          </a:xfrm>
+          <a:prstGeom prst="rect">
+            <a:avLst/>
+          </a:prstGeom>
+          <a:noFill/>
+          <a:ln>
+            <a:solidFill>
+              <a:srgbClr val="000000"/>
+            </a:solidFill>
+            <a:prstDash val="sysDash"/>
+          </a:ln>
+        </p:spPr>
+        <p:style>
+          <a:lnRef idx="2">
+            <a:schemeClr val="accent1">
+              <a:shade val="15000"/>
+            </a:schemeClr>
+          </a:lnRef>
+          <a:fillRef idx="1">
+            <a:schemeClr val="accent1"/>
+          </a:fillRef>
+          <a:effectRef idx="0">
+            <a:schemeClr val="accent1"/>
+          </a:effectRef>
+          <a:fontRef idx="minor">
+            <a:schemeClr val="lt1"/>
+          </a:fontRef>
+        </p:style>
+        <p:txBody>
+          <a:bodyPr rtlCol="0" anchor="ctr"/>
+          <a:lstStyle/>
+          <a:p>
+            <a:pPr algn="ctr"/>
+            <a:endParaRPr kumimoji="1" lang="ko-KR" altLang="en-US"/>
+          </a:p>
+        </p:txBody>
+      </p:sp>
+      <p:pic>
+        <p:nvPicPr>
+          <p:cNvPr id="48" name="Picture 4" descr="Amazon Web Services | Incentro Partner">
+            <a:extLst>
+              <a:ext uri="{FF2B5EF4-FFF2-40B4-BE49-F238E27FC236}">
+                <a16:creationId xmlns:a16="http://schemas.microsoft.com/office/drawing/2014/main" id="{B577BE15-FAF9-A7CC-AC04-E0A6D2AD5A0A}"/>
+              </a:ext>
+            </a:extLst>
+          </p:cNvPr>
+          <p:cNvPicPr>
+            <a:picLocks noChangeAspect="1" noChangeArrowheads="1"/>
+          </p:cNvPicPr>
+          <p:nvPr/>
+        </p:nvPicPr>
+        <p:blipFill>
+          <a:blip r:embed="rId6">
+            <a:extLst>
+              <a:ext uri="{28A0092B-C50C-407E-A947-70E740481C1C}">
+                <a14:useLocalDpi xmlns:a14="http://schemas.microsoft.com/office/drawing/2010/main" val="0"/>
+              </a:ext>
+            </a:extLst>
+          </a:blip>
+          <a:srcRect/>
+          <a:stretch>
+            <a:fillRect/>
+          </a:stretch>
+        </p:blipFill>
+        <p:spPr bwMode="auto">
+          <a:xfrm>
+            <a:off x="486534" y="2328764"/>
+            <a:ext cx="377292" cy="377292"/>
+          </a:xfrm>
+          <a:prstGeom prst="rect">
+            <a:avLst/>
+          </a:prstGeom>
+          <a:noFill/>
+          <a:extLst>
+            <a:ext uri="{909E8E84-426E-40DD-AFC4-6F175D3DCCD1}">
+              <a14:hiddenFill xmlns:a14="http://schemas.microsoft.com/office/drawing/2010/main">
+                <a:solidFill>
+                  <a:srgbClr val="FFFFFF"/>
+                </a:solidFill>
+              </a14:hiddenFill>
+            </a:ext>
+          </a:extLst>
+        </p:spPr>
+      </p:pic>
+      <p:sp>
+        <p:nvSpPr>
+          <p:cNvPr id="52" name="처리 51">
+            <a:extLst>
+              <a:ext uri="{FF2B5EF4-FFF2-40B4-BE49-F238E27FC236}">
+                <a16:creationId xmlns:a16="http://schemas.microsoft.com/office/drawing/2014/main" id="{B3F6DD1E-19ED-1022-C7E4-03C4E4BF701C}"/>
+              </a:ext>
+            </a:extLst>
+          </p:cNvPr>
+          <p:cNvSpPr/>
+          <p:nvPr/>
+        </p:nvSpPr>
+        <p:spPr>
+          <a:xfrm>
+            <a:off x="3090094" y="3475616"/>
+            <a:ext cx="1203109" cy="243942"/>
+          </a:xfrm>
+          <a:prstGeom prst="flowChartProcess">
+            <a:avLst/>
+          </a:prstGeom>
+          <a:solidFill>
+            <a:schemeClr val="accent1"/>
+          </a:solidFill>
+          <a:ln>
+            <a:noFill/>
+          </a:ln>
+        </p:spPr>
+        <p:style>
+          <a:lnRef idx="2">
+            <a:schemeClr val="accent1">
+              <a:shade val="15000"/>
+            </a:schemeClr>
+          </a:lnRef>
+          <a:fillRef idx="1">
+            <a:schemeClr val="accent1"/>
+          </a:fillRef>
+          <a:effectRef idx="0">
+            <a:schemeClr val="accent1"/>
+          </a:effectRef>
+          <a:fontRef idx="minor">
+            <a:schemeClr val="lt1"/>
+          </a:fontRef>
+        </p:style>
+        <p:txBody>
+          <a:bodyPr rtlCol="0" anchor="ctr"/>
+          <a:lstStyle/>
+          <a:p>
+            <a:pPr algn="ctr"/>
+            <a:r>
+              <a:rPr kumimoji="1" lang="en-US" altLang="ko-KR" sz="1100" b="1" dirty="0" err="1">
+                <a:latin typeface="KoPubWorldDotum Bold" pitchFamily="2" charset="-127"/>
+                <a:ea typeface="KoPubWorldDotum Bold" pitchFamily="2" charset="-127"/>
+                <a:cs typeface="KoPubWorldDotum Bold" pitchFamily="2" charset="-127"/>
+              </a:rPr>
+              <a:t>Back.py</a:t>
+            </a:r>
+            <a:endParaRPr kumimoji="1" lang="ko-KR" altLang="en-US" sz="1100" b="1" dirty="0">
+              <a:latin typeface="KoPubWorldDotum Bold" pitchFamily="2" charset="-127"/>
+              <a:ea typeface="KoPubWorldDotum Bold" pitchFamily="2" charset="-127"/>
+              <a:cs typeface="KoPubWorldDotum Bold" pitchFamily="2" charset="-127"/>
+            </a:endParaRPr>
+          </a:p>
+        </p:txBody>
+      </p:sp>
+      <p:pic>
+        <p:nvPicPr>
+          <p:cNvPr id="53" name="그림 52">
+            <a:extLst>
+              <a:ext uri="{FF2B5EF4-FFF2-40B4-BE49-F238E27FC236}">
+                <a16:creationId xmlns:a16="http://schemas.microsoft.com/office/drawing/2014/main" id="{B1E2C941-6E65-D0AA-C994-14B293123313}"/>
+              </a:ext>
+            </a:extLst>
+          </p:cNvPr>
+          <p:cNvPicPr>
+            <a:picLocks noChangeAspect="1"/>
+          </p:cNvPicPr>
+          <p:nvPr/>
+        </p:nvPicPr>
+        <p:blipFill>
+          <a:blip r:embed="rId7"/>
+          <a:stretch>
+            <a:fillRect/>
+          </a:stretch>
+        </p:blipFill>
+        <p:spPr>
+          <a:xfrm>
+            <a:off x="4816158" y="3348696"/>
+            <a:ext cx="462142" cy="462142"/>
+          </a:xfrm>
+          <a:prstGeom prst="rect">
+            <a:avLst/>
+          </a:prstGeom>
+        </p:spPr>
+      </p:pic>
+      <p:pic>
+        <p:nvPicPr>
+          <p:cNvPr id="58" name="그림 57">
+            <a:extLst>
+              <a:ext uri="{FF2B5EF4-FFF2-40B4-BE49-F238E27FC236}">
+                <a16:creationId xmlns:a16="http://schemas.microsoft.com/office/drawing/2014/main" id="{0A88FA9D-5ECC-6297-009C-C739A8270088}"/>
+              </a:ext>
+            </a:extLst>
+          </p:cNvPr>
+          <p:cNvPicPr>
+            <a:picLocks noChangeAspect="1"/>
+          </p:cNvPicPr>
+          <p:nvPr/>
+        </p:nvPicPr>
+        <p:blipFill>
+          <a:blip r:embed="rId8"/>
+          <a:stretch>
+            <a:fillRect/>
+          </a:stretch>
+        </p:blipFill>
+        <p:spPr>
+          <a:xfrm>
+            <a:off x="5695248" y="3360274"/>
+            <a:ext cx="461326" cy="461326"/>
+          </a:xfrm>
+          <a:prstGeom prst="rect">
+            <a:avLst/>
+          </a:prstGeom>
+        </p:spPr>
+      </p:pic>
+      <p:sp>
+        <p:nvSpPr>
+          <p:cNvPr id="59" name="직사각형 58">
+            <a:extLst>
+              <a:ext uri="{FF2B5EF4-FFF2-40B4-BE49-F238E27FC236}">
+                <a16:creationId xmlns:a16="http://schemas.microsoft.com/office/drawing/2014/main" id="{A9E4093A-2978-DFB7-A584-8127A6BEEBBD}"/>
+              </a:ext>
+            </a:extLst>
+          </p:cNvPr>
+          <p:cNvSpPr/>
+          <p:nvPr/>
+        </p:nvSpPr>
+        <p:spPr>
+          <a:xfrm>
+            <a:off x="7340979" y="3037631"/>
+            <a:ext cx="1503655" cy="1093027"/>
+          </a:xfrm>
+          <a:prstGeom prst="rect">
+            <a:avLst/>
+          </a:prstGeom>
+          <a:noFill/>
+          <a:ln>
+            <a:solidFill>
+              <a:srgbClr val="000000"/>
+            </a:solidFill>
+            <a:prstDash val="sysDash"/>
+          </a:ln>
+        </p:spPr>
+        <p:style>
+          <a:lnRef idx="2">
+            <a:schemeClr val="accent1">
+              <a:shade val="15000"/>
+            </a:schemeClr>
+          </a:lnRef>
+          <a:fillRef idx="1">
+            <a:schemeClr val="accent1"/>
+          </a:fillRef>
+          <a:effectRef idx="0">
+            <a:schemeClr val="accent1"/>
+          </a:effectRef>
+          <a:fontRef idx="minor">
+            <a:schemeClr val="lt1"/>
+          </a:fontRef>
+        </p:style>
+        <p:txBody>
+          <a:bodyPr rtlCol="0" anchor="ctr"/>
+          <a:lstStyle/>
+          <a:p>
+            <a:pPr algn="ctr"/>
+            <a:endParaRPr kumimoji="1" lang="ko-KR" altLang="en-US"/>
+          </a:p>
+        </p:txBody>
+      </p:sp>
+      <p:pic>
+        <p:nvPicPr>
+          <p:cNvPr id="60" name="그림 59">
+            <a:extLst>
+              <a:ext uri="{FF2B5EF4-FFF2-40B4-BE49-F238E27FC236}">
+                <a16:creationId xmlns:a16="http://schemas.microsoft.com/office/drawing/2014/main" id="{169B2176-E835-FB78-DF89-307A60DCF3A7}"/>
+              </a:ext>
+            </a:extLst>
+          </p:cNvPr>
+          <p:cNvPicPr>
+            <a:picLocks noChangeAspect="1"/>
+          </p:cNvPicPr>
+          <p:nvPr/>
+        </p:nvPicPr>
+        <p:blipFill>
+          <a:blip r:embed="rId9"/>
+          <a:stretch>
+            <a:fillRect/>
+          </a:stretch>
+        </p:blipFill>
+        <p:spPr>
+          <a:xfrm>
+            <a:off x="7896163" y="3915611"/>
+            <a:ext cx="462142" cy="462142"/>
+          </a:xfrm>
+          <a:prstGeom prst="rect">
+            <a:avLst/>
+          </a:prstGeom>
+        </p:spPr>
+      </p:pic>
+      <p:sp>
+        <p:nvSpPr>
+          <p:cNvPr id="61" name="제목 1">
+            <a:extLst>
+              <a:ext uri="{FF2B5EF4-FFF2-40B4-BE49-F238E27FC236}">
+                <a16:creationId xmlns:a16="http://schemas.microsoft.com/office/drawing/2014/main" id="{6D13D23E-5487-3139-B9C6-1E043F6ED8FE}"/>
+              </a:ext>
+            </a:extLst>
+          </p:cNvPr>
+          <p:cNvSpPr txBox="1">
+            <a:spLocks/>
+          </p:cNvSpPr>
+          <p:nvPr/>
+        </p:nvSpPr>
+        <p:spPr>
+          <a:xfrm>
+            <a:off x="7669737" y="4387113"/>
+            <a:ext cx="967879" cy="267998"/>
+          </a:xfrm>
+          <a:prstGeom prst="rect">
+            <a:avLst/>
+          </a:prstGeom>
+        </p:spPr>
+        <p:txBody>
+          <a:bodyPr vert="horz" lIns="91440" tIns="45720" rIns="91440" bIns="45720" rtlCol="0" anchor="ctr">
+            <a:normAutofit/>
+          </a:bodyPr>
+          <a:lstStyle>
+            <a:lvl1pPr algn="l" defTabSz="914400" rtl="0" eaLnBrk="1" latinLnBrk="1" hangingPunct="1">
+              <a:lnSpc>
+                <a:spcPct val="90000"/>
+              </a:lnSpc>
+              <a:spcBef>
+                <a:spcPct val="0"/>
+              </a:spcBef>
+              <a:buNone/>
+              <a:defRPr sz="4400" kern="1200">
+                <a:solidFill>
+                  <a:schemeClr val="tx1"/>
+                </a:solidFill>
+                <a:latin typeface="+mj-lt"/>
+                <a:ea typeface="+mj-ea"/>
+                <a:cs typeface="+mj-cs"/>
+              </a:defRPr>
+            </a:lvl1pPr>
+          </a:lstStyle>
+          <a:p>
+            <a:pPr algn="ctr"/>
+            <a:r>
+              <a:rPr kumimoji="1" lang="en-US" altLang="ko-KR" sz="1100" b="1" dirty="0">
+                <a:latin typeface="KoPubWorldDotum Bold" pitchFamily="2" charset="-127"/>
+                <a:ea typeface="KoPubWorldDotum Bold" pitchFamily="2" charset="-127"/>
+                <a:cs typeface="KoPubWorldDotum Bold" pitchFamily="2" charset="-127"/>
+              </a:rPr>
+              <a:t>S3</a:t>
+            </a:r>
+            <a:endParaRPr kumimoji="1" lang="ko-KR" altLang="en-US" sz="1100" b="1" dirty="0">
+              <a:latin typeface="KoPubWorldDotum Bold" pitchFamily="2" charset="-127"/>
+              <a:ea typeface="KoPubWorldDotum Bold" pitchFamily="2" charset="-127"/>
+              <a:cs typeface="KoPubWorldDotum Bold" pitchFamily="2" charset="-127"/>
+            </a:endParaRPr>
+          </a:p>
+        </p:txBody>
+      </p:sp>
+      <p:cxnSp>
+        <p:nvCxnSpPr>
+          <p:cNvPr id="62" name="직선 화살표 연결선 61">
+            <a:extLst>
+              <a:ext uri="{FF2B5EF4-FFF2-40B4-BE49-F238E27FC236}">
+                <a16:creationId xmlns:a16="http://schemas.microsoft.com/office/drawing/2014/main" id="{01E2061D-C931-77B9-8CE8-030734F86FE2}"/>
+              </a:ext>
+            </a:extLst>
+          </p:cNvPr>
+          <p:cNvCxnSpPr>
+            <a:cxnSpLocks/>
+            <a:endCxn id="59" idx="3"/>
+          </p:cNvCxnSpPr>
+          <p:nvPr/>
+        </p:nvCxnSpPr>
+        <p:spPr>
+          <a:xfrm flipH="1">
+            <a:off x="8844634" y="3584145"/>
+            <a:ext cx="2545956" cy="0"/>
+          </a:xfrm>
+          <a:prstGeom prst="straightConnector1">
+            <a:avLst/>
+          </a:prstGeom>
+          <a:ln>
+            <a:headEnd type="none" w="med" len="med"/>
+            <a:tailEnd type="none" w="med" len="med"/>
+          </a:ln>
+        </p:spPr>
+        <p:style>
+          <a:lnRef idx="2">
+            <a:schemeClr val="accent1"/>
+          </a:lnRef>
+          <a:fillRef idx="0">
+            <a:schemeClr val="accent1"/>
+          </a:fillRef>
+          <a:effectRef idx="1">
+            <a:schemeClr val="accent1"/>
+          </a:effectRef>
+          <a:fontRef idx="minor">
+            <a:schemeClr val="tx1"/>
+          </a:fontRef>
+        </p:style>
+      </p:cxnSp>
+      <p:pic>
+        <p:nvPicPr>
+          <p:cNvPr id="1028" name="그래픽 1027" descr="사용자 단색으로 채워진">
+            <a:extLst>
+              <a:ext uri="{FF2B5EF4-FFF2-40B4-BE49-F238E27FC236}">
+                <a16:creationId xmlns:a16="http://schemas.microsoft.com/office/drawing/2014/main" id="{3FB281D3-EFD8-2FA3-C392-D355EDFC05A5}"/>
+              </a:ext>
+            </a:extLst>
+          </p:cNvPr>
+          <p:cNvPicPr>
+            <a:picLocks noChangeAspect="1"/>
+          </p:cNvPicPr>
+          <p:nvPr/>
+        </p:nvPicPr>
+        <p:blipFill>
+          <a:blip r:embed="rId10">
+            <a:extLst>
+              <a:ext uri="{96DAC541-7B7A-43D3-8B79-37D633B846F1}">
+                <asvg:svgBlip xmlns:asvg="http://schemas.microsoft.com/office/drawing/2016/SVG/main" r:embed="rId11"/>
+              </a:ext>
+            </a:extLst>
+          </a:blip>
+          <a:stretch>
+            <a:fillRect/>
+          </a:stretch>
+        </p:blipFill>
+        <p:spPr>
+          <a:xfrm>
+            <a:off x="11069435" y="3141147"/>
+            <a:ext cx="754027" cy="754027"/>
+          </a:xfrm>
+          <a:prstGeom prst="rect">
+            <a:avLst/>
+          </a:prstGeom>
+        </p:spPr>
+      </p:pic>
+      <p:pic>
+        <p:nvPicPr>
+          <p:cNvPr id="1029" name="그림 1028">
+            <a:extLst>
+              <a:ext uri="{FF2B5EF4-FFF2-40B4-BE49-F238E27FC236}">
+                <a16:creationId xmlns:a16="http://schemas.microsoft.com/office/drawing/2014/main" id="{08369F50-E6DD-FF20-DF53-6BDDF87A2396}"/>
+              </a:ext>
+            </a:extLst>
+          </p:cNvPr>
+          <p:cNvPicPr>
+            <a:picLocks noChangeAspect="1"/>
+          </p:cNvPicPr>
+          <p:nvPr/>
+        </p:nvPicPr>
+        <p:blipFill>
+          <a:blip r:embed="rId12"/>
+          <a:stretch>
+            <a:fillRect/>
+          </a:stretch>
+        </p:blipFill>
+        <p:spPr>
+          <a:xfrm>
+            <a:off x="10061669" y="3348696"/>
+            <a:ext cx="469400" cy="469400"/>
+          </a:xfrm>
+          <a:prstGeom prst="rect">
+            <a:avLst/>
+          </a:prstGeom>
+        </p:spPr>
+      </p:pic>
+      <p:sp>
+        <p:nvSpPr>
+          <p:cNvPr id="1030" name="제목 1">
+            <a:extLst>
+              <a:ext uri="{FF2B5EF4-FFF2-40B4-BE49-F238E27FC236}">
+                <a16:creationId xmlns:a16="http://schemas.microsoft.com/office/drawing/2014/main" id="{CA67B252-F70D-B006-88C1-917788068528}"/>
+              </a:ext>
+            </a:extLst>
+          </p:cNvPr>
+          <p:cNvSpPr txBox="1">
+            <a:spLocks/>
+          </p:cNvSpPr>
+          <p:nvPr/>
+        </p:nvSpPr>
+        <p:spPr>
+          <a:xfrm>
+            <a:off x="9808138" y="3818096"/>
+            <a:ext cx="967879" cy="267998"/>
+          </a:xfrm>
+          <a:prstGeom prst="rect">
+            <a:avLst/>
+          </a:prstGeom>
+        </p:spPr>
+        <p:txBody>
+          <a:bodyPr vert="horz" lIns="91440" tIns="45720" rIns="91440" bIns="45720" rtlCol="0" anchor="ctr">
+            <a:normAutofit/>
+          </a:bodyPr>
+          <a:lstStyle>
+            <a:lvl1pPr algn="l" defTabSz="914400" rtl="0" eaLnBrk="1" latinLnBrk="1" hangingPunct="1">
+              <a:lnSpc>
+                <a:spcPct val="90000"/>
+              </a:lnSpc>
+              <a:spcBef>
+                <a:spcPct val="0"/>
+              </a:spcBef>
+              <a:buNone/>
+              <a:defRPr sz="4400" kern="1200">
+                <a:solidFill>
+                  <a:schemeClr val="tx1"/>
+                </a:solidFill>
+                <a:latin typeface="+mj-lt"/>
+                <a:ea typeface="+mj-ea"/>
+                <a:cs typeface="+mj-cs"/>
+              </a:defRPr>
+            </a:lvl1pPr>
+          </a:lstStyle>
+          <a:p>
+            <a:pPr algn="ctr"/>
+            <a:r>
+              <a:rPr kumimoji="1" lang="en-US" altLang="ko-KR" sz="1100" b="1" dirty="0">
+                <a:latin typeface="KoPubWorldDotum Bold" pitchFamily="2" charset="-127"/>
+                <a:ea typeface="KoPubWorldDotum Bold" pitchFamily="2" charset="-127"/>
+                <a:cs typeface="KoPubWorldDotum Bold" pitchFamily="2" charset="-127"/>
+              </a:rPr>
+              <a:t>Route 53</a:t>
+            </a:r>
+            <a:endParaRPr kumimoji="1" lang="ko-KR" altLang="en-US" sz="1100" b="1" dirty="0">
+              <a:latin typeface="KoPubWorldDotum Bold" pitchFamily="2" charset="-127"/>
+              <a:ea typeface="KoPubWorldDotum Bold" pitchFamily="2" charset="-127"/>
+              <a:cs typeface="KoPubWorldDotum Bold" pitchFamily="2" charset="-127"/>
+            </a:endParaRPr>
+          </a:p>
+        </p:txBody>
+      </p:sp>
+      <p:sp>
+        <p:nvSpPr>
+          <p:cNvPr id="1031" name="처리 1030">
+            <a:extLst>
+              <a:ext uri="{FF2B5EF4-FFF2-40B4-BE49-F238E27FC236}">
+                <a16:creationId xmlns:a16="http://schemas.microsoft.com/office/drawing/2014/main" id="{2A0D295D-955E-0D47-9EE4-3E3C066AAF1B}"/>
+              </a:ext>
+            </a:extLst>
+          </p:cNvPr>
+          <p:cNvSpPr/>
+          <p:nvPr/>
+        </p:nvSpPr>
+        <p:spPr>
+          <a:xfrm>
+            <a:off x="7502416" y="3123937"/>
+            <a:ext cx="1203109" cy="243942"/>
+          </a:xfrm>
+          <a:prstGeom prst="flowChartProcess">
+            <a:avLst/>
+          </a:prstGeom>
+          <a:solidFill>
+            <a:schemeClr val="accent1"/>
+          </a:solidFill>
+          <a:ln>
+            <a:noFill/>
+          </a:ln>
+        </p:spPr>
+        <p:style>
+          <a:lnRef idx="2">
+            <a:schemeClr val="accent1">
+              <a:shade val="15000"/>
+            </a:schemeClr>
+          </a:lnRef>
+          <a:fillRef idx="1">
+            <a:schemeClr val="accent1"/>
+          </a:fillRef>
+          <a:effectRef idx="0">
+            <a:schemeClr val="accent1"/>
+          </a:effectRef>
+          <a:fontRef idx="minor">
+            <a:schemeClr val="lt1"/>
+          </a:fontRef>
+        </p:style>
+        <p:txBody>
+          <a:bodyPr rtlCol="0" anchor="ctr"/>
+          <a:lstStyle/>
+          <a:p>
+            <a:pPr algn="ctr"/>
+            <a:r>
+              <a:rPr kumimoji="1" lang="en-US" altLang="ko-KR" sz="1100" b="1" dirty="0" err="1">
+                <a:latin typeface="KoPubWorldDotum Bold" pitchFamily="2" charset="-127"/>
+                <a:ea typeface="KoPubWorldDotum Bold" pitchFamily="2" charset="-127"/>
+                <a:cs typeface="KoPubWorldDotum Bold" pitchFamily="2" charset="-127"/>
+              </a:rPr>
+              <a:t>Front.js</a:t>
+            </a:r>
+            <a:endParaRPr kumimoji="1" lang="ko-KR" altLang="en-US" sz="1100" b="1" dirty="0">
+              <a:latin typeface="KoPubWorldDotum Bold" pitchFamily="2" charset="-127"/>
+              <a:ea typeface="KoPubWorldDotum Bold" pitchFamily="2" charset="-127"/>
+              <a:cs typeface="KoPubWorldDotum Bold" pitchFamily="2" charset="-127"/>
+            </a:endParaRPr>
+          </a:p>
+        </p:txBody>
+      </p:sp>
+      <p:sp>
+        <p:nvSpPr>
+          <p:cNvPr id="1032" name="처리 1031">
+            <a:extLst>
+              <a:ext uri="{FF2B5EF4-FFF2-40B4-BE49-F238E27FC236}">
+                <a16:creationId xmlns:a16="http://schemas.microsoft.com/office/drawing/2014/main" id="{D8D87AA7-84EA-A07D-897E-A08643CDA3B9}"/>
+              </a:ext>
+            </a:extLst>
+          </p:cNvPr>
+          <p:cNvSpPr/>
+          <p:nvPr/>
+        </p:nvSpPr>
+        <p:spPr>
+          <a:xfrm>
+            <a:off x="7502416" y="3383903"/>
+            <a:ext cx="1203109" cy="243942"/>
+          </a:xfrm>
+          <a:prstGeom prst="flowChartProcess">
+            <a:avLst/>
+          </a:prstGeom>
+          <a:solidFill>
+            <a:schemeClr val="accent1"/>
+          </a:solidFill>
+          <a:ln>
+            <a:noFill/>
+          </a:ln>
+        </p:spPr>
+        <p:style>
+          <a:lnRef idx="2">
+            <a:schemeClr val="accent1">
+              <a:shade val="15000"/>
+            </a:schemeClr>
+          </a:lnRef>
+          <a:fillRef idx="1">
+            <a:schemeClr val="accent1"/>
+          </a:fillRef>
+          <a:effectRef idx="0">
+            <a:schemeClr val="accent1"/>
+          </a:effectRef>
+          <a:fontRef idx="minor">
+            <a:schemeClr val="lt1"/>
+          </a:fontRef>
+        </p:style>
+        <p:txBody>
+          <a:bodyPr rtlCol="0" anchor="ctr"/>
+          <a:lstStyle/>
+          <a:p>
+            <a:pPr algn="ctr"/>
+            <a:r>
+              <a:rPr kumimoji="1" lang="en-US" altLang="ko-KR" sz="1100" b="1" dirty="0" err="1">
+                <a:latin typeface="KoPubWorldDotum Bold" pitchFamily="2" charset="-127"/>
+                <a:ea typeface="KoPubWorldDotum Bold" pitchFamily="2" charset="-127"/>
+                <a:cs typeface="KoPubWorldDotum Bold" pitchFamily="2" charset="-127"/>
+              </a:rPr>
+              <a:t>Front.html</a:t>
+            </a:r>
+            <a:endParaRPr kumimoji="1" lang="ko-KR" altLang="en-US" sz="1100" b="1" dirty="0">
+              <a:latin typeface="KoPubWorldDotum Bold" pitchFamily="2" charset="-127"/>
+              <a:ea typeface="KoPubWorldDotum Bold" pitchFamily="2" charset="-127"/>
+              <a:cs typeface="KoPubWorldDotum Bold" pitchFamily="2" charset="-127"/>
+            </a:endParaRPr>
+          </a:p>
+        </p:txBody>
+      </p:sp>
+      <p:sp>
+        <p:nvSpPr>
+          <p:cNvPr id="1033" name="처리 1032">
+            <a:extLst>
+              <a:ext uri="{FF2B5EF4-FFF2-40B4-BE49-F238E27FC236}">
+                <a16:creationId xmlns:a16="http://schemas.microsoft.com/office/drawing/2014/main" id="{DF1F1EA4-DC94-586B-7021-4B6141519D59}"/>
+              </a:ext>
+            </a:extLst>
+          </p:cNvPr>
+          <p:cNvSpPr/>
+          <p:nvPr/>
+        </p:nvSpPr>
+        <p:spPr>
+          <a:xfrm>
+            <a:off x="7502416" y="3646731"/>
+            <a:ext cx="1203109" cy="243942"/>
+          </a:xfrm>
+          <a:prstGeom prst="flowChartProcess">
+            <a:avLst/>
+          </a:prstGeom>
+          <a:solidFill>
+            <a:schemeClr val="accent1"/>
+          </a:solidFill>
+          <a:ln>
+            <a:noFill/>
+          </a:ln>
+        </p:spPr>
+        <p:style>
+          <a:lnRef idx="2">
+            <a:schemeClr val="accent1">
+              <a:shade val="15000"/>
+            </a:schemeClr>
+          </a:lnRef>
+          <a:fillRef idx="1">
+            <a:schemeClr val="accent1"/>
+          </a:fillRef>
+          <a:effectRef idx="0">
+            <a:schemeClr val="accent1"/>
+          </a:effectRef>
+          <a:fontRef idx="minor">
+            <a:schemeClr val="lt1"/>
+          </a:fontRef>
+        </p:style>
+        <p:txBody>
+          <a:bodyPr rtlCol="0" anchor="ctr"/>
+          <a:lstStyle/>
+          <a:p>
+            <a:pPr algn="ctr"/>
+            <a:r>
+              <a:rPr kumimoji="1" lang="en-US" altLang="ko-KR" sz="1100" b="1" dirty="0" err="1">
+                <a:latin typeface="KoPubWorldDotum Bold" pitchFamily="2" charset="-127"/>
+                <a:ea typeface="KoPubWorldDotum Bold" pitchFamily="2" charset="-127"/>
+                <a:cs typeface="KoPubWorldDotum Bold" pitchFamily="2" charset="-127"/>
+              </a:rPr>
+              <a:t>Front.css</a:t>
+            </a:r>
+            <a:endParaRPr kumimoji="1" lang="ko-KR" altLang="en-US" sz="1100" b="1" dirty="0">
+              <a:latin typeface="KoPubWorldDotum Bold" pitchFamily="2" charset="-127"/>
+              <a:ea typeface="KoPubWorldDotum Bold" pitchFamily="2" charset="-127"/>
+              <a:cs typeface="KoPubWorldDotum Bold" pitchFamily="2" charset="-127"/>
+            </a:endParaRPr>
+          </a:p>
+        </p:txBody>
+      </p:sp>
+      <p:sp>
+        <p:nvSpPr>
+          <p:cNvPr id="1036" name="제목 1">
+            <a:extLst>
+              <a:ext uri="{FF2B5EF4-FFF2-40B4-BE49-F238E27FC236}">
+                <a16:creationId xmlns:a16="http://schemas.microsoft.com/office/drawing/2014/main" id="{DECEBB0D-FB32-ACAA-CBB4-F40844155831}"/>
+              </a:ext>
+            </a:extLst>
+          </p:cNvPr>
+          <p:cNvSpPr txBox="1">
+            <a:spLocks/>
+          </p:cNvSpPr>
+          <p:nvPr/>
+        </p:nvSpPr>
+        <p:spPr>
+          <a:xfrm>
+            <a:off x="5451168" y="3869287"/>
+            <a:ext cx="967879" cy="267998"/>
+          </a:xfrm>
+          <a:prstGeom prst="rect">
+            <a:avLst/>
+          </a:prstGeom>
+        </p:spPr>
+        <p:txBody>
+          <a:bodyPr vert="horz" lIns="91440" tIns="45720" rIns="91440" bIns="45720" rtlCol="0" anchor="ctr">
+            <a:normAutofit fontScale="92500"/>
+          </a:bodyPr>
+          <a:lstStyle>
+            <a:lvl1pPr algn="l" defTabSz="914400" rtl="0" eaLnBrk="1" latinLnBrk="1" hangingPunct="1">
+              <a:lnSpc>
+                <a:spcPct val="90000"/>
+              </a:lnSpc>
+              <a:spcBef>
+                <a:spcPct val="0"/>
+              </a:spcBef>
+              <a:buNone/>
+              <a:defRPr sz="4400" kern="1200">
+                <a:solidFill>
+                  <a:schemeClr val="tx1"/>
+                </a:solidFill>
+                <a:latin typeface="+mj-lt"/>
+                <a:ea typeface="+mj-ea"/>
+                <a:cs typeface="+mj-cs"/>
+              </a:defRPr>
+            </a:lvl1pPr>
+          </a:lstStyle>
+          <a:p>
+            <a:pPr algn="ctr"/>
+            <a:r>
+              <a:rPr kumimoji="1" lang="en-US" altLang="ko-KR" sz="1100" b="1" dirty="0">
+                <a:latin typeface="KoPubWorldDotum Bold" pitchFamily="2" charset="-127"/>
+                <a:ea typeface="KoPubWorldDotum Bold" pitchFamily="2" charset="-127"/>
+                <a:cs typeface="KoPubWorldDotum Bold" pitchFamily="2" charset="-127"/>
+              </a:rPr>
+              <a:t>API Gateway</a:t>
+            </a:r>
+            <a:endParaRPr kumimoji="1" lang="ko-KR" altLang="en-US" sz="1100" b="1" dirty="0">
+              <a:latin typeface="KoPubWorldDotum Bold" pitchFamily="2" charset="-127"/>
+              <a:ea typeface="KoPubWorldDotum Bold" pitchFamily="2" charset="-127"/>
+              <a:cs typeface="KoPubWorldDotum Bold" pitchFamily="2" charset="-127"/>
+            </a:endParaRPr>
+          </a:p>
+        </p:txBody>
+      </p:sp>
+      <p:sp>
+        <p:nvSpPr>
+          <p:cNvPr id="1037" name="제목 1">
+            <a:extLst>
+              <a:ext uri="{FF2B5EF4-FFF2-40B4-BE49-F238E27FC236}">
+                <a16:creationId xmlns:a16="http://schemas.microsoft.com/office/drawing/2014/main" id="{A24606E0-9599-9161-3A30-74861633520E}"/>
+              </a:ext>
+            </a:extLst>
+          </p:cNvPr>
+          <p:cNvSpPr txBox="1">
+            <a:spLocks/>
+          </p:cNvSpPr>
+          <p:nvPr/>
+        </p:nvSpPr>
+        <p:spPr>
+          <a:xfrm>
+            <a:off x="4528538" y="3862660"/>
+            <a:ext cx="967879" cy="267998"/>
+          </a:xfrm>
+          <a:prstGeom prst="rect">
+            <a:avLst/>
+          </a:prstGeom>
+        </p:spPr>
+        <p:txBody>
+          <a:bodyPr vert="horz" lIns="91440" tIns="45720" rIns="91440" bIns="45720" rtlCol="0" anchor="ctr">
+            <a:normAutofit/>
+          </a:bodyPr>
+          <a:lstStyle>
+            <a:lvl1pPr algn="l" defTabSz="914400" rtl="0" eaLnBrk="1" latinLnBrk="1" hangingPunct="1">
+              <a:lnSpc>
+                <a:spcPct val="90000"/>
+              </a:lnSpc>
+              <a:spcBef>
+                <a:spcPct val="0"/>
+              </a:spcBef>
+              <a:buNone/>
+              <a:defRPr sz="4400" kern="1200">
+                <a:solidFill>
+                  <a:schemeClr val="tx1"/>
+                </a:solidFill>
+                <a:latin typeface="+mj-lt"/>
+                <a:ea typeface="+mj-ea"/>
+                <a:cs typeface="+mj-cs"/>
+              </a:defRPr>
+            </a:lvl1pPr>
+          </a:lstStyle>
+          <a:p>
+            <a:pPr algn="ctr"/>
+            <a:r>
+              <a:rPr kumimoji="1" lang="en-US" altLang="ko-KR" sz="1100" b="1" dirty="0" err="1">
+                <a:latin typeface="KoPubWorldDotum Bold" pitchFamily="2" charset="-127"/>
+                <a:ea typeface="KoPubWorldDotum Bold" pitchFamily="2" charset="-127"/>
+                <a:cs typeface="KoPubWorldDotum Bold" pitchFamily="2" charset="-127"/>
+              </a:rPr>
+              <a:t>Cloudwatch</a:t>
+            </a:r>
+            <a:endParaRPr kumimoji="1" lang="ko-KR" altLang="en-US" sz="1100" b="1" dirty="0">
+              <a:latin typeface="KoPubWorldDotum Bold" pitchFamily="2" charset="-127"/>
+              <a:ea typeface="KoPubWorldDotum Bold" pitchFamily="2" charset="-127"/>
+              <a:cs typeface="KoPubWorldDotum Bold" pitchFamily="2" charset="-127"/>
+            </a:endParaRPr>
+          </a:p>
+        </p:txBody>
+      </p:sp>
+    </p:spTree>
+    <p:extLst>
+      <p:ext uri="{BB962C8B-B14F-4D97-AF65-F5344CB8AC3E}">
+        <p14:creationId xmlns:p14="http://schemas.microsoft.com/office/powerpoint/2010/main" val="63131358"/>
+      </p:ext>
+    </p:extLst>
+  </p:cSld>
+  <p:clrMapOvr>
+    <a:masterClrMapping/>
+  </p:clrMapOvr>
+</p:sld>
+</file>
+
+<file path=ppt/slides/slide8.xml><?xml version="1.0" encoding="utf-8"?>
+<p:sld xmlns:a="http://schemas.openxmlformats.org/drawingml/2006/main" xmlns:r="http://schemas.openxmlformats.org/officeDocument/2006/relationships" xmlns:p="http://schemas.openxmlformats.org/presentationml/2006/main">
+  <p:cSld>
+    <p:spTree>
+      <p:nvGrpSpPr>
+        <p:cNvPr id="1" name=""/>
+        <p:cNvGrpSpPr/>
+        <p:nvPr/>
+      </p:nvGrpSpPr>
+      <p:grpSpPr>
+        <a:xfrm>
+          <a:off x="0" y="0"/>
+          <a:ext cx="0" cy="0"/>
+          <a:chOff x="0" y="0"/>
+          <a:chExt cx="0" cy="0"/>
+        </a:xfrm>
+      </p:grpSpPr>
+      <p:sp>
+        <p:nvSpPr>
+          <p:cNvPr id="49" name="직사각형 48">
+            <a:extLst>
+              <a:ext uri="{FF2B5EF4-FFF2-40B4-BE49-F238E27FC236}">
+                <a16:creationId xmlns:a16="http://schemas.microsoft.com/office/drawing/2014/main" id="{4004D496-165C-A205-931C-6241828D9318}"/>
+              </a:ext>
+            </a:extLst>
+          </p:cNvPr>
+          <p:cNvSpPr/>
+          <p:nvPr/>
+        </p:nvSpPr>
+        <p:spPr>
+          <a:xfrm>
+            <a:off x="5510807" y="2336799"/>
+            <a:ext cx="5450364" cy="2965493"/>
+          </a:xfrm>
+          <a:prstGeom prst="rect">
+            <a:avLst/>
+          </a:prstGeom>
+          <a:solidFill>
+            <a:schemeClr val="tx2">
+              <a:lumMod val="10000"/>
+              <a:lumOff val="90000"/>
+            </a:schemeClr>
+          </a:solidFill>
+          <a:ln>
+            <a:noFill/>
+          </a:ln>
+        </p:spPr>
+        <p:style>
+          <a:lnRef idx="2">
+            <a:schemeClr val="accent1">
+              <a:shade val="15000"/>
+            </a:schemeClr>
+          </a:lnRef>
+          <a:fillRef idx="1">
+            <a:schemeClr val="accent1"/>
+          </a:fillRef>
+          <a:effectRef idx="0">
+            <a:schemeClr val="accent1"/>
+          </a:effectRef>
+          <a:fontRef idx="minor">
+            <a:schemeClr val="lt1"/>
+          </a:fontRef>
+        </p:style>
+        <p:txBody>
+          <a:bodyPr rtlCol="0" anchor="ctr"/>
+          <a:lstStyle/>
+          <a:p>
+            <a:pPr algn="ctr"/>
+            <a:endParaRPr kumimoji="1" lang="ko-KR" altLang="en-US"/>
+          </a:p>
+        </p:txBody>
+      </p:sp>
+      <p:sp>
+        <p:nvSpPr>
+          <p:cNvPr id="50" name="직사각형 49">
+            <a:extLst>
+              <a:ext uri="{FF2B5EF4-FFF2-40B4-BE49-F238E27FC236}">
+                <a16:creationId xmlns:a16="http://schemas.microsoft.com/office/drawing/2014/main" id="{FA63EB88-6297-8C1E-239F-6C0B4E3A029D}"/>
+              </a:ext>
+            </a:extLst>
+          </p:cNvPr>
+          <p:cNvSpPr/>
+          <p:nvPr/>
+        </p:nvSpPr>
+        <p:spPr>
+          <a:xfrm>
+            <a:off x="486534" y="2336801"/>
+            <a:ext cx="5023559" cy="2965492"/>
+          </a:xfrm>
+          <a:prstGeom prst="rect">
+            <a:avLst/>
+          </a:prstGeom>
+          <a:solidFill>
+            <a:schemeClr val="accent2">
+              <a:lumMod val="20000"/>
+              <a:lumOff val="80000"/>
+            </a:schemeClr>
+          </a:solidFill>
+          <a:ln>
+            <a:noFill/>
+          </a:ln>
+        </p:spPr>
+        <p:style>
+          <a:lnRef idx="2">
+            <a:schemeClr val="accent1">
+              <a:shade val="15000"/>
+            </a:schemeClr>
+          </a:lnRef>
+          <a:fillRef idx="1">
+            <a:schemeClr val="accent1"/>
+          </a:fillRef>
+          <a:effectRef idx="0">
+            <a:schemeClr val="accent1"/>
+          </a:effectRef>
+          <a:fontRef idx="minor">
+            <a:schemeClr val="lt1"/>
+          </a:fontRef>
+        </p:style>
+        <p:txBody>
+          <a:bodyPr rtlCol="0" anchor="ctr"/>
+          <a:lstStyle/>
+          <a:p>
+            <a:pPr algn="ctr"/>
+            <a:endParaRPr kumimoji="1" lang="ko-KR" altLang="en-US"/>
+          </a:p>
+        </p:txBody>
+      </p:sp>
+      <p:pic>
+        <p:nvPicPr>
+          <p:cNvPr id="1026" name="Picture 2" descr="Amazon Bedrock Connector - Overview (O11) | OutSystems">
+            <a:extLst>
+              <a:ext uri="{FF2B5EF4-FFF2-40B4-BE49-F238E27FC236}">
+                <a16:creationId xmlns:a16="http://schemas.microsoft.com/office/drawing/2014/main" id="{6DA16296-BD32-D7F0-01D5-6C09271FAC81}"/>
+              </a:ext>
+            </a:extLst>
+          </p:cNvPr>
+          <p:cNvPicPr>
+            <a:picLocks noChangeAspect="1" noChangeArrowheads="1"/>
+          </p:cNvPicPr>
+          <p:nvPr/>
+        </p:nvPicPr>
+        <p:blipFill>
+          <a:blip r:embed="rId2">
+            <a:extLst>
+              <a:ext uri="{28A0092B-C50C-407E-A947-70E740481C1C}">
+                <a14:useLocalDpi xmlns:a14="http://schemas.microsoft.com/office/drawing/2010/main" val="0"/>
+              </a:ext>
+            </a:extLst>
+          </a:blip>
+          <a:srcRect/>
+          <a:stretch>
+            <a:fillRect/>
+          </a:stretch>
+        </p:blipFill>
+        <p:spPr bwMode="auto">
+          <a:xfrm>
+            <a:off x="1976960" y="3379062"/>
+            <a:ext cx="465430" cy="465430"/>
+          </a:xfrm>
+          <a:prstGeom prst="rect">
+            <a:avLst/>
+          </a:prstGeom>
+          <a:noFill/>
+          <a:extLst>
+            <a:ext uri="{909E8E84-426E-40DD-AFC4-6F175D3DCCD1}">
+              <a14:hiddenFill xmlns:a14="http://schemas.microsoft.com/office/drawing/2010/main">
+                <a:solidFill>
+                  <a:srgbClr val="FFFFFF"/>
+                </a:solidFill>
+              </a14:hiddenFill>
+            </a:ext>
+          </a:extLst>
+        </p:spPr>
+      </p:pic>
+      <p:sp>
+        <p:nvSpPr>
+          <p:cNvPr id="4" name="제목 1">
+            <a:extLst>
+              <a:ext uri="{FF2B5EF4-FFF2-40B4-BE49-F238E27FC236}">
+                <a16:creationId xmlns:a16="http://schemas.microsoft.com/office/drawing/2014/main" id="{6B3A304C-BFF1-2B0E-6D04-E3EBC01A9BD6}"/>
+              </a:ext>
+            </a:extLst>
+          </p:cNvPr>
+          <p:cNvSpPr txBox="1">
+            <a:spLocks/>
+          </p:cNvSpPr>
+          <p:nvPr/>
+        </p:nvSpPr>
+        <p:spPr>
+          <a:xfrm>
+            <a:off x="1840074" y="3829937"/>
+            <a:ext cx="739201" cy="267998"/>
+          </a:xfrm>
+          <a:prstGeom prst="rect">
+            <a:avLst/>
+          </a:prstGeom>
+        </p:spPr>
+        <p:txBody>
+          <a:bodyPr vert="horz" lIns="91440" tIns="45720" rIns="91440" bIns="45720" rtlCol="0" anchor="ctr">
+            <a:normAutofit/>
+          </a:bodyPr>
+          <a:lstStyle>
+            <a:lvl1pPr algn="l" defTabSz="914400" rtl="0" eaLnBrk="1" latinLnBrk="1" hangingPunct="1">
+              <a:lnSpc>
+                <a:spcPct val="90000"/>
+              </a:lnSpc>
+              <a:spcBef>
+                <a:spcPct val="0"/>
+              </a:spcBef>
+              <a:buNone/>
+              <a:defRPr sz="4400" kern="1200">
+                <a:solidFill>
+                  <a:schemeClr val="tx1"/>
+                </a:solidFill>
+                <a:latin typeface="+mj-lt"/>
+                <a:ea typeface="+mj-ea"/>
+                <a:cs typeface="+mj-cs"/>
+              </a:defRPr>
+            </a:lvl1pPr>
+          </a:lstStyle>
+          <a:p>
+            <a:pPr algn="ctr"/>
+            <a:r>
+              <a:rPr kumimoji="1" lang="en-US" altLang="ko-KR" sz="1100" b="1" dirty="0">
+                <a:latin typeface="KoPubWorldDotum Bold" pitchFamily="2" charset="-127"/>
+                <a:ea typeface="KoPubWorldDotum Bold" pitchFamily="2" charset="-127"/>
+                <a:cs typeface="KoPubWorldDotum Bold" pitchFamily="2" charset="-127"/>
+              </a:rPr>
+              <a:t>Bedrock</a:t>
+            </a:r>
+            <a:endParaRPr kumimoji="1" lang="ko-KR" altLang="en-US" sz="1100" b="1" dirty="0">
+              <a:latin typeface="KoPubWorldDotum Bold" pitchFamily="2" charset="-127"/>
+              <a:ea typeface="KoPubWorldDotum Bold" pitchFamily="2" charset="-127"/>
+              <a:cs typeface="KoPubWorldDotum Bold" pitchFamily="2" charset="-127"/>
+            </a:endParaRPr>
+          </a:p>
+        </p:txBody>
+      </p:sp>
+      <p:cxnSp>
+        <p:nvCxnSpPr>
+          <p:cNvPr id="9" name="직선 화살표 연결선 8">
+            <a:extLst>
+              <a:ext uri="{FF2B5EF4-FFF2-40B4-BE49-F238E27FC236}">
+                <a16:creationId xmlns:a16="http://schemas.microsoft.com/office/drawing/2014/main" id="{63F375FA-A27A-6ED8-2450-14C70EA8598F}"/>
+              </a:ext>
+            </a:extLst>
+          </p:cNvPr>
+          <p:cNvCxnSpPr>
+            <a:cxnSpLocks/>
+            <a:endCxn id="1026" idx="3"/>
+          </p:cNvCxnSpPr>
+          <p:nvPr/>
+        </p:nvCxnSpPr>
+        <p:spPr>
+          <a:xfrm flipH="1">
+            <a:off x="2442390" y="3597587"/>
+            <a:ext cx="647704" cy="14190"/>
+          </a:xfrm>
+          <a:prstGeom prst="straightConnector1">
+            <a:avLst/>
+          </a:prstGeom>
+          <a:ln>
+            <a:headEnd type="none" w="med" len="med"/>
+            <a:tailEnd type="none" w="med" len="med"/>
+          </a:ln>
+        </p:spPr>
+        <p:style>
+          <a:lnRef idx="2">
+            <a:schemeClr val="accent1"/>
+          </a:lnRef>
+          <a:fillRef idx="0">
+            <a:schemeClr val="accent1"/>
+          </a:fillRef>
+          <a:effectRef idx="1">
+            <a:schemeClr val="accent1"/>
+          </a:effectRef>
+          <a:fontRef idx="minor">
+            <a:schemeClr val="tx1"/>
+          </a:fontRef>
+        </p:style>
+      </p:cxnSp>
+      <p:cxnSp>
+        <p:nvCxnSpPr>
+          <p:cNvPr id="21" name="직선 화살표 연결선 20">
+            <a:extLst>
+              <a:ext uri="{FF2B5EF4-FFF2-40B4-BE49-F238E27FC236}">
+                <a16:creationId xmlns:a16="http://schemas.microsoft.com/office/drawing/2014/main" id="{8E155C8E-EF80-A08C-48C3-C23C7C6EF776}"/>
+              </a:ext>
+            </a:extLst>
+          </p:cNvPr>
+          <p:cNvCxnSpPr>
+            <a:cxnSpLocks/>
+            <a:endCxn id="51" idx="3"/>
+          </p:cNvCxnSpPr>
+          <p:nvPr/>
+        </p:nvCxnSpPr>
+        <p:spPr>
+          <a:xfrm flipH="1">
+            <a:off x="4293203" y="3584145"/>
+            <a:ext cx="3047776" cy="13442"/>
+          </a:xfrm>
+          <a:prstGeom prst="straightConnector1">
+            <a:avLst/>
+          </a:prstGeom>
+          <a:ln>
+            <a:headEnd type="none" w="med" len="med"/>
+            <a:tailEnd type="none" w="med" len="med"/>
+          </a:ln>
+        </p:spPr>
+        <p:style>
+          <a:lnRef idx="2">
+            <a:schemeClr val="accent1"/>
+          </a:lnRef>
+          <a:fillRef idx="0">
+            <a:schemeClr val="accent1"/>
+          </a:fillRef>
+          <a:effectRef idx="1">
+            <a:schemeClr val="accent1"/>
+          </a:effectRef>
+          <a:fontRef idx="minor">
+            <a:schemeClr val="tx1"/>
+          </a:fontRef>
+        </p:style>
+      </p:cxnSp>
+      <p:sp>
+        <p:nvSpPr>
+          <p:cNvPr id="8" name="제목 1">
+            <a:extLst>
+              <a:ext uri="{FF2B5EF4-FFF2-40B4-BE49-F238E27FC236}">
+                <a16:creationId xmlns:a16="http://schemas.microsoft.com/office/drawing/2014/main" id="{7CB821EA-A35B-3E71-C9DD-00E24904DF39}"/>
+              </a:ext>
+            </a:extLst>
+          </p:cNvPr>
+          <p:cNvSpPr txBox="1">
+            <a:spLocks/>
+          </p:cNvSpPr>
+          <p:nvPr/>
+        </p:nvSpPr>
+        <p:spPr>
+          <a:xfrm>
+            <a:off x="606663" y="3862660"/>
+            <a:ext cx="1206609" cy="267998"/>
+          </a:xfrm>
+          <a:prstGeom prst="rect">
+            <a:avLst/>
+          </a:prstGeom>
+        </p:spPr>
+        <p:txBody>
+          <a:bodyPr vert="horz" lIns="91440" tIns="45720" rIns="91440" bIns="45720" rtlCol="0" anchor="ctr">
+            <a:normAutofit fontScale="92500"/>
+          </a:bodyPr>
+          <a:lstStyle>
+            <a:lvl1pPr algn="l" defTabSz="914400" rtl="0" eaLnBrk="1" latinLnBrk="1" hangingPunct="1">
+              <a:lnSpc>
+                <a:spcPct val="90000"/>
+              </a:lnSpc>
+              <a:spcBef>
+                <a:spcPct val="0"/>
+              </a:spcBef>
+              <a:buNone/>
+              <a:defRPr sz="4400" kern="1200">
+                <a:solidFill>
+                  <a:schemeClr val="tx1"/>
+                </a:solidFill>
+                <a:latin typeface="+mj-lt"/>
+                <a:ea typeface="+mj-ea"/>
+                <a:cs typeface="+mj-cs"/>
+              </a:defRPr>
+            </a:lvl1pPr>
+          </a:lstStyle>
+          <a:p>
+            <a:pPr algn="ctr"/>
+            <a:r>
+              <a:rPr kumimoji="1" lang="en-US" altLang="ko-KR" sz="1100" b="1" dirty="0">
+                <a:latin typeface="KoPubWorldDotum Bold" pitchFamily="2" charset="-127"/>
+                <a:ea typeface="KoPubWorldDotum Bold" pitchFamily="2" charset="-127"/>
+                <a:cs typeface="KoPubWorldDotum Bold" pitchFamily="2" charset="-127"/>
+              </a:rPr>
+              <a:t>Claude 3 Sonnet</a:t>
+            </a:r>
+            <a:endParaRPr kumimoji="1" lang="ko-KR" altLang="en-US" sz="1100" b="1" dirty="0">
+              <a:latin typeface="KoPubWorldDotum Bold" pitchFamily="2" charset="-127"/>
+              <a:ea typeface="KoPubWorldDotum Bold" pitchFamily="2" charset="-127"/>
+              <a:cs typeface="KoPubWorldDotum Bold" pitchFamily="2" charset="-127"/>
+            </a:endParaRPr>
+          </a:p>
+        </p:txBody>
+      </p:sp>
+      <p:cxnSp>
+        <p:nvCxnSpPr>
+          <p:cNvPr id="10" name="직선 화살표 연결선 9">
+            <a:extLst>
+              <a:ext uri="{FF2B5EF4-FFF2-40B4-BE49-F238E27FC236}">
+                <a16:creationId xmlns:a16="http://schemas.microsoft.com/office/drawing/2014/main" id="{34C6F30D-1D00-1EFC-D3FA-EA475CB610D4}"/>
+              </a:ext>
+            </a:extLst>
+          </p:cNvPr>
+          <p:cNvCxnSpPr>
+            <a:cxnSpLocks/>
+            <a:stCxn id="1026" idx="1"/>
+          </p:cNvCxnSpPr>
+          <p:nvPr/>
+        </p:nvCxnSpPr>
+        <p:spPr>
+          <a:xfrm flipH="1">
+            <a:off x="1463248" y="3611777"/>
+            <a:ext cx="513712" cy="7056"/>
+          </a:xfrm>
+          <a:prstGeom prst="straightConnector1">
+            <a:avLst/>
+          </a:prstGeom>
+          <a:ln>
+            <a:headEnd type="none" w="med" len="med"/>
+            <a:tailEnd type="none" w="med" len="med"/>
+          </a:ln>
+        </p:spPr>
+        <p:style>
+          <a:lnRef idx="2">
+            <a:schemeClr val="accent1"/>
+          </a:lnRef>
+          <a:fillRef idx="0">
+            <a:schemeClr val="accent1"/>
+          </a:fillRef>
+          <a:effectRef idx="1">
+            <a:schemeClr val="accent1"/>
+          </a:effectRef>
+          <a:fontRef idx="minor">
+            <a:schemeClr val="tx1"/>
+          </a:fontRef>
+        </p:style>
+      </p:cxnSp>
+      <p:pic>
+        <p:nvPicPr>
+          <p:cNvPr id="13" name="Picture 2" descr="The AI wars heat up with Claude 3, claimed to have “near-human” abilities |  Ars Technica">
+            <a:extLst>
+              <a:ext uri="{FF2B5EF4-FFF2-40B4-BE49-F238E27FC236}">
+                <a16:creationId xmlns:a16="http://schemas.microsoft.com/office/drawing/2014/main" id="{9106017E-A991-4292-85EB-1286A8B1B55F}"/>
+              </a:ext>
+            </a:extLst>
+          </p:cNvPr>
+          <p:cNvPicPr>
+            <a:picLocks noChangeAspect="1" noChangeArrowheads="1"/>
+          </p:cNvPicPr>
+          <p:nvPr/>
+        </p:nvPicPr>
+        <p:blipFill rotWithShape="1">
+          <a:blip r:embed="rId3">
+            <a:extLst>
+              <a:ext uri="{28A0092B-C50C-407E-A947-70E740481C1C}">
+                <a14:useLocalDpi xmlns:a14="http://schemas.microsoft.com/office/drawing/2010/main" val="0"/>
+              </a:ext>
+            </a:extLst>
+          </a:blip>
+          <a:srcRect l="28567" t="10984" r="29591" b="14630"/>
+          <a:stretch/>
+        </p:blipFill>
+        <p:spPr bwMode="auto">
+          <a:xfrm>
+            <a:off x="1018257" y="3391256"/>
+            <a:ext cx="465430" cy="465430"/>
+          </a:xfrm>
+          <a:prstGeom prst="rect">
+            <a:avLst/>
+          </a:prstGeom>
+          <a:noFill/>
+          <a:extLst>
+            <a:ext uri="{909E8E84-426E-40DD-AFC4-6F175D3DCCD1}">
+              <a14:hiddenFill xmlns:a14="http://schemas.microsoft.com/office/drawing/2010/main">
+                <a:solidFill>
+                  <a:srgbClr val="FFFFFF"/>
+                </a:solidFill>
+              </a14:hiddenFill>
+            </a:ext>
+          </a:extLst>
+        </p:spPr>
+      </p:pic>
+      <p:pic>
+        <p:nvPicPr>
+          <p:cNvPr id="3" name="Picture 2" descr="Amazon Bedrock Connector - Overview (O11) | OutSystems">
+            <a:extLst>
+              <a:ext uri="{FF2B5EF4-FFF2-40B4-BE49-F238E27FC236}">
+                <a16:creationId xmlns:a16="http://schemas.microsoft.com/office/drawing/2014/main" id="{0CC4E556-84F1-E509-8785-5CDBC5B57903}"/>
+              </a:ext>
+            </a:extLst>
+          </p:cNvPr>
+          <p:cNvPicPr>
+            <a:picLocks noChangeAspect="1" noChangeArrowheads="1"/>
+          </p:cNvPicPr>
+          <p:nvPr/>
+        </p:nvPicPr>
+        <p:blipFill>
+          <a:blip r:embed="rId2">
+            <a:extLst>
+              <a:ext uri="{28A0092B-C50C-407E-A947-70E740481C1C}">
+                <a14:useLocalDpi xmlns:a14="http://schemas.microsoft.com/office/drawing/2010/main" val="0"/>
+              </a:ext>
+            </a:extLst>
+          </a:blip>
+          <a:srcRect/>
+          <a:stretch>
+            <a:fillRect/>
+          </a:stretch>
+        </p:blipFill>
+        <p:spPr bwMode="auto">
+          <a:xfrm>
+            <a:off x="1511530" y="4276532"/>
+            <a:ext cx="465430" cy="465430"/>
+          </a:xfrm>
+          <a:prstGeom prst="rect">
+            <a:avLst/>
+          </a:prstGeom>
+          <a:noFill/>
+          <a:extLst>
+            <a:ext uri="{909E8E84-426E-40DD-AFC4-6F175D3DCCD1}">
+              <a14:hiddenFill xmlns:a14="http://schemas.microsoft.com/office/drawing/2010/main">
+                <a:solidFill>
+                  <a:srgbClr val="FFFFFF"/>
+                </a:solidFill>
+              </a14:hiddenFill>
+            </a:ext>
+          </a:extLst>
+        </p:spPr>
+      </p:pic>
+      <p:sp>
+        <p:nvSpPr>
+          <p:cNvPr id="6" name="제목 1">
+            <a:extLst>
+              <a:ext uri="{FF2B5EF4-FFF2-40B4-BE49-F238E27FC236}">
+                <a16:creationId xmlns:a16="http://schemas.microsoft.com/office/drawing/2014/main" id="{E3E7097A-D899-57F0-AA84-4CA445238B28}"/>
+              </a:ext>
+            </a:extLst>
+          </p:cNvPr>
+          <p:cNvSpPr txBox="1">
+            <a:spLocks/>
+          </p:cNvSpPr>
+          <p:nvPr/>
+        </p:nvSpPr>
+        <p:spPr>
+          <a:xfrm>
+            <a:off x="1140940" y="4737333"/>
+            <a:ext cx="1206609" cy="267998"/>
+          </a:xfrm>
+          <a:prstGeom prst="rect">
+            <a:avLst/>
+          </a:prstGeom>
+        </p:spPr>
+        <p:txBody>
+          <a:bodyPr vert="horz" lIns="91440" tIns="45720" rIns="91440" bIns="45720" rtlCol="0" anchor="ctr">
+            <a:normAutofit/>
+          </a:bodyPr>
+          <a:lstStyle>
+            <a:lvl1pPr algn="l" defTabSz="914400" rtl="0" eaLnBrk="1" latinLnBrk="1" hangingPunct="1">
+              <a:lnSpc>
+                <a:spcPct val="90000"/>
+              </a:lnSpc>
+              <a:spcBef>
+                <a:spcPct val="0"/>
+              </a:spcBef>
+              <a:buNone/>
+              <a:defRPr sz="4400" kern="1200">
+                <a:solidFill>
+                  <a:schemeClr val="tx1"/>
+                </a:solidFill>
+                <a:latin typeface="+mj-lt"/>
+                <a:ea typeface="+mj-ea"/>
+                <a:cs typeface="+mj-cs"/>
+              </a:defRPr>
+            </a:lvl1pPr>
+          </a:lstStyle>
+          <a:p>
+            <a:pPr algn="ctr"/>
+            <a:r>
+              <a:rPr kumimoji="1" lang="en-US" altLang="ko-KR" sz="1100" b="1" dirty="0">
+                <a:latin typeface="KoPubWorldDotum Bold" pitchFamily="2" charset="-127"/>
+                <a:ea typeface="KoPubWorldDotum Bold" pitchFamily="2" charset="-127"/>
+                <a:cs typeface="KoPubWorldDotum Bold" pitchFamily="2" charset="-127"/>
+              </a:rPr>
+              <a:t>Bedrock</a:t>
+            </a:r>
+            <a:r>
+              <a:rPr kumimoji="1" lang="ko-KR" altLang="en-US" sz="1100" b="1" dirty="0">
+                <a:latin typeface="KoPubWorldDotum Bold" pitchFamily="2" charset="-127"/>
+                <a:ea typeface="KoPubWorldDotum Bold" pitchFamily="2" charset="-127"/>
+                <a:cs typeface="KoPubWorldDotum Bold" pitchFamily="2" charset="-127"/>
+              </a:rPr>
+              <a:t> </a:t>
+            </a:r>
+            <a:r>
+              <a:rPr kumimoji="1" lang="en-US" altLang="ko-KR" sz="1100" b="1" dirty="0">
+                <a:latin typeface="KoPubWorldDotum Bold" pitchFamily="2" charset="-127"/>
+                <a:ea typeface="KoPubWorldDotum Bold" pitchFamily="2" charset="-127"/>
+                <a:cs typeface="KoPubWorldDotum Bold" pitchFamily="2" charset="-127"/>
+              </a:rPr>
+              <a:t>Agent</a:t>
+            </a:r>
+            <a:endParaRPr kumimoji="1" lang="ko-KR" altLang="en-US" sz="1100" b="1" dirty="0">
+              <a:latin typeface="KoPubWorldDotum Bold" pitchFamily="2" charset="-127"/>
+              <a:ea typeface="KoPubWorldDotum Bold" pitchFamily="2" charset="-127"/>
+              <a:cs typeface="KoPubWorldDotum Bold" pitchFamily="2" charset="-127"/>
+            </a:endParaRPr>
+          </a:p>
+        </p:txBody>
+      </p:sp>
+      <p:cxnSp>
+        <p:nvCxnSpPr>
+          <p:cNvPr id="7" name="직선 화살표 연결선 6">
+            <a:extLst>
+              <a:ext uri="{FF2B5EF4-FFF2-40B4-BE49-F238E27FC236}">
+                <a16:creationId xmlns:a16="http://schemas.microsoft.com/office/drawing/2014/main" id="{17E95AC4-2D1B-C68E-4C2F-4CD0921C8E04}"/>
+              </a:ext>
+            </a:extLst>
+          </p:cNvPr>
+          <p:cNvCxnSpPr>
+            <a:cxnSpLocks/>
+          </p:cNvCxnSpPr>
+          <p:nvPr/>
+        </p:nvCxnSpPr>
+        <p:spPr>
+          <a:xfrm>
+            <a:off x="1744244" y="3618833"/>
+            <a:ext cx="0" cy="661227"/>
+          </a:xfrm>
+          <a:prstGeom prst="straightConnector1">
+            <a:avLst/>
+          </a:prstGeom>
+          <a:ln>
+            <a:headEnd type="none" w="med" len="med"/>
+            <a:tailEnd type="none" w="med" len="med"/>
+          </a:ln>
+        </p:spPr>
+        <p:style>
+          <a:lnRef idx="2">
+            <a:schemeClr val="accent1"/>
+          </a:lnRef>
+          <a:fillRef idx="0">
+            <a:schemeClr val="accent1"/>
+          </a:fillRef>
+          <a:effectRef idx="1">
+            <a:schemeClr val="accent1"/>
+          </a:effectRef>
+          <a:fontRef idx="minor">
+            <a:schemeClr val="tx1"/>
+          </a:fontRef>
+        </p:style>
+      </p:cxnSp>
+      <p:sp>
+        <p:nvSpPr>
+          <p:cNvPr id="14" name="직사각형 13">
+            <a:extLst>
+              <a:ext uri="{FF2B5EF4-FFF2-40B4-BE49-F238E27FC236}">
+                <a16:creationId xmlns:a16="http://schemas.microsoft.com/office/drawing/2014/main" id="{B74786BB-A21E-B076-892D-DEDDF143D687}"/>
+              </a:ext>
+            </a:extLst>
+          </p:cNvPr>
+          <p:cNvSpPr/>
+          <p:nvPr/>
+        </p:nvSpPr>
+        <p:spPr>
+          <a:xfrm>
+            <a:off x="2950853" y="3223567"/>
+            <a:ext cx="1503655" cy="734740"/>
+          </a:xfrm>
+          <a:prstGeom prst="rect">
+            <a:avLst/>
+          </a:prstGeom>
+          <a:noFill/>
+          <a:ln>
+            <a:solidFill>
+              <a:srgbClr val="000000"/>
+            </a:solidFill>
+            <a:prstDash val="sysDash"/>
+          </a:ln>
+        </p:spPr>
+        <p:style>
+          <a:lnRef idx="2">
+            <a:schemeClr val="accent1">
+              <a:shade val="15000"/>
+            </a:schemeClr>
+          </a:lnRef>
+          <a:fillRef idx="1">
+            <a:schemeClr val="accent1"/>
+          </a:fillRef>
+          <a:effectRef idx="0">
+            <a:schemeClr val="accent1"/>
+          </a:effectRef>
+          <a:fontRef idx="minor">
+            <a:schemeClr val="lt1"/>
+          </a:fontRef>
+        </p:style>
+        <p:txBody>
+          <a:bodyPr rtlCol="0" anchor="ctr"/>
+          <a:lstStyle/>
+          <a:p>
+            <a:pPr algn="ctr"/>
+            <a:endParaRPr kumimoji="1" lang="ko-KR" altLang="en-US"/>
+          </a:p>
+        </p:txBody>
+      </p:sp>
+      <p:pic>
+        <p:nvPicPr>
+          <p:cNvPr id="15" name="그림 14">
+            <a:extLst>
+              <a:ext uri="{FF2B5EF4-FFF2-40B4-BE49-F238E27FC236}">
+                <a16:creationId xmlns:a16="http://schemas.microsoft.com/office/drawing/2014/main" id="{1ABC9D3B-CFA7-E166-CF7C-86924353DAE6}"/>
+              </a:ext>
+            </a:extLst>
+          </p:cNvPr>
+          <p:cNvPicPr>
+            <a:picLocks noChangeAspect="1"/>
+          </p:cNvPicPr>
+          <p:nvPr/>
+        </p:nvPicPr>
+        <p:blipFill>
+          <a:blip r:embed="rId4"/>
+          <a:stretch>
+            <a:fillRect/>
+          </a:stretch>
+        </p:blipFill>
+        <p:spPr>
+          <a:xfrm>
+            <a:off x="3460577" y="3751749"/>
+            <a:ext cx="462142" cy="462142"/>
+          </a:xfrm>
+          <a:prstGeom prst="rect">
+            <a:avLst/>
+          </a:prstGeom>
+        </p:spPr>
+      </p:pic>
+      <p:sp>
+        <p:nvSpPr>
+          <p:cNvPr id="16" name="제목 1">
+            <a:extLst>
+              <a:ext uri="{FF2B5EF4-FFF2-40B4-BE49-F238E27FC236}">
+                <a16:creationId xmlns:a16="http://schemas.microsoft.com/office/drawing/2014/main" id="{5BAB6A00-4CF3-7A79-987B-9DEFE62CB6F7}"/>
+              </a:ext>
+            </a:extLst>
+          </p:cNvPr>
+          <p:cNvSpPr txBox="1">
+            <a:spLocks/>
+          </p:cNvSpPr>
+          <p:nvPr/>
+        </p:nvSpPr>
+        <p:spPr>
+          <a:xfrm>
+            <a:off x="3333079" y="4190088"/>
+            <a:ext cx="739201" cy="267998"/>
+          </a:xfrm>
+          <a:prstGeom prst="rect">
+            <a:avLst/>
+          </a:prstGeom>
+        </p:spPr>
+        <p:txBody>
+          <a:bodyPr vert="horz" lIns="91440" tIns="45720" rIns="91440" bIns="45720" rtlCol="0" anchor="ctr">
+            <a:normAutofit/>
+          </a:bodyPr>
+          <a:lstStyle>
+            <a:lvl1pPr algn="l" defTabSz="914400" rtl="0" eaLnBrk="1" latinLnBrk="1" hangingPunct="1">
+              <a:lnSpc>
+                <a:spcPct val="90000"/>
+              </a:lnSpc>
+              <a:spcBef>
+                <a:spcPct val="0"/>
+              </a:spcBef>
+              <a:buNone/>
+              <a:defRPr sz="4400" kern="1200">
+                <a:solidFill>
+                  <a:schemeClr val="tx1"/>
+                </a:solidFill>
+                <a:latin typeface="+mj-lt"/>
+                <a:ea typeface="+mj-ea"/>
+                <a:cs typeface="+mj-cs"/>
+              </a:defRPr>
+            </a:lvl1pPr>
+          </a:lstStyle>
+          <a:p>
+            <a:pPr algn="ctr"/>
+            <a:r>
+              <a:rPr kumimoji="1" lang="en-US" altLang="ko-KR" sz="1100" b="1" dirty="0">
+                <a:latin typeface="KoPubWorldDotum Bold" pitchFamily="2" charset="-127"/>
+                <a:ea typeface="KoPubWorldDotum Bold" pitchFamily="2" charset="-127"/>
+                <a:cs typeface="KoPubWorldDotum Bold" pitchFamily="2" charset="-127"/>
+              </a:rPr>
+              <a:t>Lambda</a:t>
+            </a:r>
+            <a:endParaRPr kumimoji="1" lang="ko-KR" altLang="en-US" sz="1100" b="1" dirty="0">
+              <a:latin typeface="KoPubWorldDotum Bold" pitchFamily="2" charset="-127"/>
+              <a:ea typeface="KoPubWorldDotum Bold" pitchFamily="2" charset="-127"/>
+              <a:cs typeface="KoPubWorldDotum Bold" pitchFamily="2" charset="-127"/>
+            </a:endParaRPr>
+          </a:p>
+        </p:txBody>
+      </p:sp>
+      <p:pic>
+        <p:nvPicPr>
+          <p:cNvPr id="18" name="그림 17">
+            <a:extLst>
+              <a:ext uri="{FF2B5EF4-FFF2-40B4-BE49-F238E27FC236}">
+                <a16:creationId xmlns:a16="http://schemas.microsoft.com/office/drawing/2014/main" id="{E4E2557D-5953-C1A9-118E-BEB9C692C0BE}"/>
+              </a:ext>
+            </a:extLst>
+          </p:cNvPr>
+          <p:cNvPicPr>
+            <a:picLocks noChangeAspect="1"/>
+          </p:cNvPicPr>
+          <p:nvPr/>
+        </p:nvPicPr>
+        <p:blipFill>
+          <a:blip r:embed="rId5"/>
+          <a:stretch>
+            <a:fillRect/>
+          </a:stretch>
+        </p:blipFill>
+        <p:spPr>
+          <a:xfrm>
+            <a:off x="3469964" y="4520876"/>
+            <a:ext cx="465429" cy="465429"/>
+          </a:xfrm>
+          <a:prstGeom prst="rect">
+            <a:avLst/>
+          </a:prstGeom>
+        </p:spPr>
+      </p:pic>
+      <p:sp>
+        <p:nvSpPr>
+          <p:cNvPr id="19" name="제목 1">
+            <a:extLst>
+              <a:ext uri="{FF2B5EF4-FFF2-40B4-BE49-F238E27FC236}">
+                <a16:creationId xmlns:a16="http://schemas.microsoft.com/office/drawing/2014/main" id="{43B19051-C4DB-2973-13E0-26D3E5B051C2}"/>
+              </a:ext>
+            </a:extLst>
+          </p:cNvPr>
+          <p:cNvSpPr txBox="1">
+            <a:spLocks/>
+          </p:cNvSpPr>
+          <p:nvPr/>
+        </p:nvSpPr>
+        <p:spPr>
+          <a:xfrm>
+            <a:off x="3257073" y="5008219"/>
+            <a:ext cx="869150" cy="267998"/>
+          </a:xfrm>
+          <a:prstGeom prst="rect">
+            <a:avLst/>
+          </a:prstGeom>
+        </p:spPr>
+        <p:txBody>
+          <a:bodyPr vert="horz" lIns="91440" tIns="45720" rIns="91440" bIns="45720" rtlCol="0" anchor="ctr">
+            <a:normAutofit fontScale="92500"/>
+          </a:bodyPr>
+          <a:lstStyle>
+            <a:lvl1pPr algn="l" defTabSz="914400" rtl="0" eaLnBrk="1" latinLnBrk="1" hangingPunct="1">
+              <a:lnSpc>
+                <a:spcPct val="90000"/>
+              </a:lnSpc>
+              <a:spcBef>
+                <a:spcPct val="0"/>
+              </a:spcBef>
+              <a:buNone/>
+              <a:defRPr sz="4400" kern="1200">
+                <a:solidFill>
+                  <a:schemeClr val="tx1"/>
+                </a:solidFill>
+                <a:latin typeface="+mj-lt"/>
+                <a:ea typeface="+mj-ea"/>
+                <a:cs typeface="+mj-cs"/>
+              </a:defRPr>
+            </a:lvl1pPr>
+          </a:lstStyle>
+          <a:p>
+            <a:pPr algn="ctr"/>
+            <a:r>
+              <a:rPr kumimoji="1" lang="en-US" altLang="ko-KR" sz="1100" b="1" dirty="0">
+                <a:latin typeface="KoPubWorldDotum Bold" pitchFamily="2" charset="-127"/>
+                <a:ea typeface="KoPubWorldDotum Bold" pitchFamily="2" charset="-127"/>
+                <a:cs typeface="KoPubWorldDotum Bold" pitchFamily="2" charset="-127"/>
+              </a:rPr>
+              <a:t>DynamoDB</a:t>
+            </a:r>
+            <a:endParaRPr kumimoji="1" lang="ko-KR" altLang="en-US" sz="1100" b="1" dirty="0">
+              <a:latin typeface="KoPubWorldDotum Bold" pitchFamily="2" charset="-127"/>
+              <a:ea typeface="KoPubWorldDotum Bold" pitchFamily="2" charset="-127"/>
+              <a:cs typeface="KoPubWorldDotum Bold" pitchFamily="2" charset="-127"/>
+            </a:endParaRPr>
+          </a:p>
+        </p:txBody>
+      </p:sp>
+      <p:cxnSp>
+        <p:nvCxnSpPr>
+          <p:cNvPr id="30" name="직선 화살표 연결선 29">
+            <a:extLst>
+              <a:ext uri="{FF2B5EF4-FFF2-40B4-BE49-F238E27FC236}">
+                <a16:creationId xmlns:a16="http://schemas.microsoft.com/office/drawing/2014/main" id="{1F82408E-5CA9-1521-B279-8BBFE9210272}"/>
+              </a:ext>
+            </a:extLst>
+          </p:cNvPr>
+          <p:cNvCxnSpPr>
+            <a:cxnSpLocks/>
+            <a:endCxn id="18" idx="0"/>
+          </p:cNvCxnSpPr>
+          <p:nvPr/>
+        </p:nvCxnSpPr>
+        <p:spPr>
+          <a:xfrm>
+            <a:off x="3702679" y="4383314"/>
+            <a:ext cx="0" cy="137562"/>
+          </a:xfrm>
+          <a:prstGeom prst="straightConnector1">
+            <a:avLst/>
+          </a:prstGeom>
+          <a:ln>
+            <a:headEnd type="none" w="med" len="med"/>
+            <a:tailEnd type="none" w="med" len="med"/>
+          </a:ln>
+        </p:spPr>
+        <p:style>
+          <a:lnRef idx="2">
+            <a:schemeClr val="accent1"/>
+          </a:lnRef>
+          <a:fillRef idx="0">
+            <a:schemeClr val="accent1"/>
+          </a:fillRef>
+          <a:effectRef idx="1">
+            <a:schemeClr val="accent1"/>
+          </a:effectRef>
+          <a:fontRef idx="minor">
+            <a:schemeClr val="tx1"/>
+          </a:fontRef>
+        </p:style>
+      </p:cxnSp>
+      <p:sp>
+        <p:nvSpPr>
+          <p:cNvPr id="34" name="직사각형 33">
+            <a:extLst>
+              <a:ext uri="{FF2B5EF4-FFF2-40B4-BE49-F238E27FC236}">
+                <a16:creationId xmlns:a16="http://schemas.microsoft.com/office/drawing/2014/main" id="{EBA2B3B8-949E-8DED-AAA1-436BC209F8B2}"/>
+              </a:ext>
+            </a:extLst>
+          </p:cNvPr>
+          <p:cNvSpPr/>
+          <p:nvPr/>
+        </p:nvSpPr>
+        <p:spPr>
+          <a:xfrm>
+            <a:off x="481290" y="2336800"/>
+            <a:ext cx="10479881" cy="2965493"/>
+          </a:xfrm>
+          <a:prstGeom prst="rect">
+            <a:avLst/>
+          </a:prstGeom>
+          <a:noFill/>
+          <a:ln>
+            <a:solidFill>
+              <a:srgbClr val="000000"/>
+            </a:solidFill>
+            <a:prstDash val="sysDash"/>
+          </a:ln>
+        </p:spPr>
+        <p:style>
+          <a:lnRef idx="2">
+            <a:schemeClr val="accent1">
+              <a:shade val="15000"/>
+            </a:schemeClr>
+          </a:lnRef>
+          <a:fillRef idx="1">
+            <a:schemeClr val="accent1"/>
+          </a:fillRef>
+          <a:effectRef idx="0">
+            <a:schemeClr val="accent1"/>
+          </a:effectRef>
+          <a:fontRef idx="minor">
+            <a:schemeClr val="lt1"/>
+          </a:fontRef>
+        </p:style>
+        <p:txBody>
+          <a:bodyPr rtlCol="0" anchor="ctr"/>
+          <a:lstStyle/>
+          <a:p>
+            <a:pPr algn="ctr"/>
+            <a:endParaRPr kumimoji="1" lang="ko-KR" altLang="en-US"/>
+          </a:p>
+        </p:txBody>
+      </p:sp>
+      <p:pic>
+        <p:nvPicPr>
+          <p:cNvPr id="35" name="Picture 4" descr="Amazon Web Services | Incentro Partner">
+            <a:extLst>
+              <a:ext uri="{FF2B5EF4-FFF2-40B4-BE49-F238E27FC236}">
+                <a16:creationId xmlns:a16="http://schemas.microsoft.com/office/drawing/2014/main" id="{06395187-BBE3-4B5C-AD65-36D52954BD51}"/>
+              </a:ext>
+            </a:extLst>
+          </p:cNvPr>
+          <p:cNvPicPr>
+            <a:picLocks noChangeAspect="1" noChangeArrowheads="1"/>
+          </p:cNvPicPr>
+          <p:nvPr/>
+        </p:nvPicPr>
+        <p:blipFill>
+          <a:blip r:embed="rId6">
+            <a:extLst>
+              <a:ext uri="{28A0092B-C50C-407E-A947-70E740481C1C}">
+                <a14:useLocalDpi xmlns:a14="http://schemas.microsoft.com/office/drawing/2010/main" val="0"/>
+              </a:ext>
+            </a:extLst>
+          </a:blip>
+          <a:srcRect/>
+          <a:stretch>
+            <a:fillRect/>
+          </a:stretch>
+        </p:blipFill>
+        <p:spPr bwMode="auto">
+          <a:xfrm>
+            <a:off x="486534" y="2328764"/>
+            <a:ext cx="377292" cy="377292"/>
+          </a:xfrm>
+          <a:prstGeom prst="rect">
+            <a:avLst/>
+          </a:prstGeom>
+          <a:noFill/>
+          <a:extLst>
+            <a:ext uri="{909E8E84-426E-40DD-AFC4-6F175D3DCCD1}">
+              <a14:hiddenFill xmlns:a14="http://schemas.microsoft.com/office/drawing/2010/main">
+                <a:solidFill>
+                  <a:srgbClr val="FFFFFF"/>
+                </a:solidFill>
+              </a14:hiddenFill>
+            </a:ext>
+          </a:extLst>
+        </p:spPr>
+      </p:pic>
+      <p:sp>
+        <p:nvSpPr>
+          <p:cNvPr id="51" name="처리 50">
+            <a:extLst>
+              <a:ext uri="{FF2B5EF4-FFF2-40B4-BE49-F238E27FC236}">
+                <a16:creationId xmlns:a16="http://schemas.microsoft.com/office/drawing/2014/main" id="{97D0287E-4499-9C85-9C1C-7FABF1B59F0A}"/>
+              </a:ext>
+            </a:extLst>
+          </p:cNvPr>
+          <p:cNvSpPr/>
+          <p:nvPr/>
+        </p:nvSpPr>
+        <p:spPr>
+          <a:xfrm>
+            <a:off x="3090094" y="3475616"/>
+            <a:ext cx="1203109" cy="243942"/>
+          </a:xfrm>
+          <a:prstGeom prst="flowChartProcess">
+            <a:avLst/>
+          </a:prstGeom>
+          <a:solidFill>
+            <a:schemeClr val="accent1"/>
+          </a:solidFill>
+          <a:ln>
+            <a:noFill/>
+          </a:ln>
+        </p:spPr>
+        <p:style>
+          <a:lnRef idx="2">
+            <a:schemeClr val="accent1">
+              <a:shade val="15000"/>
+            </a:schemeClr>
+          </a:lnRef>
+          <a:fillRef idx="1">
+            <a:schemeClr val="accent1"/>
+          </a:fillRef>
+          <a:effectRef idx="0">
+            <a:schemeClr val="accent1"/>
+          </a:effectRef>
+          <a:fontRef idx="minor">
+            <a:schemeClr val="lt1"/>
+          </a:fontRef>
+        </p:style>
+        <p:txBody>
+          <a:bodyPr rtlCol="0" anchor="ctr"/>
+          <a:lstStyle/>
+          <a:p>
+            <a:pPr algn="ctr"/>
+            <a:r>
+              <a:rPr kumimoji="1" lang="en-US" altLang="ko-KR" sz="1100" b="1" dirty="0" err="1">
+                <a:latin typeface="KoPubWorldDotum Bold" pitchFamily="2" charset="-127"/>
+                <a:ea typeface="KoPubWorldDotum Bold" pitchFamily="2" charset="-127"/>
+                <a:cs typeface="KoPubWorldDotum Bold" pitchFamily="2" charset="-127"/>
+              </a:rPr>
+              <a:t>Back.py</a:t>
+            </a:r>
+            <a:endParaRPr kumimoji="1" lang="ko-KR" altLang="en-US" sz="1100" b="1" dirty="0">
+              <a:latin typeface="KoPubWorldDotum Bold" pitchFamily="2" charset="-127"/>
+              <a:ea typeface="KoPubWorldDotum Bold" pitchFamily="2" charset="-127"/>
+              <a:cs typeface="KoPubWorldDotum Bold" pitchFamily="2" charset="-127"/>
+            </a:endParaRPr>
+          </a:p>
+        </p:txBody>
+      </p:sp>
+      <p:pic>
+        <p:nvPicPr>
+          <p:cNvPr id="63" name="그림 62">
+            <a:extLst>
+              <a:ext uri="{FF2B5EF4-FFF2-40B4-BE49-F238E27FC236}">
+                <a16:creationId xmlns:a16="http://schemas.microsoft.com/office/drawing/2014/main" id="{30AA3DF9-0C34-53E0-3770-48ED28E21865}"/>
+              </a:ext>
+            </a:extLst>
+          </p:cNvPr>
+          <p:cNvPicPr>
+            <a:picLocks noChangeAspect="1"/>
+          </p:cNvPicPr>
+          <p:nvPr/>
+        </p:nvPicPr>
+        <p:blipFill>
+          <a:blip r:embed="rId7"/>
+          <a:stretch>
+            <a:fillRect/>
+          </a:stretch>
+        </p:blipFill>
+        <p:spPr>
+          <a:xfrm>
+            <a:off x="4816158" y="3348696"/>
+            <a:ext cx="462142" cy="462142"/>
+          </a:xfrm>
+          <a:prstGeom prst="rect">
+            <a:avLst/>
+          </a:prstGeom>
+        </p:spPr>
+      </p:pic>
+      <p:sp>
+        <p:nvSpPr>
+          <p:cNvPr id="17" name="제목 1">
+            <a:extLst>
+              <a:ext uri="{FF2B5EF4-FFF2-40B4-BE49-F238E27FC236}">
+                <a16:creationId xmlns:a16="http://schemas.microsoft.com/office/drawing/2014/main" id="{188B6BF2-7FA7-D364-F9F5-99956C7E9413}"/>
+              </a:ext>
+            </a:extLst>
+          </p:cNvPr>
+          <p:cNvSpPr txBox="1">
+            <a:spLocks/>
+          </p:cNvSpPr>
+          <p:nvPr/>
+        </p:nvSpPr>
+        <p:spPr>
+          <a:xfrm>
+            <a:off x="236783" y="266936"/>
+            <a:ext cx="10515600" cy="487906"/>
+          </a:xfrm>
+          <a:prstGeom prst="rect">
+            <a:avLst/>
+          </a:prstGeom>
+        </p:spPr>
+        <p:txBody>
+          <a:bodyPr vert="horz" lIns="91440" tIns="45720" rIns="91440" bIns="45720" rtlCol="0" anchor="ctr">
+            <a:normAutofit/>
+          </a:bodyPr>
+          <a:lstStyle>
+            <a:lvl1pPr algn="l" defTabSz="914400" rtl="0" eaLnBrk="1" latinLnBrk="1" hangingPunct="1">
+              <a:lnSpc>
+                <a:spcPct val="90000"/>
+              </a:lnSpc>
+              <a:spcBef>
+                <a:spcPct val="0"/>
+              </a:spcBef>
+              <a:buNone/>
+              <a:defRPr sz="4400" kern="1200">
+                <a:solidFill>
+                  <a:schemeClr val="tx1"/>
+                </a:solidFill>
+                <a:latin typeface="+mj-lt"/>
+                <a:ea typeface="+mj-ea"/>
+                <a:cs typeface="+mj-cs"/>
+              </a:defRPr>
+            </a:lvl1pPr>
+          </a:lstStyle>
+          <a:p>
+            <a:r>
+              <a:rPr kumimoji="1" lang="en-US" altLang="ko-KR" sz="2800">
+                <a:latin typeface="KoPubWorldDotum Medium" pitchFamily="2" charset="-127"/>
+                <a:ea typeface="KoPubWorldDotum Medium" pitchFamily="2" charset="-127"/>
+                <a:cs typeface="KoPubWorldDotum Medium" pitchFamily="2" charset="-127"/>
+              </a:rPr>
+              <a:t>Phase 4: </a:t>
+            </a:r>
+            <a:r>
+              <a:rPr kumimoji="1" lang="ko-KR" altLang="en-US" sz="2800">
+                <a:latin typeface="KoPubWorldDotum Medium" pitchFamily="2" charset="-127"/>
+                <a:ea typeface="KoPubWorldDotum Medium" pitchFamily="2" charset="-127"/>
+                <a:cs typeface="KoPubWorldDotum Medium" pitchFamily="2" charset="-127"/>
+              </a:rPr>
+              <a:t>솔루션 고도화</a:t>
+            </a:r>
+            <a:endParaRPr kumimoji="1" lang="ko-KR" altLang="en-US" sz="2800" dirty="0">
+              <a:latin typeface="KoPubWorldDotum Medium" pitchFamily="2" charset="-127"/>
+              <a:ea typeface="KoPubWorldDotum Medium" pitchFamily="2" charset="-127"/>
+              <a:cs typeface="KoPubWorldDotum Medium" pitchFamily="2" charset="-127"/>
+            </a:endParaRPr>
+          </a:p>
+        </p:txBody>
+      </p:sp>
+      <p:sp>
+        <p:nvSpPr>
+          <p:cNvPr id="20" name="제목 1">
+            <a:extLst>
+              <a:ext uri="{FF2B5EF4-FFF2-40B4-BE49-F238E27FC236}">
+                <a16:creationId xmlns:a16="http://schemas.microsoft.com/office/drawing/2014/main" id="{C74D5910-2A71-2340-A7CB-981B7989A09D}"/>
+              </a:ext>
+            </a:extLst>
+          </p:cNvPr>
+          <p:cNvSpPr txBox="1">
+            <a:spLocks/>
+          </p:cNvSpPr>
+          <p:nvPr/>
+        </p:nvSpPr>
+        <p:spPr>
+          <a:xfrm>
+            <a:off x="368537" y="700863"/>
+            <a:ext cx="11454925" cy="1518755"/>
+          </a:xfrm>
+          <a:prstGeom prst="rect">
+            <a:avLst/>
+          </a:prstGeom>
+        </p:spPr>
+        <p:txBody>
+          <a:bodyPr vert="horz" lIns="91440" tIns="45720" rIns="91440" bIns="45720" rtlCol="0" anchor="ctr">
+            <a:normAutofit/>
+          </a:bodyPr>
+          <a:lstStyle>
+            <a:lvl1pPr algn="l" defTabSz="914400" rtl="0" eaLnBrk="1" latinLnBrk="1" hangingPunct="1">
+              <a:lnSpc>
+                <a:spcPct val="90000"/>
+              </a:lnSpc>
+              <a:spcBef>
+                <a:spcPct val="0"/>
+              </a:spcBef>
+              <a:buNone/>
+              <a:defRPr sz="4400" kern="1200">
+                <a:solidFill>
+                  <a:schemeClr val="tx1"/>
+                </a:solidFill>
+                <a:latin typeface="+mj-lt"/>
+                <a:ea typeface="+mj-ea"/>
+                <a:cs typeface="+mj-cs"/>
+              </a:defRPr>
+            </a:lvl1pPr>
+          </a:lstStyle>
+          <a:p>
+            <a:pPr marL="285750" indent="-285750">
+              <a:lnSpc>
+                <a:spcPct val="150000"/>
+              </a:lnSpc>
+              <a:buFont typeface="Arial" panose="020B0604020202020204" pitchFamily="34" charset="0"/>
+              <a:buChar char="•"/>
+            </a:pPr>
             <a:r>
               <a:rPr kumimoji="1" lang="en-US" altLang="ko-KR" sz="1400" dirty="0">
                 <a:latin typeface="KoPubWorldDotum Medium" pitchFamily="2" charset="-127"/>
                 <a:ea typeface="KoPubWorldDotum Medium" pitchFamily="2" charset="-127"/>
                 <a:cs typeface="KoPubWorldDotum Medium" pitchFamily="2" charset="-127"/>
               </a:rPr>
-              <a:t>/</a:t>
+              <a:t>CloudFront</a:t>
             </a:r>
             <a:r>
               <a:rPr kumimoji="1" lang="ko-KR" altLang="en-US" sz="1400" dirty="0">
@@ -6785,15 +11449,1174 @@
                 <a:ea typeface="KoPubWorldDotum Medium" pitchFamily="2" charset="-127"/>
                 <a:cs typeface="KoPubWorldDotum Medium" pitchFamily="2" charset="-127"/>
               </a:rPr>
-              <a:t>고가용성 아키텍처 구축</a:t>
-            </a:r>
+              <a:t>로 </a:t>
+            </a:r>
+            <a:r>
+              <a:rPr kumimoji="1" lang="ko-KR" altLang="en-US" sz="1400" dirty="0" err="1">
+                <a:latin typeface="KoPubWorldDotum Medium" pitchFamily="2" charset="-127"/>
+                <a:ea typeface="KoPubWorldDotum Medium" pitchFamily="2" charset="-127"/>
+                <a:cs typeface="KoPubWorldDotum Medium" pitchFamily="2" charset="-127"/>
+              </a:rPr>
+              <a:t>캐싱하여</a:t>
+            </a:r>
+            <a:r>
+              <a:rPr kumimoji="1" lang="ko-KR" altLang="en-US" sz="1400" dirty="0">
+                <a:latin typeface="KoPubWorldDotum Medium" pitchFamily="2" charset="-127"/>
+                <a:ea typeface="KoPubWorldDotum Medium" pitchFamily="2" charset="-127"/>
+                <a:cs typeface="KoPubWorldDotum Medium" pitchFamily="2" charset="-127"/>
+              </a:rPr>
+              <a:t> 속도 향상</a:t>
+            </a:r>
+            <a:endParaRPr kumimoji="1" lang="en-US" altLang="ko-KR" sz="1400" dirty="0">
+              <a:latin typeface="KoPubWorldDotum Medium" pitchFamily="2" charset="-127"/>
+              <a:ea typeface="KoPubWorldDotum Medium" pitchFamily="2" charset="-127"/>
+              <a:cs typeface="KoPubWorldDotum Medium" pitchFamily="2" charset="-127"/>
+            </a:endParaRPr>
+          </a:p>
+          <a:p>
+            <a:pPr marL="285750" indent="-285750">
+              <a:lnSpc>
+                <a:spcPct val="150000"/>
+              </a:lnSpc>
+              <a:buFont typeface="Arial" panose="020B0604020202020204" pitchFamily="34" charset="0"/>
+              <a:buChar char="•"/>
+            </a:pPr>
+            <a:r>
+              <a:rPr kumimoji="1" lang="en-US" altLang="ko-KR" sz="1400" dirty="0">
+                <a:latin typeface="KoPubWorldDotum Medium" pitchFamily="2" charset="-127"/>
+                <a:ea typeface="KoPubWorldDotum Medium" pitchFamily="2" charset="-127"/>
+                <a:cs typeface="KoPubWorldDotum Medium" pitchFamily="2" charset="-127"/>
+              </a:rPr>
+              <a:t>Cognito</a:t>
+            </a:r>
+            <a:r>
+              <a:rPr kumimoji="1" lang="ko-KR" altLang="en-US" sz="1400" dirty="0">
+                <a:latin typeface="KoPubWorldDotum Medium" pitchFamily="2" charset="-127"/>
+                <a:ea typeface="KoPubWorldDotum Medium" pitchFamily="2" charset="-127"/>
+                <a:cs typeface="KoPubWorldDotum Medium" pitchFamily="2" charset="-127"/>
+              </a:rPr>
+              <a:t>로 로그인 기능 구현 </a:t>
+            </a:r>
+            <a:r>
+              <a:rPr kumimoji="1" lang="en-US" altLang="ko-KR" sz="1400" dirty="0">
+                <a:latin typeface="KoPubWorldDotum Medium" pitchFamily="2" charset="-127"/>
+                <a:ea typeface="KoPubWorldDotum Medium" pitchFamily="2" charset="-127"/>
+                <a:cs typeface="KoPubWorldDotum Medium" pitchFamily="2" charset="-127"/>
+              </a:rPr>
+              <a:t>+</a:t>
+            </a:r>
+            <a:r>
+              <a:rPr kumimoji="1" lang="ko-KR" altLang="en-US" sz="1400" dirty="0">
+                <a:latin typeface="KoPubWorldDotum Medium" pitchFamily="2" charset="-127"/>
+                <a:ea typeface="KoPubWorldDotum Medium" pitchFamily="2" charset="-127"/>
+                <a:cs typeface="KoPubWorldDotum Medium" pitchFamily="2" charset="-127"/>
+              </a:rPr>
+              <a:t> 프론트 상에도 로그인 페이지 구현</a:t>
+            </a:r>
+            <a:endParaRPr kumimoji="1" lang="en-US" altLang="ko-KR" sz="1400" dirty="0">
+              <a:latin typeface="KoPubWorldDotum Medium" pitchFamily="2" charset="-127"/>
+              <a:ea typeface="KoPubWorldDotum Medium" pitchFamily="2" charset="-127"/>
+              <a:cs typeface="KoPubWorldDotum Medium" pitchFamily="2" charset="-127"/>
+            </a:endParaRPr>
+          </a:p>
+          <a:p>
+            <a:pPr marL="285750" indent="-285750">
+              <a:lnSpc>
+                <a:spcPct val="150000"/>
+              </a:lnSpc>
+              <a:buFont typeface="Arial" panose="020B0604020202020204" pitchFamily="34" charset="0"/>
+              <a:buChar char="•"/>
+            </a:pPr>
+            <a:r>
+              <a:rPr kumimoji="1" lang="en-US" altLang="ko-KR" sz="1400" dirty="0">
+                <a:latin typeface="KoPubWorldDotum Medium" pitchFamily="2" charset="-127"/>
+                <a:ea typeface="KoPubWorldDotum Medium" pitchFamily="2" charset="-127"/>
+                <a:cs typeface="KoPubWorldDotum Medium" pitchFamily="2" charset="-127"/>
+              </a:rPr>
+              <a:t>Lambda</a:t>
+            </a:r>
+            <a:r>
+              <a:rPr kumimoji="1" lang="ko-KR" altLang="en-US" sz="1400" dirty="0">
+                <a:latin typeface="KoPubWorldDotum Medium" pitchFamily="2" charset="-127"/>
+                <a:ea typeface="KoPubWorldDotum Medium" pitchFamily="2" charset="-127"/>
+                <a:cs typeface="KoPubWorldDotum Medium" pitchFamily="2" charset="-127"/>
+              </a:rPr>
+              <a:t> 및 </a:t>
+            </a:r>
+            <a:r>
+              <a:rPr kumimoji="1" lang="en-US" altLang="ko-KR" sz="1400" dirty="0">
+                <a:latin typeface="KoPubWorldDotum Medium" pitchFamily="2" charset="-127"/>
+                <a:ea typeface="KoPubWorldDotum Medium" pitchFamily="2" charset="-127"/>
+                <a:cs typeface="KoPubWorldDotum Medium" pitchFamily="2" charset="-127"/>
+              </a:rPr>
+              <a:t>DynamoDB</a:t>
+            </a:r>
+            <a:r>
+              <a:rPr kumimoji="1" lang="ko-KR" altLang="en-US" sz="1400" dirty="0">
+                <a:latin typeface="KoPubWorldDotum Medium" pitchFamily="2" charset="-127"/>
+                <a:ea typeface="KoPubWorldDotum Medium" pitchFamily="2" charset="-127"/>
+                <a:cs typeface="KoPubWorldDotum Medium" pitchFamily="2" charset="-127"/>
+              </a:rPr>
+              <a:t> 최적화</a:t>
+            </a:r>
+            <a:r>
+              <a:rPr kumimoji="1" lang="en-US" altLang="ko-KR" sz="1400" dirty="0">
+                <a:latin typeface="KoPubWorldDotum Medium" pitchFamily="2" charset="-127"/>
+                <a:ea typeface="KoPubWorldDotum Medium" pitchFamily="2" charset="-127"/>
+                <a:cs typeface="KoPubWorldDotum Medium" pitchFamily="2" charset="-127"/>
+              </a:rPr>
+              <a:t>,</a:t>
+            </a:r>
+            <a:r>
+              <a:rPr kumimoji="1" lang="ko-KR" altLang="en-US" sz="1400" dirty="0">
+                <a:latin typeface="KoPubWorldDotum Medium" pitchFamily="2" charset="-127"/>
+                <a:ea typeface="KoPubWorldDotum Medium" pitchFamily="2" charset="-127"/>
+                <a:cs typeface="KoPubWorldDotum Medium" pitchFamily="2" charset="-127"/>
+              </a:rPr>
+              <a:t> 추가 보안 조치 검토</a:t>
+            </a:r>
+            <a:endParaRPr kumimoji="1" lang="en-US" altLang="ko-KR" sz="1400" dirty="0">
+              <a:latin typeface="KoPubWorldDotum Medium" pitchFamily="2" charset="-127"/>
+              <a:ea typeface="KoPubWorldDotum Medium" pitchFamily="2" charset="-127"/>
+              <a:cs typeface="KoPubWorldDotum Medium" pitchFamily="2" charset="-127"/>
+            </a:endParaRPr>
+          </a:p>
+          <a:p>
+            <a:pPr marL="742950" lvl="1" indent="-285750">
+              <a:lnSpc>
+                <a:spcPct val="150000"/>
+              </a:lnSpc>
+              <a:buFont typeface="Arial" panose="020B0604020202020204" pitchFamily="34" charset="0"/>
+              <a:buChar char="•"/>
+            </a:pPr>
+            <a:r>
+              <a:rPr kumimoji="1" lang="ko-KR" altLang="en-US" sz="100" dirty="0" err="1">
+                <a:latin typeface="KoPubWorldDotum Medium" pitchFamily="2" charset="-127"/>
+                <a:ea typeface="KoPubWorldDotum Medium" pitchFamily="2" charset="-127"/>
+                <a:cs typeface="KoPubWorldDotum Medium" pitchFamily="2" charset="-127"/>
+              </a:rPr>
+              <a:t>서벌</a:t>
+            </a:r>
+            <a:endParaRPr kumimoji="1" lang="en-US" altLang="ko-KR" sz="100" dirty="0">
+              <a:latin typeface="KoPubWorldDotum Medium" pitchFamily="2" charset="-127"/>
+              <a:ea typeface="KoPubWorldDotum Medium" pitchFamily="2" charset="-127"/>
+              <a:cs typeface="KoPubWorldDotum Medium" pitchFamily="2" charset="-127"/>
+            </a:endParaRPr>
+          </a:p>
+          <a:p>
+            <a:pPr marL="285750" indent="-285750">
+              <a:lnSpc>
+                <a:spcPct val="150000"/>
+              </a:lnSpc>
+              <a:buFont typeface="Arial" panose="020B0604020202020204" pitchFamily="34" charset="0"/>
+              <a:buChar char="•"/>
+            </a:pPr>
+            <a:endParaRPr kumimoji="1" lang="ko-KR" altLang="en-US" sz="1400" dirty="0">
+              <a:latin typeface="KoPubWorldDotum Medium" pitchFamily="2" charset="-127"/>
+              <a:ea typeface="KoPubWorldDotum Medium" pitchFamily="2" charset="-127"/>
+              <a:cs typeface="KoPubWorldDotum Medium" pitchFamily="2" charset="-127"/>
+            </a:endParaRPr>
+          </a:p>
+        </p:txBody>
+      </p:sp>
+      <p:pic>
+        <p:nvPicPr>
+          <p:cNvPr id="24" name="그림 23">
+            <a:extLst>
+              <a:ext uri="{FF2B5EF4-FFF2-40B4-BE49-F238E27FC236}">
+                <a16:creationId xmlns:a16="http://schemas.microsoft.com/office/drawing/2014/main" id="{E5C7CE01-3AD3-869D-EAEB-D8D94DCA248B}"/>
+              </a:ext>
+            </a:extLst>
+          </p:cNvPr>
+          <p:cNvPicPr>
+            <a:picLocks noChangeAspect="1"/>
+          </p:cNvPicPr>
+          <p:nvPr/>
+        </p:nvPicPr>
+        <p:blipFill>
+          <a:blip r:embed="rId8"/>
+          <a:stretch>
+            <a:fillRect/>
+          </a:stretch>
+        </p:blipFill>
+        <p:spPr>
+          <a:xfrm>
+            <a:off x="5695248" y="3360274"/>
+            <a:ext cx="461326" cy="461326"/>
+          </a:xfrm>
+          <a:prstGeom prst="rect">
+            <a:avLst/>
+          </a:prstGeom>
+        </p:spPr>
+      </p:pic>
+      <p:sp>
+        <p:nvSpPr>
+          <p:cNvPr id="28" name="직사각형 27">
+            <a:extLst>
+              <a:ext uri="{FF2B5EF4-FFF2-40B4-BE49-F238E27FC236}">
+                <a16:creationId xmlns:a16="http://schemas.microsoft.com/office/drawing/2014/main" id="{B74730AF-E164-6232-603B-2E81071DA6AA}"/>
+              </a:ext>
+            </a:extLst>
+          </p:cNvPr>
+          <p:cNvSpPr/>
+          <p:nvPr/>
+        </p:nvSpPr>
+        <p:spPr>
+          <a:xfrm>
+            <a:off x="7340979" y="3037631"/>
+            <a:ext cx="1503655" cy="1093027"/>
+          </a:xfrm>
+          <a:prstGeom prst="rect">
+            <a:avLst/>
+          </a:prstGeom>
+          <a:noFill/>
+          <a:ln>
+            <a:solidFill>
+              <a:srgbClr val="000000"/>
+            </a:solidFill>
+            <a:prstDash val="sysDash"/>
+          </a:ln>
+        </p:spPr>
+        <p:style>
+          <a:lnRef idx="2">
+            <a:schemeClr val="accent1">
+              <a:shade val="15000"/>
+            </a:schemeClr>
+          </a:lnRef>
+          <a:fillRef idx="1">
+            <a:schemeClr val="accent1"/>
+          </a:fillRef>
+          <a:effectRef idx="0">
+            <a:schemeClr val="accent1"/>
+          </a:effectRef>
+          <a:fontRef idx="minor">
+            <a:schemeClr val="lt1"/>
+          </a:fontRef>
+        </p:style>
+        <p:txBody>
+          <a:bodyPr rtlCol="0" anchor="ctr"/>
+          <a:lstStyle/>
+          <a:p>
+            <a:pPr algn="ctr"/>
+            <a:endParaRPr kumimoji="1" lang="ko-KR" altLang="en-US"/>
+          </a:p>
+        </p:txBody>
+      </p:sp>
+      <p:pic>
+        <p:nvPicPr>
+          <p:cNvPr id="29" name="그림 28">
+            <a:extLst>
+              <a:ext uri="{FF2B5EF4-FFF2-40B4-BE49-F238E27FC236}">
+                <a16:creationId xmlns:a16="http://schemas.microsoft.com/office/drawing/2014/main" id="{E014D017-3F5D-E9D6-99EC-0EAB748C0697}"/>
+              </a:ext>
+            </a:extLst>
+          </p:cNvPr>
+          <p:cNvPicPr>
+            <a:picLocks noChangeAspect="1"/>
+          </p:cNvPicPr>
+          <p:nvPr/>
+        </p:nvPicPr>
+        <p:blipFill>
+          <a:blip r:embed="rId9"/>
+          <a:stretch>
+            <a:fillRect/>
+          </a:stretch>
+        </p:blipFill>
+        <p:spPr>
+          <a:xfrm>
+            <a:off x="7896163" y="3915611"/>
+            <a:ext cx="462142" cy="462142"/>
+          </a:xfrm>
+          <a:prstGeom prst="rect">
+            <a:avLst/>
+          </a:prstGeom>
+        </p:spPr>
+      </p:pic>
+      <p:sp>
+        <p:nvSpPr>
+          <p:cNvPr id="31" name="제목 1">
+            <a:extLst>
+              <a:ext uri="{FF2B5EF4-FFF2-40B4-BE49-F238E27FC236}">
+                <a16:creationId xmlns:a16="http://schemas.microsoft.com/office/drawing/2014/main" id="{B68F8371-67DD-46F1-CFB7-A708C5740D02}"/>
+              </a:ext>
+            </a:extLst>
+          </p:cNvPr>
+          <p:cNvSpPr txBox="1">
+            <a:spLocks/>
+          </p:cNvSpPr>
+          <p:nvPr/>
+        </p:nvSpPr>
+        <p:spPr>
+          <a:xfrm>
+            <a:off x="7669737" y="4387113"/>
+            <a:ext cx="967879" cy="267998"/>
+          </a:xfrm>
+          <a:prstGeom prst="rect">
+            <a:avLst/>
+          </a:prstGeom>
+        </p:spPr>
+        <p:txBody>
+          <a:bodyPr vert="horz" lIns="91440" tIns="45720" rIns="91440" bIns="45720" rtlCol="0" anchor="ctr">
+            <a:normAutofit/>
+          </a:bodyPr>
+          <a:lstStyle>
+            <a:lvl1pPr algn="l" defTabSz="914400" rtl="0" eaLnBrk="1" latinLnBrk="1" hangingPunct="1">
+              <a:lnSpc>
+                <a:spcPct val="90000"/>
+              </a:lnSpc>
+              <a:spcBef>
+                <a:spcPct val="0"/>
+              </a:spcBef>
+              <a:buNone/>
+              <a:defRPr sz="4400" kern="1200">
+                <a:solidFill>
+                  <a:schemeClr val="tx1"/>
+                </a:solidFill>
+                <a:latin typeface="+mj-lt"/>
+                <a:ea typeface="+mj-ea"/>
+                <a:cs typeface="+mj-cs"/>
+              </a:defRPr>
+            </a:lvl1pPr>
+          </a:lstStyle>
+          <a:p>
+            <a:pPr algn="ctr"/>
+            <a:r>
+              <a:rPr kumimoji="1" lang="en-US" altLang="ko-KR" sz="1100" b="1" dirty="0">
+                <a:latin typeface="KoPubWorldDotum Bold" pitchFamily="2" charset="-127"/>
+                <a:ea typeface="KoPubWorldDotum Bold" pitchFamily="2" charset="-127"/>
+                <a:cs typeface="KoPubWorldDotum Bold" pitchFamily="2" charset="-127"/>
+              </a:rPr>
+              <a:t>S3</a:t>
+            </a:r>
+            <a:endParaRPr kumimoji="1" lang="ko-KR" altLang="en-US" sz="1100" b="1" dirty="0">
+              <a:latin typeface="KoPubWorldDotum Bold" pitchFamily="2" charset="-127"/>
+              <a:ea typeface="KoPubWorldDotum Bold" pitchFamily="2" charset="-127"/>
+              <a:cs typeface="KoPubWorldDotum Bold" pitchFamily="2" charset="-127"/>
+            </a:endParaRPr>
+          </a:p>
+        </p:txBody>
+      </p:sp>
+      <p:cxnSp>
+        <p:nvCxnSpPr>
+          <p:cNvPr id="32" name="직선 화살표 연결선 31">
+            <a:extLst>
+              <a:ext uri="{FF2B5EF4-FFF2-40B4-BE49-F238E27FC236}">
+                <a16:creationId xmlns:a16="http://schemas.microsoft.com/office/drawing/2014/main" id="{9C4C48DA-AB9C-66CF-5BC3-E8C3AB5FEC45}"/>
+              </a:ext>
+            </a:extLst>
+          </p:cNvPr>
+          <p:cNvCxnSpPr>
+            <a:cxnSpLocks/>
+            <a:endCxn id="28" idx="3"/>
+          </p:cNvCxnSpPr>
+          <p:nvPr/>
+        </p:nvCxnSpPr>
+        <p:spPr>
+          <a:xfrm flipH="1">
+            <a:off x="8844634" y="3584145"/>
+            <a:ext cx="2545956" cy="0"/>
+          </a:xfrm>
+          <a:prstGeom prst="straightConnector1">
+            <a:avLst/>
+          </a:prstGeom>
+          <a:ln>
+            <a:headEnd type="none" w="med" len="med"/>
+            <a:tailEnd type="none" w="med" len="med"/>
+          </a:ln>
+        </p:spPr>
+        <p:style>
+          <a:lnRef idx="2">
+            <a:schemeClr val="accent1"/>
+          </a:lnRef>
+          <a:fillRef idx="0">
+            <a:schemeClr val="accent1"/>
+          </a:fillRef>
+          <a:effectRef idx="1">
+            <a:schemeClr val="accent1"/>
+          </a:effectRef>
+          <a:fontRef idx="minor">
+            <a:schemeClr val="tx1"/>
+          </a:fontRef>
+        </p:style>
+      </p:cxnSp>
+      <p:pic>
+        <p:nvPicPr>
+          <p:cNvPr id="33" name="그림 32">
+            <a:extLst>
+              <a:ext uri="{FF2B5EF4-FFF2-40B4-BE49-F238E27FC236}">
+                <a16:creationId xmlns:a16="http://schemas.microsoft.com/office/drawing/2014/main" id="{299B75B5-D8F0-18BC-D6BE-E676585A616C}"/>
+              </a:ext>
+            </a:extLst>
+          </p:cNvPr>
+          <p:cNvPicPr>
+            <a:picLocks noChangeAspect="1"/>
+          </p:cNvPicPr>
+          <p:nvPr/>
+        </p:nvPicPr>
+        <p:blipFill>
+          <a:blip r:embed="rId10"/>
+          <a:stretch>
+            <a:fillRect/>
+          </a:stretch>
+        </p:blipFill>
+        <p:spPr>
+          <a:xfrm>
+            <a:off x="6581429" y="3365838"/>
+            <a:ext cx="435116" cy="435116"/>
+          </a:xfrm>
+          <a:prstGeom prst="rect">
+            <a:avLst/>
+          </a:prstGeom>
+        </p:spPr>
+      </p:pic>
+      <p:sp>
+        <p:nvSpPr>
+          <p:cNvPr id="37" name="제목 1">
+            <a:extLst>
+              <a:ext uri="{FF2B5EF4-FFF2-40B4-BE49-F238E27FC236}">
+                <a16:creationId xmlns:a16="http://schemas.microsoft.com/office/drawing/2014/main" id="{4883C4EB-69F2-7707-5907-D402594B4B41}"/>
+              </a:ext>
+            </a:extLst>
+          </p:cNvPr>
+          <p:cNvSpPr txBox="1">
+            <a:spLocks/>
+          </p:cNvSpPr>
+          <p:nvPr/>
+        </p:nvSpPr>
+        <p:spPr>
+          <a:xfrm>
+            <a:off x="6312345" y="3869287"/>
+            <a:ext cx="967879" cy="267998"/>
+          </a:xfrm>
+          <a:prstGeom prst="rect">
+            <a:avLst/>
+          </a:prstGeom>
+        </p:spPr>
+        <p:txBody>
+          <a:bodyPr vert="horz" lIns="91440" tIns="45720" rIns="91440" bIns="45720" rtlCol="0" anchor="ctr">
+            <a:normAutofit/>
+          </a:bodyPr>
+          <a:lstStyle>
+            <a:lvl1pPr algn="l" defTabSz="914400" rtl="0" eaLnBrk="1" latinLnBrk="1" hangingPunct="1">
+              <a:lnSpc>
+                <a:spcPct val="90000"/>
+              </a:lnSpc>
+              <a:spcBef>
+                <a:spcPct val="0"/>
+              </a:spcBef>
+              <a:buNone/>
+              <a:defRPr sz="4400" kern="1200">
+                <a:solidFill>
+                  <a:schemeClr val="tx1"/>
+                </a:solidFill>
+                <a:latin typeface="+mj-lt"/>
+                <a:ea typeface="+mj-ea"/>
+                <a:cs typeface="+mj-cs"/>
+              </a:defRPr>
+            </a:lvl1pPr>
+          </a:lstStyle>
+          <a:p>
+            <a:pPr algn="ctr"/>
+            <a:r>
+              <a:rPr kumimoji="1" lang="en-US" altLang="ko-KR" sz="1100" b="1" dirty="0">
+                <a:latin typeface="KoPubWorldDotum Bold" pitchFamily="2" charset="-127"/>
+                <a:ea typeface="KoPubWorldDotum Bold" pitchFamily="2" charset="-127"/>
+                <a:cs typeface="KoPubWorldDotum Bold" pitchFamily="2" charset="-127"/>
+              </a:rPr>
+              <a:t>CloudFront</a:t>
+            </a:r>
+            <a:endParaRPr kumimoji="1" lang="ko-KR" altLang="en-US" sz="1100" b="1" dirty="0">
+              <a:latin typeface="KoPubWorldDotum Bold" pitchFamily="2" charset="-127"/>
+              <a:ea typeface="KoPubWorldDotum Bold" pitchFamily="2" charset="-127"/>
+              <a:cs typeface="KoPubWorldDotum Bold" pitchFamily="2" charset="-127"/>
+            </a:endParaRPr>
+          </a:p>
+        </p:txBody>
+      </p:sp>
+      <p:pic>
+        <p:nvPicPr>
+          <p:cNvPr id="38" name="그래픽 37" descr="사용자 단색으로 채워진">
+            <a:extLst>
+              <a:ext uri="{FF2B5EF4-FFF2-40B4-BE49-F238E27FC236}">
+                <a16:creationId xmlns:a16="http://schemas.microsoft.com/office/drawing/2014/main" id="{3CCFFB7A-B116-AF77-980D-C90D7C5B0E09}"/>
+              </a:ext>
+            </a:extLst>
+          </p:cNvPr>
+          <p:cNvPicPr>
+            <a:picLocks noChangeAspect="1"/>
+          </p:cNvPicPr>
+          <p:nvPr/>
+        </p:nvPicPr>
+        <p:blipFill>
+          <a:blip r:embed="rId11">
+            <a:extLst>
+              <a:ext uri="{96DAC541-7B7A-43D3-8B79-37D633B846F1}">
+                <asvg:svgBlip xmlns:asvg="http://schemas.microsoft.com/office/drawing/2016/SVG/main" r:embed="rId12"/>
+              </a:ext>
+            </a:extLst>
+          </a:blip>
+          <a:stretch>
+            <a:fillRect/>
+          </a:stretch>
+        </p:blipFill>
+        <p:spPr>
+          <a:xfrm>
+            <a:off x="11069435" y="3141147"/>
+            <a:ext cx="754027" cy="754027"/>
+          </a:xfrm>
+          <a:prstGeom prst="rect">
+            <a:avLst/>
+          </a:prstGeom>
+        </p:spPr>
+      </p:pic>
+      <p:pic>
+        <p:nvPicPr>
+          <p:cNvPr id="39" name="그림 38">
+            <a:extLst>
+              <a:ext uri="{FF2B5EF4-FFF2-40B4-BE49-F238E27FC236}">
+                <a16:creationId xmlns:a16="http://schemas.microsoft.com/office/drawing/2014/main" id="{4ECCA4A3-4896-020A-6E1B-A5C0CABA7AB0}"/>
+              </a:ext>
+            </a:extLst>
+          </p:cNvPr>
+          <p:cNvPicPr>
+            <a:picLocks noChangeAspect="1"/>
+          </p:cNvPicPr>
+          <p:nvPr/>
+        </p:nvPicPr>
+        <p:blipFill>
+          <a:blip r:embed="rId13"/>
+          <a:stretch>
+            <a:fillRect/>
+          </a:stretch>
+        </p:blipFill>
+        <p:spPr>
+          <a:xfrm>
+            <a:off x="10061669" y="3348696"/>
+            <a:ext cx="469400" cy="469400"/>
+          </a:xfrm>
+          <a:prstGeom prst="rect">
+            <a:avLst/>
+          </a:prstGeom>
+        </p:spPr>
+      </p:pic>
+      <p:sp>
+        <p:nvSpPr>
+          <p:cNvPr id="40" name="제목 1">
+            <a:extLst>
+              <a:ext uri="{FF2B5EF4-FFF2-40B4-BE49-F238E27FC236}">
+                <a16:creationId xmlns:a16="http://schemas.microsoft.com/office/drawing/2014/main" id="{D265A0A2-EE38-19E6-4AB8-846CED18BE20}"/>
+              </a:ext>
+            </a:extLst>
+          </p:cNvPr>
+          <p:cNvSpPr txBox="1">
+            <a:spLocks/>
+          </p:cNvSpPr>
+          <p:nvPr/>
+        </p:nvSpPr>
+        <p:spPr>
+          <a:xfrm>
+            <a:off x="9808138" y="3818096"/>
+            <a:ext cx="967879" cy="267998"/>
+          </a:xfrm>
+          <a:prstGeom prst="rect">
+            <a:avLst/>
+          </a:prstGeom>
+        </p:spPr>
+        <p:txBody>
+          <a:bodyPr vert="horz" lIns="91440" tIns="45720" rIns="91440" bIns="45720" rtlCol="0" anchor="ctr">
+            <a:normAutofit/>
+          </a:bodyPr>
+          <a:lstStyle>
+            <a:lvl1pPr algn="l" defTabSz="914400" rtl="0" eaLnBrk="1" latinLnBrk="1" hangingPunct="1">
+              <a:lnSpc>
+                <a:spcPct val="90000"/>
+              </a:lnSpc>
+              <a:spcBef>
+                <a:spcPct val="0"/>
+              </a:spcBef>
+              <a:buNone/>
+              <a:defRPr sz="4400" kern="1200">
+                <a:solidFill>
+                  <a:schemeClr val="tx1"/>
+                </a:solidFill>
+                <a:latin typeface="+mj-lt"/>
+                <a:ea typeface="+mj-ea"/>
+                <a:cs typeface="+mj-cs"/>
+              </a:defRPr>
+            </a:lvl1pPr>
+          </a:lstStyle>
+          <a:p>
+            <a:pPr algn="ctr"/>
+            <a:r>
+              <a:rPr kumimoji="1" lang="en-US" altLang="ko-KR" sz="1100" b="1" dirty="0">
+                <a:latin typeface="KoPubWorldDotum Bold" pitchFamily="2" charset="-127"/>
+                <a:ea typeface="KoPubWorldDotum Bold" pitchFamily="2" charset="-127"/>
+                <a:cs typeface="KoPubWorldDotum Bold" pitchFamily="2" charset="-127"/>
+              </a:rPr>
+              <a:t>Route 53</a:t>
+            </a:r>
+            <a:endParaRPr kumimoji="1" lang="ko-KR" altLang="en-US" sz="1100" b="1" dirty="0">
+              <a:latin typeface="KoPubWorldDotum Bold" pitchFamily="2" charset="-127"/>
+              <a:ea typeface="KoPubWorldDotum Bold" pitchFamily="2" charset="-127"/>
+              <a:cs typeface="KoPubWorldDotum Bold" pitchFamily="2" charset="-127"/>
+            </a:endParaRPr>
+          </a:p>
+        </p:txBody>
+      </p:sp>
+      <p:sp>
+        <p:nvSpPr>
+          <p:cNvPr id="41" name="처리 40">
+            <a:extLst>
+              <a:ext uri="{FF2B5EF4-FFF2-40B4-BE49-F238E27FC236}">
+                <a16:creationId xmlns:a16="http://schemas.microsoft.com/office/drawing/2014/main" id="{3696A90F-8B52-3CF7-5BAE-40A3644A9762}"/>
+              </a:ext>
+            </a:extLst>
+          </p:cNvPr>
+          <p:cNvSpPr/>
+          <p:nvPr/>
+        </p:nvSpPr>
+        <p:spPr>
+          <a:xfrm>
+            <a:off x="7502416" y="3123937"/>
+            <a:ext cx="1203109" cy="243942"/>
+          </a:xfrm>
+          <a:prstGeom prst="flowChartProcess">
+            <a:avLst/>
+          </a:prstGeom>
+          <a:solidFill>
+            <a:schemeClr val="accent1"/>
+          </a:solidFill>
+          <a:ln>
+            <a:noFill/>
+          </a:ln>
+        </p:spPr>
+        <p:style>
+          <a:lnRef idx="2">
+            <a:schemeClr val="accent1">
+              <a:shade val="15000"/>
+            </a:schemeClr>
+          </a:lnRef>
+          <a:fillRef idx="1">
+            <a:schemeClr val="accent1"/>
+          </a:fillRef>
+          <a:effectRef idx="0">
+            <a:schemeClr val="accent1"/>
+          </a:effectRef>
+          <a:fontRef idx="minor">
+            <a:schemeClr val="lt1"/>
+          </a:fontRef>
+        </p:style>
+        <p:txBody>
+          <a:bodyPr rtlCol="0" anchor="ctr"/>
+          <a:lstStyle/>
+          <a:p>
+            <a:pPr algn="ctr"/>
+            <a:r>
+              <a:rPr kumimoji="1" lang="en-US" altLang="ko-KR" sz="1100" b="1" dirty="0" err="1">
+                <a:latin typeface="KoPubWorldDotum Bold" pitchFamily="2" charset="-127"/>
+                <a:ea typeface="KoPubWorldDotum Bold" pitchFamily="2" charset="-127"/>
+                <a:cs typeface="KoPubWorldDotum Bold" pitchFamily="2" charset="-127"/>
+              </a:rPr>
+              <a:t>Front.js</a:t>
+            </a:r>
+            <a:endParaRPr kumimoji="1" lang="ko-KR" altLang="en-US" sz="1100" b="1" dirty="0">
+              <a:latin typeface="KoPubWorldDotum Bold" pitchFamily="2" charset="-127"/>
+              <a:ea typeface="KoPubWorldDotum Bold" pitchFamily="2" charset="-127"/>
+              <a:cs typeface="KoPubWorldDotum Bold" pitchFamily="2" charset="-127"/>
+            </a:endParaRPr>
+          </a:p>
+        </p:txBody>
+      </p:sp>
+      <p:sp>
+        <p:nvSpPr>
+          <p:cNvPr id="42" name="처리 41">
+            <a:extLst>
+              <a:ext uri="{FF2B5EF4-FFF2-40B4-BE49-F238E27FC236}">
+                <a16:creationId xmlns:a16="http://schemas.microsoft.com/office/drawing/2014/main" id="{CCF6BED8-D135-AFA2-9027-2049A89CFE2B}"/>
+              </a:ext>
+            </a:extLst>
+          </p:cNvPr>
+          <p:cNvSpPr/>
+          <p:nvPr/>
+        </p:nvSpPr>
+        <p:spPr>
+          <a:xfrm>
+            <a:off x="7502416" y="3383903"/>
+            <a:ext cx="1203109" cy="243942"/>
+          </a:xfrm>
+          <a:prstGeom prst="flowChartProcess">
+            <a:avLst/>
+          </a:prstGeom>
+          <a:solidFill>
+            <a:schemeClr val="accent1"/>
+          </a:solidFill>
+          <a:ln>
+            <a:noFill/>
+          </a:ln>
+        </p:spPr>
+        <p:style>
+          <a:lnRef idx="2">
+            <a:schemeClr val="accent1">
+              <a:shade val="15000"/>
+            </a:schemeClr>
+          </a:lnRef>
+          <a:fillRef idx="1">
+            <a:schemeClr val="accent1"/>
+          </a:fillRef>
+          <a:effectRef idx="0">
+            <a:schemeClr val="accent1"/>
+          </a:effectRef>
+          <a:fontRef idx="minor">
+            <a:schemeClr val="lt1"/>
+          </a:fontRef>
+        </p:style>
+        <p:txBody>
+          <a:bodyPr rtlCol="0" anchor="ctr"/>
+          <a:lstStyle/>
+          <a:p>
+            <a:pPr algn="ctr"/>
+            <a:r>
+              <a:rPr kumimoji="1" lang="en-US" altLang="ko-KR" sz="1100" b="1" dirty="0" err="1">
+                <a:latin typeface="KoPubWorldDotum Bold" pitchFamily="2" charset="-127"/>
+                <a:ea typeface="KoPubWorldDotum Bold" pitchFamily="2" charset="-127"/>
+                <a:cs typeface="KoPubWorldDotum Bold" pitchFamily="2" charset="-127"/>
+              </a:rPr>
+              <a:t>Front.html</a:t>
+            </a:r>
+            <a:endParaRPr kumimoji="1" lang="ko-KR" altLang="en-US" sz="1100" b="1" dirty="0">
+              <a:latin typeface="KoPubWorldDotum Bold" pitchFamily="2" charset="-127"/>
+              <a:ea typeface="KoPubWorldDotum Bold" pitchFamily="2" charset="-127"/>
+              <a:cs typeface="KoPubWorldDotum Bold" pitchFamily="2" charset="-127"/>
+            </a:endParaRPr>
+          </a:p>
+        </p:txBody>
+      </p:sp>
+      <p:sp>
+        <p:nvSpPr>
+          <p:cNvPr id="44" name="처리 43">
+            <a:extLst>
+              <a:ext uri="{FF2B5EF4-FFF2-40B4-BE49-F238E27FC236}">
+                <a16:creationId xmlns:a16="http://schemas.microsoft.com/office/drawing/2014/main" id="{26C1842D-826B-A14B-203C-E628EB699989}"/>
+              </a:ext>
+            </a:extLst>
+          </p:cNvPr>
+          <p:cNvSpPr/>
+          <p:nvPr/>
+        </p:nvSpPr>
+        <p:spPr>
+          <a:xfrm>
+            <a:off x="7502416" y="3646731"/>
+            <a:ext cx="1203109" cy="243942"/>
+          </a:xfrm>
+          <a:prstGeom prst="flowChartProcess">
+            <a:avLst/>
+          </a:prstGeom>
+          <a:solidFill>
+            <a:schemeClr val="accent1"/>
+          </a:solidFill>
+          <a:ln>
+            <a:noFill/>
+          </a:ln>
+        </p:spPr>
+        <p:style>
+          <a:lnRef idx="2">
+            <a:schemeClr val="accent1">
+              <a:shade val="15000"/>
+            </a:schemeClr>
+          </a:lnRef>
+          <a:fillRef idx="1">
+            <a:schemeClr val="accent1"/>
+          </a:fillRef>
+          <a:effectRef idx="0">
+            <a:schemeClr val="accent1"/>
+          </a:effectRef>
+          <a:fontRef idx="minor">
+            <a:schemeClr val="lt1"/>
+          </a:fontRef>
+        </p:style>
+        <p:txBody>
+          <a:bodyPr rtlCol="0" anchor="ctr"/>
+          <a:lstStyle/>
+          <a:p>
+            <a:pPr algn="ctr"/>
+            <a:r>
+              <a:rPr kumimoji="1" lang="en-US" altLang="ko-KR" sz="1100" b="1" dirty="0" err="1">
+                <a:latin typeface="KoPubWorldDotum Bold" pitchFamily="2" charset="-127"/>
+                <a:ea typeface="KoPubWorldDotum Bold" pitchFamily="2" charset="-127"/>
+                <a:cs typeface="KoPubWorldDotum Bold" pitchFamily="2" charset="-127"/>
+              </a:rPr>
+              <a:t>Front.css</a:t>
+            </a:r>
+            <a:endParaRPr kumimoji="1" lang="ko-KR" altLang="en-US" sz="1100" b="1" dirty="0">
+              <a:latin typeface="KoPubWorldDotum Bold" pitchFamily="2" charset="-127"/>
+              <a:ea typeface="KoPubWorldDotum Bold" pitchFamily="2" charset="-127"/>
+              <a:cs typeface="KoPubWorldDotum Bold" pitchFamily="2" charset="-127"/>
+            </a:endParaRPr>
+          </a:p>
+        </p:txBody>
+      </p:sp>
+      <p:pic>
+        <p:nvPicPr>
+          <p:cNvPr id="45" name="그림 44">
+            <a:extLst>
+              <a:ext uri="{FF2B5EF4-FFF2-40B4-BE49-F238E27FC236}">
+                <a16:creationId xmlns:a16="http://schemas.microsoft.com/office/drawing/2014/main" id="{371D1B9E-F9A5-B818-0A2D-56C3F74432FB}"/>
+              </a:ext>
+            </a:extLst>
+          </p:cNvPr>
+          <p:cNvPicPr>
+            <a:picLocks noChangeAspect="1"/>
+          </p:cNvPicPr>
+          <p:nvPr/>
+        </p:nvPicPr>
+        <p:blipFill>
+          <a:blip r:embed="rId14"/>
+          <a:stretch>
+            <a:fillRect/>
+          </a:stretch>
+        </p:blipFill>
+        <p:spPr>
+          <a:xfrm>
+            <a:off x="9214494" y="3352064"/>
+            <a:ext cx="458939" cy="458939"/>
+          </a:xfrm>
+          <a:prstGeom prst="rect">
+            <a:avLst/>
+          </a:prstGeom>
+        </p:spPr>
+      </p:pic>
+      <p:sp>
+        <p:nvSpPr>
+          <p:cNvPr id="47" name="제목 1">
+            <a:extLst>
+              <a:ext uri="{FF2B5EF4-FFF2-40B4-BE49-F238E27FC236}">
+                <a16:creationId xmlns:a16="http://schemas.microsoft.com/office/drawing/2014/main" id="{366394CA-2055-4338-75FA-29FAE3468C72}"/>
+              </a:ext>
+            </a:extLst>
+          </p:cNvPr>
+          <p:cNvSpPr txBox="1">
+            <a:spLocks/>
+          </p:cNvSpPr>
+          <p:nvPr/>
+        </p:nvSpPr>
+        <p:spPr>
+          <a:xfrm>
+            <a:off x="8954681" y="3818096"/>
+            <a:ext cx="967879" cy="267998"/>
+          </a:xfrm>
+          <a:prstGeom prst="rect">
+            <a:avLst/>
+          </a:prstGeom>
+        </p:spPr>
+        <p:txBody>
+          <a:bodyPr vert="horz" lIns="91440" tIns="45720" rIns="91440" bIns="45720" rtlCol="0" anchor="ctr">
+            <a:normAutofit/>
+          </a:bodyPr>
+          <a:lstStyle>
+            <a:lvl1pPr algn="l" defTabSz="914400" rtl="0" eaLnBrk="1" latinLnBrk="1" hangingPunct="1">
+              <a:lnSpc>
+                <a:spcPct val="90000"/>
+              </a:lnSpc>
+              <a:spcBef>
+                <a:spcPct val="0"/>
+              </a:spcBef>
+              <a:buNone/>
+              <a:defRPr sz="4400" kern="1200">
+                <a:solidFill>
+                  <a:schemeClr val="tx1"/>
+                </a:solidFill>
+                <a:latin typeface="+mj-lt"/>
+                <a:ea typeface="+mj-ea"/>
+                <a:cs typeface="+mj-cs"/>
+              </a:defRPr>
+            </a:lvl1pPr>
+          </a:lstStyle>
+          <a:p>
+            <a:pPr algn="ctr"/>
+            <a:r>
+              <a:rPr kumimoji="1" lang="en-US" altLang="ko-KR" sz="1100" b="1" dirty="0">
+                <a:latin typeface="KoPubWorldDotum Bold" pitchFamily="2" charset="-127"/>
+                <a:ea typeface="KoPubWorldDotum Bold" pitchFamily="2" charset="-127"/>
+                <a:cs typeface="KoPubWorldDotum Bold" pitchFamily="2" charset="-127"/>
+              </a:rPr>
+              <a:t>WAF</a:t>
+            </a:r>
+            <a:endParaRPr kumimoji="1" lang="ko-KR" altLang="en-US" sz="1100" b="1" dirty="0">
+              <a:latin typeface="KoPubWorldDotum Bold" pitchFamily="2" charset="-127"/>
+              <a:ea typeface="KoPubWorldDotum Bold" pitchFamily="2" charset="-127"/>
+              <a:cs typeface="KoPubWorldDotum Bold" pitchFamily="2" charset="-127"/>
+            </a:endParaRPr>
+          </a:p>
+        </p:txBody>
+      </p:sp>
+      <p:sp>
+        <p:nvSpPr>
+          <p:cNvPr id="48" name="제목 1">
+            <a:extLst>
+              <a:ext uri="{FF2B5EF4-FFF2-40B4-BE49-F238E27FC236}">
+                <a16:creationId xmlns:a16="http://schemas.microsoft.com/office/drawing/2014/main" id="{6666B4EF-DAA2-18A1-C3FB-6AA06B52EA62}"/>
+              </a:ext>
+            </a:extLst>
+          </p:cNvPr>
+          <p:cNvSpPr txBox="1">
+            <a:spLocks/>
+          </p:cNvSpPr>
+          <p:nvPr/>
+        </p:nvSpPr>
+        <p:spPr>
+          <a:xfrm>
+            <a:off x="5451168" y="3869287"/>
+            <a:ext cx="967879" cy="267998"/>
+          </a:xfrm>
+          <a:prstGeom prst="rect">
+            <a:avLst/>
+          </a:prstGeom>
+        </p:spPr>
+        <p:txBody>
+          <a:bodyPr vert="horz" lIns="91440" tIns="45720" rIns="91440" bIns="45720" rtlCol="0" anchor="ctr">
+            <a:normAutofit fontScale="92500"/>
+          </a:bodyPr>
+          <a:lstStyle>
+            <a:lvl1pPr algn="l" defTabSz="914400" rtl="0" eaLnBrk="1" latinLnBrk="1" hangingPunct="1">
+              <a:lnSpc>
+                <a:spcPct val="90000"/>
+              </a:lnSpc>
+              <a:spcBef>
+                <a:spcPct val="0"/>
+              </a:spcBef>
+              <a:buNone/>
+              <a:defRPr sz="4400" kern="1200">
+                <a:solidFill>
+                  <a:schemeClr val="tx1"/>
+                </a:solidFill>
+                <a:latin typeface="+mj-lt"/>
+                <a:ea typeface="+mj-ea"/>
+                <a:cs typeface="+mj-cs"/>
+              </a:defRPr>
+            </a:lvl1pPr>
+          </a:lstStyle>
+          <a:p>
+            <a:pPr algn="ctr"/>
+            <a:r>
+              <a:rPr kumimoji="1" lang="en-US" altLang="ko-KR" sz="1100" b="1" dirty="0">
+                <a:latin typeface="KoPubWorldDotum Bold" pitchFamily="2" charset="-127"/>
+                <a:ea typeface="KoPubWorldDotum Bold" pitchFamily="2" charset="-127"/>
+                <a:cs typeface="KoPubWorldDotum Bold" pitchFamily="2" charset="-127"/>
+              </a:rPr>
+              <a:t>API Gateway</a:t>
+            </a:r>
+            <a:endParaRPr kumimoji="1" lang="ko-KR" altLang="en-US" sz="1100" b="1" dirty="0">
+              <a:latin typeface="KoPubWorldDotum Bold" pitchFamily="2" charset="-127"/>
+              <a:ea typeface="KoPubWorldDotum Bold" pitchFamily="2" charset="-127"/>
+              <a:cs typeface="KoPubWorldDotum Bold" pitchFamily="2" charset="-127"/>
+            </a:endParaRPr>
+          </a:p>
+        </p:txBody>
+      </p:sp>
+      <p:sp>
+        <p:nvSpPr>
+          <p:cNvPr id="52" name="제목 1">
+            <a:extLst>
+              <a:ext uri="{FF2B5EF4-FFF2-40B4-BE49-F238E27FC236}">
+                <a16:creationId xmlns:a16="http://schemas.microsoft.com/office/drawing/2014/main" id="{E9F17F88-4DCB-803E-4479-A1146811AEB5}"/>
+              </a:ext>
+            </a:extLst>
+          </p:cNvPr>
+          <p:cNvSpPr txBox="1">
+            <a:spLocks/>
+          </p:cNvSpPr>
+          <p:nvPr/>
+        </p:nvSpPr>
+        <p:spPr>
+          <a:xfrm>
+            <a:off x="4528538" y="3862660"/>
+            <a:ext cx="967879" cy="267998"/>
+          </a:xfrm>
+          <a:prstGeom prst="rect">
+            <a:avLst/>
+          </a:prstGeom>
+        </p:spPr>
+        <p:txBody>
+          <a:bodyPr vert="horz" lIns="91440" tIns="45720" rIns="91440" bIns="45720" rtlCol="0" anchor="ctr">
+            <a:normAutofit/>
+          </a:bodyPr>
+          <a:lstStyle>
+            <a:lvl1pPr algn="l" defTabSz="914400" rtl="0" eaLnBrk="1" latinLnBrk="1" hangingPunct="1">
+              <a:lnSpc>
+                <a:spcPct val="90000"/>
+              </a:lnSpc>
+              <a:spcBef>
+                <a:spcPct val="0"/>
+              </a:spcBef>
+              <a:buNone/>
+              <a:defRPr sz="4400" kern="1200">
+                <a:solidFill>
+                  <a:schemeClr val="tx1"/>
+                </a:solidFill>
+                <a:latin typeface="+mj-lt"/>
+                <a:ea typeface="+mj-ea"/>
+                <a:cs typeface="+mj-cs"/>
+              </a:defRPr>
+            </a:lvl1pPr>
+          </a:lstStyle>
+          <a:p>
+            <a:pPr algn="ctr"/>
+            <a:r>
+              <a:rPr kumimoji="1" lang="en-US" altLang="ko-KR" sz="1100" b="1" dirty="0" err="1">
+                <a:latin typeface="KoPubWorldDotum Bold" pitchFamily="2" charset="-127"/>
+                <a:ea typeface="KoPubWorldDotum Bold" pitchFamily="2" charset="-127"/>
+                <a:cs typeface="KoPubWorldDotum Bold" pitchFamily="2" charset="-127"/>
+              </a:rPr>
+              <a:t>Cloudwatch</a:t>
+            </a:r>
+            <a:endParaRPr kumimoji="1" lang="ko-KR" altLang="en-US" sz="1100" b="1" dirty="0">
+              <a:latin typeface="KoPubWorldDotum Bold" pitchFamily="2" charset="-127"/>
+              <a:ea typeface="KoPubWorldDotum Bold" pitchFamily="2" charset="-127"/>
+              <a:cs typeface="KoPubWorldDotum Bold" pitchFamily="2" charset="-127"/>
+            </a:endParaRPr>
+          </a:p>
+        </p:txBody>
+      </p:sp>
+      <p:pic>
+        <p:nvPicPr>
+          <p:cNvPr id="53" name="그림 52">
+            <a:extLst>
+              <a:ext uri="{FF2B5EF4-FFF2-40B4-BE49-F238E27FC236}">
+                <a16:creationId xmlns:a16="http://schemas.microsoft.com/office/drawing/2014/main" id="{2553ADDA-AB0D-A775-5972-34D82429DC78}"/>
+              </a:ext>
+            </a:extLst>
+          </p:cNvPr>
+          <p:cNvPicPr>
+            <a:picLocks noChangeAspect="1"/>
+          </p:cNvPicPr>
+          <p:nvPr/>
+        </p:nvPicPr>
+        <p:blipFill>
+          <a:blip r:embed="rId15"/>
+          <a:stretch>
+            <a:fillRect/>
+          </a:stretch>
+        </p:blipFill>
+        <p:spPr>
+          <a:xfrm>
+            <a:off x="3459639" y="2438413"/>
+            <a:ext cx="462143" cy="462143"/>
+          </a:xfrm>
+          <a:prstGeom prst="rect">
+            <a:avLst/>
+          </a:prstGeom>
+        </p:spPr>
+      </p:pic>
+      <p:cxnSp>
+        <p:nvCxnSpPr>
+          <p:cNvPr id="58" name="직선 화살표 연결선 57">
+            <a:extLst>
+              <a:ext uri="{FF2B5EF4-FFF2-40B4-BE49-F238E27FC236}">
+                <a16:creationId xmlns:a16="http://schemas.microsoft.com/office/drawing/2014/main" id="{C200A8CC-7AD0-96A0-D14C-CCC93D69ED8B}"/>
+              </a:ext>
+            </a:extLst>
+          </p:cNvPr>
+          <p:cNvCxnSpPr>
+            <a:cxnSpLocks/>
+          </p:cNvCxnSpPr>
+          <p:nvPr/>
+        </p:nvCxnSpPr>
+        <p:spPr>
+          <a:xfrm>
+            <a:off x="3690710" y="3113297"/>
+            <a:ext cx="0" cy="110270"/>
+          </a:xfrm>
+          <a:prstGeom prst="straightConnector1">
+            <a:avLst/>
+          </a:prstGeom>
+          <a:ln>
+            <a:headEnd type="none" w="med" len="med"/>
+            <a:tailEnd type="none" w="med" len="med"/>
+          </a:ln>
+        </p:spPr>
+        <p:style>
+          <a:lnRef idx="2">
+            <a:schemeClr val="accent1"/>
+          </a:lnRef>
+          <a:fillRef idx="0">
+            <a:schemeClr val="accent1"/>
+          </a:fillRef>
+          <a:effectRef idx="1">
+            <a:schemeClr val="accent1"/>
+          </a:effectRef>
+          <a:fontRef idx="minor">
+            <a:schemeClr val="tx1"/>
+          </a:fontRef>
+        </p:style>
+      </p:cxnSp>
+      <p:sp>
+        <p:nvSpPr>
+          <p:cNvPr id="59" name="제목 1">
+            <a:extLst>
+              <a:ext uri="{FF2B5EF4-FFF2-40B4-BE49-F238E27FC236}">
+                <a16:creationId xmlns:a16="http://schemas.microsoft.com/office/drawing/2014/main" id="{136BCF7D-BE45-1249-0A36-AE08D869C09D}"/>
+              </a:ext>
+            </a:extLst>
+          </p:cNvPr>
+          <p:cNvSpPr txBox="1">
+            <a:spLocks/>
+          </p:cNvSpPr>
+          <p:nvPr/>
+        </p:nvSpPr>
+        <p:spPr>
+          <a:xfrm>
+            <a:off x="3333079" y="2864582"/>
+            <a:ext cx="739201" cy="267998"/>
+          </a:xfrm>
+          <a:prstGeom prst="rect">
+            <a:avLst/>
+          </a:prstGeom>
+        </p:spPr>
+        <p:txBody>
+          <a:bodyPr vert="horz" lIns="91440" tIns="45720" rIns="91440" bIns="45720" rtlCol="0" anchor="ctr">
+            <a:normAutofit/>
+          </a:bodyPr>
+          <a:lstStyle>
+            <a:lvl1pPr algn="l" defTabSz="914400" rtl="0" eaLnBrk="1" latinLnBrk="1" hangingPunct="1">
+              <a:lnSpc>
+                <a:spcPct val="90000"/>
+              </a:lnSpc>
+              <a:spcBef>
+                <a:spcPct val="0"/>
+              </a:spcBef>
+              <a:buNone/>
+              <a:defRPr sz="4400" kern="1200">
+                <a:solidFill>
+                  <a:schemeClr val="tx1"/>
+                </a:solidFill>
+                <a:latin typeface="+mj-lt"/>
+                <a:ea typeface="+mj-ea"/>
+                <a:cs typeface="+mj-cs"/>
+              </a:defRPr>
+            </a:lvl1pPr>
+          </a:lstStyle>
+          <a:p>
+            <a:pPr algn="ctr"/>
+            <a:r>
+              <a:rPr kumimoji="1" lang="en-US" altLang="ko-KR" sz="1100" b="1" dirty="0">
+                <a:latin typeface="KoPubWorldDotum Bold" pitchFamily="2" charset="-127"/>
+                <a:ea typeface="KoPubWorldDotum Bold" pitchFamily="2" charset="-127"/>
+                <a:cs typeface="KoPubWorldDotum Bold" pitchFamily="2" charset="-127"/>
+              </a:rPr>
+              <a:t>Cognito</a:t>
+            </a:r>
+            <a:endParaRPr kumimoji="1" lang="ko-KR" altLang="en-US" sz="1100" b="1" dirty="0">
+              <a:latin typeface="KoPubWorldDotum Bold" pitchFamily="2" charset="-127"/>
+              <a:ea typeface="KoPubWorldDotum Bold" pitchFamily="2" charset="-127"/>
+              <a:cs typeface="KoPubWorldDotum Bold" pitchFamily="2" charset="-127"/>
+            </a:endParaRPr>
           </a:p>
         </p:txBody>
       </p:sp>
     </p:spTree>
     <p:extLst>
       <p:ext uri="{BB962C8B-B14F-4D97-AF65-F5344CB8AC3E}">
-        <p14:creationId xmlns:p14="http://schemas.microsoft.com/office/powerpoint/2010/main" val="791824163"/>
+        <p14:creationId xmlns:p14="http://schemas.microsoft.com/office/powerpoint/2010/main" val="1282794196"/>
       </p:ext>
     </p:extLst>
   </p:cSld>

--- a/개발계획서.pptx
+++ b/개발계획서.pptx
@@ -266,7 +266,7 @@
           <a:p>
             <a:fld id="{B2310862-A932-4A4D-BE7A-7832C8DBE490}" type="datetimeFigureOut">
               <a:rPr kumimoji="1" lang="ko-KR" altLang="en-US" smtClean="0"/>
-              <a:t>2024. 7. 15.</a:t>
+              <a:t>2024. 7. 16.</a:t>
             </a:fld>
             <a:endParaRPr kumimoji="1" lang="ko-KR" altLang="en-US"/>
           </a:p>
@@ -464,7 +464,7 @@
           <a:p>
             <a:fld id="{B2310862-A932-4A4D-BE7A-7832C8DBE490}" type="datetimeFigureOut">
               <a:rPr kumimoji="1" lang="ko-KR" altLang="en-US" smtClean="0"/>
-              <a:t>2024. 7. 15.</a:t>
+              <a:t>2024. 7. 16.</a:t>
             </a:fld>
             <a:endParaRPr kumimoji="1" lang="ko-KR" altLang="en-US"/>
           </a:p>
@@ -672,7 +672,7 @@
           <a:p>
             <a:fld id="{B2310862-A932-4A4D-BE7A-7832C8DBE490}" type="datetimeFigureOut">
               <a:rPr kumimoji="1" lang="ko-KR" altLang="en-US" smtClean="0"/>
-              <a:t>2024. 7. 15.</a:t>
+              <a:t>2024. 7. 16.</a:t>
             </a:fld>
             <a:endParaRPr kumimoji="1" lang="ko-KR" altLang="en-US"/>
           </a:p>
@@ -870,7 +870,7 @@
           <a:p>
             <a:fld id="{B2310862-A932-4A4D-BE7A-7832C8DBE490}" type="datetimeFigureOut">
               <a:rPr kumimoji="1" lang="ko-KR" altLang="en-US" smtClean="0"/>
-              <a:t>2024. 7. 15.</a:t>
+              <a:t>2024. 7. 16.</a:t>
             </a:fld>
             <a:endParaRPr kumimoji="1" lang="ko-KR" altLang="en-US"/>
           </a:p>
@@ -1145,7 +1145,7 @@
           <a:p>
             <a:fld id="{B2310862-A932-4A4D-BE7A-7832C8DBE490}" type="datetimeFigureOut">
               <a:rPr kumimoji="1" lang="ko-KR" altLang="en-US" smtClean="0"/>
-              <a:t>2024. 7. 15.</a:t>
+              <a:t>2024. 7. 16.</a:t>
             </a:fld>
             <a:endParaRPr kumimoji="1" lang="ko-KR" altLang="en-US"/>
           </a:p>
@@ -1410,7 +1410,7 @@
           <a:p>
             <a:fld id="{B2310862-A932-4A4D-BE7A-7832C8DBE490}" type="datetimeFigureOut">
               <a:rPr kumimoji="1" lang="ko-KR" altLang="en-US" smtClean="0"/>
-              <a:t>2024. 7. 15.</a:t>
+              <a:t>2024. 7. 16.</a:t>
             </a:fld>
             <a:endParaRPr kumimoji="1" lang="ko-KR" altLang="en-US"/>
           </a:p>
@@ -1822,7 +1822,7 @@
           <a:p>
             <a:fld id="{B2310862-A932-4A4D-BE7A-7832C8DBE490}" type="datetimeFigureOut">
               <a:rPr kumimoji="1" lang="ko-KR" altLang="en-US" smtClean="0"/>
-              <a:t>2024. 7. 15.</a:t>
+              <a:t>2024. 7. 16.</a:t>
             </a:fld>
             <a:endParaRPr kumimoji="1" lang="ko-KR" altLang="en-US"/>
           </a:p>
@@ -1963,7 +1963,7 @@
           <a:p>
             <a:fld id="{B2310862-A932-4A4D-BE7A-7832C8DBE490}" type="datetimeFigureOut">
               <a:rPr kumimoji="1" lang="ko-KR" altLang="en-US" smtClean="0"/>
-              <a:t>2024. 7. 15.</a:t>
+              <a:t>2024. 7. 16.</a:t>
             </a:fld>
             <a:endParaRPr kumimoji="1" lang="ko-KR" altLang="en-US"/>
           </a:p>
@@ -2076,7 +2076,7 @@
           <a:p>
             <a:fld id="{B2310862-A932-4A4D-BE7A-7832C8DBE490}" type="datetimeFigureOut">
               <a:rPr kumimoji="1" lang="ko-KR" altLang="en-US" smtClean="0"/>
-              <a:t>2024. 7. 15.</a:t>
+              <a:t>2024. 7. 16.</a:t>
             </a:fld>
             <a:endParaRPr kumimoji="1" lang="ko-KR" altLang="en-US"/>
           </a:p>
@@ -2387,7 +2387,7 @@
           <a:p>
             <a:fld id="{B2310862-A932-4A4D-BE7A-7832C8DBE490}" type="datetimeFigureOut">
               <a:rPr kumimoji="1" lang="ko-KR" altLang="en-US" smtClean="0"/>
-              <a:t>2024. 7. 15.</a:t>
+              <a:t>2024. 7. 16.</a:t>
             </a:fld>
             <a:endParaRPr kumimoji="1" lang="ko-KR" altLang="en-US"/>
           </a:p>
@@ -2675,7 +2675,7 @@
           <a:p>
             <a:fld id="{B2310862-A932-4A4D-BE7A-7832C8DBE490}" type="datetimeFigureOut">
               <a:rPr kumimoji="1" lang="ko-KR" altLang="en-US" smtClean="0"/>
-              <a:t>2024. 7. 15.</a:t>
+              <a:t>2024. 7. 16.</a:t>
             </a:fld>
             <a:endParaRPr kumimoji="1" lang="ko-KR" altLang="en-US"/>
           </a:p>
@@ -2916,7 +2916,7 @@
           <a:p>
             <a:fld id="{B2310862-A932-4A4D-BE7A-7832C8DBE490}" type="datetimeFigureOut">
               <a:rPr kumimoji="1" lang="ko-KR" altLang="en-US" smtClean="0"/>
-              <a:t>2024. 7. 15.</a:t>
+              <a:t>2024. 7. 16.</a:t>
             </a:fld>
             <a:endParaRPr kumimoji="1" lang="ko-KR" altLang="en-US"/>
           </a:p>
@@ -3517,19 +3517,6 @@
               </a:rPr>
               <a:t>선정의 문제</a:t>
             </a:r>
-            <a:r>
-              <a:rPr kumimoji="1" lang="en-US" altLang="ko-KR" sz="2800" dirty="0">
-                <a:latin typeface="KoPubWorldDotum Medium" pitchFamily="2" charset="-127"/>
-                <a:ea typeface="KoPubWorldDotum Medium" pitchFamily="2" charset="-127"/>
-                <a:cs typeface="KoPubWorldDotum Medium" pitchFamily="2" charset="-127"/>
-              </a:rPr>
-              <a:t>...</a:t>
-            </a:r>
-            <a:endParaRPr kumimoji="1" lang="ko-KR" altLang="en-US" sz="2800" dirty="0">
-              <a:latin typeface="KoPubWorldDotum Medium" pitchFamily="2" charset="-127"/>
-              <a:ea typeface="KoPubWorldDotum Medium" pitchFamily="2" charset="-127"/>
-              <a:cs typeface="KoPubWorldDotum Medium" pitchFamily="2" charset="-127"/>
-            </a:endParaRPr>
           </a:p>
         </p:txBody>
       </p:sp>
@@ -3550,7 +3537,7 @@
         <p:spPr>
           <a:xfrm>
             <a:off x="514800" y="1227596"/>
-            <a:ext cx="11454925" cy="1484919"/>
+            <a:ext cx="11454925" cy="2201404"/>
           </a:xfrm>
           <a:prstGeom prst="rect">
             <a:avLst/>
@@ -3558,7 +3545,7 @@
         </p:spPr>
         <p:txBody>
           <a:bodyPr vert="horz" lIns="91440" tIns="45720" rIns="91440" bIns="45720" rtlCol="0" anchor="ctr">
-            <a:normAutofit fontScale="92500" lnSpcReduction="10000"/>
+            <a:normAutofit/>
           </a:bodyPr>
           <a:lstStyle>
             <a:lvl1pPr algn="l" defTabSz="914400" rtl="0" eaLnBrk="1" latinLnBrk="1" hangingPunct="1">
@@ -3717,7 +3704,7 @@
                 <a:ea typeface="KoPubWorldDotum Medium" pitchFamily="2" charset="-127"/>
                 <a:cs typeface="KoPubWorldDotum Medium" pitchFamily="2" charset="-127"/>
               </a:rPr>
-              <a:t>Claude 3 Sonnet, Claude 3.5 Sonnet </a:t>
+              <a:t>Claude 3 Sonnet</a:t>
             </a:r>
             <a:r>
               <a:rPr kumimoji="1" lang="ko-KR" altLang="en-US" sz="1400" dirty="0">
@@ -3725,7 +3712,7 @@
                 <a:ea typeface="KoPubWorldDotum Medium" pitchFamily="2" charset="-127"/>
                 <a:cs typeface="KoPubWorldDotum Medium" pitchFamily="2" charset="-127"/>
               </a:rPr>
-              <a:t>사용</a:t>
+              <a:t> 사용</a:t>
             </a:r>
             <a:endParaRPr kumimoji="1" lang="en-US" altLang="ko-KR" sz="1400" dirty="0">
               <a:latin typeface="KoPubWorldDotum Medium" pitchFamily="2" charset="-127"/>
@@ -3848,6 +3835,47 @@
               <a:ea typeface="KoPubWorldDotum Medium" pitchFamily="2" charset="-127"/>
               <a:cs typeface="KoPubWorldDotum Medium" pitchFamily="2" charset="-127"/>
             </a:endParaRPr>
+          </a:p>
+          <a:p>
+            <a:pPr marL="285750" indent="-285750">
+              <a:lnSpc>
+                <a:spcPct val="150000"/>
+              </a:lnSpc>
+              <a:buFont typeface="Arial" panose="020B0604020202020204" pitchFamily="34" charset="0"/>
+              <a:buChar char="•"/>
+            </a:pPr>
+            <a:r>
+              <a:rPr kumimoji="1" lang="ko-KR" altLang="en-US" sz="1400" dirty="0">
+                <a:latin typeface="KoPubWorldDotum Medium" pitchFamily="2" charset="-127"/>
+                <a:ea typeface="KoPubWorldDotum Medium" pitchFamily="2" charset="-127"/>
+                <a:cs typeface="KoPubWorldDotum Medium" pitchFamily="2" charset="-127"/>
+              </a:rPr>
+              <a:t>모델의 온도</a:t>
+            </a:r>
+            <a:r>
+              <a:rPr kumimoji="1" lang="en-US" altLang="ko-KR" sz="1400" dirty="0">
+                <a:latin typeface="KoPubWorldDotum Medium" pitchFamily="2" charset="-127"/>
+                <a:ea typeface="KoPubWorldDotum Medium" pitchFamily="2" charset="-127"/>
+                <a:cs typeface="KoPubWorldDotum Medium" pitchFamily="2" charset="-127"/>
+              </a:rPr>
+              <a:t>,</a:t>
+            </a:r>
+            <a:r>
+              <a:rPr kumimoji="1" lang="ko-KR" altLang="en-US" sz="1400" dirty="0">
+                <a:latin typeface="KoPubWorldDotum Medium" pitchFamily="2" charset="-127"/>
+                <a:ea typeface="KoPubWorldDotum Medium" pitchFamily="2" charset="-127"/>
+                <a:cs typeface="KoPubWorldDotum Medium" pitchFamily="2" charset="-127"/>
+              </a:rPr>
+              <a:t> 무작위성 등 튜닝은 솔루션 구축 후에 다듬으면 된다</a:t>
+            </a:r>
+            <a:r>
+              <a:rPr kumimoji="1" lang="en-US" altLang="ko-KR" sz="1400" dirty="0">
+                <a:latin typeface="KoPubWorldDotum Medium" pitchFamily="2" charset="-127"/>
+                <a:ea typeface="KoPubWorldDotum Medium" pitchFamily="2" charset="-127"/>
+                <a:cs typeface="KoPubWorldDotum Medium" pitchFamily="2" charset="-127"/>
+              </a:rPr>
+              <a:t>.</a:t>
+            </a:r>
           </a:p>
           <a:p>
             <a:pPr marL="285750" indent="-285750">
@@ -5160,7 +5188,7 @@
                 <a:ea typeface="KoPubWorldDotum Medium" pitchFamily="2" charset="-127"/>
                 <a:cs typeface="KoPubWorldDotum Medium" pitchFamily="2" charset="-127"/>
               </a:rPr>
-              <a:t>단일 사용자 단일 세션을 가정하고 메모리 구현 </a:t>
+              <a:t>단일 세션을 가정하고 메모리 구현 </a:t>
             </a:r>
             <a:r>
               <a:rPr kumimoji="1" lang="en-US" altLang="ko-KR" sz="1400" dirty="0">
@@ -5214,7 +5242,7 @@
                 <a:ea typeface="KoPubWorldDotum Medium" pitchFamily="2" charset="-127"/>
                 <a:cs typeface="KoPubWorldDotum Medium" pitchFamily="2" charset="-127"/>
               </a:rPr>
-              <a:t>프론트 없으므로 인터랙션</a:t>
+              <a:t>인터랙션은 </a:t>
             </a:r>
             <a:r>
               <a:rPr kumimoji="1" lang="en-US" altLang="ko-KR" sz="1400" dirty="0">
@@ -5222,7 +5250,7 @@
                 <a:ea typeface="KoPubWorldDotum Medium" pitchFamily="2" charset="-127"/>
                 <a:cs typeface="KoPubWorldDotum Medium" pitchFamily="2" charset="-127"/>
               </a:rPr>
-              <a:t> </a:t>
+              <a:t>shell </a:t>
             </a:r>
             <a:r>
               <a:rPr kumimoji="1" lang="ko-KR" altLang="en-US" sz="1400" dirty="0">
@@ -5230,7 +5258,7 @@
                 <a:ea typeface="KoPubWorldDotum Medium" pitchFamily="2" charset="-127"/>
                 <a:cs typeface="KoPubWorldDotum Medium" pitchFamily="2" charset="-127"/>
               </a:rPr>
-              <a:t>제한적</a:t>
+              <a:t>등 개발 환경 사용</a:t>
             </a:r>
             <a:endParaRPr kumimoji="1" lang="en-US" altLang="ko-KR" sz="1400" dirty="0">
               <a:latin typeface="KoPubWorldDotum Medium" pitchFamily="2" charset="-127"/>
@@ -6564,7 +6592,7 @@
                 <a:ea typeface="KoPubWorldDotum Medium" pitchFamily="2" charset="-127"/>
                 <a:cs typeface="KoPubWorldDotum Medium" pitchFamily="2" charset="-127"/>
               </a:rPr>
-              <a:t>사용자 스크립트를 캐치해서 역으로 전달하는 경로 필요</a:t>
+              <a:t>프론트에서 스크립트를 캐치해서 역으로 전달하는 경로 필요</a:t>
             </a:r>
             <a:endParaRPr kumimoji="1" lang="en-US" altLang="ko-KR" sz="1400" dirty="0">
               <a:latin typeface="KoPubWorldDotum Medium" pitchFamily="2" charset="-127"/>
@@ -11436,7 +11464,7 @@
               <a:buChar char="•"/>
             </a:pPr>
             <a:r>
-              <a:rPr kumimoji="1" lang="en-US" altLang="ko-KR" sz="1400" dirty="0">
+              <a:rPr kumimoji="1" lang="en-US" altLang="ko-KR" sz="1400">
                 <a:latin typeface="KoPubWorldDotum Medium" pitchFamily="2" charset="-127"/>
                 <a:ea typeface="KoPubWorldDotum Medium" pitchFamily="2" charset="-127"/>
                 <a:cs typeface="KoPubWorldDotum Medium" pitchFamily="2" charset="-127"/>
@@ -11444,12 +11472,12 @@
               <a:t>CloudFront</a:t>
             </a:r>
             <a:r>
-              <a:rPr kumimoji="1" lang="ko-KR" altLang="en-US" sz="1400" dirty="0">
+              <a:rPr kumimoji="1" lang="ko-KR" altLang="en-US" sz="1400">
                 <a:latin typeface="KoPubWorldDotum Medium" pitchFamily="2" charset="-127"/>
                 <a:ea typeface="KoPubWorldDotum Medium" pitchFamily="2" charset="-127"/>
                 <a:cs typeface="KoPubWorldDotum Medium" pitchFamily="2" charset="-127"/>
               </a:rPr>
-              <a:t>로 </a:t>
+              <a:t> </a:t>
             </a:r>
             <a:r>
               <a:rPr kumimoji="1" lang="ko-KR" altLang="en-US" sz="1400" dirty="0" err="1">

--- a/개발계획서.pptx
+++ b/개발계획서.pptx
@@ -5,14 +5,13 @@
     <p:sldMasterId id="2147483648" r:id="rId1"/>
   </p:sldMasterIdLst>
   <p:sldIdLst>
-    <p:sldId id="256" r:id="rId2"/>
-    <p:sldId id="257" r:id="rId3"/>
-    <p:sldId id="258" r:id="rId4"/>
-    <p:sldId id="273" r:id="rId5"/>
-    <p:sldId id="272" r:id="rId6"/>
-    <p:sldId id="271" r:id="rId7"/>
-    <p:sldId id="270" r:id="rId8"/>
-    <p:sldId id="269" r:id="rId9"/>
+    <p:sldId id="257" r:id="rId2"/>
+    <p:sldId id="258" r:id="rId3"/>
+    <p:sldId id="273" r:id="rId4"/>
+    <p:sldId id="272" r:id="rId5"/>
+    <p:sldId id="271" r:id="rId6"/>
+    <p:sldId id="270" r:id="rId7"/>
+    <p:sldId id="269" r:id="rId8"/>
   </p:sldIdLst>
   <p:sldSz cx="12192000" cy="6858000"/>
   <p:notesSz cx="6858000" cy="9144000"/>
@@ -266,7 +265,7 @@
           <a:p>
             <a:fld id="{B2310862-A932-4A4D-BE7A-7832C8DBE490}" type="datetimeFigureOut">
               <a:rPr kumimoji="1" lang="ko-KR" altLang="en-US" smtClean="0"/>
-              <a:t>2024. 7. 16.</a:t>
+              <a:t>2024. 7. 17.</a:t>
             </a:fld>
             <a:endParaRPr kumimoji="1" lang="ko-KR" altLang="en-US"/>
           </a:p>
@@ -464,7 +463,7 @@
           <a:p>
             <a:fld id="{B2310862-A932-4A4D-BE7A-7832C8DBE490}" type="datetimeFigureOut">
               <a:rPr kumimoji="1" lang="ko-KR" altLang="en-US" smtClean="0"/>
-              <a:t>2024. 7. 16.</a:t>
+              <a:t>2024. 7. 17.</a:t>
             </a:fld>
             <a:endParaRPr kumimoji="1" lang="ko-KR" altLang="en-US"/>
           </a:p>
@@ -672,7 +671,7 @@
           <a:p>
             <a:fld id="{B2310862-A932-4A4D-BE7A-7832C8DBE490}" type="datetimeFigureOut">
               <a:rPr kumimoji="1" lang="ko-KR" altLang="en-US" smtClean="0"/>
-              <a:t>2024. 7. 16.</a:t>
+              <a:t>2024. 7. 17.</a:t>
             </a:fld>
             <a:endParaRPr kumimoji="1" lang="ko-KR" altLang="en-US"/>
           </a:p>
@@ -870,7 +869,7 @@
           <a:p>
             <a:fld id="{B2310862-A932-4A4D-BE7A-7832C8DBE490}" type="datetimeFigureOut">
               <a:rPr kumimoji="1" lang="ko-KR" altLang="en-US" smtClean="0"/>
-              <a:t>2024. 7. 16.</a:t>
+              <a:t>2024. 7. 17.</a:t>
             </a:fld>
             <a:endParaRPr kumimoji="1" lang="ko-KR" altLang="en-US"/>
           </a:p>
@@ -1145,7 +1144,7 @@
           <a:p>
             <a:fld id="{B2310862-A932-4A4D-BE7A-7832C8DBE490}" type="datetimeFigureOut">
               <a:rPr kumimoji="1" lang="ko-KR" altLang="en-US" smtClean="0"/>
-              <a:t>2024. 7. 16.</a:t>
+              <a:t>2024. 7. 17.</a:t>
             </a:fld>
             <a:endParaRPr kumimoji="1" lang="ko-KR" altLang="en-US"/>
           </a:p>
@@ -1410,7 +1409,7 @@
           <a:p>
             <a:fld id="{B2310862-A932-4A4D-BE7A-7832C8DBE490}" type="datetimeFigureOut">
               <a:rPr kumimoji="1" lang="ko-KR" altLang="en-US" smtClean="0"/>
-              <a:t>2024. 7. 16.</a:t>
+              <a:t>2024. 7. 17.</a:t>
             </a:fld>
             <a:endParaRPr kumimoji="1" lang="ko-KR" altLang="en-US"/>
           </a:p>
@@ -1822,7 +1821,7 @@
           <a:p>
             <a:fld id="{B2310862-A932-4A4D-BE7A-7832C8DBE490}" type="datetimeFigureOut">
               <a:rPr kumimoji="1" lang="ko-KR" altLang="en-US" smtClean="0"/>
-              <a:t>2024. 7. 16.</a:t>
+              <a:t>2024. 7. 17.</a:t>
             </a:fld>
             <a:endParaRPr kumimoji="1" lang="ko-KR" altLang="en-US"/>
           </a:p>
@@ -1963,7 +1962,7 @@
           <a:p>
             <a:fld id="{B2310862-A932-4A4D-BE7A-7832C8DBE490}" type="datetimeFigureOut">
               <a:rPr kumimoji="1" lang="ko-KR" altLang="en-US" smtClean="0"/>
-              <a:t>2024. 7. 16.</a:t>
+              <a:t>2024. 7. 17.</a:t>
             </a:fld>
             <a:endParaRPr kumimoji="1" lang="ko-KR" altLang="en-US"/>
           </a:p>
@@ -2076,7 +2075,7 @@
           <a:p>
             <a:fld id="{B2310862-A932-4A4D-BE7A-7832C8DBE490}" type="datetimeFigureOut">
               <a:rPr kumimoji="1" lang="ko-KR" altLang="en-US" smtClean="0"/>
-              <a:t>2024. 7. 16.</a:t>
+              <a:t>2024. 7. 17.</a:t>
             </a:fld>
             <a:endParaRPr kumimoji="1" lang="ko-KR" altLang="en-US"/>
           </a:p>
@@ -2387,7 +2386,7 @@
           <a:p>
             <a:fld id="{B2310862-A932-4A4D-BE7A-7832C8DBE490}" type="datetimeFigureOut">
               <a:rPr kumimoji="1" lang="ko-KR" altLang="en-US" smtClean="0"/>
-              <a:t>2024. 7. 16.</a:t>
+              <a:t>2024. 7. 17.</a:t>
             </a:fld>
             <a:endParaRPr kumimoji="1" lang="ko-KR" altLang="en-US"/>
           </a:p>
@@ -2675,7 +2674,7 @@
           <a:p>
             <a:fld id="{B2310862-A932-4A4D-BE7A-7832C8DBE490}" type="datetimeFigureOut">
               <a:rPr kumimoji="1" lang="ko-KR" altLang="en-US" smtClean="0"/>
-              <a:t>2024. 7. 16.</a:t>
+              <a:t>2024. 7. 17.</a:t>
             </a:fld>
             <a:endParaRPr kumimoji="1" lang="ko-KR" altLang="en-US"/>
           </a:p>
@@ -2916,7 +2915,7 @@
           <a:p>
             <a:fld id="{B2310862-A932-4A4D-BE7A-7832C8DBE490}" type="datetimeFigureOut">
               <a:rPr kumimoji="1" lang="ko-KR" altLang="en-US" smtClean="0"/>
-              <a:t>2024. 7. 16.</a:t>
+              <a:t>2024. 7. 17.</a:t>
             </a:fld>
             <a:endParaRPr kumimoji="1" lang="ko-KR" altLang="en-US"/>
           </a:p>
@@ -3333,60 +3332,40 @@
           <a:chExt cx="0" cy="0"/>
         </a:xfrm>
       </p:grpSpPr>
-      <p:sp>
-        <p:nvSpPr>
-          <p:cNvPr id="2" name="제목 1">
-            <a:extLst>
-              <a:ext uri="{FF2B5EF4-FFF2-40B4-BE49-F238E27FC236}">
-                <a16:creationId xmlns:a16="http://schemas.microsoft.com/office/drawing/2014/main" id="{4707C2C8-9D7C-E52A-1079-8D66A09BBAE9}"/>
-              </a:ext>
-            </a:extLst>
-          </p:cNvPr>
-          <p:cNvSpPr>
-            <a:spLocks noGrp="1"/>
-          </p:cNvSpPr>
-          <p:nvPr>
-            <p:ph type="ctrTitle"/>
-          </p:nvPr>
-        </p:nvSpPr>
-        <p:spPr/>
-        <p:txBody>
-          <a:bodyPr/>
-          <a:lstStyle/>
-          <a:p>
-            <a:endParaRPr kumimoji="1" lang="ko-KR" altLang="en-US"/>
-          </a:p>
-        </p:txBody>
-      </p:sp>
-      <p:sp>
-        <p:nvSpPr>
-          <p:cNvPr id="3" name="부제목 2">
-            <a:extLst>
-              <a:ext uri="{FF2B5EF4-FFF2-40B4-BE49-F238E27FC236}">
-                <a16:creationId xmlns:a16="http://schemas.microsoft.com/office/drawing/2014/main" id="{998490AE-9F6D-F8F0-2A3B-CA92D3649876}"/>
-              </a:ext>
-            </a:extLst>
-          </p:cNvPr>
-          <p:cNvSpPr>
-            <a:spLocks noGrp="1"/>
-          </p:cNvSpPr>
-          <p:nvPr>
-            <p:ph type="subTitle" idx="1"/>
-          </p:nvPr>
-        </p:nvSpPr>
-        <p:spPr/>
-        <p:txBody>
-          <a:bodyPr/>
-          <a:lstStyle/>
-          <a:p>
-            <a:endParaRPr kumimoji="1" lang="ko-KR" altLang="en-US"/>
-          </a:p>
-        </p:txBody>
-      </p:sp>
+      <p:pic>
+        <p:nvPicPr>
+          <p:cNvPr id="4" name="그림 3">
+            <a:extLst>
+              <a:ext uri="{FF2B5EF4-FFF2-40B4-BE49-F238E27FC236}">
+                <a16:creationId xmlns:a16="http://schemas.microsoft.com/office/drawing/2014/main" id="{E8EB433D-B1D4-F14B-C9A3-20019F4060F0}"/>
+              </a:ext>
+            </a:extLst>
+          </p:cNvPr>
+          <p:cNvPicPr>
+            <a:picLocks noChangeAspect="1"/>
+          </p:cNvPicPr>
+          <p:nvPr/>
+        </p:nvPicPr>
+        <p:blipFill>
+          <a:blip r:embed="rId2"/>
+          <a:stretch>
+            <a:fillRect/>
+          </a:stretch>
+        </p:blipFill>
+        <p:spPr>
+          <a:xfrm>
+            <a:off x="2209800" y="235794"/>
+            <a:ext cx="7772400" cy="6386412"/>
+          </a:xfrm>
+          <a:prstGeom prst="rect">
+            <a:avLst/>
+          </a:prstGeom>
+        </p:spPr>
+      </p:pic>
     </p:spTree>
     <p:extLst>
       <p:ext uri="{BB962C8B-B14F-4D97-AF65-F5344CB8AC3E}">
-        <p14:creationId xmlns:p14="http://schemas.microsoft.com/office/powerpoint/2010/main" val="2098367005"/>
+        <p14:creationId xmlns:p14="http://schemas.microsoft.com/office/powerpoint/2010/main" val="1690059112"/>
       </p:ext>
     </p:extLst>
   </p:cSld>
@@ -3413,40 +3392,430 @@
           <a:chExt cx="0" cy="0"/>
         </a:xfrm>
       </p:grpSpPr>
-      <p:pic>
-        <p:nvPicPr>
-          <p:cNvPr id="4" name="그림 3">
-            <a:extLst>
-              <a:ext uri="{FF2B5EF4-FFF2-40B4-BE49-F238E27FC236}">
-                <a16:creationId xmlns:a16="http://schemas.microsoft.com/office/drawing/2014/main" id="{E8EB433D-B1D4-F14B-C9A3-20019F4060F0}"/>
-              </a:ext>
-            </a:extLst>
-          </p:cNvPr>
-          <p:cNvPicPr>
-            <a:picLocks noChangeAspect="1"/>
-          </p:cNvPicPr>
-          <p:nvPr/>
-        </p:nvPicPr>
-        <p:blipFill>
-          <a:blip r:embed="rId2"/>
-          <a:stretch>
-            <a:fillRect/>
-          </a:stretch>
-        </p:blipFill>
-        <p:spPr>
-          <a:xfrm>
-            <a:off x="2209800" y="235794"/>
-            <a:ext cx="7772400" cy="6386412"/>
+      <p:sp>
+        <p:nvSpPr>
+          <p:cNvPr id="2" name="제목 1">
+            <a:extLst>
+              <a:ext uri="{FF2B5EF4-FFF2-40B4-BE49-F238E27FC236}">
+                <a16:creationId xmlns:a16="http://schemas.microsoft.com/office/drawing/2014/main" id="{66BAC33C-8F3A-967B-F807-9B53E385234B}"/>
+              </a:ext>
+            </a:extLst>
+          </p:cNvPr>
+          <p:cNvSpPr>
+            <a:spLocks noGrp="1"/>
+          </p:cNvSpPr>
+          <p:nvPr>
+            <p:ph type="title"/>
+          </p:nvPr>
+        </p:nvSpPr>
+        <p:spPr>
+          <a:xfrm>
+            <a:off x="236783" y="266936"/>
+            <a:ext cx="10515600" cy="487906"/>
+          </a:xfrm>
+        </p:spPr>
+        <p:txBody>
+          <a:bodyPr>
+            <a:normAutofit/>
+          </a:bodyPr>
+          <a:lstStyle/>
+          <a:p>
+            <a:r>
+              <a:rPr kumimoji="1" lang="en-US" altLang="ko-KR" sz="2800" dirty="0">
+                <a:latin typeface="KoPubWorldDotum Medium" pitchFamily="2" charset="-127"/>
+                <a:ea typeface="KoPubWorldDotum Medium" pitchFamily="2" charset="-127"/>
+                <a:cs typeface="KoPubWorldDotum Medium" pitchFamily="2" charset="-127"/>
+              </a:rPr>
+              <a:t>Foundation Model </a:t>
+            </a:r>
+            <a:r>
+              <a:rPr kumimoji="1" lang="ko-KR" altLang="en-US" sz="2800" dirty="0">
+                <a:latin typeface="KoPubWorldDotum Medium" pitchFamily="2" charset="-127"/>
+                <a:ea typeface="KoPubWorldDotum Medium" pitchFamily="2" charset="-127"/>
+                <a:cs typeface="KoPubWorldDotum Medium" pitchFamily="2" charset="-127"/>
+              </a:rPr>
+              <a:t>선정의 문제</a:t>
+            </a:r>
+          </a:p>
+        </p:txBody>
+      </p:sp>
+      <p:sp>
+        <p:nvSpPr>
+          <p:cNvPr id="3" name="제목 1">
+            <a:extLst>
+              <a:ext uri="{FF2B5EF4-FFF2-40B4-BE49-F238E27FC236}">
+                <a16:creationId xmlns:a16="http://schemas.microsoft.com/office/drawing/2014/main" id="{ACD3B2B1-52FD-0ECF-3B53-13F985880497}"/>
+              </a:ext>
+            </a:extLst>
+          </p:cNvPr>
+          <p:cNvSpPr txBox="1">
+            <a:spLocks/>
+          </p:cNvSpPr>
+          <p:nvPr/>
+        </p:nvSpPr>
+        <p:spPr>
+          <a:xfrm>
+            <a:off x="514800" y="1227596"/>
+            <a:ext cx="11454925" cy="2201404"/>
           </a:xfrm>
           <a:prstGeom prst="rect">
             <a:avLst/>
           </a:prstGeom>
         </p:spPr>
-      </p:pic>
+        <p:txBody>
+          <a:bodyPr vert="horz" lIns="91440" tIns="45720" rIns="91440" bIns="45720" rtlCol="0" anchor="ctr">
+            <a:normAutofit/>
+          </a:bodyPr>
+          <a:lstStyle>
+            <a:lvl1pPr algn="l" defTabSz="914400" rtl="0" eaLnBrk="1" latinLnBrk="1" hangingPunct="1">
+              <a:lnSpc>
+                <a:spcPct val="90000"/>
+              </a:lnSpc>
+              <a:spcBef>
+                <a:spcPct val="0"/>
+              </a:spcBef>
+              <a:buNone/>
+              <a:defRPr sz="4400" kern="1200">
+                <a:solidFill>
+                  <a:schemeClr val="tx1"/>
+                </a:solidFill>
+                <a:latin typeface="+mj-lt"/>
+                <a:ea typeface="+mj-ea"/>
+                <a:cs typeface="+mj-cs"/>
+              </a:defRPr>
+            </a:lvl1pPr>
+          </a:lstStyle>
+          <a:p>
+            <a:pPr marL="285750" indent="-285750">
+              <a:lnSpc>
+                <a:spcPct val="150000"/>
+              </a:lnSpc>
+              <a:buFont typeface="Arial" panose="020B0604020202020204" pitchFamily="34" charset="0"/>
+              <a:buChar char="•"/>
+            </a:pPr>
+            <a:r>
+              <a:rPr kumimoji="1" lang="en-US" altLang="ko-KR" sz="1400" dirty="0" err="1">
+                <a:latin typeface="KoPubWorldDotum Medium" pitchFamily="2" charset="-127"/>
+                <a:ea typeface="KoPubWorldDotum Medium" pitchFamily="2" charset="-127"/>
+                <a:cs typeface="KoPubWorldDotum Medium" pitchFamily="2" charset="-127"/>
+              </a:rPr>
+              <a:t>Partyrock</a:t>
+            </a:r>
+            <a:r>
+              <a:rPr kumimoji="1" lang="en-US" altLang="ko-KR" sz="1400" dirty="0">
+                <a:latin typeface="KoPubWorldDotum Medium" pitchFamily="2" charset="-127"/>
+                <a:ea typeface="KoPubWorldDotum Medium" pitchFamily="2" charset="-127"/>
+                <a:cs typeface="KoPubWorldDotum Medium" pitchFamily="2" charset="-127"/>
+              </a:rPr>
+              <a:t> </a:t>
+            </a:r>
+            <a:r>
+              <a:rPr kumimoji="1" lang="ko-KR" altLang="en-US" sz="1400" dirty="0">
+                <a:latin typeface="KoPubWorldDotum Medium" pitchFamily="2" charset="-127"/>
+                <a:ea typeface="KoPubWorldDotum Medium" pitchFamily="2" charset="-127"/>
+                <a:cs typeface="KoPubWorldDotum Medium" pitchFamily="2" charset="-127"/>
+              </a:rPr>
+              <a:t>모델은 </a:t>
+            </a:r>
+            <a:r>
+              <a:rPr kumimoji="1" lang="en-US" altLang="ko-KR" sz="1400" dirty="0">
+                <a:latin typeface="KoPubWorldDotum Medium" pitchFamily="2" charset="-127"/>
+                <a:ea typeface="KoPubWorldDotum Medium" pitchFamily="2" charset="-127"/>
+                <a:cs typeface="KoPubWorldDotum Medium" pitchFamily="2" charset="-127"/>
+              </a:rPr>
+              <a:t>Claude 3 Sonnet </a:t>
+            </a:r>
+            <a:r>
+              <a:rPr kumimoji="1" lang="ko-KR" altLang="en-US" sz="1400" dirty="0">
+                <a:latin typeface="KoPubWorldDotum Medium" pitchFamily="2" charset="-127"/>
+                <a:ea typeface="KoPubWorldDotum Medium" pitchFamily="2" charset="-127"/>
+                <a:cs typeface="KoPubWorldDotum Medium" pitchFamily="2" charset="-127"/>
+              </a:rPr>
+              <a:t>기반</a:t>
+            </a:r>
+            <a:endParaRPr kumimoji="1" lang="en-US" altLang="ko-KR" sz="1400" dirty="0">
+              <a:latin typeface="KoPubWorldDotum Medium" pitchFamily="2" charset="-127"/>
+              <a:ea typeface="KoPubWorldDotum Medium" pitchFamily="2" charset="-127"/>
+              <a:cs typeface="KoPubWorldDotum Medium" pitchFamily="2" charset="-127"/>
+            </a:endParaRPr>
+          </a:p>
+          <a:p>
+            <a:pPr marL="285750" indent="-285750">
+              <a:lnSpc>
+                <a:spcPct val="150000"/>
+              </a:lnSpc>
+              <a:buFont typeface="Arial" panose="020B0604020202020204" pitchFamily="34" charset="0"/>
+              <a:buChar char="•"/>
+            </a:pPr>
+            <a:r>
+              <a:rPr kumimoji="1" lang="ko-KR" altLang="en-US" sz="1400" dirty="0">
+                <a:latin typeface="KoPubWorldDotum Medium" pitchFamily="2" charset="-127"/>
+                <a:ea typeface="KoPubWorldDotum Medium" pitchFamily="2" charset="-127"/>
+                <a:cs typeface="KoPubWorldDotum Medium" pitchFamily="2" charset="-127"/>
+              </a:rPr>
+              <a:t>개발 테스트를 위해서는 저렴한 모델 </a:t>
+            </a:r>
+            <a:r>
+              <a:rPr kumimoji="1" lang="en-US" altLang="ko-KR" sz="1400" dirty="0">
+                <a:latin typeface="KoPubWorldDotum Medium" pitchFamily="2" charset="-127"/>
+                <a:ea typeface="KoPubWorldDotum Medium" pitchFamily="2" charset="-127"/>
+                <a:cs typeface="KoPubWorldDotum Medium" pitchFamily="2" charset="-127"/>
+              </a:rPr>
+              <a:t>(Claude 3 Haiku) </a:t>
+            </a:r>
+            <a:r>
+              <a:rPr kumimoji="1" lang="ko-KR" altLang="en-US" sz="1400" dirty="0">
+                <a:latin typeface="KoPubWorldDotum Medium" pitchFamily="2" charset="-127"/>
+                <a:ea typeface="KoPubWorldDotum Medium" pitchFamily="2" charset="-127"/>
+                <a:cs typeface="KoPubWorldDotum Medium" pitchFamily="2" charset="-127"/>
+              </a:rPr>
+              <a:t>사용</a:t>
+            </a:r>
+            <a:endParaRPr kumimoji="1" lang="en-US" altLang="ko-KR" sz="1400" dirty="0">
+              <a:latin typeface="KoPubWorldDotum Medium" pitchFamily="2" charset="-127"/>
+              <a:ea typeface="KoPubWorldDotum Medium" pitchFamily="2" charset="-127"/>
+              <a:cs typeface="KoPubWorldDotum Medium" pitchFamily="2" charset="-127"/>
+            </a:endParaRPr>
+          </a:p>
+          <a:p>
+            <a:pPr marL="285750" indent="-285750">
+              <a:lnSpc>
+                <a:spcPct val="150000"/>
+              </a:lnSpc>
+              <a:buFont typeface="Arial" panose="020B0604020202020204" pitchFamily="34" charset="0"/>
+              <a:buChar char="•"/>
+            </a:pPr>
+            <a:r>
+              <a:rPr kumimoji="1" lang="ko-KR" altLang="en-US" sz="1400" dirty="0">
+                <a:latin typeface="KoPubWorldDotum Medium" pitchFamily="2" charset="-127"/>
+                <a:ea typeface="KoPubWorldDotum Medium" pitchFamily="2" charset="-127"/>
+                <a:cs typeface="KoPubWorldDotum Medium" pitchFamily="2" charset="-127"/>
+              </a:rPr>
+              <a:t>실제 구축</a:t>
+            </a:r>
+            <a:r>
+              <a:rPr kumimoji="1" lang="en-US" altLang="ko-KR" sz="1400" dirty="0">
+                <a:latin typeface="KoPubWorldDotum Medium" pitchFamily="2" charset="-127"/>
+                <a:ea typeface="KoPubWorldDotum Medium" pitchFamily="2" charset="-127"/>
+                <a:cs typeface="KoPubWorldDotum Medium" pitchFamily="2" charset="-127"/>
+              </a:rPr>
+              <a:t>/</a:t>
+            </a:r>
+            <a:r>
+              <a:rPr kumimoji="1" lang="ko-KR" altLang="en-US" sz="1400" dirty="0" err="1">
+                <a:latin typeface="KoPubWorldDotum Medium" pitchFamily="2" charset="-127"/>
+                <a:ea typeface="KoPubWorldDotum Medium" pitchFamily="2" charset="-127"/>
+                <a:cs typeface="KoPubWorldDotum Medium" pitchFamily="2" charset="-127"/>
+              </a:rPr>
+              <a:t>테스팅할</a:t>
+            </a:r>
+            <a:r>
+              <a:rPr kumimoji="1" lang="ko-KR" altLang="en-US" sz="1400" dirty="0">
+                <a:latin typeface="KoPubWorldDotum Medium" pitchFamily="2" charset="-127"/>
+                <a:ea typeface="KoPubWorldDotum Medium" pitchFamily="2" charset="-127"/>
+                <a:cs typeface="KoPubWorldDotum Medium" pitchFamily="2" charset="-127"/>
+              </a:rPr>
+              <a:t> 때는 </a:t>
+            </a:r>
+            <a:r>
+              <a:rPr kumimoji="1" lang="en-US" altLang="ko-KR" sz="1400" dirty="0">
+                <a:latin typeface="KoPubWorldDotum Medium" pitchFamily="2" charset="-127"/>
+                <a:ea typeface="KoPubWorldDotum Medium" pitchFamily="2" charset="-127"/>
+                <a:cs typeface="KoPubWorldDotum Medium" pitchFamily="2" charset="-127"/>
+              </a:rPr>
+              <a:t>Claude 3 Sonnet</a:t>
+            </a:r>
+            <a:r>
+              <a:rPr kumimoji="1" lang="ko-KR" altLang="en-US" sz="1400" dirty="0">
+                <a:latin typeface="KoPubWorldDotum Medium" pitchFamily="2" charset="-127"/>
+                <a:ea typeface="KoPubWorldDotum Medium" pitchFamily="2" charset="-127"/>
+                <a:cs typeface="KoPubWorldDotum Medium" pitchFamily="2" charset="-127"/>
+              </a:rPr>
+              <a:t> 사용</a:t>
+            </a:r>
+            <a:endParaRPr kumimoji="1" lang="en-US" altLang="ko-KR" sz="1400" dirty="0">
+              <a:latin typeface="KoPubWorldDotum Medium" pitchFamily="2" charset="-127"/>
+              <a:ea typeface="KoPubWorldDotum Medium" pitchFamily="2" charset="-127"/>
+              <a:cs typeface="KoPubWorldDotum Medium" pitchFamily="2" charset="-127"/>
+            </a:endParaRPr>
+          </a:p>
+          <a:p>
+            <a:pPr marL="285750" indent="-285750">
+              <a:lnSpc>
+                <a:spcPct val="150000"/>
+              </a:lnSpc>
+              <a:buFont typeface="Arial" panose="020B0604020202020204" pitchFamily="34" charset="0"/>
+              <a:buChar char="•"/>
+            </a:pPr>
+            <a:r>
+              <a:rPr kumimoji="1" lang="en-US" altLang="ko-KR" sz="1400" dirty="0">
+                <a:latin typeface="KoPubWorldDotum Medium" pitchFamily="2" charset="-127"/>
+                <a:ea typeface="KoPubWorldDotum Medium" pitchFamily="2" charset="-127"/>
+                <a:cs typeface="KoPubWorldDotum Medium" pitchFamily="2" charset="-127"/>
+              </a:rPr>
+              <a:t>Llama, Titan</a:t>
+            </a:r>
+            <a:r>
+              <a:rPr kumimoji="1" lang="ko-KR" altLang="en-US" sz="1400" dirty="0">
+                <a:latin typeface="KoPubWorldDotum Medium" pitchFamily="2" charset="-127"/>
+                <a:ea typeface="KoPubWorldDotum Medium" pitchFamily="2" charset="-127"/>
+                <a:cs typeface="KoPubWorldDotum Medium" pitchFamily="2" charset="-127"/>
+              </a:rPr>
+              <a:t> 모델도 테스트해보면 좋은데</a:t>
+            </a:r>
+            <a:r>
+              <a:rPr kumimoji="1" lang="en-US" altLang="ko-KR" sz="1400" dirty="0">
+                <a:latin typeface="KoPubWorldDotum Medium" pitchFamily="2" charset="-127"/>
+                <a:ea typeface="KoPubWorldDotum Medium" pitchFamily="2" charset="-127"/>
+                <a:cs typeface="KoPubWorldDotum Medium" pitchFamily="2" charset="-127"/>
+              </a:rPr>
+              <a:t>..</a:t>
+            </a:r>
+            <a:r>
+              <a:rPr kumimoji="1" lang="ko-KR" altLang="en-US" sz="1400" dirty="0">
+                <a:latin typeface="KoPubWorldDotum Medium" pitchFamily="2" charset="-127"/>
+                <a:ea typeface="KoPubWorldDotum Medium" pitchFamily="2" charset="-127"/>
+                <a:cs typeface="KoPubWorldDotum Medium" pitchFamily="2" charset="-127"/>
+              </a:rPr>
+              <a:t> 복잡한 프롬프트 시나리오 만들어보기</a:t>
+            </a:r>
+            <a:endParaRPr kumimoji="1" lang="en-US" altLang="ko-KR" sz="1400" dirty="0">
+              <a:latin typeface="KoPubWorldDotum Medium" pitchFamily="2" charset="-127"/>
+              <a:ea typeface="KoPubWorldDotum Medium" pitchFamily="2" charset="-127"/>
+              <a:cs typeface="KoPubWorldDotum Medium" pitchFamily="2" charset="-127"/>
+            </a:endParaRPr>
+          </a:p>
+          <a:p>
+            <a:pPr marL="285750" indent="-285750">
+              <a:lnSpc>
+                <a:spcPct val="150000"/>
+              </a:lnSpc>
+              <a:buFont typeface="Arial" panose="020B0604020202020204" pitchFamily="34" charset="0"/>
+              <a:buChar char="•"/>
+            </a:pPr>
+            <a:r>
+              <a:rPr kumimoji="1" lang="ko-KR" altLang="en-US" sz="1400" dirty="0">
+                <a:latin typeface="KoPubWorldDotum Medium" pitchFamily="2" charset="-127"/>
+                <a:ea typeface="KoPubWorldDotum Medium" pitchFamily="2" charset="-127"/>
+                <a:cs typeface="KoPubWorldDotum Medium" pitchFamily="2" charset="-127"/>
+              </a:rPr>
+              <a:t>요금 나오는 거 일단 지켜보자</a:t>
+            </a:r>
+            <a:r>
+              <a:rPr kumimoji="1" lang="en-US" altLang="ko-KR" sz="1400" dirty="0">
+                <a:latin typeface="KoPubWorldDotum Medium" pitchFamily="2" charset="-127"/>
+                <a:ea typeface="KoPubWorldDotum Medium" pitchFamily="2" charset="-127"/>
+                <a:cs typeface="KoPubWorldDotum Medium" pitchFamily="2" charset="-127"/>
+              </a:rPr>
+              <a:t>...</a:t>
+            </a:r>
+            <a:r>
+              <a:rPr kumimoji="1" lang="ko-KR" altLang="en-US" sz="1400" dirty="0">
+                <a:latin typeface="KoPubWorldDotum Medium" pitchFamily="2" charset="-127"/>
+                <a:ea typeface="KoPubWorldDotum Medium" pitchFamily="2" charset="-127"/>
+                <a:cs typeface="KoPubWorldDotum Medium" pitchFamily="2" charset="-127"/>
+              </a:rPr>
+              <a:t> 월 </a:t>
+            </a:r>
+            <a:r>
+              <a:rPr kumimoji="1" lang="en-US" altLang="ko-KR" sz="1400" dirty="0">
+                <a:latin typeface="KoPubWorldDotum Medium" pitchFamily="2" charset="-127"/>
+                <a:ea typeface="KoPubWorldDotum Medium" pitchFamily="2" charset="-127"/>
+                <a:cs typeface="KoPubWorldDotum Medium" pitchFamily="2" charset="-127"/>
+              </a:rPr>
+              <a:t>10</a:t>
+            </a:r>
+            <a:r>
+              <a:rPr kumimoji="1" lang="ko-KR" altLang="en-US" sz="1400" dirty="0">
+                <a:latin typeface="KoPubWorldDotum Medium" pitchFamily="2" charset="-127"/>
+                <a:ea typeface="KoPubWorldDotum Medium" pitchFamily="2" charset="-127"/>
+                <a:cs typeface="KoPubWorldDotum Medium" pitchFamily="2" charset="-127"/>
+              </a:rPr>
+              <a:t>달러 상한선 </a:t>
+            </a:r>
+            <a:r>
+              <a:rPr kumimoji="1" lang="ko-KR" altLang="en-US" sz="1400" dirty="0" err="1">
+                <a:latin typeface="KoPubWorldDotum Medium" pitchFamily="2" charset="-127"/>
+                <a:ea typeface="KoPubWorldDotum Medium" pitchFamily="2" charset="-127"/>
+                <a:cs typeface="KoPubWorldDotum Medium" pitchFamily="2" charset="-127"/>
+              </a:rPr>
+              <a:t>세팅된</a:t>
+            </a:r>
+            <a:r>
+              <a:rPr kumimoji="1" lang="ko-KR" altLang="en-US" sz="1400" dirty="0">
+                <a:latin typeface="KoPubWorldDotum Medium" pitchFamily="2" charset="-127"/>
+                <a:ea typeface="KoPubWorldDotum Medium" pitchFamily="2" charset="-127"/>
+                <a:cs typeface="KoPubWorldDotum Medium" pitchFamily="2" charset="-127"/>
+              </a:rPr>
+              <a:t> 상태</a:t>
+            </a:r>
+            <a:endParaRPr kumimoji="1" lang="en-US" altLang="ko-KR" sz="1400" dirty="0">
+              <a:latin typeface="KoPubWorldDotum Medium" pitchFamily="2" charset="-127"/>
+              <a:ea typeface="KoPubWorldDotum Medium" pitchFamily="2" charset="-127"/>
+              <a:cs typeface="KoPubWorldDotum Medium" pitchFamily="2" charset="-127"/>
+            </a:endParaRPr>
+          </a:p>
+          <a:p>
+            <a:pPr marL="285750" indent="-285750">
+              <a:lnSpc>
+                <a:spcPct val="150000"/>
+              </a:lnSpc>
+              <a:buFont typeface="Arial" panose="020B0604020202020204" pitchFamily="34" charset="0"/>
+              <a:buChar char="•"/>
+            </a:pPr>
+            <a:r>
+              <a:rPr kumimoji="1" lang="ko-KR" altLang="en-US" sz="1400" dirty="0">
+                <a:latin typeface="KoPubWorldDotum Medium" pitchFamily="2" charset="-127"/>
+                <a:ea typeface="KoPubWorldDotum Medium" pitchFamily="2" charset="-127"/>
+                <a:cs typeface="KoPubWorldDotum Medium" pitchFamily="2" charset="-127"/>
+              </a:rPr>
+              <a:t>모델의 온도</a:t>
+            </a:r>
+            <a:r>
+              <a:rPr kumimoji="1" lang="en-US" altLang="ko-KR" sz="1400" dirty="0">
+                <a:latin typeface="KoPubWorldDotum Medium" pitchFamily="2" charset="-127"/>
+                <a:ea typeface="KoPubWorldDotum Medium" pitchFamily="2" charset="-127"/>
+                <a:cs typeface="KoPubWorldDotum Medium" pitchFamily="2" charset="-127"/>
+              </a:rPr>
+              <a:t>,</a:t>
+            </a:r>
+            <a:r>
+              <a:rPr kumimoji="1" lang="ko-KR" altLang="en-US" sz="1400" dirty="0">
+                <a:latin typeface="KoPubWorldDotum Medium" pitchFamily="2" charset="-127"/>
+                <a:ea typeface="KoPubWorldDotum Medium" pitchFamily="2" charset="-127"/>
+                <a:cs typeface="KoPubWorldDotum Medium" pitchFamily="2" charset="-127"/>
+              </a:rPr>
+              <a:t> 무작위성 등 튜닝은 솔루션 구축 후에 다듬으면 된다</a:t>
+            </a:r>
+            <a:r>
+              <a:rPr kumimoji="1" lang="en-US" altLang="ko-KR" sz="1400" dirty="0">
+                <a:latin typeface="KoPubWorldDotum Medium" pitchFamily="2" charset="-127"/>
+                <a:ea typeface="KoPubWorldDotum Medium" pitchFamily="2" charset="-127"/>
+                <a:cs typeface="KoPubWorldDotum Medium" pitchFamily="2" charset="-127"/>
+              </a:rPr>
+              <a:t>.</a:t>
+            </a:r>
+          </a:p>
+          <a:p>
+            <a:pPr marL="285750" indent="-285750">
+              <a:lnSpc>
+                <a:spcPct val="150000"/>
+              </a:lnSpc>
+              <a:buFont typeface="Arial" panose="020B0604020202020204" pitchFamily="34" charset="0"/>
+              <a:buChar char="•"/>
+            </a:pPr>
+            <a:endParaRPr kumimoji="1" lang="ko-KR" altLang="en-US" sz="1400" dirty="0">
+              <a:latin typeface="KoPubWorldDotum Medium" pitchFamily="2" charset="-127"/>
+              <a:ea typeface="KoPubWorldDotum Medium" pitchFamily="2" charset="-127"/>
+              <a:cs typeface="KoPubWorldDotum Medium" pitchFamily="2" charset="-127"/>
+            </a:endParaRPr>
+          </a:p>
+        </p:txBody>
+      </p:sp>
     </p:spTree>
     <p:extLst>
       <p:ext uri="{BB962C8B-B14F-4D97-AF65-F5344CB8AC3E}">
-        <p14:creationId xmlns:p14="http://schemas.microsoft.com/office/powerpoint/2010/main" val="1690059112"/>
+        <p14:creationId xmlns:p14="http://schemas.microsoft.com/office/powerpoint/2010/main" val="1306681556"/>
       </p:ext>
     </p:extLst>
   </p:cSld>
@@ -3507,7 +3876,7 @@
                 <a:ea typeface="KoPubWorldDotum Medium" pitchFamily="2" charset="-127"/>
                 <a:cs typeface="KoPubWorldDotum Medium" pitchFamily="2" charset="-127"/>
               </a:rPr>
-              <a:t>Foundation Model </a:t>
+              <a:t>Phase 0: </a:t>
             </a:r>
             <a:r>
               <a:rPr kumimoji="1" lang="ko-KR" altLang="en-US" sz="2800" dirty="0">
@@ -3515,17 +3884,17 @@
                 <a:ea typeface="KoPubWorldDotum Medium" pitchFamily="2" charset="-127"/>
                 <a:cs typeface="KoPubWorldDotum Medium" pitchFamily="2" charset="-127"/>
               </a:rPr>
-              <a:t>선정의 문제</a:t>
-            </a:r>
-          </a:p>
-        </p:txBody>
-      </p:sp>
-      <p:sp>
-        <p:nvSpPr>
-          <p:cNvPr id="3" name="제목 1">
-            <a:extLst>
-              <a:ext uri="{FF2B5EF4-FFF2-40B4-BE49-F238E27FC236}">
-                <a16:creationId xmlns:a16="http://schemas.microsoft.com/office/drawing/2014/main" id="{ACD3B2B1-52FD-0ECF-3B53-13F985880497}"/>
+              <a:t>개발 가능성 검토</a:t>
+            </a:r>
+          </a:p>
+        </p:txBody>
+      </p:sp>
+      <p:sp>
+        <p:nvSpPr>
+          <p:cNvPr id="37" name="제목 1">
+            <a:extLst>
+              <a:ext uri="{FF2B5EF4-FFF2-40B4-BE49-F238E27FC236}">
+                <a16:creationId xmlns:a16="http://schemas.microsoft.com/office/drawing/2014/main" id="{163F80DA-9669-620F-6B55-9F86CE7E6220}"/>
               </a:ext>
             </a:extLst>
           </p:cNvPr>
@@ -3536,8 +3905,8 @@
         </p:nvSpPr>
         <p:spPr>
           <a:xfrm>
-            <a:off x="514800" y="1227596"/>
-            <a:ext cx="11454925" cy="2201404"/>
+            <a:off x="368537" y="749889"/>
+            <a:ext cx="11454925" cy="1139237"/>
           </a:xfrm>
           <a:prstGeom prst="rect">
             <a:avLst/>
@@ -3575,20 +3944,12 @@
               <a:buChar char="•"/>
             </a:pPr>
             <a:r>
-              <a:rPr kumimoji="1" lang="en-US" altLang="ko-KR" sz="1400" dirty="0" err="1">
+              <a:rPr kumimoji="1" lang="ko-KR" altLang="en-US" sz="1400" dirty="0" err="1">
                 <a:latin typeface="KoPubWorldDotum Medium" pitchFamily="2" charset="-127"/>
                 <a:ea typeface="KoPubWorldDotum Medium" pitchFamily="2" charset="-127"/>
                 <a:cs typeface="KoPubWorldDotum Medium" pitchFamily="2" charset="-127"/>
               </a:rPr>
-              <a:t>Partyrock</a:t>
-            </a:r>
-            <a:r>
-              <a:rPr kumimoji="1" lang="en-US" altLang="ko-KR" sz="1400" dirty="0">
-                <a:latin typeface="KoPubWorldDotum Medium" pitchFamily="2" charset="-127"/>
-                <a:ea typeface="KoPubWorldDotum Medium" pitchFamily="2" charset="-127"/>
-                <a:cs typeface="KoPubWorldDotum Medium" pitchFamily="2" charset="-127"/>
-              </a:rPr>
-              <a:t> </a:t>
+              <a:t>챗봇에</a:t>
             </a:r>
             <a:r>
               <a:rPr kumimoji="1" lang="ko-KR" altLang="en-US" sz="1400" dirty="0">
@@ -3596,23 +3957,7 @@
                 <a:ea typeface="KoPubWorldDotum Medium" pitchFamily="2" charset="-127"/>
                 <a:cs typeface="KoPubWorldDotum Medium" pitchFamily="2" charset="-127"/>
               </a:rPr>
-              <a:t>모델은 </a:t>
-            </a:r>
-            <a:r>
-              <a:rPr kumimoji="1" lang="en-US" altLang="ko-KR" sz="1400" dirty="0">
-                <a:latin typeface="KoPubWorldDotum Medium" pitchFamily="2" charset="-127"/>
-                <a:ea typeface="KoPubWorldDotum Medium" pitchFamily="2" charset="-127"/>
-                <a:cs typeface="KoPubWorldDotum Medium" pitchFamily="2" charset="-127"/>
-              </a:rPr>
-              <a:t>Claude 3 Sonnet </a:t>
-            </a:r>
-            <a:r>
-              <a:rPr kumimoji="1" lang="ko-KR" altLang="en-US" sz="1400" dirty="0">
-                <a:latin typeface="KoPubWorldDotum Medium" pitchFamily="2" charset="-127"/>
-                <a:ea typeface="KoPubWorldDotum Medium" pitchFamily="2" charset="-127"/>
-                <a:cs typeface="KoPubWorldDotum Medium" pitchFamily="2" charset="-127"/>
-              </a:rPr>
-              <a:t>기반</a:t>
+              <a:t> 질문을 던지면 응답이 가능한 기본 구조</a:t>
             </a:r>
             <a:endParaRPr kumimoji="1" lang="en-US" altLang="ko-KR" sz="1400" dirty="0">
               <a:latin typeface="KoPubWorldDotum Medium" pitchFamily="2" charset="-127"/>
@@ -3634,7 +3979,23 @@
                 <a:ea typeface="KoPubWorldDotum Medium" pitchFamily="2" charset="-127"/>
                 <a:cs typeface="KoPubWorldDotum Medium" pitchFamily="2" charset="-127"/>
               </a:rPr>
-              <a:t>개발 테스트를 위해서는 저렴한 모델 </a:t>
+              <a:t>로컬에서 </a:t>
+            </a:r>
+            <a:r>
+              <a:rPr kumimoji="1" lang="ko-KR" altLang="en-US" sz="1400" dirty="0" err="1">
+                <a:latin typeface="KoPubWorldDotum Medium" pitchFamily="2" charset="-127"/>
+                <a:ea typeface="KoPubWorldDotum Medium" pitchFamily="2" charset="-127"/>
+                <a:cs typeface="KoPubWorldDotum Medium" pitchFamily="2" charset="-127"/>
+              </a:rPr>
+              <a:t>백엔드</a:t>
+            </a:r>
+            <a:r>
+              <a:rPr kumimoji="1" lang="ko-KR" altLang="en-US" sz="1400" dirty="0">
+                <a:latin typeface="KoPubWorldDotum Medium" pitchFamily="2" charset="-127"/>
+                <a:ea typeface="KoPubWorldDotum Medium" pitchFamily="2" charset="-127"/>
+                <a:cs typeface="KoPubWorldDotum Medium" pitchFamily="2" charset="-127"/>
+              </a:rPr>
+              <a:t> 파일로 </a:t>
             </a:r>
             <a:r>
               <a:rPr kumimoji="1" lang="en-US" altLang="ko-KR" sz="1400" dirty="0">
@@ -3642,7 +4003,7 @@
                 <a:ea typeface="KoPubWorldDotum Medium" pitchFamily="2" charset="-127"/>
                 <a:cs typeface="KoPubWorldDotum Medium" pitchFamily="2" charset="-127"/>
               </a:rPr>
-              <a:t>(Claude 3 Haiku) </a:t>
+              <a:t>Bedrock API </a:t>
             </a:r>
             <a:r>
               <a:rPr kumimoji="1" lang="ko-KR" altLang="en-US" sz="1400" dirty="0">
@@ -3650,7 +4011,7 @@
                 <a:ea typeface="KoPubWorldDotum Medium" pitchFamily="2" charset="-127"/>
                 <a:cs typeface="KoPubWorldDotum Medium" pitchFamily="2" charset="-127"/>
               </a:rPr>
-              <a:t>사용</a:t>
+              <a:t>접근</a:t>
             </a:r>
             <a:endParaRPr kumimoji="1" lang="en-US" altLang="ko-KR" sz="1400" dirty="0">
               <a:latin typeface="KoPubWorldDotum Medium" pitchFamily="2" charset="-127"/>
@@ -3667,12 +4028,20 @@
               <a:buChar char="•"/>
             </a:pPr>
             <a:r>
+              <a:rPr kumimoji="1" lang="ko-KR" altLang="en-US" sz="1400" dirty="0" err="1">
+                <a:latin typeface="KoPubWorldDotum Medium" pitchFamily="2" charset="-127"/>
+                <a:ea typeface="KoPubWorldDotum Medium" pitchFamily="2" charset="-127"/>
+                <a:cs typeface="KoPubWorldDotum Medium" pitchFamily="2" charset="-127"/>
+              </a:rPr>
+              <a:t>챗봇은</a:t>
+            </a:r>
+            <a:r>
               <a:rPr kumimoji="1" lang="ko-KR" altLang="en-US" sz="1400" dirty="0">
                 <a:latin typeface="KoPubWorldDotum Medium" pitchFamily="2" charset="-127"/>
                 <a:ea typeface="KoPubWorldDotum Medium" pitchFamily="2" charset="-127"/>
                 <a:cs typeface="KoPubWorldDotum Medium" pitchFamily="2" charset="-127"/>
               </a:rPr>
-              <a:t>실제 구축</a:t>
+              <a:t> 별도의 </a:t>
             </a:r>
             <a:r>
               <a:rPr kumimoji="1" lang="en-US" altLang="ko-KR" sz="1400" dirty="0">
@@ -3680,15 +4049,7 @@
                 <a:ea typeface="KoPubWorldDotum Medium" pitchFamily="2" charset="-127"/>
                 <a:cs typeface="KoPubWorldDotum Medium" pitchFamily="2" charset="-127"/>
               </a:rPr>
-              <a:t>/</a:t>
-            </a:r>
-            <a:r>
-              <a:rPr kumimoji="1" lang="ko-KR" altLang="en-US" sz="1400" dirty="0" err="1">
-                <a:latin typeface="KoPubWorldDotum Medium" pitchFamily="2" charset="-127"/>
-                <a:ea typeface="KoPubWorldDotum Medium" pitchFamily="2" charset="-127"/>
-                <a:cs typeface="KoPubWorldDotum Medium" pitchFamily="2" charset="-127"/>
-              </a:rPr>
-              <a:t>테스팅할</a:t>
+              <a:t>Agent</a:t>
             </a:r>
             <a:r>
               <a:rPr kumimoji="1" lang="ko-KR" altLang="en-US" sz="1400" dirty="0">
@@ -3696,7 +4057,7 @@
                 <a:ea typeface="KoPubWorldDotum Medium" pitchFamily="2" charset="-127"/>
                 <a:cs typeface="KoPubWorldDotum Medium" pitchFamily="2" charset="-127"/>
               </a:rPr>
-              <a:t> 때는 </a:t>
+              <a:t>가 붙어 있거나</a:t>
             </a:r>
             <a:r>
               <a:rPr kumimoji="1" lang="en-US" altLang="ko-KR" sz="1400" dirty="0">
@@ -3704,7 +4065,7 @@
                 <a:ea typeface="KoPubWorldDotum Medium" pitchFamily="2" charset="-127"/>
                 <a:cs typeface="KoPubWorldDotum Medium" pitchFamily="2" charset="-127"/>
               </a:rPr>
-              <a:t>Claude 3 Sonnet</a:t>
+              <a:t>,</a:t>
             </a:r>
             <a:r>
               <a:rPr kumimoji="1" lang="ko-KR" altLang="en-US" sz="1400" dirty="0">
@@ -3712,170 +4073,13 @@
                 <a:ea typeface="KoPubWorldDotum Medium" pitchFamily="2" charset="-127"/>
                 <a:cs typeface="KoPubWorldDotum Medium" pitchFamily="2" charset="-127"/>
               </a:rPr>
-              <a:t> 사용</a:t>
+              <a:t> 이전 대화를 기억하지는 못하는 상태</a:t>
             </a:r>
             <a:endParaRPr kumimoji="1" lang="en-US" altLang="ko-KR" sz="1400" dirty="0">
               <a:latin typeface="KoPubWorldDotum Medium" pitchFamily="2" charset="-127"/>
               <a:ea typeface="KoPubWorldDotum Medium" pitchFamily="2" charset="-127"/>
               <a:cs typeface="KoPubWorldDotum Medium" pitchFamily="2" charset="-127"/>
             </a:endParaRPr>
-          </a:p>
-          <a:p>
-            <a:pPr marL="285750" indent="-285750">
-              <a:lnSpc>
-                <a:spcPct val="150000"/>
-              </a:lnSpc>
-              <a:buFont typeface="Arial" panose="020B0604020202020204" pitchFamily="34" charset="0"/>
-              <a:buChar char="•"/>
-            </a:pPr>
-            <a:r>
-              <a:rPr kumimoji="1" lang="en-US" altLang="ko-KR" sz="1400" dirty="0">
-                <a:latin typeface="KoPubWorldDotum Medium" pitchFamily="2" charset="-127"/>
-                <a:ea typeface="KoPubWorldDotum Medium" pitchFamily="2" charset="-127"/>
-                <a:cs typeface="KoPubWorldDotum Medium" pitchFamily="2" charset="-127"/>
-              </a:rPr>
-              <a:t>Llama, Titan</a:t>
-            </a:r>
-            <a:r>
-              <a:rPr kumimoji="1" lang="ko-KR" altLang="en-US" sz="1400" dirty="0">
-                <a:latin typeface="KoPubWorldDotum Medium" pitchFamily="2" charset="-127"/>
-                <a:ea typeface="KoPubWorldDotum Medium" pitchFamily="2" charset="-127"/>
-                <a:cs typeface="KoPubWorldDotum Medium" pitchFamily="2" charset="-127"/>
-              </a:rPr>
-              <a:t> 모델도 테스트해보면 좋은데</a:t>
-            </a:r>
-            <a:r>
-              <a:rPr kumimoji="1" lang="en-US" altLang="ko-KR" sz="1400" dirty="0">
-                <a:latin typeface="KoPubWorldDotum Medium" pitchFamily="2" charset="-127"/>
-                <a:ea typeface="KoPubWorldDotum Medium" pitchFamily="2" charset="-127"/>
-                <a:cs typeface="KoPubWorldDotum Medium" pitchFamily="2" charset="-127"/>
-              </a:rPr>
-              <a:t>..</a:t>
-            </a:r>
-            <a:r>
-              <a:rPr kumimoji="1" lang="ko-KR" altLang="en-US" sz="1400" dirty="0">
-                <a:latin typeface="KoPubWorldDotum Medium" pitchFamily="2" charset="-127"/>
-                <a:ea typeface="KoPubWorldDotum Medium" pitchFamily="2" charset="-127"/>
-                <a:cs typeface="KoPubWorldDotum Medium" pitchFamily="2" charset="-127"/>
-              </a:rPr>
-              <a:t> 복잡한 프롬프트 시나리오 만들어보기</a:t>
-            </a:r>
-            <a:endParaRPr kumimoji="1" lang="en-US" altLang="ko-KR" sz="1400" dirty="0">
-              <a:latin typeface="KoPubWorldDotum Medium" pitchFamily="2" charset="-127"/>
-              <a:ea typeface="KoPubWorldDotum Medium" pitchFamily="2" charset="-127"/>
-              <a:cs typeface="KoPubWorldDotum Medium" pitchFamily="2" charset="-127"/>
-            </a:endParaRPr>
-          </a:p>
-          <a:p>
-            <a:pPr marL="285750" indent="-285750">
-              <a:lnSpc>
-                <a:spcPct val="150000"/>
-              </a:lnSpc>
-              <a:buFont typeface="Arial" panose="020B0604020202020204" pitchFamily="34" charset="0"/>
-              <a:buChar char="•"/>
-            </a:pPr>
-            <a:r>
-              <a:rPr kumimoji="1" lang="ko-KR" altLang="en-US" sz="1400" dirty="0">
-                <a:latin typeface="KoPubWorldDotum Medium" pitchFamily="2" charset="-127"/>
-                <a:ea typeface="KoPubWorldDotum Medium" pitchFamily="2" charset="-127"/>
-                <a:cs typeface="KoPubWorldDotum Medium" pitchFamily="2" charset="-127"/>
-              </a:rPr>
-              <a:t>요금 나오는 거 일단 지켜보자</a:t>
-            </a:r>
-            <a:r>
-              <a:rPr kumimoji="1" lang="en-US" altLang="ko-KR" sz="1400" dirty="0">
-                <a:latin typeface="KoPubWorldDotum Medium" pitchFamily="2" charset="-127"/>
-                <a:ea typeface="KoPubWorldDotum Medium" pitchFamily="2" charset="-127"/>
-                <a:cs typeface="KoPubWorldDotum Medium" pitchFamily="2" charset="-127"/>
-              </a:rPr>
-              <a:t>...</a:t>
-            </a:r>
-            <a:r>
-              <a:rPr kumimoji="1" lang="ko-KR" altLang="en-US" sz="1400" dirty="0">
-                <a:latin typeface="KoPubWorldDotum Medium" pitchFamily="2" charset="-127"/>
-                <a:ea typeface="KoPubWorldDotum Medium" pitchFamily="2" charset="-127"/>
-                <a:cs typeface="KoPubWorldDotum Medium" pitchFamily="2" charset="-127"/>
-              </a:rPr>
-              <a:t> 월 </a:t>
-            </a:r>
-            <a:r>
-              <a:rPr kumimoji="1" lang="en-US" altLang="ko-KR" sz="1400" dirty="0">
-                <a:latin typeface="KoPubWorldDotum Medium" pitchFamily="2" charset="-127"/>
-                <a:ea typeface="KoPubWorldDotum Medium" pitchFamily="2" charset="-127"/>
-                <a:cs typeface="KoPubWorldDotum Medium" pitchFamily="2" charset="-127"/>
-              </a:rPr>
-              <a:t>10</a:t>
-            </a:r>
-            <a:r>
-              <a:rPr kumimoji="1" lang="ko-KR" altLang="en-US" sz="1400" dirty="0">
-                <a:latin typeface="KoPubWorldDotum Medium" pitchFamily="2" charset="-127"/>
-                <a:ea typeface="KoPubWorldDotum Medium" pitchFamily="2" charset="-127"/>
-                <a:cs typeface="KoPubWorldDotum Medium" pitchFamily="2" charset="-127"/>
-              </a:rPr>
-              <a:t>달러 상한선 </a:t>
-            </a:r>
-            <a:r>
-              <a:rPr kumimoji="1" lang="ko-KR" altLang="en-US" sz="1400" dirty="0" err="1">
-                <a:latin typeface="KoPubWorldDotum Medium" pitchFamily="2" charset="-127"/>
-                <a:ea typeface="KoPubWorldDotum Medium" pitchFamily="2" charset="-127"/>
-                <a:cs typeface="KoPubWorldDotum Medium" pitchFamily="2" charset="-127"/>
-              </a:rPr>
-              <a:t>세팅된</a:t>
-            </a:r>
-            <a:r>
-              <a:rPr kumimoji="1" lang="ko-KR" altLang="en-US" sz="1400" dirty="0">
-                <a:latin typeface="KoPubWorldDotum Medium" pitchFamily="2" charset="-127"/>
-                <a:ea typeface="KoPubWorldDotum Medium" pitchFamily="2" charset="-127"/>
-                <a:cs typeface="KoPubWorldDotum Medium" pitchFamily="2" charset="-127"/>
-              </a:rPr>
-              <a:t> 상태</a:t>
-            </a:r>
-            <a:endParaRPr kumimoji="1" lang="en-US" altLang="ko-KR" sz="1400" dirty="0">
-              <a:latin typeface="KoPubWorldDotum Medium" pitchFamily="2" charset="-127"/>
-              <a:ea typeface="KoPubWorldDotum Medium" pitchFamily="2" charset="-127"/>
-              <a:cs typeface="KoPubWorldDotum Medium" pitchFamily="2" charset="-127"/>
-            </a:endParaRPr>
-          </a:p>
-          <a:p>
-            <a:pPr marL="285750" indent="-285750">
-              <a:lnSpc>
-                <a:spcPct val="150000"/>
-              </a:lnSpc>
-              <a:buFont typeface="Arial" panose="020B0604020202020204" pitchFamily="34" charset="0"/>
-              <a:buChar char="•"/>
-            </a:pPr>
-            <a:r>
-              <a:rPr kumimoji="1" lang="ko-KR" altLang="en-US" sz="1400" dirty="0">
-                <a:latin typeface="KoPubWorldDotum Medium" pitchFamily="2" charset="-127"/>
-                <a:ea typeface="KoPubWorldDotum Medium" pitchFamily="2" charset="-127"/>
-                <a:cs typeface="KoPubWorldDotum Medium" pitchFamily="2" charset="-127"/>
-              </a:rPr>
-              <a:t>모델의 온도</a:t>
-            </a:r>
-            <a:r>
-              <a:rPr kumimoji="1" lang="en-US" altLang="ko-KR" sz="1400" dirty="0">
-                <a:latin typeface="KoPubWorldDotum Medium" pitchFamily="2" charset="-127"/>
-                <a:ea typeface="KoPubWorldDotum Medium" pitchFamily="2" charset="-127"/>
-                <a:cs typeface="KoPubWorldDotum Medium" pitchFamily="2" charset="-127"/>
-              </a:rPr>
-              <a:t>,</a:t>
-            </a:r>
-            <a:r>
-              <a:rPr kumimoji="1" lang="ko-KR" altLang="en-US" sz="1400" dirty="0">
-                <a:latin typeface="KoPubWorldDotum Medium" pitchFamily="2" charset="-127"/>
-                <a:ea typeface="KoPubWorldDotum Medium" pitchFamily="2" charset="-127"/>
-                <a:cs typeface="KoPubWorldDotum Medium" pitchFamily="2" charset="-127"/>
-              </a:rPr>
-              <a:t> 무작위성 등 튜닝은 솔루션 구축 후에 다듬으면 된다</a:t>
-            </a:r>
-            <a:r>
-              <a:rPr kumimoji="1" lang="en-US" altLang="ko-KR" sz="1400" dirty="0">
-                <a:latin typeface="KoPubWorldDotum Medium" pitchFamily="2" charset="-127"/>
-                <a:ea typeface="KoPubWorldDotum Medium" pitchFamily="2" charset="-127"/>
-                <a:cs typeface="KoPubWorldDotum Medium" pitchFamily="2" charset="-127"/>
-              </a:rPr>
-              <a:t>.</a:t>
-            </a:r>
           </a:p>
           <a:p>
             <a:pPr marL="285750" indent="-285750">
@@ -3893,10 +4097,756 @@
           </a:p>
         </p:txBody>
       </p:sp>
+      <p:sp>
+        <p:nvSpPr>
+          <p:cNvPr id="3" name="직사각형 2">
+            <a:extLst>
+              <a:ext uri="{FF2B5EF4-FFF2-40B4-BE49-F238E27FC236}">
+                <a16:creationId xmlns:a16="http://schemas.microsoft.com/office/drawing/2014/main" id="{412515ED-AFBE-EA0A-BFA6-98E7537E4A6E}"/>
+              </a:ext>
+            </a:extLst>
+          </p:cNvPr>
+          <p:cNvSpPr/>
+          <p:nvPr/>
+        </p:nvSpPr>
+        <p:spPr>
+          <a:xfrm>
+            <a:off x="486535" y="2330451"/>
+            <a:ext cx="2250316" cy="2965492"/>
+          </a:xfrm>
+          <a:prstGeom prst="rect">
+            <a:avLst/>
+          </a:prstGeom>
+          <a:solidFill>
+            <a:schemeClr val="accent2">
+              <a:lumMod val="20000"/>
+              <a:lumOff val="80000"/>
+            </a:schemeClr>
+          </a:solidFill>
+          <a:ln>
+            <a:noFill/>
+          </a:ln>
+        </p:spPr>
+        <p:style>
+          <a:lnRef idx="2">
+            <a:schemeClr val="accent1">
+              <a:shade val="15000"/>
+            </a:schemeClr>
+          </a:lnRef>
+          <a:fillRef idx="1">
+            <a:schemeClr val="accent1"/>
+          </a:fillRef>
+          <a:effectRef idx="0">
+            <a:schemeClr val="accent1"/>
+          </a:effectRef>
+          <a:fontRef idx="minor">
+            <a:schemeClr val="lt1"/>
+          </a:fontRef>
+        </p:style>
+        <p:txBody>
+          <a:bodyPr rtlCol="0" anchor="ctr"/>
+          <a:lstStyle/>
+          <a:p>
+            <a:pPr algn="ctr"/>
+            <a:endParaRPr kumimoji="1" lang="ko-KR" altLang="en-US" dirty="0"/>
+          </a:p>
+        </p:txBody>
+      </p:sp>
+      <p:pic>
+        <p:nvPicPr>
+          <p:cNvPr id="5" name="Picture 2" descr="Amazon Bedrock Connector - Overview (O11) | OutSystems">
+            <a:extLst>
+              <a:ext uri="{FF2B5EF4-FFF2-40B4-BE49-F238E27FC236}">
+                <a16:creationId xmlns:a16="http://schemas.microsoft.com/office/drawing/2014/main" id="{009C7BDF-7A85-7866-458A-52846211F6A5}"/>
+              </a:ext>
+            </a:extLst>
+          </p:cNvPr>
+          <p:cNvPicPr>
+            <a:picLocks noChangeAspect="1" noChangeArrowheads="1"/>
+          </p:cNvPicPr>
+          <p:nvPr/>
+        </p:nvPicPr>
+        <p:blipFill>
+          <a:blip r:embed="rId2">
+            <a:extLst>
+              <a:ext uri="{28A0092B-C50C-407E-A947-70E740481C1C}">
+                <a14:useLocalDpi xmlns:a14="http://schemas.microsoft.com/office/drawing/2010/main" val="0"/>
+              </a:ext>
+            </a:extLst>
+          </a:blip>
+          <a:srcRect/>
+          <a:stretch>
+            <a:fillRect/>
+          </a:stretch>
+        </p:blipFill>
+        <p:spPr bwMode="auto">
+          <a:xfrm>
+            <a:off x="1976960" y="3379062"/>
+            <a:ext cx="465430" cy="465430"/>
+          </a:xfrm>
+          <a:prstGeom prst="rect">
+            <a:avLst/>
+          </a:prstGeom>
+          <a:noFill/>
+          <a:extLst>
+            <a:ext uri="{909E8E84-426E-40DD-AFC4-6F175D3DCCD1}">
+              <a14:hiddenFill xmlns:a14="http://schemas.microsoft.com/office/drawing/2010/main">
+                <a:solidFill>
+                  <a:srgbClr val="FFFFFF"/>
+                </a:solidFill>
+              </a14:hiddenFill>
+            </a:ext>
+          </a:extLst>
+        </p:spPr>
+      </p:pic>
+      <p:sp>
+        <p:nvSpPr>
+          <p:cNvPr id="6" name="제목 1">
+            <a:extLst>
+              <a:ext uri="{FF2B5EF4-FFF2-40B4-BE49-F238E27FC236}">
+                <a16:creationId xmlns:a16="http://schemas.microsoft.com/office/drawing/2014/main" id="{B6D7CF8A-B99A-5B13-092E-36AE3609FBC7}"/>
+              </a:ext>
+            </a:extLst>
+          </p:cNvPr>
+          <p:cNvSpPr txBox="1">
+            <a:spLocks/>
+          </p:cNvSpPr>
+          <p:nvPr/>
+        </p:nvSpPr>
+        <p:spPr>
+          <a:xfrm>
+            <a:off x="1840074" y="3829937"/>
+            <a:ext cx="739201" cy="267998"/>
+          </a:xfrm>
+          <a:prstGeom prst="rect">
+            <a:avLst/>
+          </a:prstGeom>
+        </p:spPr>
+        <p:txBody>
+          <a:bodyPr vert="horz" lIns="91440" tIns="45720" rIns="91440" bIns="45720" rtlCol="0" anchor="ctr">
+            <a:normAutofit/>
+          </a:bodyPr>
+          <a:lstStyle>
+            <a:lvl1pPr algn="l" defTabSz="914400" rtl="0" eaLnBrk="1" latinLnBrk="1" hangingPunct="1">
+              <a:lnSpc>
+                <a:spcPct val="90000"/>
+              </a:lnSpc>
+              <a:spcBef>
+                <a:spcPct val="0"/>
+              </a:spcBef>
+              <a:buNone/>
+              <a:defRPr sz="4400" kern="1200">
+                <a:solidFill>
+                  <a:schemeClr val="tx1"/>
+                </a:solidFill>
+                <a:latin typeface="+mj-lt"/>
+                <a:ea typeface="+mj-ea"/>
+                <a:cs typeface="+mj-cs"/>
+              </a:defRPr>
+            </a:lvl1pPr>
+          </a:lstStyle>
+          <a:p>
+            <a:pPr algn="ctr"/>
+            <a:r>
+              <a:rPr kumimoji="1" lang="en-US" altLang="ko-KR" sz="1100" b="1" dirty="0">
+                <a:latin typeface="KoPubWorldDotum Bold" pitchFamily="2" charset="-127"/>
+                <a:ea typeface="KoPubWorldDotum Bold" pitchFamily="2" charset="-127"/>
+                <a:cs typeface="KoPubWorldDotum Bold" pitchFamily="2" charset="-127"/>
+              </a:rPr>
+              <a:t>Bedrock</a:t>
+            </a:r>
+            <a:endParaRPr kumimoji="1" lang="ko-KR" altLang="en-US" sz="1100" b="1" dirty="0">
+              <a:latin typeface="KoPubWorldDotum Bold" pitchFamily="2" charset="-127"/>
+              <a:ea typeface="KoPubWorldDotum Bold" pitchFamily="2" charset="-127"/>
+              <a:cs typeface="KoPubWorldDotum Bold" pitchFamily="2" charset="-127"/>
+            </a:endParaRPr>
+          </a:p>
+        </p:txBody>
+      </p:sp>
+      <p:cxnSp>
+        <p:nvCxnSpPr>
+          <p:cNvPr id="7" name="직선 화살표 연결선 6">
+            <a:extLst>
+              <a:ext uri="{FF2B5EF4-FFF2-40B4-BE49-F238E27FC236}">
+                <a16:creationId xmlns:a16="http://schemas.microsoft.com/office/drawing/2014/main" id="{1B18F9CE-CBE7-763B-55DB-F39502769976}"/>
+              </a:ext>
+            </a:extLst>
+          </p:cNvPr>
+          <p:cNvCxnSpPr>
+            <a:cxnSpLocks/>
+            <a:stCxn id="30" idx="1"/>
+            <a:endCxn id="5" idx="3"/>
+          </p:cNvCxnSpPr>
+          <p:nvPr/>
+        </p:nvCxnSpPr>
+        <p:spPr>
+          <a:xfrm flipH="1">
+            <a:off x="2442390" y="3597587"/>
+            <a:ext cx="2444754" cy="14190"/>
+          </a:xfrm>
+          <a:prstGeom prst="straightConnector1">
+            <a:avLst/>
+          </a:prstGeom>
+          <a:ln>
+            <a:headEnd type="none" w="med" len="med"/>
+            <a:tailEnd type="none" w="med" len="med"/>
+          </a:ln>
+        </p:spPr>
+        <p:style>
+          <a:lnRef idx="2">
+            <a:schemeClr val="accent1"/>
+          </a:lnRef>
+          <a:fillRef idx="0">
+            <a:schemeClr val="accent1"/>
+          </a:fillRef>
+          <a:effectRef idx="1">
+            <a:schemeClr val="accent1"/>
+          </a:effectRef>
+          <a:fontRef idx="minor">
+            <a:schemeClr val="tx1"/>
+          </a:fontRef>
+        </p:style>
+      </p:cxnSp>
+      <p:cxnSp>
+        <p:nvCxnSpPr>
+          <p:cNvPr id="9" name="직선 화살표 연결선 8">
+            <a:extLst>
+              <a:ext uri="{FF2B5EF4-FFF2-40B4-BE49-F238E27FC236}">
+                <a16:creationId xmlns:a16="http://schemas.microsoft.com/office/drawing/2014/main" id="{3C1B939A-A465-35A2-9843-14B2B03BA0AD}"/>
+              </a:ext>
+            </a:extLst>
+          </p:cNvPr>
+          <p:cNvCxnSpPr>
+            <a:cxnSpLocks/>
+            <a:endCxn id="30" idx="3"/>
+          </p:cNvCxnSpPr>
+          <p:nvPr/>
+        </p:nvCxnSpPr>
+        <p:spPr>
+          <a:xfrm flipH="1">
+            <a:off x="6090253" y="3597587"/>
+            <a:ext cx="5415947" cy="0"/>
+          </a:xfrm>
+          <a:prstGeom prst="straightConnector1">
+            <a:avLst/>
+          </a:prstGeom>
+          <a:ln>
+            <a:headEnd type="none" w="med" len="med"/>
+            <a:tailEnd type="none" w="med" len="med"/>
+          </a:ln>
+        </p:spPr>
+        <p:style>
+          <a:lnRef idx="2">
+            <a:schemeClr val="accent1"/>
+          </a:lnRef>
+          <a:fillRef idx="0">
+            <a:schemeClr val="accent1"/>
+          </a:fillRef>
+          <a:effectRef idx="1">
+            <a:schemeClr val="accent1"/>
+          </a:effectRef>
+          <a:fontRef idx="minor">
+            <a:schemeClr val="tx1"/>
+          </a:fontRef>
+        </p:style>
+      </p:cxnSp>
+      <p:sp>
+        <p:nvSpPr>
+          <p:cNvPr id="11" name="제목 1">
+            <a:extLst>
+              <a:ext uri="{FF2B5EF4-FFF2-40B4-BE49-F238E27FC236}">
+                <a16:creationId xmlns:a16="http://schemas.microsoft.com/office/drawing/2014/main" id="{60C63AE5-968C-7FD2-0726-CD5EE6CB2A1F}"/>
+              </a:ext>
+            </a:extLst>
+          </p:cNvPr>
+          <p:cNvSpPr txBox="1">
+            <a:spLocks/>
+          </p:cNvSpPr>
+          <p:nvPr/>
+        </p:nvSpPr>
+        <p:spPr>
+          <a:xfrm>
+            <a:off x="606663" y="3862660"/>
+            <a:ext cx="1206609" cy="267998"/>
+          </a:xfrm>
+          <a:prstGeom prst="rect">
+            <a:avLst/>
+          </a:prstGeom>
+        </p:spPr>
+        <p:txBody>
+          <a:bodyPr vert="horz" lIns="91440" tIns="45720" rIns="91440" bIns="45720" rtlCol="0" anchor="ctr">
+            <a:normAutofit fontScale="92500"/>
+          </a:bodyPr>
+          <a:lstStyle>
+            <a:lvl1pPr algn="l" defTabSz="914400" rtl="0" eaLnBrk="1" latinLnBrk="1" hangingPunct="1">
+              <a:lnSpc>
+                <a:spcPct val="90000"/>
+              </a:lnSpc>
+              <a:spcBef>
+                <a:spcPct val="0"/>
+              </a:spcBef>
+              <a:buNone/>
+              <a:defRPr sz="4400" kern="1200">
+                <a:solidFill>
+                  <a:schemeClr val="tx1"/>
+                </a:solidFill>
+                <a:latin typeface="+mj-lt"/>
+                <a:ea typeface="+mj-ea"/>
+                <a:cs typeface="+mj-cs"/>
+              </a:defRPr>
+            </a:lvl1pPr>
+          </a:lstStyle>
+          <a:p>
+            <a:pPr algn="ctr"/>
+            <a:r>
+              <a:rPr kumimoji="1" lang="en-US" altLang="ko-KR" sz="1100" b="1" dirty="0">
+                <a:latin typeface="KoPubWorldDotum Bold" pitchFamily="2" charset="-127"/>
+                <a:ea typeface="KoPubWorldDotum Bold" pitchFamily="2" charset="-127"/>
+                <a:cs typeface="KoPubWorldDotum Bold" pitchFamily="2" charset="-127"/>
+              </a:rPr>
+              <a:t>Claude 3 Sonnet</a:t>
+            </a:r>
+            <a:endParaRPr kumimoji="1" lang="ko-KR" altLang="en-US" sz="1100" b="1" dirty="0">
+              <a:latin typeface="KoPubWorldDotum Bold" pitchFamily="2" charset="-127"/>
+              <a:ea typeface="KoPubWorldDotum Bold" pitchFamily="2" charset="-127"/>
+              <a:cs typeface="KoPubWorldDotum Bold" pitchFamily="2" charset="-127"/>
+            </a:endParaRPr>
+          </a:p>
+        </p:txBody>
+      </p:sp>
+      <p:cxnSp>
+        <p:nvCxnSpPr>
+          <p:cNvPr id="12" name="직선 화살표 연결선 11">
+            <a:extLst>
+              <a:ext uri="{FF2B5EF4-FFF2-40B4-BE49-F238E27FC236}">
+                <a16:creationId xmlns:a16="http://schemas.microsoft.com/office/drawing/2014/main" id="{33C52862-93D1-41CC-5DC7-A05E67A2D6FC}"/>
+              </a:ext>
+            </a:extLst>
+          </p:cNvPr>
+          <p:cNvCxnSpPr>
+            <a:cxnSpLocks/>
+            <a:stCxn id="5" idx="1"/>
+          </p:cNvCxnSpPr>
+          <p:nvPr/>
+        </p:nvCxnSpPr>
+        <p:spPr>
+          <a:xfrm flipH="1">
+            <a:off x="1463248" y="3611777"/>
+            <a:ext cx="513712" cy="7056"/>
+          </a:xfrm>
+          <a:prstGeom prst="straightConnector1">
+            <a:avLst/>
+          </a:prstGeom>
+          <a:ln>
+            <a:headEnd type="none" w="med" len="med"/>
+            <a:tailEnd type="none" w="med" len="med"/>
+          </a:ln>
+        </p:spPr>
+        <p:style>
+          <a:lnRef idx="2">
+            <a:schemeClr val="accent1"/>
+          </a:lnRef>
+          <a:fillRef idx="0">
+            <a:schemeClr val="accent1"/>
+          </a:fillRef>
+          <a:effectRef idx="1">
+            <a:schemeClr val="accent1"/>
+          </a:effectRef>
+          <a:fontRef idx="minor">
+            <a:schemeClr val="tx1"/>
+          </a:fontRef>
+        </p:style>
+      </p:cxnSp>
+      <p:pic>
+        <p:nvPicPr>
+          <p:cNvPr id="14" name="Picture 2" descr="The AI wars heat up with Claude 3, claimed to have “near-human” abilities |  Ars Technica">
+            <a:extLst>
+              <a:ext uri="{FF2B5EF4-FFF2-40B4-BE49-F238E27FC236}">
+                <a16:creationId xmlns:a16="http://schemas.microsoft.com/office/drawing/2014/main" id="{6D14F15F-012F-C947-96D0-D005C282728B}"/>
+              </a:ext>
+            </a:extLst>
+          </p:cNvPr>
+          <p:cNvPicPr>
+            <a:picLocks noChangeAspect="1" noChangeArrowheads="1"/>
+          </p:cNvPicPr>
+          <p:nvPr/>
+        </p:nvPicPr>
+        <p:blipFill rotWithShape="1">
+          <a:blip r:embed="rId3">
+            <a:extLst>
+              <a:ext uri="{28A0092B-C50C-407E-A947-70E740481C1C}">
+                <a14:useLocalDpi xmlns:a14="http://schemas.microsoft.com/office/drawing/2010/main" val="0"/>
+              </a:ext>
+            </a:extLst>
+          </a:blip>
+          <a:srcRect l="28567" t="10984" r="29591" b="14630"/>
+          <a:stretch/>
+        </p:blipFill>
+        <p:spPr bwMode="auto">
+          <a:xfrm>
+            <a:off x="1018257" y="3391256"/>
+            <a:ext cx="465430" cy="465430"/>
+          </a:xfrm>
+          <a:prstGeom prst="rect">
+            <a:avLst/>
+          </a:prstGeom>
+          <a:noFill/>
+          <a:extLst>
+            <a:ext uri="{909E8E84-426E-40DD-AFC4-6F175D3DCCD1}">
+              <a14:hiddenFill xmlns:a14="http://schemas.microsoft.com/office/drawing/2010/main">
+                <a:solidFill>
+                  <a:srgbClr val="FFFFFF"/>
+                </a:solidFill>
+              </a14:hiddenFill>
+            </a:ext>
+          </a:extLst>
+        </p:spPr>
+      </p:pic>
+      <p:sp>
+        <p:nvSpPr>
+          <p:cNvPr id="28" name="직사각형 27">
+            <a:extLst>
+              <a:ext uri="{FF2B5EF4-FFF2-40B4-BE49-F238E27FC236}">
+                <a16:creationId xmlns:a16="http://schemas.microsoft.com/office/drawing/2014/main" id="{2D1177B4-443A-DE48-6E59-55242EF9534A}"/>
+              </a:ext>
+            </a:extLst>
+          </p:cNvPr>
+          <p:cNvSpPr/>
+          <p:nvPr/>
+        </p:nvSpPr>
+        <p:spPr>
+          <a:xfrm>
+            <a:off x="481291" y="2336800"/>
+            <a:ext cx="2250316" cy="2965493"/>
+          </a:xfrm>
+          <a:prstGeom prst="rect">
+            <a:avLst/>
+          </a:prstGeom>
+          <a:noFill/>
+          <a:ln>
+            <a:solidFill>
+              <a:srgbClr val="000000"/>
+            </a:solidFill>
+            <a:prstDash val="sysDash"/>
+          </a:ln>
+        </p:spPr>
+        <p:style>
+          <a:lnRef idx="2">
+            <a:schemeClr val="accent1">
+              <a:shade val="15000"/>
+            </a:schemeClr>
+          </a:lnRef>
+          <a:fillRef idx="1">
+            <a:schemeClr val="accent1"/>
+          </a:fillRef>
+          <a:effectRef idx="0">
+            <a:schemeClr val="accent1"/>
+          </a:effectRef>
+          <a:fontRef idx="minor">
+            <a:schemeClr val="lt1"/>
+          </a:fontRef>
+        </p:style>
+        <p:txBody>
+          <a:bodyPr rtlCol="0" anchor="ctr"/>
+          <a:lstStyle/>
+          <a:p>
+            <a:pPr algn="ctr"/>
+            <a:endParaRPr kumimoji="1" lang="ko-KR" altLang="en-US"/>
+          </a:p>
+        </p:txBody>
+      </p:sp>
+      <p:pic>
+        <p:nvPicPr>
+          <p:cNvPr id="29" name="Picture 4" descr="Amazon Web Services | Incentro Partner">
+            <a:extLst>
+              <a:ext uri="{FF2B5EF4-FFF2-40B4-BE49-F238E27FC236}">
+                <a16:creationId xmlns:a16="http://schemas.microsoft.com/office/drawing/2014/main" id="{44F1C286-5CB2-B985-4AC2-F1D6B2416C7A}"/>
+              </a:ext>
+            </a:extLst>
+          </p:cNvPr>
+          <p:cNvPicPr>
+            <a:picLocks noChangeAspect="1" noChangeArrowheads="1"/>
+          </p:cNvPicPr>
+          <p:nvPr/>
+        </p:nvPicPr>
+        <p:blipFill>
+          <a:blip r:embed="rId4">
+            <a:extLst>
+              <a:ext uri="{28A0092B-C50C-407E-A947-70E740481C1C}">
+                <a14:useLocalDpi xmlns:a14="http://schemas.microsoft.com/office/drawing/2010/main" val="0"/>
+              </a:ext>
+            </a:extLst>
+          </a:blip>
+          <a:srcRect/>
+          <a:stretch>
+            <a:fillRect/>
+          </a:stretch>
+        </p:blipFill>
+        <p:spPr bwMode="auto">
+          <a:xfrm>
+            <a:off x="486534" y="2328764"/>
+            <a:ext cx="377292" cy="377292"/>
+          </a:xfrm>
+          <a:prstGeom prst="rect">
+            <a:avLst/>
+          </a:prstGeom>
+          <a:noFill/>
+          <a:extLst>
+            <a:ext uri="{909E8E84-426E-40DD-AFC4-6F175D3DCCD1}">
+              <a14:hiddenFill xmlns:a14="http://schemas.microsoft.com/office/drawing/2010/main">
+                <a:solidFill>
+                  <a:srgbClr val="FFFFFF"/>
+                </a:solidFill>
+              </a14:hiddenFill>
+            </a:ext>
+          </a:extLst>
+        </p:spPr>
+      </p:pic>
+      <p:sp>
+        <p:nvSpPr>
+          <p:cNvPr id="30" name="처리 29">
+            <a:extLst>
+              <a:ext uri="{FF2B5EF4-FFF2-40B4-BE49-F238E27FC236}">
+                <a16:creationId xmlns:a16="http://schemas.microsoft.com/office/drawing/2014/main" id="{A00AB7F7-7997-5E94-B797-0064F198B1E6}"/>
+              </a:ext>
+            </a:extLst>
+          </p:cNvPr>
+          <p:cNvSpPr/>
+          <p:nvPr/>
+        </p:nvSpPr>
+        <p:spPr>
+          <a:xfrm>
+            <a:off x="4887144" y="3475616"/>
+            <a:ext cx="1203109" cy="243942"/>
+          </a:xfrm>
+          <a:prstGeom prst="flowChartProcess">
+            <a:avLst/>
+          </a:prstGeom>
+          <a:solidFill>
+            <a:schemeClr val="accent1"/>
+          </a:solidFill>
+          <a:ln>
+            <a:noFill/>
+          </a:ln>
+        </p:spPr>
+        <p:style>
+          <a:lnRef idx="2">
+            <a:schemeClr val="accent1">
+              <a:shade val="15000"/>
+            </a:schemeClr>
+          </a:lnRef>
+          <a:fillRef idx="1">
+            <a:schemeClr val="accent1"/>
+          </a:fillRef>
+          <a:effectRef idx="0">
+            <a:schemeClr val="accent1"/>
+          </a:effectRef>
+          <a:fontRef idx="minor">
+            <a:schemeClr val="lt1"/>
+          </a:fontRef>
+        </p:style>
+        <p:txBody>
+          <a:bodyPr rtlCol="0" anchor="ctr"/>
+          <a:lstStyle/>
+          <a:p>
+            <a:pPr algn="ctr"/>
+            <a:r>
+              <a:rPr kumimoji="1" lang="en-US" altLang="ko-KR" sz="1100" b="1" dirty="0" err="1">
+                <a:latin typeface="KoPubWorldDotum Bold" pitchFamily="2" charset="-127"/>
+                <a:ea typeface="KoPubWorldDotum Bold" pitchFamily="2" charset="-127"/>
+                <a:cs typeface="KoPubWorldDotum Bold" pitchFamily="2" charset="-127"/>
+              </a:rPr>
+              <a:t>Back.py</a:t>
+            </a:r>
+            <a:endParaRPr kumimoji="1" lang="ko-KR" altLang="en-US" sz="1100" b="1" dirty="0">
+              <a:latin typeface="KoPubWorldDotum Bold" pitchFamily="2" charset="-127"/>
+              <a:ea typeface="KoPubWorldDotum Bold" pitchFamily="2" charset="-127"/>
+              <a:cs typeface="KoPubWorldDotum Bold" pitchFamily="2" charset="-127"/>
+            </a:endParaRPr>
+          </a:p>
+        </p:txBody>
+      </p:sp>
+      <p:pic>
+        <p:nvPicPr>
+          <p:cNvPr id="31" name="그래픽 30" descr="사용자 단색으로 채워진">
+            <a:extLst>
+              <a:ext uri="{FF2B5EF4-FFF2-40B4-BE49-F238E27FC236}">
+                <a16:creationId xmlns:a16="http://schemas.microsoft.com/office/drawing/2014/main" id="{2DB94361-6B77-3514-FA86-699D67415257}"/>
+              </a:ext>
+            </a:extLst>
+          </p:cNvPr>
+          <p:cNvPicPr>
+            <a:picLocks noChangeAspect="1"/>
+          </p:cNvPicPr>
+          <p:nvPr/>
+        </p:nvPicPr>
+        <p:blipFill>
+          <a:blip r:embed="rId5">
+            <a:extLst>
+              <a:ext uri="{96DAC541-7B7A-43D3-8B79-37D633B846F1}">
+                <asvg:svgBlip xmlns:asvg="http://schemas.microsoft.com/office/drawing/2016/SVG/main" r:embed="rId6"/>
+              </a:ext>
+            </a:extLst>
+          </a:blip>
+          <a:stretch>
+            <a:fillRect/>
+          </a:stretch>
+        </p:blipFill>
+        <p:spPr>
+          <a:xfrm>
+            <a:off x="11069435" y="3141147"/>
+            <a:ext cx="754027" cy="754027"/>
+          </a:xfrm>
+          <a:prstGeom prst="rect">
+            <a:avLst/>
+          </a:prstGeom>
+        </p:spPr>
+      </p:pic>
+      <p:sp>
+        <p:nvSpPr>
+          <p:cNvPr id="32" name="직사각형 31">
+            <a:extLst>
+              <a:ext uri="{FF2B5EF4-FFF2-40B4-BE49-F238E27FC236}">
+                <a16:creationId xmlns:a16="http://schemas.microsoft.com/office/drawing/2014/main" id="{9BE9C039-262B-B5BF-5822-71637DC0744D}"/>
+              </a:ext>
+            </a:extLst>
+          </p:cNvPr>
+          <p:cNvSpPr/>
+          <p:nvPr/>
+        </p:nvSpPr>
+        <p:spPr>
+          <a:xfrm>
+            <a:off x="4646366" y="2336799"/>
+            <a:ext cx="1672053" cy="2965493"/>
+          </a:xfrm>
+          <a:prstGeom prst="rect">
+            <a:avLst/>
+          </a:prstGeom>
+          <a:noFill/>
+          <a:ln>
+            <a:solidFill>
+              <a:srgbClr val="000000"/>
+            </a:solidFill>
+            <a:prstDash val="sysDash"/>
+          </a:ln>
+        </p:spPr>
+        <p:style>
+          <a:lnRef idx="2">
+            <a:schemeClr val="accent1">
+              <a:shade val="15000"/>
+            </a:schemeClr>
+          </a:lnRef>
+          <a:fillRef idx="1">
+            <a:schemeClr val="accent1"/>
+          </a:fillRef>
+          <a:effectRef idx="0">
+            <a:schemeClr val="accent1"/>
+          </a:effectRef>
+          <a:fontRef idx="minor">
+            <a:schemeClr val="lt1"/>
+          </a:fontRef>
+        </p:style>
+        <p:txBody>
+          <a:bodyPr rtlCol="0" anchor="ctr"/>
+          <a:lstStyle/>
+          <a:p>
+            <a:pPr algn="ctr"/>
+            <a:endParaRPr kumimoji="1" lang="ko-KR" altLang="en-US"/>
+          </a:p>
+        </p:txBody>
+      </p:sp>
+      <p:sp>
+        <p:nvSpPr>
+          <p:cNvPr id="35" name="직사각형 34">
+            <a:extLst>
+              <a:ext uri="{FF2B5EF4-FFF2-40B4-BE49-F238E27FC236}">
+                <a16:creationId xmlns:a16="http://schemas.microsoft.com/office/drawing/2014/main" id="{AA7DEE17-5317-5091-378B-F298918F78EC}"/>
+              </a:ext>
+            </a:extLst>
+          </p:cNvPr>
+          <p:cNvSpPr/>
+          <p:nvPr/>
+        </p:nvSpPr>
+        <p:spPr>
+          <a:xfrm>
+            <a:off x="4633754" y="2328764"/>
+            <a:ext cx="377292" cy="377292"/>
+          </a:xfrm>
+          <a:prstGeom prst="rect">
+            <a:avLst/>
+          </a:prstGeom>
+          <a:solidFill>
+            <a:schemeClr val="tx1"/>
+          </a:solidFill>
+          <a:ln>
+            <a:noFill/>
+          </a:ln>
+        </p:spPr>
+        <p:style>
+          <a:lnRef idx="2">
+            <a:schemeClr val="accent1">
+              <a:shade val="15000"/>
+            </a:schemeClr>
+          </a:lnRef>
+          <a:fillRef idx="1">
+            <a:schemeClr val="accent1"/>
+          </a:fillRef>
+          <a:effectRef idx="0">
+            <a:schemeClr val="accent1"/>
+          </a:effectRef>
+          <a:fontRef idx="minor">
+            <a:schemeClr val="lt1"/>
+          </a:fontRef>
+        </p:style>
+        <p:txBody>
+          <a:bodyPr rtlCol="0" anchor="ctr"/>
+          <a:lstStyle/>
+          <a:p>
+            <a:pPr algn="ctr"/>
+            <a:endParaRPr kumimoji="1" lang="ko-KR" altLang="en-US"/>
+          </a:p>
+        </p:txBody>
+      </p:sp>
+      <p:pic>
+        <p:nvPicPr>
+          <p:cNvPr id="38" name="그래픽 37" descr="건물 단색으로 채워진">
+            <a:extLst>
+              <a:ext uri="{FF2B5EF4-FFF2-40B4-BE49-F238E27FC236}">
+                <a16:creationId xmlns:a16="http://schemas.microsoft.com/office/drawing/2014/main" id="{50BDE907-9BBC-B38E-1001-2433B1B0F1E1}"/>
+              </a:ext>
+            </a:extLst>
+          </p:cNvPr>
+          <p:cNvPicPr>
+            <a:picLocks noChangeAspect="1"/>
+          </p:cNvPicPr>
+          <p:nvPr/>
+        </p:nvPicPr>
+        <p:blipFill>
+          <a:blip r:embed="rId7">
+            <a:extLst>
+              <a:ext uri="{96DAC541-7B7A-43D3-8B79-37D633B846F1}">
+                <asvg:svgBlip xmlns:asvg="http://schemas.microsoft.com/office/drawing/2016/SVG/main" r:embed="rId8"/>
+              </a:ext>
+            </a:extLst>
+          </a:blip>
+          <a:stretch>
+            <a:fillRect/>
+          </a:stretch>
+        </p:blipFill>
+        <p:spPr>
+          <a:xfrm>
+            <a:off x="4673305" y="2367853"/>
+            <a:ext cx="298189" cy="298189"/>
+          </a:xfrm>
+          <a:prstGeom prst="rect">
+            <a:avLst/>
+          </a:prstGeom>
+        </p:spPr>
+      </p:pic>
     </p:spTree>
     <p:extLst>
       <p:ext uri="{BB962C8B-B14F-4D97-AF65-F5344CB8AC3E}">
-        <p14:creationId xmlns:p14="http://schemas.microsoft.com/office/powerpoint/2010/main" val="1306681556"/>
+        <p14:creationId xmlns:p14="http://schemas.microsoft.com/office/powerpoint/2010/main" val="4242104945"/>
       </p:ext>
     </p:extLst>
   </p:cSld>
@@ -3957,7 +4907,15 @@
                 <a:ea typeface="KoPubWorldDotum Medium" pitchFamily="2" charset="-127"/>
                 <a:cs typeface="KoPubWorldDotum Medium" pitchFamily="2" charset="-127"/>
               </a:rPr>
-              <a:t>Phase 0: </a:t>
+              <a:t>Phase 1: </a:t>
+            </a:r>
+            <a:r>
+              <a:rPr kumimoji="1" lang="ko-KR" altLang="en-US" sz="2800" dirty="0" err="1">
+                <a:latin typeface="KoPubWorldDotum Medium" pitchFamily="2" charset="-127"/>
+                <a:ea typeface="KoPubWorldDotum Medium" pitchFamily="2" charset="-127"/>
+                <a:cs typeface="KoPubWorldDotum Medium" pitchFamily="2" charset="-127"/>
+              </a:rPr>
+              <a:t>백엔드</a:t>
             </a:r>
             <a:r>
               <a:rPr kumimoji="1" lang="ko-KR" altLang="en-US" sz="2800" dirty="0">
@@ -3965,7 +4923,7 @@
                 <a:ea typeface="KoPubWorldDotum Medium" pitchFamily="2" charset="-127"/>
                 <a:cs typeface="KoPubWorldDotum Medium" pitchFamily="2" charset="-127"/>
               </a:rPr>
-              <a:t>개발 가능성 검토</a:t>
+              <a:t> 필수 요소 구축</a:t>
             </a:r>
           </a:p>
         </p:txBody>
@@ -3986,8 +4944,8 @@
         </p:nvSpPr>
         <p:spPr>
           <a:xfrm>
-            <a:off x="368537" y="749889"/>
-            <a:ext cx="11454925" cy="1139237"/>
+            <a:off x="368537" y="700863"/>
+            <a:ext cx="11454925" cy="1518755"/>
           </a:xfrm>
           <a:prstGeom prst="rect">
             <a:avLst/>
@@ -4030,7 +4988,7 @@
                 <a:ea typeface="KoPubWorldDotum Medium" pitchFamily="2" charset="-127"/>
                 <a:cs typeface="KoPubWorldDotum Medium" pitchFamily="2" charset="-127"/>
               </a:rPr>
-              <a:t>챗봇에</a:t>
+              <a:t>챗봇에게</a:t>
             </a:r>
             <a:r>
               <a:rPr kumimoji="1" lang="ko-KR" altLang="en-US" sz="1400" dirty="0">
@@ -4038,7 +4996,31 @@
                 <a:ea typeface="KoPubWorldDotum Medium" pitchFamily="2" charset="-127"/>
                 <a:cs typeface="KoPubWorldDotum Medium" pitchFamily="2" charset="-127"/>
               </a:rPr>
-              <a:t> 질문을 던지면 응답이 가능한 기본 구조</a:t>
+              <a:t> 역할을 제시하는 </a:t>
+            </a:r>
+            <a:r>
+              <a:rPr kumimoji="1" lang="en-US" altLang="ko-KR" sz="1400" dirty="0">
+                <a:latin typeface="KoPubWorldDotum Medium" pitchFamily="2" charset="-127"/>
+                <a:ea typeface="KoPubWorldDotum Medium" pitchFamily="2" charset="-127"/>
+                <a:cs typeface="KoPubWorldDotum Medium" pitchFamily="2" charset="-127"/>
+              </a:rPr>
+              <a:t>Agent</a:t>
+            </a:r>
+            <a:r>
+              <a:rPr kumimoji="1" lang="ko-KR" altLang="en-US" sz="1400" dirty="0" err="1">
+                <a:latin typeface="KoPubWorldDotum Medium" pitchFamily="2" charset="-127"/>
+                <a:ea typeface="KoPubWorldDotum Medium" pitchFamily="2" charset="-127"/>
+                <a:cs typeface="KoPubWorldDotum Medium" pitchFamily="2" charset="-127"/>
+              </a:rPr>
+              <a:t>를</a:t>
+            </a:r>
+            <a:r>
+              <a:rPr kumimoji="1" lang="ko-KR" altLang="en-US" sz="1400" dirty="0">
+                <a:latin typeface="KoPubWorldDotum Medium" pitchFamily="2" charset="-127"/>
+                <a:ea typeface="KoPubWorldDotum Medium" pitchFamily="2" charset="-127"/>
+                <a:cs typeface="KoPubWorldDotum Medium" pitchFamily="2" charset="-127"/>
+              </a:rPr>
+              <a:t> 직접 구현</a:t>
             </a:r>
             <a:endParaRPr kumimoji="1" lang="en-US" altLang="ko-KR" sz="1400" dirty="0">
               <a:latin typeface="KoPubWorldDotum Medium" pitchFamily="2" charset="-127"/>
@@ -4055,20 +5037,28 @@
               <a:buChar char="•"/>
             </a:pPr>
             <a:r>
+              <a:rPr kumimoji="1" lang="ko-KR" altLang="en-US" sz="1400" dirty="0" err="1">
+                <a:latin typeface="KoPubWorldDotum Medium" pitchFamily="2" charset="-127"/>
+                <a:ea typeface="KoPubWorldDotum Medium" pitchFamily="2" charset="-127"/>
+                <a:cs typeface="KoPubWorldDotum Medium" pitchFamily="2" charset="-127"/>
+              </a:rPr>
+              <a:t>백엔드</a:t>
+            </a:r>
+            <a:r>
               <a:rPr kumimoji="1" lang="ko-KR" altLang="en-US" sz="1400" dirty="0">
                 <a:latin typeface="KoPubWorldDotum Medium" pitchFamily="2" charset="-127"/>
                 <a:ea typeface="KoPubWorldDotum Medium" pitchFamily="2" charset="-127"/>
                 <a:cs typeface="KoPubWorldDotum Medium" pitchFamily="2" charset="-127"/>
               </a:rPr>
-              <a:t>로컬에서 </a:t>
-            </a:r>
-            <a:r>
-              <a:rPr kumimoji="1" lang="ko-KR" altLang="en-US" sz="1400" dirty="0" err="1">
+              <a:t> 파일은 서버리스로 </a:t>
+            </a:r>
+            <a:r>
+              <a:rPr kumimoji="1" lang="en-US" altLang="ko-KR" sz="1400" dirty="0">
                 <a:latin typeface="KoPubWorldDotum Medium" pitchFamily="2" charset="-127"/>
                 <a:ea typeface="KoPubWorldDotum Medium" pitchFamily="2" charset="-127"/>
                 <a:cs typeface="KoPubWorldDotum Medium" pitchFamily="2" charset="-127"/>
               </a:rPr>
-              <a:t>백엔드</a:t>
+              <a:t>Lambda</a:t>
             </a:r>
             <a:r>
               <a:rPr kumimoji="1" lang="ko-KR" altLang="en-US" sz="1400" dirty="0">
@@ -4076,7 +5066,7 @@
                 <a:ea typeface="KoPubWorldDotum Medium" pitchFamily="2" charset="-127"/>
                 <a:cs typeface="KoPubWorldDotum Medium" pitchFamily="2" charset="-127"/>
               </a:rPr>
-              <a:t> 파일로 </a:t>
+              <a:t> 활용</a:t>
             </a:r>
             <a:r>
               <a:rPr kumimoji="1" lang="en-US" altLang="ko-KR" sz="1400" dirty="0">
@@ -4084,7 +5074,7 @@
                 <a:ea typeface="KoPubWorldDotum Medium" pitchFamily="2" charset="-127"/>
                 <a:cs typeface="KoPubWorldDotum Medium" pitchFamily="2" charset="-127"/>
               </a:rPr>
-              <a:t>Bedrock API </a:t>
+              <a:t>, python </a:t>
             </a:r>
             <a:r>
               <a:rPr kumimoji="1" lang="ko-KR" altLang="en-US" sz="1400" dirty="0">
@@ -4092,13 +5082,16 @@
                 <a:ea typeface="KoPubWorldDotum Medium" pitchFamily="2" charset="-127"/>
                 <a:cs typeface="KoPubWorldDotum Medium" pitchFamily="2" charset="-127"/>
               </a:rPr>
-              <a:t>접근</a:t>
-            </a:r>
-            <a:endParaRPr kumimoji="1" lang="en-US" altLang="ko-KR" sz="1400" dirty="0">
-              <a:latin typeface="KoPubWorldDotum Medium" pitchFamily="2" charset="-127"/>
-              <a:ea typeface="KoPubWorldDotum Medium" pitchFamily="2" charset="-127"/>
-              <a:cs typeface="KoPubWorldDotum Medium" pitchFamily="2" charset="-127"/>
-            </a:endParaRPr>
+              <a:t>외 다른 언어 써도 </a:t>
+            </a:r>
+            <a:r>
+              <a:rPr kumimoji="1" lang="en-US" altLang="ko-KR" sz="1400" dirty="0">
+                <a:latin typeface="KoPubWorldDotum Medium" pitchFamily="2" charset="-127"/>
+                <a:ea typeface="KoPubWorldDotum Medium" pitchFamily="2" charset="-127"/>
+                <a:cs typeface="KoPubWorldDotum Medium" pitchFamily="2" charset="-127"/>
+              </a:rPr>
+              <a:t>OK</a:t>
+            </a:r>
           </a:p>
           <a:p>
             <a:pPr marL="285750" indent="-285750">
@@ -4109,20 +5102,12 @@
               <a:buChar char="•"/>
             </a:pPr>
             <a:r>
-              <a:rPr kumimoji="1" lang="ko-KR" altLang="en-US" sz="1400" dirty="0" err="1">
-                <a:latin typeface="KoPubWorldDotum Medium" pitchFamily="2" charset="-127"/>
-                <a:ea typeface="KoPubWorldDotum Medium" pitchFamily="2" charset="-127"/>
-                <a:cs typeface="KoPubWorldDotum Medium" pitchFamily="2" charset="-127"/>
-              </a:rPr>
-              <a:t>챗봇은</a:t>
-            </a:r>
-            <a:r>
               <a:rPr kumimoji="1" lang="ko-KR" altLang="en-US" sz="1400" dirty="0">
                 <a:latin typeface="KoPubWorldDotum Medium" pitchFamily="2" charset="-127"/>
                 <a:ea typeface="KoPubWorldDotum Medium" pitchFamily="2" charset="-127"/>
                 <a:cs typeface="KoPubWorldDotum Medium" pitchFamily="2" charset="-127"/>
               </a:rPr>
-              <a:t> 별도의 </a:t>
+              <a:t>단일 세션을 가정하고 메모리 구현 </a:t>
             </a:r>
             <a:r>
               <a:rPr kumimoji="1" lang="en-US" altLang="ko-KR" sz="1400" dirty="0">
@@ -4130,7 +5115,7 @@
                 <a:ea typeface="KoPubWorldDotum Medium" pitchFamily="2" charset="-127"/>
                 <a:cs typeface="KoPubWorldDotum Medium" pitchFamily="2" charset="-127"/>
               </a:rPr>
-              <a:t>Agent</a:t>
+              <a:t>–</a:t>
             </a:r>
             <a:r>
               <a:rPr kumimoji="1" lang="ko-KR" altLang="en-US" sz="1400" dirty="0">
@@ -4138,7 +5123,7 @@
                 <a:ea typeface="KoPubWorldDotum Medium" pitchFamily="2" charset="-127"/>
                 <a:cs typeface="KoPubWorldDotum Medium" pitchFamily="2" charset="-127"/>
               </a:rPr>
-              <a:t>가 붙어 있거나</a:t>
+              <a:t> 일단 레퍼런스 참고해서 </a:t>
             </a:r>
             <a:r>
               <a:rPr kumimoji="1" lang="en-US" altLang="ko-KR" sz="1400" dirty="0">
@@ -4146,7 +5131,7 @@
                 <a:ea typeface="KoPubWorldDotum Medium" pitchFamily="2" charset="-127"/>
                 <a:cs typeface="KoPubWorldDotum Medium" pitchFamily="2" charset="-127"/>
               </a:rPr>
-              <a:t>,</a:t>
+              <a:t>DynamoDB</a:t>
             </a:r>
             <a:r>
               <a:rPr kumimoji="1" lang="ko-KR" altLang="en-US" sz="1400" dirty="0">
@@ -4154,7 +5139,45 @@
                 <a:ea typeface="KoPubWorldDotum Medium" pitchFamily="2" charset="-127"/>
                 <a:cs typeface="KoPubWorldDotum Medium" pitchFamily="2" charset="-127"/>
               </a:rPr>
-              <a:t> 이전 대화를 기억하지는 못하는 상태</a:t>
+              <a:t> 활용</a:t>
+            </a:r>
+            <a:endParaRPr kumimoji="1" lang="en-US" altLang="ko-KR" sz="1400" dirty="0">
+              <a:latin typeface="KoPubWorldDotum Medium" pitchFamily="2" charset="-127"/>
+              <a:ea typeface="KoPubWorldDotum Medium" pitchFamily="2" charset="-127"/>
+              <a:cs typeface="KoPubWorldDotum Medium" pitchFamily="2" charset="-127"/>
+            </a:endParaRPr>
+          </a:p>
+          <a:p>
+            <a:pPr marL="285750" indent="-285750">
+              <a:lnSpc>
+                <a:spcPct val="150000"/>
+              </a:lnSpc>
+              <a:buFont typeface="Arial" panose="020B0604020202020204" pitchFamily="34" charset="0"/>
+              <a:buChar char="•"/>
+            </a:pPr>
+            <a:r>
+              <a:rPr kumimoji="1" lang="ko-KR" altLang="en-US" sz="1400" dirty="0">
+                <a:latin typeface="KoPubWorldDotum Medium" pitchFamily="2" charset="-127"/>
+                <a:ea typeface="KoPubWorldDotum Medium" pitchFamily="2" charset="-127"/>
+                <a:cs typeface="KoPubWorldDotum Medium" pitchFamily="2" charset="-127"/>
+              </a:rPr>
+              <a:t>인터랙션은 </a:t>
+            </a:r>
+            <a:r>
+              <a:rPr kumimoji="1" lang="en-US" altLang="ko-KR" sz="1400" dirty="0">
+                <a:latin typeface="KoPubWorldDotum Medium" pitchFamily="2" charset="-127"/>
+                <a:ea typeface="KoPubWorldDotum Medium" pitchFamily="2" charset="-127"/>
+                <a:cs typeface="KoPubWorldDotum Medium" pitchFamily="2" charset="-127"/>
+              </a:rPr>
+              <a:t>shell </a:t>
+            </a:r>
+            <a:r>
+              <a:rPr kumimoji="1" lang="ko-KR" altLang="en-US" sz="1400" dirty="0">
+                <a:latin typeface="KoPubWorldDotum Medium" pitchFamily="2" charset="-127"/>
+                <a:ea typeface="KoPubWorldDotum Medium" pitchFamily="2" charset="-127"/>
+                <a:cs typeface="KoPubWorldDotum Medium" pitchFamily="2" charset="-127"/>
+              </a:rPr>
+              <a:t>등 개발 환경 사용</a:t>
             </a:r>
             <a:endParaRPr kumimoji="1" lang="en-US" altLang="ko-KR" sz="1400" dirty="0">
               <a:latin typeface="KoPubWorldDotum Medium" pitchFamily="2" charset="-127"/>
@@ -4180,10 +5203,10 @@
       </p:sp>
       <p:sp>
         <p:nvSpPr>
-          <p:cNvPr id="3" name="직사각형 2">
-            <a:extLst>
-              <a:ext uri="{FF2B5EF4-FFF2-40B4-BE49-F238E27FC236}">
-                <a16:creationId xmlns:a16="http://schemas.microsoft.com/office/drawing/2014/main" id="{412515ED-AFBE-EA0A-BFA6-98E7537E4A6E}"/>
+          <p:cNvPr id="11" name="직사각형 10">
+            <a:extLst>
+              <a:ext uri="{FF2B5EF4-FFF2-40B4-BE49-F238E27FC236}">
+                <a16:creationId xmlns:a16="http://schemas.microsoft.com/office/drawing/2014/main" id="{45503354-2789-16C9-FBA8-C33B6340EB7C}"/>
               </a:ext>
             </a:extLst>
           </p:cNvPr>
@@ -4192,8 +5215,8 @@
         </p:nvSpPr>
         <p:spPr>
           <a:xfrm>
-            <a:off x="486535" y="2330451"/>
-            <a:ext cx="2250316" cy="2965492"/>
+            <a:off x="486534" y="2330451"/>
+            <a:ext cx="5023559" cy="2965492"/>
           </a:xfrm>
           <a:prstGeom prst="rect">
             <a:avLst/>
@@ -4229,16 +5252,16 @@
           <a:lstStyle/>
           <a:p>
             <a:pPr algn="ctr"/>
-            <a:endParaRPr kumimoji="1" lang="ko-KR" altLang="en-US" dirty="0"/>
+            <a:endParaRPr kumimoji="1" lang="ko-KR" altLang="en-US"/>
           </a:p>
         </p:txBody>
       </p:sp>
       <p:pic>
         <p:nvPicPr>
-          <p:cNvPr id="5" name="Picture 2" descr="Amazon Bedrock Connector - Overview (O11) | OutSystems">
-            <a:extLst>
-              <a:ext uri="{FF2B5EF4-FFF2-40B4-BE49-F238E27FC236}">
-                <a16:creationId xmlns:a16="http://schemas.microsoft.com/office/drawing/2014/main" id="{009C7BDF-7A85-7866-458A-52846211F6A5}"/>
+          <p:cNvPr id="12" name="Picture 2" descr="Amazon Bedrock Connector - Overview (O11) | OutSystems">
+            <a:extLst>
+              <a:ext uri="{FF2B5EF4-FFF2-40B4-BE49-F238E27FC236}">
+                <a16:creationId xmlns:a16="http://schemas.microsoft.com/office/drawing/2014/main" id="{1775A4BB-7BCC-565E-AEF6-6103A8907477}"/>
               </a:ext>
             </a:extLst>
           </p:cNvPr>
@@ -4282,10 +5305,10 @@
       </p:pic>
       <p:sp>
         <p:nvSpPr>
-          <p:cNvPr id="6" name="제목 1">
-            <a:extLst>
-              <a:ext uri="{FF2B5EF4-FFF2-40B4-BE49-F238E27FC236}">
-                <a16:creationId xmlns:a16="http://schemas.microsoft.com/office/drawing/2014/main" id="{B6D7CF8A-B99A-5B13-092E-36AE3609FBC7}"/>
+          <p:cNvPr id="18" name="제목 1">
+            <a:extLst>
+              <a:ext uri="{FF2B5EF4-FFF2-40B4-BE49-F238E27FC236}">
+                <a16:creationId xmlns:a16="http://schemas.microsoft.com/office/drawing/2014/main" id="{B54295F5-9450-EF5C-D19B-0272DE5989B2}"/>
               </a:ext>
             </a:extLst>
           </p:cNvPr>
@@ -4346,24 +5369,23 @@
       </p:sp>
       <p:cxnSp>
         <p:nvCxnSpPr>
-          <p:cNvPr id="7" name="직선 화살표 연결선 6">
-            <a:extLst>
-              <a:ext uri="{FF2B5EF4-FFF2-40B4-BE49-F238E27FC236}">
-                <a16:creationId xmlns:a16="http://schemas.microsoft.com/office/drawing/2014/main" id="{1B18F9CE-CBE7-763B-55DB-F39502769976}"/>
+          <p:cNvPr id="19" name="직선 화살표 연결선 18">
+            <a:extLst>
+              <a:ext uri="{FF2B5EF4-FFF2-40B4-BE49-F238E27FC236}">
+                <a16:creationId xmlns:a16="http://schemas.microsoft.com/office/drawing/2014/main" id="{9C5115C0-B6B1-3DD3-33BD-E9BCC44D9B06}"/>
               </a:ext>
             </a:extLst>
           </p:cNvPr>
           <p:cNvCxnSpPr>
             <a:cxnSpLocks/>
-            <a:stCxn id="30" idx="1"/>
-            <a:endCxn id="5" idx="3"/>
+            <a:endCxn id="12" idx="3"/>
           </p:cNvCxnSpPr>
           <p:nvPr/>
         </p:nvCxnSpPr>
         <p:spPr>
           <a:xfrm flipH="1">
             <a:off x="2442390" y="3597587"/>
-            <a:ext cx="2444754" cy="14190"/>
+            <a:ext cx="647704" cy="14190"/>
           </a:xfrm>
           <a:prstGeom prst="straightConnector1">
             <a:avLst/>
@@ -4390,23 +5412,23 @@
       </p:cxnSp>
       <p:cxnSp>
         <p:nvCxnSpPr>
-          <p:cNvPr id="9" name="직선 화살표 연결선 8">
-            <a:extLst>
-              <a:ext uri="{FF2B5EF4-FFF2-40B4-BE49-F238E27FC236}">
-                <a16:creationId xmlns:a16="http://schemas.microsoft.com/office/drawing/2014/main" id="{3C1B939A-A465-35A2-9843-14B2B03BA0AD}"/>
+          <p:cNvPr id="20" name="직선 화살표 연결선 19">
+            <a:extLst>
+              <a:ext uri="{FF2B5EF4-FFF2-40B4-BE49-F238E27FC236}">
+                <a16:creationId xmlns:a16="http://schemas.microsoft.com/office/drawing/2014/main" id="{1E72205D-7185-D36A-794A-7D2C457C1075}"/>
               </a:ext>
             </a:extLst>
           </p:cNvPr>
           <p:cNvCxnSpPr>
             <a:cxnSpLocks/>
-            <a:endCxn id="30" idx="3"/>
+            <a:endCxn id="43" idx="3"/>
           </p:cNvCxnSpPr>
           <p:nvPr/>
         </p:nvCxnSpPr>
         <p:spPr>
           <a:xfrm flipH="1">
-            <a:off x="6090253" y="3597587"/>
-            <a:ext cx="5415947" cy="0"/>
+            <a:off x="4293203" y="3597587"/>
+            <a:ext cx="7041547" cy="0"/>
           </a:xfrm>
           <a:prstGeom prst="straightConnector1">
             <a:avLst/>
@@ -4433,10 +5455,10 @@
       </p:cxnSp>
       <p:sp>
         <p:nvSpPr>
-          <p:cNvPr id="11" name="제목 1">
-            <a:extLst>
-              <a:ext uri="{FF2B5EF4-FFF2-40B4-BE49-F238E27FC236}">
-                <a16:creationId xmlns:a16="http://schemas.microsoft.com/office/drawing/2014/main" id="{60C63AE5-968C-7FD2-0726-CD5EE6CB2A1F}"/>
+          <p:cNvPr id="21" name="제목 1">
+            <a:extLst>
+              <a:ext uri="{FF2B5EF4-FFF2-40B4-BE49-F238E27FC236}">
+                <a16:creationId xmlns:a16="http://schemas.microsoft.com/office/drawing/2014/main" id="{18921228-81AA-2796-DA54-107AA12843BA}"/>
               </a:ext>
             </a:extLst>
           </p:cNvPr>
@@ -4497,16 +5519,16 @@
       </p:sp>
       <p:cxnSp>
         <p:nvCxnSpPr>
-          <p:cNvPr id="12" name="직선 화살표 연결선 11">
-            <a:extLst>
-              <a:ext uri="{FF2B5EF4-FFF2-40B4-BE49-F238E27FC236}">
-                <a16:creationId xmlns:a16="http://schemas.microsoft.com/office/drawing/2014/main" id="{33C52862-93D1-41CC-5DC7-A05E67A2D6FC}"/>
+          <p:cNvPr id="25" name="직선 화살표 연결선 24">
+            <a:extLst>
+              <a:ext uri="{FF2B5EF4-FFF2-40B4-BE49-F238E27FC236}">
+                <a16:creationId xmlns:a16="http://schemas.microsoft.com/office/drawing/2014/main" id="{4505CC1A-2896-4158-A777-F5A85BEC9DC8}"/>
               </a:ext>
             </a:extLst>
           </p:cNvPr>
           <p:cNvCxnSpPr>
             <a:cxnSpLocks/>
-            <a:stCxn id="5" idx="1"/>
+            <a:stCxn id="12" idx="1"/>
           </p:cNvCxnSpPr>
           <p:nvPr/>
         </p:nvCxnSpPr>
@@ -4540,10 +5562,10 @@
       </p:cxnSp>
       <p:pic>
         <p:nvPicPr>
-          <p:cNvPr id="14" name="Picture 2" descr="The AI wars heat up with Claude 3, claimed to have “near-human” abilities |  Ars Technica">
-            <a:extLst>
-              <a:ext uri="{FF2B5EF4-FFF2-40B4-BE49-F238E27FC236}">
-                <a16:creationId xmlns:a16="http://schemas.microsoft.com/office/drawing/2014/main" id="{6D14F15F-012F-C947-96D0-D005C282728B}"/>
+          <p:cNvPr id="28" name="Picture 2" descr="The AI wars heat up with Claude 3, claimed to have “near-human” abilities |  Ars Technica">
+            <a:extLst>
+              <a:ext uri="{FF2B5EF4-FFF2-40B4-BE49-F238E27FC236}">
+                <a16:creationId xmlns:a16="http://schemas.microsoft.com/office/drawing/2014/main" id="{D1123443-E18F-7D3C-4E96-BEB05DDA959A}"/>
               </a:ext>
             </a:extLst>
           </p:cNvPr>
@@ -4583,65 +5605,12 @@
           </a:extLst>
         </p:spPr>
       </p:pic>
-      <p:sp>
-        <p:nvSpPr>
-          <p:cNvPr id="28" name="직사각형 27">
-            <a:extLst>
-              <a:ext uri="{FF2B5EF4-FFF2-40B4-BE49-F238E27FC236}">
-                <a16:creationId xmlns:a16="http://schemas.microsoft.com/office/drawing/2014/main" id="{2D1177B4-443A-DE48-6E59-55242EF9534A}"/>
-              </a:ext>
-            </a:extLst>
-          </p:cNvPr>
-          <p:cNvSpPr/>
-          <p:nvPr/>
-        </p:nvSpPr>
-        <p:spPr>
-          <a:xfrm>
-            <a:off x="481291" y="2336800"/>
-            <a:ext cx="2250316" cy="2965493"/>
-          </a:xfrm>
-          <a:prstGeom prst="rect">
-            <a:avLst/>
-          </a:prstGeom>
-          <a:noFill/>
-          <a:ln>
-            <a:solidFill>
-              <a:srgbClr val="000000"/>
-            </a:solidFill>
-            <a:prstDash val="sysDash"/>
-          </a:ln>
-        </p:spPr>
-        <p:style>
-          <a:lnRef idx="2">
-            <a:schemeClr val="accent1">
-              <a:shade val="15000"/>
-            </a:schemeClr>
-          </a:lnRef>
-          <a:fillRef idx="1">
-            <a:schemeClr val="accent1"/>
-          </a:fillRef>
-          <a:effectRef idx="0">
-            <a:schemeClr val="accent1"/>
-          </a:effectRef>
-          <a:fontRef idx="minor">
-            <a:schemeClr val="lt1"/>
-          </a:fontRef>
-        </p:style>
-        <p:txBody>
-          <a:bodyPr rtlCol="0" anchor="ctr"/>
-          <a:lstStyle/>
-          <a:p>
-            <a:pPr algn="ctr"/>
-            <a:endParaRPr kumimoji="1" lang="ko-KR" altLang="en-US"/>
-          </a:p>
-        </p:txBody>
-      </p:sp>
       <p:pic>
         <p:nvPicPr>
-          <p:cNvPr id="29" name="Picture 4" descr="Amazon Web Services | Incentro Partner">
-            <a:extLst>
-              <a:ext uri="{FF2B5EF4-FFF2-40B4-BE49-F238E27FC236}">
-                <a16:creationId xmlns:a16="http://schemas.microsoft.com/office/drawing/2014/main" id="{44F1C286-5CB2-B985-4AC2-F1D6B2416C7A}"/>
+          <p:cNvPr id="30" name="Picture 2" descr="Amazon Bedrock Connector - Overview (O11) | OutSystems">
+            <a:extLst>
+              <a:ext uri="{FF2B5EF4-FFF2-40B4-BE49-F238E27FC236}">
+                <a16:creationId xmlns:a16="http://schemas.microsoft.com/office/drawing/2014/main" id="{D76DEC2A-A69D-026F-1B08-FEC01D7B96C4}"/>
               </a:ext>
             </a:extLst>
           </p:cNvPr>
@@ -4651,7 +5620,7 @@
           <p:nvPr/>
         </p:nvPicPr>
         <p:blipFill>
-          <a:blip r:embed="rId4">
+          <a:blip r:embed="rId2">
             <a:extLst>
               <a:ext uri="{28A0092B-C50C-407E-A947-70E740481C1C}">
                 <a14:useLocalDpi xmlns:a14="http://schemas.microsoft.com/office/drawing/2010/main" val="0"/>
@@ -4665,8 +5634,8 @@
         </p:blipFill>
         <p:spPr bwMode="auto">
           <a:xfrm>
-            <a:off x="486534" y="2328764"/>
-            <a:ext cx="377292" cy="377292"/>
+            <a:off x="1511530" y="4276532"/>
+            <a:ext cx="465430" cy="465430"/>
           </a:xfrm>
           <a:prstGeom prst="rect">
             <a:avLst/>
@@ -4685,10 +5654,132 @@
       </p:pic>
       <p:sp>
         <p:nvSpPr>
-          <p:cNvPr id="30" name="처리 29">
-            <a:extLst>
-              <a:ext uri="{FF2B5EF4-FFF2-40B4-BE49-F238E27FC236}">
-                <a16:creationId xmlns:a16="http://schemas.microsoft.com/office/drawing/2014/main" id="{A00AB7F7-7997-5E94-B797-0064F198B1E6}"/>
+          <p:cNvPr id="32" name="제목 1">
+            <a:extLst>
+              <a:ext uri="{FF2B5EF4-FFF2-40B4-BE49-F238E27FC236}">
+                <a16:creationId xmlns:a16="http://schemas.microsoft.com/office/drawing/2014/main" id="{54F57808-1E21-5B61-59F8-287C0C8C6B09}"/>
+              </a:ext>
+            </a:extLst>
+          </p:cNvPr>
+          <p:cNvSpPr txBox="1">
+            <a:spLocks/>
+          </p:cNvSpPr>
+          <p:nvPr/>
+        </p:nvSpPr>
+        <p:spPr>
+          <a:xfrm>
+            <a:off x="1140940" y="4737333"/>
+            <a:ext cx="1206609" cy="267998"/>
+          </a:xfrm>
+          <a:prstGeom prst="rect">
+            <a:avLst/>
+          </a:prstGeom>
+        </p:spPr>
+        <p:txBody>
+          <a:bodyPr vert="horz" lIns="91440" tIns="45720" rIns="91440" bIns="45720" rtlCol="0" anchor="ctr">
+            <a:normAutofit/>
+          </a:bodyPr>
+          <a:lstStyle>
+            <a:lvl1pPr algn="l" defTabSz="914400" rtl="0" eaLnBrk="1" latinLnBrk="1" hangingPunct="1">
+              <a:lnSpc>
+                <a:spcPct val="90000"/>
+              </a:lnSpc>
+              <a:spcBef>
+                <a:spcPct val="0"/>
+              </a:spcBef>
+              <a:buNone/>
+              <a:defRPr sz="4400" kern="1200">
+                <a:solidFill>
+                  <a:schemeClr val="tx1"/>
+                </a:solidFill>
+                <a:latin typeface="+mj-lt"/>
+                <a:ea typeface="+mj-ea"/>
+                <a:cs typeface="+mj-cs"/>
+              </a:defRPr>
+            </a:lvl1pPr>
+          </a:lstStyle>
+          <a:p>
+            <a:pPr algn="ctr"/>
+            <a:r>
+              <a:rPr kumimoji="1" lang="en-US" altLang="ko-KR" sz="1100" b="1" dirty="0">
+                <a:latin typeface="KoPubWorldDotum Bold" pitchFamily="2" charset="-127"/>
+                <a:ea typeface="KoPubWorldDotum Bold" pitchFamily="2" charset="-127"/>
+                <a:cs typeface="KoPubWorldDotum Bold" pitchFamily="2" charset="-127"/>
+              </a:rPr>
+              <a:t>Bedrock</a:t>
+            </a:r>
+            <a:r>
+              <a:rPr kumimoji="1" lang="ko-KR" altLang="en-US" sz="1100" b="1" dirty="0">
+                <a:latin typeface="KoPubWorldDotum Bold" pitchFamily="2" charset="-127"/>
+                <a:ea typeface="KoPubWorldDotum Bold" pitchFamily="2" charset="-127"/>
+                <a:cs typeface="KoPubWorldDotum Bold" pitchFamily="2" charset="-127"/>
+              </a:rPr>
+              <a:t> </a:t>
+            </a:r>
+            <a:r>
+              <a:rPr kumimoji="1" lang="en-US" altLang="ko-KR" sz="1100" b="1" dirty="0">
+                <a:latin typeface="KoPubWorldDotum Bold" pitchFamily="2" charset="-127"/>
+                <a:ea typeface="KoPubWorldDotum Bold" pitchFamily="2" charset="-127"/>
+                <a:cs typeface="KoPubWorldDotum Bold" pitchFamily="2" charset="-127"/>
+              </a:rPr>
+              <a:t>Agent</a:t>
+            </a:r>
+            <a:endParaRPr kumimoji="1" lang="ko-KR" altLang="en-US" sz="1100" b="1" dirty="0">
+              <a:latin typeface="KoPubWorldDotum Bold" pitchFamily="2" charset="-127"/>
+              <a:ea typeface="KoPubWorldDotum Bold" pitchFamily="2" charset="-127"/>
+              <a:cs typeface="KoPubWorldDotum Bold" pitchFamily="2" charset="-127"/>
+            </a:endParaRPr>
+          </a:p>
+        </p:txBody>
+      </p:sp>
+      <p:cxnSp>
+        <p:nvCxnSpPr>
+          <p:cNvPr id="33" name="직선 화살표 연결선 32">
+            <a:extLst>
+              <a:ext uri="{FF2B5EF4-FFF2-40B4-BE49-F238E27FC236}">
+                <a16:creationId xmlns:a16="http://schemas.microsoft.com/office/drawing/2014/main" id="{E3003217-E82C-FD3B-6DA2-D7246D07104B}"/>
+              </a:ext>
+            </a:extLst>
+          </p:cNvPr>
+          <p:cNvCxnSpPr>
+            <a:cxnSpLocks/>
+          </p:cNvCxnSpPr>
+          <p:nvPr/>
+        </p:nvCxnSpPr>
+        <p:spPr>
+          <a:xfrm>
+            <a:off x="1744244" y="3618833"/>
+            <a:ext cx="0" cy="661227"/>
+          </a:xfrm>
+          <a:prstGeom prst="straightConnector1">
+            <a:avLst/>
+          </a:prstGeom>
+          <a:ln>
+            <a:headEnd type="none" w="med" len="med"/>
+            <a:tailEnd type="none" w="med" len="med"/>
+          </a:ln>
+        </p:spPr>
+        <p:style>
+          <a:lnRef idx="2">
+            <a:schemeClr val="accent1"/>
+          </a:lnRef>
+          <a:fillRef idx="0">
+            <a:schemeClr val="accent1"/>
+          </a:fillRef>
+          <a:effectRef idx="1">
+            <a:schemeClr val="accent1"/>
+          </a:effectRef>
+          <a:fontRef idx="minor">
+            <a:schemeClr val="tx1"/>
+          </a:fontRef>
+        </p:style>
+      </p:cxnSp>
+      <p:sp>
+        <p:nvSpPr>
+          <p:cNvPr id="34" name="직사각형 33">
+            <a:extLst>
+              <a:ext uri="{FF2B5EF4-FFF2-40B4-BE49-F238E27FC236}">
+                <a16:creationId xmlns:a16="http://schemas.microsoft.com/office/drawing/2014/main" id="{F78681F1-1C99-B030-F542-DCCB506FFB56}"/>
               </a:ext>
             </a:extLst>
           </p:cNvPr>
@@ -4697,17 +5788,18 @@
         </p:nvSpPr>
         <p:spPr>
           <a:xfrm>
-            <a:off x="4887144" y="3475616"/>
-            <a:ext cx="1203109" cy="243942"/>
-          </a:xfrm>
-          <a:prstGeom prst="flowChartProcess">
-            <a:avLst/>
-          </a:prstGeom>
-          <a:solidFill>
-            <a:schemeClr val="accent1"/>
-          </a:solidFill>
+            <a:off x="2950853" y="3223567"/>
+            <a:ext cx="1503655" cy="734740"/>
+          </a:xfrm>
+          <a:prstGeom prst="rect">
+            <a:avLst/>
+          </a:prstGeom>
+          <a:noFill/>
           <a:ln>
-            <a:noFill/>
+            <a:solidFill>
+              <a:srgbClr val="000000"/>
+            </a:solidFill>
+            <a:prstDash val="sysDash"/>
           </a:ln>
         </p:spPr>
         <p:style>
@@ -4731,13 +5823,95 @@
           <a:lstStyle/>
           <a:p>
             <a:pPr algn="ctr"/>
-            <a:r>
-              <a:rPr kumimoji="1" lang="en-US" altLang="ko-KR" sz="1100" b="1" dirty="0" err="1">
+            <a:endParaRPr kumimoji="1" lang="ko-KR" altLang="en-US"/>
+          </a:p>
+        </p:txBody>
+      </p:sp>
+      <p:pic>
+        <p:nvPicPr>
+          <p:cNvPr id="35" name="그림 34">
+            <a:extLst>
+              <a:ext uri="{FF2B5EF4-FFF2-40B4-BE49-F238E27FC236}">
+                <a16:creationId xmlns:a16="http://schemas.microsoft.com/office/drawing/2014/main" id="{65E23596-1DD4-C806-4199-B4B83ADBEE36}"/>
+              </a:ext>
+            </a:extLst>
+          </p:cNvPr>
+          <p:cNvPicPr>
+            <a:picLocks noChangeAspect="1"/>
+          </p:cNvPicPr>
+          <p:nvPr/>
+        </p:nvPicPr>
+        <p:blipFill>
+          <a:blip r:embed="rId4"/>
+          <a:stretch>
+            <a:fillRect/>
+          </a:stretch>
+        </p:blipFill>
+        <p:spPr>
+          <a:xfrm>
+            <a:off x="3460577" y="3751749"/>
+            <a:ext cx="462142" cy="462142"/>
+          </a:xfrm>
+          <a:prstGeom prst="rect">
+            <a:avLst/>
+          </a:prstGeom>
+        </p:spPr>
+      </p:pic>
+      <p:sp>
+        <p:nvSpPr>
+          <p:cNvPr id="36" name="제목 1">
+            <a:extLst>
+              <a:ext uri="{FF2B5EF4-FFF2-40B4-BE49-F238E27FC236}">
+                <a16:creationId xmlns:a16="http://schemas.microsoft.com/office/drawing/2014/main" id="{D4BA8984-1D6E-676B-B84D-1BC198C37AE0}"/>
+              </a:ext>
+            </a:extLst>
+          </p:cNvPr>
+          <p:cNvSpPr txBox="1">
+            <a:spLocks/>
+          </p:cNvSpPr>
+          <p:nvPr/>
+        </p:nvSpPr>
+        <p:spPr>
+          <a:xfrm>
+            <a:off x="3333079" y="4190088"/>
+            <a:ext cx="739201" cy="267998"/>
+          </a:xfrm>
+          <a:prstGeom prst="rect">
+            <a:avLst/>
+          </a:prstGeom>
+        </p:spPr>
+        <p:txBody>
+          <a:bodyPr vert="horz" lIns="91440" tIns="45720" rIns="91440" bIns="45720" rtlCol="0" anchor="ctr">
+            <a:normAutofit/>
+          </a:bodyPr>
+          <a:lstStyle>
+            <a:lvl1pPr algn="l" defTabSz="914400" rtl="0" eaLnBrk="1" latinLnBrk="1" hangingPunct="1">
+              <a:lnSpc>
+                <a:spcPct val="90000"/>
+              </a:lnSpc>
+              <a:spcBef>
+                <a:spcPct val="0"/>
+              </a:spcBef>
+              <a:buNone/>
+              <a:defRPr sz="4400" kern="1200">
+                <a:solidFill>
+                  <a:schemeClr val="tx1"/>
+                </a:solidFill>
+                <a:latin typeface="+mj-lt"/>
+                <a:ea typeface="+mj-ea"/>
+                <a:cs typeface="+mj-cs"/>
+              </a:defRPr>
+            </a:lvl1pPr>
+          </a:lstStyle>
+          <a:p>
+            <a:pPr algn="ctr"/>
+            <a:r>
+              <a:rPr kumimoji="1" lang="en-US" altLang="ko-KR" sz="1100" b="1" dirty="0">
                 <a:latin typeface="KoPubWorldDotum Bold" pitchFamily="2" charset="-127"/>
                 <a:ea typeface="KoPubWorldDotum Bold" pitchFamily="2" charset="-127"/>
                 <a:cs typeface="KoPubWorldDotum Bold" pitchFamily="2" charset="-127"/>
               </a:rPr>
-              <a:t>Back.py</a:t>
+              <a:t>Lambda</a:t>
             </a:r>
             <a:endParaRPr kumimoji="1" lang="ko-KR" altLang="en-US" sz="1100" b="1" dirty="0">
               <a:latin typeface="KoPubWorldDotum Bold" pitchFamily="2" charset="-127"/>
@@ -4749,10 +5923,10 @@
       </p:sp>
       <p:pic>
         <p:nvPicPr>
-          <p:cNvPr id="31" name="그래픽 30" descr="사용자 단색으로 채워진">
-            <a:extLst>
-              <a:ext uri="{FF2B5EF4-FFF2-40B4-BE49-F238E27FC236}">
-                <a16:creationId xmlns:a16="http://schemas.microsoft.com/office/drawing/2014/main" id="{2DB94361-6B77-3514-FA86-699D67415257}"/>
+          <p:cNvPr id="38" name="그림 37">
+            <a:extLst>
+              <a:ext uri="{FF2B5EF4-FFF2-40B4-BE49-F238E27FC236}">
+                <a16:creationId xmlns:a16="http://schemas.microsoft.com/office/drawing/2014/main" id="{B73F89F0-2648-7168-A68F-46AEDB0EA308}"/>
               </a:ext>
             </a:extLst>
           </p:cNvPr>
@@ -4762,21 +5936,15 @@
           <p:nvPr/>
         </p:nvPicPr>
         <p:blipFill>
-          <a:blip r:embed="rId5">
-            <a:extLst>
-              <a:ext uri="{96DAC541-7B7A-43D3-8B79-37D633B846F1}">
-                <asvg:svgBlip xmlns:asvg="http://schemas.microsoft.com/office/drawing/2016/SVG/main" r:embed="rId6"/>
-              </a:ext>
-            </a:extLst>
-          </a:blip>
+          <a:blip r:embed="rId5"/>
           <a:stretch>
             <a:fillRect/>
           </a:stretch>
         </p:blipFill>
         <p:spPr>
           <a:xfrm>
-            <a:off x="11069435" y="3141147"/>
-            <a:ext cx="754027" cy="754027"/>
+            <a:off x="3469964" y="4520876"/>
+            <a:ext cx="465429" cy="465429"/>
           </a:xfrm>
           <a:prstGeom prst="rect">
             <a:avLst/>
@@ -4785,10 +5953,117 @@
       </p:pic>
       <p:sp>
         <p:nvSpPr>
-          <p:cNvPr id="32" name="직사각형 31">
-            <a:extLst>
-              <a:ext uri="{FF2B5EF4-FFF2-40B4-BE49-F238E27FC236}">
-                <a16:creationId xmlns:a16="http://schemas.microsoft.com/office/drawing/2014/main" id="{9BE9C039-262B-B5BF-5822-71637DC0744D}"/>
+          <p:cNvPr id="39" name="제목 1">
+            <a:extLst>
+              <a:ext uri="{FF2B5EF4-FFF2-40B4-BE49-F238E27FC236}">
+                <a16:creationId xmlns:a16="http://schemas.microsoft.com/office/drawing/2014/main" id="{2C20A8B7-513E-2B61-A847-3FE9DBDCB6DA}"/>
+              </a:ext>
+            </a:extLst>
+          </p:cNvPr>
+          <p:cNvSpPr txBox="1">
+            <a:spLocks/>
+          </p:cNvSpPr>
+          <p:nvPr/>
+        </p:nvSpPr>
+        <p:spPr>
+          <a:xfrm>
+            <a:off x="3257073" y="5008219"/>
+            <a:ext cx="869150" cy="267998"/>
+          </a:xfrm>
+          <a:prstGeom prst="rect">
+            <a:avLst/>
+          </a:prstGeom>
+        </p:spPr>
+        <p:txBody>
+          <a:bodyPr vert="horz" lIns="91440" tIns="45720" rIns="91440" bIns="45720" rtlCol="0" anchor="ctr">
+            <a:normAutofit fontScale="92500"/>
+          </a:bodyPr>
+          <a:lstStyle>
+            <a:lvl1pPr algn="l" defTabSz="914400" rtl="0" eaLnBrk="1" latinLnBrk="1" hangingPunct="1">
+              <a:lnSpc>
+                <a:spcPct val="90000"/>
+              </a:lnSpc>
+              <a:spcBef>
+                <a:spcPct val="0"/>
+              </a:spcBef>
+              <a:buNone/>
+              <a:defRPr sz="4400" kern="1200">
+                <a:solidFill>
+                  <a:schemeClr val="tx1"/>
+                </a:solidFill>
+                <a:latin typeface="+mj-lt"/>
+                <a:ea typeface="+mj-ea"/>
+                <a:cs typeface="+mj-cs"/>
+              </a:defRPr>
+            </a:lvl1pPr>
+          </a:lstStyle>
+          <a:p>
+            <a:pPr algn="ctr"/>
+            <a:r>
+              <a:rPr kumimoji="1" lang="en-US" altLang="ko-KR" sz="1100" b="1" dirty="0">
+                <a:latin typeface="KoPubWorldDotum Bold" pitchFamily="2" charset="-127"/>
+                <a:ea typeface="KoPubWorldDotum Bold" pitchFamily="2" charset="-127"/>
+                <a:cs typeface="KoPubWorldDotum Bold" pitchFamily="2" charset="-127"/>
+              </a:rPr>
+              <a:t>DynamoDB</a:t>
+            </a:r>
+            <a:endParaRPr kumimoji="1" lang="ko-KR" altLang="en-US" sz="1100" b="1" dirty="0">
+              <a:latin typeface="KoPubWorldDotum Bold" pitchFamily="2" charset="-127"/>
+              <a:ea typeface="KoPubWorldDotum Bold" pitchFamily="2" charset="-127"/>
+              <a:cs typeface="KoPubWorldDotum Bold" pitchFamily="2" charset="-127"/>
+            </a:endParaRPr>
+          </a:p>
+        </p:txBody>
+      </p:sp>
+      <p:cxnSp>
+        <p:nvCxnSpPr>
+          <p:cNvPr id="40" name="직선 화살표 연결선 39">
+            <a:extLst>
+              <a:ext uri="{FF2B5EF4-FFF2-40B4-BE49-F238E27FC236}">
+                <a16:creationId xmlns:a16="http://schemas.microsoft.com/office/drawing/2014/main" id="{E9982E57-9053-CEEC-5B03-E9A62A0BA8C8}"/>
+              </a:ext>
+            </a:extLst>
+          </p:cNvPr>
+          <p:cNvCxnSpPr>
+            <a:cxnSpLocks/>
+            <a:endCxn id="38" idx="0"/>
+          </p:cNvCxnSpPr>
+          <p:nvPr/>
+        </p:nvCxnSpPr>
+        <p:spPr>
+          <a:xfrm>
+            <a:off x="3702679" y="4383314"/>
+            <a:ext cx="0" cy="137562"/>
+          </a:xfrm>
+          <a:prstGeom prst="straightConnector1">
+            <a:avLst/>
+          </a:prstGeom>
+          <a:ln>
+            <a:headEnd type="none" w="med" len="med"/>
+            <a:tailEnd type="none" w="med" len="med"/>
+          </a:ln>
+        </p:spPr>
+        <p:style>
+          <a:lnRef idx="2">
+            <a:schemeClr val="accent1"/>
+          </a:lnRef>
+          <a:fillRef idx="0">
+            <a:schemeClr val="accent1"/>
+          </a:fillRef>
+          <a:effectRef idx="1">
+            <a:schemeClr val="accent1"/>
+          </a:effectRef>
+          <a:fontRef idx="minor">
+            <a:schemeClr val="tx1"/>
+          </a:fontRef>
+        </p:style>
+      </p:cxnSp>
+      <p:sp>
+        <p:nvSpPr>
+          <p:cNvPr id="41" name="직사각형 40">
+            <a:extLst>
+              <a:ext uri="{FF2B5EF4-FFF2-40B4-BE49-F238E27FC236}">
+                <a16:creationId xmlns:a16="http://schemas.microsoft.com/office/drawing/2014/main" id="{847313FC-431B-8ABA-A7B0-50C416FA85CF}"/>
               </a:ext>
             </a:extLst>
           </p:cNvPr>
@@ -4797,8 +6072,8 @@
         </p:nvSpPr>
         <p:spPr>
           <a:xfrm>
-            <a:off x="4646366" y="2336799"/>
-            <a:ext cx="1672053" cy="2965493"/>
+            <a:off x="481291" y="2336800"/>
+            <a:ext cx="5023560" cy="2965493"/>
           </a:xfrm>
           <a:prstGeom prst="rect">
             <a:avLst/>
@@ -4836,12 +6111,59 @@
           </a:p>
         </p:txBody>
       </p:sp>
-      <p:sp>
-        <p:nvSpPr>
-          <p:cNvPr id="35" name="직사각형 34">
-            <a:extLst>
-              <a:ext uri="{FF2B5EF4-FFF2-40B4-BE49-F238E27FC236}">
-                <a16:creationId xmlns:a16="http://schemas.microsoft.com/office/drawing/2014/main" id="{AA7DEE17-5317-5091-378B-F298918F78EC}"/>
+      <p:pic>
+        <p:nvPicPr>
+          <p:cNvPr id="42" name="Picture 4" descr="Amazon Web Services | Incentro Partner">
+            <a:extLst>
+              <a:ext uri="{FF2B5EF4-FFF2-40B4-BE49-F238E27FC236}">
+                <a16:creationId xmlns:a16="http://schemas.microsoft.com/office/drawing/2014/main" id="{57422508-9008-D48F-6FF9-91C6E049AA0D}"/>
+              </a:ext>
+            </a:extLst>
+          </p:cNvPr>
+          <p:cNvPicPr>
+            <a:picLocks noChangeAspect="1" noChangeArrowheads="1"/>
+          </p:cNvPicPr>
+          <p:nvPr/>
+        </p:nvPicPr>
+        <p:blipFill>
+          <a:blip r:embed="rId6">
+            <a:extLst>
+              <a:ext uri="{28A0092B-C50C-407E-A947-70E740481C1C}">
+                <a14:useLocalDpi xmlns:a14="http://schemas.microsoft.com/office/drawing/2010/main" val="0"/>
+              </a:ext>
+            </a:extLst>
+          </a:blip>
+          <a:srcRect/>
+          <a:stretch>
+            <a:fillRect/>
+          </a:stretch>
+        </p:blipFill>
+        <p:spPr bwMode="auto">
+          <a:xfrm>
+            <a:off x="486534" y="2328764"/>
+            <a:ext cx="377292" cy="377292"/>
+          </a:xfrm>
+          <a:prstGeom prst="rect">
+            <a:avLst/>
+          </a:prstGeom>
+          <a:noFill/>
+          <a:extLst>
+            <a:ext uri="{909E8E84-426E-40DD-AFC4-6F175D3DCCD1}">
+              <a14:hiddenFill xmlns:a14="http://schemas.microsoft.com/office/drawing/2010/main">
+                <a:solidFill>
+                  <a:srgbClr val="FFFFFF"/>
+                </a:solidFill>
+              </a14:hiddenFill>
+            </a:ext>
+          </a:extLst>
+        </p:spPr>
+      </p:pic>
+      <p:sp>
+        <p:nvSpPr>
+          <p:cNvPr id="43" name="처리 42">
+            <a:extLst>
+              <a:ext uri="{FF2B5EF4-FFF2-40B4-BE49-F238E27FC236}">
+                <a16:creationId xmlns:a16="http://schemas.microsoft.com/office/drawing/2014/main" id="{A6BCF453-F0B0-693B-F029-74BCD668629C}"/>
               </a:ext>
             </a:extLst>
           </p:cNvPr>
@@ -4850,14 +6172,14 @@
         </p:nvSpPr>
         <p:spPr>
           <a:xfrm>
-            <a:off x="4633754" y="2328764"/>
-            <a:ext cx="377292" cy="377292"/>
-          </a:xfrm>
-          <a:prstGeom prst="rect">
+            <a:off x="3090094" y="3475616"/>
+            <a:ext cx="1203109" cy="243942"/>
+          </a:xfrm>
+          <a:prstGeom prst="flowChartProcess">
             <a:avLst/>
           </a:prstGeom>
           <a:solidFill>
-            <a:schemeClr val="tx1"/>
+            <a:schemeClr val="accent1"/>
           </a:solidFill>
           <a:ln>
             <a:noFill/>
@@ -4884,16 +6206,28 @@
           <a:lstStyle/>
           <a:p>
             <a:pPr algn="ctr"/>
-            <a:endParaRPr kumimoji="1" lang="ko-KR" altLang="en-US"/>
+            <a:r>
+              <a:rPr kumimoji="1" lang="en-US" altLang="ko-KR" sz="1100" b="1" dirty="0" err="1">
+                <a:latin typeface="KoPubWorldDotum Bold" pitchFamily="2" charset="-127"/>
+                <a:ea typeface="KoPubWorldDotum Bold" pitchFamily="2" charset="-127"/>
+                <a:cs typeface="KoPubWorldDotum Bold" pitchFamily="2" charset="-127"/>
+              </a:rPr>
+              <a:t>Back.py</a:t>
+            </a:r>
+            <a:endParaRPr kumimoji="1" lang="ko-KR" altLang="en-US" sz="1100" b="1" dirty="0">
+              <a:latin typeface="KoPubWorldDotum Bold" pitchFamily="2" charset="-127"/>
+              <a:ea typeface="KoPubWorldDotum Bold" pitchFamily="2" charset="-127"/>
+              <a:cs typeface="KoPubWorldDotum Bold" pitchFamily="2" charset="-127"/>
+            </a:endParaRPr>
           </a:p>
         </p:txBody>
       </p:sp>
       <p:pic>
         <p:nvPicPr>
-          <p:cNvPr id="38" name="그래픽 37" descr="건물 단색으로 채워진">
-            <a:extLst>
-              <a:ext uri="{FF2B5EF4-FFF2-40B4-BE49-F238E27FC236}">
-                <a16:creationId xmlns:a16="http://schemas.microsoft.com/office/drawing/2014/main" id="{50BDE907-9BBC-B38E-1001-2433B1B0F1E1}"/>
+          <p:cNvPr id="49" name="그래픽 48" descr="사용자 단색으로 채워진">
+            <a:extLst>
+              <a:ext uri="{FF2B5EF4-FFF2-40B4-BE49-F238E27FC236}">
+                <a16:creationId xmlns:a16="http://schemas.microsoft.com/office/drawing/2014/main" id="{B00A906E-AD6B-B5CF-BD37-B276F36556FD}"/>
               </a:ext>
             </a:extLst>
           </p:cNvPr>
@@ -4916,8 +6250,8 @@
         </p:blipFill>
         <p:spPr>
           <a:xfrm>
-            <a:off x="4673305" y="2367853"/>
-            <a:ext cx="298189" cy="298189"/>
+            <a:off x="11069435" y="3141147"/>
+            <a:ext cx="754027" cy="754027"/>
           </a:xfrm>
           <a:prstGeom prst="rect">
             <a:avLst/>
@@ -4927,7 +6261,7 @@
     </p:spTree>
     <p:extLst>
       <p:ext uri="{BB962C8B-B14F-4D97-AF65-F5344CB8AC3E}">
-        <p14:creationId xmlns:p14="http://schemas.microsoft.com/office/powerpoint/2010/main" val="4242104945"/>
+        <p14:creationId xmlns:p14="http://schemas.microsoft.com/office/powerpoint/2010/main" val="1569038290"/>
       </p:ext>
     </p:extLst>
   </p:cSld>
@@ -4988,7 +6322,7 @@
                 <a:ea typeface="KoPubWorldDotum Medium" pitchFamily="2" charset="-127"/>
                 <a:cs typeface="KoPubWorldDotum Medium" pitchFamily="2" charset="-127"/>
               </a:rPr>
-              <a:t>Phase 1: </a:t>
+              <a:t>Phase 2: </a:t>
             </a:r>
             <a:r>
               <a:rPr kumimoji="1" lang="ko-KR" altLang="en-US" sz="2800" dirty="0" err="1">
@@ -4996,7 +6330,7 @@
                 <a:ea typeface="KoPubWorldDotum Medium" pitchFamily="2" charset="-127"/>
                 <a:cs typeface="KoPubWorldDotum Medium" pitchFamily="2" charset="-127"/>
               </a:rPr>
-              <a:t>백엔드</a:t>
+              <a:t>프론트엔드</a:t>
             </a:r>
             <a:r>
               <a:rPr kumimoji="1" lang="ko-KR" altLang="en-US" sz="2800" dirty="0">
@@ -5026,7 +6360,7 @@
         <p:spPr>
           <a:xfrm>
             <a:off x="368537" y="700863"/>
-            <a:ext cx="11454925" cy="1518755"/>
+            <a:ext cx="11454925" cy="1657301"/>
           </a:xfrm>
           <a:prstGeom prst="rect">
             <a:avLst/>
@@ -5069,7 +6403,7 @@
                 <a:ea typeface="KoPubWorldDotum Medium" pitchFamily="2" charset="-127"/>
                 <a:cs typeface="KoPubWorldDotum Medium" pitchFamily="2" charset="-127"/>
               </a:rPr>
-              <a:t>챗봇에게</a:t>
+              <a:t>백엔드</a:t>
             </a:r>
             <a:r>
               <a:rPr kumimoji="1" lang="ko-KR" altLang="en-US" sz="1400" dirty="0">
@@ -5077,7 +6411,7 @@
                 <a:ea typeface="KoPubWorldDotum Medium" pitchFamily="2" charset="-127"/>
                 <a:cs typeface="KoPubWorldDotum Medium" pitchFamily="2" charset="-127"/>
               </a:rPr>
-              <a:t> 역할을 제시하는 </a:t>
+              <a:t> 기본 구조를</a:t>
             </a:r>
             <a:r>
               <a:rPr kumimoji="1" lang="en-US" altLang="ko-KR" sz="1400" dirty="0">
@@ -5085,15 +6419,7 @@
                 <a:ea typeface="KoPubWorldDotum Medium" pitchFamily="2" charset="-127"/>
                 <a:cs typeface="KoPubWorldDotum Medium" pitchFamily="2" charset="-127"/>
               </a:rPr>
-              <a:t>Agent</a:t>
-            </a:r>
-            <a:r>
-              <a:rPr kumimoji="1" lang="ko-KR" altLang="en-US" sz="1400" dirty="0" err="1">
-                <a:latin typeface="KoPubWorldDotum Medium" pitchFamily="2" charset="-127"/>
-                <a:ea typeface="KoPubWorldDotum Medium" pitchFamily="2" charset="-127"/>
-                <a:cs typeface="KoPubWorldDotum Medium" pitchFamily="2" charset="-127"/>
-              </a:rPr>
-              <a:t>를</a:t>
+              <a:t>,</a:t>
             </a:r>
             <a:r>
               <a:rPr kumimoji="1" lang="ko-KR" altLang="en-US" sz="1400" dirty="0">
@@ -5101,7 +6427,23 @@
                 <a:ea typeface="KoPubWorldDotum Medium" pitchFamily="2" charset="-127"/>
                 <a:cs typeface="KoPubWorldDotum Medium" pitchFamily="2" charset="-127"/>
               </a:rPr>
-              <a:t> 직접 구현</a:t>
+              <a:t> 사용자 인터랙션이 가능하도록 </a:t>
+            </a:r>
+            <a:r>
+              <a:rPr kumimoji="1" lang="en-US" altLang="ko-KR" sz="1400" dirty="0">
+                <a:latin typeface="KoPubWorldDotum Medium" pitchFamily="2" charset="-127"/>
+                <a:ea typeface="KoPubWorldDotum Medium" pitchFamily="2" charset="-127"/>
+                <a:cs typeface="KoPubWorldDotum Medium" pitchFamily="2" charset="-127"/>
+              </a:rPr>
+              <a:t>API Gateway</a:t>
+            </a:r>
+            <a:r>
+              <a:rPr kumimoji="1" lang="ko-KR" altLang="en-US" sz="1400" dirty="0">
+                <a:latin typeface="KoPubWorldDotum Medium" pitchFamily="2" charset="-127"/>
+                <a:ea typeface="KoPubWorldDotum Medium" pitchFamily="2" charset="-127"/>
+                <a:cs typeface="KoPubWorldDotum Medium" pitchFamily="2" charset="-127"/>
+              </a:rPr>
+              <a:t> 구축</a:t>
             </a:r>
             <a:endParaRPr kumimoji="1" lang="en-US" altLang="ko-KR" sz="1400" dirty="0">
               <a:latin typeface="KoPubWorldDotum Medium" pitchFamily="2" charset="-127"/>
@@ -5118,12 +6460,28 @@
               <a:buChar char="•"/>
             </a:pPr>
             <a:r>
+              <a:rPr kumimoji="1" lang="ko-KR" altLang="en-US" sz="1400" dirty="0">
+                <a:latin typeface="KoPubWorldDotum Medium" pitchFamily="2" charset="-127"/>
+                <a:ea typeface="KoPubWorldDotum Medium" pitchFamily="2" charset="-127"/>
+                <a:cs typeface="KoPubWorldDotum Medium" pitchFamily="2" charset="-127"/>
+              </a:rPr>
+              <a:t>프론트는 정적 웹페이지로 </a:t>
+            </a:r>
+            <a:r>
+              <a:rPr kumimoji="1" lang="en-US" altLang="ko-KR" sz="1400" dirty="0">
+                <a:latin typeface="KoPubWorldDotum Medium" pitchFamily="2" charset="-127"/>
+                <a:ea typeface="KoPubWorldDotum Medium" pitchFamily="2" charset="-127"/>
+                <a:cs typeface="KoPubWorldDotum Medium" pitchFamily="2" charset="-127"/>
+              </a:rPr>
+              <a:t>S3</a:t>
+            </a:r>
+            <a:r>
               <a:rPr kumimoji="1" lang="ko-KR" altLang="en-US" sz="1400" dirty="0" err="1">
                 <a:latin typeface="KoPubWorldDotum Medium" pitchFamily="2" charset="-127"/>
                 <a:ea typeface="KoPubWorldDotum Medium" pitchFamily="2" charset="-127"/>
                 <a:cs typeface="KoPubWorldDotum Medium" pitchFamily="2" charset="-127"/>
               </a:rPr>
-              <a:t>백엔드</a:t>
+              <a:t>에</a:t>
             </a:r>
             <a:r>
               <a:rPr kumimoji="1" lang="ko-KR" altLang="en-US" sz="1400" dirty="0">
@@ -5131,48 +6489,13 @@
                 <a:ea typeface="KoPubWorldDotum Medium" pitchFamily="2" charset="-127"/>
                 <a:cs typeface="KoPubWorldDotum Medium" pitchFamily="2" charset="-127"/>
               </a:rPr>
-              <a:t> 파일은 서버리스로 </a:t>
-            </a:r>
-            <a:r>
-              <a:rPr kumimoji="1" lang="en-US" altLang="ko-KR" sz="1400" dirty="0">
-                <a:latin typeface="KoPubWorldDotum Medium" pitchFamily="2" charset="-127"/>
-                <a:ea typeface="KoPubWorldDotum Medium" pitchFamily="2" charset="-127"/>
-                <a:cs typeface="KoPubWorldDotum Medium" pitchFamily="2" charset="-127"/>
-              </a:rPr>
-              <a:t>Lambda</a:t>
-            </a:r>
-            <a:r>
-              <a:rPr kumimoji="1" lang="ko-KR" altLang="en-US" sz="1400" dirty="0">
-                <a:latin typeface="KoPubWorldDotum Medium" pitchFamily="2" charset="-127"/>
-                <a:ea typeface="KoPubWorldDotum Medium" pitchFamily="2" charset="-127"/>
-                <a:cs typeface="KoPubWorldDotum Medium" pitchFamily="2" charset="-127"/>
-              </a:rPr>
-              <a:t> 활용</a:t>
-            </a:r>
-            <a:r>
-              <a:rPr kumimoji="1" lang="en-US" altLang="ko-KR" sz="1400" dirty="0">
-                <a:latin typeface="KoPubWorldDotum Medium" pitchFamily="2" charset="-127"/>
-                <a:ea typeface="KoPubWorldDotum Medium" pitchFamily="2" charset="-127"/>
-                <a:cs typeface="KoPubWorldDotum Medium" pitchFamily="2" charset="-127"/>
-              </a:rPr>
-              <a:t>, python </a:t>
-            </a:r>
-            <a:r>
-              <a:rPr kumimoji="1" lang="ko-KR" altLang="en-US" sz="1400" dirty="0">
-                <a:latin typeface="KoPubWorldDotum Medium" pitchFamily="2" charset="-127"/>
-                <a:ea typeface="KoPubWorldDotum Medium" pitchFamily="2" charset="-127"/>
-                <a:cs typeface="KoPubWorldDotum Medium" pitchFamily="2" charset="-127"/>
-              </a:rPr>
-              <a:t>외 다른 언어 써도 </a:t>
-            </a:r>
-            <a:r>
-              <a:rPr kumimoji="1" lang="en-US" altLang="ko-KR" sz="1400" dirty="0">
-                <a:latin typeface="KoPubWorldDotum Medium" pitchFamily="2" charset="-127"/>
-                <a:ea typeface="KoPubWorldDotum Medium" pitchFamily="2" charset="-127"/>
-                <a:cs typeface="KoPubWorldDotum Medium" pitchFamily="2" charset="-127"/>
-              </a:rPr>
-              <a:t>OK</a:t>
-            </a:r>
+              <a:t> 적재</a:t>
+            </a:r>
+            <a:endParaRPr kumimoji="1" lang="en-US" altLang="ko-KR" sz="1400" dirty="0">
+              <a:latin typeface="KoPubWorldDotum Medium" pitchFamily="2" charset="-127"/>
+              <a:ea typeface="KoPubWorldDotum Medium" pitchFamily="2" charset="-127"/>
+              <a:cs typeface="KoPubWorldDotum Medium" pitchFamily="2" charset="-127"/>
+            </a:endParaRPr>
           </a:p>
           <a:p>
             <a:pPr marL="285750" indent="-285750">
@@ -5188,39 +6511,7 @@
                 <a:ea typeface="KoPubWorldDotum Medium" pitchFamily="2" charset="-127"/>
                 <a:cs typeface="KoPubWorldDotum Medium" pitchFamily="2" charset="-127"/>
               </a:rPr>
-              <a:t>단일 세션을 가정하고 메모리 구현 </a:t>
-            </a:r>
-            <a:r>
-              <a:rPr kumimoji="1" lang="en-US" altLang="ko-KR" sz="1400" dirty="0">
-                <a:latin typeface="KoPubWorldDotum Medium" pitchFamily="2" charset="-127"/>
-                <a:ea typeface="KoPubWorldDotum Medium" pitchFamily="2" charset="-127"/>
-                <a:cs typeface="KoPubWorldDotum Medium" pitchFamily="2" charset="-127"/>
-              </a:rPr>
-              <a:t>–</a:t>
-            </a:r>
-            <a:r>
-              <a:rPr kumimoji="1" lang="ko-KR" altLang="en-US" sz="1400" dirty="0">
-                <a:latin typeface="KoPubWorldDotum Medium" pitchFamily="2" charset="-127"/>
-                <a:ea typeface="KoPubWorldDotum Medium" pitchFamily="2" charset="-127"/>
-                <a:cs typeface="KoPubWorldDotum Medium" pitchFamily="2" charset="-127"/>
-              </a:rPr>
-              <a:t> 일단 레퍼런스 참고해서 </a:t>
-            </a:r>
-            <a:r>
-              <a:rPr kumimoji="1" lang="en-US" altLang="ko-KR" sz="1400" dirty="0">
-                <a:latin typeface="KoPubWorldDotum Medium" pitchFamily="2" charset="-127"/>
-                <a:ea typeface="KoPubWorldDotum Medium" pitchFamily="2" charset="-127"/>
-                <a:cs typeface="KoPubWorldDotum Medium" pitchFamily="2" charset="-127"/>
-              </a:rPr>
-              <a:t>DynamoDB</a:t>
-            </a:r>
-            <a:r>
-              <a:rPr kumimoji="1" lang="ko-KR" altLang="en-US" sz="1400" dirty="0">
-                <a:latin typeface="KoPubWorldDotum Medium" pitchFamily="2" charset="-127"/>
-                <a:ea typeface="KoPubWorldDotum Medium" pitchFamily="2" charset="-127"/>
-                <a:cs typeface="KoPubWorldDotum Medium" pitchFamily="2" charset="-127"/>
-              </a:rPr>
-              <a:t> 활용</a:t>
+              <a:t>프론트에서 스크립트를 캐치해서 역으로 전달하는 경로 필요</a:t>
             </a:r>
             <a:endParaRPr kumimoji="1" lang="en-US" altLang="ko-KR" sz="1400" dirty="0">
               <a:latin typeface="KoPubWorldDotum Medium" pitchFamily="2" charset="-127"/>
@@ -5242,23 +6533,7 @@
                 <a:ea typeface="KoPubWorldDotum Medium" pitchFamily="2" charset="-127"/>
                 <a:cs typeface="KoPubWorldDotum Medium" pitchFamily="2" charset="-127"/>
               </a:rPr>
-              <a:t>인터랙션은 </a:t>
-            </a:r>
-            <a:r>
-              <a:rPr kumimoji="1" lang="en-US" altLang="ko-KR" sz="1400" dirty="0">
-                <a:latin typeface="KoPubWorldDotum Medium" pitchFamily="2" charset="-127"/>
-                <a:ea typeface="KoPubWorldDotum Medium" pitchFamily="2" charset="-127"/>
-                <a:cs typeface="KoPubWorldDotum Medium" pitchFamily="2" charset="-127"/>
-              </a:rPr>
-              <a:t>shell </a:t>
-            </a:r>
-            <a:r>
-              <a:rPr kumimoji="1" lang="ko-KR" altLang="en-US" sz="1400" dirty="0">
-                <a:latin typeface="KoPubWorldDotum Medium" pitchFamily="2" charset="-127"/>
-                <a:ea typeface="KoPubWorldDotum Medium" pitchFamily="2" charset="-127"/>
-                <a:cs typeface="KoPubWorldDotum Medium" pitchFamily="2" charset="-127"/>
-              </a:rPr>
-              <a:t>등 개발 환경 사용</a:t>
+              <a:t>실행 시 웹페이지 직접 접근 필요한 상태</a:t>
             </a:r>
             <a:endParaRPr kumimoji="1" lang="en-US" altLang="ko-KR" sz="1400" dirty="0">
               <a:latin typeface="KoPubWorldDotum Medium" pitchFamily="2" charset="-127"/>
@@ -5284,10 +6559,65 @@
       </p:sp>
       <p:sp>
         <p:nvSpPr>
-          <p:cNvPr id="11" name="직사각형 10">
-            <a:extLst>
-              <a:ext uri="{FF2B5EF4-FFF2-40B4-BE49-F238E27FC236}">
-                <a16:creationId xmlns:a16="http://schemas.microsoft.com/office/drawing/2014/main" id="{45503354-2789-16C9-FBA8-C33B6340EB7C}"/>
+          <p:cNvPr id="5" name="직사각형 4">
+            <a:extLst>
+              <a:ext uri="{FF2B5EF4-FFF2-40B4-BE49-F238E27FC236}">
+                <a16:creationId xmlns:a16="http://schemas.microsoft.com/office/drawing/2014/main" id="{D3B09CEE-62D0-D88B-0500-ED86BA1E2FFB}"/>
+              </a:ext>
+            </a:extLst>
+          </p:cNvPr>
+          <p:cNvSpPr/>
+          <p:nvPr/>
+        </p:nvSpPr>
+        <p:spPr>
+          <a:xfrm>
+            <a:off x="5510807" y="2336799"/>
+            <a:ext cx="5450364" cy="2965493"/>
+          </a:xfrm>
+          <a:prstGeom prst="rect">
+            <a:avLst/>
+          </a:prstGeom>
+          <a:solidFill>
+            <a:schemeClr val="tx2">
+              <a:lumMod val="10000"/>
+              <a:lumOff val="90000"/>
+            </a:schemeClr>
+          </a:solidFill>
+          <a:ln>
+            <a:noFill/>
+          </a:ln>
+        </p:spPr>
+        <p:style>
+          <a:lnRef idx="2">
+            <a:schemeClr val="accent1">
+              <a:shade val="15000"/>
+            </a:schemeClr>
+          </a:lnRef>
+          <a:fillRef idx="1">
+            <a:schemeClr val="accent1"/>
+          </a:fillRef>
+          <a:effectRef idx="0">
+            <a:schemeClr val="accent1"/>
+          </a:effectRef>
+          <a:fontRef idx="minor">
+            <a:schemeClr val="lt1"/>
+          </a:fontRef>
+        </p:style>
+        <p:txBody>
+          <a:bodyPr rtlCol="0" anchor="ctr"/>
+          <a:lstStyle/>
+          <a:p>
+            <a:pPr algn="ctr"/>
+            <a:endParaRPr kumimoji="1" lang="ko-KR" altLang="en-US"/>
+          </a:p>
+        </p:txBody>
+      </p:sp>
+      <p:sp>
+        <p:nvSpPr>
+          <p:cNvPr id="20" name="직사각형 19">
+            <a:extLst>
+              <a:ext uri="{FF2B5EF4-FFF2-40B4-BE49-F238E27FC236}">
+                <a16:creationId xmlns:a16="http://schemas.microsoft.com/office/drawing/2014/main" id="{E773D0BF-66DB-1F16-5230-E7DFC9D7B114}"/>
               </a:ext>
             </a:extLst>
           </p:cNvPr>
@@ -5339,10 +6669,10 @@
       </p:sp>
       <p:pic>
         <p:nvPicPr>
-          <p:cNvPr id="12" name="Picture 2" descr="Amazon Bedrock Connector - Overview (O11) | OutSystems">
-            <a:extLst>
-              <a:ext uri="{FF2B5EF4-FFF2-40B4-BE49-F238E27FC236}">
-                <a16:creationId xmlns:a16="http://schemas.microsoft.com/office/drawing/2014/main" id="{1775A4BB-7BCC-565E-AEF6-6103A8907477}"/>
+          <p:cNvPr id="24" name="Picture 2" descr="Amazon Bedrock Connector - Overview (O11) | OutSystems">
+            <a:extLst>
+              <a:ext uri="{FF2B5EF4-FFF2-40B4-BE49-F238E27FC236}">
+                <a16:creationId xmlns:a16="http://schemas.microsoft.com/office/drawing/2014/main" id="{F366E6C8-4277-3EA1-86C6-CF16CDDE236B}"/>
               </a:ext>
             </a:extLst>
           </p:cNvPr>
@@ -5386,10 +6716,10 @@
       </p:pic>
       <p:sp>
         <p:nvSpPr>
-          <p:cNvPr id="18" name="제목 1">
-            <a:extLst>
-              <a:ext uri="{FF2B5EF4-FFF2-40B4-BE49-F238E27FC236}">
-                <a16:creationId xmlns:a16="http://schemas.microsoft.com/office/drawing/2014/main" id="{B54295F5-9450-EF5C-D19B-0272DE5989B2}"/>
+          <p:cNvPr id="25" name="제목 1">
+            <a:extLst>
+              <a:ext uri="{FF2B5EF4-FFF2-40B4-BE49-F238E27FC236}">
+                <a16:creationId xmlns:a16="http://schemas.microsoft.com/office/drawing/2014/main" id="{A01239A9-7B7A-D1FB-D148-3CB089B47BCA}"/>
               </a:ext>
             </a:extLst>
           </p:cNvPr>
@@ -5450,16 +6780,16 @@
       </p:sp>
       <p:cxnSp>
         <p:nvCxnSpPr>
-          <p:cNvPr id="19" name="직선 화살표 연결선 18">
-            <a:extLst>
-              <a:ext uri="{FF2B5EF4-FFF2-40B4-BE49-F238E27FC236}">
-                <a16:creationId xmlns:a16="http://schemas.microsoft.com/office/drawing/2014/main" id="{9C5115C0-B6B1-3DD3-33BD-E9BCC44D9B06}"/>
+          <p:cNvPr id="27" name="직선 화살표 연결선 26">
+            <a:extLst>
+              <a:ext uri="{FF2B5EF4-FFF2-40B4-BE49-F238E27FC236}">
+                <a16:creationId xmlns:a16="http://schemas.microsoft.com/office/drawing/2014/main" id="{0021E5ED-596D-5C46-A72B-3A3117ED4E10}"/>
               </a:ext>
             </a:extLst>
           </p:cNvPr>
           <p:cNvCxnSpPr>
             <a:cxnSpLocks/>
-            <a:endCxn id="12" idx="3"/>
+            <a:endCxn id="24" idx="3"/>
           </p:cNvCxnSpPr>
           <p:nvPr/>
         </p:nvCxnSpPr>
@@ -5493,23 +6823,23 @@
       </p:cxnSp>
       <p:cxnSp>
         <p:nvCxnSpPr>
-          <p:cNvPr id="20" name="직선 화살표 연결선 19">
-            <a:extLst>
-              <a:ext uri="{FF2B5EF4-FFF2-40B4-BE49-F238E27FC236}">
-                <a16:creationId xmlns:a16="http://schemas.microsoft.com/office/drawing/2014/main" id="{1E72205D-7185-D36A-794A-7D2C457C1075}"/>
+          <p:cNvPr id="28" name="직선 화살표 연결선 27">
+            <a:extLst>
+              <a:ext uri="{FF2B5EF4-FFF2-40B4-BE49-F238E27FC236}">
+                <a16:creationId xmlns:a16="http://schemas.microsoft.com/office/drawing/2014/main" id="{865D7FFA-41D7-771E-C890-81A2FCAB3123}"/>
               </a:ext>
             </a:extLst>
           </p:cNvPr>
           <p:cNvCxnSpPr>
             <a:cxnSpLocks/>
-            <a:endCxn id="43" idx="3"/>
+            <a:endCxn id="48" idx="3"/>
           </p:cNvCxnSpPr>
           <p:nvPr/>
         </p:nvCxnSpPr>
         <p:spPr>
           <a:xfrm flipH="1">
-            <a:off x="4293203" y="3597587"/>
-            <a:ext cx="7041547" cy="0"/>
+            <a:off x="4293203" y="3584145"/>
+            <a:ext cx="3047776" cy="13442"/>
           </a:xfrm>
           <a:prstGeom prst="straightConnector1">
             <a:avLst/>
@@ -5536,10 +6866,10 @@
       </p:cxnSp>
       <p:sp>
         <p:nvSpPr>
-          <p:cNvPr id="21" name="제목 1">
-            <a:extLst>
-              <a:ext uri="{FF2B5EF4-FFF2-40B4-BE49-F238E27FC236}">
-                <a16:creationId xmlns:a16="http://schemas.microsoft.com/office/drawing/2014/main" id="{18921228-81AA-2796-DA54-107AA12843BA}"/>
+          <p:cNvPr id="29" name="제목 1">
+            <a:extLst>
+              <a:ext uri="{FF2B5EF4-FFF2-40B4-BE49-F238E27FC236}">
+                <a16:creationId xmlns:a16="http://schemas.microsoft.com/office/drawing/2014/main" id="{3DE1589F-60AE-439F-E6B8-547A7B46ED1B}"/>
               </a:ext>
             </a:extLst>
           </p:cNvPr>
@@ -5600,16 +6930,16 @@
       </p:sp>
       <p:cxnSp>
         <p:nvCxnSpPr>
-          <p:cNvPr id="25" name="직선 화살표 연결선 24">
-            <a:extLst>
-              <a:ext uri="{FF2B5EF4-FFF2-40B4-BE49-F238E27FC236}">
-                <a16:creationId xmlns:a16="http://schemas.microsoft.com/office/drawing/2014/main" id="{4505CC1A-2896-4158-A777-F5A85BEC9DC8}"/>
+          <p:cNvPr id="31" name="직선 화살표 연결선 30">
+            <a:extLst>
+              <a:ext uri="{FF2B5EF4-FFF2-40B4-BE49-F238E27FC236}">
+                <a16:creationId xmlns:a16="http://schemas.microsoft.com/office/drawing/2014/main" id="{A1C4523D-880F-B7F7-6484-F57FC7C93FDC}"/>
               </a:ext>
             </a:extLst>
           </p:cNvPr>
           <p:cNvCxnSpPr>
             <a:cxnSpLocks/>
-            <a:stCxn id="12" idx="1"/>
+            <a:stCxn id="24" idx="1"/>
           </p:cNvCxnSpPr>
           <p:nvPr/>
         </p:nvCxnSpPr>
@@ -5643,10 +6973,10 @@
       </p:cxnSp>
       <p:pic>
         <p:nvPicPr>
-          <p:cNvPr id="28" name="Picture 2" descr="The AI wars heat up with Claude 3, claimed to have “near-human” abilities |  Ars Technica">
-            <a:extLst>
-              <a:ext uri="{FF2B5EF4-FFF2-40B4-BE49-F238E27FC236}">
-                <a16:creationId xmlns:a16="http://schemas.microsoft.com/office/drawing/2014/main" id="{D1123443-E18F-7D3C-4E96-BEB05DDA959A}"/>
+          <p:cNvPr id="32" name="Picture 2" descr="The AI wars heat up with Claude 3, claimed to have “near-human” abilities |  Ars Technica">
+            <a:extLst>
+              <a:ext uri="{FF2B5EF4-FFF2-40B4-BE49-F238E27FC236}">
+                <a16:creationId xmlns:a16="http://schemas.microsoft.com/office/drawing/2014/main" id="{CA72C237-BB17-3697-F24B-E3BC601FA2B9}"/>
               </a:ext>
             </a:extLst>
           </p:cNvPr>
@@ -5688,10 +7018,10 @@
       </p:pic>
       <p:pic>
         <p:nvPicPr>
-          <p:cNvPr id="30" name="Picture 2" descr="Amazon Bedrock Connector - Overview (O11) | OutSystems">
-            <a:extLst>
-              <a:ext uri="{FF2B5EF4-FFF2-40B4-BE49-F238E27FC236}">
-                <a16:creationId xmlns:a16="http://schemas.microsoft.com/office/drawing/2014/main" id="{D76DEC2A-A69D-026F-1B08-FEC01D7B96C4}"/>
+          <p:cNvPr id="33" name="Picture 2" descr="Amazon Bedrock Connector - Overview (O11) | OutSystems">
+            <a:extLst>
+              <a:ext uri="{FF2B5EF4-FFF2-40B4-BE49-F238E27FC236}">
+                <a16:creationId xmlns:a16="http://schemas.microsoft.com/office/drawing/2014/main" id="{11440FC3-95AD-E513-2EE3-FD2400F312B8}"/>
               </a:ext>
             </a:extLst>
           </p:cNvPr>
@@ -5735,10 +7065,10 @@
       </p:pic>
       <p:sp>
         <p:nvSpPr>
-          <p:cNvPr id="32" name="제목 1">
-            <a:extLst>
-              <a:ext uri="{FF2B5EF4-FFF2-40B4-BE49-F238E27FC236}">
-                <a16:creationId xmlns:a16="http://schemas.microsoft.com/office/drawing/2014/main" id="{54F57808-1E21-5B61-59F8-287C0C8C6B09}"/>
+          <p:cNvPr id="34" name="제목 1">
+            <a:extLst>
+              <a:ext uri="{FF2B5EF4-FFF2-40B4-BE49-F238E27FC236}">
+                <a16:creationId xmlns:a16="http://schemas.microsoft.com/office/drawing/2014/main" id="{71C62DB9-F224-E560-71A8-F1BB961C9240}"/>
               </a:ext>
             </a:extLst>
           </p:cNvPr>
@@ -5815,10 +7145,10 @@
       </p:sp>
       <p:cxnSp>
         <p:nvCxnSpPr>
-          <p:cNvPr id="33" name="직선 화살표 연결선 32">
-            <a:extLst>
-              <a:ext uri="{FF2B5EF4-FFF2-40B4-BE49-F238E27FC236}">
-                <a16:creationId xmlns:a16="http://schemas.microsoft.com/office/drawing/2014/main" id="{E3003217-E82C-FD3B-6DA2-D7246D07104B}"/>
+          <p:cNvPr id="35" name="직선 화살표 연결선 34">
+            <a:extLst>
+              <a:ext uri="{FF2B5EF4-FFF2-40B4-BE49-F238E27FC236}">
+                <a16:creationId xmlns:a16="http://schemas.microsoft.com/office/drawing/2014/main" id="{5B07EF37-A891-EB27-6F1A-B5C1BD915BEF}"/>
               </a:ext>
             </a:extLst>
           </p:cNvPr>
@@ -5857,10 +7187,10 @@
       </p:cxnSp>
       <p:sp>
         <p:nvSpPr>
-          <p:cNvPr id="34" name="직사각형 33">
-            <a:extLst>
-              <a:ext uri="{FF2B5EF4-FFF2-40B4-BE49-F238E27FC236}">
-                <a16:creationId xmlns:a16="http://schemas.microsoft.com/office/drawing/2014/main" id="{F78681F1-1C99-B030-F542-DCCB506FFB56}"/>
+          <p:cNvPr id="36" name="직사각형 35">
+            <a:extLst>
+              <a:ext uri="{FF2B5EF4-FFF2-40B4-BE49-F238E27FC236}">
+                <a16:creationId xmlns:a16="http://schemas.microsoft.com/office/drawing/2014/main" id="{4D52C94C-66EF-EA6D-EAF7-7CA9839270E7}"/>
               </a:ext>
             </a:extLst>
           </p:cNvPr>
@@ -5910,10 +7240,10 @@
       </p:sp>
       <p:pic>
         <p:nvPicPr>
-          <p:cNvPr id="35" name="그림 34">
-            <a:extLst>
-              <a:ext uri="{FF2B5EF4-FFF2-40B4-BE49-F238E27FC236}">
-                <a16:creationId xmlns:a16="http://schemas.microsoft.com/office/drawing/2014/main" id="{65E23596-1DD4-C806-4199-B4B83ADBEE36}"/>
+          <p:cNvPr id="38" name="그림 37">
+            <a:extLst>
+              <a:ext uri="{FF2B5EF4-FFF2-40B4-BE49-F238E27FC236}">
+                <a16:creationId xmlns:a16="http://schemas.microsoft.com/office/drawing/2014/main" id="{E6AC1C3B-234C-8344-542D-AFF9349D60E5}"/>
               </a:ext>
             </a:extLst>
           </p:cNvPr>
@@ -5940,10 +7270,10 @@
       </p:pic>
       <p:sp>
         <p:nvSpPr>
-          <p:cNvPr id="36" name="제목 1">
-            <a:extLst>
-              <a:ext uri="{FF2B5EF4-FFF2-40B4-BE49-F238E27FC236}">
-                <a16:creationId xmlns:a16="http://schemas.microsoft.com/office/drawing/2014/main" id="{D4BA8984-1D6E-676B-B84D-1BC198C37AE0}"/>
+          <p:cNvPr id="39" name="제목 1">
+            <a:extLst>
+              <a:ext uri="{FF2B5EF4-FFF2-40B4-BE49-F238E27FC236}">
+                <a16:creationId xmlns:a16="http://schemas.microsoft.com/office/drawing/2014/main" id="{944CA5A0-9483-E425-76C0-475D28A2021D}"/>
               </a:ext>
             </a:extLst>
           </p:cNvPr>
@@ -6004,10 +7334,10 @@
       </p:sp>
       <p:pic>
         <p:nvPicPr>
-          <p:cNvPr id="38" name="그림 37">
-            <a:extLst>
-              <a:ext uri="{FF2B5EF4-FFF2-40B4-BE49-F238E27FC236}">
-                <a16:creationId xmlns:a16="http://schemas.microsoft.com/office/drawing/2014/main" id="{B73F89F0-2648-7168-A68F-46AEDB0EA308}"/>
+          <p:cNvPr id="40" name="그림 39">
+            <a:extLst>
+              <a:ext uri="{FF2B5EF4-FFF2-40B4-BE49-F238E27FC236}">
+                <a16:creationId xmlns:a16="http://schemas.microsoft.com/office/drawing/2014/main" id="{F8BB39B5-B0FB-FDE1-8570-9817EC41E309}"/>
               </a:ext>
             </a:extLst>
           </p:cNvPr>
@@ -6034,10 +7364,10 @@
       </p:pic>
       <p:sp>
         <p:nvSpPr>
-          <p:cNvPr id="39" name="제목 1">
-            <a:extLst>
-              <a:ext uri="{FF2B5EF4-FFF2-40B4-BE49-F238E27FC236}">
-                <a16:creationId xmlns:a16="http://schemas.microsoft.com/office/drawing/2014/main" id="{2C20A8B7-513E-2B61-A847-3FE9DBDCB6DA}"/>
+          <p:cNvPr id="41" name="제목 1">
+            <a:extLst>
+              <a:ext uri="{FF2B5EF4-FFF2-40B4-BE49-F238E27FC236}">
+                <a16:creationId xmlns:a16="http://schemas.microsoft.com/office/drawing/2014/main" id="{88835BB3-D416-74DE-EE11-047B21CBE7C8}"/>
               </a:ext>
             </a:extLst>
           </p:cNvPr>
@@ -6098,16 +7428,16 @@
       </p:sp>
       <p:cxnSp>
         <p:nvCxnSpPr>
-          <p:cNvPr id="40" name="직선 화살표 연결선 39">
-            <a:extLst>
-              <a:ext uri="{FF2B5EF4-FFF2-40B4-BE49-F238E27FC236}">
-                <a16:creationId xmlns:a16="http://schemas.microsoft.com/office/drawing/2014/main" id="{E9982E57-9053-CEEC-5B03-E9A62A0BA8C8}"/>
+          <p:cNvPr id="42" name="직선 화살표 연결선 41">
+            <a:extLst>
+              <a:ext uri="{FF2B5EF4-FFF2-40B4-BE49-F238E27FC236}">
+                <a16:creationId xmlns:a16="http://schemas.microsoft.com/office/drawing/2014/main" id="{F2A3F4B0-697B-E921-925F-5A295446EB4D}"/>
               </a:ext>
             </a:extLst>
           </p:cNvPr>
           <p:cNvCxnSpPr>
             <a:cxnSpLocks/>
-            <a:endCxn id="38" idx="0"/>
+            <a:endCxn id="40" idx="0"/>
           </p:cNvCxnSpPr>
           <p:nvPr/>
         </p:nvCxnSpPr>
@@ -6141,10 +7471,10 @@
       </p:cxnSp>
       <p:sp>
         <p:nvSpPr>
-          <p:cNvPr id="41" name="직사각형 40">
-            <a:extLst>
-              <a:ext uri="{FF2B5EF4-FFF2-40B4-BE49-F238E27FC236}">
-                <a16:creationId xmlns:a16="http://schemas.microsoft.com/office/drawing/2014/main" id="{847313FC-431B-8ABA-A7B0-50C416FA85CF}"/>
+          <p:cNvPr id="44" name="직사각형 43">
+            <a:extLst>
+              <a:ext uri="{FF2B5EF4-FFF2-40B4-BE49-F238E27FC236}">
+                <a16:creationId xmlns:a16="http://schemas.microsoft.com/office/drawing/2014/main" id="{966A3E74-BBCD-5284-F117-922CAE1E4117}"/>
               </a:ext>
             </a:extLst>
           </p:cNvPr>
@@ -6153,8 +7483,8 @@
         </p:nvSpPr>
         <p:spPr>
           <a:xfrm>
-            <a:off x="481291" y="2336800"/>
-            <a:ext cx="5023560" cy="2965493"/>
+            <a:off x="481290" y="2336800"/>
+            <a:ext cx="10479881" cy="2965493"/>
           </a:xfrm>
           <a:prstGeom prst="rect">
             <a:avLst/>
@@ -6194,10 +7524,10 @@
       </p:sp>
       <p:pic>
         <p:nvPicPr>
-          <p:cNvPr id="42" name="Picture 4" descr="Amazon Web Services | Incentro Partner">
-            <a:extLst>
-              <a:ext uri="{FF2B5EF4-FFF2-40B4-BE49-F238E27FC236}">
-                <a16:creationId xmlns:a16="http://schemas.microsoft.com/office/drawing/2014/main" id="{57422508-9008-D48F-6FF9-91C6E049AA0D}"/>
+          <p:cNvPr id="45" name="Picture 4" descr="Amazon Web Services | Incentro Partner">
+            <a:extLst>
+              <a:ext uri="{FF2B5EF4-FFF2-40B4-BE49-F238E27FC236}">
+                <a16:creationId xmlns:a16="http://schemas.microsoft.com/office/drawing/2014/main" id="{EBCE8D7C-FD13-1389-B116-6E02A1C38220}"/>
               </a:ext>
             </a:extLst>
           </p:cNvPr>
@@ -6241,10 +7571,10 @@
       </p:pic>
       <p:sp>
         <p:nvSpPr>
-          <p:cNvPr id="43" name="처리 42">
-            <a:extLst>
-              <a:ext uri="{FF2B5EF4-FFF2-40B4-BE49-F238E27FC236}">
-                <a16:creationId xmlns:a16="http://schemas.microsoft.com/office/drawing/2014/main" id="{A6BCF453-F0B0-693B-F029-74BCD668629C}"/>
+          <p:cNvPr id="48" name="처리 47">
+            <a:extLst>
+              <a:ext uri="{FF2B5EF4-FFF2-40B4-BE49-F238E27FC236}">
+                <a16:creationId xmlns:a16="http://schemas.microsoft.com/office/drawing/2014/main" id="{0CA1953F-DCDF-7CEC-9EAE-9F3FDBFF10F8}"/>
               </a:ext>
             </a:extLst>
           </p:cNvPr>
@@ -6305,10 +7635,10 @@
       </p:sp>
       <p:pic>
         <p:nvPicPr>
-          <p:cNvPr id="49" name="그래픽 48" descr="사용자 단색으로 채워진">
-            <a:extLst>
-              <a:ext uri="{FF2B5EF4-FFF2-40B4-BE49-F238E27FC236}">
-                <a16:creationId xmlns:a16="http://schemas.microsoft.com/office/drawing/2014/main" id="{B00A906E-AD6B-B5CF-BD37-B276F36556FD}"/>
+          <p:cNvPr id="50" name="그림 49">
+            <a:extLst>
+              <a:ext uri="{FF2B5EF4-FFF2-40B4-BE49-F238E27FC236}">
+                <a16:creationId xmlns:a16="http://schemas.microsoft.com/office/drawing/2014/main" id="{7D28E73E-EF03-7CBA-F713-0F910E50B955}"/>
               </a:ext>
             </a:extLst>
           </p:cNvPr>
@@ -6318,10 +7648,230 @@
           <p:nvPr/>
         </p:nvPicPr>
         <p:blipFill>
-          <a:blip r:embed="rId7">
+          <a:blip r:embed="rId7"/>
+          <a:stretch>
+            <a:fillRect/>
+          </a:stretch>
+        </p:blipFill>
+        <p:spPr>
+          <a:xfrm>
+            <a:off x="5695248" y="3360274"/>
+            <a:ext cx="461326" cy="461326"/>
+          </a:xfrm>
+          <a:prstGeom prst="rect">
+            <a:avLst/>
+          </a:prstGeom>
+        </p:spPr>
+      </p:pic>
+      <p:sp>
+        <p:nvSpPr>
+          <p:cNvPr id="51" name="직사각형 50">
+            <a:extLst>
+              <a:ext uri="{FF2B5EF4-FFF2-40B4-BE49-F238E27FC236}">
+                <a16:creationId xmlns:a16="http://schemas.microsoft.com/office/drawing/2014/main" id="{A5BDD9B3-89AA-D44E-37E0-60BEC21FD42C}"/>
+              </a:ext>
+            </a:extLst>
+          </p:cNvPr>
+          <p:cNvSpPr/>
+          <p:nvPr/>
+        </p:nvSpPr>
+        <p:spPr>
+          <a:xfrm>
+            <a:off x="7340979" y="3037631"/>
+            <a:ext cx="1503655" cy="1093027"/>
+          </a:xfrm>
+          <a:prstGeom prst="rect">
+            <a:avLst/>
+          </a:prstGeom>
+          <a:noFill/>
+          <a:ln>
+            <a:solidFill>
+              <a:srgbClr val="000000"/>
+            </a:solidFill>
+            <a:prstDash val="sysDash"/>
+          </a:ln>
+        </p:spPr>
+        <p:style>
+          <a:lnRef idx="2">
+            <a:schemeClr val="accent1">
+              <a:shade val="15000"/>
+            </a:schemeClr>
+          </a:lnRef>
+          <a:fillRef idx="1">
+            <a:schemeClr val="accent1"/>
+          </a:fillRef>
+          <a:effectRef idx="0">
+            <a:schemeClr val="accent1"/>
+          </a:effectRef>
+          <a:fontRef idx="minor">
+            <a:schemeClr val="lt1"/>
+          </a:fontRef>
+        </p:style>
+        <p:txBody>
+          <a:bodyPr rtlCol="0" anchor="ctr"/>
+          <a:lstStyle/>
+          <a:p>
+            <a:pPr algn="ctr"/>
+            <a:endParaRPr kumimoji="1" lang="ko-KR" altLang="en-US"/>
+          </a:p>
+        </p:txBody>
+      </p:sp>
+      <p:pic>
+        <p:nvPicPr>
+          <p:cNvPr id="56" name="그림 55">
+            <a:extLst>
+              <a:ext uri="{FF2B5EF4-FFF2-40B4-BE49-F238E27FC236}">
+                <a16:creationId xmlns:a16="http://schemas.microsoft.com/office/drawing/2014/main" id="{ACAA5710-62C3-61ED-44BE-684ACA05AF4B}"/>
+              </a:ext>
+            </a:extLst>
+          </p:cNvPr>
+          <p:cNvPicPr>
+            <a:picLocks noChangeAspect="1"/>
+          </p:cNvPicPr>
+          <p:nvPr/>
+        </p:nvPicPr>
+        <p:blipFill>
+          <a:blip r:embed="rId8"/>
+          <a:stretch>
+            <a:fillRect/>
+          </a:stretch>
+        </p:blipFill>
+        <p:spPr>
+          <a:xfrm>
+            <a:off x="7896163" y="3915611"/>
+            <a:ext cx="462142" cy="462142"/>
+          </a:xfrm>
+          <a:prstGeom prst="rect">
+            <a:avLst/>
+          </a:prstGeom>
+        </p:spPr>
+      </p:pic>
+      <p:sp>
+        <p:nvSpPr>
+          <p:cNvPr id="57" name="제목 1">
+            <a:extLst>
+              <a:ext uri="{FF2B5EF4-FFF2-40B4-BE49-F238E27FC236}">
+                <a16:creationId xmlns:a16="http://schemas.microsoft.com/office/drawing/2014/main" id="{75A95E0A-FFF2-183F-9A96-3D7382B5350F}"/>
+              </a:ext>
+            </a:extLst>
+          </p:cNvPr>
+          <p:cNvSpPr txBox="1">
+            <a:spLocks/>
+          </p:cNvSpPr>
+          <p:nvPr/>
+        </p:nvSpPr>
+        <p:spPr>
+          <a:xfrm>
+            <a:off x="7669737" y="4387113"/>
+            <a:ext cx="967879" cy="267998"/>
+          </a:xfrm>
+          <a:prstGeom prst="rect">
+            <a:avLst/>
+          </a:prstGeom>
+        </p:spPr>
+        <p:txBody>
+          <a:bodyPr vert="horz" lIns="91440" tIns="45720" rIns="91440" bIns="45720" rtlCol="0" anchor="ctr">
+            <a:normAutofit/>
+          </a:bodyPr>
+          <a:lstStyle>
+            <a:lvl1pPr algn="l" defTabSz="914400" rtl="0" eaLnBrk="1" latinLnBrk="1" hangingPunct="1">
+              <a:lnSpc>
+                <a:spcPct val="90000"/>
+              </a:lnSpc>
+              <a:spcBef>
+                <a:spcPct val="0"/>
+              </a:spcBef>
+              <a:buNone/>
+              <a:defRPr sz="4400" kern="1200">
+                <a:solidFill>
+                  <a:schemeClr val="tx1"/>
+                </a:solidFill>
+                <a:latin typeface="+mj-lt"/>
+                <a:ea typeface="+mj-ea"/>
+                <a:cs typeface="+mj-cs"/>
+              </a:defRPr>
+            </a:lvl1pPr>
+          </a:lstStyle>
+          <a:p>
+            <a:pPr algn="ctr"/>
+            <a:r>
+              <a:rPr kumimoji="1" lang="en-US" altLang="ko-KR" sz="1100" b="1" dirty="0">
+                <a:latin typeface="KoPubWorldDotum Bold" pitchFamily="2" charset="-127"/>
+                <a:ea typeface="KoPubWorldDotum Bold" pitchFamily="2" charset="-127"/>
+                <a:cs typeface="KoPubWorldDotum Bold" pitchFamily="2" charset="-127"/>
+              </a:rPr>
+              <a:t>S3</a:t>
+            </a:r>
+            <a:endParaRPr kumimoji="1" lang="ko-KR" altLang="en-US" sz="1100" b="1" dirty="0">
+              <a:latin typeface="KoPubWorldDotum Bold" pitchFamily="2" charset="-127"/>
+              <a:ea typeface="KoPubWorldDotum Bold" pitchFamily="2" charset="-127"/>
+              <a:cs typeface="KoPubWorldDotum Bold" pitchFamily="2" charset="-127"/>
+            </a:endParaRPr>
+          </a:p>
+        </p:txBody>
+      </p:sp>
+      <p:cxnSp>
+        <p:nvCxnSpPr>
+          <p:cNvPr id="58" name="직선 화살표 연결선 57">
+            <a:extLst>
+              <a:ext uri="{FF2B5EF4-FFF2-40B4-BE49-F238E27FC236}">
+                <a16:creationId xmlns:a16="http://schemas.microsoft.com/office/drawing/2014/main" id="{D09C960E-B472-3308-9005-DE1CFFB1A08A}"/>
+              </a:ext>
+            </a:extLst>
+          </p:cNvPr>
+          <p:cNvCxnSpPr>
+            <a:cxnSpLocks/>
+            <a:endCxn id="51" idx="3"/>
+          </p:cNvCxnSpPr>
+          <p:nvPr/>
+        </p:nvCxnSpPr>
+        <p:spPr>
+          <a:xfrm flipH="1">
+            <a:off x="8844634" y="3584145"/>
+            <a:ext cx="2545956" cy="0"/>
+          </a:xfrm>
+          <a:prstGeom prst="straightConnector1">
+            <a:avLst/>
+          </a:prstGeom>
+          <a:ln>
+            <a:headEnd type="none" w="med" len="med"/>
+            <a:tailEnd type="none" w="med" len="med"/>
+          </a:ln>
+        </p:spPr>
+        <p:style>
+          <a:lnRef idx="2">
+            <a:schemeClr val="accent1"/>
+          </a:lnRef>
+          <a:fillRef idx="0">
+            <a:schemeClr val="accent1"/>
+          </a:fillRef>
+          <a:effectRef idx="1">
+            <a:schemeClr val="accent1"/>
+          </a:effectRef>
+          <a:fontRef idx="minor">
+            <a:schemeClr val="tx1"/>
+          </a:fontRef>
+        </p:style>
+      </p:cxnSp>
+      <p:pic>
+        <p:nvPicPr>
+          <p:cNvPr id="59" name="그래픽 58" descr="사용자 단색으로 채워진">
+            <a:extLst>
+              <a:ext uri="{FF2B5EF4-FFF2-40B4-BE49-F238E27FC236}">
+                <a16:creationId xmlns:a16="http://schemas.microsoft.com/office/drawing/2014/main" id="{166587A7-A9CB-438E-B696-63B2160E2147}"/>
+              </a:ext>
+            </a:extLst>
+          </p:cNvPr>
+          <p:cNvPicPr>
+            <a:picLocks noChangeAspect="1"/>
+          </p:cNvPicPr>
+          <p:nvPr/>
+        </p:nvPicPr>
+        <p:blipFill>
+          <a:blip r:embed="rId9">
             <a:extLst>
               <a:ext uri="{96DAC541-7B7A-43D3-8B79-37D633B846F1}">
-                <asvg:svgBlip xmlns:asvg="http://schemas.microsoft.com/office/drawing/2016/SVG/main" r:embed="rId8"/>
+                <asvg:svgBlip xmlns:asvg="http://schemas.microsoft.com/office/drawing/2016/SVG/main" r:embed="rId10"/>
               </a:ext>
             </a:extLst>
           </a:blip>
@@ -6339,10 +7889,202 @@
           </a:prstGeom>
         </p:spPr>
       </p:pic>
+      <p:sp>
+        <p:nvSpPr>
+          <p:cNvPr id="62" name="처리 61">
+            <a:extLst>
+              <a:ext uri="{FF2B5EF4-FFF2-40B4-BE49-F238E27FC236}">
+                <a16:creationId xmlns:a16="http://schemas.microsoft.com/office/drawing/2014/main" id="{8F7B3322-7D72-9627-3088-12BCF4888023}"/>
+              </a:ext>
+            </a:extLst>
+          </p:cNvPr>
+          <p:cNvSpPr/>
+          <p:nvPr/>
+        </p:nvSpPr>
+        <p:spPr>
+          <a:xfrm>
+            <a:off x="7502416" y="3123937"/>
+            <a:ext cx="1203109" cy="243942"/>
+          </a:xfrm>
+          <a:prstGeom prst="flowChartProcess">
+            <a:avLst/>
+          </a:prstGeom>
+          <a:solidFill>
+            <a:schemeClr val="accent1"/>
+          </a:solidFill>
+          <a:ln>
+            <a:noFill/>
+          </a:ln>
+        </p:spPr>
+        <p:style>
+          <a:lnRef idx="2">
+            <a:schemeClr val="accent1">
+              <a:shade val="15000"/>
+            </a:schemeClr>
+          </a:lnRef>
+          <a:fillRef idx="1">
+            <a:schemeClr val="accent1"/>
+          </a:fillRef>
+          <a:effectRef idx="0">
+            <a:schemeClr val="accent1"/>
+          </a:effectRef>
+          <a:fontRef idx="minor">
+            <a:schemeClr val="lt1"/>
+          </a:fontRef>
+        </p:style>
+        <p:txBody>
+          <a:bodyPr rtlCol="0" anchor="ctr"/>
+          <a:lstStyle/>
+          <a:p>
+            <a:pPr algn="ctr"/>
+            <a:r>
+              <a:rPr kumimoji="1" lang="en-US" altLang="ko-KR" sz="1100" b="1" dirty="0" err="1">
+                <a:latin typeface="KoPubWorldDotum Bold" pitchFamily="2" charset="-127"/>
+                <a:ea typeface="KoPubWorldDotum Bold" pitchFamily="2" charset="-127"/>
+                <a:cs typeface="KoPubWorldDotum Bold" pitchFamily="2" charset="-127"/>
+              </a:rPr>
+              <a:t>Front.js</a:t>
+            </a:r>
+            <a:endParaRPr kumimoji="1" lang="ko-KR" altLang="en-US" sz="1100" b="1" dirty="0">
+              <a:latin typeface="KoPubWorldDotum Bold" pitchFamily="2" charset="-127"/>
+              <a:ea typeface="KoPubWorldDotum Bold" pitchFamily="2" charset="-127"/>
+              <a:cs typeface="KoPubWorldDotum Bold" pitchFamily="2" charset="-127"/>
+            </a:endParaRPr>
+          </a:p>
+        </p:txBody>
+      </p:sp>
+      <p:sp>
+        <p:nvSpPr>
+          <p:cNvPr id="63" name="처리 62">
+            <a:extLst>
+              <a:ext uri="{FF2B5EF4-FFF2-40B4-BE49-F238E27FC236}">
+                <a16:creationId xmlns:a16="http://schemas.microsoft.com/office/drawing/2014/main" id="{EFA30434-324C-CCD1-86D4-74CD7630B643}"/>
+              </a:ext>
+            </a:extLst>
+          </p:cNvPr>
+          <p:cNvSpPr/>
+          <p:nvPr/>
+        </p:nvSpPr>
+        <p:spPr>
+          <a:xfrm>
+            <a:off x="7502416" y="3383903"/>
+            <a:ext cx="1203109" cy="243942"/>
+          </a:xfrm>
+          <a:prstGeom prst="flowChartProcess">
+            <a:avLst/>
+          </a:prstGeom>
+          <a:solidFill>
+            <a:schemeClr val="accent1"/>
+          </a:solidFill>
+          <a:ln>
+            <a:noFill/>
+          </a:ln>
+        </p:spPr>
+        <p:style>
+          <a:lnRef idx="2">
+            <a:schemeClr val="accent1">
+              <a:shade val="15000"/>
+            </a:schemeClr>
+          </a:lnRef>
+          <a:fillRef idx="1">
+            <a:schemeClr val="accent1"/>
+          </a:fillRef>
+          <a:effectRef idx="0">
+            <a:schemeClr val="accent1"/>
+          </a:effectRef>
+          <a:fontRef idx="minor">
+            <a:schemeClr val="lt1"/>
+          </a:fontRef>
+        </p:style>
+        <p:txBody>
+          <a:bodyPr rtlCol="0" anchor="ctr"/>
+          <a:lstStyle/>
+          <a:p>
+            <a:pPr algn="ctr"/>
+            <a:r>
+              <a:rPr kumimoji="1" lang="en-US" altLang="ko-KR" sz="1100" b="1" dirty="0" err="1">
+                <a:latin typeface="KoPubWorldDotum Bold" pitchFamily="2" charset="-127"/>
+                <a:ea typeface="KoPubWorldDotum Bold" pitchFamily="2" charset="-127"/>
+                <a:cs typeface="KoPubWorldDotum Bold" pitchFamily="2" charset="-127"/>
+              </a:rPr>
+              <a:t>Front.html</a:t>
+            </a:r>
+            <a:endParaRPr kumimoji="1" lang="ko-KR" altLang="en-US" sz="1100" b="1" dirty="0">
+              <a:latin typeface="KoPubWorldDotum Bold" pitchFamily="2" charset="-127"/>
+              <a:ea typeface="KoPubWorldDotum Bold" pitchFamily="2" charset="-127"/>
+              <a:cs typeface="KoPubWorldDotum Bold" pitchFamily="2" charset="-127"/>
+            </a:endParaRPr>
+          </a:p>
+        </p:txBody>
+      </p:sp>
+      <p:sp>
+        <p:nvSpPr>
+          <p:cNvPr id="1025" name="제목 1">
+            <a:extLst>
+              <a:ext uri="{FF2B5EF4-FFF2-40B4-BE49-F238E27FC236}">
+                <a16:creationId xmlns:a16="http://schemas.microsoft.com/office/drawing/2014/main" id="{E2DA89EC-6E48-C7FB-FF43-52AF78BC1788}"/>
+              </a:ext>
+            </a:extLst>
+          </p:cNvPr>
+          <p:cNvSpPr txBox="1">
+            <a:spLocks/>
+          </p:cNvSpPr>
+          <p:nvPr/>
+        </p:nvSpPr>
+        <p:spPr>
+          <a:xfrm>
+            <a:off x="5451168" y="3869287"/>
+            <a:ext cx="967879" cy="267998"/>
+          </a:xfrm>
+          <a:prstGeom prst="rect">
+            <a:avLst/>
+          </a:prstGeom>
+        </p:spPr>
+        <p:txBody>
+          <a:bodyPr vert="horz" lIns="91440" tIns="45720" rIns="91440" bIns="45720" rtlCol="0" anchor="ctr">
+            <a:normAutofit fontScale="92500"/>
+          </a:bodyPr>
+          <a:lstStyle>
+            <a:lvl1pPr algn="l" defTabSz="914400" rtl="0" eaLnBrk="1" latinLnBrk="1" hangingPunct="1">
+              <a:lnSpc>
+                <a:spcPct val="90000"/>
+              </a:lnSpc>
+              <a:spcBef>
+                <a:spcPct val="0"/>
+              </a:spcBef>
+              <a:buNone/>
+              <a:defRPr sz="4400" kern="1200">
+                <a:solidFill>
+                  <a:schemeClr val="tx1"/>
+                </a:solidFill>
+                <a:latin typeface="+mj-lt"/>
+                <a:ea typeface="+mj-ea"/>
+                <a:cs typeface="+mj-cs"/>
+              </a:defRPr>
+            </a:lvl1pPr>
+          </a:lstStyle>
+          <a:p>
+            <a:pPr algn="ctr"/>
+            <a:r>
+              <a:rPr kumimoji="1" lang="en-US" altLang="ko-KR" sz="1100" b="1" dirty="0">
+                <a:latin typeface="KoPubWorldDotum Bold" pitchFamily="2" charset="-127"/>
+                <a:ea typeface="KoPubWorldDotum Bold" pitchFamily="2" charset="-127"/>
+                <a:cs typeface="KoPubWorldDotum Bold" pitchFamily="2" charset="-127"/>
+              </a:rPr>
+              <a:t>API Gateway</a:t>
+            </a:r>
+            <a:endParaRPr kumimoji="1" lang="ko-KR" altLang="en-US" sz="1100" b="1" dirty="0">
+              <a:latin typeface="KoPubWorldDotum Bold" pitchFamily="2" charset="-127"/>
+              <a:ea typeface="KoPubWorldDotum Bold" pitchFamily="2" charset="-127"/>
+              <a:cs typeface="KoPubWorldDotum Bold" pitchFamily="2" charset="-127"/>
+            </a:endParaRPr>
+          </a:p>
+        </p:txBody>
+      </p:sp>
     </p:spTree>
     <p:extLst>
       <p:ext uri="{BB962C8B-B14F-4D97-AF65-F5344CB8AC3E}">
-        <p14:creationId xmlns:p14="http://schemas.microsoft.com/office/powerpoint/2010/main" val="1569038290"/>
+        <p14:creationId xmlns:p14="http://schemas.microsoft.com/office/powerpoint/2010/main" val="1774389717"/>
       </p:ext>
     </p:extLst>
   </p:cSld>
@@ -6371,10 +8113,10 @@
       </p:grpSpPr>
       <p:sp>
         <p:nvSpPr>
-          <p:cNvPr id="2" name="제목 1">
-            <a:extLst>
-              <a:ext uri="{FF2B5EF4-FFF2-40B4-BE49-F238E27FC236}">
-                <a16:creationId xmlns:a16="http://schemas.microsoft.com/office/drawing/2014/main" id="{66BAC33C-8F3A-967B-F807-9B53E385234B}"/>
+          <p:cNvPr id="25" name="제목 1">
+            <a:extLst>
+              <a:ext uri="{FF2B5EF4-FFF2-40B4-BE49-F238E27FC236}">
+                <a16:creationId xmlns:a16="http://schemas.microsoft.com/office/drawing/2014/main" id="{3FCD91E1-CEB1-2FF4-7332-72C55A5DF3C6}"/>
               </a:ext>
             </a:extLst>
           </p:cNvPr>
@@ -6403,15 +8145,7 @@
                 <a:ea typeface="KoPubWorldDotum Medium" pitchFamily="2" charset="-127"/>
                 <a:cs typeface="KoPubWorldDotum Medium" pitchFamily="2" charset="-127"/>
               </a:rPr>
-              <a:t>Phase 2: </a:t>
-            </a:r>
-            <a:r>
-              <a:rPr kumimoji="1" lang="ko-KR" altLang="en-US" sz="2800" dirty="0" err="1">
-                <a:latin typeface="KoPubWorldDotum Medium" pitchFamily="2" charset="-127"/>
-                <a:ea typeface="KoPubWorldDotum Medium" pitchFamily="2" charset="-127"/>
-                <a:cs typeface="KoPubWorldDotum Medium" pitchFamily="2" charset="-127"/>
-              </a:rPr>
-              <a:t>프론트엔드</a:t>
+              <a:t>Phase 3: </a:t>
             </a:r>
             <a:r>
               <a:rPr kumimoji="1" lang="ko-KR" altLang="en-US" sz="2800" dirty="0">
@@ -6419,17 +8153,17 @@
                 <a:ea typeface="KoPubWorldDotum Medium" pitchFamily="2" charset="-127"/>
                 <a:cs typeface="KoPubWorldDotum Medium" pitchFamily="2" charset="-127"/>
               </a:rPr>
-              <a:t> 필수 요소 구축</a:t>
-            </a:r>
-          </a:p>
-        </p:txBody>
-      </p:sp>
-      <p:sp>
-        <p:nvSpPr>
-          <p:cNvPr id="37" name="제목 1">
-            <a:extLst>
-              <a:ext uri="{FF2B5EF4-FFF2-40B4-BE49-F238E27FC236}">
-                <a16:creationId xmlns:a16="http://schemas.microsoft.com/office/drawing/2014/main" id="{163F80DA-9669-620F-6B55-9F86CE7E6220}"/>
+              <a:t>솔루션 완성</a:t>
+            </a:r>
+          </a:p>
+        </p:txBody>
+      </p:sp>
+      <p:sp>
+        <p:nvSpPr>
+          <p:cNvPr id="27" name="제목 1">
+            <a:extLst>
+              <a:ext uri="{FF2B5EF4-FFF2-40B4-BE49-F238E27FC236}">
+                <a16:creationId xmlns:a16="http://schemas.microsoft.com/office/drawing/2014/main" id="{17D942F3-BE09-1EDD-D651-5B547AA4B259}"/>
               </a:ext>
             </a:extLst>
           </p:cNvPr>
@@ -6441,7 +8175,7 @@
         <p:spPr>
           <a:xfrm>
             <a:off x="368537" y="700863"/>
-            <a:ext cx="11454925" cy="1657301"/>
+            <a:ext cx="11454925" cy="1275277"/>
           </a:xfrm>
           <a:prstGeom prst="rect">
             <a:avLst/>
@@ -6479,20 +8213,12 @@
               <a:buChar char="•"/>
             </a:pPr>
             <a:r>
-              <a:rPr kumimoji="1" lang="ko-KR" altLang="en-US" sz="1400" dirty="0" err="1">
-                <a:latin typeface="KoPubWorldDotum Medium" pitchFamily="2" charset="-127"/>
-                <a:ea typeface="KoPubWorldDotum Medium" pitchFamily="2" charset="-127"/>
-                <a:cs typeface="KoPubWorldDotum Medium" pitchFamily="2" charset="-127"/>
-              </a:rPr>
-              <a:t>백엔드</a:t>
-            </a:r>
-            <a:r>
               <a:rPr kumimoji="1" lang="ko-KR" altLang="en-US" sz="1400" dirty="0">
                 <a:latin typeface="KoPubWorldDotum Medium" pitchFamily="2" charset="-127"/>
                 <a:ea typeface="KoPubWorldDotum Medium" pitchFamily="2" charset="-127"/>
                 <a:cs typeface="KoPubWorldDotum Medium" pitchFamily="2" charset="-127"/>
               </a:rPr>
-              <a:t> 기본 구조를</a:t>
+              <a:t>모니터링 구현 </a:t>
             </a:r>
             <a:r>
               <a:rPr kumimoji="1" lang="en-US" altLang="ko-KR" sz="1400" dirty="0">
@@ -6500,15 +8226,15 @@
                 <a:ea typeface="KoPubWorldDotum Medium" pitchFamily="2" charset="-127"/>
                 <a:cs typeface="KoPubWorldDotum Medium" pitchFamily="2" charset="-127"/>
               </a:rPr>
-              <a:t>,</a:t>
-            </a:r>
-            <a:r>
-              <a:rPr kumimoji="1" lang="ko-KR" altLang="en-US" sz="1400" dirty="0">
+              <a:t>(</a:t>
+            </a:r>
+            <a:r>
+              <a:rPr kumimoji="1" lang="en-US" altLang="ko-KR" sz="1400" dirty="0" err="1">
                 <a:latin typeface="KoPubWorldDotum Medium" pitchFamily="2" charset="-127"/>
                 <a:ea typeface="KoPubWorldDotum Medium" pitchFamily="2" charset="-127"/>
                 <a:cs typeface="KoPubWorldDotum Medium" pitchFamily="2" charset="-127"/>
               </a:rPr>
-              <a:t> 사용자 인터랙션이 가능하도록 </a:t>
+              <a:t>Cloudwatch</a:t>
             </a:r>
             <a:r>
               <a:rPr kumimoji="1" lang="en-US" altLang="ko-KR" sz="1400" dirty="0">
@@ -6516,21 +8242,8 @@
                 <a:ea typeface="KoPubWorldDotum Medium" pitchFamily="2" charset="-127"/>
                 <a:cs typeface="KoPubWorldDotum Medium" pitchFamily="2" charset="-127"/>
               </a:rPr>
-              <a:t>API Gateway</a:t>
-            </a:r>
-            <a:r>
-              <a:rPr kumimoji="1" lang="ko-KR" altLang="en-US" sz="1400" dirty="0">
-                <a:latin typeface="KoPubWorldDotum Medium" pitchFamily="2" charset="-127"/>
-                <a:ea typeface="KoPubWorldDotum Medium" pitchFamily="2" charset="-127"/>
-                <a:cs typeface="KoPubWorldDotum Medium" pitchFamily="2" charset="-127"/>
-              </a:rPr>
-              <a:t> 구축</a:t>
-            </a:r>
-            <a:endParaRPr kumimoji="1" lang="en-US" altLang="ko-KR" sz="1400" dirty="0">
-              <a:latin typeface="KoPubWorldDotum Medium" pitchFamily="2" charset="-127"/>
-              <a:ea typeface="KoPubWorldDotum Medium" pitchFamily="2" charset="-127"/>
-              <a:cs typeface="KoPubWorldDotum Medium" pitchFamily="2" charset="-127"/>
-            </a:endParaRPr>
+              <a:t>)</a:t>
+            </a:r>
           </a:p>
           <a:p>
             <a:pPr marL="285750" indent="-285750">
@@ -6546,7 +8259,7 @@
                 <a:ea typeface="KoPubWorldDotum Medium" pitchFamily="2" charset="-127"/>
                 <a:cs typeface="KoPubWorldDotum Medium" pitchFamily="2" charset="-127"/>
               </a:rPr>
-              <a:t>프론트는 정적 웹페이지로 </a:t>
+              <a:t>웹 디자인 </a:t>
             </a:r>
             <a:r>
               <a:rPr kumimoji="1" lang="en-US" altLang="ko-KR" sz="1400" dirty="0">
@@ -6554,15 +8267,7 @@
                 <a:ea typeface="KoPubWorldDotum Medium" pitchFamily="2" charset="-127"/>
                 <a:cs typeface="KoPubWorldDotum Medium" pitchFamily="2" charset="-127"/>
               </a:rPr>
-              <a:t>S3</a:t>
-            </a:r>
-            <a:r>
-              <a:rPr kumimoji="1" lang="ko-KR" altLang="en-US" sz="1400" dirty="0" err="1">
-                <a:latin typeface="KoPubWorldDotum Medium" pitchFamily="2" charset="-127"/>
-                <a:ea typeface="KoPubWorldDotum Medium" pitchFamily="2" charset="-127"/>
-                <a:cs typeface="KoPubWorldDotum Medium" pitchFamily="2" charset="-127"/>
-              </a:rPr>
-              <a:t>에</a:t>
+              <a:t>+</a:t>
             </a:r>
             <a:r>
               <a:rPr kumimoji="1" lang="ko-KR" altLang="en-US" sz="1400" dirty="0">
@@ -6570,7 +8275,23 @@
                 <a:ea typeface="KoPubWorldDotum Medium" pitchFamily="2" charset="-127"/>
                 <a:cs typeface="KoPubWorldDotum Medium" pitchFamily="2" charset="-127"/>
               </a:rPr>
-              <a:t> 적재</a:t>
+              <a:t> </a:t>
+            </a:r>
+            <a:r>
+              <a:rPr kumimoji="1" lang="en-US" altLang="ko-KR" sz="1400" dirty="0">
+                <a:latin typeface="KoPubWorldDotum Medium" pitchFamily="2" charset="-127"/>
+                <a:ea typeface="KoPubWorldDotum Medium" pitchFamily="2" charset="-127"/>
+                <a:cs typeface="KoPubWorldDotum Medium" pitchFamily="2" charset="-127"/>
+              </a:rPr>
+              <a:t>CSS</a:t>
+            </a:r>
+            <a:r>
+              <a:rPr kumimoji="1" lang="ko-KR" altLang="en-US" sz="1400" dirty="0">
+                <a:latin typeface="KoPubWorldDotum Medium" pitchFamily="2" charset="-127"/>
+                <a:ea typeface="KoPubWorldDotum Medium" pitchFamily="2" charset="-127"/>
+                <a:cs typeface="KoPubWorldDotum Medium" pitchFamily="2" charset="-127"/>
+              </a:rPr>
+              <a:t> 구현</a:t>
             </a:r>
             <a:endParaRPr kumimoji="1" lang="en-US" altLang="ko-KR" sz="1400" dirty="0">
               <a:latin typeface="KoPubWorldDotum Medium" pitchFamily="2" charset="-127"/>
@@ -6587,34 +8308,20 @@
               <a:buChar char="•"/>
             </a:pPr>
             <a:r>
+              <a:rPr kumimoji="1" lang="en-US" altLang="ko-KR" sz="1400" dirty="0">
+                <a:latin typeface="KoPubWorldDotum Medium" pitchFamily="2" charset="-127"/>
+                <a:ea typeface="KoPubWorldDotum Medium" pitchFamily="2" charset="-127"/>
+                <a:cs typeface="KoPubWorldDotum Medium" pitchFamily="2" charset="-127"/>
+              </a:rPr>
+              <a:t>Route 53</a:t>
+            </a:r>
+            <a:r>
               <a:rPr kumimoji="1" lang="ko-KR" altLang="en-US" sz="1400" dirty="0">
                 <a:latin typeface="KoPubWorldDotum Medium" pitchFamily="2" charset="-127"/>
                 <a:ea typeface="KoPubWorldDotum Medium" pitchFamily="2" charset="-127"/>
                 <a:cs typeface="KoPubWorldDotum Medium" pitchFamily="2" charset="-127"/>
               </a:rPr>
-              <a:t>프론트에서 스크립트를 캐치해서 역으로 전달하는 경로 필요</a:t>
-            </a:r>
-            <a:endParaRPr kumimoji="1" lang="en-US" altLang="ko-KR" sz="1400" dirty="0">
-              <a:latin typeface="KoPubWorldDotum Medium" pitchFamily="2" charset="-127"/>
-              <a:ea typeface="KoPubWorldDotum Medium" pitchFamily="2" charset="-127"/>
-              <a:cs typeface="KoPubWorldDotum Medium" pitchFamily="2" charset="-127"/>
-            </a:endParaRPr>
-          </a:p>
-          <a:p>
-            <a:pPr marL="285750" indent="-285750">
-              <a:lnSpc>
-                <a:spcPct val="150000"/>
-              </a:lnSpc>
-              <a:buFont typeface="Arial" panose="020B0604020202020204" pitchFamily="34" charset="0"/>
-              <a:buChar char="•"/>
-            </a:pPr>
-            <a:r>
-              <a:rPr kumimoji="1" lang="ko-KR" altLang="en-US" sz="1400" dirty="0">
-                <a:latin typeface="KoPubWorldDotum Medium" pitchFamily="2" charset="-127"/>
-                <a:ea typeface="KoPubWorldDotum Medium" pitchFamily="2" charset="-127"/>
-                <a:cs typeface="KoPubWorldDotum Medium" pitchFamily="2" charset="-127"/>
-              </a:rPr>
-              <a:t>실행 시 웹페이지 직접 접근 필요한 상태</a:t>
+              <a:t> 등으로 도메인 접속 구현</a:t>
             </a:r>
             <a:endParaRPr kumimoji="1" lang="en-US" altLang="ko-KR" sz="1400" dirty="0">
               <a:latin typeface="KoPubWorldDotum Medium" pitchFamily="2" charset="-127"/>
@@ -6640,10 +8347,10 @@
       </p:sp>
       <p:sp>
         <p:nvSpPr>
-          <p:cNvPr id="5" name="직사각형 4">
-            <a:extLst>
-              <a:ext uri="{FF2B5EF4-FFF2-40B4-BE49-F238E27FC236}">
-                <a16:creationId xmlns:a16="http://schemas.microsoft.com/office/drawing/2014/main" id="{D3B09CEE-62D0-D88B-0500-ED86BA1E2FFB}"/>
+          <p:cNvPr id="2" name="직사각형 1">
+            <a:extLst>
+              <a:ext uri="{FF2B5EF4-FFF2-40B4-BE49-F238E27FC236}">
+                <a16:creationId xmlns:a16="http://schemas.microsoft.com/office/drawing/2014/main" id="{5B858CA3-1176-501F-B23A-28780D3EB680}"/>
               </a:ext>
             </a:extLst>
           </p:cNvPr>
@@ -6695,10 +8402,10 @@
       </p:sp>
       <p:sp>
         <p:nvSpPr>
-          <p:cNvPr id="20" name="직사각형 19">
-            <a:extLst>
-              <a:ext uri="{FF2B5EF4-FFF2-40B4-BE49-F238E27FC236}">
-                <a16:creationId xmlns:a16="http://schemas.microsoft.com/office/drawing/2014/main" id="{E773D0BF-66DB-1F16-5230-E7DFC9D7B114}"/>
+          <p:cNvPr id="5" name="직사각형 4">
+            <a:extLst>
+              <a:ext uri="{FF2B5EF4-FFF2-40B4-BE49-F238E27FC236}">
+                <a16:creationId xmlns:a16="http://schemas.microsoft.com/office/drawing/2014/main" id="{2AAA1867-6EFF-05BB-A353-520319FA33B3}"/>
               </a:ext>
             </a:extLst>
           </p:cNvPr>
@@ -6750,10 +8457,10 @@
       </p:sp>
       <p:pic>
         <p:nvPicPr>
-          <p:cNvPr id="24" name="Picture 2" descr="Amazon Bedrock Connector - Overview (O11) | OutSystems">
-            <a:extLst>
-              <a:ext uri="{FF2B5EF4-FFF2-40B4-BE49-F238E27FC236}">
-                <a16:creationId xmlns:a16="http://schemas.microsoft.com/office/drawing/2014/main" id="{F366E6C8-4277-3EA1-86C6-CF16CDDE236B}"/>
+          <p:cNvPr id="17" name="Picture 2" descr="Amazon Bedrock Connector - Overview (O11) | OutSystems">
+            <a:extLst>
+              <a:ext uri="{FF2B5EF4-FFF2-40B4-BE49-F238E27FC236}">
+                <a16:creationId xmlns:a16="http://schemas.microsoft.com/office/drawing/2014/main" id="{9E9048DF-C9A5-3004-BB91-DA6E1F890E54}"/>
               </a:ext>
             </a:extLst>
           </p:cNvPr>
@@ -6797,10 +8504,10 @@
       </p:pic>
       <p:sp>
         <p:nvSpPr>
-          <p:cNvPr id="25" name="제목 1">
-            <a:extLst>
-              <a:ext uri="{FF2B5EF4-FFF2-40B4-BE49-F238E27FC236}">
-                <a16:creationId xmlns:a16="http://schemas.microsoft.com/office/drawing/2014/main" id="{A01239A9-7B7A-D1FB-D148-3CB089B47BCA}"/>
+          <p:cNvPr id="20" name="제목 1">
+            <a:extLst>
+              <a:ext uri="{FF2B5EF4-FFF2-40B4-BE49-F238E27FC236}">
+                <a16:creationId xmlns:a16="http://schemas.microsoft.com/office/drawing/2014/main" id="{105E1E09-4688-C342-C1CB-40920DE400BB}"/>
               </a:ext>
             </a:extLst>
           </p:cNvPr>
@@ -6861,16 +8568,16 @@
       </p:sp>
       <p:cxnSp>
         <p:nvCxnSpPr>
-          <p:cNvPr id="27" name="직선 화살표 연결선 26">
-            <a:extLst>
-              <a:ext uri="{FF2B5EF4-FFF2-40B4-BE49-F238E27FC236}">
-                <a16:creationId xmlns:a16="http://schemas.microsoft.com/office/drawing/2014/main" id="{0021E5ED-596D-5C46-A72B-3A3117ED4E10}"/>
+          <p:cNvPr id="24" name="직선 화살표 연결선 23">
+            <a:extLst>
+              <a:ext uri="{FF2B5EF4-FFF2-40B4-BE49-F238E27FC236}">
+                <a16:creationId xmlns:a16="http://schemas.microsoft.com/office/drawing/2014/main" id="{C910D88C-DEA2-BD7D-AA4A-7E495EA9FB80}"/>
               </a:ext>
             </a:extLst>
           </p:cNvPr>
           <p:cNvCxnSpPr>
             <a:cxnSpLocks/>
-            <a:endCxn id="24" idx="3"/>
+            <a:endCxn id="17" idx="3"/>
           </p:cNvCxnSpPr>
           <p:nvPr/>
         </p:nvCxnSpPr>
@@ -6907,13 +8614,13 @@
           <p:cNvPr id="28" name="직선 화살표 연결선 27">
             <a:extLst>
               <a:ext uri="{FF2B5EF4-FFF2-40B4-BE49-F238E27FC236}">
-                <a16:creationId xmlns:a16="http://schemas.microsoft.com/office/drawing/2014/main" id="{865D7FFA-41D7-771E-C890-81A2FCAB3123}"/>
+                <a16:creationId xmlns:a16="http://schemas.microsoft.com/office/drawing/2014/main" id="{8DEE8AC7-1567-67BB-F56B-A2C27C26DB31}"/>
               </a:ext>
             </a:extLst>
           </p:cNvPr>
           <p:cNvCxnSpPr>
             <a:cxnSpLocks/>
-            <a:endCxn id="48" idx="3"/>
+            <a:endCxn id="52" idx="3"/>
           </p:cNvCxnSpPr>
           <p:nvPr/>
         </p:nvCxnSpPr>
@@ -6950,7 +8657,7 @@
           <p:cNvPr id="29" name="제목 1">
             <a:extLst>
               <a:ext uri="{FF2B5EF4-FFF2-40B4-BE49-F238E27FC236}">
-                <a16:creationId xmlns:a16="http://schemas.microsoft.com/office/drawing/2014/main" id="{3DE1589F-60AE-439F-E6B8-547A7B46ED1B}"/>
+                <a16:creationId xmlns:a16="http://schemas.microsoft.com/office/drawing/2014/main" id="{17338016-E7BE-647E-6152-F6416E4B1004}"/>
               </a:ext>
             </a:extLst>
           </p:cNvPr>
@@ -7014,13 +8721,13 @@
           <p:cNvPr id="31" name="직선 화살표 연결선 30">
             <a:extLst>
               <a:ext uri="{FF2B5EF4-FFF2-40B4-BE49-F238E27FC236}">
-                <a16:creationId xmlns:a16="http://schemas.microsoft.com/office/drawing/2014/main" id="{A1C4523D-880F-B7F7-6484-F57FC7C93FDC}"/>
+                <a16:creationId xmlns:a16="http://schemas.microsoft.com/office/drawing/2014/main" id="{35E79BEE-F751-0813-40F9-477C7EC51628}"/>
               </a:ext>
             </a:extLst>
           </p:cNvPr>
           <p:cNvCxnSpPr>
             <a:cxnSpLocks/>
-            <a:stCxn id="24" idx="1"/>
+            <a:stCxn id="17" idx="1"/>
           </p:cNvCxnSpPr>
           <p:nvPr/>
         </p:nvCxnSpPr>
@@ -7057,7 +8764,7 @@
           <p:cNvPr id="32" name="Picture 2" descr="The AI wars heat up with Claude 3, claimed to have “near-human” abilities |  Ars Technica">
             <a:extLst>
               <a:ext uri="{FF2B5EF4-FFF2-40B4-BE49-F238E27FC236}">
-                <a16:creationId xmlns:a16="http://schemas.microsoft.com/office/drawing/2014/main" id="{CA72C237-BB17-3697-F24B-E3BC601FA2B9}"/>
+                <a16:creationId xmlns:a16="http://schemas.microsoft.com/office/drawing/2014/main" id="{DBD69CDF-F6F8-D6E4-2D66-92DF88F6E608}"/>
               </a:ext>
             </a:extLst>
           </p:cNvPr>
@@ -7102,7 +8809,7 @@
           <p:cNvPr id="33" name="Picture 2" descr="Amazon Bedrock Connector - Overview (O11) | OutSystems">
             <a:extLst>
               <a:ext uri="{FF2B5EF4-FFF2-40B4-BE49-F238E27FC236}">
-                <a16:creationId xmlns:a16="http://schemas.microsoft.com/office/drawing/2014/main" id="{11440FC3-95AD-E513-2EE3-FD2400F312B8}"/>
+                <a16:creationId xmlns:a16="http://schemas.microsoft.com/office/drawing/2014/main" id="{DF8F9015-19A6-7B6D-D611-B68B73ECBCF5}"/>
               </a:ext>
             </a:extLst>
           </p:cNvPr>
@@ -7146,10 +8853,10 @@
       </p:pic>
       <p:sp>
         <p:nvSpPr>
-          <p:cNvPr id="34" name="제목 1">
-            <a:extLst>
-              <a:ext uri="{FF2B5EF4-FFF2-40B4-BE49-F238E27FC236}">
-                <a16:creationId xmlns:a16="http://schemas.microsoft.com/office/drawing/2014/main" id="{71C62DB9-F224-E560-71A8-F1BB961C9240}"/>
+          <p:cNvPr id="37" name="제목 1">
+            <a:extLst>
+              <a:ext uri="{FF2B5EF4-FFF2-40B4-BE49-F238E27FC236}">
+                <a16:creationId xmlns:a16="http://schemas.microsoft.com/office/drawing/2014/main" id="{7B9ABD60-535E-4747-94C5-EE3AD09E7E17}"/>
               </a:ext>
             </a:extLst>
           </p:cNvPr>
@@ -7226,10 +8933,10 @@
       </p:sp>
       <p:cxnSp>
         <p:nvCxnSpPr>
-          <p:cNvPr id="35" name="직선 화살표 연결선 34">
-            <a:extLst>
-              <a:ext uri="{FF2B5EF4-FFF2-40B4-BE49-F238E27FC236}">
-                <a16:creationId xmlns:a16="http://schemas.microsoft.com/office/drawing/2014/main" id="{5B07EF37-A891-EB27-6F1A-B5C1BD915BEF}"/>
+          <p:cNvPr id="38" name="직선 화살표 연결선 37">
+            <a:extLst>
+              <a:ext uri="{FF2B5EF4-FFF2-40B4-BE49-F238E27FC236}">
+                <a16:creationId xmlns:a16="http://schemas.microsoft.com/office/drawing/2014/main" id="{2880CC0B-46F5-871E-783C-32FB7670C303}"/>
               </a:ext>
             </a:extLst>
           </p:cNvPr>
@@ -7268,10 +8975,10 @@
       </p:cxnSp>
       <p:sp>
         <p:nvSpPr>
-          <p:cNvPr id="36" name="직사각형 35">
-            <a:extLst>
-              <a:ext uri="{FF2B5EF4-FFF2-40B4-BE49-F238E27FC236}">
-                <a16:creationId xmlns:a16="http://schemas.microsoft.com/office/drawing/2014/main" id="{4D52C94C-66EF-EA6D-EAF7-7CA9839270E7}"/>
+          <p:cNvPr id="39" name="직사각형 38">
+            <a:extLst>
+              <a:ext uri="{FF2B5EF4-FFF2-40B4-BE49-F238E27FC236}">
+                <a16:creationId xmlns:a16="http://schemas.microsoft.com/office/drawing/2014/main" id="{03EB75B4-ADCA-68C2-0B0A-D40C109D1D01}"/>
               </a:ext>
             </a:extLst>
           </p:cNvPr>
@@ -7321,10 +9028,10 @@
       </p:sp>
       <p:pic>
         <p:nvPicPr>
-          <p:cNvPr id="38" name="그림 37">
-            <a:extLst>
-              <a:ext uri="{FF2B5EF4-FFF2-40B4-BE49-F238E27FC236}">
-                <a16:creationId xmlns:a16="http://schemas.microsoft.com/office/drawing/2014/main" id="{E6AC1C3B-234C-8344-542D-AFF9349D60E5}"/>
+          <p:cNvPr id="40" name="그림 39">
+            <a:extLst>
+              <a:ext uri="{FF2B5EF4-FFF2-40B4-BE49-F238E27FC236}">
+                <a16:creationId xmlns:a16="http://schemas.microsoft.com/office/drawing/2014/main" id="{56B33B3E-D126-47F9-231A-7FC8C8FC7CE3}"/>
               </a:ext>
             </a:extLst>
           </p:cNvPr>
@@ -7351,10 +9058,10 @@
       </p:pic>
       <p:sp>
         <p:nvSpPr>
-          <p:cNvPr id="39" name="제목 1">
-            <a:extLst>
-              <a:ext uri="{FF2B5EF4-FFF2-40B4-BE49-F238E27FC236}">
-                <a16:creationId xmlns:a16="http://schemas.microsoft.com/office/drawing/2014/main" id="{944CA5A0-9483-E425-76C0-475D28A2021D}"/>
+          <p:cNvPr id="41" name="제목 1">
+            <a:extLst>
+              <a:ext uri="{FF2B5EF4-FFF2-40B4-BE49-F238E27FC236}">
+                <a16:creationId xmlns:a16="http://schemas.microsoft.com/office/drawing/2014/main" id="{61942511-75D3-6537-186A-65D91FA0331C}"/>
               </a:ext>
             </a:extLst>
           </p:cNvPr>
@@ -7415,10 +9122,10 @@
       </p:sp>
       <p:pic>
         <p:nvPicPr>
-          <p:cNvPr id="40" name="그림 39">
-            <a:extLst>
-              <a:ext uri="{FF2B5EF4-FFF2-40B4-BE49-F238E27FC236}">
-                <a16:creationId xmlns:a16="http://schemas.microsoft.com/office/drawing/2014/main" id="{F8BB39B5-B0FB-FDE1-8570-9817EC41E309}"/>
+          <p:cNvPr id="42" name="그림 41">
+            <a:extLst>
+              <a:ext uri="{FF2B5EF4-FFF2-40B4-BE49-F238E27FC236}">
+                <a16:creationId xmlns:a16="http://schemas.microsoft.com/office/drawing/2014/main" id="{F0F37604-7F97-DC3A-F40A-AD67CA7FF3CA}"/>
               </a:ext>
             </a:extLst>
           </p:cNvPr>
@@ -7445,10 +9152,10 @@
       </p:pic>
       <p:sp>
         <p:nvSpPr>
-          <p:cNvPr id="41" name="제목 1">
-            <a:extLst>
-              <a:ext uri="{FF2B5EF4-FFF2-40B4-BE49-F238E27FC236}">
-                <a16:creationId xmlns:a16="http://schemas.microsoft.com/office/drawing/2014/main" id="{88835BB3-D416-74DE-EE11-047B21CBE7C8}"/>
+          <p:cNvPr id="44" name="제목 1">
+            <a:extLst>
+              <a:ext uri="{FF2B5EF4-FFF2-40B4-BE49-F238E27FC236}">
+                <a16:creationId xmlns:a16="http://schemas.microsoft.com/office/drawing/2014/main" id="{65E8B885-2A47-E33E-D0BF-9BDE236EC4C5}"/>
               </a:ext>
             </a:extLst>
           </p:cNvPr>
@@ -7509,16 +9216,16 @@
       </p:sp>
       <p:cxnSp>
         <p:nvCxnSpPr>
-          <p:cNvPr id="42" name="직선 화살표 연결선 41">
-            <a:extLst>
-              <a:ext uri="{FF2B5EF4-FFF2-40B4-BE49-F238E27FC236}">
-                <a16:creationId xmlns:a16="http://schemas.microsoft.com/office/drawing/2014/main" id="{F2A3F4B0-697B-E921-925F-5A295446EB4D}"/>
+          <p:cNvPr id="45" name="직선 화살표 연결선 44">
+            <a:extLst>
+              <a:ext uri="{FF2B5EF4-FFF2-40B4-BE49-F238E27FC236}">
+                <a16:creationId xmlns:a16="http://schemas.microsoft.com/office/drawing/2014/main" id="{D5249C5D-58DA-CFB7-DDB8-661743AA66FD}"/>
               </a:ext>
             </a:extLst>
           </p:cNvPr>
           <p:cNvCxnSpPr>
             <a:cxnSpLocks/>
-            <a:endCxn id="40" idx="0"/>
+            <a:endCxn id="42" idx="0"/>
           </p:cNvCxnSpPr>
           <p:nvPr/>
         </p:nvCxnSpPr>
@@ -7552,10 +9259,10 @@
       </p:cxnSp>
       <p:sp>
         <p:nvSpPr>
-          <p:cNvPr id="44" name="직사각형 43">
-            <a:extLst>
-              <a:ext uri="{FF2B5EF4-FFF2-40B4-BE49-F238E27FC236}">
-                <a16:creationId xmlns:a16="http://schemas.microsoft.com/office/drawing/2014/main" id="{966A3E74-BBCD-5284-F117-922CAE1E4117}"/>
+          <p:cNvPr id="47" name="직사각형 46">
+            <a:extLst>
+              <a:ext uri="{FF2B5EF4-FFF2-40B4-BE49-F238E27FC236}">
+                <a16:creationId xmlns:a16="http://schemas.microsoft.com/office/drawing/2014/main" id="{29EA22F1-E5B7-B0FD-7F55-388CB6E0A121}"/>
               </a:ext>
             </a:extLst>
           </p:cNvPr>
@@ -7605,10 +9312,10 @@
       </p:sp>
       <p:pic>
         <p:nvPicPr>
-          <p:cNvPr id="45" name="Picture 4" descr="Amazon Web Services | Incentro Partner">
-            <a:extLst>
-              <a:ext uri="{FF2B5EF4-FFF2-40B4-BE49-F238E27FC236}">
-                <a16:creationId xmlns:a16="http://schemas.microsoft.com/office/drawing/2014/main" id="{EBCE8D7C-FD13-1389-B116-6E02A1C38220}"/>
+          <p:cNvPr id="48" name="Picture 4" descr="Amazon Web Services | Incentro Partner">
+            <a:extLst>
+              <a:ext uri="{FF2B5EF4-FFF2-40B4-BE49-F238E27FC236}">
+                <a16:creationId xmlns:a16="http://schemas.microsoft.com/office/drawing/2014/main" id="{B577BE15-FAF9-A7CC-AC04-E0A6D2AD5A0A}"/>
               </a:ext>
             </a:extLst>
           </p:cNvPr>
@@ -7652,10 +9359,10 @@
       </p:pic>
       <p:sp>
         <p:nvSpPr>
-          <p:cNvPr id="48" name="처리 47">
-            <a:extLst>
-              <a:ext uri="{FF2B5EF4-FFF2-40B4-BE49-F238E27FC236}">
-                <a16:creationId xmlns:a16="http://schemas.microsoft.com/office/drawing/2014/main" id="{0CA1953F-DCDF-7CEC-9EAE-9F3FDBFF10F8}"/>
+          <p:cNvPr id="52" name="처리 51">
+            <a:extLst>
+              <a:ext uri="{FF2B5EF4-FFF2-40B4-BE49-F238E27FC236}">
+                <a16:creationId xmlns:a16="http://schemas.microsoft.com/office/drawing/2014/main" id="{B3F6DD1E-19ED-1022-C7E4-03C4E4BF701C}"/>
               </a:ext>
             </a:extLst>
           </p:cNvPr>
@@ -7716,10 +9423,10 @@
       </p:sp>
       <p:pic>
         <p:nvPicPr>
-          <p:cNvPr id="50" name="그림 49">
-            <a:extLst>
-              <a:ext uri="{FF2B5EF4-FFF2-40B4-BE49-F238E27FC236}">
-                <a16:creationId xmlns:a16="http://schemas.microsoft.com/office/drawing/2014/main" id="{7D28E73E-EF03-7CBA-F713-0F910E50B955}"/>
+          <p:cNvPr id="53" name="그림 52">
+            <a:extLst>
+              <a:ext uri="{FF2B5EF4-FFF2-40B4-BE49-F238E27FC236}">
+                <a16:creationId xmlns:a16="http://schemas.microsoft.com/office/drawing/2014/main" id="{B1E2C941-6E65-D0AA-C994-14B293123313}"/>
               </a:ext>
             </a:extLst>
           </p:cNvPr>
@@ -7736,6 +9443,36 @@
         </p:blipFill>
         <p:spPr>
           <a:xfrm>
+            <a:off x="4816158" y="3348696"/>
+            <a:ext cx="462142" cy="462142"/>
+          </a:xfrm>
+          <a:prstGeom prst="rect">
+            <a:avLst/>
+          </a:prstGeom>
+        </p:spPr>
+      </p:pic>
+      <p:pic>
+        <p:nvPicPr>
+          <p:cNvPr id="58" name="그림 57">
+            <a:extLst>
+              <a:ext uri="{FF2B5EF4-FFF2-40B4-BE49-F238E27FC236}">
+                <a16:creationId xmlns:a16="http://schemas.microsoft.com/office/drawing/2014/main" id="{0A88FA9D-5ECC-6297-009C-C739A8270088}"/>
+              </a:ext>
+            </a:extLst>
+          </p:cNvPr>
+          <p:cNvPicPr>
+            <a:picLocks noChangeAspect="1"/>
+          </p:cNvPicPr>
+          <p:nvPr/>
+        </p:nvPicPr>
+        <p:blipFill>
+          <a:blip r:embed="rId8"/>
+          <a:stretch>
+            <a:fillRect/>
+          </a:stretch>
+        </p:blipFill>
+        <p:spPr>
+          <a:xfrm>
             <a:off x="5695248" y="3360274"/>
             <a:ext cx="461326" cy="461326"/>
           </a:xfrm>
@@ -7746,10 +9483,10 @@
       </p:pic>
       <p:sp>
         <p:nvSpPr>
-          <p:cNvPr id="51" name="직사각형 50">
-            <a:extLst>
-              <a:ext uri="{FF2B5EF4-FFF2-40B4-BE49-F238E27FC236}">
-                <a16:creationId xmlns:a16="http://schemas.microsoft.com/office/drawing/2014/main" id="{A5BDD9B3-89AA-D44E-37E0-60BEC21FD42C}"/>
+          <p:cNvPr id="59" name="직사각형 58">
+            <a:extLst>
+              <a:ext uri="{FF2B5EF4-FFF2-40B4-BE49-F238E27FC236}">
+                <a16:creationId xmlns:a16="http://schemas.microsoft.com/office/drawing/2014/main" id="{A9E4093A-2978-DFB7-A584-8127A6BEEBBD}"/>
               </a:ext>
             </a:extLst>
           </p:cNvPr>
@@ -7799,10 +9536,10 @@
       </p:sp>
       <p:pic>
         <p:nvPicPr>
-          <p:cNvPr id="56" name="그림 55">
-            <a:extLst>
-              <a:ext uri="{FF2B5EF4-FFF2-40B4-BE49-F238E27FC236}">
-                <a16:creationId xmlns:a16="http://schemas.microsoft.com/office/drawing/2014/main" id="{ACAA5710-62C3-61ED-44BE-684ACA05AF4B}"/>
+          <p:cNvPr id="60" name="그림 59">
+            <a:extLst>
+              <a:ext uri="{FF2B5EF4-FFF2-40B4-BE49-F238E27FC236}">
+                <a16:creationId xmlns:a16="http://schemas.microsoft.com/office/drawing/2014/main" id="{169B2176-E835-FB78-DF89-307A60DCF3A7}"/>
               </a:ext>
             </a:extLst>
           </p:cNvPr>
@@ -7812,7 +9549,7 @@
           <p:nvPr/>
         </p:nvPicPr>
         <p:blipFill>
-          <a:blip r:embed="rId8"/>
+          <a:blip r:embed="rId9"/>
           <a:stretch>
             <a:fillRect/>
           </a:stretch>
@@ -7829,10 +9566,10 @@
       </p:pic>
       <p:sp>
         <p:nvSpPr>
-          <p:cNvPr id="57" name="제목 1">
-            <a:extLst>
-              <a:ext uri="{FF2B5EF4-FFF2-40B4-BE49-F238E27FC236}">
-                <a16:creationId xmlns:a16="http://schemas.microsoft.com/office/drawing/2014/main" id="{75A95E0A-FFF2-183F-9A96-3D7382B5350F}"/>
+          <p:cNvPr id="61" name="제목 1">
+            <a:extLst>
+              <a:ext uri="{FF2B5EF4-FFF2-40B4-BE49-F238E27FC236}">
+                <a16:creationId xmlns:a16="http://schemas.microsoft.com/office/drawing/2014/main" id="{6D13D23E-5487-3139-B9C6-1E043F6ED8FE}"/>
               </a:ext>
             </a:extLst>
           </p:cNvPr>
@@ -7893,16 +9630,16 @@
       </p:sp>
       <p:cxnSp>
         <p:nvCxnSpPr>
-          <p:cNvPr id="58" name="직선 화살표 연결선 57">
-            <a:extLst>
-              <a:ext uri="{FF2B5EF4-FFF2-40B4-BE49-F238E27FC236}">
-                <a16:creationId xmlns:a16="http://schemas.microsoft.com/office/drawing/2014/main" id="{D09C960E-B472-3308-9005-DE1CFFB1A08A}"/>
+          <p:cNvPr id="62" name="직선 화살표 연결선 61">
+            <a:extLst>
+              <a:ext uri="{FF2B5EF4-FFF2-40B4-BE49-F238E27FC236}">
+                <a16:creationId xmlns:a16="http://schemas.microsoft.com/office/drawing/2014/main" id="{01E2061D-C931-77B9-8CE8-030734F86FE2}"/>
               </a:ext>
             </a:extLst>
           </p:cNvPr>
           <p:cNvCxnSpPr>
             <a:cxnSpLocks/>
-            <a:endCxn id="51" idx="3"/>
+            <a:endCxn id="59" idx="3"/>
           </p:cNvCxnSpPr>
           <p:nvPr/>
         </p:nvCxnSpPr>
@@ -7936,10 +9673,10 @@
       </p:cxnSp>
       <p:pic>
         <p:nvPicPr>
-          <p:cNvPr id="59" name="그래픽 58" descr="사용자 단색으로 채워진">
-            <a:extLst>
-              <a:ext uri="{FF2B5EF4-FFF2-40B4-BE49-F238E27FC236}">
-                <a16:creationId xmlns:a16="http://schemas.microsoft.com/office/drawing/2014/main" id="{166587A7-A9CB-438E-B696-63B2160E2147}"/>
+          <p:cNvPr id="1028" name="그래픽 1027" descr="사용자 단색으로 채워진">
+            <a:extLst>
+              <a:ext uri="{FF2B5EF4-FFF2-40B4-BE49-F238E27FC236}">
+                <a16:creationId xmlns:a16="http://schemas.microsoft.com/office/drawing/2014/main" id="{3FB281D3-EFD8-2FA3-C392-D355EDFC05A5}"/>
               </a:ext>
             </a:extLst>
           </p:cNvPr>
@@ -7949,10 +9686,10 @@
           <p:nvPr/>
         </p:nvPicPr>
         <p:blipFill>
-          <a:blip r:embed="rId9">
+          <a:blip r:embed="rId10">
             <a:extLst>
               <a:ext uri="{96DAC541-7B7A-43D3-8B79-37D633B846F1}">
-                <asvg:svgBlip xmlns:asvg="http://schemas.microsoft.com/office/drawing/2016/SVG/main" r:embed="rId10"/>
+                <asvg:svgBlip xmlns:asvg="http://schemas.microsoft.com/office/drawing/2016/SVG/main" r:embed="rId11"/>
               </a:ext>
             </a:extLst>
           </a:blip>
@@ -7970,12 +9707,106 @@
           </a:prstGeom>
         </p:spPr>
       </p:pic>
-      <p:sp>
-        <p:nvSpPr>
-          <p:cNvPr id="62" name="처리 61">
-            <a:extLst>
-              <a:ext uri="{FF2B5EF4-FFF2-40B4-BE49-F238E27FC236}">
-                <a16:creationId xmlns:a16="http://schemas.microsoft.com/office/drawing/2014/main" id="{8F7B3322-7D72-9627-3088-12BCF4888023}"/>
+      <p:pic>
+        <p:nvPicPr>
+          <p:cNvPr id="1029" name="그림 1028">
+            <a:extLst>
+              <a:ext uri="{FF2B5EF4-FFF2-40B4-BE49-F238E27FC236}">
+                <a16:creationId xmlns:a16="http://schemas.microsoft.com/office/drawing/2014/main" id="{08369F50-E6DD-FF20-DF53-6BDDF87A2396}"/>
+              </a:ext>
+            </a:extLst>
+          </p:cNvPr>
+          <p:cNvPicPr>
+            <a:picLocks noChangeAspect="1"/>
+          </p:cNvPicPr>
+          <p:nvPr/>
+        </p:nvPicPr>
+        <p:blipFill>
+          <a:blip r:embed="rId12"/>
+          <a:stretch>
+            <a:fillRect/>
+          </a:stretch>
+        </p:blipFill>
+        <p:spPr>
+          <a:xfrm>
+            <a:off x="10061669" y="3348696"/>
+            <a:ext cx="469400" cy="469400"/>
+          </a:xfrm>
+          <a:prstGeom prst="rect">
+            <a:avLst/>
+          </a:prstGeom>
+        </p:spPr>
+      </p:pic>
+      <p:sp>
+        <p:nvSpPr>
+          <p:cNvPr id="1030" name="제목 1">
+            <a:extLst>
+              <a:ext uri="{FF2B5EF4-FFF2-40B4-BE49-F238E27FC236}">
+                <a16:creationId xmlns:a16="http://schemas.microsoft.com/office/drawing/2014/main" id="{CA67B252-F70D-B006-88C1-917788068528}"/>
+              </a:ext>
+            </a:extLst>
+          </p:cNvPr>
+          <p:cNvSpPr txBox="1">
+            <a:spLocks/>
+          </p:cNvSpPr>
+          <p:nvPr/>
+        </p:nvSpPr>
+        <p:spPr>
+          <a:xfrm>
+            <a:off x="9808138" y="3818096"/>
+            <a:ext cx="967879" cy="267998"/>
+          </a:xfrm>
+          <a:prstGeom prst="rect">
+            <a:avLst/>
+          </a:prstGeom>
+        </p:spPr>
+        <p:txBody>
+          <a:bodyPr vert="horz" lIns="91440" tIns="45720" rIns="91440" bIns="45720" rtlCol="0" anchor="ctr">
+            <a:normAutofit/>
+          </a:bodyPr>
+          <a:lstStyle>
+            <a:lvl1pPr algn="l" defTabSz="914400" rtl="0" eaLnBrk="1" latinLnBrk="1" hangingPunct="1">
+              <a:lnSpc>
+                <a:spcPct val="90000"/>
+              </a:lnSpc>
+              <a:spcBef>
+                <a:spcPct val="0"/>
+              </a:spcBef>
+              <a:buNone/>
+              <a:defRPr sz="4400" kern="1200">
+                <a:solidFill>
+                  <a:schemeClr val="tx1"/>
+                </a:solidFill>
+                <a:latin typeface="+mj-lt"/>
+                <a:ea typeface="+mj-ea"/>
+                <a:cs typeface="+mj-cs"/>
+              </a:defRPr>
+            </a:lvl1pPr>
+          </a:lstStyle>
+          <a:p>
+            <a:pPr algn="ctr"/>
+            <a:r>
+              <a:rPr kumimoji="1" lang="en-US" altLang="ko-KR" sz="1100" b="1" dirty="0">
+                <a:latin typeface="KoPubWorldDotum Bold" pitchFamily="2" charset="-127"/>
+                <a:ea typeface="KoPubWorldDotum Bold" pitchFamily="2" charset="-127"/>
+                <a:cs typeface="KoPubWorldDotum Bold" pitchFamily="2" charset="-127"/>
+              </a:rPr>
+              <a:t>Route 53</a:t>
+            </a:r>
+            <a:endParaRPr kumimoji="1" lang="ko-KR" altLang="en-US" sz="1100" b="1" dirty="0">
+              <a:latin typeface="KoPubWorldDotum Bold" pitchFamily="2" charset="-127"/>
+              <a:ea typeface="KoPubWorldDotum Bold" pitchFamily="2" charset="-127"/>
+              <a:cs typeface="KoPubWorldDotum Bold" pitchFamily="2" charset="-127"/>
+            </a:endParaRPr>
+          </a:p>
+        </p:txBody>
+      </p:sp>
+      <p:sp>
+        <p:nvSpPr>
+          <p:cNvPr id="1031" name="처리 1030">
+            <a:extLst>
+              <a:ext uri="{FF2B5EF4-FFF2-40B4-BE49-F238E27FC236}">
+                <a16:creationId xmlns:a16="http://schemas.microsoft.com/office/drawing/2014/main" id="{2A0D295D-955E-0D47-9EE4-3E3C066AAF1B}"/>
               </a:ext>
             </a:extLst>
           </p:cNvPr>
@@ -8036,10 +9867,10 @@
       </p:sp>
       <p:sp>
         <p:nvSpPr>
-          <p:cNvPr id="63" name="처리 62">
-            <a:extLst>
-              <a:ext uri="{FF2B5EF4-FFF2-40B4-BE49-F238E27FC236}">
-                <a16:creationId xmlns:a16="http://schemas.microsoft.com/office/drawing/2014/main" id="{EFA30434-324C-CCD1-86D4-74CD7630B643}"/>
+          <p:cNvPr id="1032" name="처리 1031">
+            <a:extLst>
+              <a:ext uri="{FF2B5EF4-FFF2-40B4-BE49-F238E27FC236}">
+                <a16:creationId xmlns:a16="http://schemas.microsoft.com/office/drawing/2014/main" id="{D8D87AA7-84EA-A07D-897E-A08643CDA3B9}"/>
               </a:ext>
             </a:extLst>
           </p:cNvPr>
@@ -8100,10 +9931,74 @@
       </p:sp>
       <p:sp>
         <p:nvSpPr>
-          <p:cNvPr id="1025" name="제목 1">
-            <a:extLst>
-              <a:ext uri="{FF2B5EF4-FFF2-40B4-BE49-F238E27FC236}">
-                <a16:creationId xmlns:a16="http://schemas.microsoft.com/office/drawing/2014/main" id="{E2DA89EC-6E48-C7FB-FF43-52AF78BC1788}"/>
+          <p:cNvPr id="1033" name="처리 1032">
+            <a:extLst>
+              <a:ext uri="{FF2B5EF4-FFF2-40B4-BE49-F238E27FC236}">
+                <a16:creationId xmlns:a16="http://schemas.microsoft.com/office/drawing/2014/main" id="{DF1F1EA4-DC94-586B-7021-4B6141519D59}"/>
+              </a:ext>
+            </a:extLst>
+          </p:cNvPr>
+          <p:cNvSpPr/>
+          <p:nvPr/>
+        </p:nvSpPr>
+        <p:spPr>
+          <a:xfrm>
+            <a:off x="7502416" y="3646731"/>
+            <a:ext cx="1203109" cy="243942"/>
+          </a:xfrm>
+          <a:prstGeom prst="flowChartProcess">
+            <a:avLst/>
+          </a:prstGeom>
+          <a:solidFill>
+            <a:schemeClr val="accent1"/>
+          </a:solidFill>
+          <a:ln>
+            <a:noFill/>
+          </a:ln>
+        </p:spPr>
+        <p:style>
+          <a:lnRef idx="2">
+            <a:schemeClr val="accent1">
+              <a:shade val="15000"/>
+            </a:schemeClr>
+          </a:lnRef>
+          <a:fillRef idx="1">
+            <a:schemeClr val="accent1"/>
+          </a:fillRef>
+          <a:effectRef idx="0">
+            <a:schemeClr val="accent1"/>
+          </a:effectRef>
+          <a:fontRef idx="minor">
+            <a:schemeClr val="lt1"/>
+          </a:fontRef>
+        </p:style>
+        <p:txBody>
+          <a:bodyPr rtlCol="0" anchor="ctr"/>
+          <a:lstStyle/>
+          <a:p>
+            <a:pPr algn="ctr"/>
+            <a:r>
+              <a:rPr kumimoji="1" lang="en-US" altLang="ko-KR" sz="1100" b="1" dirty="0" err="1">
+                <a:latin typeface="KoPubWorldDotum Bold" pitchFamily="2" charset="-127"/>
+                <a:ea typeface="KoPubWorldDotum Bold" pitchFamily="2" charset="-127"/>
+                <a:cs typeface="KoPubWorldDotum Bold" pitchFamily="2" charset="-127"/>
+              </a:rPr>
+              <a:t>Front.css</a:t>
+            </a:r>
+            <a:endParaRPr kumimoji="1" lang="ko-KR" altLang="en-US" sz="1100" b="1" dirty="0">
+              <a:latin typeface="KoPubWorldDotum Bold" pitchFamily="2" charset="-127"/>
+              <a:ea typeface="KoPubWorldDotum Bold" pitchFamily="2" charset="-127"/>
+              <a:cs typeface="KoPubWorldDotum Bold" pitchFamily="2" charset="-127"/>
+            </a:endParaRPr>
+          </a:p>
+        </p:txBody>
+      </p:sp>
+      <p:sp>
+        <p:nvSpPr>
+          <p:cNvPr id="1036" name="제목 1">
+            <a:extLst>
+              <a:ext uri="{FF2B5EF4-FFF2-40B4-BE49-F238E27FC236}">
+                <a16:creationId xmlns:a16="http://schemas.microsoft.com/office/drawing/2014/main" id="{DECEBB0D-FB32-ACAA-CBB4-F40844155831}"/>
               </a:ext>
             </a:extLst>
           </p:cNvPr>
@@ -8162,89 +10057,12 @@
           </a:p>
         </p:txBody>
       </p:sp>
-    </p:spTree>
-    <p:extLst>
-      <p:ext uri="{BB962C8B-B14F-4D97-AF65-F5344CB8AC3E}">
-        <p14:creationId xmlns:p14="http://schemas.microsoft.com/office/powerpoint/2010/main" val="1774389717"/>
-      </p:ext>
-    </p:extLst>
-  </p:cSld>
-  <p:clrMapOvr>
-    <a:masterClrMapping/>
-  </p:clrMapOvr>
-</p:sld>
-</file>
-
-<file path=ppt/slides/slide7.xml><?xml version="1.0" encoding="utf-8"?>
-<p:sld xmlns:a="http://schemas.openxmlformats.org/drawingml/2006/main" xmlns:r="http://schemas.openxmlformats.org/officeDocument/2006/relationships" xmlns:p="http://schemas.openxmlformats.org/presentationml/2006/main">
-  <p:cSld>
-    <p:spTree>
-      <p:nvGrpSpPr>
-        <p:cNvPr id="1" name=""/>
-        <p:cNvGrpSpPr/>
-        <p:nvPr/>
-      </p:nvGrpSpPr>
-      <p:grpSpPr>
-        <a:xfrm>
-          <a:off x="0" y="0"/>
-          <a:ext cx="0" cy="0"/>
-          <a:chOff x="0" y="0"/>
-          <a:chExt cx="0" cy="0"/>
-        </a:xfrm>
-      </p:grpSpPr>
-      <p:sp>
-        <p:nvSpPr>
-          <p:cNvPr id="25" name="제목 1">
-            <a:extLst>
-              <a:ext uri="{FF2B5EF4-FFF2-40B4-BE49-F238E27FC236}">
-                <a16:creationId xmlns:a16="http://schemas.microsoft.com/office/drawing/2014/main" id="{3FCD91E1-CEB1-2FF4-7332-72C55A5DF3C6}"/>
-              </a:ext>
-            </a:extLst>
-          </p:cNvPr>
-          <p:cNvSpPr>
-            <a:spLocks noGrp="1"/>
-          </p:cNvSpPr>
-          <p:nvPr>
-            <p:ph type="title"/>
-          </p:nvPr>
-        </p:nvSpPr>
-        <p:spPr>
-          <a:xfrm>
-            <a:off x="236783" y="266936"/>
-            <a:ext cx="10515600" cy="487906"/>
-          </a:xfrm>
-        </p:spPr>
-        <p:txBody>
-          <a:bodyPr>
-            <a:normAutofit/>
-          </a:bodyPr>
-          <a:lstStyle/>
-          <a:p>
-            <a:r>
-              <a:rPr kumimoji="1" lang="en-US" altLang="ko-KR" sz="2800" dirty="0">
-                <a:latin typeface="KoPubWorldDotum Medium" pitchFamily="2" charset="-127"/>
-                <a:ea typeface="KoPubWorldDotum Medium" pitchFamily="2" charset="-127"/>
-                <a:cs typeface="KoPubWorldDotum Medium" pitchFamily="2" charset="-127"/>
-              </a:rPr>
-              <a:t>Phase 3: </a:t>
-            </a:r>
-            <a:r>
-              <a:rPr kumimoji="1" lang="ko-KR" altLang="en-US" sz="2800" dirty="0">
-                <a:latin typeface="KoPubWorldDotum Medium" pitchFamily="2" charset="-127"/>
-                <a:ea typeface="KoPubWorldDotum Medium" pitchFamily="2" charset="-127"/>
-                <a:cs typeface="KoPubWorldDotum Medium" pitchFamily="2" charset="-127"/>
-              </a:rPr>
-              <a:t>솔루션 완성</a:t>
-            </a:r>
-          </a:p>
-        </p:txBody>
-      </p:sp>
-      <p:sp>
-        <p:nvSpPr>
-          <p:cNvPr id="27" name="제목 1">
-            <a:extLst>
-              <a:ext uri="{FF2B5EF4-FFF2-40B4-BE49-F238E27FC236}">
-                <a16:creationId xmlns:a16="http://schemas.microsoft.com/office/drawing/2014/main" id="{17D942F3-BE09-1EDD-D651-5B547AA4B259}"/>
+      <p:sp>
+        <p:nvSpPr>
+          <p:cNvPr id="1037" name="제목 1">
+            <a:extLst>
+              <a:ext uri="{FF2B5EF4-FFF2-40B4-BE49-F238E27FC236}">
+                <a16:creationId xmlns:a16="http://schemas.microsoft.com/office/drawing/2014/main" id="{A24606E0-9599-9161-3A30-74861633520E}"/>
               </a:ext>
             </a:extLst>
           </p:cNvPr>
@@ -8255,8 +10073,8 @@
         </p:nvSpPr>
         <p:spPr>
           <a:xfrm>
-            <a:off x="368537" y="700863"/>
-            <a:ext cx="11454925" cy="1275277"/>
+            <a:off x="4528538" y="3862660"/>
+            <a:ext cx="967879" cy="267998"/>
           </a:xfrm>
           <a:prstGeom prst="rect">
             <a:avLst/>
@@ -8286,1905 +10104,6 @@
             </a:lvl1pPr>
           </a:lstStyle>
           <a:p>
-            <a:pPr marL="285750" indent="-285750">
-              <a:lnSpc>
-                <a:spcPct val="150000"/>
-              </a:lnSpc>
-              <a:buFont typeface="Arial" panose="020B0604020202020204" pitchFamily="34" charset="0"/>
-              <a:buChar char="•"/>
-            </a:pPr>
-            <a:r>
-              <a:rPr kumimoji="1" lang="ko-KR" altLang="en-US" sz="1400" dirty="0">
-                <a:latin typeface="KoPubWorldDotum Medium" pitchFamily="2" charset="-127"/>
-                <a:ea typeface="KoPubWorldDotum Medium" pitchFamily="2" charset="-127"/>
-                <a:cs typeface="KoPubWorldDotum Medium" pitchFamily="2" charset="-127"/>
-              </a:rPr>
-              <a:t>모니터링 구현 </a:t>
-            </a:r>
-            <a:r>
-              <a:rPr kumimoji="1" lang="en-US" altLang="ko-KR" sz="1400" dirty="0">
-                <a:latin typeface="KoPubWorldDotum Medium" pitchFamily="2" charset="-127"/>
-                <a:ea typeface="KoPubWorldDotum Medium" pitchFamily="2" charset="-127"/>
-                <a:cs typeface="KoPubWorldDotum Medium" pitchFamily="2" charset="-127"/>
-              </a:rPr>
-              <a:t>(</a:t>
-            </a:r>
-            <a:r>
-              <a:rPr kumimoji="1" lang="en-US" altLang="ko-KR" sz="1400" dirty="0" err="1">
-                <a:latin typeface="KoPubWorldDotum Medium" pitchFamily="2" charset="-127"/>
-                <a:ea typeface="KoPubWorldDotum Medium" pitchFamily="2" charset="-127"/>
-                <a:cs typeface="KoPubWorldDotum Medium" pitchFamily="2" charset="-127"/>
-              </a:rPr>
-              <a:t>Cloudwatch</a:t>
-            </a:r>
-            <a:r>
-              <a:rPr kumimoji="1" lang="en-US" altLang="ko-KR" sz="1400" dirty="0">
-                <a:latin typeface="KoPubWorldDotum Medium" pitchFamily="2" charset="-127"/>
-                <a:ea typeface="KoPubWorldDotum Medium" pitchFamily="2" charset="-127"/>
-                <a:cs typeface="KoPubWorldDotum Medium" pitchFamily="2" charset="-127"/>
-              </a:rPr>
-              <a:t>)</a:t>
-            </a:r>
-          </a:p>
-          <a:p>
-            <a:pPr marL="285750" indent="-285750">
-              <a:lnSpc>
-                <a:spcPct val="150000"/>
-              </a:lnSpc>
-              <a:buFont typeface="Arial" panose="020B0604020202020204" pitchFamily="34" charset="0"/>
-              <a:buChar char="•"/>
-            </a:pPr>
-            <a:r>
-              <a:rPr kumimoji="1" lang="ko-KR" altLang="en-US" sz="1400" dirty="0">
-                <a:latin typeface="KoPubWorldDotum Medium" pitchFamily="2" charset="-127"/>
-                <a:ea typeface="KoPubWorldDotum Medium" pitchFamily="2" charset="-127"/>
-                <a:cs typeface="KoPubWorldDotum Medium" pitchFamily="2" charset="-127"/>
-              </a:rPr>
-              <a:t>웹 디자인 </a:t>
-            </a:r>
-            <a:r>
-              <a:rPr kumimoji="1" lang="en-US" altLang="ko-KR" sz="1400" dirty="0">
-                <a:latin typeface="KoPubWorldDotum Medium" pitchFamily="2" charset="-127"/>
-                <a:ea typeface="KoPubWorldDotum Medium" pitchFamily="2" charset="-127"/>
-                <a:cs typeface="KoPubWorldDotum Medium" pitchFamily="2" charset="-127"/>
-              </a:rPr>
-              <a:t>+</a:t>
-            </a:r>
-            <a:r>
-              <a:rPr kumimoji="1" lang="ko-KR" altLang="en-US" sz="1400" dirty="0">
-                <a:latin typeface="KoPubWorldDotum Medium" pitchFamily="2" charset="-127"/>
-                <a:ea typeface="KoPubWorldDotum Medium" pitchFamily="2" charset="-127"/>
-                <a:cs typeface="KoPubWorldDotum Medium" pitchFamily="2" charset="-127"/>
-              </a:rPr>
-              <a:t> </a:t>
-            </a:r>
-            <a:r>
-              <a:rPr kumimoji="1" lang="en-US" altLang="ko-KR" sz="1400" dirty="0">
-                <a:latin typeface="KoPubWorldDotum Medium" pitchFamily="2" charset="-127"/>
-                <a:ea typeface="KoPubWorldDotum Medium" pitchFamily="2" charset="-127"/>
-                <a:cs typeface="KoPubWorldDotum Medium" pitchFamily="2" charset="-127"/>
-              </a:rPr>
-              <a:t>CSS</a:t>
-            </a:r>
-            <a:r>
-              <a:rPr kumimoji="1" lang="ko-KR" altLang="en-US" sz="1400" dirty="0">
-                <a:latin typeface="KoPubWorldDotum Medium" pitchFamily="2" charset="-127"/>
-                <a:ea typeface="KoPubWorldDotum Medium" pitchFamily="2" charset="-127"/>
-                <a:cs typeface="KoPubWorldDotum Medium" pitchFamily="2" charset="-127"/>
-              </a:rPr>
-              <a:t> 구현</a:t>
-            </a:r>
-            <a:endParaRPr kumimoji="1" lang="en-US" altLang="ko-KR" sz="1400" dirty="0">
-              <a:latin typeface="KoPubWorldDotum Medium" pitchFamily="2" charset="-127"/>
-              <a:ea typeface="KoPubWorldDotum Medium" pitchFamily="2" charset="-127"/>
-              <a:cs typeface="KoPubWorldDotum Medium" pitchFamily="2" charset="-127"/>
-            </a:endParaRPr>
-          </a:p>
-          <a:p>
-            <a:pPr marL="285750" indent="-285750">
-              <a:lnSpc>
-                <a:spcPct val="150000"/>
-              </a:lnSpc>
-              <a:buFont typeface="Arial" panose="020B0604020202020204" pitchFamily="34" charset="0"/>
-              <a:buChar char="•"/>
-            </a:pPr>
-            <a:r>
-              <a:rPr kumimoji="1" lang="en-US" altLang="ko-KR" sz="1400" dirty="0">
-                <a:latin typeface="KoPubWorldDotum Medium" pitchFamily="2" charset="-127"/>
-                <a:ea typeface="KoPubWorldDotum Medium" pitchFamily="2" charset="-127"/>
-                <a:cs typeface="KoPubWorldDotum Medium" pitchFamily="2" charset="-127"/>
-              </a:rPr>
-              <a:t>Route 53</a:t>
-            </a:r>
-            <a:r>
-              <a:rPr kumimoji="1" lang="ko-KR" altLang="en-US" sz="1400" dirty="0">
-                <a:latin typeface="KoPubWorldDotum Medium" pitchFamily="2" charset="-127"/>
-                <a:ea typeface="KoPubWorldDotum Medium" pitchFamily="2" charset="-127"/>
-                <a:cs typeface="KoPubWorldDotum Medium" pitchFamily="2" charset="-127"/>
-              </a:rPr>
-              <a:t> 등으로 도메인 접속 구현</a:t>
-            </a:r>
-            <a:endParaRPr kumimoji="1" lang="en-US" altLang="ko-KR" sz="1400" dirty="0">
-              <a:latin typeface="KoPubWorldDotum Medium" pitchFamily="2" charset="-127"/>
-              <a:ea typeface="KoPubWorldDotum Medium" pitchFamily="2" charset="-127"/>
-              <a:cs typeface="KoPubWorldDotum Medium" pitchFamily="2" charset="-127"/>
-            </a:endParaRPr>
-          </a:p>
-          <a:p>
-            <a:pPr marL="285750" indent="-285750">
-              <a:lnSpc>
-                <a:spcPct val="150000"/>
-              </a:lnSpc>
-              <a:buFont typeface="Arial" panose="020B0604020202020204" pitchFamily="34" charset="0"/>
-              <a:buChar char="•"/>
-            </a:pPr>
-            <a:endParaRPr kumimoji="1" lang="ko-KR" altLang="en-US" sz="1400" dirty="0">
-              <a:latin typeface="KoPubWorldDotum Medium" pitchFamily="2" charset="-127"/>
-              <a:ea typeface="KoPubWorldDotum Medium" pitchFamily="2" charset="-127"/>
-              <a:cs typeface="KoPubWorldDotum Medium" pitchFamily="2" charset="-127"/>
-            </a:endParaRPr>
-          </a:p>
-        </p:txBody>
-      </p:sp>
-      <p:sp>
-        <p:nvSpPr>
-          <p:cNvPr id="2" name="직사각형 1">
-            <a:extLst>
-              <a:ext uri="{FF2B5EF4-FFF2-40B4-BE49-F238E27FC236}">
-                <a16:creationId xmlns:a16="http://schemas.microsoft.com/office/drawing/2014/main" id="{5B858CA3-1176-501F-B23A-28780D3EB680}"/>
-              </a:ext>
-            </a:extLst>
-          </p:cNvPr>
-          <p:cNvSpPr/>
-          <p:nvPr/>
-        </p:nvSpPr>
-        <p:spPr>
-          <a:xfrm>
-            <a:off x="5510807" y="2336799"/>
-            <a:ext cx="5450364" cy="2965493"/>
-          </a:xfrm>
-          <a:prstGeom prst="rect">
-            <a:avLst/>
-          </a:prstGeom>
-          <a:solidFill>
-            <a:schemeClr val="tx2">
-              <a:lumMod val="10000"/>
-              <a:lumOff val="90000"/>
-            </a:schemeClr>
-          </a:solidFill>
-          <a:ln>
-            <a:noFill/>
-          </a:ln>
-        </p:spPr>
-        <p:style>
-          <a:lnRef idx="2">
-            <a:schemeClr val="accent1">
-              <a:shade val="15000"/>
-            </a:schemeClr>
-          </a:lnRef>
-          <a:fillRef idx="1">
-            <a:schemeClr val="accent1"/>
-          </a:fillRef>
-          <a:effectRef idx="0">
-            <a:schemeClr val="accent1"/>
-          </a:effectRef>
-          <a:fontRef idx="minor">
-            <a:schemeClr val="lt1"/>
-          </a:fontRef>
-        </p:style>
-        <p:txBody>
-          <a:bodyPr rtlCol="0" anchor="ctr"/>
-          <a:lstStyle/>
-          <a:p>
-            <a:pPr algn="ctr"/>
-            <a:endParaRPr kumimoji="1" lang="ko-KR" altLang="en-US"/>
-          </a:p>
-        </p:txBody>
-      </p:sp>
-      <p:sp>
-        <p:nvSpPr>
-          <p:cNvPr id="5" name="직사각형 4">
-            <a:extLst>
-              <a:ext uri="{FF2B5EF4-FFF2-40B4-BE49-F238E27FC236}">
-                <a16:creationId xmlns:a16="http://schemas.microsoft.com/office/drawing/2014/main" id="{2AAA1867-6EFF-05BB-A353-520319FA33B3}"/>
-              </a:ext>
-            </a:extLst>
-          </p:cNvPr>
-          <p:cNvSpPr/>
-          <p:nvPr/>
-        </p:nvSpPr>
-        <p:spPr>
-          <a:xfrm>
-            <a:off x="486534" y="2330451"/>
-            <a:ext cx="5023559" cy="2965492"/>
-          </a:xfrm>
-          <a:prstGeom prst="rect">
-            <a:avLst/>
-          </a:prstGeom>
-          <a:solidFill>
-            <a:schemeClr val="accent2">
-              <a:lumMod val="20000"/>
-              <a:lumOff val="80000"/>
-            </a:schemeClr>
-          </a:solidFill>
-          <a:ln>
-            <a:noFill/>
-          </a:ln>
-        </p:spPr>
-        <p:style>
-          <a:lnRef idx="2">
-            <a:schemeClr val="accent1">
-              <a:shade val="15000"/>
-            </a:schemeClr>
-          </a:lnRef>
-          <a:fillRef idx="1">
-            <a:schemeClr val="accent1"/>
-          </a:fillRef>
-          <a:effectRef idx="0">
-            <a:schemeClr val="accent1"/>
-          </a:effectRef>
-          <a:fontRef idx="minor">
-            <a:schemeClr val="lt1"/>
-          </a:fontRef>
-        </p:style>
-        <p:txBody>
-          <a:bodyPr rtlCol="0" anchor="ctr"/>
-          <a:lstStyle/>
-          <a:p>
-            <a:pPr algn="ctr"/>
-            <a:endParaRPr kumimoji="1" lang="ko-KR" altLang="en-US"/>
-          </a:p>
-        </p:txBody>
-      </p:sp>
-      <p:pic>
-        <p:nvPicPr>
-          <p:cNvPr id="17" name="Picture 2" descr="Amazon Bedrock Connector - Overview (O11) | OutSystems">
-            <a:extLst>
-              <a:ext uri="{FF2B5EF4-FFF2-40B4-BE49-F238E27FC236}">
-                <a16:creationId xmlns:a16="http://schemas.microsoft.com/office/drawing/2014/main" id="{9E9048DF-C9A5-3004-BB91-DA6E1F890E54}"/>
-              </a:ext>
-            </a:extLst>
-          </p:cNvPr>
-          <p:cNvPicPr>
-            <a:picLocks noChangeAspect="1" noChangeArrowheads="1"/>
-          </p:cNvPicPr>
-          <p:nvPr/>
-        </p:nvPicPr>
-        <p:blipFill>
-          <a:blip r:embed="rId2">
-            <a:extLst>
-              <a:ext uri="{28A0092B-C50C-407E-A947-70E740481C1C}">
-                <a14:useLocalDpi xmlns:a14="http://schemas.microsoft.com/office/drawing/2010/main" val="0"/>
-              </a:ext>
-            </a:extLst>
-          </a:blip>
-          <a:srcRect/>
-          <a:stretch>
-            <a:fillRect/>
-          </a:stretch>
-        </p:blipFill>
-        <p:spPr bwMode="auto">
-          <a:xfrm>
-            <a:off x="1976960" y="3379062"/>
-            <a:ext cx="465430" cy="465430"/>
-          </a:xfrm>
-          <a:prstGeom prst="rect">
-            <a:avLst/>
-          </a:prstGeom>
-          <a:noFill/>
-          <a:extLst>
-            <a:ext uri="{909E8E84-426E-40DD-AFC4-6F175D3DCCD1}">
-              <a14:hiddenFill xmlns:a14="http://schemas.microsoft.com/office/drawing/2010/main">
-                <a:solidFill>
-                  <a:srgbClr val="FFFFFF"/>
-                </a:solidFill>
-              </a14:hiddenFill>
-            </a:ext>
-          </a:extLst>
-        </p:spPr>
-      </p:pic>
-      <p:sp>
-        <p:nvSpPr>
-          <p:cNvPr id="20" name="제목 1">
-            <a:extLst>
-              <a:ext uri="{FF2B5EF4-FFF2-40B4-BE49-F238E27FC236}">
-                <a16:creationId xmlns:a16="http://schemas.microsoft.com/office/drawing/2014/main" id="{105E1E09-4688-C342-C1CB-40920DE400BB}"/>
-              </a:ext>
-            </a:extLst>
-          </p:cNvPr>
-          <p:cNvSpPr txBox="1">
-            <a:spLocks/>
-          </p:cNvSpPr>
-          <p:nvPr/>
-        </p:nvSpPr>
-        <p:spPr>
-          <a:xfrm>
-            <a:off x="1840074" y="3829937"/>
-            <a:ext cx="739201" cy="267998"/>
-          </a:xfrm>
-          <a:prstGeom prst="rect">
-            <a:avLst/>
-          </a:prstGeom>
-        </p:spPr>
-        <p:txBody>
-          <a:bodyPr vert="horz" lIns="91440" tIns="45720" rIns="91440" bIns="45720" rtlCol="0" anchor="ctr">
-            <a:normAutofit/>
-          </a:bodyPr>
-          <a:lstStyle>
-            <a:lvl1pPr algn="l" defTabSz="914400" rtl="0" eaLnBrk="1" latinLnBrk="1" hangingPunct="1">
-              <a:lnSpc>
-                <a:spcPct val="90000"/>
-              </a:lnSpc>
-              <a:spcBef>
-                <a:spcPct val="0"/>
-              </a:spcBef>
-              <a:buNone/>
-              <a:defRPr sz="4400" kern="1200">
-                <a:solidFill>
-                  <a:schemeClr val="tx1"/>
-                </a:solidFill>
-                <a:latin typeface="+mj-lt"/>
-                <a:ea typeface="+mj-ea"/>
-                <a:cs typeface="+mj-cs"/>
-              </a:defRPr>
-            </a:lvl1pPr>
-          </a:lstStyle>
-          <a:p>
-            <a:pPr algn="ctr"/>
-            <a:r>
-              <a:rPr kumimoji="1" lang="en-US" altLang="ko-KR" sz="1100" b="1" dirty="0">
-                <a:latin typeface="KoPubWorldDotum Bold" pitchFamily="2" charset="-127"/>
-                <a:ea typeface="KoPubWorldDotum Bold" pitchFamily="2" charset="-127"/>
-                <a:cs typeface="KoPubWorldDotum Bold" pitchFamily="2" charset="-127"/>
-              </a:rPr>
-              <a:t>Bedrock</a:t>
-            </a:r>
-            <a:endParaRPr kumimoji="1" lang="ko-KR" altLang="en-US" sz="1100" b="1" dirty="0">
-              <a:latin typeface="KoPubWorldDotum Bold" pitchFamily="2" charset="-127"/>
-              <a:ea typeface="KoPubWorldDotum Bold" pitchFamily="2" charset="-127"/>
-              <a:cs typeface="KoPubWorldDotum Bold" pitchFamily="2" charset="-127"/>
-            </a:endParaRPr>
-          </a:p>
-        </p:txBody>
-      </p:sp>
-      <p:cxnSp>
-        <p:nvCxnSpPr>
-          <p:cNvPr id="24" name="직선 화살표 연결선 23">
-            <a:extLst>
-              <a:ext uri="{FF2B5EF4-FFF2-40B4-BE49-F238E27FC236}">
-                <a16:creationId xmlns:a16="http://schemas.microsoft.com/office/drawing/2014/main" id="{C910D88C-DEA2-BD7D-AA4A-7E495EA9FB80}"/>
-              </a:ext>
-            </a:extLst>
-          </p:cNvPr>
-          <p:cNvCxnSpPr>
-            <a:cxnSpLocks/>
-            <a:endCxn id="17" idx="3"/>
-          </p:cNvCxnSpPr>
-          <p:nvPr/>
-        </p:nvCxnSpPr>
-        <p:spPr>
-          <a:xfrm flipH="1">
-            <a:off x="2442390" y="3597587"/>
-            <a:ext cx="647704" cy="14190"/>
-          </a:xfrm>
-          <a:prstGeom prst="straightConnector1">
-            <a:avLst/>
-          </a:prstGeom>
-          <a:ln>
-            <a:headEnd type="none" w="med" len="med"/>
-            <a:tailEnd type="none" w="med" len="med"/>
-          </a:ln>
-        </p:spPr>
-        <p:style>
-          <a:lnRef idx="2">
-            <a:schemeClr val="accent1"/>
-          </a:lnRef>
-          <a:fillRef idx="0">
-            <a:schemeClr val="accent1"/>
-          </a:fillRef>
-          <a:effectRef idx="1">
-            <a:schemeClr val="accent1"/>
-          </a:effectRef>
-          <a:fontRef idx="minor">
-            <a:schemeClr val="tx1"/>
-          </a:fontRef>
-        </p:style>
-      </p:cxnSp>
-      <p:cxnSp>
-        <p:nvCxnSpPr>
-          <p:cNvPr id="28" name="직선 화살표 연결선 27">
-            <a:extLst>
-              <a:ext uri="{FF2B5EF4-FFF2-40B4-BE49-F238E27FC236}">
-                <a16:creationId xmlns:a16="http://schemas.microsoft.com/office/drawing/2014/main" id="{8DEE8AC7-1567-67BB-F56B-A2C27C26DB31}"/>
-              </a:ext>
-            </a:extLst>
-          </p:cNvPr>
-          <p:cNvCxnSpPr>
-            <a:cxnSpLocks/>
-            <a:endCxn id="52" idx="3"/>
-          </p:cNvCxnSpPr>
-          <p:nvPr/>
-        </p:nvCxnSpPr>
-        <p:spPr>
-          <a:xfrm flipH="1">
-            <a:off x="4293203" y="3584145"/>
-            <a:ext cx="3047776" cy="13442"/>
-          </a:xfrm>
-          <a:prstGeom prst="straightConnector1">
-            <a:avLst/>
-          </a:prstGeom>
-          <a:ln>
-            <a:headEnd type="none" w="med" len="med"/>
-            <a:tailEnd type="none" w="med" len="med"/>
-          </a:ln>
-        </p:spPr>
-        <p:style>
-          <a:lnRef idx="2">
-            <a:schemeClr val="accent1"/>
-          </a:lnRef>
-          <a:fillRef idx="0">
-            <a:schemeClr val="accent1"/>
-          </a:fillRef>
-          <a:effectRef idx="1">
-            <a:schemeClr val="accent1"/>
-          </a:effectRef>
-          <a:fontRef idx="minor">
-            <a:schemeClr val="tx1"/>
-          </a:fontRef>
-        </p:style>
-      </p:cxnSp>
-      <p:sp>
-        <p:nvSpPr>
-          <p:cNvPr id="29" name="제목 1">
-            <a:extLst>
-              <a:ext uri="{FF2B5EF4-FFF2-40B4-BE49-F238E27FC236}">
-                <a16:creationId xmlns:a16="http://schemas.microsoft.com/office/drawing/2014/main" id="{17338016-E7BE-647E-6152-F6416E4B1004}"/>
-              </a:ext>
-            </a:extLst>
-          </p:cNvPr>
-          <p:cNvSpPr txBox="1">
-            <a:spLocks/>
-          </p:cNvSpPr>
-          <p:nvPr/>
-        </p:nvSpPr>
-        <p:spPr>
-          <a:xfrm>
-            <a:off x="606663" y="3862660"/>
-            <a:ext cx="1206609" cy="267998"/>
-          </a:xfrm>
-          <a:prstGeom prst="rect">
-            <a:avLst/>
-          </a:prstGeom>
-        </p:spPr>
-        <p:txBody>
-          <a:bodyPr vert="horz" lIns="91440" tIns="45720" rIns="91440" bIns="45720" rtlCol="0" anchor="ctr">
-            <a:normAutofit fontScale="92500"/>
-          </a:bodyPr>
-          <a:lstStyle>
-            <a:lvl1pPr algn="l" defTabSz="914400" rtl="0" eaLnBrk="1" latinLnBrk="1" hangingPunct="1">
-              <a:lnSpc>
-                <a:spcPct val="90000"/>
-              </a:lnSpc>
-              <a:spcBef>
-                <a:spcPct val="0"/>
-              </a:spcBef>
-              <a:buNone/>
-              <a:defRPr sz="4400" kern="1200">
-                <a:solidFill>
-                  <a:schemeClr val="tx1"/>
-                </a:solidFill>
-                <a:latin typeface="+mj-lt"/>
-                <a:ea typeface="+mj-ea"/>
-                <a:cs typeface="+mj-cs"/>
-              </a:defRPr>
-            </a:lvl1pPr>
-          </a:lstStyle>
-          <a:p>
-            <a:pPr algn="ctr"/>
-            <a:r>
-              <a:rPr kumimoji="1" lang="en-US" altLang="ko-KR" sz="1100" b="1" dirty="0">
-                <a:latin typeface="KoPubWorldDotum Bold" pitchFamily="2" charset="-127"/>
-                <a:ea typeface="KoPubWorldDotum Bold" pitchFamily="2" charset="-127"/>
-                <a:cs typeface="KoPubWorldDotum Bold" pitchFamily="2" charset="-127"/>
-              </a:rPr>
-              <a:t>Claude 3 Sonnet</a:t>
-            </a:r>
-            <a:endParaRPr kumimoji="1" lang="ko-KR" altLang="en-US" sz="1100" b="1" dirty="0">
-              <a:latin typeface="KoPubWorldDotum Bold" pitchFamily="2" charset="-127"/>
-              <a:ea typeface="KoPubWorldDotum Bold" pitchFamily="2" charset="-127"/>
-              <a:cs typeface="KoPubWorldDotum Bold" pitchFamily="2" charset="-127"/>
-            </a:endParaRPr>
-          </a:p>
-        </p:txBody>
-      </p:sp>
-      <p:cxnSp>
-        <p:nvCxnSpPr>
-          <p:cNvPr id="31" name="직선 화살표 연결선 30">
-            <a:extLst>
-              <a:ext uri="{FF2B5EF4-FFF2-40B4-BE49-F238E27FC236}">
-                <a16:creationId xmlns:a16="http://schemas.microsoft.com/office/drawing/2014/main" id="{35E79BEE-F751-0813-40F9-477C7EC51628}"/>
-              </a:ext>
-            </a:extLst>
-          </p:cNvPr>
-          <p:cNvCxnSpPr>
-            <a:cxnSpLocks/>
-            <a:stCxn id="17" idx="1"/>
-          </p:cNvCxnSpPr>
-          <p:nvPr/>
-        </p:nvCxnSpPr>
-        <p:spPr>
-          <a:xfrm flipH="1">
-            <a:off x="1463248" y="3611777"/>
-            <a:ext cx="513712" cy="7056"/>
-          </a:xfrm>
-          <a:prstGeom prst="straightConnector1">
-            <a:avLst/>
-          </a:prstGeom>
-          <a:ln>
-            <a:headEnd type="none" w="med" len="med"/>
-            <a:tailEnd type="none" w="med" len="med"/>
-          </a:ln>
-        </p:spPr>
-        <p:style>
-          <a:lnRef idx="2">
-            <a:schemeClr val="accent1"/>
-          </a:lnRef>
-          <a:fillRef idx="0">
-            <a:schemeClr val="accent1"/>
-          </a:fillRef>
-          <a:effectRef idx="1">
-            <a:schemeClr val="accent1"/>
-          </a:effectRef>
-          <a:fontRef idx="minor">
-            <a:schemeClr val="tx1"/>
-          </a:fontRef>
-        </p:style>
-      </p:cxnSp>
-      <p:pic>
-        <p:nvPicPr>
-          <p:cNvPr id="32" name="Picture 2" descr="The AI wars heat up with Claude 3, claimed to have “near-human” abilities |  Ars Technica">
-            <a:extLst>
-              <a:ext uri="{FF2B5EF4-FFF2-40B4-BE49-F238E27FC236}">
-                <a16:creationId xmlns:a16="http://schemas.microsoft.com/office/drawing/2014/main" id="{DBD69CDF-F6F8-D6E4-2D66-92DF88F6E608}"/>
-              </a:ext>
-            </a:extLst>
-          </p:cNvPr>
-          <p:cNvPicPr>
-            <a:picLocks noChangeAspect="1" noChangeArrowheads="1"/>
-          </p:cNvPicPr>
-          <p:nvPr/>
-        </p:nvPicPr>
-        <p:blipFill rotWithShape="1">
-          <a:blip r:embed="rId3">
-            <a:extLst>
-              <a:ext uri="{28A0092B-C50C-407E-A947-70E740481C1C}">
-                <a14:useLocalDpi xmlns:a14="http://schemas.microsoft.com/office/drawing/2010/main" val="0"/>
-              </a:ext>
-            </a:extLst>
-          </a:blip>
-          <a:srcRect l="28567" t="10984" r="29591" b="14630"/>
-          <a:stretch/>
-        </p:blipFill>
-        <p:spPr bwMode="auto">
-          <a:xfrm>
-            <a:off x="1018257" y="3391256"/>
-            <a:ext cx="465430" cy="465430"/>
-          </a:xfrm>
-          <a:prstGeom prst="rect">
-            <a:avLst/>
-          </a:prstGeom>
-          <a:noFill/>
-          <a:extLst>
-            <a:ext uri="{909E8E84-426E-40DD-AFC4-6F175D3DCCD1}">
-              <a14:hiddenFill xmlns:a14="http://schemas.microsoft.com/office/drawing/2010/main">
-                <a:solidFill>
-                  <a:srgbClr val="FFFFFF"/>
-                </a:solidFill>
-              </a14:hiddenFill>
-            </a:ext>
-          </a:extLst>
-        </p:spPr>
-      </p:pic>
-      <p:pic>
-        <p:nvPicPr>
-          <p:cNvPr id="33" name="Picture 2" descr="Amazon Bedrock Connector - Overview (O11) | OutSystems">
-            <a:extLst>
-              <a:ext uri="{FF2B5EF4-FFF2-40B4-BE49-F238E27FC236}">
-                <a16:creationId xmlns:a16="http://schemas.microsoft.com/office/drawing/2014/main" id="{DF8F9015-19A6-7B6D-D611-B68B73ECBCF5}"/>
-              </a:ext>
-            </a:extLst>
-          </p:cNvPr>
-          <p:cNvPicPr>
-            <a:picLocks noChangeAspect="1" noChangeArrowheads="1"/>
-          </p:cNvPicPr>
-          <p:nvPr/>
-        </p:nvPicPr>
-        <p:blipFill>
-          <a:blip r:embed="rId2">
-            <a:extLst>
-              <a:ext uri="{28A0092B-C50C-407E-A947-70E740481C1C}">
-                <a14:useLocalDpi xmlns:a14="http://schemas.microsoft.com/office/drawing/2010/main" val="0"/>
-              </a:ext>
-            </a:extLst>
-          </a:blip>
-          <a:srcRect/>
-          <a:stretch>
-            <a:fillRect/>
-          </a:stretch>
-        </p:blipFill>
-        <p:spPr bwMode="auto">
-          <a:xfrm>
-            <a:off x="1511530" y="4276532"/>
-            <a:ext cx="465430" cy="465430"/>
-          </a:xfrm>
-          <a:prstGeom prst="rect">
-            <a:avLst/>
-          </a:prstGeom>
-          <a:noFill/>
-          <a:extLst>
-            <a:ext uri="{909E8E84-426E-40DD-AFC4-6F175D3DCCD1}">
-              <a14:hiddenFill xmlns:a14="http://schemas.microsoft.com/office/drawing/2010/main">
-                <a:solidFill>
-                  <a:srgbClr val="FFFFFF"/>
-                </a:solidFill>
-              </a14:hiddenFill>
-            </a:ext>
-          </a:extLst>
-        </p:spPr>
-      </p:pic>
-      <p:sp>
-        <p:nvSpPr>
-          <p:cNvPr id="37" name="제목 1">
-            <a:extLst>
-              <a:ext uri="{FF2B5EF4-FFF2-40B4-BE49-F238E27FC236}">
-                <a16:creationId xmlns:a16="http://schemas.microsoft.com/office/drawing/2014/main" id="{7B9ABD60-535E-4747-94C5-EE3AD09E7E17}"/>
-              </a:ext>
-            </a:extLst>
-          </p:cNvPr>
-          <p:cNvSpPr txBox="1">
-            <a:spLocks/>
-          </p:cNvSpPr>
-          <p:nvPr/>
-        </p:nvSpPr>
-        <p:spPr>
-          <a:xfrm>
-            <a:off x="1140940" y="4737333"/>
-            <a:ext cx="1206609" cy="267998"/>
-          </a:xfrm>
-          <a:prstGeom prst="rect">
-            <a:avLst/>
-          </a:prstGeom>
-        </p:spPr>
-        <p:txBody>
-          <a:bodyPr vert="horz" lIns="91440" tIns="45720" rIns="91440" bIns="45720" rtlCol="0" anchor="ctr">
-            <a:normAutofit/>
-          </a:bodyPr>
-          <a:lstStyle>
-            <a:lvl1pPr algn="l" defTabSz="914400" rtl="0" eaLnBrk="1" latinLnBrk="1" hangingPunct="1">
-              <a:lnSpc>
-                <a:spcPct val="90000"/>
-              </a:lnSpc>
-              <a:spcBef>
-                <a:spcPct val="0"/>
-              </a:spcBef>
-              <a:buNone/>
-              <a:defRPr sz="4400" kern="1200">
-                <a:solidFill>
-                  <a:schemeClr val="tx1"/>
-                </a:solidFill>
-                <a:latin typeface="+mj-lt"/>
-                <a:ea typeface="+mj-ea"/>
-                <a:cs typeface="+mj-cs"/>
-              </a:defRPr>
-            </a:lvl1pPr>
-          </a:lstStyle>
-          <a:p>
-            <a:pPr algn="ctr"/>
-            <a:r>
-              <a:rPr kumimoji="1" lang="en-US" altLang="ko-KR" sz="1100" b="1" dirty="0">
-                <a:latin typeface="KoPubWorldDotum Bold" pitchFamily="2" charset="-127"/>
-                <a:ea typeface="KoPubWorldDotum Bold" pitchFamily="2" charset="-127"/>
-                <a:cs typeface="KoPubWorldDotum Bold" pitchFamily="2" charset="-127"/>
-              </a:rPr>
-              <a:t>Bedrock</a:t>
-            </a:r>
-            <a:r>
-              <a:rPr kumimoji="1" lang="ko-KR" altLang="en-US" sz="1100" b="1" dirty="0">
-                <a:latin typeface="KoPubWorldDotum Bold" pitchFamily="2" charset="-127"/>
-                <a:ea typeface="KoPubWorldDotum Bold" pitchFamily="2" charset="-127"/>
-                <a:cs typeface="KoPubWorldDotum Bold" pitchFamily="2" charset="-127"/>
-              </a:rPr>
-              <a:t> </a:t>
-            </a:r>
-            <a:r>
-              <a:rPr kumimoji="1" lang="en-US" altLang="ko-KR" sz="1100" b="1" dirty="0">
-                <a:latin typeface="KoPubWorldDotum Bold" pitchFamily="2" charset="-127"/>
-                <a:ea typeface="KoPubWorldDotum Bold" pitchFamily="2" charset="-127"/>
-                <a:cs typeface="KoPubWorldDotum Bold" pitchFamily="2" charset="-127"/>
-              </a:rPr>
-              <a:t>Agent</a:t>
-            </a:r>
-            <a:endParaRPr kumimoji="1" lang="ko-KR" altLang="en-US" sz="1100" b="1" dirty="0">
-              <a:latin typeface="KoPubWorldDotum Bold" pitchFamily="2" charset="-127"/>
-              <a:ea typeface="KoPubWorldDotum Bold" pitchFamily="2" charset="-127"/>
-              <a:cs typeface="KoPubWorldDotum Bold" pitchFamily="2" charset="-127"/>
-            </a:endParaRPr>
-          </a:p>
-        </p:txBody>
-      </p:sp>
-      <p:cxnSp>
-        <p:nvCxnSpPr>
-          <p:cNvPr id="38" name="직선 화살표 연결선 37">
-            <a:extLst>
-              <a:ext uri="{FF2B5EF4-FFF2-40B4-BE49-F238E27FC236}">
-                <a16:creationId xmlns:a16="http://schemas.microsoft.com/office/drawing/2014/main" id="{2880CC0B-46F5-871E-783C-32FB7670C303}"/>
-              </a:ext>
-            </a:extLst>
-          </p:cNvPr>
-          <p:cNvCxnSpPr>
-            <a:cxnSpLocks/>
-          </p:cNvCxnSpPr>
-          <p:nvPr/>
-        </p:nvCxnSpPr>
-        <p:spPr>
-          <a:xfrm>
-            <a:off x="1744244" y="3618833"/>
-            <a:ext cx="0" cy="661227"/>
-          </a:xfrm>
-          <a:prstGeom prst="straightConnector1">
-            <a:avLst/>
-          </a:prstGeom>
-          <a:ln>
-            <a:headEnd type="none" w="med" len="med"/>
-            <a:tailEnd type="none" w="med" len="med"/>
-          </a:ln>
-        </p:spPr>
-        <p:style>
-          <a:lnRef idx="2">
-            <a:schemeClr val="accent1"/>
-          </a:lnRef>
-          <a:fillRef idx="0">
-            <a:schemeClr val="accent1"/>
-          </a:fillRef>
-          <a:effectRef idx="1">
-            <a:schemeClr val="accent1"/>
-          </a:effectRef>
-          <a:fontRef idx="minor">
-            <a:schemeClr val="tx1"/>
-          </a:fontRef>
-        </p:style>
-      </p:cxnSp>
-      <p:sp>
-        <p:nvSpPr>
-          <p:cNvPr id="39" name="직사각형 38">
-            <a:extLst>
-              <a:ext uri="{FF2B5EF4-FFF2-40B4-BE49-F238E27FC236}">
-                <a16:creationId xmlns:a16="http://schemas.microsoft.com/office/drawing/2014/main" id="{03EB75B4-ADCA-68C2-0B0A-D40C109D1D01}"/>
-              </a:ext>
-            </a:extLst>
-          </p:cNvPr>
-          <p:cNvSpPr/>
-          <p:nvPr/>
-        </p:nvSpPr>
-        <p:spPr>
-          <a:xfrm>
-            <a:off x="2950853" y="3223567"/>
-            <a:ext cx="1503655" cy="734740"/>
-          </a:xfrm>
-          <a:prstGeom prst="rect">
-            <a:avLst/>
-          </a:prstGeom>
-          <a:noFill/>
-          <a:ln>
-            <a:solidFill>
-              <a:srgbClr val="000000"/>
-            </a:solidFill>
-            <a:prstDash val="sysDash"/>
-          </a:ln>
-        </p:spPr>
-        <p:style>
-          <a:lnRef idx="2">
-            <a:schemeClr val="accent1">
-              <a:shade val="15000"/>
-            </a:schemeClr>
-          </a:lnRef>
-          <a:fillRef idx="1">
-            <a:schemeClr val="accent1"/>
-          </a:fillRef>
-          <a:effectRef idx="0">
-            <a:schemeClr val="accent1"/>
-          </a:effectRef>
-          <a:fontRef idx="minor">
-            <a:schemeClr val="lt1"/>
-          </a:fontRef>
-        </p:style>
-        <p:txBody>
-          <a:bodyPr rtlCol="0" anchor="ctr"/>
-          <a:lstStyle/>
-          <a:p>
-            <a:pPr algn="ctr"/>
-            <a:endParaRPr kumimoji="1" lang="ko-KR" altLang="en-US"/>
-          </a:p>
-        </p:txBody>
-      </p:sp>
-      <p:pic>
-        <p:nvPicPr>
-          <p:cNvPr id="40" name="그림 39">
-            <a:extLst>
-              <a:ext uri="{FF2B5EF4-FFF2-40B4-BE49-F238E27FC236}">
-                <a16:creationId xmlns:a16="http://schemas.microsoft.com/office/drawing/2014/main" id="{56B33B3E-D126-47F9-231A-7FC8C8FC7CE3}"/>
-              </a:ext>
-            </a:extLst>
-          </p:cNvPr>
-          <p:cNvPicPr>
-            <a:picLocks noChangeAspect="1"/>
-          </p:cNvPicPr>
-          <p:nvPr/>
-        </p:nvPicPr>
-        <p:blipFill>
-          <a:blip r:embed="rId4"/>
-          <a:stretch>
-            <a:fillRect/>
-          </a:stretch>
-        </p:blipFill>
-        <p:spPr>
-          <a:xfrm>
-            <a:off x="3460577" y="3751749"/>
-            <a:ext cx="462142" cy="462142"/>
-          </a:xfrm>
-          <a:prstGeom prst="rect">
-            <a:avLst/>
-          </a:prstGeom>
-        </p:spPr>
-      </p:pic>
-      <p:sp>
-        <p:nvSpPr>
-          <p:cNvPr id="41" name="제목 1">
-            <a:extLst>
-              <a:ext uri="{FF2B5EF4-FFF2-40B4-BE49-F238E27FC236}">
-                <a16:creationId xmlns:a16="http://schemas.microsoft.com/office/drawing/2014/main" id="{61942511-75D3-6537-186A-65D91FA0331C}"/>
-              </a:ext>
-            </a:extLst>
-          </p:cNvPr>
-          <p:cNvSpPr txBox="1">
-            <a:spLocks/>
-          </p:cNvSpPr>
-          <p:nvPr/>
-        </p:nvSpPr>
-        <p:spPr>
-          <a:xfrm>
-            <a:off x="3333079" y="4190088"/>
-            <a:ext cx="739201" cy="267998"/>
-          </a:xfrm>
-          <a:prstGeom prst="rect">
-            <a:avLst/>
-          </a:prstGeom>
-        </p:spPr>
-        <p:txBody>
-          <a:bodyPr vert="horz" lIns="91440" tIns="45720" rIns="91440" bIns="45720" rtlCol="0" anchor="ctr">
-            <a:normAutofit/>
-          </a:bodyPr>
-          <a:lstStyle>
-            <a:lvl1pPr algn="l" defTabSz="914400" rtl="0" eaLnBrk="1" latinLnBrk="1" hangingPunct="1">
-              <a:lnSpc>
-                <a:spcPct val="90000"/>
-              </a:lnSpc>
-              <a:spcBef>
-                <a:spcPct val="0"/>
-              </a:spcBef>
-              <a:buNone/>
-              <a:defRPr sz="4400" kern="1200">
-                <a:solidFill>
-                  <a:schemeClr val="tx1"/>
-                </a:solidFill>
-                <a:latin typeface="+mj-lt"/>
-                <a:ea typeface="+mj-ea"/>
-                <a:cs typeface="+mj-cs"/>
-              </a:defRPr>
-            </a:lvl1pPr>
-          </a:lstStyle>
-          <a:p>
-            <a:pPr algn="ctr"/>
-            <a:r>
-              <a:rPr kumimoji="1" lang="en-US" altLang="ko-KR" sz="1100" b="1" dirty="0">
-                <a:latin typeface="KoPubWorldDotum Bold" pitchFamily="2" charset="-127"/>
-                <a:ea typeface="KoPubWorldDotum Bold" pitchFamily="2" charset="-127"/>
-                <a:cs typeface="KoPubWorldDotum Bold" pitchFamily="2" charset="-127"/>
-              </a:rPr>
-              <a:t>Lambda</a:t>
-            </a:r>
-            <a:endParaRPr kumimoji="1" lang="ko-KR" altLang="en-US" sz="1100" b="1" dirty="0">
-              <a:latin typeface="KoPubWorldDotum Bold" pitchFamily="2" charset="-127"/>
-              <a:ea typeface="KoPubWorldDotum Bold" pitchFamily="2" charset="-127"/>
-              <a:cs typeface="KoPubWorldDotum Bold" pitchFamily="2" charset="-127"/>
-            </a:endParaRPr>
-          </a:p>
-        </p:txBody>
-      </p:sp>
-      <p:pic>
-        <p:nvPicPr>
-          <p:cNvPr id="42" name="그림 41">
-            <a:extLst>
-              <a:ext uri="{FF2B5EF4-FFF2-40B4-BE49-F238E27FC236}">
-                <a16:creationId xmlns:a16="http://schemas.microsoft.com/office/drawing/2014/main" id="{F0F37604-7F97-DC3A-F40A-AD67CA7FF3CA}"/>
-              </a:ext>
-            </a:extLst>
-          </p:cNvPr>
-          <p:cNvPicPr>
-            <a:picLocks noChangeAspect="1"/>
-          </p:cNvPicPr>
-          <p:nvPr/>
-        </p:nvPicPr>
-        <p:blipFill>
-          <a:blip r:embed="rId5"/>
-          <a:stretch>
-            <a:fillRect/>
-          </a:stretch>
-        </p:blipFill>
-        <p:spPr>
-          <a:xfrm>
-            <a:off x="3469964" y="4520876"/>
-            <a:ext cx="465429" cy="465429"/>
-          </a:xfrm>
-          <a:prstGeom prst="rect">
-            <a:avLst/>
-          </a:prstGeom>
-        </p:spPr>
-      </p:pic>
-      <p:sp>
-        <p:nvSpPr>
-          <p:cNvPr id="44" name="제목 1">
-            <a:extLst>
-              <a:ext uri="{FF2B5EF4-FFF2-40B4-BE49-F238E27FC236}">
-                <a16:creationId xmlns:a16="http://schemas.microsoft.com/office/drawing/2014/main" id="{65E8B885-2A47-E33E-D0BF-9BDE236EC4C5}"/>
-              </a:ext>
-            </a:extLst>
-          </p:cNvPr>
-          <p:cNvSpPr txBox="1">
-            <a:spLocks/>
-          </p:cNvSpPr>
-          <p:nvPr/>
-        </p:nvSpPr>
-        <p:spPr>
-          <a:xfrm>
-            <a:off x="3257073" y="5008219"/>
-            <a:ext cx="869150" cy="267998"/>
-          </a:xfrm>
-          <a:prstGeom prst="rect">
-            <a:avLst/>
-          </a:prstGeom>
-        </p:spPr>
-        <p:txBody>
-          <a:bodyPr vert="horz" lIns="91440" tIns="45720" rIns="91440" bIns="45720" rtlCol="0" anchor="ctr">
-            <a:normAutofit fontScale="92500"/>
-          </a:bodyPr>
-          <a:lstStyle>
-            <a:lvl1pPr algn="l" defTabSz="914400" rtl="0" eaLnBrk="1" latinLnBrk="1" hangingPunct="1">
-              <a:lnSpc>
-                <a:spcPct val="90000"/>
-              </a:lnSpc>
-              <a:spcBef>
-                <a:spcPct val="0"/>
-              </a:spcBef>
-              <a:buNone/>
-              <a:defRPr sz="4400" kern="1200">
-                <a:solidFill>
-                  <a:schemeClr val="tx1"/>
-                </a:solidFill>
-                <a:latin typeface="+mj-lt"/>
-                <a:ea typeface="+mj-ea"/>
-                <a:cs typeface="+mj-cs"/>
-              </a:defRPr>
-            </a:lvl1pPr>
-          </a:lstStyle>
-          <a:p>
-            <a:pPr algn="ctr"/>
-            <a:r>
-              <a:rPr kumimoji="1" lang="en-US" altLang="ko-KR" sz="1100" b="1" dirty="0">
-                <a:latin typeface="KoPubWorldDotum Bold" pitchFamily="2" charset="-127"/>
-                <a:ea typeface="KoPubWorldDotum Bold" pitchFamily="2" charset="-127"/>
-                <a:cs typeface="KoPubWorldDotum Bold" pitchFamily="2" charset="-127"/>
-              </a:rPr>
-              <a:t>DynamoDB</a:t>
-            </a:r>
-            <a:endParaRPr kumimoji="1" lang="ko-KR" altLang="en-US" sz="1100" b="1" dirty="0">
-              <a:latin typeface="KoPubWorldDotum Bold" pitchFamily="2" charset="-127"/>
-              <a:ea typeface="KoPubWorldDotum Bold" pitchFamily="2" charset="-127"/>
-              <a:cs typeface="KoPubWorldDotum Bold" pitchFamily="2" charset="-127"/>
-            </a:endParaRPr>
-          </a:p>
-        </p:txBody>
-      </p:sp>
-      <p:cxnSp>
-        <p:nvCxnSpPr>
-          <p:cNvPr id="45" name="직선 화살표 연결선 44">
-            <a:extLst>
-              <a:ext uri="{FF2B5EF4-FFF2-40B4-BE49-F238E27FC236}">
-                <a16:creationId xmlns:a16="http://schemas.microsoft.com/office/drawing/2014/main" id="{D5249C5D-58DA-CFB7-DDB8-661743AA66FD}"/>
-              </a:ext>
-            </a:extLst>
-          </p:cNvPr>
-          <p:cNvCxnSpPr>
-            <a:cxnSpLocks/>
-            <a:endCxn id="42" idx="0"/>
-          </p:cNvCxnSpPr>
-          <p:nvPr/>
-        </p:nvCxnSpPr>
-        <p:spPr>
-          <a:xfrm>
-            <a:off x="3702679" y="4383314"/>
-            <a:ext cx="0" cy="137562"/>
-          </a:xfrm>
-          <a:prstGeom prst="straightConnector1">
-            <a:avLst/>
-          </a:prstGeom>
-          <a:ln>
-            <a:headEnd type="none" w="med" len="med"/>
-            <a:tailEnd type="none" w="med" len="med"/>
-          </a:ln>
-        </p:spPr>
-        <p:style>
-          <a:lnRef idx="2">
-            <a:schemeClr val="accent1"/>
-          </a:lnRef>
-          <a:fillRef idx="0">
-            <a:schemeClr val="accent1"/>
-          </a:fillRef>
-          <a:effectRef idx="1">
-            <a:schemeClr val="accent1"/>
-          </a:effectRef>
-          <a:fontRef idx="minor">
-            <a:schemeClr val="tx1"/>
-          </a:fontRef>
-        </p:style>
-      </p:cxnSp>
-      <p:sp>
-        <p:nvSpPr>
-          <p:cNvPr id="47" name="직사각형 46">
-            <a:extLst>
-              <a:ext uri="{FF2B5EF4-FFF2-40B4-BE49-F238E27FC236}">
-                <a16:creationId xmlns:a16="http://schemas.microsoft.com/office/drawing/2014/main" id="{29EA22F1-E5B7-B0FD-7F55-388CB6E0A121}"/>
-              </a:ext>
-            </a:extLst>
-          </p:cNvPr>
-          <p:cNvSpPr/>
-          <p:nvPr/>
-        </p:nvSpPr>
-        <p:spPr>
-          <a:xfrm>
-            <a:off x="481290" y="2336800"/>
-            <a:ext cx="10479881" cy="2965493"/>
-          </a:xfrm>
-          <a:prstGeom prst="rect">
-            <a:avLst/>
-          </a:prstGeom>
-          <a:noFill/>
-          <a:ln>
-            <a:solidFill>
-              <a:srgbClr val="000000"/>
-            </a:solidFill>
-            <a:prstDash val="sysDash"/>
-          </a:ln>
-        </p:spPr>
-        <p:style>
-          <a:lnRef idx="2">
-            <a:schemeClr val="accent1">
-              <a:shade val="15000"/>
-            </a:schemeClr>
-          </a:lnRef>
-          <a:fillRef idx="1">
-            <a:schemeClr val="accent1"/>
-          </a:fillRef>
-          <a:effectRef idx="0">
-            <a:schemeClr val="accent1"/>
-          </a:effectRef>
-          <a:fontRef idx="minor">
-            <a:schemeClr val="lt1"/>
-          </a:fontRef>
-        </p:style>
-        <p:txBody>
-          <a:bodyPr rtlCol="0" anchor="ctr"/>
-          <a:lstStyle/>
-          <a:p>
-            <a:pPr algn="ctr"/>
-            <a:endParaRPr kumimoji="1" lang="ko-KR" altLang="en-US"/>
-          </a:p>
-        </p:txBody>
-      </p:sp>
-      <p:pic>
-        <p:nvPicPr>
-          <p:cNvPr id="48" name="Picture 4" descr="Amazon Web Services | Incentro Partner">
-            <a:extLst>
-              <a:ext uri="{FF2B5EF4-FFF2-40B4-BE49-F238E27FC236}">
-                <a16:creationId xmlns:a16="http://schemas.microsoft.com/office/drawing/2014/main" id="{B577BE15-FAF9-A7CC-AC04-E0A6D2AD5A0A}"/>
-              </a:ext>
-            </a:extLst>
-          </p:cNvPr>
-          <p:cNvPicPr>
-            <a:picLocks noChangeAspect="1" noChangeArrowheads="1"/>
-          </p:cNvPicPr>
-          <p:nvPr/>
-        </p:nvPicPr>
-        <p:blipFill>
-          <a:blip r:embed="rId6">
-            <a:extLst>
-              <a:ext uri="{28A0092B-C50C-407E-A947-70E740481C1C}">
-                <a14:useLocalDpi xmlns:a14="http://schemas.microsoft.com/office/drawing/2010/main" val="0"/>
-              </a:ext>
-            </a:extLst>
-          </a:blip>
-          <a:srcRect/>
-          <a:stretch>
-            <a:fillRect/>
-          </a:stretch>
-        </p:blipFill>
-        <p:spPr bwMode="auto">
-          <a:xfrm>
-            <a:off x="486534" y="2328764"/>
-            <a:ext cx="377292" cy="377292"/>
-          </a:xfrm>
-          <a:prstGeom prst="rect">
-            <a:avLst/>
-          </a:prstGeom>
-          <a:noFill/>
-          <a:extLst>
-            <a:ext uri="{909E8E84-426E-40DD-AFC4-6F175D3DCCD1}">
-              <a14:hiddenFill xmlns:a14="http://schemas.microsoft.com/office/drawing/2010/main">
-                <a:solidFill>
-                  <a:srgbClr val="FFFFFF"/>
-                </a:solidFill>
-              </a14:hiddenFill>
-            </a:ext>
-          </a:extLst>
-        </p:spPr>
-      </p:pic>
-      <p:sp>
-        <p:nvSpPr>
-          <p:cNvPr id="52" name="처리 51">
-            <a:extLst>
-              <a:ext uri="{FF2B5EF4-FFF2-40B4-BE49-F238E27FC236}">
-                <a16:creationId xmlns:a16="http://schemas.microsoft.com/office/drawing/2014/main" id="{B3F6DD1E-19ED-1022-C7E4-03C4E4BF701C}"/>
-              </a:ext>
-            </a:extLst>
-          </p:cNvPr>
-          <p:cNvSpPr/>
-          <p:nvPr/>
-        </p:nvSpPr>
-        <p:spPr>
-          <a:xfrm>
-            <a:off x="3090094" y="3475616"/>
-            <a:ext cx="1203109" cy="243942"/>
-          </a:xfrm>
-          <a:prstGeom prst="flowChartProcess">
-            <a:avLst/>
-          </a:prstGeom>
-          <a:solidFill>
-            <a:schemeClr val="accent1"/>
-          </a:solidFill>
-          <a:ln>
-            <a:noFill/>
-          </a:ln>
-        </p:spPr>
-        <p:style>
-          <a:lnRef idx="2">
-            <a:schemeClr val="accent1">
-              <a:shade val="15000"/>
-            </a:schemeClr>
-          </a:lnRef>
-          <a:fillRef idx="1">
-            <a:schemeClr val="accent1"/>
-          </a:fillRef>
-          <a:effectRef idx="0">
-            <a:schemeClr val="accent1"/>
-          </a:effectRef>
-          <a:fontRef idx="minor">
-            <a:schemeClr val="lt1"/>
-          </a:fontRef>
-        </p:style>
-        <p:txBody>
-          <a:bodyPr rtlCol="0" anchor="ctr"/>
-          <a:lstStyle/>
-          <a:p>
-            <a:pPr algn="ctr"/>
-            <a:r>
-              <a:rPr kumimoji="1" lang="en-US" altLang="ko-KR" sz="1100" b="1" dirty="0" err="1">
-                <a:latin typeface="KoPubWorldDotum Bold" pitchFamily="2" charset="-127"/>
-                <a:ea typeface="KoPubWorldDotum Bold" pitchFamily="2" charset="-127"/>
-                <a:cs typeface="KoPubWorldDotum Bold" pitchFamily="2" charset="-127"/>
-              </a:rPr>
-              <a:t>Back.py</a:t>
-            </a:r>
-            <a:endParaRPr kumimoji="1" lang="ko-KR" altLang="en-US" sz="1100" b="1" dirty="0">
-              <a:latin typeface="KoPubWorldDotum Bold" pitchFamily="2" charset="-127"/>
-              <a:ea typeface="KoPubWorldDotum Bold" pitchFamily="2" charset="-127"/>
-              <a:cs typeface="KoPubWorldDotum Bold" pitchFamily="2" charset="-127"/>
-            </a:endParaRPr>
-          </a:p>
-        </p:txBody>
-      </p:sp>
-      <p:pic>
-        <p:nvPicPr>
-          <p:cNvPr id="53" name="그림 52">
-            <a:extLst>
-              <a:ext uri="{FF2B5EF4-FFF2-40B4-BE49-F238E27FC236}">
-                <a16:creationId xmlns:a16="http://schemas.microsoft.com/office/drawing/2014/main" id="{B1E2C941-6E65-D0AA-C994-14B293123313}"/>
-              </a:ext>
-            </a:extLst>
-          </p:cNvPr>
-          <p:cNvPicPr>
-            <a:picLocks noChangeAspect="1"/>
-          </p:cNvPicPr>
-          <p:nvPr/>
-        </p:nvPicPr>
-        <p:blipFill>
-          <a:blip r:embed="rId7"/>
-          <a:stretch>
-            <a:fillRect/>
-          </a:stretch>
-        </p:blipFill>
-        <p:spPr>
-          <a:xfrm>
-            <a:off x="4816158" y="3348696"/>
-            <a:ext cx="462142" cy="462142"/>
-          </a:xfrm>
-          <a:prstGeom prst="rect">
-            <a:avLst/>
-          </a:prstGeom>
-        </p:spPr>
-      </p:pic>
-      <p:pic>
-        <p:nvPicPr>
-          <p:cNvPr id="58" name="그림 57">
-            <a:extLst>
-              <a:ext uri="{FF2B5EF4-FFF2-40B4-BE49-F238E27FC236}">
-                <a16:creationId xmlns:a16="http://schemas.microsoft.com/office/drawing/2014/main" id="{0A88FA9D-5ECC-6297-009C-C739A8270088}"/>
-              </a:ext>
-            </a:extLst>
-          </p:cNvPr>
-          <p:cNvPicPr>
-            <a:picLocks noChangeAspect="1"/>
-          </p:cNvPicPr>
-          <p:nvPr/>
-        </p:nvPicPr>
-        <p:blipFill>
-          <a:blip r:embed="rId8"/>
-          <a:stretch>
-            <a:fillRect/>
-          </a:stretch>
-        </p:blipFill>
-        <p:spPr>
-          <a:xfrm>
-            <a:off x="5695248" y="3360274"/>
-            <a:ext cx="461326" cy="461326"/>
-          </a:xfrm>
-          <a:prstGeom prst="rect">
-            <a:avLst/>
-          </a:prstGeom>
-        </p:spPr>
-      </p:pic>
-      <p:sp>
-        <p:nvSpPr>
-          <p:cNvPr id="59" name="직사각형 58">
-            <a:extLst>
-              <a:ext uri="{FF2B5EF4-FFF2-40B4-BE49-F238E27FC236}">
-                <a16:creationId xmlns:a16="http://schemas.microsoft.com/office/drawing/2014/main" id="{A9E4093A-2978-DFB7-A584-8127A6BEEBBD}"/>
-              </a:ext>
-            </a:extLst>
-          </p:cNvPr>
-          <p:cNvSpPr/>
-          <p:nvPr/>
-        </p:nvSpPr>
-        <p:spPr>
-          <a:xfrm>
-            <a:off x="7340979" y="3037631"/>
-            <a:ext cx="1503655" cy="1093027"/>
-          </a:xfrm>
-          <a:prstGeom prst="rect">
-            <a:avLst/>
-          </a:prstGeom>
-          <a:noFill/>
-          <a:ln>
-            <a:solidFill>
-              <a:srgbClr val="000000"/>
-            </a:solidFill>
-            <a:prstDash val="sysDash"/>
-          </a:ln>
-        </p:spPr>
-        <p:style>
-          <a:lnRef idx="2">
-            <a:schemeClr val="accent1">
-              <a:shade val="15000"/>
-            </a:schemeClr>
-          </a:lnRef>
-          <a:fillRef idx="1">
-            <a:schemeClr val="accent1"/>
-          </a:fillRef>
-          <a:effectRef idx="0">
-            <a:schemeClr val="accent1"/>
-          </a:effectRef>
-          <a:fontRef idx="minor">
-            <a:schemeClr val="lt1"/>
-          </a:fontRef>
-        </p:style>
-        <p:txBody>
-          <a:bodyPr rtlCol="0" anchor="ctr"/>
-          <a:lstStyle/>
-          <a:p>
-            <a:pPr algn="ctr"/>
-            <a:endParaRPr kumimoji="1" lang="ko-KR" altLang="en-US"/>
-          </a:p>
-        </p:txBody>
-      </p:sp>
-      <p:pic>
-        <p:nvPicPr>
-          <p:cNvPr id="60" name="그림 59">
-            <a:extLst>
-              <a:ext uri="{FF2B5EF4-FFF2-40B4-BE49-F238E27FC236}">
-                <a16:creationId xmlns:a16="http://schemas.microsoft.com/office/drawing/2014/main" id="{169B2176-E835-FB78-DF89-307A60DCF3A7}"/>
-              </a:ext>
-            </a:extLst>
-          </p:cNvPr>
-          <p:cNvPicPr>
-            <a:picLocks noChangeAspect="1"/>
-          </p:cNvPicPr>
-          <p:nvPr/>
-        </p:nvPicPr>
-        <p:blipFill>
-          <a:blip r:embed="rId9"/>
-          <a:stretch>
-            <a:fillRect/>
-          </a:stretch>
-        </p:blipFill>
-        <p:spPr>
-          <a:xfrm>
-            <a:off x="7896163" y="3915611"/>
-            <a:ext cx="462142" cy="462142"/>
-          </a:xfrm>
-          <a:prstGeom prst="rect">
-            <a:avLst/>
-          </a:prstGeom>
-        </p:spPr>
-      </p:pic>
-      <p:sp>
-        <p:nvSpPr>
-          <p:cNvPr id="61" name="제목 1">
-            <a:extLst>
-              <a:ext uri="{FF2B5EF4-FFF2-40B4-BE49-F238E27FC236}">
-                <a16:creationId xmlns:a16="http://schemas.microsoft.com/office/drawing/2014/main" id="{6D13D23E-5487-3139-B9C6-1E043F6ED8FE}"/>
-              </a:ext>
-            </a:extLst>
-          </p:cNvPr>
-          <p:cNvSpPr txBox="1">
-            <a:spLocks/>
-          </p:cNvSpPr>
-          <p:nvPr/>
-        </p:nvSpPr>
-        <p:spPr>
-          <a:xfrm>
-            <a:off x="7669737" y="4387113"/>
-            <a:ext cx="967879" cy="267998"/>
-          </a:xfrm>
-          <a:prstGeom prst="rect">
-            <a:avLst/>
-          </a:prstGeom>
-        </p:spPr>
-        <p:txBody>
-          <a:bodyPr vert="horz" lIns="91440" tIns="45720" rIns="91440" bIns="45720" rtlCol="0" anchor="ctr">
-            <a:normAutofit/>
-          </a:bodyPr>
-          <a:lstStyle>
-            <a:lvl1pPr algn="l" defTabSz="914400" rtl="0" eaLnBrk="1" latinLnBrk="1" hangingPunct="1">
-              <a:lnSpc>
-                <a:spcPct val="90000"/>
-              </a:lnSpc>
-              <a:spcBef>
-                <a:spcPct val="0"/>
-              </a:spcBef>
-              <a:buNone/>
-              <a:defRPr sz="4400" kern="1200">
-                <a:solidFill>
-                  <a:schemeClr val="tx1"/>
-                </a:solidFill>
-                <a:latin typeface="+mj-lt"/>
-                <a:ea typeface="+mj-ea"/>
-                <a:cs typeface="+mj-cs"/>
-              </a:defRPr>
-            </a:lvl1pPr>
-          </a:lstStyle>
-          <a:p>
-            <a:pPr algn="ctr"/>
-            <a:r>
-              <a:rPr kumimoji="1" lang="en-US" altLang="ko-KR" sz="1100" b="1" dirty="0">
-                <a:latin typeface="KoPubWorldDotum Bold" pitchFamily="2" charset="-127"/>
-                <a:ea typeface="KoPubWorldDotum Bold" pitchFamily="2" charset="-127"/>
-                <a:cs typeface="KoPubWorldDotum Bold" pitchFamily="2" charset="-127"/>
-              </a:rPr>
-              <a:t>S3</a:t>
-            </a:r>
-            <a:endParaRPr kumimoji="1" lang="ko-KR" altLang="en-US" sz="1100" b="1" dirty="0">
-              <a:latin typeface="KoPubWorldDotum Bold" pitchFamily="2" charset="-127"/>
-              <a:ea typeface="KoPubWorldDotum Bold" pitchFamily="2" charset="-127"/>
-              <a:cs typeface="KoPubWorldDotum Bold" pitchFamily="2" charset="-127"/>
-            </a:endParaRPr>
-          </a:p>
-        </p:txBody>
-      </p:sp>
-      <p:cxnSp>
-        <p:nvCxnSpPr>
-          <p:cNvPr id="62" name="직선 화살표 연결선 61">
-            <a:extLst>
-              <a:ext uri="{FF2B5EF4-FFF2-40B4-BE49-F238E27FC236}">
-                <a16:creationId xmlns:a16="http://schemas.microsoft.com/office/drawing/2014/main" id="{01E2061D-C931-77B9-8CE8-030734F86FE2}"/>
-              </a:ext>
-            </a:extLst>
-          </p:cNvPr>
-          <p:cNvCxnSpPr>
-            <a:cxnSpLocks/>
-            <a:endCxn id="59" idx="3"/>
-          </p:cNvCxnSpPr>
-          <p:nvPr/>
-        </p:nvCxnSpPr>
-        <p:spPr>
-          <a:xfrm flipH="1">
-            <a:off x="8844634" y="3584145"/>
-            <a:ext cx="2545956" cy="0"/>
-          </a:xfrm>
-          <a:prstGeom prst="straightConnector1">
-            <a:avLst/>
-          </a:prstGeom>
-          <a:ln>
-            <a:headEnd type="none" w="med" len="med"/>
-            <a:tailEnd type="none" w="med" len="med"/>
-          </a:ln>
-        </p:spPr>
-        <p:style>
-          <a:lnRef idx="2">
-            <a:schemeClr val="accent1"/>
-          </a:lnRef>
-          <a:fillRef idx="0">
-            <a:schemeClr val="accent1"/>
-          </a:fillRef>
-          <a:effectRef idx="1">
-            <a:schemeClr val="accent1"/>
-          </a:effectRef>
-          <a:fontRef idx="minor">
-            <a:schemeClr val="tx1"/>
-          </a:fontRef>
-        </p:style>
-      </p:cxnSp>
-      <p:pic>
-        <p:nvPicPr>
-          <p:cNvPr id="1028" name="그래픽 1027" descr="사용자 단색으로 채워진">
-            <a:extLst>
-              <a:ext uri="{FF2B5EF4-FFF2-40B4-BE49-F238E27FC236}">
-                <a16:creationId xmlns:a16="http://schemas.microsoft.com/office/drawing/2014/main" id="{3FB281D3-EFD8-2FA3-C392-D355EDFC05A5}"/>
-              </a:ext>
-            </a:extLst>
-          </p:cNvPr>
-          <p:cNvPicPr>
-            <a:picLocks noChangeAspect="1"/>
-          </p:cNvPicPr>
-          <p:nvPr/>
-        </p:nvPicPr>
-        <p:blipFill>
-          <a:blip r:embed="rId10">
-            <a:extLst>
-              <a:ext uri="{96DAC541-7B7A-43D3-8B79-37D633B846F1}">
-                <asvg:svgBlip xmlns:asvg="http://schemas.microsoft.com/office/drawing/2016/SVG/main" r:embed="rId11"/>
-              </a:ext>
-            </a:extLst>
-          </a:blip>
-          <a:stretch>
-            <a:fillRect/>
-          </a:stretch>
-        </p:blipFill>
-        <p:spPr>
-          <a:xfrm>
-            <a:off x="11069435" y="3141147"/>
-            <a:ext cx="754027" cy="754027"/>
-          </a:xfrm>
-          <a:prstGeom prst="rect">
-            <a:avLst/>
-          </a:prstGeom>
-        </p:spPr>
-      </p:pic>
-      <p:pic>
-        <p:nvPicPr>
-          <p:cNvPr id="1029" name="그림 1028">
-            <a:extLst>
-              <a:ext uri="{FF2B5EF4-FFF2-40B4-BE49-F238E27FC236}">
-                <a16:creationId xmlns:a16="http://schemas.microsoft.com/office/drawing/2014/main" id="{08369F50-E6DD-FF20-DF53-6BDDF87A2396}"/>
-              </a:ext>
-            </a:extLst>
-          </p:cNvPr>
-          <p:cNvPicPr>
-            <a:picLocks noChangeAspect="1"/>
-          </p:cNvPicPr>
-          <p:nvPr/>
-        </p:nvPicPr>
-        <p:blipFill>
-          <a:blip r:embed="rId12"/>
-          <a:stretch>
-            <a:fillRect/>
-          </a:stretch>
-        </p:blipFill>
-        <p:spPr>
-          <a:xfrm>
-            <a:off x="10061669" y="3348696"/>
-            <a:ext cx="469400" cy="469400"/>
-          </a:xfrm>
-          <a:prstGeom prst="rect">
-            <a:avLst/>
-          </a:prstGeom>
-        </p:spPr>
-      </p:pic>
-      <p:sp>
-        <p:nvSpPr>
-          <p:cNvPr id="1030" name="제목 1">
-            <a:extLst>
-              <a:ext uri="{FF2B5EF4-FFF2-40B4-BE49-F238E27FC236}">
-                <a16:creationId xmlns:a16="http://schemas.microsoft.com/office/drawing/2014/main" id="{CA67B252-F70D-B006-88C1-917788068528}"/>
-              </a:ext>
-            </a:extLst>
-          </p:cNvPr>
-          <p:cNvSpPr txBox="1">
-            <a:spLocks/>
-          </p:cNvSpPr>
-          <p:nvPr/>
-        </p:nvSpPr>
-        <p:spPr>
-          <a:xfrm>
-            <a:off x="9808138" y="3818096"/>
-            <a:ext cx="967879" cy="267998"/>
-          </a:xfrm>
-          <a:prstGeom prst="rect">
-            <a:avLst/>
-          </a:prstGeom>
-        </p:spPr>
-        <p:txBody>
-          <a:bodyPr vert="horz" lIns="91440" tIns="45720" rIns="91440" bIns="45720" rtlCol="0" anchor="ctr">
-            <a:normAutofit/>
-          </a:bodyPr>
-          <a:lstStyle>
-            <a:lvl1pPr algn="l" defTabSz="914400" rtl="0" eaLnBrk="1" latinLnBrk="1" hangingPunct="1">
-              <a:lnSpc>
-                <a:spcPct val="90000"/>
-              </a:lnSpc>
-              <a:spcBef>
-                <a:spcPct val="0"/>
-              </a:spcBef>
-              <a:buNone/>
-              <a:defRPr sz="4400" kern="1200">
-                <a:solidFill>
-                  <a:schemeClr val="tx1"/>
-                </a:solidFill>
-                <a:latin typeface="+mj-lt"/>
-                <a:ea typeface="+mj-ea"/>
-                <a:cs typeface="+mj-cs"/>
-              </a:defRPr>
-            </a:lvl1pPr>
-          </a:lstStyle>
-          <a:p>
-            <a:pPr algn="ctr"/>
-            <a:r>
-              <a:rPr kumimoji="1" lang="en-US" altLang="ko-KR" sz="1100" b="1" dirty="0">
-                <a:latin typeface="KoPubWorldDotum Bold" pitchFamily="2" charset="-127"/>
-                <a:ea typeface="KoPubWorldDotum Bold" pitchFamily="2" charset="-127"/>
-                <a:cs typeface="KoPubWorldDotum Bold" pitchFamily="2" charset="-127"/>
-              </a:rPr>
-              <a:t>Route 53</a:t>
-            </a:r>
-            <a:endParaRPr kumimoji="1" lang="ko-KR" altLang="en-US" sz="1100" b="1" dirty="0">
-              <a:latin typeface="KoPubWorldDotum Bold" pitchFamily="2" charset="-127"/>
-              <a:ea typeface="KoPubWorldDotum Bold" pitchFamily="2" charset="-127"/>
-              <a:cs typeface="KoPubWorldDotum Bold" pitchFamily="2" charset="-127"/>
-            </a:endParaRPr>
-          </a:p>
-        </p:txBody>
-      </p:sp>
-      <p:sp>
-        <p:nvSpPr>
-          <p:cNvPr id="1031" name="처리 1030">
-            <a:extLst>
-              <a:ext uri="{FF2B5EF4-FFF2-40B4-BE49-F238E27FC236}">
-                <a16:creationId xmlns:a16="http://schemas.microsoft.com/office/drawing/2014/main" id="{2A0D295D-955E-0D47-9EE4-3E3C066AAF1B}"/>
-              </a:ext>
-            </a:extLst>
-          </p:cNvPr>
-          <p:cNvSpPr/>
-          <p:nvPr/>
-        </p:nvSpPr>
-        <p:spPr>
-          <a:xfrm>
-            <a:off x="7502416" y="3123937"/>
-            <a:ext cx="1203109" cy="243942"/>
-          </a:xfrm>
-          <a:prstGeom prst="flowChartProcess">
-            <a:avLst/>
-          </a:prstGeom>
-          <a:solidFill>
-            <a:schemeClr val="accent1"/>
-          </a:solidFill>
-          <a:ln>
-            <a:noFill/>
-          </a:ln>
-        </p:spPr>
-        <p:style>
-          <a:lnRef idx="2">
-            <a:schemeClr val="accent1">
-              <a:shade val="15000"/>
-            </a:schemeClr>
-          </a:lnRef>
-          <a:fillRef idx="1">
-            <a:schemeClr val="accent1"/>
-          </a:fillRef>
-          <a:effectRef idx="0">
-            <a:schemeClr val="accent1"/>
-          </a:effectRef>
-          <a:fontRef idx="minor">
-            <a:schemeClr val="lt1"/>
-          </a:fontRef>
-        </p:style>
-        <p:txBody>
-          <a:bodyPr rtlCol="0" anchor="ctr"/>
-          <a:lstStyle/>
-          <a:p>
-            <a:pPr algn="ctr"/>
-            <a:r>
-              <a:rPr kumimoji="1" lang="en-US" altLang="ko-KR" sz="1100" b="1" dirty="0" err="1">
-                <a:latin typeface="KoPubWorldDotum Bold" pitchFamily="2" charset="-127"/>
-                <a:ea typeface="KoPubWorldDotum Bold" pitchFamily="2" charset="-127"/>
-                <a:cs typeface="KoPubWorldDotum Bold" pitchFamily="2" charset="-127"/>
-              </a:rPr>
-              <a:t>Front.js</a:t>
-            </a:r>
-            <a:endParaRPr kumimoji="1" lang="ko-KR" altLang="en-US" sz="1100" b="1" dirty="0">
-              <a:latin typeface="KoPubWorldDotum Bold" pitchFamily="2" charset="-127"/>
-              <a:ea typeface="KoPubWorldDotum Bold" pitchFamily="2" charset="-127"/>
-              <a:cs typeface="KoPubWorldDotum Bold" pitchFamily="2" charset="-127"/>
-            </a:endParaRPr>
-          </a:p>
-        </p:txBody>
-      </p:sp>
-      <p:sp>
-        <p:nvSpPr>
-          <p:cNvPr id="1032" name="처리 1031">
-            <a:extLst>
-              <a:ext uri="{FF2B5EF4-FFF2-40B4-BE49-F238E27FC236}">
-                <a16:creationId xmlns:a16="http://schemas.microsoft.com/office/drawing/2014/main" id="{D8D87AA7-84EA-A07D-897E-A08643CDA3B9}"/>
-              </a:ext>
-            </a:extLst>
-          </p:cNvPr>
-          <p:cNvSpPr/>
-          <p:nvPr/>
-        </p:nvSpPr>
-        <p:spPr>
-          <a:xfrm>
-            <a:off x="7502416" y="3383903"/>
-            <a:ext cx="1203109" cy="243942"/>
-          </a:xfrm>
-          <a:prstGeom prst="flowChartProcess">
-            <a:avLst/>
-          </a:prstGeom>
-          <a:solidFill>
-            <a:schemeClr val="accent1"/>
-          </a:solidFill>
-          <a:ln>
-            <a:noFill/>
-          </a:ln>
-        </p:spPr>
-        <p:style>
-          <a:lnRef idx="2">
-            <a:schemeClr val="accent1">
-              <a:shade val="15000"/>
-            </a:schemeClr>
-          </a:lnRef>
-          <a:fillRef idx="1">
-            <a:schemeClr val="accent1"/>
-          </a:fillRef>
-          <a:effectRef idx="0">
-            <a:schemeClr val="accent1"/>
-          </a:effectRef>
-          <a:fontRef idx="minor">
-            <a:schemeClr val="lt1"/>
-          </a:fontRef>
-        </p:style>
-        <p:txBody>
-          <a:bodyPr rtlCol="0" anchor="ctr"/>
-          <a:lstStyle/>
-          <a:p>
-            <a:pPr algn="ctr"/>
-            <a:r>
-              <a:rPr kumimoji="1" lang="en-US" altLang="ko-KR" sz="1100" b="1" dirty="0" err="1">
-                <a:latin typeface="KoPubWorldDotum Bold" pitchFamily="2" charset="-127"/>
-                <a:ea typeface="KoPubWorldDotum Bold" pitchFamily="2" charset="-127"/>
-                <a:cs typeface="KoPubWorldDotum Bold" pitchFamily="2" charset="-127"/>
-              </a:rPr>
-              <a:t>Front.html</a:t>
-            </a:r>
-            <a:endParaRPr kumimoji="1" lang="ko-KR" altLang="en-US" sz="1100" b="1" dirty="0">
-              <a:latin typeface="KoPubWorldDotum Bold" pitchFamily="2" charset="-127"/>
-              <a:ea typeface="KoPubWorldDotum Bold" pitchFamily="2" charset="-127"/>
-              <a:cs typeface="KoPubWorldDotum Bold" pitchFamily="2" charset="-127"/>
-            </a:endParaRPr>
-          </a:p>
-        </p:txBody>
-      </p:sp>
-      <p:sp>
-        <p:nvSpPr>
-          <p:cNvPr id="1033" name="처리 1032">
-            <a:extLst>
-              <a:ext uri="{FF2B5EF4-FFF2-40B4-BE49-F238E27FC236}">
-                <a16:creationId xmlns:a16="http://schemas.microsoft.com/office/drawing/2014/main" id="{DF1F1EA4-DC94-586B-7021-4B6141519D59}"/>
-              </a:ext>
-            </a:extLst>
-          </p:cNvPr>
-          <p:cNvSpPr/>
-          <p:nvPr/>
-        </p:nvSpPr>
-        <p:spPr>
-          <a:xfrm>
-            <a:off x="7502416" y="3646731"/>
-            <a:ext cx="1203109" cy="243942"/>
-          </a:xfrm>
-          <a:prstGeom prst="flowChartProcess">
-            <a:avLst/>
-          </a:prstGeom>
-          <a:solidFill>
-            <a:schemeClr val="accent1"/>
-          </a:solidFill>
-          <a:ln>
-            <a:noFill/>
-          </a:ln>
-        </p:spPr>
-        <p:style>
-          <a:lnRef idx="2">
-            <a:schemeClr val="accent1">
-              <a:shade val="15000"/>
-            </a:schemeClr>
-          </a:lnRef>
-          <a:fillRef idx="1">
-            <a:schemeClr val="accent1"/>
-          </a:fillRef>
-          <a:effectRef idx="0">
-            <a:schemeClr val="accent1"/>
-          </a:effectRef>
-          <a:fontRef idx="minor">
-            <a:schemeClr val="lt1"/>
-          </a:fontRef>
-        </p:style>
-        <p:txBody>
-          <a:bodyPr rtlCol="0" anchor="ctr"/>
-          <a:lstStyle/>
-          <a:p>
-            <a:pPr algn="ctr"/>
-            <a:r>
-              <a:rPr kumimoji="1" lang="en-US" altLang="ko-KR" sz="1100" b="1" dirty="0" err="1">
-                <a:latin typeface="KoPubWorldDotum Bold" pitchFamily="2" charset="-127"/>
-                <a:ea typeface="KoPubWorldDotum Bold" pitchFamily="2" charset="-127"/>
-                <a:cs typeface="KoPubWorldDotum Bold" pitchFamily="2" charset="-127"/>
-              </a:rPr>
-              <a:t>Front.css</a:t>
-            </a:r>
-            <a:endParaRPr kumimoji="1" lang="ko-KR" altLang="en-US" sz="1100" b="1" dirty="0">
-              <a:latin typeface="KoPubWorldDotum Bold" pitchFamily="2" charset="-127"/>
-              <a:ea typeface="KoPubWorldDotum Bold" pitchFamily="2" charset="-127"/>
-              <a:cs typeface="KoPubWorldDotum Bold" pitchFamily="2" charset="-127"/>
-            </a:endParaRPr>
-          </a:p>
-        </p:txBody>
-      </p:sp>
-      <p:sp>
-        <p:nvSpPr>
-          <p:cNvPr id="1036" name="제목 1">
-            <a:extLst>
-              <a:ext uri="{FF2B5EF4-FFF2-40B4-BE49-F238E27FC236}">
-                <a16:creationId xmlns:a16="http://schemas.microsoft.com/office/drawing/2014/main" id="{DECEBB0D-FB32-ACAA-CBB4-F40844155831}"/>
-              </a:ext>
-            </a:extLst>
-          </p:cNvPr>
-          <p:cNvSpPr txBox="1">
-            <a:spLocks/>
-          </p:cNvSpPr>
-          <p:nvPr/>
-        </p:nvSpPr>
-        <p:spPr>
-          <a:xfrm>
-            <a:off x="5451168" y="3869287"/>
-            <a:ext cx="967879" cy="267998"/>
-          </a:xfrm>
-          <a:prstGeom prst="rect">
-            <a:avLst/>
-          </a:prstGeom>
-        </p:spPr>
-        <p:txBody>
-          <a:bodyPr vert="horz" lIns="91440" tIns="45720" rIns="91440" bIns="45720" rtlCol="0" anchor="ctr">
-            <a:normAutofit fontScale="92500"/>
-          </a:bodyPr>
-          <a:lstStyle>
-            <a:lvl1pPr algn="l" defTabSz="914400" rtl="0" eaLnBrk="1" latinLnBrk="1" hangingPunct="1">
-              <a:lnSpc>
-                <a:spcPct val="90000"/>
-              </a:lnSpc>
-              <a:spcBef>
-                <a:spcPct val="0"/>
-              </a:spcBef>
-              <a:buNone/>
-              <a:defRPr sz="4400" kern="1200">
-                <a:solidFill>
-                  <a:schemeClr val="tx1"/>
-                </a:solidFill>
-                <a:latin typeface="+mj-lt"/>
-                <a:ea typeface="+mj-ea"/>
-                <a:cs typeface="+mj-cs"/>
-              </a:defRPr>
-            </a:lvl1pPr>
-          </a:lstStyle>
-          <a:p>
-            <a:pPr algn="ctr"/>
-            <a:r>
-              <a:rPr kumimoji="1" lang="en-US" altLang="ko-KR" sz="1100" b="1" dirty="0">
-                <a:latin typeface="KoPubWorldDotum Bold" pitchFamily="2" charset="-127"/>
-                <a:ea typeface="KoPubWorldDotum Bold" pitchFamily="2" charset="-127"/>
-                <a:cs typeface="KoPubWorldDotum Bold" pitchFamily="2" charset="-127"/>
-              </a:rPr>
-              <a:t>API Gateway</a:t>
-            </a:r>
-            <a:endParaRPr kumimoji="1" lang="ko-KR" altLang="en-US" sz="1100" b="1" dirty="0">
-              <a:latin typeface="KoPubWorldDotum Bold" pitchFamily="2" charset="-127"/>
-              <a:ea typeface="KoPubWorldDotum Bold" pitchFamily="2" charset="-127"/>
-              <a:cs typeface="KoPubWorldDotum Bold" pitchFamily="2" charset="-127"/>
-            </a:endParaRPr>
-          </a:p>
-        </p:txBody>
-      </p:sp>
-      <p:sp>
-        <p:nvSpPr>
-          <p:cNvPr id="1037" name="제목 1">
-            <a:extLst>
-              <a:ext uri="{FF2B5EF4-FFF2-40B4-BE49-F238E27FC236}">
-                <a16:creationId xmlns:a16="http://schemas.microsoft.com/office/drawing/2014/main" id="{A24606E0-9599-9161-3A30-74861633520E}"/>
-              </a:ext>
-            </a:extLst>
-          </p:cNvPr>
-          <p:cNvSpPr txBox="1">
-            <a:spLocks/>
-          </p:cNvSpPr>
-          <p:nvPr/>
-        </p:nvSpPr>
-        <p:spPr>
-          <a:xfrm>
-            <a:off x="4528538" y="3862660"/>
-            <a:ext cx="967879" cy="267998"/>
-          </a:xfrm>
-          <a:prstGeom prst="rect">
-            <a:avLst/>
-          </a:prstGeom>
-        </p:spPr>
-        <p:txBody>
-          <a:bodyPr vert="horz" lIns="91440" tIns="45720" rIns="91440" bIns="45720" rtlCol="0" anchor="ctr">
-            <a:normAutofit/>
-          </a:bodyPr>
-          <a:lstStyle>
-            <a:lvl1pPr algn="l" defTabSz="914400" rtl="0" eaLnBrk="1" latinLnBrk="1" hangingPunct="1">
-              <a:lnSpc>
-                <a:spcPct val="90000"/>
-              </a:lnSpc>
-              <a:spcBef>
-                <a:spcPct val="0"/>
-              </a:spcBef>
-              <a:buNone/>
-              <a:defRPr sz="4400" kern="1200">
-                <a:solidFill>
-                  <a:schemeClr val="tx1"/>
-                </a:solidFill>
-                <a:latin typeface="+mj-lt"/>
-                <a:ea typeface="+mj-ea"/>
-                <a:cs typeface="+mj-cs"/>
-              </a:defRPr>
-            </a:lvl1pPr>
-          </a:lstStyle>
-          <a:p>
             <a:pPr algn="ctr"/>
             <a:r>
               <a:rPr kumimoji="1" lang="en-US" altLang="ko-KR" sz="1100" b="1" dirty="0" err="1">
@@ -10215,7 +10134,7 @@
 </p:sld>
 </file>
 
-<file path=ppt/slides/slide8.xml><?xml version="1.0" encoding="utf-8"?>
+<file path=ppt/slides/slide7.xml><?xml version="1.0" encoding="utf-8"?>
 <p:sld xmlns:a="http://schemas.openxmlformats.org/drawingml/2006/main" xmlns:r="http://schemas.openxmlformats.org/officeDocument/2006/relationships" xmlns:p="http://schemas.openxmlformats.org/presentationml/2006/main">
   <p:cSld>
     <p:spTree>

--- a/개발계획서.pptx
+++ b/개발계획서.pptx
@@ -4,6 +4,9 @@
   <p:sldMasterIdLst>
     <p:sldMasterId id="2147483648" r:id="rId1"/>
   </p:sldMasterIdLst>
+  <p:notesMasterIdLst>
+    <p:notesMasterId r:id="rId10"/>
+  </p:notesMasterIdLst>
   <p:sldIdLst>
     <p:sldId id="257" r:id="rId2"/>
     <p:sldId id="258" r:id="rId3"/>
@@ -12,6 +15,7 @@
     <p:sldId id="271" r:id="rId6"/>
     <p:sldId id="270" r:id="rId7"/>
     <p:sldId id="269" r:id="rId8"/>
+    <p:sldId id="274" r:id="rId9"/>
   </p:sldIdLst>
   <p:sldSz cx="12192000" cy="6858000"/>
   <p:notesSz cx="6858000" cy="9144000"/>
@@ -118,6 +122,439 @@
 </p:presentation>
 </file>
 
+<file path=ppt/notesMasters/notesMaster1.xml><?xml version="1.0" encoding="utf-8"?>
+<p:notesMaster xmlns:a="http://schemas.openxmlformats.org/drawingml/2006/main" xmlns:r="http://schemas.openxmlformats.org/officeDocument/2006/relationships" xmlns:p="http://schemas.openxmlformats.org/presentationml/2006/main">
+  <p:cSld>
+    <p:bg>
+      <p:bgRef idx="1001">
+        <a:schemeClr val="bg1"/>
+      </p:bgRef>
+    </p:bg>
+    <p:spTree>
+      <p:nvGrpSpPr>
+        <p:cNvPr id="1" name=""/>
+        <p:cNvGrpSpPr/>
+        <p:nvPr/>
+      </p:nvGrpSpPr>
+      <p:grpSpPr>
+        <a:xfrm>
+          <a:off x="0" y="0"/>
+          <a:ext cx="0" cy="0"/>
+          <a:chOff x="0" y="0"/>
+          <a:chExt cx="0" cy="0"/>
+        </a:xfrm>
+      </p:grpSpPr>
+      <p:sp>
+        <p:nvSpPr>
+          <p:cNvPr id="2" name="머리글 개체 틀 1"/>
+          <p:cNvSpPr>
+            <a:spLocks noGrp="1"/>
+          </p:cNvSpPr>
+          <p:nvPr>
+            <p:ph type="hdr" sz="quarter"/>
+          </p:nvPr>
+        </p:nvSpPr>
+        <p:spPr>
+          <a:xfrm>
+            <a:off x="0" y="0"/>
+            <a:ext cx="2971800" cy="458788"/>
+          </a:xfrm>
+          <a:prstGeom prst="rect">
+            <a:avLst/>
+          </a:prstGeom>
+        </p:spPr>
+        <p:txBody>
+          <a:bodyPr vert="horz" lIns="91440" tIns="45720" rIns="91440" bIns="45720" rtlCol="0"/>
+          <a:lstStyle>
+            <a:lvl1pPr algn="l">
+              <a:defRPr sz="1200"/>
+            </a:lvl1pPr>
+          </a:lstStyle>
+          <a:p>
+            <a:endParaRPr kumimoji="1" lang="ko-KR" altLang="en-US"/>
+          </a:p>
+        </p:txBody>
+      </p:sp>
+      <p:sp>
+        <p:nvSpPr>
+          <p:cNvPr id="3" name="날짜 개체 틀 2"/>
+          <p:cNvSpPr>
+            <a:spLocks noGrp="1"/>
+          </p:cNvSpPr>
+          <p:nvPr>
+            <p:ph type="dt" idx="1"/>
+          </p:nvPr>
+        </p:nvSpPr>
+        <p:spPr>
+          <a:xfrm>
+            <a:off x="3884613" y="0"/>
+            <a:ext cx="2971800" cy="458788"/>
+          </a:xfrm>
+          <a:prstGeom prst="rect">
+            <a:avLst/>
+          </a:prstGeom>
+        </p:spPr>
+        <p:txBody>
+          <a:bodyPr vert="horz" lIns="91440" tIns="45720" rIns="91440" bIns="45720" rtlCol="0"/>
+          <a:lstStyle>
+            <a:lvl1pPr algn="r">
+              <a:defRPr sz="1200"/>
+            </a:lvl1pPr>
+          </a:lstStyle>
+          <a:p>
+            <a:fld id="{9458FFD9-5838-1449-9919-C8A4367C6D0D}" type="datetimeFigureOut">
+              <a:rPr kumimoji="1" lang="ko-KR" altLang="en-US" smtClean="0"/>
+              <a:t>2024. 7. 29.</a:t>
+            </a:fld>
+            <a:endParaRPr kumimoji="1" lang="ko-KR" altLang="en-US"/>
+          </a:p>
+        </p:txBody>
+      </p:sp>
+      <p:sp>
+        <p:nvSpPr>
+          <p:cNvPr id="4" name="슬라이드 이미지 개체 틀 3"/>
+          <p:cNvSpPr>
+            <a:spLocks noGrp="1" noRot="1" noChangeAspect="1"/>
+          </p:cNvSpPr>
+          <p:nvPr>
+            <p:ph type="sldImg" idx="2"/>
+          </p:nvPr>
+        </p:nvSpPr>
+        <p:spPr>
+          <a:xfrm>
+            <a:off x="685800" y="1143000"/>
+            <a:ext cx="5486400" cy="3086100"/>
+          </a:xfrm>
+          <a:prstGeom prst="rect">
+            <a:avLst/>
+          </a:prstGeom>
+          <a:noFill/>
+          <a:ln w="12700">
+            <a:solidFill>
+              <a:prstClr val="black"/>
+            </a:solidFill>
+          </a:ln>
+        </p:spPr>
+        <p:txBody>
+          <a:bodyPr vert="horz" lIns="91440" tIns="45720" rIns="91440" bIns="45720" rtlCol="0" anchor="ctr"/>
+          <a:lstStyle/>
+          <a:p>
+            <a:endParaRPr lang="ko-KR" altLang="en-US"/>
+          </a:p>
+        </p:txBody>
+      </p:sp>
+      <p:sp>
+        <p:nvSpPr>
+          <p:cNvPr id="5" name="슬라이드 노트 개체 틀 4"/>
+          <p:cNvSpPr>
+            <a:spLocks noGrp="1"/>
+          </p:cNvSpPr>
+          <p:nvPr>
+            <p:ph type="body" sz="quarter" idx="3"/>
+          </p:nvPr>
+        </p:nvSpPr>
+        <p:spPr>
+          <a:xfrm>
+            <a:off x="685800" y="4400550"/>
+            <a:ext cx="5486400" cy="3600450"/>
+          </a:xfrm>
+          <a:prstGeom prst="rect">
+            <a:avLst/>
+          </a:prstGeom>
+        </p:spPr>
+        <p:txBody>
+          <a:bodyPr vert="horz" lIns="91440" tIns="45720" rIns="91440" bIns="45720" rtlCol="0"/>
+          <a:lstStyle/>
+          <a:p>
+            <a:pPr lvl="0"/>
+            <a:r>
+              <a:rPr kumimoji="1" lang="ko-KR" altLang="en-US"/>
+              <a:t>마스터 텍스트 스타일을 편집하려면 클릭</a:t>
+            </a:r>
+          </a:p>
+          <a:p>
+            <a:pPr lvl="1"/>
+            <a:r>
+              <a:rPr kumimoji="1" lang="ko-KR" altLang="en-US"/>
+              <a:t>두 번째 수준</a:t>
+            </a:r>
+          </a:p>
+          <a:p>
+            <a:pPr lvl="2"/>
+            <a:r>
+              <a:rPr kumimoji="1" lang="ko-KR" altLang="en-US"/>
+              <a:t>세 번째 수준</a:t>
+            </a:r>
+          </a:p>
+          <a:p>
+            <a:pPr lvl="3"/>
+            <a:r>
+              <a:rPr kumimoji="1" lang="ko-KR" altLang="en-US"/>
+              <a:t>네 번째 수준</a:t>
+            </a:r>
+          </a:p>
+          <a:p>
+            <a:pPr lvl="4"/>
+            <a:r>
+              <a:rPr kumimoji="1" lang="ko-KR" altLang="en-US"/>
+              <a:t>다섯 번째 수준</a:t>
+            </a:r>
+          </a:p>
+        </p:txBody>
+      </p:sp>
+      <p:sp>
+        <p:nvSpPr>
+          <p:cNvPr id="6" name="바닥글 개체 틀 5"/>
+          <p:cNvSpPr>
+            <a:spLocks noGrp="1"/>
+          </p:cNvSpPr>
+          <p:nvPr>
+            <p:ph type="ftr" sz="quarter" idx="4"/>
+          </p:nvPr>
+        </p:nvSpPr>
+        <p:spPr>
+          <a:xfrm>
+            <a:off x="0" y="8685213"/>
+            <a:ext cx="2971800" cy="458787"/>
+          </a:xfrm>
+          <a:prstGeom prst="rect">
+            <a:avLst/>
+          </a:prstGeom>
+        </p:spPr>
+        <p:txBody>
+          <a:bodyPr vert="horz" lIns="91440" tIns="45720" rIns="91440" bIns="45720" rtlCol="0" anchor="b"/>
+          <a:lstStyle>
+            <a:lvl1pPr algn="l">
+              <a:defRPr sz="1200"/>
+            </a:lvl1pPr>
+          </a:lstStyle>
+          <a:p>
+            <a:endParaRPr kumimoji="1" lang="ko-KR" altLang="en-US"/>
+          </a:p>
+        </p:txBody>
+      </p:sp>
+      <p:sp>
+        <p:nvSpPr>
+          <p:cNvPr id="7" name="슬라이드 번호 개체 틀 6"/>
+          <p:cNvSpPr>
+            <a:spLocks noGrp="1"/>
+          </p:cNvSpPr>
+          <p:nvPr>
+            <p:ph type="sldNum" sz="quarter" idx="5"/>
+          </p:nvPr>
+        </p:nvSpPr>
+        <p:spPr>
+          <a:xfrm>
+            <a:off x="3884613" y="8685213"/>
+            <a:ext cx="2971800" cy="458787"/>
+          </a:xfrm>
+          <a:prstGeom prst="rect">
+            <a:avLst/>
+          </a:prstGeom>
+        </p:spPr>
+        <p:txBody>
+          <a:bodyPr vert="horz" lIns="91440" tIns="45720" rIns="91440" bIns="45720" rtlCol="0" anchor="b"/>
+          <a:lstStyle>
+            <a:lvl1pPr algn="r">
+              <a:defRPr sz="1200"/>
+            </a:lvl1pPr>
+          </a:lstStyle>
+          <a:p>
+            <a:fld id="{C7D1C44E-14C5-4047-905B-19D9AA244188}" type="slidenum">
+              <a:rPr kumimoji="1" lang="ko-KR" altLang="en-US" smtClean="0"/>
+              <a:t>‹#›</a:t>
+            </a:fld>
+            <a:endParaRPr kumimoji="1" lang="ko-KR" altLang="en-US"/>
+          </a:p>
+        </p:txBody>
+      </p:sp>
+    </p:spTree>
+    <p:extLst>
+      <p:ext uri="{BB962C8B-B14F-4D97-AF65-F5344CB8AC3E}">
+        <p14:creationId xmlns:p14="http://schemas.microsoft.com/office/powerpoint/2010/main" val="3116812496"/>
+      </p:ext>
+    </p:extLst>
+  </p:cSld>
+  <p:clrMap bg1="lt1" tx1="dk1" bg2="lt2" tx2="dk2" accent1="accent1" accent2="accent2" accent3="accent3" accent4="accent4" accent5="accent5" accent6="accent6" hlink="hlink" folHlink="folHlink"/>
+  <p:notesStyle>
+    <a:lvl1pPr marL="0" algn="l" defTabSz="914400" rtl="0" eaLnBrk="1" latinLnBrk="1" hangingPunct="1">
+      <a:defRPr sz="1200" kern="1200">
+        <a:solidFill>
+          <a:schemeClr val="tx1"/>
+        </a:solidFill>
+        <a:latin typeface="+mn-lt"/>
+        <a:ea typeface="+mn-ea"/>
+        <a:cs typeface="+mn-cs"/>
+      </a:defRPr>
+    </a:lvl1pPr>
+    <a:lvl2pPr marL="457200" algn="l" defTabSz="914400" rtl="0" eaLnBrk="1" latinLnBrk="1" hangingPunct="1">
+      <a:defRPr sz="1200" kern="1200">
+        <a:solidFill>
+          <a:schemeClr val="tx1"/>
+        </a:solidFill>
+        <a:latin typeface="+mn-lt"/>
+        <a:ea typeface="+mn-ea"/>
+        <a:cs typeface="+mn-cs"/>
+      </a:defRPr>
+    </a:lvl2pPr>
+    <a:lvl3pPr marL="914400" algn="l" defTabSz="914400" rtl="0" eaLnBrk="1" latinLnBrk="1" hangingPunct="1">
+      <a:defRPr sz="1200" kern="1200">
+        <a:solidFill>
+          <a:schemeClr val="tx1"/>
+        </a:solidFill>
+        <a:latin typeface="+mn-lt"/>
+        <a:ea typeface="+mn-ea"/>
+        <a:cs typeface="+mn-cs"/>
+      </a:defRPr>
+    </a:lvl3pPr>
+    <a:lvl4pPr marL="1371600" algn="l" defTabSz="914400" rtl="0" eaLnBrk="1" latinLnBrk="1" hangingPunct="1">
+      <a:defRPr sz="1200" kern="1200">
+        <a:solidFill>
+          <a:schemeClr val="tx1"/>
+        </a:solidFill>
+        <a:latin typeface="+mn-lt"/>
+        <a:ea typeface="+mn-ea"/>
+        <a:cs typeface="+mn-cs"/>
+      </a:defRPr>
+    </a:lvl4pPr>
+    <a:lvl5pPr marL="1828800" algn="l" defTabSz="914400" rtl="0" eaLnBrk="1" latinLnBrk="1" hangingPunct="1">
+      <a:defRPr sz="1200" kern="1200">
+        <a:solidFill>
+          <a:schemeClr val="tx1"/>
+        </a:solidFill>
+        <a:latin typeface="+mn-lt"/>
+        <a:ea typeface="+mn-ea"/>
+        <a:cs typeface="+mn-cs"/>
+      </a:defRPr>
+    </a:lvl5pPr>
+    <a:lvl6pPr marL="2286000" algn="l" defTabSz="914400" rtl="0" eaLnBrk="1" latinLnBrk="1" hangingPunct="1">
+      <a:defRPr sz="1200" kern="1200">
+        <a:solidFill>
+          <a:schemeClr val="tx1"/>
+        </a:solidFill>
+        <a:latin typeface="+mn-lt"/>
+        <a:ea typeface="+mn-ea"/>
+        <a:cs typeface="+mn-cs"/>
+      </a:defRPr>
+    </a:lvl6pPr>
+    <a:lvl7pPr marL="2743200" algn="l" defTabSz="914400" rtl="0" eaLnBrk="1" latinLnBrk="1" hangingPunct="1">
+      <a:defRPr sz="1200" kern="1200">
+        <a:solidFill>
+          <a:schemeClr val="tx1"/>
+        </a:solidFill>
+        <a:latin typeface="+mn-lt"/>
+        <a:ea typeface="+mn-ea"/>
+        <a:cs typeface="+mn-cs"/>
+      </a:defRPr>
+    </a:lvl7pPr>
+    <a:lvl8pPr marL="3200400" algn="l" defTabSz="914400" rtl="0" eaLnBrk="1" latinLnBrk="1" hangingPunct="1">
+      <a:defRPr sz="1200" kern="1200">
+        <a:solidFill>
+          <a:schemeClr val="tx1"/>
+        </a:solidFill>
+        <a:latin typeface="+mn-lt"/>
+        <a:ea typeface="+mn-ea"/>
+        <a:cs typeface="+mn-cs"/>
+      </a:defRPr>
+    </a:lvl8pPr>
+    <a:lvl9pPr marL="3657600" algn="l" defTabSz="914400" rtl="0" eaLnBrk="1" latinLnBrk="1" hangingPunct="1">
+      <a:defRPr sz="1200" kern="1200">
+        <a:solidFill>
+          <a:schemeClr val="tx1"/>
+        </a:solidFill>
+        <a:latin typeface="+mn-lt"/>
+        <a:ea typeface="+mn-ea"/>
+        <a:cs typeface="+mn-cs"/>
+      </a:defRPr>
+    </a:lvl9pPr>
+  </p:notesStyle>
+</p:notesMaster>
+</file>
+
+<file path=ppt/notesSlides/notesSlide1.xml><?xml version="1.0" encoding="utf-8"?>
+<p:notes xmlns:a="http://schemas.openxmlformats.org/drawingml/2006/main" xmlns:r="http://schemas.openxmlformats.org/officeDocument/2006/relationships" xmlns:p="http://schemas.openxmlformats.org/presentationml/2006/main">
+  <p:cSld>
+    <p:spTree>
+      <p:nvGrpSpPr>
+        <p:cNvPr id="1" name=""/>
+        <p:cNvGrpSpPr/>
+        <p:nvPr/>
+      </p:nvGrpSpPr>
+      <p:grpSpPr>
+        <a:xfrm>
+          <a:off x="0" y="0"/>
+          <a:ext cx="0" cy="0"/>
+          <a:chOff x="0" y="0"/>
+          <a:chExt cx="0" cy="0"/>
+        </a:xfrm>
+      </p:grpSpPr>
+      <p:sp>
+        <p:nvSpPr>
+          <p:cNvPr id="2" name="슬라이드 이미지 개체 틀 1"/>
+          <p:cNvSpPr>
+            <a:spLocks noGrp="1" noRot="1" noChangeAspect="1"/>
+          </p:cNvSpPr>
+          <p:nvPr>
+            <p:ph type="sldImg"/>
+          </p:nvPr>
+        </p:nvSpPr>
+        <p:spPr/>
+      </p:sp>
+      <p:sp>
+        <p:nvSpPr>
+          <p:cNvPr id="3" name="슬라이드 노트 개체 틀 2"/>
+          <p:cNvSpPr>
+            <a:spLocks noGrp="1"/>
+          </p:cNvSpPr>
+          <p:nvPr>
+            <p:ph type="body" idx="1"/>
+          </p:nvPr>
+        </p:nvSpPr>
+        <p:spPr/>
+        <p:txBody>
+          <a:bodyPr/>
+          <a:lstStyle/>
+          <a:p>
+            <a:endParaRPr kumimoji="1" lang="ko-KR" altLang="en-US" dirty="0"/>
+          </a:p>
+        </p:txBody>
+      </p:sp>
+      <p:sp>
+        <p:nvSpPr>
+          <p:cNvPr id="4" name="슬라이드 번호 개체 틀 3"/>
+          <p:cNvSpPr>
+            <a:spLocks noGrp="1"/>
+          </p:cNvSpPr>
+          <p:nvPr>
+            <p:ph type="sldNum" sz="quarter" idx="5"/>
+          </p:nvPr>
+        </p:nvSpPr>
+        <p:spPr/>
+        <p:txBody>
+          <a:bodyPr/>
+          <a:lstStyle/>
+          <a:p>
+            <a:fld id="{C7D1C44E-14C5-4047-905B-19D9AA244188}" type="slidenum">
+              <a:rPr kumimoji="1" lang="ko-KR" altLang="en-US" smtClean="0"/>
+              <a:t>8</a:t>
+            </a:fld>
+            <a:endParaRPr kumimoji="1" lang="ko-KR" altLang="en-US"/>
+          </a:p>
+        </p:txBody>
+      </p:sp>
+    </p:spTree>
+    <p:extLst>
+      <p:ext uri="{BB962C8B-B14F-4D97-AF65-F5344CB8AC3E}">
+        <p14:creationId xmlns:p14="http://schemas.microsoft.com/office/powerpoint/2010/main" val="1683209507"/>
+      </p:ext>
+    </p:extLst>
+  </p:cSld>
+  <p:clrMapOvr>
+    <a:masterClrMapping/>
+  </p:clrMapOvr>
+</p:notes>
+</file>
+
 <file path=ppt/slideLayouts/slideLayout1.xml><?xml version="1.0" encoding="utf-8"?>
 <p:sldLayout xmlns:a="http://schemas.openxmlformats.org/drawingml/2006/main" xmlns:r="http://schemas.openxmlformats.org/officeDocument/2006/relationships" xmlns:p="http://schemas.openxmlformats.org/presentationml/2006/main" type="title" preserve="1">
   <p:cSld name="제목 슬라이드">
@@ -265,7 +702,7 @@
           <a:p>
             <a:fld id="{B2310862-A932-4A4D-BE7A-7832C8DBE490}" type="datetimeFigureOut">
               <a:rPr kumimoji="1" lang="ko-KR" altLang="en-US" smtClean="0"/>
-              <a:t>2024. 7. 17.</a:t>
+              <a:t>2024. 7. 29.</a:t>
             </a:fld>
             <a:endParaRPr kumimoji="1" lang="ko-KR" altLang="en-US"/>
           </a:p>
@@ -463,7 +900,7 @@
           <a:p>
             <a:fld id="{B2310862-A932-4A4D-BE7A-7832C8DBE490}" type="datetimeFigureOut">
               <a:rPr kumimoji="1" lang="ko-KR" altLang="en-US" smtClean="0"/>
-              <a:t>2024. 7. 17.</a:t>
+              <a:t>2024. 7. 29.</a:t>
             </a:fld>
             <a:endParaRPr kumimoji="1" lang="ko-KR" altLang="en-US"/>
           </a:p>
@@ -671,7 +1108,7 @@
           <a:p>
             <a:fld id="{B2310862-A932-4A4D-BE7A-7832C8DBE490}" type="datetimeFigureOut">
               <a:rPr kumimoji="1" lang="ko-KR" altLang="en-US" smtClean="0"/>
-              <a:t>2024. 7. 17.</a:t>
+              <a:t>2024. 7. 29.</a:t>
             </a:fld>
             <a:endParaRPr kumimoji="1" lang="ko-KR" altLang="en-US"/>
           </a:p>
@@ -869,7 +1306,7 @@
           <a:p>
             <a:fld id="{B2310862-A932-4A4D-BE7A-7832C8DBE490}" type="datetimeFigureOut">
               <a:rPr kumimoji="1" lang="ko-KR" altLang="en-US" smtClean="0"/>
-              <a:t>2024. 7. 17.</a:t>
+              <a:t>2024. 7. 29.</a:t>
             </a:fld>
             <a:endParaRPr kumimoji="1" lang="ko-KR" altLang="en-US"/>
           </a:p>
@@ -1144,7 +1581,7 @@
           <a:p>
             <a:fld id="{B2310862-A932-4A4D-BE7A-7832C8DBE490}" type="datetimeFigureOut">
               <a:rPr kumimoji="1" lang="ko-KR" altLang="en-US" smtClean="0"/>
-              <a:t>2024. 7. 17.</a:t>
+              <a:t>2024. 7. 29.</a:t>
             </a:fld>
             <a:endParaRPr kumimoji="1" lang="ko-KR" altLang="en-US"/>
           </a:p>
@@ -1409,7 +1846,7 @@
           <a:p>
             <a:fld id="{B2310862-A932-4A4D-BE7A-7832C8DBE490}" type="datetimeFigureOut">
               <a:rPr kumimoji="1" lang="ko-KR" altLang="en-US" smtClean="0"/>
-              <a:t>2024. 7. 17.</a:t>
+              <a:t>2024. 7. 29.</a:t>
             </a:fld>
             <a:endParaRPr kumimoji="1" lang="ko-KR" altLang="en-US"/>
           </a:p>
@@ -1821,7 +2258,7 @@
           <a:p>
             <a:fld id="{B2310862-A932-4A4D-BE7A-7832C8DBE490}" type="datetimeFigureOut">
               <a:rPr kumimoji="1" lang="ko-KR" altLang="en-US" smtClean="0"/>
-              <a:t>2024. 7. 17.</a:t>
+              <a:t>2024. 7. 29.</a:t>
             </a:fld>
             <a:endParaRPr kumimoji="1" lang="ko-KR" altLang="en-US"/>
           </a:p>
@@ -1962,7 +2399,7 @@
           <a:p>
             <a:fld id="{B2310862-A932-4A4D-BE7A-7832C8DBE490}" type="datetimeFigureOut">
               <a:rPr kumimoji="1" lang="ko-KR" altLang="en-US" smtClean="0"/>
-              <a:t>2024. 7. 17.</a:t>
+              <a:t>2024. 7. 29.</a:t>
             </a:fld>
             <a:endParaRPr kumimoji="1" lang="ko-KR" altLang="en-US"/>
           </a:p>
@@ -2075,7 +2512,7 @@
           <a:p>
             <a:fld id="{B2310862-A932-4A4D-BE7A-7832C8DBE490}" type="datetimeFigureOut">
               <a:rPr kumimoji="1" lang="ko-KR" altLang="en-US" smtClean="0"/>
-              <a:t>2024. 7. 17.</a:t>
+              <a:t>2024. 7. 29.</a:t>
             </a:fld>
             <a:endParaRPr kumimoji="1" lang="ko-KR" altLang="en-US"/>
           </a:p>
@@ -2386,7 +2823,7 @@
           <a:p>
             <a:fld id="{B2310862-A932-4A4D-BE7A-7832C8DBE490}" type="datetimeFigureOut">
               <a:rPr kumimoji="1" lang="ko-KR" altLang="en-US" smtClean="0"/>
-              <a:t>2024. 7. 17.</a:t>
+              <a:t>2024. 7. 29.</a:t>
             </a:fld>
             <a:endParaRPr kumimoji="1" lang="ko-KR" altLang="en-US"/>
           </a:p>
@@ -2674,7 +3111,7 @@
           <a:p>
             <a:fld id="{B2310862-A932-4A4D-BE7A-7832C8DBE490}" type="datetimeFigureOut">
               <a:rPr kumimoji="1" lang="ko-KR" altLang="en-US" smtClean="0"/>
-              <a:t>2024. 7. 17.</a:t>
+              <a:t>2024. 7. 29.</a:t>
             </a:fld>
             <a:endParaRPr kumimoji="1" lang="ko-KR" altLang="en-US"/>
           </a:p>
@@ -2915,7 +3352,7 @@
           <a:p>
             <a:fld id="{B2310862-A932-4A4D-BE7A-7832C8DBE490}" type="datetimeFigureOut">
               <a:rPr kumimoji="1" lang="ko-KR" altLang="en-US" smtClean="0"/>
-              <a:t>2024. 7. 17.</a:t>
+              <a:t>2024. 7. 29.</a:t>
             </a:fld>
             <a:endParaRPr kumimoji="1" lang="ko-KR" altLang="en-US"/>
           </a:p>
@@ -12573,6 +13010,2720 @@
 </p:sld>
 </file>
 
+<file path=ppt/slides/slide8.xml><?xml version="1.0" encoding="utf-8"?>
+<p:sld xmlns:a="http://schemas.openxmlformats.org/drawingml/2006/main" xmlns:r="http://schemas.openxmlformats.org/officeDocument/2006/relationships" xmlns:p="http://schemas.openxmlformats.org/presentationml/2006/main">
+  <p:cSld>
+    <p:spTree>
+      <p:nvGrpSpPr>
+        <p:cNvPr id="1" name=""/>
+        <p:cNvGrpSpPr/>
+        <p:nvPr/>
+      </p:nvGrpSpPr>
+      <p:grpSpPr>
+        <a:xfrm>
+          <a:off x="0" y="0"/>
+          <a:ext cx="0" cy="0"/>
+          <a:chOff x="0" y="0"/>
+          <a:chExt cx="0" cy="0"/>
+        </a:xfrm>
+      </p:grpSpPr>
+      <p:sp>
+        <p:nvSpPr>
+          <p:cNvPr id="49" name="직사각형 48">
+            <a:extLst>
+              <a:ext uri="{FF2B5EF4-FFF2-40B4-BE49-F238E27FC236}">
+                <a16:creationId xmlns:a16="http://schemas.microsoft.com/office/drawing/2014/main" id="{4004D496-165C-A205-931C-6241828D9318}"/>
+              </a:ext>
+            </a:extLst>
+          </p:cNvPr>
+          <p:cNvSpPr/>
+          <p:nvPr/>
+        </p:nvSpPr>
+        <p:spPr>
+          <a:xfrm>
+            <a:off x="5510807" y="1662665"/>
+            <a:ext cx="5450364" cy="3639629"/>
+          </a:xfrm>
+          <a:prstGeom prst="rect">
+            <a:avLst/>
+          </a:prstGeom>
+          <a:solidFill>
+            <a:schemeClr val="tx2">
+              <a:lumMod val="10000"/>
+              <a:lumOff val="90000"/>
+            </a:schemeClr>
+          </a:solidFill>
+          <a:ln>
+            <a:noFill/>
+          </a:ln>
+        </p:spPr>
+        <p:style>
+          <a:lnRef idx="2">
+            <a:schemeClr val="accent1">
+              <a:shade val="15000"/>
+            </a:schemeClr>
+          </a:lnRef>
+          <a:fillRef idx="1">
+            <a:schemeClr val="accent1"/>
+          </a:fillRef>
+          <a:effectRef idx="0">
+            <a:schemeClr val="accent1"/>
+          </a:effectRef>
+          <a:fontRef idx="minor">
+            <a:schemeClr val="lt1"/>
+          </a:fontRef>
+        </p:style>
+        <p:txBody>
+          <a:bodyPr rtlCol="0" anchor="ctr"/>
+          <a:lstStyle/>
+          <a:p>
+            <a:pPr algn="ctr"/>
+            <a:endParaRPr kumimoji="1" lang="ko-KR" altLang="en-US"/>
+          </a:p>
+        </p:txBody>
+      </p:sp>
+      <p:sp>
+        <p:nvSpPr>
+          <p:cNvPr id="50" name="직사각형 49">
+            <a:extLst>
+              <a:ext uri="{FF2B5EF4-FFF2-40B4-BE49-F238E27FC236}">
+                <a16:creationId xmlns:a16="http://schemas.microsoft.com/office/drawing/2014/main" id="{FA63EB88-6297-8C1E-239F-6C0B4E3A029D}"/>
+              </a:ext>
+            </a:extLst>
+          </p:cNvPr>
+          <p:cNvSpPr/>
+          <p:nvPr/>
+        </p:nvSpPr>
+        <p:spPr>
+          <a:xfrm>
+            <a:off x="863826" y="1662667"/>
+            <a:ext cx="4646267" cy="3639628"/>
+          </a:xfrm>
+          <a:prstGeom prst="rect">
+            <a:avLst/>
+          </a:prstGeom>
+          <a:solidFill>
+            <a:schemeClr val="accent2">
+              <a:lumMod val="20000"/>
+              <a:lumOff val="80000"/>
+            </a:schemeClr>
+          </a:solidFill>
+          <a:ln>
+            <a:noFill/>
+          </a:ln>
+        </p:spPr>
+        <p:style>
+          <a:lnRef idx="2">
+            <a:schemeClr val="accent1">
+              <a:shade val="15000"/>
+            </a:schemeClr>
+          </a:lnRef>
+          <a:fillRef idx="1">
+            <a:schemeClr val="accent1"/>
+          </a:fillRef>
+          <a:effectRef idx="0">
+            <a:schemeClr val="accent1"/>
+          </a:effectRef>
+          <a:fontRef idx="minor">
+            <a:schemeClr val="lt1"/>
+          </a:fontRef>
+        </p:style>
+        <p:txBody>
+          <a:bodyPr rtlCol="0" anchor="ctr"/>
+          <a:lstStyle/>
+          <a:p>
+            <a:pPr algn="ctr"/>
+            <a:endParaRPr kumimoji="1" lang="ko-KR" altLang="en-US"/>
+          </a:p>
+        </p:txBody>
+      </p:sp>
+      <p:pic>
+        <p:nvPicPr>
+          <p:cNvPr id="1026" name="Picture 2" descr="Amazon Bedrock Connector - Overview (O11) | OutSystems">
+            <a:extLst>
+              <a:ext uri="{FF2B5EF4-FFF2-40B4-BE49-F238E27FC236}">
+                <a16:creationId xmlns:a16="http://schemas.microsoft.com/office/drawing/2014/main" id="{6DA16296-BD32-D7F0-01D5-6C09271FAC81}"/>
+              </a:ext>
+            </a:extLst>
+          </p:cNvPr>
+          <p:cNvPicPr>
+            <a:picLocks noChangeAspect="1" noChangeArrowheads="1"/>
+          </p:cNvPicPr>
+          <p:nvPr/>
+        </p:nvPicPr>
+        <p:blipFill>
+          <a:blip r:embed="rId3">
+            <a:extLst>
+              <a:ext uri="{28A0092B-C50C-407E-A947-70E740481C1C}">
+                <a14:useLocalDpi xmlns:a14="http://schemas.microsoft.com/office/drawing/2010/main" val="0"/>
+              </a:ext>
+            </a:extLst>
+          </a:blip>
+          <a:srcRect/>
+          <a:stretch>
+            <a:fillRect/>
+          </a:stretch>
+        </p:blipFill>
+        <p:spPr bwMode="auto">
+          <a:xfrm>
+            <a:off x="2371775" y="2174458"/>
+            <a:ext cx="465430" cy="465430"/>
+          </a:xfrm>
+          <a:prstGeom prst="rect">
+            <a:avLst/>
+          </a:prstGeom>
+          <a:noFill/>
+          <a:extLst>
+            <a:ext uri="{909E8E84-426E-40DD-AFC4-6F175D3DCCD1}">
+              <a14:hiddenFill xmlns:a14="http://schemas.microsoft.com/office/drawing/2010/main">
+                <a:solidFill>
+                  <a:srgbClr val="FFFFFF"/>
+                </a:solidFill>
+              </a14:hiddenFill>
+            </a:ext>
+          </a:extLst>
+        </p:spPr>
+      </p:pic>
+      <p:sp>
+        <p:nvSpPr>
+          <p:cNvPr id="4" name="제목 1">
+            <a:extLst>
+              <a:ext uri="{FF2B5EF4-FFF2-40B4-BE49-F238E27FC236}">
+                <a16:creationId xmlns:a16="http://schemas.microsoft.com/office/drawing/2014/main" id="{6B3A304C-BFF1-2B0E-6D04-E3EBC01A9BD6}"/>
+              </a:ext>
+            </a:extLst>
+          </p:cNvPr>
+          <p:cNvSpPr txBox="1">
+            <a:spLocks/>
+          </p:cNvSpPr>
+          <p:nvPr/>
+        </p:nvSpPr>
+        <p:spPr>
+          <a:xfrm>
+            <a:off x="2234889" y="2625333"/>
+            <a:ext cx="739201" cy="267998"/>
+          </a:xfrm>
+          <a:prstGeom prst="rect">
+            <a:avLst/>
+          </a:prstGeom>
+        </p:spPr>
+        <p:txBody>
+          <a:bodyPr vert="horz" lIns="91440" tIns="45720" rIns="91440" bIns="45720" rtlCol="0" anchor="ctr">
+            <a:normAutofit/>
+          </a:bodyPr>
+          <a:lstStyle>
+            <a:lvl1pPr algn="l" defTabSz="914400" rtl="0" eaLnBrk="1" latinLnBrk="1" hangingPunct="1">
+              <a:lnSpc>
+                <a:spcPct val="90000"/>
+              </a:lnSpc>
+              <a:spcBef>
+                <a:spcPct val="0"/>
+              </a:spcBef>
+              <a:buNone/>
+              <a:defRPr sz="4400" kern="1200">
+                <a:solidFill>
+                  <a:schemeClr val="tx1"/>
+                </a:solidFill>
+                <a:latin typeface="+mj-lt"/>
+                <a:ea typeface="+mj-ea"/>
+                <a:cs typeface="+mj-cs"/>
+              </a:defRPr>
+            </a:lvl1pPr>
+          </a:lstStyle>
+          <a:p>
+            <a:pPr algn="ctr"/>
+            <a:r>
+              <a:rPr kumimoji="1" lang="en-US" altLang="ko-KR" sz="1100" b="1" dirty="0">
+                <a:latin typeface="KoPubWorldDotum Bold" pitchFamily="2" charset="-127"/>
+                <a:ea typeface="KoPubWorldDotum Bold" pitchFamily="2" charset="-127"/>
+                <a:cs typeface="KoPubWorldDotum Bold" pitchFamily="2" charset="-127"/>
+              </a:rPr>
+              <a:t>Bedrock</a:t>
+            </a:r>
+            <a:endParaRPr kumimoji="1" lang="ko-KR" altLang="en-US" sz="1100" b="1" dirty="0">
+              <a:latin typeface="KoPubWorldDotum Bold" pitchFamily="2" charset="-127"/>
+              <a:ea typeface="KoPubWorldDotum Bold" pitchFamily="2" charset="-127"/>
+              <a:cs typeface="KoPubWorldDotum Bold" pitchFamily="2" charset="-127"/>
+            </a:endParaRPr>
+          </a:p>
+        </p:txBody>
+      </p:sp>
+      <p:cxnSp>
+        <p:nvCxnSpPr>
+          <p:cNvPr id="9" name="직선 화살표 연결선 8">
+            <a:extLst>
+              <a:ext uri="{FF2B5EF4-FFF2-40B4-BE49-F238E27FC236}">
+                <a16:creationId xmlns:a16="http://schemas.microsoft.com/office/drawing/2014/main" id="{63F375FA-A27A-6ED8-2450-14C70EA8598F}"/>
+              </a:ext>
+            </a:extLst>
+          </p:cNvPr>
+          <p:cNvCxnSpPr>
+            <a:cxnSpLocks/>
+            <a:endCxn id="1026" idx="3"/>
+          </p:cNvCxnSpPr>
+          <p:nvPr/>
+        </p:nvCxnSpPr>
+        <p:spPr>
+          <a:xfrm flipH="1">
+            <a:off x="2837205" y="2401056"/>
+            <a:ext cx="647704" cy="6117"/>
+          </a:xfrm>
+          <a:prstGeom prst="straightConnector1">
+            <a:avLst/>
+          </a:prstGeom>
+          <a:ln>
+            <a:headEnd type="none" w="med" len="med"/>
+            <a:tailEnd type="none" w="med" len="med"/>
+          </a:ln>
+        </p:spPr>
+        <p:style>
+          <a:lnRef idx="2">
+            <a:schemeClr val="accent1"/>
+          </a:lnRef>
+          <a:fillRef idx="0">
+            <a:schemeClr val="accent1"/>
+          </a:fillRef>
+          <a:effectRef idx="1">
+            <a:schemeClr val="accent1"/>
+          </a:effectRef>
+          <a:fontRef idx="minor">
+            <a:schemeClr val="tx1"/>
+          </a:fontRef>
+        </p:style>
+      </p:cxnSp>
+      <p:cxnSp>
+        <p:nvCxnSpPr>
+          <p:cNvPr id="21" name="직선 화살표 연결선 20">
+            <a:extLst>
+              <a:ext uri="{FF2B5EF4-FFF2-40B4-BE49-F238E27FC236}">
+                <a16:creationId xmlns:a16="http://schemas.microsoft.com/office/drawing/2014/main" id="{8E155C8E-EF80-A08C-48C3-C23C7C6EF776}"/>
+              </a:ext>
+            </a:extLst>
+          </p:cNvPr>
+          <p:cNvCxnSpPr>
+            <a:cxnSpLocks/>
+            <a:stCxn id="24" idx="1"/>
+          </p:cNvCxnSpPr>
+          <p:nvPr/>
+        </p:nvCxnSpPr>
+        <p:spPr>
+          <a:xfrm flipH="1" flipV="1">
+            <a:off x="4696908" y="2389899"/>
+            <a:ext cx="998340" cy="1"/>
+          </a:xfrm>
+          <a:prstGeom prst="straightConnector1">
+            <a:avLst/>
+          </a:prstGeom>
+          <a:ln>
+            <a:headEnd type="none" w="med" len="med"/>
+            <a:tailEnd type="none" w="med" len="med"/>
+          </a:ln>
+        </p:spPr>
+        <p:style>
+          <a:lnRef idx="2">
+            <a:schemeClr val="accent1"/>
+          </a:lnRef>
+          <a:fillRef idx="0">
+            <a:schemeClr val="accent1"/>
+          </a:fillRef>
+          <a:effectRef idx="1">
+            <a:schemeClr val="accent1"/>
+          </a:effectRef>
+          <a:fontRef idx="minor">
+            <a:schemeClr val="tx1"/>
+          </a:fontRef>
+        </p:style>
+      </p:cxnSp>
+      <p:sp>
+        <p:nvSpPr>
+          <p:cNvPr id="8" name="제목 1">
+            <a:extLst>
+              <a:ext uri="{FF2B5EF4-FFF2-40B4-BE49-F238E27FC236}">
+                <a16:creationId xmlns:a16="http://schemas.microsoft.com/office/drawing/2014/main" id="{7CB821EA-A35B-3E71-C9DD-00E24904DF39}"/>
+              </a:ext>
+            </a:extLst>
+          </p:cNvPr>
+          <p:cNvSpPr txBox="1">
+            <a:spLocks/>
+          </p:cNvSpPr>
+          <p:nvPr/>
+        </p:nvSpPr>
+        <p:spPr>
+          <a:xfrm>
+            <a:off x="1001478" y="2658056"/>
+            <a:ext cx="1206609" cy="267998"/>
+          </a:xfrm>
+          <a:prstGeom prst="rect">
+            <a:avLst/>
+          </a:prstGeom>
+        </p:spPr>
+        <p:txBody>
+          <a:bodyPr vert="horz" lIns="91440" tIns="45720" rIns="91440" bIns="45720" rtlCol="0" anchor="ctr">
+            <a:normAutofit fontScale="92500"/>
+          </a:bodyPr>
+          <a:lstStyle>
+            <a:lvl1pPr algn="l" defTabSz="914400" rtl="0" eaLnBrk="1" latinLnBrk="1" hangingPunct="1">
+              <a:lnSpc>
+                <a:spcPct val="90000"/>
+              </a:lnSpc>
+              <a:spcBef>
+                <a:spcPct val="0"/>
+              </a:spcBef>
+              <a:buNone/>
+              <a:defRPr sz="4400" kern="1200">
+                <a:solidFill>
+                  <a:schemeClr val="tx1"/>
+                </a:solidFill>
+                <a:latin typeface="+mj-lt"/>
+                <a:ea typeface="+mj-ea"/>
+                <a:cs typeface="+mj-cs"/>
+              </a:defRPr>
+            </a:lvl1pPr>
+          </a:lstStyle>
+          <a:p>
+            <a:pPr algn="ctr"/>
+            <a:r>
+              <a:rPr kumimoji="1" lang="en-US" altLang="ko-KR" sz="1100" b="1" dirty="0">
+                <a:latin typeface="KoPubWorldDotum Bold" pitchFamily="2" charset="-127"/>
+                <a:ea typeface="KoPubWorldDotum Bold" pitchFamily="2" charset="-127"/>
+                <a:cs typeface="KoPubWorldDotum Bold" pitchFamily="2" charset="-127"/>
+              </a:rPr>
+              <a:t>Claude 3 Sonnet</a:t>
+            </a:r>
+            <a:endParaRPr kumimoji="1" lang="ko-KR" altLang="en-US" sz="1100" b="1" dirty="0">
+              <a:latin typeface="KoPubWorldDotum Bold" pitchFamily="2" charset="-127"/>
+              <a:ea typeface="KoPubWorldDotum Bold" pitchFamily="2" charset="-127"/>
+              <a:cs typeface="KoPubWorldDotum Bold" pitchFamily="2" charset="-127"/>
+            </a:endParaRPr>
+          </a:p>
+        </p:txBody>
+      </p:sp>
+      <p:cxnSp>
+        <p:nvCxnSpPr>
+          <p:cNvPr id="10" name="직선 화살표 연결선 9">
+            <a:extLst>
+              <a:ext uri="{FF2B5EF4-FFF2-40B4-BE49-F238E27FC236}">
+                <a16:creationId xmlns:a16="http://schemas.microsoft.com/office/drawing/2014/main" id="{34C6F30D-1D00-1EFC-D3FA-EA475CB610D4}"/>
+              </a:ext>
+            </a:extLst>
+          </p:cNvPr>
+          <p:cNvCxnSpPr>
+            <a:cxnSpLocks/>
+            <a:stCxn id="1026" idx="1"/>
+          </p:cNvCxnSpPr>
+          <p:nvPr/>
+        </p:nvCxnSpPr>
+        <p:spPr>
+          <a:xfrm flipH="1">
+            <a:off x="1858063" y="2407173"/>
+            <a:ext cx="513712" cy="7056"/>
+          </a:xfrm>
+          <a:prstGeom prst="straightConnector1">
+            <a:avLst/>
+          </a:prstGeom>
+          <a:ln>
+            <a:headEnd type="none" w="med" len="med"/>
+            <a:tailEnd type="none" w="med" len="med"/>
+          </a:ln>
+        </p:spPr>
+        <p:style>
+          <a:lnRef idx="2">
+            <a:schemeClr val="accent1"/>
+          </a:lnRef>
+          <a:fillRef idx="0">
+            <a:schemeClr val="accent1"/>
+          </a:fillRef>
+          <a:effectRef idx="1">
+            <a:schemeClr val="accent1"/>
+          </a:effectRef>
+          <a:fontRef idx="minor">
+            <a:schemeClr val="tx1"/>
+          </a:fontRef>
+        </p:style>
+      </p:cxnSp>
+      <p:pic>
+        <p:nvPicPr>
+          <p:cNvPr id="13" name="Picture 2" descr="The AI wars heat up with Claude 3, claimed to have “near-human” abilities |  Ars Technica">
+            <a:extLst>
+              <a:ext uri="{FF2B5EF4-FFF2-40B4-BE49-F238E27FC236}">
+                <a16:creationId xmlns:a16="http://schemas.microsoft.com/office/drawing/2014/main" id="{9106017E-A991-4292-85EB-1286A8B1B55F}"/>
+              </a:ext>
+            </a:extLst>
+          </p:cNvPr>
+          <p:cNvPicPr>
+            <a:picLocks noChangeAspect="1" noChangeArrowheads="1"/>
+          </p:cNvPicPr>
+          <p:nvPr/>
+        </p:nvPicPr>
+        <p:blipFill rotWithShape="1">
+          <a:blip r:embed="rId4">
+            <a:extLst>
+              <a:ext uri="{28A0092B-C50C-407E-A947-70E740481C1C}">
+                <a14:useLocalDpi xmlns:a14="http://schemas.microsoft.com/office/drawing/2010/main" val="0"/>
+              </a:ext>
+            </a:extLst>
+          </a:blip>
+          <a:srcRect l="28567" t="10984" r="29591" b="14630"/>
+          <a:stretch/>
+        </p:blipFill>
+        <p:spPr bwMode="auto">
+          <a:xfrm>
+            <a:off x="1413072" y="2186652"/>
+            <a:ext cx="465430" cy="465430"/>
+          </a:xfrm>
+          <a:prstGeom prst="rect">
+            <a:avLst/>
+          </a:prstGeom>
+          <a:noFill/>
+          <a:extLst>
+            <a:ext uri="{909E8E84-426E-40DD-AFC4-6F175D3DCCD1}">
+              <a14:hiddenFill xmlns:a14="http://schemas.microsoft.com/office/drawing/2010/main">
+                <a:solidFill>
+                  <a:srgbClr val="FFFFFF"/>
+                </a:solidFill>
+              </a14:hiddenFill>
+            </a:ext>
+          </a:extLst>
+        </p:spPr>
+      </p:pic>
+      <p:pic>
+        <p:nvPicPr>
+          <p:cNvPr id="3" name="Picture 2" descr="Amazon Bedrock Connector - Overview (O11) | OutSystems">
+            <a:extLst>
+              <a:ext uri="{FF2B5EF4-FFF2-40B4-BE49-F238E27FC236}">
+                <a16:creationId xmlns:a16="http://schemas.microsoft.com/office/drawing/2014/main" id="{0CC4E556-84F1-E509-8785-5CDBC5B57903}"/>
+              </a:ext>
+            </a:extLst>
+          </p:cNvPr>
+          <p:cNvPicPr>
+            <a:picLocks noChangeAspect="1" noChangeArrowheads="1"/>
+          </p:cNvPicPr>
+          <p:nvPr/>
+        </p:nvPicPr>
+        <p:blipFill>
+          <a:blip r:embed="rId3">
+            <a:alphaModFix amt="35000"/>
+            <a:extLst>
+              <a:ext uri="{28A0092B-C50C-407E-A947-70E740481C1C}">
+                <a14:useLocalDpi xmlns:a14="http://schemas.microsoft.com/office/drawing/2010/main" val="0"/>
+              </a:ext>
+            </a:extLst>
+          </a:blip>
+          <a:srcRect/>
+          <a:stretch>
+            <a:fillRect/>
+          </a:stretch>
+        </p:blipFill>
+        <p:spPr bwMode="auto">
+          <a:xfrm>
+            <a:off x="1906345" y="3071928"/>
+            <a:ext cx="465430" cy="465430"/>
+          </a:xfrm>
+          <a:prstGeom prst="rect">
+            <a:avLst/>
+          </a:prstGeom>
+          <a:noFill/>
+          <a:extLst>
+            <a:ext uri="{909E8E84-426E-40DD-AFC4-6F175D3DCCD1}">
+              <a14:hiddenFill xmlns:a14="http://schemas.microsoft.com/office/drawing/2010/main">
+                <a:solidFill>
+                  <a:srgbClr val="FFFFFF"/>
+                </a:solidFill>
+              </a14:hiddenFill>
+            </a:ext>
+          </a:extLst>
+        </p:spPr>
+      </p:pic>
+      <p:sp>
+        <p:nvSpPr>
+          <p:cNvPr id="6" name="제목 1">
+            <a:extLst>
+              <a:ext uri="{FF2B5EF4-FFF2-40B4-BE49-F238E27FC236}">
+                <a16:creationId xmlns:a16="http://schemas.microsoft.com/office/drawing/2014/main" id="{E3E7097A-D899-57F0-AA84-4CA445238B28}"/>
+              </a:ext>
+            </a:extLst>
+          </p:cNvPr>
+          <p:cNvSpPr txBox="1">
+            <a:spLocks/>
+          </p:cNvSpPr>
+          <p:nvPr/>
+        </p:nvSpPr>
+        <p:spPr>
+          <a:xfrm>
+            <a:off x="1535755" y="3532729"/>
+            <a:ext cx="1206609" cy="267998"/>
+          </a:xfrm>
+          <a:prstGeom prst="rect">
+            <a:avLst/>
+          </a:prstGeom>
+        </p:spPr>
+        <p:txBody>
+          <a:bodyPr vert="horz" lIns="91440" tIns="45720" rIns="91440" bIns="45720" rtlCol="0" anchor="ctr">
+            <a:normAutofit/>
+          </a:bodyPr>
+          <a:lstStyle>
+            <a:lvl1pPr algn="l" defTabSz="914400" rtl="0" eaLnBrk="1" latinLnBrk="1" hangingPunct="1">
+              <a:lnSpc>
+                <a:spcPct val="90000"/>
+              </a:lnSpc>
+              <a:spcBef>
+                <a:spcPct val="0"/>
+              </a:spcBef>
+              <a:buNone/>
+              <a:defRPr sz="4400" kern="1200">
+                <a:solidFill>
+                  <a:schemeClr val="tx1"/>
+                </a:solidFill>
+                <a:latin typeface="+mj-lt"/>
+                <a:ea typeface="+mj-ea"/>
+                <a:cs typeface="+mj-cs"/>
+              </a:defRPr>
+            </a:lvl1pPr>
+          </a:lstStyle>
+          <a:p>
+            <a:pPr algn="ctr"/>
+            <a:r>
+              <a:rPr kumimoji="1" lang="en-US" altLang="ko-KR" sz="1100" b="1" dirty="0">
+                <a:latin typeface="KoPubWorldDotum Bold" pitchFamily="2" charset="-127"/>
+                <a:ea typeface="KoPubWorldDotum Bold" pitchFamily="2" charset="-127"/>
+                <a:cs typeface="KoPubWorldDotum Bold" pitchFamily="2" charset="-127"/>
+              </a:rPr>
+              <a:t>Bedrock</a:t>
+            </a:r>
+            <a:r>
+              <a:rPr kumimoji="1" lang="ko-KR" altLang="en-US" sz="1100" b="1" dirty="0">
+                <a:latin typeface="KoPubWorldDotum Bold" pitchFamily="2" charset="-127"/>
+                <a:ea typeface="KoPubWorldDotum Bold" pitchFamily="2" charset="-127"/>
+                <a:cs typeface="KoPubWorldDotum Bold" pitchFamily="2" charset="-127"/>
+              </a:rPr>
+              <a:t> </a:t>
+            </a:r>
+            <a:r>
+              <a:rPr kumimoji="1" lang="en-US" altLang="ko-KR" sz="1100" b="1" dirty="0">
+                <a:latin typeface="KoPubWorldDotum Bold" pitchFamily="2" charset="-127"/>
+                <a:ea typeface="KoPubWorldDotum Bold" pitchFamily="2" charset="-127"/>
+                <a:cs typeface="KoPubWorldDotum Bold" pitchFamily="2" charset="-127"/>
+              </a:rPr>
+              <a:t>Agent</a:t>
+            </a:r>
+            <a:endParaRPr kumimoji="1" lang="ko-KR" altLang="en-US" sz="1100" b="1" dirty="0">
+              <a:latin typeface="KoPubWorldDotum Bold" pitchFamily="2" charset="-127"/>
+              <a:ea typeface="KoPubWorldDotum Bold" pitchFamily="2" charset="-127"/>
+              <a:cs typeface="KoPubWorldDotum Bold" pitchFamily="2" charset="-127"/>
+            </a:endParaRPr>
+          </a:p>
+        </p:txBody>
+      </p:sp>
+      <p:cxnSp>
+        <p:nvCxnSpPr>
+          <p:cNvPr id="7" name="직선 화살표 연결선 6">
+            <a:extLst>
+              <a:ext uri="{FF2B5EF4-FFF2-40B4-BE49-F238E27FC236}">
+                <a16:creationId xmlns:a16="http://schemas.microsoft.com/office/drawing/2014/main" id="{17E95AC4-2D1B-C68E-4C2F-4CD0921C8E04}"/>
+              </a:ext>
+            </a:extLst>
+          </p:cNvPr>
+          <p:cNvCxnSpPr>
+            <a:cxnSpLocks/>
+          </p:cNvCxnSpPr>
+          <p:nvPr/>
+        </p:nvCxnSpPr>
+        <p:spPr>
+          <a:xfrm>
+            <a:off x="2139059" y="2414229"/>
+            <a:ext cx="0" cy="661227"/>
+          </a:xfrm>
+          <a:prstGeom prst="straightConnector1">
+            <a:avLst/>
+          </a:prstGeom>
+          <a:ln>
+            <a:headEnd type="none" w="med" len="med"/>
+            <a:tailEnd type="none" w="med" len="med"/>
+          </a:ln>
+        </p:spPr>
+        <p:style>
+          <a:lnRef idx="2">
+            <a:schemeClr val="accent1"/>
+          </a:lnRef>
+          <a:fillRef idx="0">
+            <a:schemeClr val="accent1"/>
+          </a:fillRef>
+          <a:effectRef idx="1">
+            <a:schemeClr val="accent1"/>
+          </a:effectRef>
+          <a:fontRef idx="minor">
+            <a:schemeClr val="tx1"/>
+          </a:fontRef>
+        </p:style>
+      </p:cxnSp>
+      <p:sp>
+        <p:nvSpPr>
+          <p:cNvPr id="16" name="제목 1">
+            <a:extLst>
+              <a:ext uri="{FF2B5EF4-FFF2-40B4-BE49-F238E27FC236}">
+                <a16:creationId xmlns:a16="http://schemas.microsoft.com/office/drawing/2014/main" id="{5BAB6A00-4CF3-7A79-987B-9DEFE62CB6F7}"/>
+              </a:ext>
+            </a:extLst>
+          </p:cNvPr>
+          <p:cNvSpPr txBox="1">
+            <a:spLocks/>
+          </p:cNvSpPr>
+          <p:nvPr/>
+        </p:nvSpPr>
+        <p:spPr>
+          <a:xfrm>
+            <a:off x="3727894" y="3285600"/>
+            <a:ext cx="739201" cy="267998"/>
+          </a:xfrm>
+          <a:prstGeom prst="rect">
+            <a:avLst/>
+          </a:prstGeom>
+        </p:spPr>
+        <p:txBody>
+          <a:bodyPr vert="horz" lIns="91440" tIns="45720" rIns="91440" bIns="45720" rtlCol="0" anchor="ctr">
+            <a:normAutofit/>
+          </a:bodyPr>
+          <a:lstStyle>
+            <a:lvl1pPr algn="l" defTabSz="914400" rtl="0" eaLnBrk="1" latinLnBrk="1" hangingPunct="1">
+              <a:lnSpc>
+                <a:spcPct val="90000"/>
+              </a:lnSpc>
+              <a:spcBef>
+                <a:spcPct val="0"/>
+              </a:spcBef>
+              <a:buNone/>
+              <a:defRPr sz="4400" kern="1200">
+                <a:solidFill>
+                  <a:schemeClr val="tx1"/>
+                </a:solidFill>
+                <a:latin typeface="+mj-lt"/>
+                <a:ea typeface="+mj-ea"/>
+                <a:cs typeface="+mj-cs"/>
+              </a:defRPr>
+            </a:lvl1pPr>
+          </a:lstStyle>
+          <a:p>
+            <a:pPr algn="ctr"/>
+            <a:r>
+              <a:rPr kumimoji="1" lang="en-US" altLang="ko-KR" sz="1100" b="1" dirty="0">
+                <a:latin typeface="KoPubWorldDotum Bold" pitchFamily="2" charset="-127"/>
+                <a:ea typeface="KoPubWorldDotum Bold" pitchFamily="2" charset="-127"/>
+                <a:cs typeface="KoPubWorldDotum Bold" pitchFamily="2" charset="-127"/>
+              </a:rPr>
+              <a:t>Lambda</a:t>
+            </a:r>
+            <a:endParaRPr kumimoji="1" lang="ko-KR" altLang="en-US" sz="1100" b="1" dirty="0">
+              <a:latin typeface="KoPubWorldDotum Bold" pitchFamily="2" charset="-127"/>
+              <a:ea typeface="KoPubWorldDotum Bold" pitchFamily="2" charset="-127"/>
+              <a:cs typeface="KoPubWorldDotum Bold" pitchFamily="2" charset="-127"/>
+            </a:endParaRPr>
+          </a:p>
+        </p:txBody>
+      </p:sp>
+      <p:pic>
+        <p:nvPicPr>
+          <p:cNvPr id="18" name="그림 17">
+            <a:extLst>
+              <a:ext uri="{FF2B5EF4-FFF2-40B4-BE49-F238E27FC236}">
+                <a16:creationId xmlns:a16="http://schemas.microsoft.com/office/drawing/2014/main" id="{E4E2557D-5953-C1A9-118E-BEB9C692C0BE}"/>
+              </a:ext>
+            </a:extLst>
+          </p:cNvPr>
+          <p:cNvPicPr>
+            <a:picLocks noChangeAspect="1"/>
+          </p:cNvPicPr>
+          <p:nvPr/>
+        </p:nvPicPr>
+        <p:blipFill>
+          <a:blip r:embed="rId5"/>
+          <a:stretch>
+            <a:fillRect/>
+          </a:stretch>
+        </p:blipFill>
+        <p:spPr>
+          <a:xfrm>
+            <a:off x="4457924" y="3402268"/>
+            <a:ext cx="465429" cy="465429"/>
+          </a:xfrm>
+          <a:prstGeom prst="rect">
+            <a:avLst/>
+          </a:prstGeom>
+        </p:spPr>
+      </p:pic>
+      <p:sp>
+        <p:nvSpPr>
+          <p:cNvPr id="19" name="제목 1">
+            <a:extLst>
+              <a:ext uri="{FF2B5EF4-FFF2-40B4-BE49-F238E27FC236}">
+                <a16:creationId xmlns:a16="http://schemas.microsoft.com/office/drawing/2014/main" id="{43B19051-C4DB-2973-13E0-26D3E5B051C2}"/>
+              </a:ext>
+            </a:extLst>
+          </p:cNvPr>
+          <p:cNvSpPr txBox="1">
+            <a:spLocks/>
+          </p:cNvSpPr>
+          <p:nvPr/>
+        </p:nvSpPr>
+        <p:spPr>
+          <a:xfrm>
+            <a:off x="4245033" y="3828819"/>
+            <a:ext cx="869150" cy="267998"/>
+          </a:xfrm>
+          <a:prstGeom prst="rect">
+            <a:avLst/>
+          </a:prstGeom>
+        </p:spPr>
+        <p:txBody>
+          <a:bodyPr vert="horz" lIns="91440" tIns="45720" rIns="91440" bIns="45720" rtlCol="0" anchor="ctr">
+            <a:normAutofit fontScale="92500"/>
+          </a:bodyPr>
+          <a:lstStyle>
+            <a:lvl1pPr algn="l" defTabSz="914400" rtl="0" eaLnBrk="1" latinLnBrk="1" hangingPunct="1">
+              <a:lnSpc>
+                <a:spcPct val="90000"/>
+              </a:lnSpc>
+              <a:spcBef>
+                <a:spcPct val="0"/>
+              </a:spcBef>
+              <a:buNone/>
+              <a:defRPr sz="4400" kern="1200">
+                <a:solidFill>
+                  <a:schemeClr val="tx1"/>
+                </a:solidFill>
+                <a:latin typeface="+mj-lt"/>
+                <a:ea typeface="+mj-ea"/>
+                <a:cs typeface="+mj-cs"/>
+              </a:defRPr>
+            </a:lvl1pPr>
+          </a:lstStyle>
+          <a:p>
+            <a:pPr algn="ctr"/>
+            <a:r>
+              <a:rPr kumimoji="1" lang="en-US" altLang="ko-KR" sz="1100" b="1" dirty="0">
+                <a:latin typeface="KoPubWorldDotum Bold" pitchFamily="2" charset="-127"/>
+                <a:ea typeface="KoPubWorldDotum Bold" pitchFamily="2" charset="-127"/>
+                <a:cs typeface="KoPubWorldDotum Bold" pitchFamily="2" charset="-127"/>
+              </a:rPr>
+              <a:t>DynamoDB</a:t>
+            </a:r>
+            <a:endParaRPr kumimoji="1" lang="ko-KR" altLang="en-US" sz="1100" b="1" dirty="0">
+              <a:latin typeface="KoPubWorldDotum Bold" pitchFamily="2" charset="-127"/>
+              <a:ea typeface="KoPubWorldDotum Bold" pitchFamily="2" charset="-127"/>
+              <a:cs typeface="KoPubWorldDotum Bold" pitchFamily="2" charset="-127"/>
+            </a:endParaRPr>
+          </a:p>
+        </p:txBody>
+      </p:sp>
+      <p:sp>
+        <p:nvSpPr>
+          <p:cNvPr id="34" name="직사각형 33">
+            <a:extLst>
+              <a:ext uri="{FF2B5EF4-FFF2-40B4-BE49-F238E27FC236}">
+                <a16:creationId xmlns:a16="http://schemas.microsoft.com/office/drawing/2014/main" id="{EBA2B3B8-949E-8DED-AAA1-436BC209F8B2}"/>
+              </a:ext>
+            </a:extLst>
+          </p:cNvPr>
+          <p:cNvSpPr/>
+          <p:nvPr/>
+        </p:nvSpPr>
+        <p:spPr>
+          <a:xfrm>
+            <a:off x="863112" y="1654630"/>
+            <a:ext cx="10098059" cy="3647664"/>
+          </a:xfrm>
+          <a:prstGeom prst="rect">
+            <a:avLst/>
+          </a:prstGeom>
+          <a:noFill/>
+          <a:ln>
+            <a:solidFill>
+              <a:srgbClr val="000000"/>
+            </a:solidFill>
+            <a:prstDash val="sysDash"/>
+          </a:ln>
+        </p:spPr>
+        <p:style>
+          <a:lnRef idx="2">
+            <a:schemeClr val="accent1">
+              <a:shade val="15000"/>
+            </a:schemeClr>
+          </a:lnRef>
+          <a:fillRef idx="1">
+            <a:schemeClr val="accent1"/>
+          </a:fillRef>
+          <a:effectRef idx="0">
+            <a:schemeClr val="accent1"/>
+          </a:effectRef>
+          <a:fontRef idx="minor">
+            <a:schemeClr val="lt1"/>
+          </a:fontRef>
+        </p:style>
+        <p:txBody>
+          <a:bodyPr rtlCol="0" anchor="ctr"/>
+          <a:lstStyle/>
+          <a:p>
+            <a:pPr algn="ctr"/>
+            <a:endParaRPr kumimoji="1" lang="ko-KR" altLang="en-US"/>
+          </a:p>
+        </p:txBody>
+      </p:sp>
+      <p:pic>
+        <p:nvPicPr>
+          <p:cNvPr id="35" name="Picture 4" descr="Amazon Web Services | Incentro Partner">
+            <a:extLst>
+              <a:ext uri="{FF2B5EF4-FFF2-40B4-BE49-F238E27FC236}">
+                <a16:creationId xmlns:a16="http://schemas.microsoft.com/office/drawing/2014/main" id="{06395187-BBE3-4B5C-AD65-36D52954BD51}"/>
+              </a:ext>
+            </a:extLst>
+          </p:cNvPr>
+          <p:cNvPicPr>
+            <a:picLocks noChangeAspect="1" noChangeArrowheads="1"/>
+          </p:cNvPicPr>
+          <p:nvPr/>
+        </p:nvPicPr>
+        <p:blipFill>
+          <a:blip r:embed="rId6">
+            <a:extLst>
+              <a:ext uri="{28A0092B-C50C-407E-A947-70E740481C1C}">
+                <a14:useLocalDpi xmlns:a14="http://schemas.microsoft.com/office/drawing/2010/main" val="0"/>
+              </a:ext>
+            </a:extLst>
+          </a:blip>
+          <a:srcRect/>
+          <a:stretch>
+            <a:fillRect/>
+          </a:stretch>
+        </p:blipFill>
+        <p:spPr bwMode="auto">
+          <a:xfrm>
+            <a:off x="863112" y="1654630"/>
+            <a:ext cx="377292" cy="377292"/>
+          </a:xfrm>
+          <a:prstGeom prst="rect">
+            <a:avLst/>
+          </a:prstGeom>
+          <a:noFill/>
+          <a:extLst>
+            <a:ext uri="{909E8E84-426E-40DD-AFC4-6F175D3DCCD1}">
+              <a14:hiddenFill xmlns:a14="http://schemas.microsoft.com/office/drawing/2010/main">
+                <a:solidFill>
+                  <a:srgbClr val="FFFFFF"/>
+                </a:solidFill>
+              </a14:hiddenFill>
+            </a:ext>
+          </a:extLst>
+        </p:spPr>
+      </p:pic>
+      <p:pic>
+        <p:nvPicPr>
+          <p:cNvPr id="63" name="그림 62">
+            <a:extLst>
+              <a:ext uri="{FF2B5EF4-FFF2-40B4-BE49-F238E27FC236}">
+                <a16:creationId xmlns:a16="http://schemas.microsoft.com/office/drawing/2014/main" id="{30AA3DF9-0C34-53E0-3770-48ED28E21865}"/>
+              </a:ext>
+            </a:extLst>
+          </p:cNvPr>
+          <p:cNvPicPr>
+            <a:picLocks noChangeAspect="1"/>
+          </p:cNvPicPr>
+          <p:nvPr/>
+        </p:nvPicPr>
+        <p:blipFill>
+          <a:blip r:embed="rId7"/>
+          <a:stretch>
+            <a:fillRect/>
+          </a:stretch>
+        </p:blipFill>
+        <p:spPr>
+          <a:xfrm>
+            <a:off x="3855392" y="4316138"/>
+            <a:ext cx="462142" cy="462142"/>
+          </a:xfrm>
+          <a:prstGeom prst="rect">
+            <a:avLst/>
+          </a:prstGeom>
+        </p:spPr>
+      </p:pic>
+      <p:pic>
+        <p:nvPicPr>
+          <p:cNvPr id="24" name="그림 23">
+            <a:extLst>
+              <a:ext uri="{FF2B5EF4-FFF2-40B4-BE49-F238E27FC236}">
+                <a16:creationId xmlns:a16="http://schemas.microsoft.com/office/drawing/2014/main" id="{E5C7CE01-3AD3-869D-EAEB-D8D94DCA248B}"/>
+              </a:ext>
+            </a:extLst>
+          </p:cNvPr>
+          <p:cNvPicPr>
+            <a:picLocks noChangeAspect="1"/>
+          </p:cNvPicPr>
+          <p:nvPr/>
+        </p:nvPicPr>
+        <p:blipFill>
+          <a:blip r:embed="rId8"/>
+          <a:stretch>
+            <a:fillRect/>
+          </a:stretch>
+        </p:blipFill>
+        <p:spPr>
+          <a:xfrm>
+            <a:off x="5695248" y="2159237"/>
+            <a:ext cx="461326" cy="461326"/>
+          </a:xfrm>
+          <a:prstGeom prst="rect">
+            <a:avLst/>
+          </a:prstGeom>
+        </p:spPr>
+      </p:pic>
+      <p:sp>
+        <p:nvSpPr>
+          <p:cNvPr id="28" name="직사각형 27">
+            <a:extLst>
+              <a:ext uri="{FF2B5EF4-FFF2-40B4-BE49-F238E27FC236}">
+                <a16:creationId xmlns:a16="http://schemas.microsoft.com/office/drawing/2014/main" id="{B74730AF-E164-6232-603B-2E81071DA6AA}"/>
+              </a:ext>
+            </a:extLst>
+          </p:cNvPr>
+          <p:cNvSpPr/>
+          <p:nvPr/>
+        </p:nvSpPr>
+        <p:spPr>
+          <a:xfrm>
+            <a:off x="7340979" y="1910634"/>
+            <a:ext cx="1503655" cy="1093027"/>
+          </a:xfrm>
+          <a:prstGeom prst="rect">
+            <a:avLst/>
+          </a:prstGeom>
+          <a:noFill/>
+          <a:ln>
+            <a:solidFill>
+              <a:srgbClr val="000000"/>
+            </a:solidFill>
+            <a:prstDash val="sysDash"/>
+          </a:ln>
+        </p:spPr>
+        <p:style>
+          <a:lnRef idx="2">
+            <a:schemeClr val="accent1">
+              <a:shade val="15000"/>
+            </a:schemeClr>
+          </a:lnRef>
+          <a:fillRef idx="1">
+            <a:schemeClr val="accent1"/>
+          </a:fillRef>
+          <a:effectRef idx="0">
+            <a:schemeClr val="accent1"/>
+          </a:effectRef>
+          <a:fontRef idx="minor">
+            <a:schemeClr val="lt1"/>
+          </a:fontRef>
+        </p:style>
+        <p:txBody>
+          <a:bodyPr rtlCol="0" anchor="ctr"/>
+          <a:lstStyle/>
+          <a:p>
+            <a:pPr algn="ctr"/>
+            <a:endParaRPr kumimoji="1" lang="ko-KR" altLang="en-US"/>
+          </a:p>
+        </p:txBody>
+      </p:sp>
+      <p:pic>
+        <p:nvPicPr>
+          <p:cNvPr id="29" name="그림 28">
+            <a:extLst>
+              <a:ext uri="{FF2B5EF4-FFF2-40B4-BE49-F238E27FC236}">
+                <a16:creationId xmlns:a16="http://schemas.microsoft.com/office/drawing/2014/main" id="{E014D017-3F5D-E9D6-99EC-0EAB748C0697}"/>
+              </a:ext>
+            </a:extLst>
+          </p:cNvPr>
+          <p:cNvPicPr>
+            <a:picLocks noChangeAspect="1"/>
+          </p:cNvPicPr>
+          <p:nvPr/>
+        </p:nvPicPr>
+        <p:blipFill>
+          <a:blip r:embed="rId9"/>
+          <a:stretch>
+            <a:fillRect/>
+          </a:stretch>
+        </p:blipFill>
+        <p:spPr>
+          <a:xfrm>
+            <a:off x="7896163" y="2788614"/>
+            <a:ext cx="462142" cy="462142"/>
+          </a:xfrm>
+          <a:prstGeom prst="rect">
+            <a:avLst/>
+          </a:prstGeom>
+        </p:spPr>
+      </p:pic>
+      <p:sp>
+        <p:nvSpPr>
+          <p:cNvPr id="31" name="제목 1">
+            <a:extLst>
+              <a:ext uri="{FF2B5EF4-FFF2-40B4-BE49-F238E27FC236}">
+                <a16:creationId xmlns:a16="http://schemas.microsoft.com/office/drawing/2014/main" id="{B68F8371-67DD-46F1-CFB7-A708C5740D02}"/>
+              </a:ext>
+            </a:extLst>
+          </p:cNvPr>
+          <p:cNvSpPr txBox="1">
+            <a:spLocks/>
+          </p:cNvSpPr>
+          <p:nvPr/>
+        </p:nvSpPr>
+        <p:spPr>
+          <a:xfrm>
+            <a:off x="7669737" y="3260116"/>
+            <a:ext cx="967879" cy="267998"/>
+          </a:xfrm>
+          <a:prstGeom prst="rect">
+            <a:avLst/>
+          </a:prstGeom>
+        </p:spPr>
+        <p:txBody>
+          <a:bodyPr vert="horz" lIns="91440" tIns="45720" rIns="91440" bIns="45720" rtlCol="0" anchor="ctr">
+            <a:normAutofit/>
+          </a:bodyPr>
+          <a:lstStyle>
+            <a:lvl1pPr algn="l" defTabSz="914400" rtl="0" eaLnBrk="1" latinLnBrk="1" hangingPunct="1">
+              <a:lnSpc>
+                <a:spcPct val="90000"/>
+              </a:lnSpc>
+              <a:spcBef>
+                <a:spcPct val="0"/>
+              </a:spcBef>
+              <a:buNone/>
+              <a:defRPr sz="4400" kern="1200">
+                <a:solidFill>
+                  <a:schemeClr val="tx1"/>
+                </a:solidFill>
+                <a:latin typeface="+mj-lt"/>
+                <a:ea typeface="+mj-ea"/>
+                <a:cs typeface="+mj-cs"/>
+              </a:defRPr>
+            </a:lvl1pPr>
+          </a:lstStyle>
+          <a:p>
+            <a:pPr algn="ctr"/>
+            <a:r>
+              <a:rPr kumimoji="1" lang="en-US" altLang="ko-KR" sz="1100" b="1" dirty="0">
+                <a:latin typeface="KoPubWorldDotum Bold" pitchFamily="2" charset="-127"/>
+                <a:ea typeface="KoPubWorldDotum Bold" pitchFamily="2" charset="-127"/>
+                <a:cs typeface="KoPubWorldDotum Bold" pitchFamily="2" charset="-127"/>
+              </a:rPr>
+              <a:t>S3</a:t>
+            </a:r>
+            <a:endParaRPr kumimoji="1" lang="ko-KR" altLang="en-US" sz="1100" b="1" dirty="0">
+              <a:latin typeface="KoPubWorldDotum Bold" pitchFamily="2" charset="-127"/>
+              <a:ea typeface="KoPubWorldDotum Bold" pitchFamily="2" charset="-127"/>
+              <a:cs typeface="KoPubWorldDotum Bold" pitchFamily="2" charset="-127"/>
+            </a:endParaRPr>
+          </a:p>
+        </p:txBody>
+      </p:sp>
+      <p:cxnSp>
+        <p:nvCxnSpPr>
+          <p:cNvPr id="32" name="직선 화살표 연결선 31">
+            <a:extLst>
+              <a:ext uri="{FF2B5EF4-FFF2-40B4-BE49-F238E27FC236}">
+                <a16:creationId xmlns:a16="http://schemas.microsoft.com/office/drawing/2014/main" id="{9C4C48DA-AB9C-66CF-5BC3-E8C3AB5FEC45}"/>
+              </a:ext>
+            </a:extLst>
+          </p:cNvPr>
+          <p:cNvCxnSpPr>
+            <a:cxnSpLocks/>
+            <a:endCxn id="39" idx="3"/>
+          </p:cNvCxnSpPr>
+          <p:nvPr/>
+        </p:nvCxnSpPr>
+        <p:spPr>
+          <a:xfrm flipH="1" flipV="1">
+            <a:off x="10531069" y="2365402"/>
+            <a:ext cx="859521" cy="749"/>
+          </a:xfrm>
+          <a:prstGeom prst="straightConnector1">
+            <a:avLst/>
+          </a:prstGeom>
+          <a:ln>
+            <a:headEnd type="none" w="med" len="med"/>
+            <a:tailEnd type="none" w="med" len="med"/>
+          </a:ln>
+        </p:spPr>
+        <p:style>
+          <a:lnRef idx="2">
+            <a:schemeClr val="accent1"/>
+          </a:lnRef>
+          <a:fillRef idx="0">
+            <a:schemeClr val="accent1"/>
+          </a:fillRef>
+          <a:effectRef idx="1">
+            <a:schemeClr val="accent1"/>
+          </a:effectRef>
+          <a:fontRef idx="minor">
+            <a:schemeClr val="tx1"/>
+          </a:fontRef>
+        </p:style>
+      </p:cxnSp>
+      <p:pic>
+        <p:nvPicPr>
+          <p:cNvPr id="33" name="그림 32">
+            <a:extLst>
+              <a:ext uri="{FF2B5EF4-FFF2-40B4-BE49-F238E27FC236}">
+                <a16:creationId xmlns:a16="http://schemas.microsoft.com/office/drawing/2014/main" id="{299B75B5-D8F0-18BC-D6BE-E676585A616C}"/>
+              </a:ext>
+            </a:extLst>
+          </p:cNvPr>
+          <p:cNvPicPr>
+            <a:picLocks noChangeAspect="1"/>
+          </p:cNvPicPr>
+          <p:nvPr/>
+        </p:nvPicPr>
+        <p:blipFill>
+          <a:blip r:embed="rId10">
+            <a:alphaModFix amt="35000"/>
+          </a:blip>
+          <a:stretch>
+            <a:fillRect/>
+          </a:stretch>
+        </p:blipFill>
+        <p:spPr>
+          <a:xfrm>
+            <a:off x="6581429" y="2164801"/>
+            <a:ext cx="435116" cy="435116"/>
+          </a:xfrm>
+          <a:prstGeom prst="rect">
+            <a:avLst/>
+          </a:prstGeom>
+        </p:spPr>
+      </p:pic>
+      <p:sp>
+        <p:nvSpPr>
+          <p:cNvPr id="37" name="제목 1">
+            <a:extLst>
+              <a:ext uri="{FF2B5EF4-FFF2-40B4-BE49-F238E27FC236}">
+                <a16:creationId xmlns:a16="http://schemas.microsoft.com/office/drawing/2014/main" id="{4883C4EB-69F2-7707-5907-D402594B4B41}"/>
+              </a:ext>
+            </a:extLst>
+          </p:cNvPr>
+          <p:cNvSpPr txBox="1">
+            <a:spLocks/>
+          </p:cNvSpPr>
+          <p:nvPr/>
+        </p:nvSpPr>
+        <p:spPr>
+          <a:xfrm>
+            <a:off x="6312345" y="2668250"/>
+            <a:ext cx="967879" cy="267998"/>
+          </a:xfrm>
+          <a:prstGeom prst="rect">
+            <a:avLst/>
+          </a:prstGeom>
+        </p:spPr>
+        <p:txBody>
+          <a:bodyPr vert="horz" lIns="91440" tIns="45720" rIns="91440" bIns="45720" rtlCol="0" anchor="ctr">
+            <a:normAutofit/>
+          </a:bodyPr>
+          <a:lstStyle>
+            <a:lvl1pPr algn="l" defTabSz="914400" rtl="0" eaLnBrk="1" latinLnBrk="1" hangingPunct="1">
+              <a:lnSpc>
+                <a:spcPct val="90000"/>
+              </a:lnSpc>
+              <a:spcBef>
+                <a:spcPct val="0"/>
+              </a:spcBef>
+              <a:buNone/>
+              <a:defRPr sz="4400" kern="1200">
+                <a:solidFill>
+                  <a:schemeClr val="tx1"/>
+                </a:solidFill>
+                <a:latin typeface="+mj-lt"/>
+                <a:ea typeface="+mj-ea"/>
+                <a:cs typeface="+mj-cs"/>
+              </a:defRPr>
+            </a:lvl1pPr>
+          </a:lstStyle>
+          <a:p>
+            <a:pPr algn="ctr"/>
+            <a:r>
+              <a:rPr kumimoji="1" lang="en-US" altLang="ko-KR" sz="1100" b="1" dirty="0">
+                <a:latin typeface="KoPubWorldDotum Bold" pitchFamily="2" charset="-127"/>
+                <a:ea typeface="KoPubWorldDotum Bold" pitchFamily="2" charset="-127"/>
+                <a:cs typeface="KoPubWorldDotum Bold" pitchFamily="2" charset="-127"/>
+              </a:rPr>
+              <a:t>CloudFront</a:t>
+            </a:r>
+            <a:endParaRPr kumimoji="1" lang="ko-KR" altLang="en-US" sz="1100" b="1" dirty="0">
+              <a:latin typeface="KoPubWorldDotum Bold" pitchFamily="2" charset="-127"/>
+              <a:ea typeface="KoPubWorldDotum Bold" pitchFamily="2" charset="-127"/>
+              <a:cs typeface="KoPubWorldDotum Bold" pitchFamily="2" charset="-127"/>
+            </a:endParaRPr>
+          </a:p>
+        </p:txBody>
+      </p:sp>
+      <p:pic>
+        <p:nvPicPr>
+          <p:cNvPr id="38" name="그래픽 37" descr="사용자 단색으로 채워진">
+            <a:extLst>
+              <a:ext uri="{FF2B5EF4-FFF2-40B4-BE49-F238E27FC236}">
+                <a16:creationId xmlns:a16="http://schemas.microsoft.com/office/drawing/2014/main" id="{3CCFFB7A-B116-AF77-980D-C90D7C5B0E09}"/>
+              </a:ext>
+            </a:extLst>
+          </p:cNvPr>
+          <p:cNvPicPr>
+            <a:picLocks noChangeAspect="1"/>
+          </p:cNvPicPr>
+          <p:nvPr/>
+        </p:nvPicPr>
+        <p:blipFill>
+          <a:blip r:embed="rId11">
+            <a:extLst>
+              <a:ext uri="{96DAC541-7B7A-43D3-8B79-37D633B846F1}">
+                <asvg:svgBlip xmlns:asvg="http://schemas.microsoft.com/office/drawing/2016/SVG/main" r:embed="rId12"/>
+              </a:ext>
+            </a:extLst>
+          </a:blip>
+          <a:stretch>
+            <a:fillRect/>
+          </a:stretch>
+        </p:blipFill>
+        <p:spPr>
+          <a:xfrm>
+            <a:off x="11069435" y="1923153"/>
+            <a:ext cx="754027" cy="754027"/>
+          </a:xfrm>
+          <a:prstGeom prst="rect">
+            <a:avLst/>
+          </a:prstGeom>
+        </p:spPr>
+      </p:pic>
+      <p:pic>
+        <p:nvPicPr>
+          <p:cNvPr id="39" name="그림 38">
+            <a:extLst>
+              <a:ext uri="{FF2B5EF4-FFF2-40B4-BE49-F238E27FC236}">
+                <a16:creationId xmlns:a16="http://schemas.microsoft.com/office/drawing/2014/main" id="{4ECCA4A3-4896-020A-6E1B-A5C0CABA7AB0}"/>
+              </a:ext>
+            </a:extLst>
+          </p:cNvPr>
+          <p:cNvPicPr>
+            <a:picLocks noChangeAspect="1"/>
+          </p:cNvPicPr>
+          <p:nvPr/>
+        </p:nvPicPr>
+        <p:blipFill>
+          <a:blip r:embed="rId13">
+            <a:alphaModFix amt="35000"/>
+          </a:blip>
+          <a:stretch>
+            <a:fillRect/>
+          </a:stretch>
+        </p:blipFill>
+        <p:spPr>
+          <a:xfrm>
+            <a:off x="10061669" y="2130702"/>
+            <a:ext cx="469400" cy="469400"/>
+          </a:xfrm>
+          <a:prstGeom prst="rect">
+            <a:avLst/>
+          </a:prstGeom>
+        </p:spPr>
+      </p:pic>
+      <p:sp>
+        <p:nvSpPr>
+          <p:cNvPr id="40" name="제목 1">
+            <a:extLst>
+              <a:ext uri="{FF2B5EF4-FFF2-40B4-BE49-F238E27FC236}">
+                <a16:creationId xmlns:a16="http://schemas.microsoft.com/office/drawing/2014/main" id="{D265A0A2-EE38-19E6-4AB8-846CED18BE20}"/>
+              </a:ext>
+            </a:extLst>
+          </p:cNvPr>
+          <p:cNvSpPr txBox="1">
+            <a:spLocks/>
+          </p:cNvSpPr>
+          <p:nvPr/>
+        </p:nvSpPr>
+        <p:spPr>
+          <a:xfrm>
+            <a:off x="9808138" y="2600102"/>
+            <a:ext cx="967879" cy="267998"/>
+          </a:xfrm>
+          <a:prstGeom prst="rect">
+            <a:avLst/>
+          </a:prstGeom>
+        </p:spPr>
+        <p:txBody>
+          <a:bodyPr vert="horz" lIns="91440" tIns="45720" rIns="91440" bIns="45720" rtlCol="0" anchor="ctr">
+            <a:normAutofit/>
+          </a:bodyPr>
+          <a:lstStyle>
+            <a:lvl1pPr algn="l" defTabSz="914400" rtl="0" eaLnBrk="1" latinLnBrk="1" hangingPunct="1">
+              <a:lnSpc>
+                <a:spcPct val="90000"/>
+              </a:lnSpc>
+              <a:spcBef>
+                <a:spcPct val="0"/>
+              </a:spcBef>
+              <a:buNone/>
+              <a:defRPr sz="4400" kern="1200">
+                <a:solidFill>
+                  <a:schemeClr val="tx1"/>
+                </a:solidFill>
+                <a:latin typeface="+mj-lt"/>
+                <a:ea typeface="+mj-ea"/>
+                <a:cs typeface="+mj-cs"/>
+              </a:defRPr>
+            </a:lvl1pPr>
+          </a:lstStyle>
+          <a:p>
+            <a:pPr algn="ctr"/>
+            <a:r>
+              <a:rPr kumimoji="1" lang="en-US" altLang="ko-KR" sz="1100" b="1" dirty="0">
+                <a:latin typeface="KoPubWorldDotum Bold" pitchFamily="2" charset="-127"/>
+                <a:ea typeface="KoPubWorldDotum Bold" pitchFamily="2" charset="-127"/>
+                <a:cs typeface="KoPubWorldDotum Bold" pitchFamily="2" charset="-127"/>
+              </a:rPr>
+              <a:t>Route 53</a:t>
+            </a:r>
+            <a:endParaRPr kumimoji="1" lang="ko-KR" altLang="en-US" sz="1100" b="1" dirty="0">
+              <a:latin typeface="KoPubWorldDotum Bold" pitchFamily="2" charset="-127"/>
+              <a:ea typeface="KoPubWorldDotum Bold" pitchFamily="2" charset="-127"/>
+              <a:cs typeface="KoPubWorldDotum Bold" pitchFamily="2" charset="-127"/>
+            </a:endParaRPr>
+          </a:p>
+        </p:txBody>
+      </p:sp>
+      <p:sp>
+        <p:nvSpPr>
+          <p:cNvPr id="41" name="처리 40">
+            <a:extLst>
+              <a:ext uri="{FF2B5EF4-FFF2-40B4-BE49-F238E27FC236}">
+                <a16:creationId xmlns:a16="http://schemas.microsoft.com/office/drawing/2014/main" id="{3696A90F-8B52-3CF7-5BAE-40A3644A9762}"/>
+              </a:ext>
+            </a:extLst>
+          </p:cNvPr>
+          <p:cNvSpPr/>
+          <p:nvPr/>
+        </p:nvSpPr>
+        <p:spPr>
+          <a:xfrm>
+            <a:off x="7502416" y="1996940"/>
+            <a:ext cx="1203109" cy="243942"/>
+          </a:xfrm>
+          <a:prstGeom prst="flowChartProcess">
+            <a:avLst/>
+          </a:prstGeom>
+          <a:solidFill>
+            <a:schemeClr val="accent1"/>
+          </a:solidFill>
+          <a:ln>
+            <a:noFill/>
+          </a:ln>
+        </p:spPr>
+        <p:style>
+          <a:lnRef idx="2">
+            <a:schemeClr val="accent1">
+              <a:shade val="15000"/>
+            </a:schemeClr>
+          </a:lnRef>
+          <a:fillRef idx="1">
+            <a:schemeClr val="accent1"/>
+          </a:fillRef>
+          <a:effectRef idx="0">
+            <a:schemeClr val="accent1"/>
+          </a:effectRef>
+          <a:fontRef idx="minor">
+            <a:schemeClr val="lt1"/>
+          </a:fontRef>
+        </p:style>
+        <p:txBody>
+          <a:bodyPr rtlCol="0" anchor="ctr"/>
+          <a:lstStyle/>
+          <a:p>
+            <a:pPr algn="ctr"/>
+            <a:r>
+              <a:rPr kumimoji="1" lang="en-US" altLang="ko-KR" sz="1100" b="1" dirty="0" err="1">
+                <a:latin typeface="KoPubWorldDotum Bold" pitchFamily="2" charset="-127"/>
+                <a:ea typeface="KoPubWorldDotum Bold" pitchFamily="2" charset="-127"/>
+                <a:cs typeface="KoPubWorldDotum Bold" pitchFamily="2" charset="-127"/>
+              </a:rPr>
+              <a:t>Front.js</a:t>
+            </a:r>
+            <a:endParaRPr kumimoji="1" lang="ko-KR" altLang="en-US" sz="1100" b="1" dirty="0">
+              <a:latin typeface="KoPubWorldDotum Bold" pitchFamily="2" charset="-127"/>
+              <a:ea typeface="KoPubWorldDotum Bold" pitchFamily="2" charset="-127"/>
+              <a:cs typeface="KoPubWorldDotum Bold" pitchFamily="2" charset="-127"/>
+            </a:endParaRPr>
+          </a:p>
+        </p:txBody>
+      </p:sp>
+      <p:sp>
+        <p:nvSpPr>
+          <p:cNvPr id="42" name="처리 41">
+            <a:extLst>
+              <a:ext uri="{FF2B5EF4-FFF2-40B4-BE49-F238E27FC236}">
+                <a16:creationId xmlns:a16="http://schemas.microsoft.com/office/drawing/2014/main" id="{CCF6BED8-D135-AFA2-9027-2049A89CFE2B}"/>
+              </a:ext>
+            </a:extLst>
+          </p:cNvPr>
+          <p:cNvSpPr/>
+          <p:nvPr/>
+        </p:nvSpPr>
+        <p:spPr>
+          <a:xfrm>
+            <a:off x="7502416" y="2256906"/>
+            <a:ext cx="1203109" cy="243942"/>
+          </a:xfrm>
+          <a:prstGeom prst="flowChartProcess">
+            <a:avLst/>
+          </a:prstGeom>
+          <a:solidFill>
+            <a:schemeClr val="accent1"/>
+          </a:solidFill>
+          <a:ln>
+            <a:noFill/>
+          </a:ln>
+        </p:spPr>
+        <p:style>
+          <a:lnRef idx="2">
+            <a:schemeClr val="accent1">
+              <a:shade val="15000"/>
+            </a:schemeClr>
+          </a:lnRef>
+          <a:fillRef idx="1">
+            <a:schemeClr val="accent1"/>
+          </a:fillRef>
+          <a:effectRef idx="0">
+            <a:schemeClr val="accent1"/>
+          </a:effectRef>
+          <a:fontRef idx="minor">
+            <a:schemeClr val="lt1"/>
+          </a:fontRef>
+        </p:style>
+        <p:txBody>
+          <a:bodyPr rtlCol="0" anchor="ctr"/>
+          <a:lstStyle/>
+          <a:p>
+            <a:pPr algn="ctr"/>
+            <a:r>
+              <a:rPr kumimoji="1" lang="en-US" altLang="ko-KR" sz="1100" b="1" dirty="0" err="1">
+                <a:latin typeface="KoPubWorldDotum Bold" pitchFamily="2" charset="-127"/>
+                <a:ea typeface="KoPubWorldDotum Bold" pitchFamily="2" charset="-127"/>
+                <a:cs typeface="KoPubWorldDotum Bold" pitchFamily="2" charset="-127"/>
+              </a:rPr>
+              <a:t>Front.html</a:t>
+            </a:r>
+            <a:endParaRPr kumimoji="1" lang="ko-KR" altLang="en-US" sz="1100" b="1" dirty="0">
+              <a:latin typeface="KoPubWorldDotum Bold" pitchFamily="2" charset="-127"/>
+              <a:ea typeface="KoPubWorldDotum Bold" pitchFamily="2" charset="-127"/>
+              <a:cs typeface="KoPubWorldDotum Bold" pitchFamily="2" charset="-127"/>
+            </a:endParaRPr>
+          </a:p>
+        </p:txBody>
+      </p:sp>
+      <p:sp>
+        <p:nvSpPr>
+          <p:cNvPr id="44" name="처리 43">
+            <a:extLst>
+              <a:ext uri="{FF2B5EF4-FFF2-40B4-BE49-F238E27FC236}">
+                <a16:creationId xmlns:a16="http://schemas.microsoft.com/office/drawing/2014/main" id="{26C1842D-826B-A14B-203C-E628EB699989}"/>
+              </a:ext>
+            </a:extLst>
+          </p:cNvPr>
+          <p:cNvSpPr/>
+          <p:nvPr/>
+        </p:nvSpPr>
+        <p:spPr>
+          <a:xfrm>
+            <a:off x="7502416" y="2519734"/>
+            <a:ext cx="1203109" cy="243942"/>
+          </a:xfrm>
+          <a:prstGeom prst="flowChartProcess">
+            <a:avLst/>
+          </a:prstGeom>
+          <a:solidFill>
+            <a:srgbClr val="156082">
+              <a:alpha val="35294"/>
+            </a:srgbClr>
+          </a:solidFill>
+          <a:ln>
+            <a:noFill/>
+          </a:ln>
+        </p:spPr>
+        <p:style>
+          <a:lnRef idx="2">
+            <a:schemeClr val="accent1">
+              <a:shade val="15000"/>
+            </a:schemeClr>
+          </a:lnRef>
+          <a:fillRef idx="1">
+            <a:schemeClr val="accent1"/>
+          </a:fillRef>
+          <a:effectRef idx="0">
+            <a:schemeClr val="accent1"/>
+          </a:effectRef>
+          <a:fontRef idx="minor">
+            <a:schemeClr val="lt1"/>
+          </a:fontRef>
+        </p:style>
+        <p:txBody>
+          <a:bodyPr rtlCol="0" anchor="ctr"/>
+          <a:lstStyle/>
+          <a:p>
+            <a:pPr algn="ctr"/>
+            <a:r>
+              <a:rPr kumimoji="1" lang="en-US" altLang="ko-KR" sz="1100" b="1" dirty="0" err="1">
+                <a:latin typeface="KoPubWorldDotum Bold" pitchFamily="2" charset="-127"/>
+                <a:ea typeface="KoPubWorldDotum Bold" pitchFamily="2" charset="-127"/>
+                <a:cs typeface="KoPubWorldDotum Bold" pitchFamily="2" charset="-127"/>
+              </a:rPr>
+              <a:t>Front.css</a:t>
+            </a:r>
+            <a:endParaRPr kumimoji="1" lang="ko-KR" altLang="en-US" sz="1100" b="1" dirty="0">
+              <a:latin typeface="KoPubWorldDotum Bold" pitchFamily="2" charset="-127"/>
+              <a:ea typeface="KoPubWorldDotum Bold" pitchFamily="2" charset="-127"/>
+              <a:cs typeface="KoPubWorldDotum Bold" pitchFamily="2" charset="-127"/>
+            </a:endParaRPr>
+          </a:p>
+        </p:txBody>
+      </p:sp>
+      <p:pic>
+        <p:nvPicPr>
+          <p:cNvPr id="45" name="그림 44">
+            <a:extLst>
+              <a:ext uri="{FF2B5EF4-FFF2-40B4-BE49-F238E27FC236}">
+                <a16:creationId xmlns:a16="http://schemas.microsoft.com/office/drawing/2014/main" id="{371D1B9E-F9A5-B818-0A2D-56C3F74432FB}"/>
+              </a:ext>
+            </a:extLst>
+          </p:cNvPr>
+          <p:cNvPicPr>
+            <a:picLocks noChangeAspect="1"/>
+          </p:cNvPicPr>
+          <p:nvPr/>
+        </p:nvPicPr>
+        <p:blipFill>
+          <a:blip r:embed="rId14">
+            <a:alphaModFix amt="35000"/>
+          </a:blip>
+          <a:stretch>
+            <a:fillRect/>
+          </a:stretch>
+        </p:blipFill>
+        <p:spPr>
+          <a:xfrm>
+            <a:off x="9214494" y="2134070"/>
+            <a:ext cx="458939" cy="458939"/>
+          </a:xfrm>
+          <a:prstGeom prst="rect">
+            <a:avLst/>
+          </a:prstGeom>
+        </p:spPr>
+      </p:pic>
+      <p:sp>
+        <p:nvSpPr>
+          <p:cNvPr id="47" name="제목 1">
+            <a:extLst>
+              <a:ext uri="{FF2B5EF4-FFF2-40B4-BE49-F238E27FC236}">
+                <a16:creationId xmlns:a16="http://schemas.microsoft.com/office/drawing/2014/main" id="{366394CA-2055-4338-75FA-29FAE3468C72}"/>
+              </a:ext>
+            </a:extLst>
+          </p:cNvPr>
+          <p:cNvSpPr txBox="1">
+            <a:spLocks/>
+          </p:cNvSpPr>
+          <p:nvPr/>
+        </p:nvSpPr>
+        <p:spPr>
+          <a:xfrm>
+            <a:off x="8954681" y="2600102"/>
+            <a:ext cx="967879" cy="267998"/>
+          </a:xfrm>
+          <a:prstGeom prst="rect">
+            <a:avLst/>
+          </a:prstGeom>
+        </p:spPr>
+        <p:txBody>
+          <a:bodyPr vert="horz" lIns="91440" tIns="45720" rIns="91440" bIns="45720" rtlCol="0" anchor="ctr">
+            <a:normAutofit/>
+          </a:bodyPr>
+          <a:lstStyle>
+            <a:lvl1pPr algn="l" defTabSz="914400" rtl="0" eaLnBrk="1" latinLnBrk="1" hangingPunct="1">
+              <a:lnSpc>
+                <a:spcPct val="90000"/>
+              </a:lnSpc>
+              <a:spcBef>
+                <a:spcPct val="0"/>
+              </a:spcBef>
+              <a:buNone/>
+              <a:defRPr sz="4400" kern="1200">
+                <a:solidFill>
+                  <a:schemeClr val="tx1"/>
+                </a:solidFill>
+                <a:latin typeface="+mj-lt"/>
+                <a:ea typeface="+mj-ea"/>
+                <a:cs typeface="+mj-cs"/>
+              </a:defRPr>
+            </a:lvl1pPr>
+          </a:lstStyle>
+          <a:p>
+            <a:pPr algn="ctr"/>
+            <a:r>
+              <a:rPr kumimoji="1" lang="en-US" altLang="ko-KR" sz="1100" b="1" dirty="0">
+                <a:latin typeface="KoPubWorldDotum Bold" pitchFamily="2" charset="-127"/>
+                <a:ea typeface="KoPubWorldDotum Bold" pitchFamily="2" charset="-127"/>
+                <a:cs typeface="KoPubWorldDotum Bold" pitchFamily="2" charset="-127"/>
+              </a:rPr>
+              <a:t>WAF</a:t>
+            </a:r>
+            <a:endParaRPr kumimoji="1" lang="ko-KR" altLang="en-US" sz="1100" b="1" dirty="0">
+              <a:latin typeface="KoPubWorldDotum Bold" pitchFamily="2" charset="-127"/>
+              <a:ea typeface="KoPubWorldDotum Bold" pitchFamily="2" charset="-127"/>
+              <a:cs typeface="KoPubWorldDotum Bold" pitchFamily="2" charset="-127"/>
+            </a:endParaRPr>
+          </a:p>
+        </p:txBody>
+      </p:sp>
+      <p:sp>
+        <p:nvSpPr>
+          <p:cNvPr id="48" name="제목 1">
+            <a:extLst>
+              <a:ext uri="{FF2B5EF4-FFF2-40B4-BE49-F238E27FC236}">
+                <a16:creationId xmlns:a16="http://schemas.microsoft.com/office/drawing/2014/main" id="{6666B4EF-DAA2-18A1-C3FB-6AA06B52EA62}"/>
+              </a:ext>
+            </a:extLst>
+          </p:cNvPr>
+          <p:cNvSpPr txBox="1">
+            <a:spLocks/>
+          </p:cNvSpPr>
+          <p:nvPr/>
+        </p:nvSpPr>
+        <p:spPr>
+          <a:xfrm>
+            <a:off x="5451168" y="2668250"/>
+            <a:ext cx="967879" cy="267998"/>
+          </a:xfrm>
+          <a:prstGeom prst="rect">
+            <a:avLst/>
+          </a:prstGeom>
+        </p:spPr>
+        <p:txBody>
+          <a:bodyPr vert="horz" lIns="91440" tIns="45720" rIns="91440" bIns="45720" rtlCol="0" anchor="ctr">
+            <a:normAutofit fontScale="92500"/>
+          </a:bodyPr>
+          <a:lstStyle>
+            <a:lvl1pPr algn="l" defTabSz="914400" rtl="0" eaLnBrk="1" latinLnBrk="1" hangingPunct="1">
+              <a:lnSpc>
+                <a:spcPct val="90000"/>
+              </a:lnSpc>
+              <a:spcBef>
+                <a:spcPct val="0"/>
+              </a:spcBef>
+              <a:buNone/>
+              <a:defRPr sz="4400" kern="1200">
+                <a:solidFill>
+                  <a:schemeClr val="tx1"/>
+                </a:solidFill>
+                <a:latin typeface="+mj-lt"/>
+                <a:ea typeface="+mj-ea"/>
+                <a:cs typeface="+mj-cs"/>
+              </a:defRPr>
+            </a:lvl1pPr>
+          </a:lstStyle>
+          <a:p>
+            <a:pPr algn="ctr"/>
+            <a:r>
+              <a:rPr kumimoji="1" lang="en-US" altLang="ko-KR" sz="1100" b="1" dirty="0">
+                <a:latin typeface="KoPubWorldDotum Bold" pitchFamily="2" charset="-127"/>
+                <a:ea typeface="KoPubWorldDotum Bold" pitchFamily="2" charset="-127"/>
+                <a:cs typeface="KoPubWorldDotum Bold" pitchFamily="2" charset="-127"/>
+              </a:rPr>
+              <a:t>API Gateway</a:t>
+            </a:r>
+            <a:endParaRPr kumimoji="1" lang="ko-KR" altLang="en-US" sz="1100" b="1" dirty="0">
+              <a:latin typeface="KoPubWorldDotum Bold" pitchFamily="2" charset="-127"/>
+              <a:ea typeface="KoPubWorldDotum Bold" pitchFamily="2" charset="-127"/>
+              <a:cs typeface="KoPubWorldDotum Bold" pitchFamily="2" charset="-127"/>
+            </a:endParaRPr>
+          </a:p>
+        </p:txBody>
+      </p:sp>
+      <p:sp>
+        <p:nvSpPr>
+          <p:cNvPr id="52" name="제목 1">
+            <a:extLst>
+              <a:ext uri="{FF2B5EF4-FFF2-40B4-BE49-F238E27FC236}">
+                <a16:creationId xmlns:a16="http://schemas.microsoft.com/office/drawing/2014/main" id="{E9F17F88-4DCB-803E-4479-A1146811AEB5}"/>
+              </a:ext>
+            </a:extLst>
+          </p:cNvPr>
+          <p:cNvSpPr txBox="1">
+            <a:spLocks/>
+          </p:cNvSpPr>
+          <p:nvPr/>
+        </p:nvSpPr>
+        <p:spPr>
+          <a:xfrm>
+            <a:off x="3597858" y="4781030"/>
+            <a:ext cx="967879" cy="267998"/>
+          </a:xfrm>
+          <a:prstGeom prst="rect">
+            <a:avLst/>
+          </a:prstGeom>
+        </p:spPr>
+        <p:txBody>
+          <a:bodyPr vert="horz" lIns="91440" tIns="45720" rIns="91440" bIns="45720" rtlCol="0" anchor="ctr">
+            <a:normAutofit/>
+          </a:bodyPr>
+          <a:lstStyle>
+            <a:lvl1pPr algn="l" defTabSz="914400" rtl="0" eaLnBrk="1" latinLnBrk="1" hangingPunct="1">
+              <a:lnSpc>
+                <a:spcPct val="90000"/>
+              </a:lnSpc>
+              <a:spcBef>
+                <a:spcPct val="0"/>
+              </a:spcBef>
+              <a:buNone/>
+              <a:defRPr sz="4400" kern="1200">
+                <a:solidFill>
+                  <a:schemeClr val="tx1"/>
+                </a:solidFill>
+                <a:latin typeface="+mj-lt"/>
+                <a:ea typeface="+mj-ea"/>
+                <a:cs typeface="+mj-cs"/>
+              </a:defRPr>
+            </a:lvl1pPr>
+          </a:lstStyle>
+          <a:p>
+            <a:pPr algn="ctr"/>
+            <a:r>
+              <a:rPr kumimoji="1" lang="en-US" altLang="ko-KR" sz="1100" b="1" dirty="0" err="1">
+                <a:latin typeface="KoPubWorldDotum Bold" pitchFamily="2" charset="-127"/>
+                <a:ea typeface="KoPubWorldDotum Bold" pitchFamily="2" charset="-127"/>
+                <a:cs typeface="KoPubWorldDotum Bold" pitchFamily="2" charset="-127"/>
+              </a:rPr>
+              <a:t>Cloudwatch</a:t>
+            </a:r>
+            <a:endParaRPr kumimoji="1" lang="ko-KR" altLang="en-US" sz="1100" b="1" dirty="0">
+              <a:latin typeface="KoPubWorldDotum Bold" pitchFamily="2" charset="-127"/>
+              <a:ea typeface="KoPubWorldDotum Bold" pitchFamily="2" charset="-127"/>
+              <a:cs typeface="KoPubWorldDotum Bold" pitchFamily="2" charset="-127"/>
+            </a:endParaRPr>
+          </a:p>
+        </p:txBody>
+      </p:sp>
+      <p:pic>
+        <p:nvPicPr>
+          <p:cNvPr id="53" name="그림 52">
+            <a:extLst>
+              <a:ext uri="{FF2B5EF4-FFF2-40B4-BE49-F238E27FC236}">
+                <a16:creationId xmlns:a16="http://schemas.microsoft.com/office/drawing/2014/main" id="{2553ADDA-AB0D-A775-5972-34D82429DC78}"/>
+              </a:ext>
+            </a:extLst>
+          </p:cNvPr>
+          <p:cNvPicPr>
+            <a:picLocks noChangeAspect="1"/>
+          </p:cNvPicPr>
+          <p:nvPr/>
+        </p:nvPicPr>
+        <p:blipFill>
+          <a:blip r:embed="rId15">
+            <a:alphaModFix amt="35000"/>
+          </a:blip>
+          <a:stretch>
+            <a:fillRect/>
+          </a:stretch>
+        </p:blipFill>
+        <p:spPr>
+          <a:xfrm>
+            <a:off x="3287021" y="3402268"/>
+            <a:ext cx="462143" cy="462143"/>
+          </a:xfrm>
+          <a:prstGeom prst="rect">
+            <a:avLst/>
+          </a:prstGeom>
+        </p:spPr>
+      </p:pic>
+      <p:sp>
+        <p:nvSpPr>
+          <p:cNvPr id="59" name="제목 1">
+            <a:extLst>
+              <a:ext uri="{FF2B5EF4-FFF2-40B4-BE49-F238E27FC236}">
+                <a16:creationId xmlns:a16="http://schemas.microsoft.com/office/drawing/2014/main" id="{136BCF7D-BE45-1249-0A36-AE08D869C09D}"/>
+              </a:ext>
+            </a:extLst>
+          </p:cNvPr>
+          <p:cNvSpPr txBox="1">
+            <a:spLocks/>
+          </p:cNvSpPr>
+          <p:nvPr/>
+        </p:nvSpPr>
+        <p:spPr>
+          <a:xfrm>
+            <a:off x="3160461" y="3828437"/>
+            <a:ext cx="739201" cy="267998"/>
+          </a:xfrm>
+          <a:prstGeom prst="rect">
+            <a:avLst/>
+          </a:prstGeom>
+        </p:spPr>
+        <p:txBody>
+          <a:bodyPr vert="horz" lIns="91440" tIns="45720" rIns="91440" bIns="45720" rtlCol="0" anchor="ctr">
+            <a:normAutofit/>
+          </a:bodyPr>
+          <a:lstStyle>
+            <a:lvl1pPr algn="l" defTabSz="914400" rtl="0" eaLnBrk="1" latinLnBrk="1" hangingPunct="1">
+              <a:lnSpc>
+                <a:spcPct val="90000"/>
+              </a:lnSpc>
+              <a:spcBef>
+                <a:spcPct val="0"/>
+              </a:spcBef>
+              <a:buNone/>
+              <a:defRPr sz="4400" kern="1200">
+                <a:solidFill>
+                  <a:schemeClr val="tx1"/>
+                </a:solidFill>
+                <a:latin typeface="+mj-lt"/>
+                <a:ea typeface="+mj-ea"/>
+                <a:cs typeface="+mj-cs"/>
+              </a:defRPr>
+            </a:lvl1pPr>
+          </a:lstStyle>
+          <a:p>
+            <a:pPr algn="ctr"/>
+            <a:r>
+              <a:rPr kumimoji="1" lang="en-US" altLang="ko-KR" sz="1100" b="1" dirty="0">
+                <a:latin typeface="KoPubWorldDotum Bold" pitchFamily="2" charset="-127"/>
+                <a:ea typeface="KoPubWorldDotum Bold" pitchFamily="2" charset="-127"/>
+                <a:cs typeface="KoPubWorldDotum Bold" pitchFamily="2" charset="-127"/>
+              </a:rPr>
+              <a:t>Cognito</a:t>
+            </a:r>
+            <a:endParaRPr kumimoji="1" lang="ko-KR" altLang="en-US" sz="1100" b="1" dirty="0">
+              <a:latin typeface="KoPubWorldDotum Bold" pitchFamily="2" charset="-127"/>
+              <a:ea typeface="KoPubWorldDotum Bold" pitchFamily="2" charset="-127"/>
+              <a:cs typeface="KoPubWorldDotum Bold" pitchFamily="2" charset="-127"/>
+            </a:endParaRPr>
+          </a:p>
+        </p:txBody>
+      </p:sp>
+      <p:cxnSp>
+        <p:nvCxnSpPr>
+          <p:cNvPr id="23" name="꺾인 연결선[E] 22">
+            <a:extLst>
+              <a:ext uri="{FF2B5EF4-FFF2-40B4-BE49-F238E27FC236}">
+                <a16:creationId xmlns:a16="http://schemas.microsoft.com/office/drawing/2014/main" id="{98498933-D8AE-7764-4028-CB8700E0A259}"/>
+              </a:ext>
+            </a:extLst>
+          </p:cNvPr>
+          <p:cNvCxnSpPr>
+            <a:cxnSpLocks/>
+            <a:stCxn id="19" idx="2"/>
+            <a:endCxn id="63" idx="0"/>
+          </p:cNvCxnSpPr>
+          <p:nvPr/>
+        </p:nvCxnSpPr>
+        <p:spPr>
+          <a:xfrm rot="5400000">
+            <a:off x="4273376" y="3909905"/>
+            <a:ext cx="219321" cy="593145"/>
+          </a:xfrm>
+          <a:prstGeom prst="bentConnector3">
+            <a:avLst>
+              <a:gd name="adj1" fmla="val 50000"/>
+            </a:avLst>
+          </a:prstGeom>
+        </p:spPr>
+        <p:style>
+          <a:lnRef idx="2">
+            <a:schemeClr val="accent1"/>
+          </a:lnRef>
+          <a:fillRef idx="0">
+            <a:schemeClr val="accent1"/>
+          </a:fillRef>
+          <a:effectRef idx="1">
+            <a:schemeClr val="accent1"/>
+          </a:effectRef>
+          <a:fontRef idx="minor">
+            <a:schemeClr val="tx1"/>
+          </a:fontRef>
+        </p:style>
+      </p:cxnSp>
+      <p:cxnSp>
+        <p:nvCxnSpPr>
+          <p:cNvPr id="46" name="꺾인 연결선[E] 45">
+            <a:extLst>
+              <a:ext uri="{FF2B5EF4-FFF2-40B4-BE49-F238E27FC236}">
+                <a16:creationId xmlns:a16="http://schemas.microsoft.com/office/drawing/2014/main" id="{BD429807-1AD0-DB26-2768-B9EEEEA5DD42}"/>
+              </a:ext>
+            </a:extLst>
+          </p:cNvPr>
+          <p:cNvCxnSpPr>
+            <a:cxnSpLocks/>
+            <a:endCxn id="18" idx="0"/>
+          </p:cNvCxnSpPr>
+          <p:nvPr/>
+        </p:nvCxnSpPr>
+        <p:spPr>
+          <a:xfrm>
+            <a:off x="4267094" y="3198616"/>
+            <a:ext cx="423545" cy="203652"/>
+          </a:xfrm>
+          <a:prstGeom prst="bentConnector2">
+            <a:avLst/>
+          </a:prstGeom>
+        </p:spPr>
+        <p:style>
+          <a:lnRef idx="2">
+            <a:schemeClr val="accent1"/>
+          </a:lnRef>
+          <a:fillRef idx="0">
+            <a:schemeClr val="accent1"/>
+          </a:fillRef>
+          <a:effectRef idx="1">
+            <a:schemeClr val="accent1"/>
+          </a:effectRef>
+          <a:fontRef idx="minor">
+            <a:schemeClr val="tx1"/>
+          </a:fontRef>
+        </p:style>
+      </p:cxnSp>
+      <p:cxnSp>
+        <p:nvCxnSpPr>
+          <p:cNvPr id="55" name="꺾인 연결선[E] 54">
+            <a:extLst>
+              <a:ext uri="{FF2B5EF4-FFF2-40B4-BE49-F238E27FC236}">
+                <a16:creationId xmlns:a16="http://schemas.microsoft.com/office/drawing/2014/main" id="{13381958-D0AB-6C14-6478-BED70ACF6C92}"/>
+              </a:ext>
+            </a:extLst>
+          </p:cNvPr>
+          <p:cNvCxnSpPr>
+            <a:cxnSpLocks/>
+            <a:endCxn id="53" idx="0"/>
+          </p:cNvCxnSpPr>
+          <p:nvPr/>
+        </p:nvCxnSpPr>
+        <p:spPr>
+          <a:xfrm rot="10800000" flipV="1">
+            <a:off x="3518094" y="3179052"/>
+            <a:ext cx="353199" cy="223215"/>
+          </a:xfrm>
+          <a:prstGeom prst="bentConnector2">
+            <a:avLst/>
+          </a:prstGeom>
+        </p:spPr>
+        <p:style>
+          <a:lnRef idx="2">
+            <a:schemeClr val="accent1"/>
+          </a:lnRef>
+          <a:fillRef idx="0">
+            <a:schemeClr val="accent1"/>
+          </a:fillRef>
+          <a:effectRef idx="1">
+            <a:schemeClr val="accent1"/>
+          </a:effectRef>
+          <a:fontRef idx="minor">
+            <a:schemeClr val="tx1"/>
+          </a:fontRef>
+        </p:style>
+      </p:cxnSp>
+      <p:cxnSp>
+        <p:nvCxnSpPr>
+          <p:cNvPr id="1027" name="꺾인 연결선[E] 1026">
+            <a:extLst>
+              <a:ext uri="{FF2B5EF4-FFF2-40B4-BE49-F238E27FC236}">
+                <a16:creationId xmlns:a16="http://schemas.microsoft.com/office/drawing/2014/main" id="{135047B6-E1E0-79F6-B613-9B590C528682}"/>
+              </a:ext>
+            </a:extLst>
+          </p:cNvPr>
+          <p:cNvCxnSpPr>
+            <a:cxnSpLocks/>
+            <a:stCxn id="59" idx="2"/>
+            <a:endCxn id="63" idx="0"/>
+          </p:cNvCxnSpPr>
+          <p:nvPr/>
+        </p:nvCxnSpPr>
+        <p:spPr>
+          <a:xfrm rot="16200000" flipH="1">
+            <a:off x="3698411" y="3928085"/>
+            <a:ext cx="219703" cy="556401"/>
+          </a:xfrm>
+          <a:prstGeom prst="bentConnector3">
+            <a:avLst>
+              <a:gd name="adj1" fmla="val 50000"/>
+            </a:avLst>
+          </a:prstGeom>
+        </p:spPr>
+        <p:style>
+          <a:lnRef idx="2">
+            <a:schemeClr val="accent1"/>
+          </a:lnRef>
+          <a:fillRef idx="0">
+            <a:schemeClr val="accent1"/>
+          </a:fillRef>
+          <a:effectRef idx="1">
+            <a:schemeClr val="accent1"/>
+          </a:effectRef>
+          <a:fontRef idx="minor">
+            <a:schemeClr val="tx1"/>
+          </a:fontRef>
+        </p:style>
+      </p:cxnSp>
+      <p:sp>
+        <p:nvSpPr>
+          <p:cNvPr id="1043" name="직사각형 1042">
+            <a:extLst>
+              <a:ext uri="{FF2B5EF4-FFF2-40B4-BE49-F238E27FC236}">
+                <a16:creationId xmlns:a16="http://schemas.microsoft.com/office/drawing/2014/main" id="{11BEF97D-88AF-EEA9-C1B8-93C0D79DF3E2}"/>
+              </a:ext>
+            </a:extLst>
+          </p:cNvPr>
+          <p:cNvSpPr/>
+          <p:nvPr/>
+        </p:nvSpPr>
+        <p:spPr>
+          <a:xfrm>
+            <a:off x="3310047" y="1925650"/>
+            <a:ext cx="1503655" cy="1093027"/>
+          </a:xfrm>
+          <a:prstGeom prst="rect">
+            <a:avLst/>
+          </a:prstGeom>
+          <a:noFill/>
+          <a:ln>
+            <a:solidFill>
+              <a:srgbClr val="000000"/>
+            </a:solidFill>
+            <a:prstDash val="sysDash"/>
+          </a:ln>
+        </p:spPr>
+        <p:style>
+          <a:lnRef idx="2">
+            <a:schemeClr val="accent1">
+              <a:shade val="15000"/>
+            </a:schemeClr>
+          </a:lnRef>
+          <a:fillRef idx="1">
+            <a:schemeClr val="accent1"/>
+          </a:fillRef>
+          <a:effectRef idx="0">
+            <a:schemeClr val="accent1"/>
+          </a:effectRef>
+          <a:fontRef idx="minor">
+            <a:schemeClr val="lt1"/>
+          </a:fontRef>
+        </p:style>
+        <p:txBody>
+          <a:bodyPr rtlCol="0" anchor="ctr"/>
+          <a:lstStyle/>
+          <a:p>
+            <a:pPr algn="ctr"/>
+            <a:endParaRPr kumimoji="1" lang="ko-KR" altLang="en-US"/>
+          </a:p>
+        </p:txBody>
+      </p:sp>
+      <p:pic>
+        <p:nvPicPr>
+          <p:cNvPr id="15" name="그림 14">
+            <a:extLst>
+              <a:ext uri="{FF2B5EF4-FFF2-40B4-BE49-F238E27FC236}">
+                <a16:creationId xmlns:a16="http://schemas.microsoft.com/office/drawing/2014/main" id="{1ABC9D3B-CFA7-E166-CF7C-86924353DAE6}"/>
+              </a:ext>
+            </a:extLst>
+          </p:cNvPr>
+          <p:cNvPicPr>
+            <a:picLocks noChangeAspect="1"/>
+          </p:cNvPicPr>
+          <p:nvPr/>
+        </p:nvPicPr>
+        <p:blipFill>
+          <a:blip r:embed="rId16"/>
+          <a:stretch>
+            <a:fillRect/>
+          </a:stretch>
+        </p:blipFill>
+        <p:spPr>
+          <a:xfrm>
+            <a:off x="3855392" y="2832447"/>
+            <a:ext cx="462142" cy="462142"/>
+          </a:xfrm>
+          <a:prstGeom prst="rect">
+            <a:avLst/>
+          </a:prstGeom>
+        </p:spPr>
+      </p:pic>
+      <p:sp>
+        <p:nvSpPr>
+          <p:cNvPr id="1052" name="처리 1051">
+            <a:extLst>
+              <a:ext uri="{FF2B5EF4-FFF2-40B4-BE49-F238E27FC236}">
+                <a16:creationId xmlns:a16="http://schemas.microsoft.com/office/drawing/2014/main" id="{2B3FAD64-4705-E1C2-42FE-94B44868B7B4}"/>
+              </a:ext>
+            </a:extLst>
+          </p:cNvPr>
+          <p:cNvSpPr/>
+          <p:nvPr/>
+        </p:nvSpPr>
+        <p:spPr>
+          <a:xfrm>
+            <a:off x="3489354" y="2012763"/>
+            <a:ext cx="1203109" cy="243942"/>
+          </a:xfrm>
+          <a:prstGeom prst="flowChartProcess">
+            <a:avLst/>
+          </a:prstGeom>
+          <a:solidFill>
+            <a:schemeClr val="accent1"/>
+          </a:solidFill>
+          <a:ln>
+            <a:noFill/>
+          </a:ln>
+        </p:spPr>
+        <p:style>
+          <a:lnRef idx="2">
+            <a:schemeClr val="accent1">
+              <a:shade val="15000"/>
+            </a:schemeClr>
+          </a:lnRef>
+          <a:fillRef idx="1">
+            <a:schemeClr val="accent1"/>
+          </a:fillRef>
+          <a:effectRef idx="0">
+            <a:schemeClr val="accent1"/>
+          </a:effectRef>
+          <a:fontRef idx="minor">
+            <a:schemeClr val="lt1"/>
+          </a:fontRef>
+        </p:style>
+        <p:txBody>
+          <a:bodyPr rtlCol="0" anchor="ctr"/>
+          <a:lstStyle/>
+          <a:p>
+            <a:pPr algn="ctr"/>
+            <a:r>
+              <a:rPr kumimoji="1" lang="en-US" altLang="ko-KR" sz="1100" b="1" dirty="0" err="1">
+                <a:latin typeface="KoPubWorldDotum Bold" pitchFamily="2" charset="-127"/>
+                <a:ea typeface="KoPubWorldDotum Bold" pitchFamily="2" charset="-127"/>
+                <a:cs typeface="KoPubWorldDotum Bold" pitchFamily="2" charset="-127"/>
+              </a:rPr>
+              <a:t>Connect.py</a:t>
+            </a:r>
+            <a:endParaRPr kumimoji="1" lang="ko-KR" altLang="en-US" sz="1100" b="1" dirty="0">
+              <a:latin typeface="KoPubWorldDotum Bold" pitchFamily="2" charset="-127"/>
+              <a:ea typeface="KoPubWorldDotum Bold" pitchFamily="2" charset="-127"/>
+              <a:cs typeface="KoPubWorldDotum Bold" pitchFamily="2" charset="-127"/>
+            </a:endParaRPr>
+          </a:p>
+        </p:txBody>
+      </p:sp>
+      <p:sp>
+        <p:nvSpPr>
+          <p:cNvPr id="1053" name="처리 1052">
+            <a:extLst>
+              <a:ext uri="{FF2B5EF4-FFF2-40B4-BE49-F238E27FC236}">
+                <a16:creationId xmlns:a16="http://schemas.microsoft.com/office/drawing/2014/main" id="{A45DEA1D-9009-4C1F-77FF-51C1DCDF71ED}"/>
+              </a:ext>
+            </a:extLst>
+          </p:cNvPr>
+          <p:cNvSpPr/>
+          <p:nvPr/>
+        </p:nvSpPr>
+        <p:spPr>
+          <a:xfrm>
+            <a:off x="3489354" y="2272729"/>
+            <a:ext cx="1203109" cy="243942"/>
+          </a:xfrm>
+          <a:prstGeom prst="flowChartProcess">
+            <a:avLst/>
+          </a:prstGeom>
+          <a:solidFill>
+            <a:schemeClr val="accent1"/>
+          </a:solidFill>
+          <a:ln>
+            <a:noFill/>
+          </a:ln>
+        </p:spPr>
+        <p:style>
+          <a:lnRef idx="2">
+            <a:schemeClr val="accent1">
+              <a:shade val="15000"/>
+            </a:schemeClr>
+          </a:lnRef>
+          <a:fillRef idx="1">
+            <a:schemeClr val="accent1"/>
+          </a:fillRef>
+          <a:effectRef idx="0">
+            <a:schemeClr val="accent1"/>
+          </a:effectRef>
+          <a:fontRef idx="minor">
+            <a:schemeClr val="lt1"/>
+          </a:fontRef>
+        </p:style>
+        <p:txBody>
+          <a:bodyPr rtlCol="0" anchor="ctr"/>
+          <a:lstStyle/>
+          <a:p>
+            <a:pPr algn="ctr"/>
+            <a:r>
+              <a:rPr kumimoji="1" lang="en-US" altLang="ko-KR" sz="1100" b="1" dirty="0" err="1">
+                <a:latin typeface="KoPubWorldDotum Bold" pitchFamily="2" charset="-127"/>
+                <a:ea typeface="KoPubWorldDotum Bold" pitchFamily="2" charset="-127"/>
+                <a:cs typeface="KoPubWorldDotum Bold" pitchFamily="2" charset="-127"/>
+              </a:rPr>
+              <a:t>SendMsg.py</a:t>
+            </a:r>
+            <a:endParaRPr kumimoji="1" lang="ko-KR" altLang="en-US" sz="1100" b="1" dirty="0">
+              <a:latin typeface="KoPubWorldDotum Bold" pitchFamily="2" charset="-127"/>
+              <a:ea typeface="KoPubWorldDotum Bold" pitchFamily="2" charset="-127"/>
+              <a:cs typeface="KoPubWorldDotum Bold" pitchFamily="2" charset="-127"/>
+            </a:endParaRPr>
+          </a:p>
+        </p:txBody>
+      </p:sp>
+      <p:sp>
+        <p:nvSpPr>
+          <p:cNvPr id="1054" name="처리 1053">
+            <a:extLst>
+              <a:ext uri="{FF2B5EF4-FFF2-40B4-BE49-F238E27FC236}">
+                <a16:creationId xmlns:a16="http://schemas.microsoft.com/office/drawing/2014/main" id="{3D678DE6-EA83-F61A-84F9-F9C57880A466}"/>
+              </a:ext>
+            </a:extLst>
+          </p:cNvPr>
+          <p:cNvSpPr/>
+          <p:nvPr/>
+        </p:nvSpPr>
+        <p:spPr>
+          <a:xfrm>
+            <a:off x="3489354" y="2535557"/>
+            <a:ext cx="1203109" cy="243942"/>
+          </a:xfrm>
+          <a:prstGeom prst="flowChartProcess">
+            <a:avLst/>
+          </a:prstGeom>
+          <a:solidFill>
+            <a:schemeClr val="accent1"/>
+          </a:solidFill>
+          <a:ln>
+            <a:noFill/>
+          </a:ln>
+        </p:spPr>
+        <p:style>
+          <a:lnRef idx="2">
+            <a:schemeClr val="accent1">
+              <a:shade val="15000"/>
+            </a:schemeClr>
+          </a:lnRef>
+          <a:fillRef idx="1">
+            <a:schemeClr val="accent1"/>
+          </a:fillRef>
+          <a:effectRef idx="0">
+            <a:schemeClr val="accent1"/>
+          </a:effectRef>
+          <a:fontRef idx="minor">
+            <a:schemeClr val="lt1"/>
+          </a:fontRef>
+        </p:style>
+        <p:txBody>
+          <a:bodyPr rtlCol="0" anchor="ctr"/>
+          <a:lstStyle/>
+          <a:p>
+            <a:pPr algn="ctr"/>
+            <a:r>
+              <a:rPr kumimoji="1" lang="en-US" altLang="ko-KR" sz="1100" b="1" dirty="0" err="1">
+                <a:latin typeface="KoPubWorldDotum Bold" pitchFamily="2" charset="-127"/>
+                <a:ea typeface="KoPubWorldDotum Bold" pitchFamily="2" charset="-127"/>
+                <a:cs typeface="KoPubWorldDotum Bold" pitchFamily="2" charset="-127"/>
+              </a:rPr>
+              <a:t>Disconnect.py</a:t>
+            </a:r>
+            <a:endParaRPr kumimoji="1" lang="ko-KR" altLang="en-US" sz="1100" b="1" dirty="0">
+              <a:latin typeface="KoPubWorldDotum Bold" pitchFamily="2" charset="-127"/>
+              <a:ea typeface="KoPubWorldDotum Bold" pitchFamily="2" charset="-127"/>
+              <a:cs typeface="KoPubWorldDotum Bold" pitchFamily="2" charset="-127"/>
+            </a:endParaRPr>
+          </a:p>
+        </p:txBody>
+      </p:sp>
+      <p:cxnSp>
+        <p:nvCxnSpPr>
+          <p:cNvPr id="1067" name="직선 화살표 연결선 1066">
+            <a:extLst>
+              <a:ext uri="{FF2B5EF4-FFF2-40B4-BE49-F238E27FC236}">
+                <a16:creationId xmlns:a16="http://schemas.microsoft.com/office/drawing/2014/main" id="{149F7328-1BE8-17CB-C4C0-66F7647D7C50}"/>
+              </a:ext>
+            </a:extLst>
+          </p:cNvPr>
+          <p:cNvCxnSpPr>
+            <a:cxnSpLocks/>
+            <a:endCxn id="63" idx="0"/>
+          </p:cNvCxnSpPr>
+          <p:nvPr/>
+        </p:nvCxnSpPr>
+        <p:spPr>
+          <a:xfrm flipH="1">
+            <a:off x="4086463" y="3532729"/>
+            <a:ext cx="714" cy="783409"/>
+          </a:xfrm>
+          <a:prstGeom prst="straightConnector1">
+            <a:avLst/>
+          </a:prstGeom>
+          <a:ln>
+            <a:headEnd type="none" w="med" len="med"/>
+            <a:tailEnd type="none" w="med" len="med"/>
+          </a:ln>
+        </p:spPr>
+        <p:style>
+          <a:lnRef idx="2">
+            <a:schemeClr val="accent1"/>
+          </a:lnRef>
+          <a:fillRef idx="0">
+            <a:schemeClr val="accent1"/>
+          </a:fillRef>
+          <a:effectRef idx="1">
+            <a:schemeClr val="accent1"/>
+          </a:effectRef>
+          <a:fontRef idx="minor">
+            <a:schemeClr val="tx1"/>
+          </a:fontRef>
+        </p:style>
+      </p:cxnSp>
+      <p:cxnSp>
+        <p:nvCxnSpPr>
+          <p:cNvPr id="1076" name="꺾인 연결선[E] 1075">
+            <a:extLst>
+              <a:ext uri="{FF2B5EF4-FFF2-40B4-BE49-F238E27FC236}">
+                <a16:creationId xmlns:a16="http://schemas.microsoft.com/office/drawing/2014/main" id="{73C17EBA-AA90-6B46-7F01-57ADBE1AA852}"/>
+              </a:ext>
+            </a:extLst>
+          </p:cNvPr>
+          <p:cNvCxnSpPr>
+            <a:cxnSpLocks/>
+            <a:stCxn id="48" idx="2"/>
+            <a:endCxn id="63" idx="0"/>
+          </p:cNvCxnSpPr>
+          <p:nvPr/>
+        </p:nvCxnSpPr>
+        <p:spPr>
+          <a:xfrm rot="5400000">
+            <a:off x="4320841" y="2701871"/>
+            <a:ext cx="1379890" cy="1848645"/>
+          </a:xfrm>
+          <a:prstGeom prst="bentConnector3">
+            <a:avLst>
+              <a:gd name="adj1" fmla="val 92257"/>
+            </a:avLst>
+          </a:prstGeom>
+        </p:spPr>
+        <p:style>
+          <a:lnRef idx="2">
+            <a:schemeClr val="accent1"/>
+          </a:lnRef>
+          <a:fillRef idx="0">
+            <a:schemeClr val="accent1"/>
+          </a:fillRef>
+          <a:effectRef idx="1">
+            <a:schemeClr val="accent1"/>
+          </a:effectRef>
+          <a:fontRef idx="minor">
+            <a:schemeClr val="tx1"/>
+          </a:fontRef>
+        </p:style>
+      </p:cxnSp>
+      <p:cxnSp>
+        <p:nvCxnSpPr>
+          <p:cNvPr id="1085" name="직선 화살표 연결선 1084">
+            <a:extLst>
+              <a:ext uri="{FF2B5EF4-FFF2-40B4-BE49-F238E27FC236}">
+                <a16:creationId xmlns:a16="http://schemas.microsoft.com/office/drawing/2014/main" id="{AF66F51D-224D-29B7-1BE4-83AB8BF67959}"/>
+              </a:ext>
+            </a:extLst>
+          </p:cNvPr>
+          <p:cNvCxnSpPr>
+            <a:cxnSpLocks/>
+            <a:stCxn id="42" idx="1"/>
+            <a:endCxn id="33" idx="3"/>
+          </p:cNvCxnSpPr>
+          <p:nvPr/>
+        </p:nvCxnSpPr>
+        <p:spPr>
+          <a:xfrm flipH="1">
+            <a:off x="7016545" y="2378877"/>
+            <a:ext cx="485871" cy="3482"/>
+          </a:xfrm>
+          <a:prstGeom prst="straightConnector1">
+            <a:avLst/>
+          </a:prstGeom>
+          <a:ln>
+            <a:headEnd type="none" w="med" len="med"/>
+            <a:tailEnd type="none" w="med" len="med"/>
+          </a:ln>
+        </p:spPr>
+        <p:style>
+          <a:lnRef idx="2">
+            <a:schemeClr val="accent1"/>
+          </a:lnRef>
+          <a:fillRef idx="0">
+            <a:schemeClr val="accent1"/>
+          </a:fillRef>
+          <a:effectRef idx="1">
+            <a:schemeClr val="accent1"/>
+          </a:effectRef>
+          <a:fontRef idx="minor">
+            <a:schemeClr val="tx1"/>
+          </a:fontRef>
+        </p:style>
+      </p:cxnSp>
+      <p:cxnSp>
+        <p:nvCxnSpPr>
+          <p:cNvPr id="1089" name="직선 화살표 연결선 1088">
+            <a:extLst>
+              <a:ext uri="{FF2B5EF4-FFF2-40B4-BE49-F238E27FC236}">
+                <a16:creationId xmlns:a16="http://schemas.microsoft.com/office/drawing/2014/main" id="{E3317280-D50E-F500-87BA-9D60DB1CFD51}"/>
+              </a:ext>
+            </a:extLst>
+          </p:cNvPr>
+          <p:cNvCxnSpPr>
+            <a:cxnSpLocks/>
+            <a:stCxn id="39" idx="1"/>
+          </p:cNvCxnSpPr>
+          <p:nvPr/>
+        </p:nvCxnSpPr>
+        <p:spPr>
+          <a:xfrm flipH="1" flipV="1">
+            <a:off x="9678240" y="2365028"/>
+            <a:ext cx="383429" cy="374"/>
+          </a:xfrm>
+          <a:prstGeom prst="straightConnector1">
+            <a:avLst/>
+          </a:prstGeom>
+          <a:ln>
+            <a:headEnd type="none" w="med" len="med"/>
+            <a:tailEnd type="none" w="med" len="med"/>
+          </a:ln>
+        </p:spPr>
+        <p:style>
+          <a:lnRef idx="2">
+            <a:schemeClr val="accent1"/>
+          </a:lnRef>
+          <a:fillRef idx="0">
+            <a:schemeClr val="accent1"/>
+          </a:fillRef>
+          <a:effectRef idx="1">
+            <a:schemeClr val="accent1"/>
+          </a:effectRef>
+          <a:fontRef idx="minor">
+            <a:schemeClr val="tx1"/>
+          </a:fontRef>
+        </p:style>
+      </p:cxnSp>
+      <p:cxnSp>
+        <p:nvCxnSpPr>
+          <p:cNvPr id="1091" name="직선 화살표 연결선 1090">
+            <a:extLst>
+              <a:ext uri="{FF2B5EF4-FFF2-40B4-BE49-F238E27FC236}">
+                <a16:creationId xmlns:a16="http://schemas.microsoft.com/office/drawing/2014/main" id="{787BA1B1-27B4-01FB-69F3-A82B5E29B66D}"/>
+              </a:ext>
+            </a:extLst>
+          </p:cNvPr>
+          <p:cNvCxnSpPr>
+            <a:cxnSpLocks/>
+          </p:cNvCxnSpPr>
+          <p:nvPr/>
+        </p:nvCxnSpPr>
+        <p:spPr>
+          <a:xfrm flipH="1">
+            <a:off x="8705525" y="2365028"/>
+            <a:ext cx="503315" cy="0"/>
+          </a:xfrm>
+          <a:prstGeom prst="straightConnector1">
+            <a:avLst/>
+          </a:prstGeom>
+          <a:ln>
+            <a:headEnd type="none" w="med" len="med"/>
+            <a:tailEnd type="none" w="med" len="med"/>
+          </a:ln>
+        </p:spPr>
+        <p:style>
+          <a:lnRef idx="2">
+            <a:schemeClr val="accent1"/>
+          </a:lnRef>
+          <a:fillRef idx="0">
+            <a:schemeClr val="accent1"/>
+          </a:fillRef>
+          <a:effectRef idx="1">
+            <a:schemeClr val="accent1"/>
+          </a:effectRef>
+          <a:fontRef idx="minor">
+            <a:schemeClr val="tx1"/>
+          </a:fontRef>
+        </p:style>
+      </p:cxnSp>
+      <p:cxnSp>
+        <p:nvCxnSpPr>
+          <p:cNvPr id="1094" name="꺾인 연결선[E] 1093">
+            <a:extLst>
+              <a:ext uri="{FF2B5EF4-FFF2-40B4-BE49-F238E27FC236}">
+                <a16:creationId xmlns:a16="http://schemas.microsoft.com/office/drawing/2014/main" id="{0A5DBA0D-A5B1-C13C-EDAC-C43E544412B2}"/>
+              </a:ext>
+            </a:extLst>
+          </p:cNvPr>
+          <p:cNvCxnSpPr>
+            <a:stCxn id="1052" idx="3"/>
+            <a:endCxn id="24" idx="1"/>
+          </p:cNvCxnSpPr>
+          <p:nvPr/>
+        </p:nvCxnSpPr>
+        <p:spPr>
+          <a:xfrm>
+            <a:off x="4692463" y="2134734"/>
+            <a:ext cx="1002785" cy="255166"/>
+          </a:xfrm>
+          <a:prstGeom prst="bentConnector3">
+            <a:avLst/>
+          </a:prstGeom>
+        </p:spPr>
+        <p:style>
+          <a:lnRef idx="2">
+            <a:schemeClr val="accent1"/>
+          </a:lnRef>
+          <a:fillRef idx="0">
+            <a:schemeClr val="accent1"/>
+          </a:fillRef>
+          <a:effectRef idx="1">
+            <a:schemeClr val="accent1"/>
+          </a:effectRef>
+          <a:fontRef idx="minor">
+            <a:schemeClr val="tx1"/>
+          </a:fontRef>
+        </p:style>
+      </p:cxnSp>
+      <p:cxnSp>
+        <p:nvCxnSpPr>
+          <p:cNvPr id="1095" name="꺾인 연결선[E] 1094">
+            <a:extLst>
+              <a:ext uri="{FF2B5EF4-FFF2-40B4-BE49-F238E27FC236}">
+                <a16:creationId xmlns:a16="http://schemas.microsoft.com/office/drawing/2014/main" id="{0DB99011-CA49-1831-AFB3-195A8C27A847}"/>
+              </a:ext>
+            </a:extLst>
+          </p:cNvPr>
+          <p:cNvCxnSpPr>
+            <a:cxnSpLocks/>
+            <a:stCxn id="1054" idx="3"/>
+            <a:endCxn id="24" idx="1"/>
+          </p:cNvCxnSpPr>
+          <p:nvPr/>
+        </p:nvCxnSpPr>
+        <p:spPr>
+          <a:xfrm flipV="1">
+            <a:off x="4692463" y="2389900"/>
+            <a:ext cx="1002785" cy="267628"/>
+          </a:xfrm>
+          <a:prstGeom prst="bentConnector3">
+            <a:avLst/>
+          </a:prstGeom>
+        </p:spPr>
+        <p:style>
+          <a:lnRef idx="2">
+            <a:schemeClr val="accent1"/>
+          </a:lnRef>
+          <a:fillRef idx="0">
+            <a:schemeClr val="accent1"/>
+          </a:fillRef>
+          <a:effectRef idx="1">
+            <a:schemeClr val="accent1"/>
+          </a:effectRef>
+          <a:fontRef idx="minor">
+            <a:schemeClr val="tx1"/>
+          </a:fontRef>
+        </p:style>
+      </p:cxnSp>
+      <p:cxnSp>
+        <p:nvCxnSpPr>
+          <p:cNvPr id="1104" name="직선 화살표 연결선 1103">
+            <a:extLst>
+              <a:ext uri="{FF2B5EF4-FFF2-40B4-BE49-F238E27FC236}">
+                <a16:creationId xmlns:a16="http://schemas.microsoft.com/office/drawing/2014/main" id="{AF93BA9D-DDEB-009B-EE22-DFB399A1209E}"/>
+              </a:ext>
+            </a:extLst>
+          </p:cNvPr>
+          <p:cNvCxnSpPr>
+            <a:cxnSpLocks/>
+            <a:endCxn id="33" idx="1"/>
+          </p:cNvCxnSpPr>
+          <p:nvPr/>
+        </p:nvCxnSpPr>
+        <p:spPr>
+          <a:xfrm>
+            <a:off x="6156574" y="2382359"/>
+            <a:ext cx="424855" cy="0"/>
+          </a:xfrm>
+          <a:prstGeom prst="straightConnector1">
+            <a:avLst/>
+          </a:prstGeom>
+          <a:ln>
+            <a:headEnd type="none" w="med" len="med"/>
+            <a:tailEnd type="none" w="med" len="med"/>
+          </a:ln>
+        </p:spPr>
+        <p:style>
+          <a:lnRef idx="2">
+            <a:schemeClr val="accent1"/>
+          </a:lnRef>
+          <a:fillRef idx="0">
+            <a:schemeClr val="accent1"/>
+          </a:fillRef>
+          <a:effectRef idx="1">
+            <a:schemeClr val="accent1"/>
+          </a:effectRef>
+          <a:fontRef idx="minor">
+            <a:schemeClr val="tx1"/>
+          </a:fontRef>
+        </p:style>
+      </p:cxnSp>
+      <p:sp>
+        <p:nvSpPr>
+          <p:cNvPr id="1111" name="TextBox 1110">
+            <a:extLst>
+              <a:ext uri="{FF2B5EF4-FFF2-40B4-BE49-F238E27FC236}">
+                <a16:creationId xmlns:a16="http://schemas.microsoft.com/office/drawing/2014/main" id="{24E2424D-2674-8BB2-D718-1DE1A6F03764}"/>
+              </a:ext>
+            </a:extLst>
+          </p:cNvPr>
+          <p:cNvSpPr txBox="1"/>
+          <p:nvPr/>
+        </p:nvSpPr>
+        <p:spPr>
+          <a:xfrm>
+            <a:off x="1683026" y="1305339"/>
+            <a:ext cx="184731" cy="369332"/>
+          </a:xfrm>
+          <a:prstGeom prst="rect">
+            <a:avLst/>
+          </a:prstGeom>
+          <a:noFill/>
+        </p:spPr>
+        <p:txBody>
+          <a:bodyPr wrap="none" rtlCol="0">
+            <a:spAutoFit/>
+          </a:bodyPr>
+          <a:lstStyle/>
+          <a:p>
+            <a:endParaRPr kumimoji="1" lang="ko-KR" altLang="en-US"/>
+          </a:p>
+        </p:txBody>
+      </p:sp>
+    </p:spTree>
+    <p:extLst>
+      <p:ext uri="{BB962C8B-B14F-4D97-AF65-F5344CB8AC3E}">
+        <p14:creationId xmlns:p14="http://schemas.microsoft.com/office/powerpoint/2010/main" val="3959940862"/>
+      </p:ext>
+    </p:extLst>
+  </p:cSld>
+  <p:clrMapOvr>
+    <a:masterClrMapping/>
+  </p:clrMapOvr>
+</p:sld>
+</file>
+
 <file path=ppt/theme/theme1.xml><?xml version="1.0" encoding="utf-8"?>
 <a:theme xmlns:a="http://schemas.openxmlformats.org/drawingml/2006/main" name="Office 테마">
   <a:themeElements>
@@ -12886,4 +16037,319 @@
     </a:ext>
   </a:extLst>
 </a:theme>
+</file>
+
+<file path=ppt/theme/theme2.xml><?xml version="1.0" encoding="utf-8"?>
+<a:theme xmlns:a="http://schemas.openxmlformats.org/drawingml/2006/main" name="Office 테마">
+  <a:themeElements>
+    <a:clrScheme name="Office">
+      <a:dk1>
+        <a:sysClr val="windowText" lastClr="000000"/>
+      </a:dk1>
+      <a:lt1>
+        <a:sysClr val="window" lastClr="FFFFFF"/>
+      </a:lt1>
+      <a:dk2>
+        <a:srgbClr val="0E2841"/>
+      </a:dk2>
+      <a:lt2>
+        <a:srgbClr val="E8E8E8"/>
+      </a:lt2>
+      <a:accent1>
+        <a:srgbClr val="156082"/>
+      </a:accent1>
+      <a:accent2>
+        <a:srgbClr val="E97132"/>
+      </a:accent2>
+      <a:accent3>
+        <a:srgbClr val="196B24"/>
+      </a:accent3>
+      <a:accent4>
+        <a:srgbClr val="0F9ED5"/>
+      </a:accent4>
+      <a:accent5>
+        <a:srgbClr val="A02B93"/>
+      </a:accent5>
+      <a:accent6>
+        <a:srgbClr val="4EA72E"/>
+      </a:accent6>
+      <a:hlink>
+        <a:srgbClr val="467886"/>
+      </a:hlink>
+      <a:folHlink>
+        <a:srgbClr val="96607D"/>
+      </a:folHlink>
+    </a:clrScheme>
+    <a:fontScheme name="Office">
+      <a:majorFont>
+        <a:latin typeface="맑은 고딕" panose="02110004020202020204"/>
+        <a:ea typeface=""/>
+        <a:cs typeface=""/>
+        <a:font script="Jpan" typeface="游ゴシック Light"/>
+        <a:font script="Hang" typeface="맑은 고딕"/>
+        <a:font script="Hans" typeface="等线 Light"/>
+        <a:font script="Hant" typeface="新細明體"/>
+        <a:font script="Arab" typeface="Times New Roman"/>
+        <a:font script="Hebr" typeface="Times New Roman"/>
+        <a:font script="Thai" typeface="Angsana New"/>
+        <a:font script="Ethi" typeface="Nyala"/>
+        <a:font script="Beng" typeface="Vrinda"/>
+        <a:font script="Gujr" typeface="Shruti"/>
+        <a:font script="Khmr" typeface="MoolBoran"/>
+        <a:font script="Knda" typeface="Tunga"/>
+        <a:font script="Guru" typeface="Raavi"/>
+        <a:font script="Cans" typeface="Euphemia"/>
+        <a:font script="Cher" typeface="Plantagenet Cherokee"/>
+        <a:font script="Yiii" typeface="Microsoft Yi Baiti"/>
+        <a:font script="Tibt" typeface="Microsoft Himalaya"/>
+        <a:font script="Thaa" typeface="MV Boli"/>
+        <a:font script="Deva" typeface="Mangal"/>
+        <a:font script="Telu" typeface="Gautami"/>
+        <a:font script="Taml" typeface="Latha"/>
+        <a:font script="Syrc" typeface="Estrangelo Edessa"/>
+        <a:font script="Orya" typeface="Kalinga"/>
+        <a:font script="Mlym" typeface="Kartika"/>
+        <a:font script="Laoo" typeface="DokChampa"/>
+        <a:font script="Sinh" typeface="Iskoola Pota"/>
+        <a:font script="Mong" typeface="Mongolian Baiti"/>
+        <a:font script="Viet" typeface="Times New Roman"/>
+        <a:font script="Uigh" typeface="Microsoft Uighur"/>
+        <a:font script="Geor" typeface="Sylfaen"/>
+        <a:font script="Armn" typeface="Arial"/>
+        <a:font script="Bugi" typeface="Leelawadee UI"/>
+        <a:font script="Bopo" typeface="Microsoft JhengHei"/>
+        <a:font script="Java" typeface="Javanese Text"/>
+        <a:font script="Lisu" typeface="Segoe UI"/>
+        <a:font script="Mymr" typeface="Myanmar Text"/>
+        <a:font script="Nkoo" typeface="Ebrima"/>
+        <a:font script="Olck" typeface="Nirmala UI"/>
+        <a:font script="Osma" typeface="Ebrima"/>
+        <a:font script="Phag" typeface="Phagspa"/>
+        <a:font script="Syrn" typeface="Estrangelo Edessa"/>
+        <a:font script="Syrj" typeface="Estrangelo Edessa"/>
+        <a:font script="Syre" typeface="Estrangelo Edessa"/>
+        <a:font script="Sora" typeface="Nirmala UI"/>
+        <a:font script="Tale" typeface="Microsoft Tai Le"/>
+        <a:font script="Talu" typeface="Microsoft New Tai Lue"/>
+        <a:font script="Tfng" typeface="Ebrima"/>
+      </a:majorFont>
+      <a:minorFont>
+        <a:latin typeface="맑은 고딕" panose="02110004020202020204"/>
+        <a:ea typeface=""/>
+        <a:cs typeface=""/>
+        <a:font script="Jpan" typeface="游ゴシック"/>
+        <a:font script="Hang" typeface="맑은 고딕"/>
+        <a:font script="Hans" typeface="等线"/>
+        <a:font script="Hant" typeface="新細明體"/>
+        <a:font script="Arab" typeface="Arial"/>
+        <a:font script="Hebr" typeface="Arial"/>
+        <a:font script="Thai" typeface="Cordia New"/>
+        <a:font script="Ethi" typeface="Nyala"/>
+        <a:font script="Beng" typeface="Vrinda"/>
+        <a:font script="Gujr" typeface="Shruti"/>
+        <a:font script="Khmr" typeface="DaunPenh"/>
+        <a:font script="Knda" typeface="Tunga"/>
+        <a:font script="Guru" typeface="Raavi"/>
+        <a:font script="Cans" typeface="Euphemia"/>
+        <a:font script="Cher" typeface="Plantagenet Cherokee"/>
+        <a:font script="Yiii" typeface="Microsoft Yi Baiti"/>
+        <a:font script="Tibt" typeface="Microsoft Himalaya"/>
+        <a:font script="Thaa" typeface="MV Boli"/>
+        <a:font script="Deva" typeface="Mangal"/>
+        <a:font script="Telu" typeface="Gautami"/>
+        <a:font script="Taml" typeface="Latha"/>
+        <a:font script="Syrc" typeface="Estrangelo Edessa"/>
+        <a:font script="Orya" typeface="Kalinga"/>
+        <a:font script="Mlym" typeface="Kartika"/>
+        <a:font script="Laoo" typeface="DokChampa"/>
+        <a:font script="Sinh" typeface="Iskoola Pota"/>
+        <a:font script="Mong" typeface="Mongolian Baiti"/>
+        <a:font script="Viet" typeface="Arial"/>
+        <a:font script="Uigh" typeface="Microsoft Uighur"/>
+        <a:font script="Geor" typeface="Sylfaen"/>
+        <a:font script="Armn" typeface="Arial"/>
+        <a:font script="Bugi" typeface="Leelawadee UI"/>
+        <a:font script="Bopo" typeface="Microsoft JhengHei"/>
+        <a:font script="Java" typeface="Javanese Text"/>
+        <a:font script="Lisu" typeface="Segoe UI"/>
+        <a:font script="Mymr" typeface="Myanmar Text"/>
+        <a:font script="Nkoo" typeface="Ebrima"/>
+        <a:font script="Olck" typeface="Nirmala UI"/>
+        <a:font script="Osma" typeface="Ebrima"/>
+        <a:font script="Phag" typeface="Phagspa"/>
+        <a:font script="Syrn" typeface="Estrangelo Edessa"/>
+        <a:font script="Syrj" typeface="Estrangelo Edessa"/>
+        <a:font script="Syre" typeface="Estrangelo Edessa"/>
+        <a:font script="Sora" typeface="Nirmala UI"/>
+        <a:font script="Tale" typeface="Microsoft Tai Le"/>
+        <a:font script="Talu" typeface="Microsoft New Tai Lue"/>
+        <a:font script="Tfng" typeface="Ebrima"/>
+      </a:minorFont>
+    </a:fontScheme>
+    <a:fmtScheme name="Office">
+      <a:fillStyleLst>
+        <a:solidFill>
+          <a:schemeClr val="phClr"/>
+        </a:solidFill>
+        <a:gradFill rotWithShape="1">
+          <a:gsLst>
+            <a:gs pos="0">
+              <a:schemeClr val="phClr">
+                <a:lumMod val="110000"/>
+                <a:satMod val="105000"/>
+                <a:tint val="67000"/>
+              </a:schemeClr>
+            </a:gs>
+            <a:gs pos="50000">
+              <a:schemeClr val="phClr">
+                <a:lumMod val="105000"/>
+                <a:satMod val="103000"/>
+                <a:tint val="73000"/>
+              </a:schemeClr>
+            </a:gs>
+            <a:gs pos="100000">
+              <a:schemeClr val="phClr">
+                <a:lumMod val="105000"/>
+                <a:satMod val="109000"/>
+                <a:tint val="81000"/>
+              </a:schemeClr>
+            </a:gs>
+          </a:gsLst>
+          <a:lin ang="5400000" scaled="0"/>
+        </a:gradFill>
+        <a:gradFill rotWithShape="1">
+          <a:gsLst>
+            <a:gs pos="0">
+              <a:schemeClr val="phClr">
+                <a:satMod val="103000"/>
+                <a:lumMod val="102000"/>
+                <a:tint val="94000"/>
+              </a:schemeClr>
+            </a:gs>
+            <a:gs pos="50000">
+              <a:schemeClr val="phClr">
+                <a:satMod val="110000"/>
+                <a:lumMod val="100000"/>
+                <a:shade val="100000"/>
+              </a:schemeClr>
+            </a:gs>
+            <a:gs pos="100000">
+              <a:schemeClr val="phClr">
+                <a:lumMod val="99000"/>
+                <a:satMod val="120000"/>
+                <a:shade val="78000"/>
+              </a:schemeClr>
+            </a:gs>
+          </a:gsLst>
+          <a:lin ang="5400000" scaled="0"/>
+        </a:gradFill>
+      </a:fillStyleLst>
+      <a:lnStyleLst>
+        <a:ln w="12700" cap="flat" cmpd="sng" algn="ctr">
+          <a:solidFill>
+            <a:schemeClr val="phClr"/>
+          </a:solidFill>
+          <a:prstDash val="solid"/>
+          <a:miter lim="800000"/>
+        </a:ln>
+        <a:ln w="19050" cap="flat" cmpd="sng" algn="ctr">
+          <a:solidFill>
+            <a:schemeClr val="phClr"/>
+          </a:solidFill>
+          <a:prstDash val="solid"/>
+          <a:miter lim="800000"/>
+        </a:ln>
+        <a:ln w="25400" cap="flat" cmpd="sng" algn="ctr">
+          <a:solidFill>
+            <a:schemeClr val="phClr"/>
+          </a:solidFill>
+          <a:prstDash val="solid"/>
+          <a:miter lim="800000"/>
+        </a:ln>
+      </a:lnStyleLst>
+      <a:effectStyleLst>
+        <a:effectStyle>
+          <a:effectLst/>
+        </a:effectStyle>
+        <a:effectStyle>
+          <a:effectLst/>
+        </a:effectStyle>
+        <a:effectStyle>
+          <a:effectLst>
+            <a:outerShdw blurRad="57150" dist="19050" dir="5400000" algn="ctr" rotWithShape="0">
+              <a:srgbClr val="000000">
+                <a:alpha val="63000"/>
+              </a:srgbClr>
+            </a:outerShdw>
+          </a:effectLst>
+        </a:effectStyle>
+      </a:effectStyleLst>
+      <a:bgFillStyleLst>
+        <a:solidFill>
+          <a:schemeClr val="phClr"/>
+        </a:solidFill>
+        <a:solidFill>
+          <a:schemeClr val="phClr">
+            <a:tint val="95000"/>
+            <a:satMod val="170000"/>
+          </a:schemeClr>
+        </a:solidFill>
+        <a:gradFill rotWithShape="1">
+          <a:gsLst>
+            <a:gs pos="0">
+              <a:schemeClr val="phClr">
+                <a:tint val="93000"/>
+                <a:satMod val="150000"/>
+                <a:shade val="98000"/>
+                <a:lumMod val="102000"/>
+              </a:schemeClr>
+            </a:gs>
+            <a:gs pos="50000">
+              <a:schemeClr val="phClr">
+                <a:tint val="98000"/>
+                <a:satMod val="130000"/>
+                <a:shade val="90000"/>
+                <a:lumMod val="103000"/>
+              </a:schemeClr>
+            </a:gs>
+            <a:gs pos="100000">
+              <a:schemeClr val="phClr">
+                <a:shade val="63000"/>
+                <a:satMod val="120000"/>
+              </a:schemeClr>
+            </a:gs>
+          </a:gsLst>
+          <a:lin ang="5400000" scaled="0"/>
+        </a:gradFill>
+      </a:bgFillStyleLst>
+    </a:fmtScheme>
+  </a:themeElements>
+  <a:objectDefaults>
+    <a:lnDef>
+      <a:spPr/>
+      <a:bodyPr/>
+      <a:lstStyle/>
+      <a:style>
+        <a:lnRef idx="2">
+          <a:schemeClr val="accent1"/>
+        </a:lnRef>
+        <a:fillRef idx="0">
+          <a:schemeClr val="accent1"/>
+        </a:fillRef>
+        <a:effectRef idx="1">
+          <a:schemeClr val="accent1"/>
+        </a:effectRef>
+        <a:fontRef idx="minor">
+          <a:schemeClr val="tx1"/>
+        </a:fontRef>
+      </a:style>
+    </a:lnDef>
+  </a:objectDefaults>
+  <a:extraClrSchemeLst/>
+  <a:extLst>
+    <a:ext uri="{05A4C25C-085E-4340-85A3-A5531E510DB2}">
+      <thm15:themeFamily xmlns:thm15="http://schemas.microsoft.com/office/thememl/2012/main" name="Office Theme" id="{2E142A2C-CD16-42D6-873A-C26D2A0506FA}" vid="{1BDDFF52-6CD6-40A5-AB3C-68EB2F1E4D0A}"/>
+    </a:ext>
+  </a:extLst>
+</a:theme>
 </file>
--- a/개발계획서.pptx
+++ b/개발계획서.pptx
@@ -5,7 +5,7 @@
     <p:sldMasterId id="2147483648" r:id="rId1"/>
   </p:sldMasterIdLst>
   <p:notesMasterIdLst>
-    <p:notesMasterId r:id="rId10"/>
+    <p:notesMasterId r:id="rId11"/>
   </p:notesMasterIdLst>
   <p:sldIdLst>
     <p:sldId id="257" r:id="rId2"/>
@@ -16,6 +16,7 @@
     <p:sldId id="270" r:id="rId7"/>
     <p:sldId id="269" r:id="rId8"/>
     <p:sldId id="274" r:id="rId9"/>
+    <p:sldId id="275" r:id="rId10"/>
   </p:sldIdLst>
   <p:sldSz cx="12192000" cy="6858000"/>
   <p:notesSz cx="6858000" cy="9144000"/>
@@ -204,7 +205,7 @@
           <a:p>
             <a:fld id="{9458FFD9-5838-1449-9919-C8A4367C6D0D}" type="datetimeFigureOut">
               <a:rPr kumimoji="1" lang="ko-KR" altLang="en-US" smtClean="0"/>
-              <a:t>2024. 7. 29.</a:t>
+              <a:t>2024. 9. 5.</a:t>
             </a:fld>
             <a:endParaRPr kumimoji="1" lang="ko-KR" altLang="en-US"/>
           </a:p>
@@ -555,6 +556,90 @@
 </p:notes>
 </file>
 
+<file path=ppt/notesSlides/notesSlide2.xml><?xml version="1.0" encoding="utf-8"?>
+<p:notes xmlns:a="http://schemas.openxmlformats.org/drawingml/2006/main" xmlns:r="http://schemas.openxmlformats.org/officeDocument/2006/relationships" xmlns:p="http://schemas.openxmlformats.org/presentationml/2006/main">
+  <p:cSld>
+    <p:spTree>
+      <p:nvGrpSpPr>
+        <p:cNvPr id="1" name=""/>
+        <p:cNvGrpSpPr/>
+        <p:nvPr/>
+      </p:nvGrpSpPr>
+      <p:grpSpPr>
+        <a:xfrm>
+          <a:off x="0" y="0"/>
+          <a:ext cx="0" cy="0"/>
+          <a:chOff x="0" y="0"/>
+          <a:chExt cx="0" cy="0"/>
+        </a:xfrm>
+      </p:grpSpPr>
+      <p:sp>
+        <p:nvSpPr>
+          <p:cNvPr id="2" name="슬라이드 이미지 개체 틀 1"/>
+          <p:cNvSpPr>
+            <a:spLocks noGrp="1" noRot="1" noChangeAspect="1"/>
+          </p:cNvSpPr>
+          <p:nvPr>
+            <p:ph type="sldImg"/>
+          </p:nvPr>
+        </p:nvSpPr>
+        <p:spPr/>
+      </p:sp>
+      <p:sp>
+        <p:nvSpPr>
+          <p:cNvPr id="3" name="슬라이드 노트 개체 틀 2"/>
+          <p:cNvSpPr>
+            <a:spLocks noGrp="1"/>
+          </p:cNvSpPr>
+          <p:nvPr>
+            <p:ph type="body" idx="1"/>
+          </p:nvPr>
+        </p:nvSpPr>
+        <p:spPr/>
+        <p:txBody>
+          <a:bodyPr/>
+          <a:lstStyle/>
+          <a:p>
+            <a:endParaRPr kumimoji="1" lang="ko-KR" altLang="en-US" dirty="0"/>
+          </a:p>
+        </p:txBody>
+      </p:sp>
+      <p:sp>
+        <p:nvSpPr>
+          <p:cNvPr id="4" name="슬라이드 번호 개체 틀 3"/>
+          <p:cNvSpPr>
+            <a:spLocks noGrp="1"/>
+          </p:cNvSpPr>
+          <p:nvPr>
+            <p:ph type="sldNum" sz="quarter" idx="5"/>
+          </p:nvPr>
+        </p:nvSpPr>
+        <p:spPr/>
+        <p:txBody>
+          <a:bodyPr/>
+          <a:lstStyle/>
+          <a:p>
+            <a:fld id="{C7D1C44E-14C5-4047-905B-19D9AA244188}" type="slidenum">
+              <a:rPr kumimoji="1" lang="ko-KR" altLang="en-US" smtClean="0"/>
+              <a:t>9</a:t>
+            </a:fld>
+            <a:endParaRPr kumimoji="1" lang="ko-KR" altLang="en-US"/>
+          </a:p>
+        </p:txBody>
+      </p:sp>
+    </p:spTree>
+    <p:extLst>
+      <p:ext uri="{BB962C8B-B14F-4D97-AF65-F5344CB8AC3E}">
+        <p14:creationId xmlns:p14="http://schemas.microsoft.com/office/powerpoint/2010/main" val="386685863"/>
+      </p:ext>
+    </p:extLst>
+  </p:cSld>
+  <p:clrMapOvr>
+    <a:masterClrMapping/>
+  </p:clrMapOvr>
+</p:notes>
+</file>
+
 <file path=ppt/slideLayouts/slideLayout1.xml><?xml version="1.0" encoding="utf-8"?>
 <p:sldLayout xmlns:a="http://schemas.openxmlformats.org/drawingml/2006/main" xmlns:r="http://schemas.openxmlformats.org/officeDocument/2006/relationships" xmlns:p="http://schemas.openxmlformats.org/presentationml/2006/main" type="title" preserve="1">
   <p:cSld name="제목 슬라이드">
@@ -702,7 +787,7 @@
           <a:p>
             <a:fld id="{B2310862-A932-4A4D-BE7A-7832C8DBE490}" type="datetimeFigureOut">
               <a:rPr kumimoji="1" lang="ko-KR" altLang="en-US" smtClean="0"/>
-              <a:t>2024. 7. 29.</a:t>
+              <a:t>2024. 9. 5.</a:t>
             </a:fld>
             <a:endParaRPr kumimoji="1" lang="ko-KR" altLang="en-US"/>
           </a:p>
@@ -900,7 +985,7 @@
           <a:p>
             <a:fld id="{B2310862-A932-4A4D-BE7A-7832C8DBE490}" type="datetimeFigureOut">
               <a:rPr kumimoji="1" lang="ko-KR" altLang="en-US" smtClean="0"/>
-              <a:t>2024. 7. 29.</a:t>
+              <a:t>2024. 9. 5.</a:t>
             </a:fld>
             <a:endParaRPr kumimoji="1" lang="ko-KR" altLang="en-US"/>
           </a:p>
@@ -1108,7 +1193,7 @@
           <a:p>
             <a:fld id="{B2310862-A932-4A4D-BE7A-7832C8DBE490}" type="datetimeFigureOut">
               <a:rPr kumimoji="1" lang="ko-KR" altLang="en-US" smtClean="0"/>
-              <a:t>2024. 7. 29.</a:t>
+              <a:t>2024. 9. 5.</a:t>
             </a:fld>
             <a:endParaRPr kumimoji="1" lang="ko-KR" altLang="en-US"/>
           </a:p>
@@ -1306,7 +1391,7 @@
           <a:p>
             <a:fld id="{B2310862-A932-4A4D-BE7A-7832C8DBE490}" type="datetimeFigureOut">
               <a:rPr kumimoji="1" lang="ko-KR" altLang="en-US" smtClean="0"/>
-              <a:t>2024. 7. 29.</a:t>
+              <a:t>2024. 9. 5.</a:t>
             </a:fld>
             <a:endParaRPr kumimoji="1" lang="ko-KR" altLang="en-US"/>
           </a:p>
@@ -1581,7 +1666,7 @@
           <a:p>
             <a:fld id="{B2310862-A932-4A4D-BE7A-7832C8DBE490}" type="datetimeFigureOut">
               <a:rPr kumimoji="1" lang="ko-KR" altLang="en-US" smtClean="0"/>
-              <a:t>2024. 7. 29.</a:t>
+              <a:t>2024. 9. 5.</a:t>
             </a:fld>
             <a:endParaRPr kumimoji="1" lang="ko-KR" altLang="en-US"/>
           </a:p>
@@ -1846,7 +1931,7 @@
           <a:p>
             <a:fld id="{B2310862-A932-4A4D-BE7A-7832C8DBE490}" type="datetimeFigureOut">
               <a:rPr kumimoji="1" lang="ko-KR" altLang="en-US" smtClean="0"/>
-              <a:t>2024. 7. 29.</a:t>
+              <a:t>2024. 9. 5.</a:t>
             </a:fld>
             <a:endParaRPr kumimoji="1" lang="ko-KR" altLang="en-US"/>
           </a:p>
@@ -2258,7 +2343,7 @@
           <a:p>
             <a:fld id="{B2310862-A932-4A4D-BE7A-7832C8DBE490}" type="datetimeFigureOut">
               <a:rPr kumimoji="1" lang="ko-KR" altLang="en-US" smtClean="0"/>
-              <a:t>2024. 7. 29.</a:t>
+              <a:t>2024. 9. 5.</a:t>
             </a:fld>
             <a:endParaRPr kumimoji="1" lang="ko-KR" altLang="en-US"/>
           </a:p>
@@ -2399,7 +2484,7 @@
           <a:p>
             <a:fld id="{B2310862-A932-4A4D-BE7A-7832C8DBE490}" type="datetimeFigureOut">
               <a:rPr kumimoji="1" lang="ko-KR" altLang="en-US" smtClean="0"/>
-              <a:t>2024. 7. 29.</a:t>
+              <a:t>2024. 9. 5.</a:t>
             </a:fld>
             <a:endParaRPr kumimoji="1" lang="ko-KR" altLang="en-US"/>
           </a:p>
@@ -2512,7 +2597,7 @@
           <a:p>
             <a:fld id="{B2310862-A932-4A4D-BE7A-7832C8DBE490}" type="datetimeFigureOut">
               <a:rPr kumimoji="1" lang="ko-KR" altLang="en-US" smtClean="0"/>
-              <a:t>2024. 7. 29.</a:t>
+              <a:t>2024. 9. 5.</a:t>
             </a:fld>
             <a:endParaRPr kumimoji="1" lang="ko-KR" altLang="en-US"/>
           </a:p>
@@ -2823,7 +2908,7 @@
           <a:p>
             <a:fld id="{B2310862-A932-4A4D-BE7A-7832C8DBE490}" type="datetimeFigureOut">
               <a:rPr kumimoji="1" lang="ko-KR" altLang="en-US" smtClean="0"/>
-              <a:t>2024. 7. 29.</a:t>
+              <a:t>2024. 9. 5.</a:t>
             </a:fld>
             <a:endParaRPr kumimoji="1" lang="ko-KR" altLang="en-US"/>
           </a:p>
@@ -3111,7 +3196,7 @@
           <a:p>
             <a:fld id="{B2310862-A932-4A4D-BE7A-7832C8DBE490}" type="datetimeFigureOut">
               <a:rPr kumimoji="1" lang="ko-KR" altLang="en-US" smtClean="0"/>
-              <a:t>2024. 7. 29.</a:t>
+              <a:t>2024. 9. 5.</a:t>
             </a:fld>
             <a:endParaRPr kumimoji="1" lang="ko-KR" altLang="en-US"/>
           </a:p>
@@ -3352,7 +3437,7 @@
           <a:p>
             <a:fld id="{B2310862-A932-4A4D-BE7A-7832C8DBE490}" type="datetimeFigureOut">
               <a:rPr kumimoji="1" lang="ko-KR" altLang="en-US" smtClean="0"/>
-              <a:t>2024. 7. 29.</a:t>
+              <a:t>2024. 9. 5.</a:t>
             </a:fld>
             <a:endParaRPr kumimoji="1" lang="ko-KR" altLang="en-US"/>
           </a:p>
@@ -15715,6 +15800,3416 @@
     <p:extLst>
       <p:ext uri="{BB962C8B-B14F-4D97-AF65-F5344CB8AC3E}">
         <p14:creationId xmlns:p14="http://schemas.microsoft.com/office/powerpoint/2010/main" val="3959940862"/>
+      </p:ext>
+    </p:extLst>
+  </p:cSld>
+  <p:clrMapOvr>
+    <a:masterClrMapping/>
+  </p:clrMapOvr>
+</p:sld>
+</file>
+
+<file path=ppt/slides/slide9.xml><?xml version="1.0" encoding="utf-8"?>
+<p:sld xmlns:a="http://schemas.openxmlformats.org/drawingml/2006/main" xmlns:r="http://schemas.openxmlformats.org/officeDocument/2006/relationships" xmlns:p="http://schemas.openxmlformats.org/presentationml/2006/main">
+  <p:cSld>
+    <p:spTree>
+      <p:nvGrpSpPr>
+        <p:cNvPr id="1" name=""/>
+        <p:cNvGrpSpPr/>
+        <p:nvPr/>
+      </p:nvGrpSpPr>
+      <p:grpSpPr>
+        <a:xfrm>
+          <a:off x="0" y="0"/>
+          <a:ext cx="0" cy="0"/>
+          <a:chOff x="0" y="0"/>
+          <a:chExt cx="0" cy="0"/>
+        </a:xfrm>
+      </p:grpSpPr>
+      <p:pic>
+        <p:nvPicPr>
+          <p:cNvPr id="1026" name="Picture 2" descr="Amazon Bedrock Connector - Overview (O11) | OutSystems">
+            <a:extLst>
+              <a:ext uri="{FF2B5EF4-FFF2-40B4-BE49-F238E27FC236}">
+                <a16:creationId xmlns:a16="http://schemas.microsoft.com/office/drawing/2014/main" id="{6DA16296-BD32-D7F0-01D5-6C09271FAC81}"/>
+              </a:ext>
+            </a:extLst>
+          </p:cNvPr>
+          <p:cNvPicPr>
+            <a:picLocks noChangeAspect="1" noChangeArrowheads="1"/>
+          </p:cNvPicPr>
+          <p:nvPr/>
+        </p:nvPicPr>
+        <p:blipFill>
+          <a:blip r:embed="rId3">
+            <a:extLst>
+              <a:ext uri="{28A0092B-C50C-407E-A947-70E740481C1C}">
+                <a14:useLocalDpi xmlns:a14="http://schemas.microsoft.com/office/drawing/2010/main" val="0"/>
+              </a:ext>
+            </a:extLst>
+          </a:blip>
+          <a:srcRect/>
+          <a:stretch>
+            <a:fillRect/>
+          </a:stretch>
+        </p:blipFill>
+        <p:spPr bwMode="auto">
+          <a:xfrm>
+            <a:off x="9430107" y="3943449"/>
+            <a:ext cx="465430" cy="465430"/>
+          </a:xfrm>
+          <a:prstGeom prst="rect">
+            <a:avLst/>
+          </a:prstGeom>
+          <a:noFill/>
+          <a:extLst>
+            <a:ext uri="{909E8E84-426E-40DD-AFC4-6F175D3DCCD1}">
+              <a14:hiddenFill xmlns:a14="http://schemas.microsoft.com/office/drawing/2010/main">
+                <a:solidFill>
+                  <a:srgbClr val="FFFFFF"/>
+                </a:solidFill>
+              </a14:hiddenFill>
+            </a:ext>
+          </a:extLst>
+        </p:spPr>
+      </p:pic>
+      <p:sp>
+        <p:nvSpPr>
+          <p:cNvPr id="4" name="제목 1">
+            <a:extLst>
+              <a:ext uri="{FF2B5EF4-FFF2-40B4-BE49-F238E27FC236}">
+                <a16:creationId xmlns:a16="http://schemas.microsoft.com/office/drawing/2014/main" id="{6B3A304C-BFF1-2B0E-6D04-E3EBC01A9BD6}"/>
+              </a:ext>
+            </a:extLst>
+          </p:cNvPr>
+          <p:cNvSpPr txBox="1">
+            <a:spLocks/>
+          </p:cNvSpPr>
+          <p:nvPr/>
+        </p:nvSpPr>
+        <p:spPr>
+          <a:xfrm>
+            <a:off x="9302452" y="4423686"/>
+            <a:ext cx="739201" cy="267998"/>
+          </a:xfrm>
+          <a:prstGeom prst="rect">
+            <a:avLst/>
+          </a:prstGeom>
+        </p:spPr>
+        <p:txBody>
+          <a:bodyPr vert="horz" lIns="91440" tIns="45720" rIns="91440" bIns="45720" rtlCol="0" anchor="ctr">
+            <a:normAutofit/>
+          </a:bodyPr>
+          <a:lstStyle>
+            <a:lvl1pPr algn="l" defTabSz="914400" rtl="0" eaLnBrk="1" latinLnBrk="1" hangingPunct="1">
+              <a:lnSpc>
+                <a:spcPct val="90000"/>
+              </a:lnSpc>
+              <a:spcBef>
+                <a:spcPct val="0"/>
+              </a:spcBef>
+              <a:buNone/>
+              <a:defRPr sz="4400" kern="1200">
+                <a:solidFill>
+                  <a:schemeClr val="tx1"/>
+                </a:solidFill>
+                <a:latin typeface="+mj-lt"/>
+                <a:ea typeface="+mj-ea"/>
+                <a:cs typeface="+mj-cs"/>
+              </a:defRPr>
+            </a:lvl1pPr>
+          </a:lstStyle>
+          <a:p>
+            <a:pPr algn="ctr"/>
+            <a:r>
+              <a:rPr kumimoji="1" lang="en-US" altLang="ko-KR" sz="900" b="1" dirty="0">
+                <a:latin typeface="KoPubWorldDotum Bold" pitchFamily="2" charset="-127"/>
+                <a:ea typeface="KoPubWorldDotum Bold" pitchFamily="2" charset="-127"/>
+                <a:cs typeface="KoPubWorldDotum Bold" pitchFamily="2" charset="-127"/>
+              </a:rPr>
+              <a:t>Bedrock</a:t>
+            </a:r>
+            <a:endParaRPr kumimoji="1" lang="ko-KR" altLang="en-US" sz="900" b="1" dirty="0">
+              <a:latin typeface="KoPubWorldDotum Bold" pitchFamily="2" charset="-127"/>
+              <a:ea typeface="KoPubWorldDotum Bold" pitchFamily="2" charset="-127"/>
+              <a:cs typeface="KoPubWorldDotum Bold" pitchFamily="2" charset="-127"/>
+            </a:endParaRPr>
+          </a:p>
+        </p:txBody>
+      </p:sp>
+      <p:sp>
+        <p:nvSpPr>
+          <p:cNvPr id="8" name="제목 1">
+            <a:extLst>
+              <a:ext uri="{FF2B5EF4-FFF2-40B4-BE49-F238E27FC236}">
+                <a16:creationId xmlns:a16="http://schemas.microsoft.com/office/drawing/2014/main" id="{7CB821EA-A35B-3E71-C9DD-00E24904DF39}"/>
+              </a:ext>
+            </a:extLst>
+          </p:cNvPr>
+          <p:cNvSpPr txBox="1">
+            <a:spLocks/>
+          </p:cNvSpPr>
+          <p:nvPr/>
+        </p:nvSpPr>
+        <p:spPr>
+          <a:xfrm>
+            <a:off x="10844718" y="4441235"/>
+            <a:ext cx="1304524" cy="262033"/>
+          </a:xfrm>
+          <a:prstGeom prst="rect">
+            <a:avLst/>
+          </a:prstGeom>
+        </p:spPr>
+        <p:txBody>
+          <a:bodyPr vert="horz" lIns="91440" tIns="45720" rIns="91440" bIns="45720" rtlCol="0" anchor="ctr">
+            <a:normAutofit/>
+          </a:bodyPr>
+          <a:lstStyle>
+            <a:lvl1pPr algn="l" defTabSz="914400" rtl="0" eaLnBrk="1" latinLnBrk="1" hangingPunct="1">
+              <a:lnSpc>
+                <a:spcPct val="90000"/>
+              </a:lnSpc>
+              <a:spcBef>
+                <a:spcPct val="0"/>
+              </a:spcBef>
+              <a:buNone/>
+              <a:defRPr sz="4400" kern="1200">
+                <a:solidFill>
+                  <a:schemeClr val="tx1"/>
+                </a:solidFill>
+                <a:latin typeface="+mj-lt"/>
+                <a:ea typeface="+mj-ea"/>
+                <a:cs typeface="+mj-cs"/>
+              </a:defRPr>
+            </a:lvl1pPr>
+          </a:lstStyle>
+          <a:p>
+            <a:pPr algn="ctr"/>
+            <a:r>
+              <a:rPr kumimoji="1" lang="en-US" altLang="ko-KR" sz="900" b="1" dirty="0">
+                <a:latin typeface="KoPubWorldDotum Bold" pitchFamily="2" charset="-127"/>
+                <a:ea typeface="KoPubWorldDotum Bold" pitchFamily="2" charset="-127"/>
+                <a:cs typeface="KoPubWorldDotum Bold" pitchFamily="2" charset="-127"/>
+              </a:rPr>
+              <a:t>Claude 3 Sonnet</a:t>
+            </a:r>
+            <a:endParaRPr kumimoji="1" lang="ko-KR" altLang="en-US" sz="900" b="1" dirty="0">
+              <a:latin typeface="KoPubWorldDotum Bold" pitchFamily="2" charset="-127"/>
+              <a:ea typeface="KoPubWorldDotum Bold" pitchFamily="2" charset="-127"/>
+              <a:cs typeface="KoPubWorldDotum Bold" pitchFamily="2" charset="-127"/>
+            </a:endParaRPr>
+          </a:p>
+        </p:txBody>
+      </p:sp>
+      <p:cxnSp>
+        <p:nvCxnSpPr>
+          <p:cNvPr id="10" name="직선 화살표 연결선 9">
+            <a:extLst>
+              <a:ext uri="{FF2B5EF4-FFF2-40B4-BE49-F238E27FC236}">
+                <a16:creationId xmlns:a16="http://schemas.microsoft.com/office/drawing/2014/main" id="{34C6F30D-1D00-1EFC-D3FA-EA475CB610D4}"/>
+              </a:ext>
+            </a:extLst>
+          </p:cNvPr>
+          <p:cNvCxnSpPr>
+            <a:cxnSpLocks/>
+            <a:stCxn id="13" idx="1"/>
+            <a:endCxn id="1026" idx="3"/>
+          </p:cNvCxnSpPr>
+          <p:nvPr/>
+        </p:nvCxnSpPr>
+        <p:spPr>
+          <a:xfrm flipH="1">
+            <a:off x="9895537" y="4175706"/>
+            <a:ext cx="1312838" cy="458"/>
+          </a:xfrm>
+          <a:prstGeom prst="straightConnector1">
+            <a:avLst/>
+          </a:prstGeom>
+          <a:ln>
+            <a:headEnd type="none" w="med" len="med"/>
+            <a:tailEnd type="none" w="med" len="med"/>
+          </a:ln>
+        </p:spPr>
+        <p:style>
+          <a:lnRef idx="2">
+            <a:schemeClr val="accent1"/>
+          </a:lnRef>
+          <a:fillRef idx="0">
+            <a:schemeClr val="accent1"/>
+          </a:fillRef>
+          <a:effectRef idx="1">
+            <a:schemeClr val="accent1"/>
+          </a:effectRef>
+          <a:fontRef idx="minor">
+            <a:schemeClr val="tx1"/>
+          </a:fontRef>
+        </p:style>
+      </p:cxnSp>
+      <p:pic>
+        <p:nvPicPr>
+          <p:cNvPr id="13" name="Picture 2" descr="The AI wars heat up with Claude 3, claimed to have “near-human” abilities |  Ars Technica">
+            <a:extLst>
+              <a:ext uri="{FF2B5EF4-FFF2-40B4-BE49-F238E27FC236}">
+                <a16:creationId xmlns:a16="http://schemas.microsoft.com/office/drawing/2014/main" id="{9106017E-A991-4292-85EB-1286A8B1B55F}"/>
+              </a:ext>
+            </a:extLst>
+          </p:cNvPr>
+          <p:cNvPicPr>
+            <a:picLocks noChangeAspect="1" noChangeArrowheads="1"/>
+          </p:cNvPicPr>
+          <p:nvPr/>
+        </p:nvPicPr>
+        <p:blipFill rotWithShape="1">
+          <a:blip r:embed="rId4">
+            <a:extLst>
+              <a:ext uri="{28A0092B-C50C-407E-A947-70E740481C1C}">
+                <a14:useLocalDpi xmlns:a14="http://schemas.microsoft.com/office/drawing/2010/main" val="0"/>
+              </a:ext>
+            </a:extLst>
+          </a:blip>
+          <a:srcRect l="28567" t="10984" r="29591" b="14630"/>
+          <a:stretch/>
+        </p:blipFill>
+        <p:spPr bwMode="auto">
+          <a:xfrm>
+            <a:off x="11208375" y="3942991"/>
+            <a:ext cx="465430" cy="465430"/>
+          </a:xfrm>
+          <a:prstGeom prst="rect">
+            <a:avLst/>
+          </a:prstGeom>
+          <a:noFill/>
+          <a:extLst>
+            <a:ext uri="{909E8E84-426E-40DD-AFC4-6F175D3DCCD1}">
+              <a14:hiddenFill xmlns:a14="http://schemas.microsoft.com/office/drawing/2010/main">
+                <a:solidFill>
+                  <a:srgbClr val="FFFFFF"/>
+                </a:solidFill>
+              </a14:hiddenFill>
+            </a:ext>
+          </a:extLst>
+        </p:spPr>
+      </p:pic>
+      <p:sp>
+        <p:nvSpPr>
+          <p:cNvPr id="6" name="제목 1">
+            <a:extLst>
+              <a:ext uri="{FF2B5EF4-FFF2-40B4-BE49-F238E27FC236}">
+                <a16:creationId xmlns:a16="http://schemas.microsoft.com/office/drawing/2014/main" id="{E3E7097A-D899-57F0-AA84-4CA445238B28}"/>
+              </a:ext>
+            </a:extLst>
+          </p:cNvPr>
+          <p:cNvSpPr txBox="1">
+            <a:spLocks/>
+          </p:cNvSpPr>
+          <p:nvPr/>
+        </p:nvSpPr>
+        <p:spPr>
+          <a:xfrm>
+            <a:off x="10067923" y="5190366"/>
+            <a:ext cx="1206609" cy="267998"/>
+          </a:xfrm>
+          <a:prstGeom prst="rect">
+            <a:avLst/>
+          </a:prstGeom>
+        </p:spPr>
+        <p:txBody>
+          <a:bodyPr vert="horz" lIns="91440" tIns="45720" rIns="91440" bIns="45720" rtlCol="0" anchor="ctr">
+            <a:normAutofit/>
+          </a:bodyPr>
+          <a:lstStyle>
+            <a:lvl1pPr algn="l" defTabSz="914400" rtl="0" eaLnBrk="1" latinLnBrk="1" hangingPunct="1">
+              <a:lnSpc>
+                <a:spcPct val="90000"/>
+              </a:lnSpc>
+              <a:spcBef>
+                <a:spcPct val="0"/>
+              </a:spcBef>
+              <a:buNone/>
+              <a:defRPr sz="4400" kern="1200">
+                <a:solidFill>
+                  <a:schemeClr val="tx1"/>
+                </a:solidFill>
+                <a:latin typeface="+mj-lt"/>
+                <a:ea typeface="+mj-ea"/>
+                <a:cs typeface="+mj-cs"/>
+              </a:defRPr>
+            </a:lvl1pPr>
+          </a:lstStyle>
+          <a:p>
+            <a:pPr algn="ctr"/>
+            <a:r>
+              <a:rPr kumimoji="1" lang="en-US" altLang="ko-KR" sz="900" b="1" dirty="0">
+                <a:latin typeface="KoPubWorldDotum Bold" pitchFamily="2" charset="-127"/>
+                <a:ea typeface="KoPubWorldDotum Bold" pitchFamily="2" charset="-127"/>
+                <a:cs typeface="KoPubWorldDotum Bold" pitchFamily="2" charset="-127"/>
+              </a:rPr>
+              <a:t>Bedrock</a:t>
+            </a:r>
+            <a:r>
+              <a:rPr kumimoji="1" lang="ko-KR" altLang="en-US" sz="900" b="1" dirty="0">
+                <a:latin typeface="KoPubWorldDotum Bold" pitchFamily="2" charset="-127"/>
+                <a:ea typeface="KoPubWorldDotum Bold" pitchFamily="2" charset="-127"/>
+                <a:cs typeface="KoPubWorldDotum Bold" pitchFamily="2" charset="-127"/>
+              </a:rPr>
+              <a:t> </a:t>
+            </a:r>
+            <a:r>
+              <a:rPr kumimoji="1" lang="en-US" altLang="ko-KR" sz="900" b="1" dirty="0">
+                <a:latin typeface="KoPubWorldDotum Bold" pitchFamily="2" charset="-127"/>
+                <a:ea typeface="KoPubWorldDotum Bold" pitchFamily="2" charset="-127"/>
+                <a:cs typeface="KoPubWorldDotum Bold" pitchFamily="2" charset="-127"/>
+              </a:rPr>
+              <a:t>Agent</a:t>
+            </a:r>
+            <a:endParaRPr kumimoji="1" lang="ko-KR" altLang="en-US" sz="900" b="1" dirty="0">
+              <a:latin typeface="KoPubWorldDotum Bold" pitchFamily="2" charset="-127"/>
+              <a:ea typeface="KoPubWorldDotum Bold" pitchFamily="2" charset="-127"/>
+              <a:cs typeface="KoPubWorldDotum Bold" pitchFamily="2" charset="-127"/>
+            </a:endParaRPr>
+          </a:p>
+        </p:txBody>
+      </p:sp>
+      <p:sp>
+        <p:nvSpPr>
+          <p:cNvPr id="16" name="제목 1">
+            <a:extLst>
+              <a:ext uri="{FF2B5EF4-FFF2-40B4-BE49-F238E27FC236}">
+                <a16:creationId xmlns:a16="http://schemas.microsoft.com/office/drawing/2014/main" id="{5BAB6A00-4CF3-7A79-987B-9DEFE62CB6F7}"/>
+              </a:ext>
+            </a:extLst>
+          </p:cNvPr>
+          <p:cNvSpPr txBox="1">
+            <a:spLocks/>
+          </p:cNvSpPr>
+          <p:nvPr/>
+        </p:nvSpPr>
+        <p:spPr>
+          <a:xfrm>
+            <a:off x="7092963" y="5878607"/>
+            <a:ext cx="739201" cy="267998"/>
+          </a:xfrm>
+          <a:prstGeom prst="rect">
+            <a:avLst/>
+          </a:prstGeom>
+        </p:spPr>
+        <p:txBody>
+          <a:bodyPr vert="horz" lIns="91440" tIns="45720" rIns="91440" bIns="45720" rtlCol="0" anchor="ctr">
+            <a:normAutofit/>
+          </a:bodyPr>
+          <a:lstStyle>
+            <a:lvl1pPr algn="l" defTabSz="914400" rtl="0" eaLnBrk="1" latinLnBrk="1" hangingPunct="1">
+              <a:lnSpc>
+                <a:spcPct val="90000"/>
+              </a:lnSpc>
+              <a:spcBef>
+                <a:spcPct val="0"/>
+              </a:spcBef>
+              <a:buNone/>
+              <a:defRPr sz="4400" kern="1200">
+                <a:solidFill>
+                  <a:schemeClr val="tx1"/>
+                </a:solidFill>
+                <a:latin typeface="+mj-lt"/>
+                <a:ea typeface="+mj-ea"/>
+                <a:cs typeface="+mj-cs"/>
+              </a:defRPr>
+            </a:lvl1pPr>
+          </a:lstStyle>
+          <a:p>
+            <a:pPr algn="ctr"/>
+            <a:r>
+              <a:rPr kumimoji="1" lang="en-US" altLang="ko-KR" sz="900" b="1" dirty="0">
+                <a:latin typeface="KoPubWorldDotum Bold" pitchFamily="2" charset="-127"/>
+                <a:ea typeface="KoPubWorldDotum Bold" pitchFamily="2" charset="-127"/>
+                <a:cs typeface="KoPubWorldDotum Bold" pitchFamily="2" charset="-127"/>
+              </a:rPr>
+              <a:t>Lambda</a:t>
+            </a:r>
+            <a:endParaRPr kumimoji="1" lang="ko-KR" altLang="en-US" sz="900" b="1" dirty="0">
+              <a:latin typeface="KoPubWorldDotum Bold" pitchFamily="2" charset="-127"/>
+              <a:ea typeface="KoPubWorldDotum Bold" pitchFamily="2" charset="-127"/>
+              <a:cs typeface="KoPubWorldDotum Bold" pitchFamily="2" charset="-127"/>
+            </a:endParaRPr>
+          </a:p>
+        </p:txBody>
+      </p:sp>
+      <p:pic>
+        <p:nvPicPr>
+          <p:cNvPr id="18" name="그림 17">
+            <a:extLst>
+              <a:ext uri="{FF2B5EF4-FFF2-40B4-BE49-F238E27FC236}">
+                <a16:creationId xmlns:a16="http://schemas.microsoft.com/office/drawing/2014/main" id="{E4E2557D-5953-C1A9-118E-BEB9C692C0BE}"/>
+              </a:ext>
+            </a:extLst>
+          </p:cNvPr>
+          <p:cNvPicPr>
+            <a:picLocks noChangeAspect="1"/>
+          </p:cNvPicPr>
+          <p:nvPr/>
+        </p:nvPicPr>
+        <p:blipFill>
+          <a:blip r:embed="rId5"/>
+          <a:stretch>
+            <a:fillRect/>
+          </a:stretch>
+        </p:blipFill>
+        <p:spPr>
+          <a:xfrm>
+            <a:off x="9464036" y="4689330"/>
+            <a:ext cx="465429" cy="465429"/>
+          </a:xfrm>
+          <a:prstGeom prst="rect">
+            <a:avLst/>
+          </a:prstGeom>
+        </p:spPr>
+      </p:pic>
+      <p:sp>
+        <p:nvSpPr>
+          <p:cNvPr id="19" name="제목 1">
+            <a:extLst>
+              <a:ext uri="{FF2B5EF4-FFF2-40B4-BE49-F238E27FC236}">
+                <a16:creationId xmlns:a16="http://schemas.microsoft.com/office/drawing/2014/main" id="{43B19051-C4DB-2973-13E0-26D3E5B051C2}"/>
+              </a:ext>
+            </a:extLst>
+          </p:cNvPr>
+          <p:cNvSpPr txBox="1">
+            <a:spLocks/>
+          </p:cNvSpPr>
+          <p:nvPr/>
+        </p:nvSpPr>
+        <p:spPr>
+          <a:xfrm>
+            <a:off x="9236531" y="5185268"/>
+            <a:ext cx="869150" cy="267998"/>
+          </a:xfrm>
+          <a:prstGeom prst="rect">
+            <a:avLst/>
+          </a:prstGeom>
+        </p:spPr>
+        <p:txBody>
+          <a:bodyPr vert="horz" lIns="91440" tIns="45720" rIns="91440" bIns="45720" rtlCol="0" anchor="ctr">
+            <a:normAutofit/>
+          </a:bodyPr>
+          <a:lstStyle>
+            <a:lvl1pPr algn="l" defTabSz="914400" rtl="0" eaLnBrk="1" latinLnBrk="1" hangingPunct="1">
+              <a:lnSpc>
+                <a:spcPct val="90000"/>
+              </a:lnSpc>
+              <a:spcBef>
+                <a:spcPct val="0"/>
+              </a:spcBef>
+              <a:buNone/>
+              <a:defRPr sz="4400" kern="1200">
+                <a:solidFill>
+                  <a:schemeClr val="tx1"/>
+                </a:solidFill>
+                <a:latin typeface="+mj-lt"/>
+                <a:ea typeface="+mj-ea"/>
+                <a:cs typeface="+mj-cs"/>
+              </a:defRPr>
+            </a:lvl1pPr>
+          </a:lstStyle>
+          <a:p>
+            <a:pPr algn="ctr"/>
+            <a:r>
+              <a:rPr kumimoji="1" lang="en-US" altLang="ko-KR" sz="900" b="1" dirty="0">
+                <a:latin typeface="KoPubWorldDotum Bold" pitchFamily="2" charset="-127"/>
+                <a:ea typeface="KoPubWorldDotum Bold" pitchFamily="2" charset="-127"/>
+                <a:cs typeface="KoPubWorldDotum Bold" pitchFamily="2" charset="-127"/>
+              </a:rPr>
+              <a:t>DynamoDB</a:t>
+            </a:r>
+            <a:endParaRPr kumimoji="1" lang="ko-KR" altLang="en-US" sz="900" b="1" dirty="0">
+              <a:latin typeface="KoPubWorldDotum Bold" pitchFamily="2" charset="-127"/>
+              <a:ea typeface="KoPubWorldDotum Bold" pitchFamily="2" charset="-127"/>
+              <a:cs typeface="KoPubWorldDotum Bold" pitchFamily="2" charset="-127"/>
+            </a:endParaRPr>
+          </a:p>
+        </p:txBody>
+      </p:sp>
+      <p:pic>
+        <p:nvPicPr>
+          <p:cNvPr id="63" name="그림 62">
+            <a:extLst>
+              <a:ext uri="{FF2B5EF4-FFF2-40B4-BE49-F238E27FC236}">
+                <a16:creationId xmlns:a16="http://schemas.microsoft.com/office/drawing/2014/main" id="{30AA3DF9-0C34-53E0-3770-48ED28E21865}"/>
+              </a:ext>
+            </a:extLst>
+          </p:cNvPr>
+          <p:cNvPicPr>
+            <a:picLocks noChangeAspect="1"/>
+          </p:cNvPicPr>
+          <p:nvPr/>
+        </p:nvPicPr>
+        <p:blipFill>
+          <a:blip r:embed="rId6"/>
+          <a:stretch>
+            <a:fillRect/>
+          </a:stretch>
+        </p:blipFill>
+        <p:spPr>
+          <a:xfrm>
+            <a:off x="11161477" y="1315393"/>
+            <a:ext cx="462142" cy="462142"/>
+          </a:xfrm>
+          <a:prstGeom prst="rect">
+            <a:avLst/>
+          </a:prstGeom>
+        </p:spPr>
+      </p:pic>
+      <p:pic>
+        <p:nvPicPr>
+          <p:cNvPr id="24" name="그림 23">
+            <a:extLst>
+              <a:ext uri="{FF2B5EF4-FFF2-40B4-BE49-F238E27FC236}">
+                <a16:creationId xmlns:a16="http://schemas.microsoft.com/office/drawing/2014/main" id="{E5C7CE01-3AD3-869D-EAEB-D8D94DCA248B}"/>
+              </a:ext>
+            </a:extLst>
+          </p:cNvPr>
+          <p:cNvPicPr>
+            <a:picLocks noChangeAspect="1"/>
+          </p:cNvPicPr>
+          <p:nvPr/>
+        </p:nvPicPr>
+        <p:blipFill>
+          <a:blip r:embed="rId7"/>
+          <a:stretch>
+            <a:fillRect/>
+          </a:stretch>
+        </p:blipFill>
+        <p:spPr>
+          <a:xfrm>
+            <a:off x="5345224" y="3659452"/>
+            <a:ext cx="461326" cy="461326"/>
+          </a:xfrm>
+          <a:prstGeom prst="rect">
+            <a:avLst/>
+          </a:prstGeom>
+        </p:spPr>
+      </p:pic>
+      <p:sp>
+        <p:nvSpPr>
+          <p:cNvPr id="28" name="직사각형 27">
+            <a:extLst>
+              <a:ext uri="{FF2B5EF4-FFF2-40B4-BE49-F238E27FC236}">
+                <a16:creationId xmlns:a16="http://schemas.microsoft.com/office/drawing/2014/main" id="{B74730AF-E164-6232-603B-2E81071DA6AA}"/>
+              </a:ext>
+            </a:extLst>
+          </p:cNvPr>
+          <p:cNvSpPr/>
+          <p:nvPr/>
+        </p:nvSpPr>
+        <p:spPr>
+          <a:xfrm>
+            <a:off x="3016981" y="132863"/>
+            <a:ext cx="1503655" cy="3216266"/>
+          </a:xfrm>
+          <a:prstGeom prst="rect">
+            <a:avLst/>
+          </a:prstGeom>
+          <a:noFill/>
+          <a:ln>
+            <a:solidFill>
+              <a:srgbClr val="000000"/>
+            </a:solidFill>
+            <a:prstDash val="sysDash"/>
+          </a:ln>
+        </p:spPr>
+        <p:style>
+          <a:lnRef idx="2">
+            <a:schemeClr val="accent1">
+              <a:shade val="15000"/>
+            </a:schemeClr>
+          </a:lnRef>
+          <a:fillRef idx="1">
+            <a:schemeClr val="accent1"/>
+          </a:fillRef>
+          <a:effectRef idx="0">
+            <a:schemeClr val="accent1"/>
+          </a:effectRef>
+          <a:fontRef idx="minor">
+            <a:schemeClr val="lt1"/>
+          </a:fontRef>
+        </p:style>
+        <p:txBody>
+          <a:bodyPr rtlCol="0" anchor="ctr"/>
+          <a:lstStyle/>
+          <a:p>
+            <a:pPr algn="ctr"/>
+            <a:endParaRPr kumimoji="1" lang="ko-KR" altLang="en-US" sz="900"/>
+          </a:p>
+        </p:txBody>
+      </p:sp>
+      <p:pic>
+        <p:nvPicPr>
+          <p:cNvPr id="29" name="그림 28">
+            <a:extLst>
+              <a:ext uri="{FF2B5EF4-FFF2-40B4-BE49-F238E27FC236}">
+                <a16:creationId xmlns:a16="http://schemas.microsoft.com/office/drawing/2014/main" id="{E014D017-3F5D-E9D6-99EC-0EAB748C0697}"/>
+              </a:ext>
+            </a:extLst>
+          </p:cNvPr>
+          <p:cNvPicPr>
+            <a:picLocks noChangeAspect="1"/>
+          </p:cNvPicPr>
+          <p:nvPr/>
+        </p:nvPicPr>
+        <p:blipFill>
+          <a:blip r:embed="rId8"/>
+          <a:stretch>
+            <a:fillRect/>
+          </a:stretch>
+        </p:blipFill>
+        <p:spPr>
+          <a:xfrm>
+            <a:off x="3572165" y="3123109"/>
+            <a:ext cx="462142" cy="462142"/>
+          </a:xfrm>
+          <a:prstGeom prst="rect">
+            <a:avLst/>
+          </a:prstGeom>
+        </p:spPr>
+      </p:pic>
+      <p:sp>
+        <p:nvSpPr>
+          <p:cNvPr id="31" name="제목 1">
+            <a:extLst>
+              <a:ext uri="{FF2B5EF4-FFF2-40B4-BE49-F238E27FC236}">
+                <a16:creationId xmlns:a16="http://schemas.microsoft.com/office/drawing/2014/main" id="{B68F8371-67DD-46F1-CFB7-A708C5740D02}"/>
+              </a:ext>
+            </a:extLst>
+          </p:cNvPr>
+          <p:cNvSpPr txBox="1">
+            <a:spLocks/>
+          </p:cNvSpPr>
+          <p:nvPr/>
+        </p:nvSpPr>
+        <p:spPr>
+          <a:xfrm>
+            <a:off x="3315215" y="3595398"/>
+            <a:ext cx="967879" cy="267998"/>
+          </a:xfrm>
+          <a:prstGeom prst="rect">
+            <a:avLst/>
+          </a:prstGeom>
+        </p:spPr>
+        <p:txBody>
+          <a:bodyPr vert="horz" lIns="91440" tIns="45720" rIns="91440" bIns="45720" rtlCol="0" anchor="ctr">
+            <a:normAutofit/>
+          </a:bodyPr>
+          <a:lstStyle>
+            <a:lvl1pPr algn="l" defTabSz="914400" rtl="0" eaLnBrk="1" latinLnBrk="1" hangingPunct="1">
+              <a:lnSpc>
+                <a:spcPct val="90000"/>
+              </a:lnSpc>
+              <a:spcBef>
+                <a:spcPct val="0"/>
+              </a:spcBef>
+              <a:buNone/>
+              <a:defRPr sz="4400" kern="1200">
+                <a:solidFill>
+                  <a:schemeClr val="tx1"/>
+                </a:solidFill>
+                <a:latin typeface="+mj-lt"/>
+                <a:ea typeface="+mj-ea"/>
+                <a:cs typeface="+mj-cs"/>
+              </a:defRPr>
+            </a:lvl1pPr>
+          </a:lstStyle>
+          <a:p>
+            <a:pPr algn="ctr"/>
+            <a:r>
+              <a:rPr kumimoji="1" lang="en-US" altLang="ko-KR" sz="900" b="1" dirty="0">
+                <a:latin typeface="KoPubWorldDotum Bold" pitchFamily="2" charset="-127"/>
+                <a:ea typeface="KoPubWorldDotum Bold" pitchFamily="2" charset="-127"/>
+                <a:cs typeface="KoPubWorldDotum Bold" pitchFamily="2" charset="-127"/>
+              </a:rPr>
+              <a:t>S3</a:t>
+            </a:r>
+            <a:endParaRPr kumimoji="1" lang="ko-KR" altLang="en-US" sz="900" b="1" dirty="0">
+              <a:latin typeface="KoPubWorldDotum Bold" pitchFamily="2" charset="-127"/>
+              <a:ea typeface="KoPubWorldDotum Bold" pitchFamily="2" charset="-127"/>
+              <a:cs typeface="KoPubWorldDotum Bold" pitchFamily="2" charset="-127"/>
+            </a:endParaRPr>
+          </a:p>
+        </p:txBody>
+      </p:sp>
+      <p:cxnSp>
+        <p:nvCxnSpPr>
+          <p:cNvPr id="32" name="직선 화살표 연결선 31">
+            <a:extLst>
+              <a:ext uri="{FF2B5EF4-FFF2-40B4-BE49-F238E27FC236}">
+                <a16:creationId xmlns:a16="http://schemas.microsoft.com/office/drawing/2014/main" id="{9C4C48DA-AB9C-66CF-5BC3-E8C3AB5FEC45}"/>
+              </a:ext>
+            </a:extLst>
+          </p:cNvPr>
+          <p:cNvCxnSpPr>
+            <a:cxnSpLocks/>
+            <a:stCxn id="39" idx="1"/>
+          </p:cNvCxnSpPr>
+          <p:nvPr/>
+        </p:nvCxnSpPr>
+        <p:spPr>
+          <a:xfrm flipH="1">
+            <a:off x="193522" y="634244"/>
+            <a:ext cx="1034894" cy="0"/>
+          </a:xfrm>
+          <a:prstGeom prst="straightConnector1">
+            <a:avLst/>
+          </a:prstGeom>
+          <a:ln>
+            <a:headEnd type="none" w="med" len="med"/>
+            <a:tailEnd type="none" w="med" len="med"/>
+          </a:ln>
+        </p:spPr>
+        <p:style>
+          <a:lnRef idx="2">
+            <a:schemeClr val="accent1"/>
+          </a:lnRef>
+          <a:fillRef idx="0">
+            <a:schemeClr val="accent1"/>
+          </a:fillRef>
+          <a:effectRef idx="1">
+            <a:schemeClr val="accent1"/>
+          </a:effectRef>
+          <a:fontRef idx="minor">
+            <a:schemeClr val="tx1"/>
+          </a:fontRef>
+        </p:style>
+      </p:cxnSp>
+      <p:pic>
+        <p:nvPicPr>
+          <p:cNvPr id="33" name="그림 32">
+            <a:extLst>
+              <a:ext uri="{FF2B5EF4-FFF2-40B4-BE49-F238E27FC236}">
+                <a16:creationId xmlns:a16="http://schemas.microsoft.com/office/drawing/2014/main" id="{299B75B5-D8F0-18BC-D6BE-E676585A616C}"/>
+              </a:ext>
+            </a:extLst>
+          </p:cNvPr>
+          <p:cNvPicPr>
+            <a:picLocks noChangeAspect="1"/>
+          </p:cNvPicPr>
+          <p:nvPr/>
+        </p:nvPicPr>
+        <p:blipFill>
+          <a:blip r:embed="rId9">
+            <a:alphaModFix amt="35000"/>
+          </a:blip>
+          <a:stretch>
+            <a:fillRect/>
+          </a:stretch>
+        </p:blipFill>
+        <p:spPr>
+          <a:xfrm>
+            <a:off x="11200411" y="219615"/>
+            <a:ext cx="435116" cy="435116"/>
+          </a:xfrm>
+          <a:prstGeom prst="rect">
+            <a:avLst/>
+          </a:prstGeom>
+        </p:spPr>
+      </p:pic>
+      <p:sp>
+        <p:nvSpPr>
+          <p:cNvPr id="37" name="제목 1">
+            <a:extLst>
+              <a:ext uri="{FF2B5EF4-FFF2-40B4-BE49-F238E27FC236}">
+                <a16:creationId xmlns:a16="http://schemas.microsoft.com/office/drawing/2014/main" id="{4883C4EB-69F2-7707-5907-D402594B4B41}"/>
+              </a:ext>
+            </a:extLst>
+          </p:cNvPr>
+          <p:cNvSpPr txBox="1">
+            <a:spLocks/>
+          </p:cNvSpPr>
+          <p:nvPr/>
+        </p:nvSpPr>
+        <p:spPr>
+          <a:xfrm>
+            <a:off x="10931327" y="723064"/>
+            <a:ext cx="967879" cy="267998"/>
+          </a:xfrm>
+          <a:prstGeom prst="rect">
+            <a:avLst/>
+          </a:prstGeom>
+        </p:spPr>
+        <p:txBody>
+          <a:bodyPr vert="horz" lIns="91440" tIns="45720" rIns="91440" bIns="45720" rtlCol="0" anchor="ctr">
+            <a:normAutofit/>
+          </a:bodyPr>
+          <a:lstStyle>
+            <a:lvl1pPr algn="l" defTabSz="914400" rtl="0" eaLnBrk="1" latinLnBrk="1" hangingPunct="1">
+              <a:lnSpc>
+                <a:spcPct val="90000"/>
+              </a:lnSpc>
+              <a:spcBef>
+                <a:spcPct val="0"/>
+              </a:spcBef>
+              <a:buNone/>
+              <a:defRPr sz="4400" kern="1200">
+                <a:solidFill>
+                  <a:schemeClr val="tx1"/>
+                </a:solidFill>
+                <a:latin typeface="+mj-lt"/>
+                <a:ea typeface="+mj-ea"/>
+                <a:cs typeface="+mj-cs"/>
+              </a:defRPr>
+            </a:lvl1pPr>
+          </a:lstStyle>
+          <a:p>
+            <a:pPr algn="ctr"/>
+            <a:r>
+              <a:rPr kumimoji="1" lang="en-US" altLang="ko-KR" sz="900" b="1" dirty="0">
+                <a:latin typeface="KoPubWorldDotum Bold" pitchFamily="2" charset="-127"/>
+                <a:ea typeface="KoPubWorldDotum Bold" pitchFamily="2" charset="-127"/>
+                <a:cs typeface="KoPubWorldDotum Bold" pitchFamily="2" charset="-127"/>
+              </a:rPr>
+              <a:t>CloudFront</a:t>
+            </a:r>
+            <a:endParaRPr kumimoji="1" lang="ko-KR" altLang="en-US" sz="900" b="1" dirty="0">
+              <a:latin typeface="KoPubWorldDotum Bold" pitchFamily="2" charset="-127"/>
+              <a:ea typeface="KoPubWorldDotum Bold" pitchFamily="2" charset="-127"/>
+              <a:cs typeface="KoPubWorldDotum Bold" pitchFamily="2" charset="-127"/>
+            </a:endParaRPr>
+          </a:p>
+        </p:txBody>
+      </p:sp>
+      <p:pic>
+        <p:nvPicPr>
+          <p:cNvPr id="38" name="그래픽 37" descr="사용자 단색으로 채워진">
+            <a:extLst>
+              <a:ext uri="{FF2B5EF4-FFF2-40B4-BE49-F238E27FC236}">
+                <a16:creationId xmlns:a16="http://schemas.microsoft.com/office/drawing/2014/main" id="{3CCFFB7A-B116-AF77-980D-C90D7C5B0E09}"/>
+              </a:ext>
+            </a:extLst>
+          </p:cNvPr>
+          <p:cNvPicPr>
+            <a:picLocks noChangeAspect="1"/>
+          </p:cNvPicPr>
+          <p:nvPr/>
+        </p:nvPicPr>
+        <p:blipFill>
+          <a:blip r:embed="rId10">
+            <a:extLst>
+              <a:ext uri="{96DAC541-7B7A-43D3-8B79-37D633B846F1}">
+                <asvg:svgBlip xmlns:asvg="http://schemas.microsoft.com/office/drawing/2016/SVG/main" r:embed="rId11"/>
+              </a:ext>
+            </a:extLst>
+          </a:blip>
+          <a:stretch>
+            <a:fillRect/>
+          </a:stretch>
+        </p:blipFill>
+        <p:spPr>
+          <a:xfrm>
+            <a:off x="199647" y="257231"/>
+            <a:ext cx="754027" cy="754027"/>
+          </a:xfrm>
+          <a:prstGeom prst="rect">
+            <a:avLst/>
+          </a:prstGeom>
+        </p:spPr>
+      </p:pic>
+      <p:pic>
+        <p:nvPicPr>
+          <p:cNvPr id="39" name="그림 38">
+            <a:extLst>
+              <a:ext uri="{FF2B5EF4-FFF2-40B4-BE49-F238E27FC236}">
+                <a16:creationId xmlns:a16="http://schemas.microsoft.com/office/drawing/2014/main" id="{4ECCA4A3-4896-020A-6E1B-A5C0CABA7AB0}"/>
+              </a:ext>
+            </a:extLst>
+          </p:cNvPr>
+          <p:cNvPicPr>
+            <a:picLocks noChangeAspect="1"/>
+          </p:cNvPicPr>
+          <p:nvPr/>
+        </p:nvPicPr>
+        <p:blipFill>
+          <a:blip r:embed="rId12">
+            <a:alphaModFix amt="35000"/>
+          </a:blip>
+          <a:stretch>
+            <a:fillRect/>
+          </a:stretch>
+        </p:blipFill>
+        <p:spPr>
+          <a:xfrm>
+            <a:off x="1228416" y="399544"/>
+            <a:ext cx="469400" cy="469400"/>
+          </a:xfrm>
+          <a:prstGeom prst="rect">
+            <a:avLst/>
+          </a:prstGeom>
+        </p:spPr>
+      </p:pic>
+      <p:sp>
+        <p:nvSpPr>
+          <p:cNvPr id="40" name="제목 1">
+            <a:extLst>
+              <a:ext uri="{FF2B5EF4-FFF2-40B4-BE49-F238E27FC236}">
+                <a16:creationId xmlns:a16="http://schemas.microsoft.com/office/drawing/2014/main" id="{D265A0A2-EE38-19E6-4AB8-846CED18BE20}"/>
+              </a:ext>
+            </a:extLst>
+          </p:cNvPr>
+          <p:cNvSpPr txBox="1">
+            <a:spLocks/>
+          </p:cNvSpPr>
+          <p:nvPr/>
+        </p:nvSpPr>
+        <p:spPr>
+          <a:xfrm>
+            <a:off x="979444" y="874498"/>
+            <a:ext cx="967879" cy="267998"/>
+          </a:xfrm>
+          <a:prstGeom prst="rect">
+            <a:avLst/>
+          </a:prstGeom>
+        </p:spPr>
+        <p:txBody>
+          <a:bodyPr vert="horz" lIns="91440" tIns="45720" rIns="91440" bIns="45720" rtlCol="0" anchor="ctr">
+            <a:normAutofit/>
+          </a:bodyPr>
+          <a:lstStyle>
+            <a:lvl1pPr algn="l" defTabSz="914400" rtl="0" eaLnBrk="1" latinLnBrk="1" hangingPunct="1">
+              <a:lnSpc>
+                <a:spcPct val="90000"/>
+              </a:lnSpc>
+              <a:spcBef>
+                <a:spcPct val="0"/>
+              </a:spcBef>
+              <a:buNone/>
+              <a:defRPr sz="4400" kern="1200">
+                <a:solidFill>
+                  <a:schemeClr val="tx1"/>
+                </a:solidFill>
+                <a:latin typeface="+mj-lt"/>
+                <a:ea typeface="+mj-ea"/>
+                <a:cs typeface="+mj-cs"/>
+              </a:defRPr>
+            </a:lvl1pPr>
+          </a:lstStyle>
+          <a:p>
+            <a:pPr algn="ctr"/>
+            <a:r>
+              <a:rPr kumimoji="1" lang="en-US" altLang="ko-KR" sz="900" b="1" dirty="0">
+                <a:latin typeface="KoPubWorldDotum Bold" pitchFamily="2" charset="-127"/>
+                <a:ea typeface="KoPubWorldDotum Bold" pitchFamily="2" charset="-127"/>
+                <a:cs typeface="KoPubWorldDotum Bold" pitchFamily="2" charset="-127"/>
+              </a:rPr>
+              <a:t>Route 53</a:t>
+            </a:r>
+            <a:endParaRPr kumimoji="1" lang="ko-KR" altLang="en-US" sz="900" b="1" dirty="0">
+              <a:latin typeface="KoPubWorldDotum Bold" pitchFamily="2" charset="-127"/>
+              <a:ea typeface="KoPubWorldDotum Bold" pitchFamily="2" charset="-127"/>
+              <a:cs typeface="KoPubWorldDotum Bold" pitchFamily="2" charset="-127"/>
+            </a:endParaRPr>
+          </a:p>
+        </p:txBody>
+      </p:sp>
+      <p:sp>
+        <p:nvSpPr>
+          <p:cNvPr id="41" name="처리 40">
+            <a:extLst>
+              <a:ext uri="{FF2B5EF4-FFF2-40B4-BE49-F238E27FC236}">
+                <a16:creationId xmlns:a16="http://schemas.microsoft.com/office/drawing/2014/main" id="{3696A90F-8B52-3CF7-5BAE-40A3644A9762}"/>
+              </a:ext>
+            </a:extLst>
+          </p:cNvPr>
+          <p:cNvSpPr/>
+          <p:nvPr/>
+        </p:nvSpPr>
+        <p:spPr>
+          <a:xfrm>
+            <a:off x="3140370" y="2060227"/>
+            <a:ext cx="1241157" cy="763206"/>
+          </a:xfrm>
+          <a:prstGeom prst="flowChartProcess">
+            <a:avLst/>
+          </a:prstGeom>
+          <a:solidFill>
+            <a:schemeClr val="accent1"/>
+          </a:solidFill>
+          <a:ln>
+            <a:noFill/>
+          </a:ln>
+        </p:spPr>
+        <p:style>
+          <a:lnRef idx="2">
+            <a:schemeClr val="accent1">
+              <a:shade val="15000"/>
+            </a:schemeClr>
+          </a:lnRef>
+          <a:fillRef idx="1">
+            <a:schemeClr val="accent1"/>
+          </a:fillRef>
+          <a:effectRef idx="0">
+            <a:schemeClr val="accent1"/>
+          </a:effectRef>
+          <a:fontRef idx="minor">
+            <a:schemeClr val="lt1"/>
+          </a:fontRef>
+        </p:style>
+        <p:txBody>
+          <a:bodyPr rtlCol="0" anchor="ctr"/>
+          <a:lstStyle/>
+          <a:p>
+            <a:pPr algn="ctr"/>
+            <a:r>
+              <a:rPr kumimoji="1" lang="en-US" altLang="ko-KR" sz="900" b="1" dirty="0">
+                <a:latin typeface="KoPubWorldDotum Bold" pitchFamily="2" charset="-127"/>
+                <a:ea typeface="KoPubWorldDotum Bold" pitchFamily="2" charset="-127"/>
+                <a:cs typeface="KoPubWorldDotum Bold" pitchFamily="2" charset="-127"/>
+              </a:rPr>
+              <a:t>Service - TBD</a:t>
+            </a:r>
+            <a:endParaRPr kumimoji="1" lang="ko-KR" altLang="en-US" sz="900" b="1" dirty="0">
+              <a:latin typeface="KoPubWorldDotum Bold" pitchFamily="2" charset="-127"/>
+              <a:ea typeface="KoPubWorldDotum Bold" pitchFamily="2" charset="-127"/>
+              <a:cs typeface="KoPubWorldDotum Bold" pitchFamily="2" charset="-127"/>
+            </a:endParaRPr>
+          </a:p>
+        </p:txBody>
+      </p:sp>
+      <p:pic>
+        <p:nvPicPr>
+          <p:cNvPr id="45" name="그림 44">
+            <a:extLst>
+              <a:ext uri="{FF2B5EF4-FFF2-40B4-BE49-F238E27FC236}">
+                <a16:creationId xmlns:a16="http://schemas.microsoft.com/office/drawing/2014/main" id="{371D1B9E-F9A5-B818-0A2D-56C3F74432FB}"/>
+              </a:ext>
+            </a:extLst>
+          </p:cNvPr>
+          <p:cNvPicPr>
+            <a:picLocks noChangeAspect="1"/>
+          </p:cNvPicPr>
+          <p:nvPr/>
+        </p:nvPicPr>
+        <p:blipFill>
+          <a:blip r:embed="rId13">
+            <a:alphaModFix amt="35000"/>
+          </a:blip>
+          <a:stretch>
+            <a:fillRect/>
+          </a:stretch>
+        </p:blipFill>
+        <p:spPr>
+          <a:xfrm>
+            <a:off x="2251678" y="399544"/>
+            <a:ext cx="469400" cy="469400"/>
+          </a:xfrm>
+          <a:prstGeom prst="rect">
+            <a:avLst/>
+          </a:prstGeom>
+        </p:spPr>
+      </p:pic>
+      <p:sp>
+        <p:nvSpPr>
+          <p:cNvPr id="47" name="제목 1">
+            <a:extLst>
+              <a:ext uri="{FF2B5EF4-FFF2-40B4-BE49-F238E27FC236}">
+                <a16:creationId xmlns:a16="http://schemas.microsoft.com/office/drawing/2014/main" id="{366394CA-2055-4338-75FA-29FAE3468C72}"/>
+              </a:ext>
+            </a:extLst>
+          </p:cNvPr>
+          <p:cNvSpPr txBox="1">
+            <a:spLocks/>
+          </p:cNvSpPr>
+          <p:nvPr/>
+        </p:nvSpPr>
+        <p:spPr>
+          <a:xfrm>
+            <a:off x="6973894" y="1754663"/>
+            <a:ext cx="967879" cy="267998"/>
+          </a:xfrm>
+          <a:prstGeom prst="rect">
+            <a:avLst/>
+          </a:prstGeom>
+        </p:spPr>
+        <p:txBody>
+          <a:bodyPr vert="horz" lIns="91440" tIns="45720" rIns="91440" bIns="45720" rtlCol="0" anchor="ctr">
+            <a:normAutofit/>
+          </a:bodyPr>
+          <a:lstStyle>
+            <a:lvl1pPr algn="l" defTabSz="914400" rtl="0" eaLnBrk="1" latinLnBrk="1" hangingPunct="1">
+              <a:lnSpc>
+                <a:spcPct val="90000"/>
+              </a:lnSpc>
+              <a:spcBef>
+                <a:spcPct val="0"/>
+              </a:spcBef>
+              <a:buNone/>
+              <a:defRPr sz="4400" kern="1200">
+                <a:solidFill>
+                  <a:schemeClr val="tx1"/>
+                </a:solidFill>
+                <a:latin typeface="+mj-lt"/>
+                <a:ea typeface="+mj-ea"/>
+                <a:cs typeface="+mj-cs"/>
+              </a:defRPr>
+            </a:lvl1pPr>
+          </a:lstStyle>
+          <a:p>
+            <a:pPr algn="ctr"/>
+            <a:r>
+              <a:rPr kumimoji="1" lang="en-US" altLang="ko-KR" sz="900" b="1" dirty="0">
+                <a:latin typeface="KoPubWorldDotum Bold" pitchFamily="2" charset="-127"/>
+                <a:ea typeface="KoPubWorldDotum Bold" pitchFamily="2" charset="-127"/>
+                <a:cs typeface="KoPubWorldDotum Bold" pitchFamily="2" charset="-127"/>
+              </a:rPr>
+              <a:t>WAF</a:t>
+            </a:r>
+            <a:endParaRPr kumimoji="1" lang="ko-KR" altLang="en-US" sz="900" b="1" dirty="0">
+              <a:latin typeface="KoPubWorldDotum Bold" pitchFamily="2" charset="-127"/>
+              <a:ea typeface="KoPubWorldDotum Bold" pitchFamily="2" charset="-127"/>
+              <a:cs typeface="KoPubWorldDotum Bold" pitchFamily="2" charset="-127"/>
+            </a:endParaRPr>
+          </a:p>
+        </p:txBody>
+      </p:sp>
+      <p:sp>
+        <p:nvSpPr>
+          <p:cNvPr id="48" name="제목 1">
+            <a:extLst>
+              <a:ext uri="{FF2B5EF4-FFF2-40B4-BE49-F238E27FC236}">
+                <a16:creationId xmlns:a16="http://schemas.microsoft.com/office/drawing/2014/main" id="{6666B4EF-DAA2-18A1-C3FB-6AA06B52EA62}"/>
+              </a:ext>
+            </a:extLst>
+          </p:cNvPr>
+          <p:cNvSpPr txBox="1">
+            <a:spLocks/>
+          </p:cNvSpPr>
+          <p:nvPr/>
+        </p:nvSpPr>
+        <p:spPr>
+          <a:xfrm>
+            <a:off x="5068556" y="4150622"/>
+            <a:ext cx="967879" cy="387771"/>
+          </a:xfrm>
+          <a:prstGeom prst="rect">
+            <a:avLst/>
+          </a:prstGeom>
+        </p:spPr>
+        <p:txBody>
+          <a:bodyPr vert="horz" lIns="91440" tIns="45720" rIns="91440" bIns="45720" rtlCol="0" anchor="ctr">
+            <a:normAutofit/>
+          </a:bodyPr>
+          <a:lstStyle>
+            <a:lvl1pPr algn="l" defTabSz="914400" rtl="0" eaLnBrk="1" latinLnBrk="1" hangingPunct="1">
+              <a:lnSpc>
+                <a:spcPct val="90000"/>
+              </a:lnSpc>
+              <a:spcBef>
+                <a:spcPct val="0"/>
+              </a:spcBef>
+              <a:buNone/>
+              <a:defRPr sz="4400" kern="1200">
+                <a:solidFill>
+                  <a:schemeClr val="tx1"/>
+                </a:solidFill>
+                <a:latin typeface="+mj-lt"/>
+                <a:ea typeface="+mj-ea"/>
+                <a:cs typeface="+mj-cs"/>
+              </a:defRPr>
+            </a:lvl1pPr>
+          </a:lstStyle>
+          <a:p>
+            <a:pPr algn="ctr"/>
+            <a:r>
+              <a:rPr kumimoji="1" lang="en-US" altLang="ko-KR" sz="900" b="1" dirty="0">
+                <a:latin typeface="KoPubWorldDotum Bold" pitchFamily="2" charset="-127"/>
+                <a:ea typeface="KoPubWorldDotum Bold" pitchFamily="2" charset="-127"/>
+                <a:cs typeface="KoPubWorldDotum Bold" pitchFamily="2" charset="-127"/>
+              </a:rPr>
+              <a:t>API Gateway</a:t>
+            </a:r>
+          </a:p>
+          <a:p>
+            <a:pPr algn="ctr"/>
+            <a:r>
+              <a:rPr kumimoji="1" lang="en-US" altLang="ko-KR" sz="900" b="1" dirty="0">
+                <a:latin typeface="KoPubWorldDotum Bold" pitchFamily="2" charset="-127"/>
+                <a:ea typeface="KoPubWorldDotum Bold" pitchFamily="2" charset="-127"/>
+                <a:cs typeface="KoPubWorldDotum Bold" pitchFamily="2" charset="-127"/>
+              </a:rPr>
+              <a:t>(WSS)</a:t>
+            </a:r>
+            <a:endParaRPr kumimoji="1" lang="ko-KR" altLang="en-US" sz="900" b="1" dirty="0">
+              <a:latin typeface="KoPubWorldDotum Bold" pitchFamily="2" charset="-127"/>
+              <a:ea typeface="KoPubWorldDotum Bold" pitchFamily="2" charset="-127"/>
+              <a:cs typeface="KoPubWorldDotum Bold" pitchFamily="2" charset="-127"/>
+            </a:endParaRPr>
+          </a:p>
+        </p:txBody>
+      </p:sp>
+      <p:sp>
+        <p:nvSpPr>
+          <p:cNvPr id="52" name="제목 1">
+            <a:extLst>
+              <a:ext uri="{FF2B5EF4-FFF2-40B4-BE49-F238E27FC236}">
+                <a16:creationId xmlns:a16="http://schemas.microsoft.com/office/drawing/2014/main" id="{E9F17F88-4DCB-803E-4479-A1146811AEB5}"/>
+              </a:ext>
+            </a:extLst>
+          </p:cNvPr>
+          <p:cNvSpPr txBox="1">
+            <a:spLocks/>
+          </p:cNvSpPr>
+          <p:nvPr/>
+        </p:nvSpPr>
+        <p:spPr>
+          <a:xfrm>
+            <a:off x="10903943" y="1780285"/>
+            <a:ext cx="967879" cy="267998"/>
+          </a:xfrm>
+          <a:prstGeom prst="rect">
+            <a:avLst/>
+          </a:prstGeom>
+        </p:spPr>
+        <p:txBody>
+          <a:bodyPr vert="horz" lIns="91440" tIns="45720" rIns="91440" bIns="45720" rtlCol="0" anchor="ctr">
+            <a:normAutofit/>
+          </a:bodyPr>
+          <a:lstStyle>
+            <a:lvl1pPr algn="l" defTabSz="914400" rtl="0" eaLnBrk="1" latinLnBrk="1" hangingPunct="1">
+              <a:lnSpc>
+                <a:spcPct val="90000"/>
+              </a:lnSpc>
+              <a:spcBef>
+                <a:spcPct val="0"/>
+              </a:spcBef>
+              <a:buNone/>
+              <a:defRPr sz="4400" kern="1200">
+                <a:solidFill>
+                  <a:schemeClr val="tx1"/>
+                </a:solidFill>
+                <a:latin typeface="+mj-lt"/>
+                <a:ea typeface="+mj-ea"/>
+                <a:cs typeface="+mj-cs"/>
+              </a:defRPr>
+            </a:lvl1pPr>
+          </a:lstStyle>
+          <a:p>
+            <a:pPr algn="ctr"/>
+            <a:r>
+              <a:rPr kumimoji="1" lang="en-US" altLang="ko-KR" sz="900" b="1" dirty="0" err="1">
+                <a:latin typeface="KoPubWorldDotum Bold" pitchFamily="2" charset="-127"/>
+                <a:ea typeface="KoPubWorldDotum Bold" pitchFamily="2" charset="-127"/>
+                <a:cs typeface="KoPubWorldDotum Bold" pitchFamily="2" charset="-127"/>
+              </a:rPr>
+              <a:t>Cloudwatch</a:t>
+            </a:r>
+            <a:endParaRPr kumimoji="1" lang="ko-KR" altLang="en-US" sz="900" b="1" dirty="0">
+              <a:latin typeface="KoPubWorldDotum Bold" pitchFamily="2" charset="-127"/>
+              <a:ea typeface="KoPubWorldDotum Bold" pitchFamily="2" charset="-127"/>
+              <a:cs typeface="KoPubWorldDotum Bold" pitchFamily="2" charset="-127"/>
+            </a:endParaRPr>
+          </a:p>
+        </p:txBody>
+      </p:sp>
+      <p:pic>
+        <p:nvPicPr>
+          <p:cNvPr id="53" name="그림 52">
+            <a:extLst>
+              <a:ext uri="{FF2B5EF4-FFF2-40B4-BE49-F238E27FC236}">
+                <a16:creationId xmlns:a16="http://schemas.microsoft.com/office/drawing/2014/main" id="{2553ADDA-AB0D-A775-5972-34D82429DC78}"/>
+              </a:ext>
+            </a:extLst>
+          </p:cNvPr>
+          <p:cNvPicPr>
+            <a:picLocks noChangeAspect="1"/>
+          </p:cNvPicPr>
+          <p:nvPr/>
+        </p:nvPicPr>
+        <p:blipFill>
+          <a:blip r:embed="rId14">
+            <a:alphaModFix/>
+          </a:blip>
+          <a:stretch>
+            <a:fillRect/>
+          </a:stretch>
+        </p:blipFill>
+        <p:spPr>
+          <a:xfrm>
+            <a:off x="7226763" y="388567"/>
+            <a:ext cx="462143" cy="462143"/>
+          </a:xfrm>
+          <a:prstGeom prst="rect">
+            <a:avLst/>
+          </a:prstGeom>
+        </p:spPr>
+      </p:pic>
+      <p:sp>
+        <p:nvSpPr>
+          <p:cNvPr id="59" name="제목 1">
+            <a:extLst>
+              <a:ext uri="{FF2B5EF4-FFF2-40B4-BE49-F238E27FC236}">
+                <a16:creationId xmlns:a16="http://schemas.microsoft.com/office/drawing/2014/main" id="{136BCF7D-BE45-1249-0A36-AE08D869C09D}"/>
+              </a:ext>
+            </a:extLst>
+          </p:cNvPr>
+          <p:cNvSpPr txBox="1">
+            <a:spLocks/>
+          </p:cNvSpPr>
+          <p:nvPr/>
+        </p:nvSpPr>
+        <p:spPr>
+          <a:xfrm>
+            <a:off x="7098815" y="890302"/>
+            <a:ext cx="739201" cy="267998"/>
+          </a:xfrm>
+          <a:prstGeom prst="rect">
+            <a:avLst/>
+          </a:prstGeom>
+        </p:spPr>
+        <p:txBody>
+          <a:bodyPr vert="horz" lIns="91440" tIns="45720" rIns="91440" bIns="45720" rtlCol="0" anchor="ctr">
+            <a:normAutofit/>
+          </a:bodyPr>
+          <a:lstStyle>
+            <a:lvl1pPr algn="l" defTabSz="914400" rtl="0" eaLnBrk="1" latinLnBrk="1" hangingPunct="1">
+              <a:lnSpc>
+                <a:spcPct val="90000"/>
+              </a:lnSpc>
+              <a:spcBef>
+                <a:spcPct val="0"/>
+              </a:spcBef>
+              <a:buNone/>
+              <a:defRPr sz="4400" kern="1200">
+                <a:solidFill>
+                  <a:schemeClr val="tx1"/>
+                </a:solidFill>
+                <a:latin typeface="+mj-lt"/>
+                <a:ea typeface="+mj-ea"/>
+                <a:cs typeface="+mj-cs"/>
+              </a:defRPr>
+            </a:lvl1pPr>
+          </a:lstStyle>
+          <a:p>
+            <a:pPr algn="ctr"/>
+            <a:r>
+              <a:rPr kumimoji="1" lang="en-US" altLang="ko-KR" sz="900" b="1" dirty="0">
+                <a:latin typeface="KoPubWorldDotum Bold" pitchFamily="2" charset="-127"/>
+                <a:ea typeface="KoPubWorldDotum Bold" pitchFamily="2" charset="-127"/>
+                <a:cs typeface="KoPubWorldDotum Bold" pitchFamily="2" charset="-127"/>
+              </a:rPr>
+              <a:t>Cognito</a:t>
+            </a:r>
+            <a:endParaRPr kumimoji="1" lang="ko-KR" altLang="en-US" sz="900" b="1" dirty="0">
+              <a:latin typeface="KoPubWorldDotum Bold" pitchFamily="2" charset="-127"/>
+              <a:ea typeface="KoPubWorldDotum Bold" pitchFamily="2" charset="-127"/>
+              <a:cs typeface="KoPubWorldDotum Bold" pitchFamily="2" charset="-127"/>
+            </a:endParaRPr>
+          </a:p>
+        </p:txBody>
+      </p:sp>
+      <p:sp>
+        <p:nvSpPr>
+          <p:cNvPr id="1043" name="직사각형 1042">
+            <a:extLst>
+              <a:ext uri="{FF2B5EF4-FFF2-40B4-BE49-F238E27FC236}">
+                <a16:creationId xmlns:a16="http://schemas.microsoft.com/office/drawing/2014/main" id="{11BEF97D-88AF-EEA9-C1B8-93C0D79DF3E2}"/>
+              </a:ext>
+            </a:extLst>
+          </p:cNvPr>
+          <p:cNvSpPr/>
+          <p:nvPr/>
+        </p:nvSpPr>
+        <p:spPr>
+          <a:xfrm>
+            <a:off x="6698433" y="3467678"/>
+            <a:ext cx="1503655" cy="2158904"/>
+          </a:xfrm>
+          <a:prstGeom prst="rect">
+            <a:avLst/>
+          </a:prstGeom>
+          <a:noFill/>
+          <a:ln>
+            <a:solidFill>
+              <a:srgbClr val="000000"/>
+            </a:solidFill>
+            <a:prstDash val="sysDash"/>
+          </a:ln>
+        </p:spPr>
+        <p:style>
+          <a:lnRef idx="2">
+            <a:schemeClr val="accent1">
+              <a:shade val="15000"/>
+            </a:schemeClr>
+          </a:lnRef>
+          <a:fillRef idx="1">
+            <a:schemeClr val="accent1"/>
+          </a:fillRef>
+          <a:effectRef idx="0">
+            <a:schemeClr val="accent1"/>
+          </a:effectRef>
+          <a:fontRef idx="minor">
+            <a:schemeClr val="lt1"/>
+          </a:fontRef>
+        </p:style>
+        <p:txBody>
+          <a:bodyPr rtlCol="0" anchor="ctr"/>
+          <a:lstStyle/>
+          <a:p>
+            <a:pPr algn="ctr"/>
+            <a:endParaRPr kumimoji="1" lang="ko-KR" altLang="en-US" sz="900"/>
+          </a:p>
+        </p:txBody>
+      </p:sp>
+      <p:pic>
+        <p:nvPicPr>
+          <p:cNvPr id="15" name="그림 14">
+            <a:extLst>
+              <a:ext uri="{FF2B5EF4-FFF2-40B4-BE49-F238E27FC236}">
+                <a16:creationId xmlns:a16="http://schemas.microsoft.com/office/drawing/2014/main" id="{1ABC9D3B-CFA7-E166-CF7C-86924353DAE6}"/>
+              </a:ext>
+            </a:extLst>
+          </p:cNvPr>
+          <p:cNvPicPr>
+            <a:picLocks noChangeAspect="1"/>
+          </p:cNvPicPr>
+          <p:nvPr/>
+        </p:nvPicPr>
+        <p:blipFill>
+          <a:blip r:embed="rId15"/>
+          <a:stretch>
+            <a:fillRect/>
+          </a:stretch>
+        </p:blipFill>
+        <p:spPr>
+          <a:xfrm>
+            <a:off x="7220461" y="5383131"/>
+            <a:ext cx="462142" cy="462142"/>
+          </a:xfrm>
+          <a:prstGeom prst="rect">
+            <a:avLst/>
+          </a:prstGeom>
+        </p:spPr>
+      </p:pic>
+      <p:sp>
+        <p:nvSpPr>
+          <p:cNvPr id="1052" name="처리 1051">
+            <a:extLst>
+              <a:ext uri="{FF2B5EF4-FFF2-40B4-BE49-F238E27FC236}">
+                <a16:creationId xmlns:a16="http://schemas.microsoft.com/office/drawing/2014/main" id="{2B3FAD64-4705-E1C2-42FE-94B44868B7B4}"/>
+              </a:ext>
+            </a:extLst>
+          </p:cNvPr>
+          <p:cNvSpPr/>
+          <p:nvPr/>
+        </p:nvSpPr>
+        <p:spPr>
+          <a:xfrm>
+            <a:off x="6857688" y="3586972"/>
+            <a:ext cx="1203109" cy="243942"/>
+          </a:xfrm>
+          <a:prstGeom prst="flowChartProcess">
+            <a:avLst/>
+          </a:prstGeom>
+          <a:solidFill>
+            <a:schemeClr val="accent1"/>
+          </a:solidFill>
+          <a:ln>
+            <a:noFill/>
+          </a:ln>
+        </p:spPr>
+        <p:style>
+          <a:lnRef idx="2">
+            <a:schemeClr val="accent1">
+              <a:shade val="15000"/>
+            </a:schemeClr>
+          </a:lnRef>
+          <a:fillRef idx="1">
+            <a:schemeClr val="accent1"/>
+          </a:fillRef>
+          <a:effectRef idx="0">
+            <a:schemeClr val="accent1"/>
+          </a:effectRef>
+          <a:fontRef idx="minor">
+            <a:schemeClr val="lt1"/>
+          </a:fontRef>
+        </p:style>
+        <p:txBody>
+          <a:bodyPr rtlCol="0" anchor="ctr"/>
+          <a:lstStyle/>
+          <a:p>
+            <a:pPr algn="ctr"/>
+            <a:r>
+              <a:rPr kumimoji="1" lang="en-US" altLang="ko-KR" sz="900" b="1" dirty="0" err="1">
+                <a:latin typeface="KoPubWorldDotum Bold" pitchFamily="2" charset="-127"/>
+                <a:ea typeface="KoPubWorldDotum Bold" pitchFamily="2" charset="-127"/>
+                <a:cs typeface="KoPubWorldDotum Bold" pitchFamily="2" charset="-127"/>
+              </a:rPr>
+              <a:t>Connect.py</a:t>
+            </a:r>
+            <a:endParaRPr kumimoji="1" lang="ko-KR" altLang="en-US" sz="900" b="1" dirty="0">
+              <a:latin typeface="KoPubWorldDotum Bold" pitchFamily="2" charset="-127"/>
+              <a:ea typeface="KoPubWorldDotum Bold" pitchFamily="2" charset="-127"/>
+              <a:cs typeface="KoPubWorldDotum Bold" pitchFamily="2" charset="-127"/>
+            </a:endParaRPr>
+          </a:p>
+        </p:txBody>
+      </p:sp>
+      <p:sp>
+        <p:nvSpPr>
+          <p:cNvPr id="1053" name="처리 1052">
+            <a:extLst>
+              <a:ext uri="{FF2B5EF4-FFF2-40B4-BE49-F238E27FC236}">
+                <a16:creationId xmlns:a16="http://schemas.microsoft.com/office/drawing/2014/main" id="{A45DEA1D-9009-4C1F-77FF-51C1DCDF71ED}"/>
+              </a:ext>
+            </a:extLst>
+          </p:cNvPr>
+          <p:cNvSpPr/>
+          <p:nvPr/>
+        </p:nvSpPr>
+        <p:spPr>
+          <a:xfrm>
+            <a:off x="6857688" y="3846938"/>
+            <a:ext cx="1203109" cy="243942"/>
+          </a:xfrm>
+          <a:prstGeom prst="flowChartProcess">
+            <a:avLst/>
+          </a:prstGeom>
+          <a:solidFill>
+            <a:schemeClr val="accent1"/>
+          </a:solidFill>
+          <a:ln>
+            <a:noFill/>
+          </a:ln>
+        </p:spPr>
+        <p:style>
+          <a:lnRef idx="2">
+            <a:schemeClr val="accent1">
+              <a:shade val="15000"/>
+            </a:schemeClr>
+          </a:lnRef>
+          <a:fillRef idx="1">
+            <a:schemeClr val="accent1"/>
+          </a:fillRef>
+          <a:effectRef idx="0">
+            <a:schemeClr val="accent1"/>
+          </a:effectRef>
+          <a:fontRef idx="minor">
+            <a:schemeClr val="lt1"/>
+          </a:fontRef>
+        </p:style>
+        <p:txBody>
+          <a:bodyPr rtlCol="0" anchor="ctr"/>
+          <a:lstStyle/>
+          <a:p>
+            <a:pPr algn="ctr"/>
+            <a:r>
+              <a:rPr kumimoji="1" lang="en-US" altLang="ko-KR" sz="900" b="1" dirty="0" err="1">
+                <a:latin typeface="KoPubWorldDotum Bold" pitchFamily="2" charset="-127"/>
+                <a:ea typeface="KoPubWorldDotum Bold" pitchFamily="2" charset="-127"/>
+                <a:cs typeface="KoPubWorldDotum Bold" pitchFamily="2" charset="-127"/>
+              </a:rPr>
+              <a:t>SendMsg.py</a:t>
+            </a:r>
+            <a:endParaRPr kumimoji="1" lang="ko-KR" altLang="en-US" sz="900" b="1" dirty="0">
+              <a:latin typeface="KoPubWorldDotum Bold" pitchFamily="2" charset="-127"/>
+              <a:ea typeface="KoPubWorldDotum Bold" pitchFamily="2" charset="-127"/>
+              <a:cs typeface="KoPubWorldDotum Bold" pitchFamily="2" charset="-127"/>
+            </a:endParaRPr>
+          </a:p>
+        </p:txBody>
+      </p:sp>
+      <p:sp>
+        <p:nvSpPr>
+          <p:cNvPr id="1054" name="처리 1053">
+            <a:extLst>
+              <a:ext uri="{FF2B5EF4-FFF2-40B4-BE49-F238E27FC236}">
+                <a16:creationId xmlns:a16="http://schemas.microsoft.com/office/drawing/2014/main" id="{3D678DE6-EA83-F61A-84F9-F9C57880A466}"/>
+              </a:ext>
+            </a:extLst>
+          </p:cNvPr>
+          <p:cNvSpPr/>
+          <p:nvPr/>
+        </p:nvSpPr>
+        <p:spPr>
+          <a:xfrm>
+            <a:off x="6857688" y="4109766"/>
+            <a:ext cx="1203109" cy="243942"/>
+          </a:xfrm>
+          <a:prstGeom prst="flowChartProcess">
+            <a:avLst/>
+          </a:prstGeom>
+          <a:solidFill>
+            <a:schemeClr val="accent1"/>
+          </a:solidFill>
+          <a:ln>
+            <a:noFill/>
+          </a:ln>
+        </p:spPr>
+        <p:style>
+          <a:lnRef idx="2">
+            <a:schemeClr val="accent1">
+              <a:shade val="15000"/>
+            </a:schemeClr>
+          </a:lnRef>
+          <a:fillRef idx="1">
+            <a:schemeClr val="accent1"/>
+          </a:fillRef>
+          <a:effectRef idx="0">
+            <a:schemeClr val="accent1"/>
+          </a:effectRef>
+          <a:fontRef idx="minor">
+            <a:schemeClr val="lt1"/>
+          </a:fontRef>
+        </p:style>
+        <p:txBody>
+          <a:bodyPr rtlCol="0" anchor="ctr"/>
+          <a:lstStyle/>
+          <a:p>
+            <a:pPr algn="ctr"/>
+            <a:r>
+              <a:rPr kumimoji="1" lang="en-US" altLang="ko-KR" sz="900" b="1" dirty="0" err="1">
+                <a:latin typeface="KoPubWorldDotum Bold" pitchFamily="2" charset="-127"/>
+                <a:ea typeface="KoPubWorldDotum Bold" pitchFamily="2" charset="-127"/>
+                <a:cs typeface="KoPubWorldDotum Bold" pitchFamily="2" charset="-127"/>
+              </a:rPr>
+              <a:t>Disconnect.py</a:t>
+            </a:r>
+            <a:endParaRPr kumimoji="1" lang="ko-KR" altLang="en-US" sz="900" b="1" dirty="0">
+              <a:latin typeface="KoPubWorldDotum Bold" pitchFamily="2" charset="-127"/>
+              <a:ea typeface="KoPubWorldDotum Bold" pitchFamily="2" charset="-127"/>
+              <a:cs typeface="KoPubWorldDotum Bold" pitchFamily="2" charset="-127"/>
+            </a:endParaRPr>
+          </a:p>
+        </p:txBody>
+      </p:sp>
+      <p:cxnSp>
+        <p:nvCxnSpPr>
+          <p:cNvPr id="1089" name="직선 화살표 연결선 1088">
+            <a:extLst>
+              <a:ext uri="{FF2B5EF4-FFF2-40B4-BE49-F238E27FC236}">
+                <a16:creationId xmlns:a16="http://schemas.microsoft.com/office/drawing/2014/main" id="{E3317280-D50E-F500-87BA-9D60DB1CFD51}"/>
+              </a:ext>
+            </a:extLst>
+          </p:cNvPr>
+          <p:cNvCxnSpPr>
+            <a:cxnSpLocks/>
+            <a:stCxn id="45" idx="1"/>
+            <a:endCxn id="39" idx="3"/>
+          </p:cNvCxnSpPr>
+          <p:nvPr/>
+        </p:nvCxnSpPr>
+        <p:spPr>
+          <a:xfrm flipH="1">
+            <a:off x="1697816" y="634244"/>
+            <a:ext cx="553862" cy="0"/>
+          </a:xfrm>
+          <a:prstGeom prst="straightConnector1">
+            <a:avLst/>
+          </a:prstGeom>
+          <a:ln>
+            <a:headEnd type="none" w="med" len="med"/>
+            <a:tailEnd type="none" w="med" len="med"/>
+          </a:ln>
+        </p:spPr>
+        <p:style>
+          <a:lnRef idx="2">
+            <a:schemeClr val="accent1"/>
+          </a:lnRef>
+          <a:fillRef idx="0">
+            <a:schemeClr val="accent1"/>
+          </a:fillRef>
+          <a:effectRef idx="1">
+            <a:schemeClr val="accent1"/>
+          </a:effectRef>
+          <a:fontRef idx="minor">
+            <a:schemeClr val="tx1"/>
+          </a:fontRef>
+        </p:style>
+      </p:cxnSp>
+      <p:sp>
+        <p:nvSpPr>
+          <p:cNvPr id="27" name="처리 26">
+            <a:extLst>
+              <a:ext uri="{FF2B5EF4-FFF2-40B4-BE49-F238E27FC236}">
+                <a16:creationId xmlns:a16="http://schemas.microsoft.com/office/drawing/2014/main" id="{41D280D9-B8CD-0FB8-80CF-5B2A085A4A8E}"/>
+              </a:ext>
+            </a:extLst>
+          </p:cNvPr>
+          <p:cNvSpPr/>
+          <p:nvPr/>
+        </p:nvSpPr>
+        <p:spPr>
+          <a:xfrm>
+            <a:off x="3140370" y="305921"/>
+            <a:ext cx="1203109" cy="656646"/>
+          </a:xfrm>
+          <a:prstGeom prst="flowChartProcess">
+            <a:avLst/>
+          </a:prstGeom>
+          <a:solidFill>
+            <a:schemeClr val="accent1"/>
+          </a:solidFill>
+          <a:ln>
+            <a:noFill/>
+          </a:ln>
+        </p:spPr>
+        <p:style>
+          <a:lnRef idx="2">
+            <a:schemeClr val="accent1">
+              <a:shade val="15000"/>
+            </a:schemeClr>
+          </a:lnRef>
+          <a:fillRef idx="1">
+            <a:schemeClr val="accent1"/>
+          </a:fillRef>
+          <a:effectRef idx="0">
+            <a:schemeClr val="accent1"/>
+          </a:effectRef>
+          <a:fontRef idx="minor">
+            <a:schemeClr val="lt1"/>
+          </a:fontRef>
+        </p:style>
+        <p:txBody>
+          <a:bodyPr rtlCol="0" anchor="ctr"/>
+          <a:lstStyle/>
+          <a:p>
+            <a:pPr algn="ctr"/>
+            <a:r>
+              <a:rPr kumimoji="1" lang="en-US" altLang="ko-KR" sz="900" b="1" dirty="0">
+                <a:latin typeface="KoPubWorldDotum Bold" pitchFamily="2" charset="-127"/>
+                <a:ea typeface="KoPubWorldDotum Bold" pitchFamily="2" charset="-127"/>
+                <a:cs typeface="KoPubWorldDotum Bold" pitchFamily="2" charset="-127"/>
+              </a:rPr>
+              <a:t>Login - TBD</a:t>
+            </a:r>
+            <a:endParaRPr kumimoji="1" lang="ko-KR" altLang="en-US" sz="900" b="1" dirty="0">
+              <a:latin typeface="KoPubWorldDotum Bold" pitchFamily="2" charset="-127"/>
+              <a:ea typeface="KoPubWorldDotum Bold" pitchFamily="2" charset="-127"/>
+              <a:cs typeface="KoPubWorldDotum Bold" pitchFamily="2" charset="-127"/>
+            </a:endParaRPr>
+          </a:p>
+        </p:txBody>
+      </p:sp>
+      <p:pic>
+        <p:nvPicPr>
+          <p:cNvPr id="54" name="그림 53">
+            <a:extLst>
+              <a:ext uri="{FF2B5EF4-FFF2-40B4-BE49-F238E27FC236}">
+                <a16:creationId xmlns:a16="http://schemas.microsoft.com/office/drawing/2014/main" id="{35E89B8B-EE29-D4D2-630A-2DA6FAC45DBD}"/>
+              </a:ext>
+            </a:extLst>
+          </p:cNvPr>
+          <p:cNvPicPr>
+            <a:picLocks noChangeAspect="1"/>
+          </p:cNvPicPr>
+          <p:nvPr/>
+        </p:nvPicPr>
+        <p:blipFill>
+          <a:blip r:embed="rId7"/>
+          <a:stretch>
+            <a:fillRect/>
+          </a:stretch>
+        </p:blipFill>
+        <p:spPr>
+          <a:xfrm>
+            <a:off x="5311399" y="401126"/>
+            <a:ext cx="461326" cy="461326"/>
+          </a:xfrm>
+          <a:prstGeom prst="rect">
+            <a:avLst/>
+          </a:prstGeom>
+        </p:spPr>
+      </p:pic>
+      <p:sp>
+        <p:nvSpPr>
+          <p:cNvPr id="56" name="제목 1">
+            <a:extLst>
+              <a:ext uri="{FF2B5EF4-FFF2-40B4-BE49-F238E27FC236}">
+                <a16:creationId xmlns:a16="http://schemas.microsoft.com/office/drawing/2014/main" id="{930CA60A-48EA-5A43-AC7B-5435E9FED87B}"/>
+              </a:ext>
+            </a:extLst>
+          </p:cNvPr>
+          <p:cNvSpPr txBox="1">
+            <a:spLocks/>
+          </p:cNvSpPr>
+          <p:nvPr/>
+        </p:nvSpPr>
+        <p:spPr>
+          <a:xfrm>
+            <a:off x="5067319" y="839028"/>
+            <a:ext cx="967879" cy="461326"/>
+          </a:xfrm>
+          <a:prstGeom prst="rect">
+            <a:avLst/>
+          </a:prstGeom>
+        </p:spPr>
+        <p:txBody>
+          <a:bodyPr vert="horz" lIns="91440" tIns="45720" rIns="91440" bIns="45720" rtlCol="0" anchor="ctr">
+            <a:normAutofit/>
+          </a:bodyPr>
+          <a:lstStyle>
+            <a:lvl1pPr algn="l" defTabSz="914400" rtl="0" eaLnBrk="1" latinLnBrk="1" hangingPunct="1">
+              <a:lnSpc>
+                <a:spcPct val="90000"/>
+              </a:lnSpc>
+              <a:spcBef>
+                <a:spcPct val="0"/>
+              </a:spcBef>
+              <a:buNone/>
+              <a:defRPr sz="4400" kern="1200">
+                <a:solidFill>
+                  <a:schemeClr val="tx1"/>
+                </a:solidFill>
+                <a:latin typeface="+mj-lt"/>
+                <a:ea typeface="+mj-ea"/>
+                <a:cs typeface="+mj-cs"/>
+              </a:defRPr>
+            </a:lvl1pPr>
+          </a:lstStyle>
+          <a:p>
+            <a:pPr algn="ctr"/>
+            <a:r>
+              <a:rPr kumimoji="1" lang="en-US" altLang="ko-KR" sz="900" b="1" dirty="0">
+                <a:latin typeface="KoPubWorldDotum Bold" pitchFamily="2" charset="-127"/>
+                <a:ea typeface="KoPubWorldDotum Bold" pitchFamily="2" charset="-127"/>
+                <a:cs typeface="KoPubWorldDotum Bold" pitchFamily="2" charset="-127"/>
+              </a:rPr>
+              <a:t>API Gateway</a:t>
+            </a:r>
+          </a:p>
+          <a:p>
+            <a:pPr algn="ctr"/>
+            <a:r>
+              <a:rPr kumimoji="1" lang="en-US" altLang="ko-KR" sz="900" b="1" dirty="0">
+                <a:latin typeface="KoPubWorldDotum Bold" pitchFamily="2" charset="-127"/>
+                <a:ea typeface="KoPubWorldDotum Bold" pitchFamily="2" charset="-127"/>
+                <a:cs typeface="KoPubWorldDotum Bold" pitchFamily="2" charset="-127"/>
+              </a:rPr>
+              <a:t>(http)</a:t>
+            </a:r>
+            <a:endParaRPr kumimoji="1" lang="ko-KR" altLang="en-US" sz="900" b="1" dirty="0">
+              <a:latin typeface="KoPubWorldDotum Bold" pitchFamily="2" charset="-127"/>
+              <a:ea typeface="KoPubWorldDotum Bold" pitchFamily="2" charset="-127"/>
+              <a:cs typeface="KoPubWorldDotum Bold" pitchFamily="2" charset="-127"/>
+            </a:endParaRPr>
+          </a:p>
+        </p:txBody>
+      </p:sp>
+      <p:pic>
+        <p:nvPicPr>
+          <p:cNvPr id="57" name="그림 56">
+            <a:extLst>
+              <a:ext uri="{FF2B5EF4-FFF2-40B4-BE49-F238E27FC236}">
+                <a16:creationId xmlns:a16="http://schemas.microsoft.com/office/drawing/2014/main" id="{00CE3C54-93F1-5BBE-9276-476AB4993BB0}"/>
+              </a:ext>
+            </a:extLst>
+          </p:cNvPr>
+          <p:cNvPicPr>
+            <a:picLocks noChangeAspect="1"/>
+          </p:cNvPicPr>
+          <p:nvPr/>
+        </p:nvPicPr>
+        <p:blipFill>
+          <a:blip r:embed="rId7"/>
+          <a:stretch>
+            <a:fillRect/>
+          </a:stretch>
+        </p:blipFill>
+        <p:spPr>
+          <a:xfrm>
+            <a:off x="5345224" y="4699196"/>
+            <a:ext cx="461326" cy="461326"/>
+          </a:xfrm>
+          <a:prstGeom prst="rect">
+            <a:avLst/>
+          </a:prstGeom>
+        </p:spPr>
+      </p:pic>
+      <p:sp>
+        <p:nvSpPr>
+          <p:cNvPr id="58" name="제목 1">
+            <a:extLst>
+              <a:ext uri="{FF2B5EF4-FFF2-40B4-BE49-F238E27FC236}">
+                <a16:creationId xmlns:a16="http://schemas.microsoft.com/office/drawing/2014/main" id="{454AAD7C-6AE8-FD86-81B3-FB5018671B41}"/>
+              </a:ext>
+            </a:extLst>
+          </p:cNvPr>
+          <p:cNvSpPr txBox="1">
+            <a:spLocks/>
+          </p:cNvSpPr>
+          <p:nvPr/>
+        </p:nvSpPr>
+        <p:spPr>
+          <a:xfrm>
+            <a:off x="5068556" y="5190366"/>
+            <a:ext cx="967879" cy="387771"/>
+          </a:xfrm>
+          <a:prstGeom prst="rect">
+            <a:avLst/>
+          </a:prstGeom>
+        </p:spPr>
+        <p:txBody>
+          <a:bodyPr vert="horz" lIns="91440" tIns="45720" rIns="91440" bIns="45720" rtlCol="0" anchor="ctr">
+            <a:normAutofit/>
+          </a:bodyPr>
+          <a:lstStyle>
+            <a:lvl1pPr algn="l" defTabSz="914400" rtl="0" eaLnBrk="1" latinLnBrk="1" hangingPunct="1">
+              <a:lnSpc>
+                <a:spcPct val="90000"/>
+              </a:lnSpc>
+              <a:spcBef>
+                <a:spcPct val="0"/>
+              </a:spcBef>
+              <a:buNone/>
+              <a:defRPr sz="4400" kern="1200">
+                <a:solidFill>
+                  <a:schemeClr val="tx1"/>
+                </a:solidFill>
+                <a:latin typeface="+mj-lt"/>
+                <a:ea typeface="+mj-ea"/>
+                <a:cs typeface="+mj-cs"/>
+              </a:defRPr>
+            </a:lvl1pPr>
+          </a:lstStyle>
+          <a:p>
+            <a:pPr algn="ctr"/>
+            <a:r>
+              <a:rPr kumimoji="1" lang="en-US" altLang="ko-KR" sz="900" b="1" dirty="0">
+                <a:latin typeface="KoPubWorldDotum Bold" pitchFamily="2" charset="-127"/>
+                <a:ea typeface="KoPubWorldDotum Bold" pitchFamily="2" charset="-127"/>
+                <a:cs typeface="KoPubWorldDotum Bold" pitchFamily="2" charset="-127"/>
+              </a:rPr>
+              <a:t>API Gateway</a:t>
+            </a:r>
+          </a:p>
+          <a:p>
+            <a:pPr algn="ctr"/>
+            <a:r>
+              <a:rPr kumimoji="1" lang="en-US" altLang="ko-KR" sz="900" b="1" dirty="0">
+                <a:latin typeface="KoPubWorldDotum Bold" pitchFamily="2" charset="-127"/>
+                <a:ea typeface="KoPubWorldDotum Bold" pitchFamily="2" charset="-127"/>
+                <a:cs typeface="KoPubWorldDotum Bold" pitchFamily="2" charset="-127"/>
+              </a:rPr>
+              <a:t>(REST)</a:t>
+            </a:r>
+            <a:endParaRPr kumimoji="1" lang="ko-KR" altLang="en-US" sz="900" b="1" dirty="0">
+              <a:latin typeface="KoPubWorldDotum Bold" pitchFamily="2" charset="-127"/>
+              <a:ea typeface="KoPubWorldDotum Bold" pitchFamily="2" charset="-127"/>
+              <a:cs typeface="KoPubWorldDotum Bold" pitchFamily="2" charset="-127"/>
+            </a:endParaRPr>
+          </a:p>
+        </p:txBody>
+      </p:sp>
+      <p:pic>
+        <p:nvPicPr>
+          <p:cNvPr id="1028" name="Picture 2" descr="JavaScript | Kakao Developers 문서">
+            <a:extLst>
+              <a:ext uri="{FF2B5EF4-FFF2-40B4-BE49-F238E27FC236}">
+                <a16:creationId xmlns:a16="http://schemas.microsoft.com/office/drawing/2014/main" id="{61689886-B4CA-0B2E-7E58-76390717B1B6}"/>
+              </a:ext>
+            </a:extLst>
+          </p:cNvPr>
+          <p:cNvPicPr>
+            <a:picLocks noChangeAspect="1" noChangeArrowheads="1"/>
+          </p:cNvPicPr>
+          <p:nvPr/>
+        </p:nvPicPr>
+        <p:blipFill rotWithShape="1">
+          <a:blip r:embed="rId16">
+            <a:extLst>
+              <a:ext uri="{28A0092B-C50C-407E-A947-70E740481C1C}">
+                <a14:useLocalDpi xmlns:a14="http://schemas.microsoft.com/office/drawing/2010/main" val="0"/>
+              </a:ext>
+            </a:extLst>
+          </a:blip>
+          <a:srcRect l="35001" t="35938" r="20859" b="37167"/>
+          <a:stretch/>
+        </p:blipFill>
+        <p:spPr bwMode="auto">
+          <a:xfrm>
+            <a:off x="8977656" y="463551"/>
+            <a:ext cx="649591" cy="333312"/>
+          </a:xfrm>
+          <a:prstGeom prst="rect">
+            <a:avLst/>
+          </a:prstGeom>
+          <a:noFill/>
+          <a:extLst>
+            <a:ext uri="{909E8E84-426E-40DD-AFC4-6F175D3DCCD1}">
+              <a14:hiddenFill xmlns:a14="http://schemas.microsoft.com/office/drawing/2010/main">
+                <a:solidFill>
+                  <a:srgbClr val="FFFFFF"/>
+                </a:solidFill>
+              </a14:hiddenFill>
+            </a:ext>
+          </a:extLst>
+        </p:spPr>
+      </p:pic>
+      <p:cxnSp>
+        <p:nvCxnSpPr>
+          <p:cNvPr id="1029" name="직선 화살표 연결선 1028">
+            <a:extLst>
+              <a:ext uri="{FF2B5EF4-FFF2-40B4-BE49-F238E27FC236}">
+                <a16:creationId xmlns:a16="http://schemas.microsoft.com/office/drawing/2014/main" id="{2289ADC0-8153-C4A0-F4DC-BB74F791A427}"/>
+              </a:ext>
+            </a:extLst>
+          </p:cNvPr>
+          <p:cNvCxnSpPr>
+            <a:cxnSpLocks/>
+            <a:stCxn id="27" idx="1"/>
+            <a:endCxn id="45" idx="3"/>
+          </p:cNvCxnSpPr>
+          <p:nvPr/>
+        </p:nvCxnSpPr>
+        <p:spPr>
+          <a:xfrm flipH="1">
+            <a:off x="2721078" y="634244"/>
+            <a:ext cx="419292" cy="0"/>
+          </a:xfrm>
+          <a:prstGeom prst="straightConnector1">
+            <a:avLst/>
+          </a:prstGeom>
+          <a:ln>
+            <a:headEnd type="none" w="med" len="med"/>
+            <a:tailEnd type="none" w="med" len="med"/>
+          </a:ln>
+        </p:spPr>
+        <p:style>
+          <a:lnRef idx="2">
+            <a:schemeClr val="accent1"/>
+          </a:lnRef>
+          <a:fillRef idx="0">
+            <a:schemeClr val="accent1"/>
+          </a:fillRef>
+          <a:effectRef idx="1">
+            <a:schemeClr val="accent1"/>
+          </a:effectRef>
+          <a:fontRef idx="minor">
+            <a:schemeClr val="tx1"/>
+          </a:fontRef>
+        </p:style>
+      </p:cxnSp>
+      <p:cxnSp>
+        <p:nvCxnSpPr>
+          <p:cNvPr id="1033" name="직선 화살표 연결선 1032">
+            <a:extLst>
+              <a:ext uri="{FF2B5EF4-FFF2-40B4-BE49-F238E27FC236}">
+                <a16:creationId xmlns:a16="http://schemas.microsoft.com/office/drawing/2014/main" id="{76AD7131-7A4A-7DE2-AB41-93F8B25691CA}"/>
+              </a:ext>
+            </a:extLst>
+          </p:cNvPr>
+          <p:cNvCxnSpPr>
+            <a:cxnSpLocks/>
+            <a:stCxn id="54" idx="1"/>
+            <a:endCxn id="27" idx="3"/>
+          </p:cNvCxnSpPr>
+          <p:nvPr/>
+        </p:nvCxnSpPr>
+        <p:spPr>
+          <a:xfrm flipH="1">
+            <a:off x="4343479" y="631789"/>
+            <a:ext cx="967920" cy="2455"/>
+          </a:xfrm>
+          <a:prstGeom prst="straightConnector1">
+            <a:avLst/>
+          </a:prstGeom>
+          <a:ln>
+            <a:headEnd type="none" w="med" len="med"/>
+            <a:tailEnd type="none" w="med" len="med"/>
+          </a:ln>
+        </p:spPr>
+        <p:style>
+          <a:lnRef idx="2">
+            <a:schemeClr val="accent1"/>
+          </a:lnRef>
+          <a:fillRef idx="0">
+            <a:schemeClr val="accent1"/>
+          </a:fillRef>
+          <a:effectRef idx="1">
+            <a:schemeClr val="accent1"/>
+          </a:effectRef>
+          <a:fontRef idx="minor">
+            <a:schemeClr val="tx1"/>
+          </a:fontRef>
+        </p:style>
+      </p:cxnSp>
+      <p:cxnSp>
+        <p:nvCxnSpPr>
+          <p:cNvPr id="1037" name="직선 화살표 연결선 1036">
+            <a:extLst>
+              <a:ext uri="{FF2B5EF4-FFF2-40B4-BE49-F238E27FC236}">
+                <a16:creationId xmlns:a16="http://schemas.microsoft.com/office/drawing/2014/main" id="{377287A8-2E6B-8C5B-3969-5AFE81FF55D6}"/>
+              </a:ext>
+            </a:extLst>
+          </p:cNvPr>
+          <p:cNvCxnSpPr>
+            <a:cxnSpLocks/>
+            <a:stCxn id="53" idx="1"/>
+            <a:endCxn id="54" idx="3"/>
+          </p:cNvCxnSpPr>
+          <p:nvPr/>
+        </p:nvCxnSpPr>
+        <p:spPr>
+          <a:xfrm flipH="1">
+            <a:off x="5772725" y="619639"/>
+            <a:ext cx="1454038" cy="12150"/>
+          </a:xfrm>
+          <a:prstGeom prst="straightConnector1">
+            <a:avLst/>
+          </a:prstGeom>
+          <a:ln>
+            <a:headEnd type="none" w="med" len="med"/>
+            <a:tailEnd type="none" w="med" len="med"/>
+          </a:ln>
+        </p:spPr>
+        <p:style>
+          <a:lnRef idx="2">
+            <a:schemeClr val="accent1"/>
+          </a:lnRef>
+          <a:fillRef idx="0">
+            <a:schemeClr val="accent1"/>
+          </a:fillRef>
+          <a:effectRef idx="1">
+            <a:schemeClr val="accent1"/>
+          </a:effectRef>
+          <a:fontRef idx="minor">
+            <a:schemeClr val="tx1"/>
+          </a:fontRef>
+        </p:style>
+      </p:cxnSp>
+      <p:sp>
+        <p:nvSpPr>
+          <p:cNvPr id="1055" name="제목 1">
+            <a:extLst>
+              <a:ext uri="{FF2B5EF4-FFF2-40B4-BE49-F238E27FC236}">
+                <a16:creationId xmlns:a16="http://schemas.microsoft.com/office/drawing/2014/main" id="{A54290A2-14FB-559C-439E-46C4EE54F821}"/>
+              </a:ext>
+            </a:extLst>
+          </p:cNvPr>
+          <p:cNvSpPr txBox="1">
+            <a:spLocks/>
+          </p:cNvSpPr>
+          <p:nvPr/>
+        </p:nvSpPr>
+        <p:spPr>
+          <a:xfrm>
+            <a:off x="7089641" y="2537992"/>
+            <a:ext cx="739201" cy="267998"/>
+          </a:xfrm>
+          <a:prstGeom prst="rect">
+            <a:avLst/>
+          </a:prstGeom>
+        </p:spPr>
+        <p:txBody>
+          <a:bodyPr vert="horz" lIns="91440" tIns="45720" rIns="91440" bIns="45720" rtlCol="0" anchor="ctr">
+            <a:normAutofit/>
+          </a:bodyPr>
+          <a:lstStyle>
+            <a:lvl1pPr algn="l" defTabSz="914400" rtl="0" eaLnBrk="1" latinLnBrk="1" hangingPunct="1">
+              <a:lnSpc>
+                <a:spcPct val="90000"/>
+              </a:lnSpc>
+              <a:spcBef>
+                <a:spcPct val="0"/>
+              </a:spcBef>
+              <a:buNone/>
+              <a:defRPr sz="4400" kern="1200">
+                <a:solidFill>
+                  <a:schemeClr val="tx1"/>
+                </a:solidFill>
+                <a:latin typeface="+mj-lt"/>
+                <a:ea typeface="+mj-ea"/>
+                <a:cs typeface="+mj-cs"/>
+              </a:defRPr>
+            </a:lvl1pPr>
+          </a:lstStyle>
+          <a:p>
+            <a:pPr algn="ctr"/>
+            <a:r>
+              <a:rPr kumimoji="1" lang="en-US" altLang="ko-KR" sz="900" b="1" dirty="0">
+                <a:latin typeface="KoPubWorldDotum Bold" pitchFamily="2" charset="-127"/>
+                <a:ea typeface="KoPubWorldDotum Bold" pitchFamily="2" charset="-127"/>
+                <a:cs typeface="KoPubWorldDotum Bold" pitchFamily="2" charset="-127"/>
+              </a:rPr>
+              <a:t>Lambda</a:t>
+            </a:r>
+            <a:endParaRPr kumimoji="1" lang="ko-KR" altLang="en-US" sz="900" b="1" dirty="0">
+              <a:latin typeface="KoPubWorldDotum Bold" pitchFamily="2" charset="-127"/>
+              <a:ea typeface="KoPubWorldDotum Bold" pitchFamily="2" charset="-127"/>
+              <a:cs typeface="KoPubWorldDotum Bold" pitchFamily="2" charset="-127"/>
+            </a:endParaRPr>
+          </a:p>
+        </p:txBody>
+      </p:sp>
+      <p:sp>
+        <p:nvSpPr>
+          <p:cNvPr id="1056" name="직사각형 1055">
+            <a:extLst>
+              <a:ext uri="{FF2B5EF4-FFF2-40B4-BE49-F238E27FC236}">
+                <a16:creationId xmlns:a16="http://schemas.microsoft.com/office/drawing/2014/main" id="{1A5822A4-6559-B569-6F51-128ADF0FE4A6}"/>
+              </a:ext>
+            </a:extLst>
+          </p:cNvPr>
+          <p:cNvSpPr/>
+          <p:nvPr/>
+        </p:nvSpPr>
+        <p:spPr>
+          <a:xfrm>
+            <a:off x="6708804" y="1483726"/>
+            <a:ext cx="1503655" cy="754027"/>
+          </a:xfrm>
+          <a:prstGeom prst="rect">
+            <a:avLst/>
+          </a:prstGeom>
+          <a:noFill/>
+          <a:ln>
+            <a:solidFill>
+              <a:srgbClr val="000000"/>
+            </a:solidFill>
+            <a:prstDash val="sysDash"/>
+          </a:ln>
+        </p:spPr>
+        <p:style>
+          <a:lnRef idx="2">
+            <a:schemeClr val="accent1">
+              <a:shade val="15000"/>
+            </a:schemeClr>
+          </a:lnRef>
+          <a:fillRef idx="1">
+            <a:schemeClr val="accent1"/>
+          </a:fillRef>
+          <a:effectRef idx="0">
+            <a:schemeClr val="accent1"/>
+          </a:effectRef>
+          <a:fontRef idx="minor">
+            <a:schemeClr val="lt1"/>
+          </a:fontRef>
+        </p:style>
+        <p:txBody>
+          <a:bodyPr rtlCol="0" anchor="ctr"/>
+          <a:lstStyle/>
+          <a:p>
+            <a:pPr algn="ctr"/>
+            <a:endParaRPr kumimoji="1" lang="ko-KR" altLang="en-US" sz="900"/>
+          </a:p>
+        </p:txBody>
+      </p:sp>
+      <p:pic>
+        <p:nvPicPr>
+          <p:cNvPr id="1057" name="그림 1056">
+            <a:extLst>
+              <a:ext uri="{FF2B5EF4-FFF2-40B4-BE49-F238E27FC236}">
+                <a16:creationId xmlns:a16="http://schemas.microsoft.com/office/drawing/2014/main" id="{A3E2BDC1-59D6-FFDB-8B32-92061EC8B91E}"/>
+              </a:ext>
+            </a:extLst>
+          </p:cNvPr>
+          <p:cNvPicPr>
+            <a:picLocks noChangeAspect="1"/>
+          </p:cNvPicPr>
+          <p:nvPr/>
+        </p:nvPicPr>
+        <p:blipFill>
+          <a:blip r:embed="rId15"/>
+          <a:stretch>
+            <a:fillRect/>
+          </a:stretch>
+        </p:blipFill>
+        <p:spPr>
+          <a:xfrm>
+            <a:off x="7220461" y="2015366"/>
+            <a:ext cx="462142" cy="462142"/>
+          </a:xfrm>
+          <a:prstGeom prst="rect">
+            <a:avLst/>
+          </a:prstGeom>
+        </p:spPr>
+      </p:pic>
+      <p:sp>
+        <p:nvSpPr>
+          <p:cNvPr id="1058" name="처리 1057">
+            <a:extLst>
+              <a:ext uri="{FF2B5EF4-FFF2-40B4-BE49-F238E27FC236}">
+                <a16:creationId xmlns:a16="http://schemas.microsoft.com/office/drawing/2014/main" id="{8E4E0422-7642-B895-B2F2-84BE478639D5}"/>
+              </a:ext>
+            </a:extLst>
+          </p:cNvPr>
+          <p:cNvSpPr/>
+          <p:nvPr/>
+        </p:nvSpPr>
+        <p:spPr>
+          <a:xfrm>
+            <a:off x="6868059" y="1692650"/>
+            <a:ext cx="1203109" cy="243942"/>
+          </a:xfrm>
+          <a:prstGeom prst="flowChartProcess">
+            <a:avLst/>
+          </a:prstGeom>
+          <a:solidFill>
+            <a:schemeClr val="accent1"/>
+          </a:solidFill>
+          <a:ln>
+            <a:noFill/>
+          </a:ln>
+        </p:spPr>
+        <p:style>
+          <a:lnRef idx="2">
+            <a:schemeClr val="accent1">
+              <a:shade val="15000"/>
+            </a:schemeClr>
+          </a:lnRef>
+          <a:fillRef idx="1">
+            <a:schemeClr val="accent1"/>
+          </a:fillRef>
+          <a:effectRef idx="0">
+            <a:schemeClr val="accent1"/>
+          </a:effectRef>
+          <a:fontRef idx="minor">
+            <a:schemeClr val="lt1"/>
+          </a:fontRef>
+        </p:style>
+        <p:txBody>
+          <a:bodyPr rtlCol="0" anchor="ctr"/>
+          <a:lstStyle/>
+          <a:p>
+            <a:pPr algn="ctr"/>
+            <a:r>
+              <a:rPr kumimoji="1" lang="en-US" altLang="ko-KR" sz="900" b="1" dirty="0" err="1">
+                <a:latin typeface="KoPubWorldDotum Bold" pitchFamily="2" charset="-127"/>
+                <a:ea typeface="KoPubWorldDotum Bold" pitchFamily="2" charset="-127"/>
+                <a:cs typeface="KoPubWorldDotum Bold" pitchFamily="2" charset="-127"/>
+              </a:rPr>
+              <a:t>authinfo.js</a:t>
+            </a:r>
+            <a:endParaRPr kumimoji="1" lang="ko-KR" altLang="en-US" sz="900" b="1" dirty="0">
+              <a:latin typeface="KoPubWorldDotum Bold" pitchFamily="2" charset="-127"/>
+              <a:ea typeface="KoPubWorldDotum Bold" pitchFamily="2" charset="-127"/>
+              <a:cs typeface="KoPubWorldDotum Bold" pitchFamily="2" charset="-127"/>
+            </a:endParaRPr>
+          </a:p>
+        </p:txBody>
+      </p:sp>
+      <p:cxnSp>
+        <p:nvCxnSpPr>
+          <p:cNvPr id="1081" name="꺾인 연결선[E] 1080">
+            <a:extLst>
+              <a:ext uri="{FF2B5EF4-FFF2-40B4-BE49-F238E27FC236}">
+                <a16:creationId xmlns:a16="http://schemas.microsoft.com/office/drawing/2014/main" id="{97CCBB71-4045-39B2-FB57-0F67A76321A4}"/>
+              </a:ext>
+            </a:extLst>
+          </p:cNvPr>
+          <p:cNvCxnSpPr>
+            <a:cxnSpLocks/>
+            <a:stCxn id="3" idx="0"/>
+            <a:endCxn id="1026" idx="3"/>
+          </p:cNvCxnSpPr>
+          <p:nvPr/>
+        </p:nvCxnSpPr>
+        <p:spPr>
+          <a:xfrm rot="16200000" flipV="1">
+            <a:off x="10021867" y="4049834"/>
+            <a:ext cx="523032" cy="775691"/>
+          </a:xfrm>
+          <a:prstGeom prst="bentConnector2">
+            <a:avLst/>
+          </a:prstGeom>
+        </p:spPr>
+        <p:style>
+          <a:lnRef idx="2">
+            <a:schemeClr val="accent1"/>
+          </a:lnRef>
+          <a:fillRef idx="0">
+            <a:schemeClr val="accent1"/>
+          </a:fillRef>
+          <a:effectRef idx="1">
+            <a:schemeClr val="accent1"/>
+          </a:effectRef>
+          <a:fontRef idx="minor">
+            <a:schemeClr val="tx1"/>
+          </a:fontRef>
+        </p:style>
+      </p:cxnSp>
+      <p:cxnSp>
+        <p:nvCxnSpPr>
+          <p:cNvPr id="1084" name="꺾인 연결선[E] 1083">
+            <a:extLst>
+              <a:ext uri="{FF2B5EF4-FFF2-40B4-BE49-F238E27FC236}">
+                <a16:creationId xmlns:a16="http://schemas.microsoft.com/office/drawing/2014/main" id="{31BA6834-A13B-B90C-A5E9-F950F67D21B3}"/>
+              </a:ext>
+            </a:extLst>
+          </p:cNvPr>
+          <p:cNvCxnSpPr>
+            <a:cxnSpLocks/>
+            <a:stCxn id="1052" idx="1"/>
+            <a:endCxn id="24" idx="3"/>
+          </p:cNvCxnSpPr>
+          <p:nvPr/>
+        </p:nvCxnSpPr>
+        <p:spPr>
+          <a:xfrm rot="10800000" flipV="1">
+            <a:off x="5806550" y="3708943"/>
+            <a:ext cx="1051138" cy="181172"/>
+          </a:xfrm>
+          <a:prstGeom prst="bentConnector3">
+            <a:avLst>
+              <a:gd name="adj1" fmla="val 50000"/>
+            </a:avLst>
+          </a:prstGeom>
+        </p:spPr>
+        <p:style>
+          <a:lnRef idx="2">
+            <a:schemeClr val="accent1"/>
+          </a:lnRef>
+          <a:fillRef idx="0">
+            <a:schemeClr val="accent1"/>
+          </a:fillRef>
+          <a:effectRef idx="1">
+            <a:schemeClr val="accent1"/>
+          </a:effectRef>
+          <a:fontRef idx="minor">
+            <a:schemeClr val="tx1"/>
+          </a:fontRef>
+        </p:style>
+      </p:cxnSp>
+      <p:cxnSp>
+        <p:nvCxnSpPr>
+          <p:cNvPr id="1101" name="꺾인 연결선[E] 1100">
+            <a:extLst>
+              <a:ext uri="{FF2B5EF4-FFF2-40B4-BE49-F238E27FC236}">
+                <a16:creationId xmlns:a16="http://schemas.microsoft.com/office/drawing/2014/main" id="{8D32C0CD-B118-B505-B44D-0C407FEAF52E}"/>
+              </a:ext>
+            </a:extLst>
+          </p:cNvPr>
+          <p:cNvCxnSpPr>
+            <a:cxnSpLocks/>
+            <a:stCxn id="41" idx="3"/>
+            <a:endCxn id="24" idx="1"/>
+          </p:cNvCxnSpPr>
+          <p:nvPr/>
+        </p:nvCxnSpPr>
+        <p:spPr>
+          <a:xfrm>
+            <a:off x="4381527" y="2441830"/>
+            <a:ext cx="963697" cy="1448285"/>
+          </a:xfrm>
+          <a:prstGeom prst="bentConnector3">
+            <a:avLst>
+              <a:gd name="adj1" fmla="val 50000"/>
+            </a:avLst>
+          </a:prstGeom>
+        </p:spPr>
+        <p:style>
+          <a:lnRef idx="2">
+            <a:schemeClr val="accent1"/>
+          </a:lnRef>
+          <a:fillRef idx="0">
+            <a:schemeClr val="accent1"/>
+          </a:fillRef>
+          <a:effectRef idx="1">
+            <a:schemeClr val="accent1"/>
+          </a:effectRef>
+          <a:fontRef idx="minor">
+            <a:schemeClr val="tx1"/>
+          </a:fontRef>
+        </p:style>
+      </p:cxnSp>
+      <p:sp>
+        <p:nvSpPr>
+          <p:cNvPr id="1127" name="제목 1">
+            <a:extLst>
+              <a:ext uri="{FF2B5EF4-FFF2-40B4-BE49-F238E27FC236}">
+                <a16:creationId xmlns:a16="http://schemas.microsoft.com/office/drawing/2014/main" id="{21FCD9F5-EAB2-00A3-7567-FD4506672900}"/>
+              </a:ext>
+            </a:extLst>
+          </p:cNvPr>
+          <p:cNvSpPr txBox="1">
+            <a:spLocks/>
+          </p:cNvSpPr>
+          <p:nvPr/>
+        </p:nvSpPr>
+        <p:spPr>
+          <a:xfrm>
+            <a:off x="8521124" y="901587"/>
+            <a:ext cx="1651921" cy="267998"/>
+          </a:xfrm>
+          <a:prstGeom prst="rect">
+            <a:avLst/>
+          </a:prstGeom>
+        </p:spPr>
+        <p:txBody>
+          <a:bodyPr vert="horz" lIns="91440" tIns="45720" rIns="91440" bIns="45720" rtlCol="0" anchor="ctr">
+            <a:normAutofit/>
+          </a:bodyPr>
+          <a:lstStyle>
+            <a:lvl1pPr algn="l" defTabSz="914400" rtl="0" eaLnBrk="1" latinLnBrk="1" hangingPunct="1">
+              <a:lnSpc>
+                <a:spcPct val="90000"/>
+              </a:lnSpc>
+              <a:spcBef>
+                <a:spcPct val="0"/>
+              </a:spcBef>
+              <a:buNone/>
+              <a:defRPr sz="4400" kern="1200">
+                <a:solidFill>
+                  <a:schemeClr val="tx1"/>
+                </a:solidFill>
+                <a:latin typeface="+mj-lt"/>
+                <a:ea typeface="+mj-ea"/>
+                <a:cs typeface="+mj-cs"/>
+              </a:defRPr>
+            </a:lvl1pPr>
+          </a:lstStyle>
+          <a:p>
+            <a:pPr algn="ctr"/>
+            <a:r>
+              <a:rPr kumimoji="1" lang="en-US" altLang="ko-KR" sz="900" b="1" dirty="0">
+                <a:latin typeface="KoPubWorldDotum Bold" pitchFamily="2" charset="-127"/>
+                <a:ea typeface="KoPubWorldDotum Bold" pitchFamily="2" charset="-127"/>
+                <a:cs typeface="KoPubWorldDotum Bold" pitchFamily="2" charset="-127"/>
+              </a:rPr>
+              <a:t>Kakao Login OIDC</a:t>
+            </a:r>
+          </a:p>
+        </p:txBody>
+      </p:sp>
+      <p:cxnSp>
+        <p:nvCxnSpPr>
+          <p:cNvPr id="1140" name="직선 화살표 연결선 1139">
+            <a:extLst>
+              <a:ext uri="{FF2B5EF4-FFF2-40B4-BE49-F238E27FC236}">
+                <a16:creationId xmlns:a16="http://schemas.microsoft.com/office/drawing/2014/main" id="{8F43D639-ABD4-4922-F4C1-D031D44F31D3}"/>
+              </a:ext>
+            </a:extLst>
+          </p:cNvPr>
+          <p:cNvCxnSpPr>
+            <a:cxnSpLocks/>
+            <a:stCxn id="53" idx="3"/>
+            <a:endCxn id="1028" idx="1"/>
+          </p:cNvCxnSpPr>
+          <p:nvPr/>
+        </p:nvCxnSpPr>
+        <p:spPr>
+          <a:xfrm>
+            <a:off x="7688906" y="619639"/>
+            <a:ext cx="1288750" cy="10568"/>
+          </a:xfrm>
+          <a:prstGeom prst="straightConnector1">
+            <a:avLst/>
+          </a:prstGeom>
+          <a:ln>
+            <a:headEnd type="none" w="med" len="med"/>
+            <a:tailEnd type="none" w="med" len="med"/>
+          </a:ln>
+        </p:spPr>
+        <p:style>
+          <a:lnRef idx="2">
+            <a:schemeClr val="accent1"/>
+          </a:lnRef>
+          <a:fillRef idx="0">
+            <a:schemeClr val="accent1"/>
+          </a:fillRef>
+          <a:effectRef idx="1">
+            <a:schemeClr val="accent1"/>
+          </a:effectRef>
+          <a:fontRef idx="minor">
+            <a:schemeClr val="tx1"/>
+          </a:fontRef>
+        </p:style>
+      </p:cxnSp>
+      <p:pic>
+        <p:nvPicPr>
+          <p:cNvPr id="3" name="Picture 2" descr="Amazon Bedrock Connector - Overview (O11) | OutSystems">
+            <a:extLst>
+              <a:ext uri="{FF2B5EF4-FFF2-40B4-BE49-F238E27FC236}">
+                <a16:creationId xmlns:a16="http://schemas.microsoft.com/office/drawing/2014/main" id="{0CC4E556-84F1-E509-8785-5CDBC5B57903}"/>
+              </a:ext>
+            </a:extLst>
+          </p:cNvPr>
+          <p:cNvPicPr>
+            <a:picLocks noChangeAspect="1" noChangeArrowheads="1"/>
+          </p:cNvPicPr>
+          <p:nvPr/>
+        </p:nvPicPr>
+        <p:blipFill>
+          <a:blip r:embed="rId3">
+            <a:alphaModFix amt="35000"/>
+            <a:extLst>
+              <a:ext uri="{28A0092B-C50C-407E-A947-70E740481C1C}">
+                <a14:useLocalDpi xmlns:a14="http://schemas.microsoft.com/office/drawing/2010/main" val="0"/>
+              </a:ext>
+            </a:extLst>
+          </a:blip>
+          <a:srcRect/>
+          <a:stretch>
+            <a:fillRect/>
+          </a:stretch>
+        </p:blipFill>
+        <p:spPr bwMode="auto">
+          <a:xfrm>
+            <a:off x="10438513" y="4699196"/>
+            <a:ext cx="465430" cy="465430"/>
+          </a:xfrm>
+          <a:prstGeom prst="rect">
+            <a:avLst/>
+          </a:prstGeom>
+          <a:noFill/>
+          <a:extLst>
+            <a:ext uri="{909E8E84-426E-40DD-AFC4-6F175D3DCCD1}">
+              <a14:hiddenFill xmlns:a14="http://schemas.microsoft.com/office/drawing/2010/main">
+                <a:solidFill>
+                  <a:srgbClr val="FFFFFF"/>
+                </a:solidFill>
+              </a14:hiddenFill>
+            </a:ext>
+          </a:extLst>
+        </p:spPr>
+      </p:pic>
+      <p:cxnSp>
+        <p:nvCxnSpPr>
+          <p:cNvPr id="42" name="직선 화살표 연결선 41">
+            <a:extLst>
+              <a:ext uri="{FF2B5EF4-FFF2-40B4-BE49-F238E27FC236}">
+                <a16:creationId xmlns:a16="http://schemas.microsoft.com/office/drawing/2014/main" id="{AC7837A5-3724-9825-FD95-0F4C3E3563F6}"/>
+              </a:ext>
+            </a:extLst>
+          </p:cNvPr>
+          <p:cNvCxnSpPr>
+            <a:cxnSpLocks/>
+            <a:endCxn id="6" idx="2"/>
+          </p:cNvCxnSpPr>
+          <p:nvPr/>
+        </p:nvCxnSpPr>
+        <p:spPr>
+          <a:xfrm flipV="1">
+            <a:off x="10671227" y="5458364"/>
+            <a:ext cx="1" cy="315218"/>
+          </a:xfrm>
+          <a:prstGeom prst="straightConnector1">
+            <a:avLst/>
+          </a:prstGeom>
+          <a:ln>
+            <a:headEnd type="none" w="med" len="med"/>
+            <a:tailEnd type="none" w="med" len="med"/>
+          </a:ln>
+        </p:spPr>
+        <p:style>
+          <a:lnRef idx="2">
+            <a:schemeClr val="accent1"/>
+          </a:lnRef>
+          <a:fillRef idx="0">
+            <a:schemeClr val="accent1"/>
+          </a:fillRef>
+          <a:effectRef idx="1">
+            <a:schemeClr val="accent1"/>
+          </a:effectRef>
+          <a:fontRef idx="minor">
+            <a:schemeClr val="tx1"/>
+          </a:fontRef>
+        </p:style>
+      </p:cxnSp>
+      <p:sp>
+        <p:nvSpPr>
+          <p:cNvPr id="44" name="제목 1">
+            <a:extLst>
+              <a:ext uri="{FF2B5EF4-FFF2-40B4-BE49-F238E27FC236}">
+                <a16:creationId xmlns:a16="http://schemas.microsoft.com/office/drawing/2014/main" id="{43508820-7D00-3296-E58D-51165381425D}"/>
+              </a:ext>
+            </a:extLst>
+          </p:cNvPr>
+          <p:cNvSpPr txBox="1">
+            <a:spLocks/>
+          </p:cNvSpPr>
+          <p:nvPr/>
+        </p:nvSpPr>
+        <p:spPr>
+          <a:xfrm>
+            <a:off x="9937039" y="6225912"/>
+            <a:ext cx="1462517" cy="267998"/>
+          </a:xfrm>
+          <a:prstGeom prst="rect">
+            <a:avLst/>
+          </a:prstGeom>
+        </p:spPr>
+        <p:txBody>
+          <a:bodyPr vert="horz" lIns="91440" tIns="45720" rIns="91440" bIns="45720" rtlCol="0" anchor="ctr">
+            <a:normAutofit/>
+          </a:bodyPr>
+          <a:lstStyle>
+            <a:lvl1pPr algn="l" defTabSz="914400" rtl="0" eaLnBrk="1" latinLnBrk="1" hangingPunct="1">
+              <a:lnSpc>
+                <a:spcPct val="90000"/>
+              </a:lnSpc>
+              <a:spcBef>
+                <a:spcPct val="0"/>
+              </a:spcBef>
+              <a:buNone/>
+              <a:defRPr sz="4400" kern="1200">
+                <a:solidFill>
+                  <a:schemeClr val="tx1"/>
+                </a:solidFill>
+                <a:latin typeface="+mj-lt"/>
+                <a:ea typeface="+mj-ea"/>
+                <a:cs typeface="+mj-cs"/>
+              </a:defRPr>
+            </a:lvl1pPr>
+          </a:lstStyle>
+          <a:p>
+            <a:pPr algn="ctr"/>
+            <a:r>
+              <a:rPr kumimoji="1" lang="en-US" altLang="ko-KR" sz="900" b="1" dirty="0">
+                <a:latin typeface="KoPubWorldDotum Bold" pitchFamily="2" charset="-127"/>
+                <a:ea typeface="KoPubWorldDotum Bold" pitchFamily="2" charset="-127"/>
+                <a:cs typeface="KoPubWorldDotum Bold" pitchFamily="2" charset="-127"/>
+              </a:rPr>
+              <a:t>OpenSearch Serverless</a:t>
+            </a:r>
+            <a:endParaRPr kumimoji="1" lang="ko-KR" altLang="en-US" sz="900" b="1" dirty="0">
+              <a:latin typeface="KoPubWorldDotum Bold" pitchFamily="2" charset="-127"/>
+              <a:ea typeface="KoPubWorldDotum Bold" pitchFamily="2" charset="-127"/>
+              <a:cs typeface="KoPubWorldDotum Bold" pitchFamily="2" charset="-127"/>
+            </a:endParaRPr>
+          </a:p>
+        </p:txBody>
+      </p:sp>
+      <p:sp>
+        <p:nvSpPr>
+          <p:cNvPr id="2" name="처리 1">
+            <a:extLst>
+              <a:ext uri="{FF2B5EF4-FFF2-40B4-BE49-F238E27FC236}">
+                <a16:creationId xmlns:a16="http://schemas.microsoft.com/office/drawing/2014/main" id="{24D94196-81AC-D425-7880-C5EC9596E02E}"/>
+              </a:ext>
+            </a:extLst>
+          </p:cNvPr>
+          <p:cNvSpPr/>
+          <p:nvPr/>
+        </p:nvSpPr>
+        <p:spPr>
+          <a:xfrm>
+            <a:off x="6867764" y="4507697"/>
+            <a:ext cx="1203109" cy="243942"/>
+          </a:xfrm>
+          <a:prstGeom prst="flowChartProcess">
+            <a:avLst/>
+          </a:prstGeom>
+          <a:solidFill>
+            <a:schemeClr val="accent1"/>
+          </a:solidFill>
+          <a:ln>
+            <a:noFill/>
+          </a:ln>
+        </p:spPr>
+        <p:style>
+          <a:lnRef idx="2">
+            <a:schemeClr val="accent1">
+              <a:shade val="15000"/>
+            </a:schemeClr>
+          </a:lnRef>
+          <a:fillRef idx="1">
+            <a:schemeClr val="accent1"/>
+          </a:fillRef>
+          <a:effectRef idx="0">
+            <a:schemeClr val="accent1"/>
+          </a:effectRef>
+          <a:fontRef idx="minor">
+            <a:schemeClr val="lt1"/>
+          </a:fontRef>
+        </p:style>
+        <p:txBody>
+          <a:bodyPr rtlCol="0" anchor="ctr"/>
+          <a:lstStyle/>
+          <a:p>
+            <a:pPr algn="ctr"/>
+            <a:r>
+              <a:rPr kumimoji="1" lang="en-US" altLang="ko-KR" sz="900" b="1" dirty="0" err="1">
+                <a:latin typeface="KoPubWorldDotum Bold" pitchFamily="2" charset="-127"/>
+                <a:ea typeface="KoPubWorldDotum Bold" pitchFamily="2" charset="-127"/>
+                <a:cs typeface="KoPubWorldDotum Bold" pitchFamily="2" charset="-127"/>
+              </a:rPr>
+              <a:t>NewSession.py</a:t>
+            </a:r>
+            <a:endParaRPr kumimoji="1" lang="ko-KR" altLang="en-US" sz="900" b="1" dirty="0">
+              <a:latin typeface="KoPubWorldDotum Bold" pitchFamily="2" charset="-127"/>
+              <a:ea typeface="KoPubWorldDotum Bold" pitchFamily="2" charset="-127"/>
+              <a:cs typeface="KoPubWorldDotum Bold" pitchFamily="2" charset="-127"/>
+            </a:endParaRPr>
+          </a:p>
+        </p:txBody>
+      </p:sp>
+      <p:sp>
+        <p:nvSpPr>
+          <p:cNvPr id="7" name="처리 6">
+            <a:extLst>
+              <a:ext uri="{FF2B5EF4-FFF2-40B4-BE49-F238E27FC236}">
+                <a16:creationId xmlns:a16="http://schemas.microsoft.com/office/drawing/2014/main" id="{2F58B189-C692-A414-8EA3-4589E9AFC6A9}"/>
+              </a:ext>
+            </a:extLst>
+          </p:cNvPr>
+          <p:cNvSpPr/>
+          <p:nvPr/>
+        </p:nvSpPr>
+        <p:spPr>
+          <a:xfrm>
+            <a:off x="6867764" y="4767663"/>
+            <a:ext cx="1203109" cy="243942"/>
+          </a:xfrm>
+          <a:prstGeom prst="flowChartProcess">
+            <a:avLst/>
+          </a:prstGeom>
+          <a:solidFill>
+            <a:schemeClr val="accent1"/>
+          </a:solidFill>
+          <a:ln>
+            <a:noFill/>
+          </a:ln>
+        </p:spPr>
+        <p:style>
+          <a:lnRef idx="2">
+            <a:schemeClr val="accent1">
+              <a:shade val="15000"/>
+            </a:schemeClr>
+          </a:lnRef>
+          <a:fillRef idx="1">
+            <a:schemeClr val="accent1"/>
+          </a:fillRef>
+          <a:effectRef idx="0">
+            <a:schemeClr val="accent1"/>
+          </a:effectRef>
+          <a:fontRef idx="minor">
+            <a:schemeClr val="lt1"/>
+          </a:fontRef>
+        </p:style>
+        <p:txBody>
+          <a:bodyPr rtlCol="0" anchor="ctr"/>
+          <a:lstStyle/>
+          <a:p>
+            <a:pPr algn="ctr"/>
+            <a:r>
+              <a:rPr kumimoji="1" lang="en-US" altLang="ko-KR" sz="900" b="1" dirty="0" err="1">
+                <a:latin typeface="KoPubWorldDotum Bold" pitchFamily="2" charset="-127"/>
+                <a:ea typeface="KoPubWorldDotum Bold" pitchFamily="2" charset="-127"/>
+                <a:cs typeface="KoPubWorldDotum Bold" pitchFamily="2" charset="-127"/>
+              </a:rPr>
+              <a:t>GetMsg.py</a:t>
+            </a:r>
+            <a:endParaRPr kumimoji="1" lang="ko-KR" altLang="en-US" sz="900" b="1" dirty="0">
+              <a:latin typeface="KoPubWorldDotum Bold" pitchFamily="2" charset="-127"/>
+              <a:ea typeface="KoPubWorldDotum Bold" pitchFamily="2" charset="-127"/>
+              <a:cs typeface="KoPubWorldDotum Bold" pitchFamily="2" charset="-127"/>
+            </a:endParaRPr>
+          </a:p>
+        </p:txBody>
+      </p:sp>
+      <p:sp>
+        <p:nvSpPr>
+          <p:cNvPr id="9" name="처리 8">
+            <a:extLst>
+              <a:ext uri="{FF2B5EF4-FFF2-40B4-BE49-F238E27FC236}">
+                <a16:creationId xmlns:a16="http://schemas.microsoft.com/office/drawing/2014/main" id="{D8114163-093C-360E-6931-8D0B6081B6F4}"/>
+              </a:ext>
+            </a:extLst>
+          </p:cNvPr>
+          <p:cNvSpPr/>
+          <p:nvPr/>
+        </p:nvSpPr>
+        <p:spPr>
+          <a:xfrm>
+            <a:off x="6867764" y="5030491"/>
+            <a:ext cx="1203109" cy="243942"/>
+          </a:xfrm>
+          <a:prstGeom prst="flowChartProcess">
+            <a:avLst/>
+          </a:prstGeom>
+          <a:solidFill>
+            <a:schemeClr val="accent1"/>
+          </a:solidFill>
+          <a:ln>
+            <a:noFill/>
+          </a:ln>
+        </p:spPr>
+        <p:style>
+          <a:lnRef idx="2">
+            <a:schemeClr val="accent1">
+              <a:shade val="15000"/>
+            </a:schemeClr>
+          </a:lnRef>
+          <a:fillRef idx="1">
+            <a:schemeClr val="accent1"/>
+          </a:fillRef>
+          <a:effectRef idx="0">
+            <a:schemeClr val="accent1"/>
+          </a:effectRef>
+          <a:fontRef idx="minor">
+            <a:schemeClr val="lt1"/>
+          </a:fontRef>
+        </p:style>
+        <p:txBody>
+          <a:bodyPr rtlCol="0" anchor="ctr"/>
+          <a:lstStyle/>
+          <a:p>
+            <a:pPr algn="ctr"/>
+            <a:r>
+              <a:rPr kumimoji="1" lang="en-US" altLang="ko-KR" sz="900" b="1" dirty="0" err="1">
+                <a:latin typeface="KoPubWorldDotum Bold" pitchFamily="2" charset="-127"/>
+                <a:ea typeface="KoPubWorldDotum Bold" pitchFamily="2" charset="-127"/>
+                <a:cs typeface="KoPubWorldDotum Bold" pitchFamily="2" charset="-127"/>
+              </a:rPr>
+              <a:t>GetSession.py</a:t>
+            </a:r>
+            <a:endParaRPr kumimoji="1" lang="ko-KR" altLang="en-US" sz="900" b="1" dirty="0">
+              <a:latin typeface="KoPubWorldDotum Bold" pitchFamily="2" charset="-127"/>
+              <a:ea typeface="KoPubWorldDotum Bold" pitchFamily="2" charset="-127"/>
+              <a:cs typeface="KoPubWorldDotum Bold" pitchFamily="2" charset="-127"/>
+            </a:endParaRPr>
+          </a:p>
+        </p:txBody>
+      </p:sp>
+      <p:cxnSp>
+        <p:nvCxnSpPr>
+          <p:cNvPr id="11" name="꺾인 연결선[E] 10">
+            <a:extLst>
+              <a:ext uri="{FF2B5EF4-FFF2-40B4-BE49-F238E27FC236}">
+                <a16:creationId xmlns:a16="http://schemas.microsoft.com/office/drawing/2014/main" id="{06559759-C710-7689-0DB9-E2CCCCA14EE4}"/>
+              </a:ext>
+            </a:extLst>
+          </p:cNvPr>
+          <p:cNvCxnSpPr>
+            <a:cxnSpLocks/>
+            <a:stCxn id="2" idx="1"/>
+            <a:endCxn id="57" idx="3"/>
+          </p:cNvCxnSpPr>
+          <p:nvPr/>
+        </p:nvCxnSpPr>
+        <p:spPr>
+          <a:xfrm rot="10800000" flipV="1">
+            <a:off x="5806550" y="4629667"/>
+            <a:ext cx="1061214" cy="300191"/>
+          </a:xfrm>
+          <a:prstGeom prst="bentConnector3">
+            <a:avLst>
+              <a:gd name="adj1" fmla="val 50000"/>
+            </a:avLst>
+          </a:prstGeom>
+        </p:spPr>
+        <p:style>
+          <a:lnRef idx="2">
+            <a:schemeClr val="accent1"/>
+          </a:lnRef>
+          <a:fillRef idx="0">
+            <a:schemeClr val="accent1"/>
+          </a:fillRef>
+          <a:effectRef idx="1">
+            <a:schemeClr val="accent1"/>
+          </a:effectRef>
+          <a:fontRef idx="minor">
+            <a:schemeClr val="tx1"/>
+          </a:fontRef>
+        </p:style>
+      </p:cxnSp>
+      <p:cxnSp>
+        <p:nvCxnSpPr>
+          <p:cNvPr id="34" name="꺾인 연결선[E] 33">
+            <a:extLst>
+              <a:ext uri="{FF2B5EF4-FFF2-40B4-BE49-F238E27FC236}">
+                <a16:creationId xmlns:a16="http://schemas.microsoft.com/office/drawing/2014/main" id="{3FB965EF-BC8D-556E-1DFC-FF7F67D12475}"/>
+              </a:ext>
+            </a:extLst>
+          </p:cNvPr>
+          <p:cNvCxnSpPr>
+            <a:cxnSpLocks/>
+            <a:stCxn id="1053" idx="1"/>
+            <a:endCxn id="24" idx="3"/>
+          </p:cNvCxnSpPr>
+          <p:nvPr/>
+        </p:nvCxnSpPr>
+        <p:spPr>
+          <a:xfrm rot="10800000">
+            <a:off x="5806550" y="3890115"/>
+            <a:ext cx="1051138" cy="78794"/>
+          </a:xfrm>
+          <a:prstGeom prst="bentConnector3">
+            <a:avLst>
+              <a:gd name="adj1" fmla="val 50000"/>
+            </a:avLst>
+          </a:prstGeom>
+        </p:spPr>
+        <p:style>
+          <a:lnRef idx="2">
+            <a:schemeClr val="accent1"/>
+          </a:lnRef>
+          <a:fillRef idx="0">
+            <a:schemeClr val="accent1"/>
+          </a:fillRef>
+          <a:effectRef idx="1">
+            <a:schemeClr val="accent1"/>
+          </a:effectRef>
+          <a:fontRef idx="minor">
+            <a:schemeClr val="tx1"/>
+          </a:fontRef>
+        </p:style>
+      </p:cxnSp>
+      <p:cxnSp>
+        <p:nvCxnSpPr>
+          <p:cNvPr id="43" name="꺾인 연결선[E] 42">
+            <a:extLst>
+              <a:ext uri="{FF2B5EF4-FFF2-40B4-BE49-F238E27FC236}">
+                <a16:creationId xmlns:a16="http://schemas.microsoft.com/office/drawing/2014/main" id="{89070E6F-D7BA-2052-C553-FABC01E13052}"/>
+              </a:ext>
+            </a:extLst>
+          </p:cNvPr>
+          <p:cNvCxnSpPr>
+            <a:cxnSpLocks/>
+            <a:stCxn id="1054" idx="1"/>
+            <a:endCxn id="24" idx="3"/>
+          </p:cNvCxnSpPr>
+          <p:nvPr/>
+        </p:nvCxnSpPr>
+        <p:spPr>
+          <a:xfrm rot="10800000">
+            <a:off x="5806550" y="3890115"/>
+            <a:ext cx="1051138" cy="341622"/>
+          </a:xfrm>
+          <a:prstGeom prst="bentConnector3">
+            <a:avLst>
+              <a:gd name="adj1" fmla="val 50000"/>
+            </a:avLst>
+          </a:prstGeom>
+        </p:spPr>
+        <p:style>
+          <a:lnRef idx="2">
+            <a:schemeClr val="accent1"/>
+          </a:lnRef>
+          <a:fillRef idx="0">
+            <a:schemeClr val="accent1"/>
+          </a:fillRef>
+          <a:effectRef idx="1">
+            <a:schemeClr val="accent1"/>
+          </a:effectRef>
+          <a:fontRef idx="minor">
+            <a:schemeClr val="tx1"/>
+          </a:fontRef>
+        </p:style>
+      </p:cxnSp>
+      <p:cxnSp>
+        <p:nvCxnSpPr>
+          <p:cNvPr id="50" name="꺾인 연결선[E] 49">
+            <a:extLst>
+              <a:ext uri="{FF2B5EF4-FFF2-40B4-BE49-F238E27FC236}">
+                <a16:creationId xmlns:a16="http://schemas.microsoft.com/office/drawing/2014/main" id="{415530AB-EB1E-A5D9-FC17-723E8967B421}"/>
+              </a:ext>
+            </a:extLst>
+          </p:cNvPr>
+          <p:cNvCxnSpPr>
+            <a:cxnSpLocks/>
+            <a:stCxn id="7" idx="1"/>
+            <a:endCxn id="57" idx="3"/>
+          </p:cNvCxnSpPr>
+          <p:nvPr/>
+        </p:nvCxnSpPr>
+        <p:spPr>
+          <a:xfrm rot="10800000" flipV="1">
+            <a:off x="5806550" y="4889633"/>
+            <a:ext cx="1061214" cy="40225"/>
+          </a:xfrm>
+          <a:prstGeom prst="bentConnector3">
+            <a:avLst>
+              <a:gd name="adj1" fmla="val 50000"/>
+            </a:avLst>
+          </a:prstGeom>
+        </p:spPr>
+        <p:style>
+          <a:lnRef idx="2">
+            <a:schemeClr val="accent1"/>
+          </a:lnRef>
+          <a:fillRef idx="0">
+            <a:schemeClr val="accent1"/>
+          </a:fillRef>
+          <a:effectRef idx="1">
+            <a:schemeClr val="accent1"/>
+          </a:effectRef>
+          <a:fontRef idx="minor">
+            <a:schemeClr val="tx1"/>
+          </a:fontRef>
+        </p:style>
+      </p:cxnSp>
+      <p:cxnSp>
+        <p:nvCxnSpPr>
+          <p:cNvPr id="60" name="꺾인 연결선[E] 59">
+            <a:extLst>
+              <a:ext uri="{FF2B5EF4-FFF2-40B4-BE49-F238E27FC236}">
+                <a16:creationId xmlns:a16="http://schemas.microsoft.com/office/drawing/2014/main" id="{D5E55D13-2559-110A-0099-F075FDD42166}"/>
+              </a:ext>
+            </a:extLst>
+          </p:cNvPr>
+          <p:cNvCxnSpPr>
+            <a:cxnSpLocks/>
+            <a:stCxn id="9" idx="1"/>
+            <a:endCxn id="57" idx="3"/>
+          </p:cNvCxnSpPr>
+          <p:nvPr/>
+        </p:nvCxnSpPr>
+        <p:spPr>
+          <a:xfrm rot="10800000">
+            <a:off x="5806550" y="4929860"/>
+            <a:ext cx="1061214" cy="222603"/>
+          </a:xfrm>
+          <a:prstGeom prst="bentConnector3">
+            <a:avLst>
+              <a:gd name="adj1" fmla="val 50000"/>
+            </a:avLst>
+          </a:prstGeom>
+        </p:spPr>
+        <p:style>
+          <a:lnRef idx="2">
+            <a:schemeClr val="accent1"/>
+          </a:lnRef>
+          <a:fillRef idx="0">
+            <a:schemeClr val="accent1"/>
+          </a:fillRef>
+          <a:effectRef idx="1">
+            <a:schemeClr val="accent1"/>
+          </a:effectRef>
+          <a:fontRef idx="minor">
+            <a:schemeClr val="tx1"/>
+          </a:fontRef>
+        </p:style>
+      </p:cxnSp>
+      <p:cxnSp>
+        <p:nvCxnSpPr>
+          <p:cNvPr id="1031" name="꺾인 연결선[E] 1030">
+            <a:extLst>
+              <a:ext uri="{FF2B5EF4-FFF2-40B4-BE49-F238E27FC236}">
+                <a16:creationId xmlns:a16="http://schemas.microsoft.com/office/drawing/2014/main" id="{F11D9286-5235-FE79-4E16-F4507254E9A8}"/>
+              </a:ext>
+            </a:extLst>
+          </p:cNvPr>
+          <p:cNvCxnSpPr>
+            <a:cxnSpLocks/>
+            <a:stCxn id="41" idx="3"/>
+            <a:endCxn id="57" idx="1"/>
+          </p:cNvCxnSpPr>
+          <p:nvPr/>
+        </p:nvCxnSpPr>
+        <p:spPr>
+          <a:xfrm>
+            <a:off x="4381527" y="2441830"/>
+            <a:ext cx="963697" cy="2488029"/>
+          </a:xfrm>
+          <a:prstGeom prst="bentConnector3">
+            <a:avLst>
+              <a:gd name="adj1" fmla="val 50000"/>
+            </a:avLst>
+          </a:prstGeom>
+        </p:spPr>
+        <p:style>
+          <a:lnRef idx="2">
+            <a:schemeClr val="accent1"/>
+          </a:lnRef>
+          <a:fillRef idx="0">
+            <a:schemeClr val="accent1"/>
+          </a:fillRef>
+          <a:effectRef idx="1">
+            <a:schemeClr val="accent1"/>
+          </a:effectRef>
+          <a:fontRef idx="minor">
+            <a:schemeClr val="tx1"/>
+          </a:fontRef>
+        </p:style>
+      </p:cxnSp>
+      <p:cxnSp>
+        <p:nvCxnSpPr>
+          <p:cNvPr id="1064" name="꺾인 연결선[E] 1063">
+            <a:extLst>
+              <a:ext uri="{FF2B5EF4-FFF2-40B4-BE49-F238E27FC236}">
+                <a16:creationId xmlns:a16="http://schemas.microsoft.com/office/drawing/2014/main" id="{F177D862-99A5-CE12-C7E9-9FCA81C17AB4}"/>
+              </a:ext>
+            </a:extLst>
+          </p:cNvPr>
+          <p:cNvCxnSpPr>
+            <a:cxnSpLocks/>
+            <a:stCxn id="18" idx="1"/>
+            <a:endCxn id="1043" idx="3"/>
+          </p:cNvCxnSpPr>
+          <p:nvPr/>
+        </p:nvCxnSpPr>
+        <p:spPr>
+          <a:xfrm rot="10800000">
+            <a:off x="8202088" y="4547131"/>
+            <a:ext cx="1261948" cy="374915"/>
+          </a:xfrm>
+          <a:prstGeom prst="bentConnector3">
+            <a:avLst>
+              <a:gd name="adj1" fmla="val 50000"/>
+            </a:avLst>
+          </a:prstGeom>
+        </p:spPr>
+        <p:style>
+          <a:lnRef idx="2">
+            <a:schemeClr val="accent1"/>
+          </a:lnRef>
+          <a:fillRef idx="0">
+            <a:schemeClr val="accent1"/>
+          </a:fillRef>
+          <a:effectRef idx="1">
+            <a:schemeClr val="accent1"/>
+          </a:effectRef>
+          <a:fontRef idx="minor">
+            <a:schemeClr val="tx1"/>
+          </a:fontRef>
+        </p:style>
+      </p:cxnSp>
+      <p:cxnSp>
+        <p:nvCxnSpPr>
+          <p:cNvPr id="1067" name="꺾인 연결선[E] 1066">
+            <a:extLst>
+              <a:ext uri="{FF2B5EF4-FFF2-40B4-BE49-F238E27FC236}">
+                <a16:creationId xmlns:a16="http://schemas.microsoft.com/office/drawing/2014/main" id="{ADB27A0D-2290-9799-7878-C12367C7B254}"/>
+              </a:ext>
+            </a:extLst>
+          </p:cNvPr>
+          <p:cNvCxnSpPr>
+            <a:cxnSpLocks/>
+            <a:stCxn id="1026" idx="1"/>
+            <a:endCxn id="1043" idx="3"/>
+          </p:cNvCxnSpPr>
+          <p:nvPr/>
+        </p:nvCxnSpPr>
+        <p:spPr>
+          <a:xfrm rot="10800000" flipV="1">
+            <a:off x="8202089" y="4176164"/>
+            <a:ext cx="1228019" cy="370966"/>
+          </a:xfrm>
+          <a:prstGeom prst="bentConnector3">
+            <a:avLst>
+              <a:gd name="adj1" fmla="val 50000"/>
+            </a:avLst>
+          </a:prstGeom>
+        </p:spPr>
+        <p:style>
+          <a:lnRef idx="2">
+            <a:schemeClr val="accent1"/>
+          </a:lnRef>
+          <a:fillRef idx="0">
+            <a:schemeClr val="accent1"/>
+          </a:fillRef>
+          <a:effectRef idx="1">
+            <a:schemeClr val="accent1"/>
+          </a:effectRef>
+          <a:fontRef idx="minor">
+            <a:schemeClr val="tx1"/>
+          </a:fontRef>
+        </p:style>
+      </p:cxnSp>
+      <p:pic>
+        <p:nvPicPr>
+          <p:cNvPr id="12" name="그림 11">
+            <a:extLst>
+              <a:ext uri="{FF2B5EF4-FFF2-40B4-BE49-F238E27FC236}">
+                <a16:creationId xmlns:a16="http://schemas.microsoft.com/office/drawing/2014/main" id="{3E1D65A1-02E3-B0AE-98D7-048AE43EA08D}"/>
+              </a:ext>
+            </a:extLst>
+          </p:cNvPr>
+          <p:cNvPicPr>
+            <a:picLocks noChangeAspect="1"/>
+          </p:cNvPicPr>
+          <p:nvPr/>
+        </p:nvPicPr>
+        <p:blipFill>
+          <a:blip r:embed="rId17"/>
+          <a:stretch>
+            <a:fillRect/>
+          </a:stretch>
+        </p:blipFill>
+        <p:spPr>
+          <a:xfrm>
+            <a:off x="10443074" y="5765043"/>
+            <a:ext cx="460869" cy="460869"/>
+          </a:xfrm>
+          <a:prstGeom prst="rect">
+            <a:avLst/>
+          </a:prstGeom>
+        </p:spPr>
+      </p:pic>
+      <p:cxnSp>
+        <p:nvCxnSpPr>
+          <p:cNvPr id="62" name="직선 화살표 연결선 61">
+            <a:extLst>
+              <a:ext uri="{FF2B5EF4-FFF2-40B4-BE49-F238E27FC236}">
+                <a16:creationId xmlns:a16="http://schemas.microsoft.com/office/drawing/2014/main" id="{9F6F868C-6836-77BA-CEFE-0F9BCB4F0CC0}"/>
+              </a:ext>
+            </a:extLst>
+          </p:cNvPr>
+          <p:cNvCxnSpPr>
+            <a:cxnSpLocks/>
+            <a:stCxn id="59" idx="2"/>
+            <a:endCxn id="1058" idx="0"/>
+          </p:cNvCxnSpPr>
+          <p:nvPr/>
+        </p:nvCxnSpPr>
+        <p:spPr>
+          <a:xfrm>
+            <a:off x="7468416" y="1158300"/>
+            <a:ext cx="1198" cy="534350"/>
+          </a:xfrm>
+          <a:prstGeom prst="straightConnector1">
+            <a:avLst/>
+          </a:prstGeom>
+          <a:ln>
+            <a:headEnd type="none" w="med" len="med"/>
+            <a:tailEnd type="none" w="med" len="med"/>
+          </a:ln>
+        </p:spPr>
+        <p:style>
+          <a:lnRef idx="2">
+            <a:schemeClr val="accent1"/>
+          </a:lnRef>
+          <a:fillRef idx="0">
+            <a:schemeClr val="accent1"/>
+          </a:fillRef>
+          <a:effectRef idx="1">
+            <a:schemeClr val="accent1"/>
+          </a:effectRef>
+          <a:fontRef idx="minor">
+            <a:schemeClr val="tx1"/>
+          </a:fontRef>
+        </p:style>
+      </p:cxnSp>
+      <p:cxnSp>
+        <p:nvCxnSpPr>
+          <p:cNvPr id="1080" name="꺾인 연결선[E] 1079">
+            <a:extLst>
+              <a:ext uri="{FF2B5EF4-FFF2-40B4-BE49-F238E27FC236}">
+                <a16:creationId xmlns:a16="http://schemas.microsoft.com/office/drawing/2014/main" id="{6B8542FC-CD1F-84F6-EE51-9C55489D2618}"/>
+              </a:ext>
+            </a:extLst>
+          </p:cNvPr>
+          <p:cNvCxnSpPr>
+            <a:cxnSpLocks/>
+            <a:stCxn id="41" idx="0"/>
+            <a:endCxn id="1058" idx="1"/>
+          </p:cNvCxnSpPr>
+          <p:nvPr/>
+        </p:nvCxnSpPr>
+        <p:spPr>
+          <a:xfrm rot="5400000" flipH="1" flipV="1">
+            <a:off x="5191701" y="383869"/>
+            <a:ext cx="245606" cy="3107110"/>
+          </a:xfrm>
+          <a:prstGeom prst="bentConnector2">
+            <a:avLst/>
+          </a:prstGeom>
+        </p:spPr>
+        <p:style>
+          <a:lnRef idx="2">
+            <a:schemeClr val="accent1"/>
+          </a:lnRef>
+          <a:fillRef idx="0">
+            <a:schemeClr val="accent1"/>
+          </a:fillRef>
+          <a:effectRef idx="1">
+            <a:schemeClr val="accent1"/>
+          </a:effectRef>
+          <a:fontRef idx="minor">
+            <a:schemeClr val="tx1"/>
+          </a:fontRef>
+        </p:style>
+      </p:cxnSp>
+    </p:spTree>
+    <p:extLst>
+      <p:ext uri="{BB962C8B-B14F-4D97-AF65-F5344CB8AC3E}">
+        <p14:creationId xmlns:p14="http://schemas.microsoft.com/office/powerpoint/2010/main" val="315872035"/>
       </p:ext>
     </p:extLst>
   </p:cSld>

--- a/개발계획서.pptx
+++ b/개발계획서.pptx
@@ -205,7 +205,7 @@
           <a:p>
             <a:fld id="{9458FFD9-5838-1449-9919-C8A4367C6D0D}" type="datetimeFigureOut">
               <a:rPr kumimoji="1" lang="ko-KR" altLang="en-US" smtClean="0"/>
-              <a:t>2024. 9. 5.</a:t>
+              <a:t>2024. 9. 17.</a:t>
             </a:fld>
             <a:endParaRPr kumimoji="1" lang="ko-KR" altLang="en-US"/>
           </a:p>
@@ -787,7 +787,7 @@
           <a:p>
             <a:fld id="{B2310862-A932-4A4D-BE7A-7832C8DBE490}" type="datetimeFigureOut">
               <a:rPr kumimoji="1" lang="ko-KR" altLang="en-US" smtClean="0"/>
-              <a:t>2024. 9. 5.</a:t>
+              <a:t>2024. 9. 17.</a:t>
             </a:fld>
             <a:endParaRPr kumimoji="1" lang="ko-KR" altLang="en-US"/>
           </a:p>
@@ -985,7 +985,7 @@
           <a:p>
             <a:fld id="{B2310862-A932-4A4D-BE7A-7832C8DBE490}" type="datetimeFigureOut">
               <a:rPr kumimoji="1" lang="ko-KR" altLang="en-US" smtClean="0"/>
-              <a:t>2024. 9. 5.</a:t>
+              <a:t>2024. 9. 17.</a:t>
             </a:fld>
             <a:endParaRPr kumimoji="1" lang="ko-KR" altLang="en-US"/>
           </a:p>
@@ -1193,7 +1193,7 @@
           <a:p>
             <a:fld id="{B2310862-A932-4A4D-BE7A-7832C8DBE490}" type="datetimeFigureOut">
               <a:rPr kumimoji="1" lang="ko-KR" altLang="en-US" smtClean="0"/>
-              <a:t>2024. 9. 5.</a:t>
+              <a:t>2024. 9. 17.</a:t>
             </a:fld>
             <a:endParaRPr kumimoji="1" lang="ko-KR" altLang="en-US"/>
           </a:p>
@@ -1391,7 +1391,7 @@
           <a:p>
             <a:fld id="{B2310862-A932-4A4D-BE7A-7832C8DBE490}" type="datetimeFigureOut">
               <a:rPr kumimoji="1" lang="ko-KR" altLang="en-US" smtClean="0"/>
-              <a:t>2024. 9. 5.</a:t>
+              <a:t>2024. 9. 17.</a:t>
             </a:fld>
             <a:endParaRPr kumimoji="1" lang="ko-KR" altLang="en-US"/>
           </a:p>
@@ -1666,7 +1666,7 @@
           <a:p>
             <a:fld id="{B2310862-A932-4A4D-BE7A-7832C8DBE490}" type="datetimeFigureOut">
               <a:rPr kumimoji="1" lang="ko-KR" altLang="en-US" smtClean="0"/>
-              <a:t>2024. 9. 5.</a:t>
+              <a:t>2024. 9. 17.</a:t>
             </a:fld>
             <a:endParaRPr kumimoji="1" lang="ko-KR" altLang="en-US"/>
           </a:p>
@@ -1931,7 +1931,7 @@
           <a:p>
             <a:fld id="{B2310862-A932-4A4D-BE7A-7832C8DBE490}" type="datetimeFigureOut">
               <a:rPr kumimoji="1" lang="ko-KR" altLang="en-US" smtClean="0"/>
-              <a:t>2024. 9. 5.</a:t>
+              <a:t>2024. 9. 17.</a:t>
             </a:fld>
             <a:endParaRPr kumimoji="1" lang="ko-KR" altLang="en-US"/>
           </a:p>
@@ -2343,7 +2343,7 @@
           <a:p>
             <a:fld id="{B2310862-A932-4A4D-BE7A-7832C8DBE490}" type="datetimeFigureOut">
               <a:rPr kumimoji="1" lang="ko-KR" altLang="en-US" smtClean="0"/>
-              <a:t>2024. 9. 5.</a:t>
+              <a:t>2024. 9. 17.</a:t>
             </a:fld>
             <a:endParaRPr kumimoji="1" lang="ko-KR" altLang="en-US"/>
           </a:p>
@@ -2484,7 +2484,7 @@
           <a:p>
             <a:fld id="{B2310862-A932-4A4D-BE7A-7832C8DBE490}" type="datetimeFigureOut">
               <a:rPr kumimoji="1" lang="ko-KR" altLang="en-US" smtClean="0"/>
-              <a:t>2024. 9. 5.</a:t>
+              <a:t>2024. 9. 17.</a:t>
             </a:fld>
             <a:endParaRPr kumimoji="1" lang="ko-KR" altLang="en-US"/>
           </a:p>
@@ -2597,7 +2597,7 @@
           <a:p>
             <a:fld id="{B2310862-A932-4A4D-BE7A-7832C8DBE490}" type="datetimeFigureOut">
               <a:rPr kumimoji="1" lang="ko-KR" altLang="en-US" smtClean="0"/>
-              <a:t>2024. 9. 5.</a:t>
+              <a:t>2024. 9. 17.</a:t>
             </a:fld>
             <a:endParaRPr kumimoji="1" lang="ko-KR" altLang="en-US"/>
           </a:p>
@@ -2908,7 +2908,7 @@
           <a:p>
             <a:fld id="{B2310862-A932-4A4D-BE7A-7832C8DBE490}" type="datetimeFigureOut">
               <a:rPr kumimoji="1" lang="ko-KR" altLang="en-US" smtClean="0"/>
-              <a:t>2024. 9. 5.</a:t>
+              <a:t>2024. 9. 17.</a:t>
             </a:fld>
             <a:endParaRPr kumimoji="1" lang="ko-KR" altLang="en-US"/>
           </a:p>
@@ -3196,7 +3196,7 @@
           <a:p>
             <a:fld id="{B2310862-A932-4A4D-BE7A-7832C8DBE490}" type="datetimeFigureOut">
               <a:rPr kumimoji="1" lang="ko-KR" altLang="en-US" smtClean="0"/>
-              <a:t>2024. 9. 5.</a:t>
+              <a:t>2024. 9. 17.</a:t>
             </a:fld>
             <a:endParaRPr kumimoji="1" lang="ko-KR" altLang="en-US"/>
           </a:p>
@@ -3437,7 +3437,7 @@
           <a:p>
             <a:fld id="{B2310862-A932-4A4D-BE7A-7832C8DBE490}" type="datetimeFigureOut">
               <a:rPr kumimoji="1" lang="ko-KR" altLang="en-US" smtClean="0"/>
-              <a:t>2024. 9. 5.</a:t>
+              <a:t>2024. 9. 17.</a:t>
             </a:fld>
             <a:endParaRPr kumimoji="1" lang="ko-KR" altLang="en-US"/>
           </a:p>
@@ -15855,7 +15855,7 @@
         </p:blipFill>
         <p:spPr bwMode="auto">
           <a:xfrm>
-            <a:off x="9430107" y="3943449"/>
+            <a:off x="9430107" y="3466385"/>
             <a:ext cx="465430" cy="465430"/>
           </a:xfrm>
           <a:prstGeom prst="rect">
@@ -15889,7 +15889,7 @@
         </p:nvSpPr>
         <p:spPr>
           <a:xfrm>
-            <a:off x="9302452" y="4423686"/>
+            <a:off x="9302452" y="3946622"/>
             <a:ext cx="739201" cy="267998"/>
           </a:xfrm>
           <a:prstGeom prst="rect">
@@ -15953,7 +15953,7 @@
         </p:nvSpPr>
         <p:spPr>
           <a:xfrm>
-            <a:off x="10844718" y="4441235"/>
+            <a:off x="10844718" y="3964171"/>
             <a:ext cx="1304524" cy="262033"/>
           </a:xfrm>
           <a:prstGeom prst="rect">
@@ -16019,7 +16019,7 @@
         </p:nvCxnSpPr>
         <p:spPr>
           <a:xfrm flipH="1">
-            <a:off x="9895537" y="4175706"/>
+            <a:off x="9895537" y="3698642"/>
             <a:ext cx="1312838" cy="458"/>
           </a:xfrm>
           <a:prstGeom prst="straightConnector1">
@@ -16072,7 +16072,7 @@
         </p:blipFill>
         <p:spPr bwMode="auto">
           <a:xfrm>
-            <a:off x="11208375" y="3942991"/>
+            <a:off x="11208375" y="3465927"/>
             <a:ext cx="465430" cy="465430"/>
           </a:xfrm>
           <a:prstGeom prst="rect">
@@ -16106,7 +16106,7 @@
         </p:nvSpPr>
         <p:spPr>
           <a:xfrm>
-            <a:off x="10067923" y="5190366"/>
+            <a:off x="10067923" y="4713302"/>
             <a:ext cx="1206609" cy="267998"/>
           </a:xfrm>
           <a:prstGeom prst="rect">
@@ -16186,7 +16186,7 @@
         </p:nvSpPr>
         <p:spPr>
           <a:xfrm>
-            <a:off x="7092963" y="5878607"/>
+            <a:off x="7092963" y="5323210"/>
             <a:ext cx="739201" cy="267998"/>
           </a:xfrm>
           <a:prstGeom prst="rect">
@@ -16256,7 +16256,7 @@
         </p:blipFill>
         <p:spPr>
           <a:xfrm>
-            <a:off x="9464036" y="4689330"/>
+            <a:off x="9464036" y="4212266"/>
             <a:ext cx="465429" cy="465429"/>
           </a:xfrm>
           <a:prstGeom prst="rect">
@@ -16280,7 +16280,7 @@
         </p:nvSpPr>
         <p:spPr>
           <a:xfrm>
-            <a:off x="9236531" y="5185268"/>
+            <a:off x="9236531" y="4708204"/>
             <a:ext cx="869150" cy="267998"/>
           </a:xfrm>
           <a:prstGeom prst="rect">
@@ -16350,7 +16350,7 @@
         </p:blipFill>
         <p:spPr>
           <a:xfrm>
-            <a:off x="11161477" y="1315393"/>
+            <a:off x="5330556" y="5776219"/>
             <a:ext cx="462142" cy="462142"/>
           </a:xfrm>
           <a:prstGeom prst="rect">
@@ -16380,7 +16380,7 @@
         </p:blipFill>
         <p:spPr>
           <a:xfrm>
-            <a:off x="5345224" y="3659452"/>
+            <a:off x="5345224" y="3104055"/>
             <a:ext cx="461326" cy="461326"/>
           </a:xfrm>
           <a:prstGeom prst="rect">
@@ -16552,8 +16552,8 @@
         </p:nvCxnSpPr>
         <p:spPr>
           <a:xfrm flipH="1">
-            <a:off x="193522" y="634244"/>
-            <a:ext cx="1034894" cy="0"/>
+            <a:off x="853780" y="634244"/>
+            <a:ext cx="374636" cy="0"/>
           </a:xfrm>
           <a:prstGeom prst="straightConnector1">
             <a:avLst/>
@@ -16602,7 +16602,7 @@
         </p:blipFill>
         <p:spPr>
           <a:xfrm>
-            <a:off x="11200411" y="219615"/>
+            <a:off x="1266079" y="2023546"/>
             <a:ext cx="435116" cy="435116"/>
           </a:xfrm>
           <a:prstGeom prst="rect">
@@ -16626,8 +16626,8 @@
         </p:nvSpPr>
         <p:spPr>
           <a:xfrm>
-            <a:off x="10931327" y="723064"/>
-            <a:ext cx="967879" cy="267998"/>
+            <a:off x="876421" y="2526995"/>
+            <a:ext cx="1260673" cy="267998"/>
           </a:xfrm>
           <a:prstGeom prst="rect">
             <a:avLst/>
@@ -16664,7 +16664,7 @@
                 <a:ea typeface="KoPubWorldDotum Bold" pitchFamily="2" charset="-127"/>
                 <a:cs typeface="KoPubWorldDotum Bold" pitchFamily="2" charset="-127"/>
               </a:rPr>
-              <a:t>CloudFront</a:t>
+              <a:t>CloudFront - TBD</a:t>
             </a:r>
             <a:endParaRPr kumimoji="1" lang="ko-KR" altLang="en-US" sz="900" b="1" dirty="0">
               <a:latin typeface="KoPubWorldDotum Bold" pitchFamily="2" charset="-127"/>
@@ -16982,7 +16982,7 @@
         </p:nvSpPr>
         <p:spPr>
           <a:xfrm>
-            <a:off x="5068556" y="4150622"/>
+            <a:off x="5068556" y="3595225"/>
             <a:ext cx="967879" cy="387771"/>
           </a:xfrm>
           <a:prstGeom prst="rect">
@@ -17057,7 +17057,7 @@
         </p:nvSpPr>
         <p:spPr>
           <a:xfrm>
-            <a:off x="10903943" y="1780285"/>
+            <a:off x="5073022" y="6241111"/>
             <a:ext cx="967879" cy="267998"/>
           </a:xfrm>
           <a:prstGeom prst="rect">
@@ -17215,7 +17215,7 @@
         </p:nvSpPr>
         <p:spPr>
           <a:xfrm>
-            <a:off x="6698433" y="3467678"/>
+            <a:off x="6698433" y="2912281"/>
             <a:ext cx="1503655" cy="2158904"/>
           </a:xfrm>
           <a:prstGeom prst="rect">
@@ -17276,7 +17276,7 @@
         </p:blipFill>
         <p:spPr>
           <a:xfrm>
-            <a:off x="7220461" y="5383131"/>
+            <a:off x="7220461" y="4827734"/>
             <a:ext cx="462142" cy="462142"/>
           </a:xfrm>
           <a:prstGeom prst="rect">
@@ -17298,7 +17298,7 @@
         </p:nvSpPr>
         <p:spPr>
           <a:xfrm>
-            <a:off x="6857688" y="3586972"/>
+            <a:off x="6857688" y="3031575"/>
             <a:ext cx="1203109" cy="243942"/>
           </a:xfrm>
           <a:prstGeom prst="flowChartProcess">
@@ -17362,7 +17362,7 @@
         </p:nvSpPr>
         <p:spPr>
           <a:xfrm>
-            <a:off x="6857688" y="3846938"/>
+            <a:off x="6857688" y="3291541"/>
             <a:ext cx="1203109" cy="243942"/>
           </a:xfrm>
           <a:prstGeom prst="flowChartProcess">
@@ -17426,7 +17426,7 @@
         </p:nvSpPr>
         <p:spPr>
           <a:xfrm>
-            <a:off x="6857688" y="4109766"/>
+            <a:off x="6857688" y="3554369"/>
             <a:ext cx="1203109" cy="243942"/>
           </a:xfrm>
           <a:prstGeom prst="flowChartProcess">
@@ -17711,7 +17711,7 @@
         </p:blipFill>
         <p:spPr>
           <a:xfrm>
-            <a:off x="5345224" y="4699196"/>
+            <a:off x="5345224" y="4143799"/>
             <a:ext cx="461326" cy="461326"/>
           </a:xfrm>
           <a:prstGeom prst="rect">
@@ -17735,7 +17735,7 @@
         </p:nvSpPr>
         <p:spPr>
           <a:xfrm>
-            <a:off x="5068556" y="5190366"/>
+            <a:off x="5068556" y="4634969"/>
             <a:ext cx="967879" cy="387771"/>
           </a:xfrm>
           <a:prstGeom prst="rect">
@@ -18200,7 +18200,7 @@
         </p:nvCxnSpPr>
         <p:spPr>
           <a:xfrm rot="16200000" flipV="1">
-            <a:off x="10021867" y="4049834"/>
+            <a:off x="10021867" y="3572770"/>
             <a:ext cx="523032" cy="775691"/>
           </a:xfrm>
           <a:prstGeom prst="bentConnector2">
@@ -18240,7 +18240,7 @@
         </p:nvCxnSpPr>
         <p:spPr>
           <a:xfrm rot="10800000" flipV="1">
-            <a:off x="5806550" y="3708943"/>
+            <a:off x="5806550" y="3153546"/>
             <a:ext cx="1051138" cy="181172"/>
           </a:xfrm>
           <a:prstGeom prst="bentConnector3">
@@ -18283,7 +18283,7 @@
         <p:spPr>
           <a:xfrm>
             <a:off x="4381527" y="2441830"/>
-            <a:ext cx="963697" cy="1448285"/>
+            <a:ext cx="963697" cy="892888"/>
           </a:xfrm>
           <a:prstGeom prst="bentConnector3">
             <a:avLst>
@@ -18439,7 +18439,7 @@
         </p:blipFill>
         <p:spPr bwMode="auto">
           <a:xfrm>
-            <a:off x="10438513" y="4699196"/>
+            <a:off x="10438513" y="4222132"/>
             <a:ext cx="465430" cy="465430"/>
           </a:xfrm>
           <a:prstGeom prst="rect">
@@ -18474,7 +18474,7 @@
         </p:nvCxnSpPr>
         <p:spPr>
           <a:xfrm flipV="1">
-            <a:off x="10671227" y="5458364"/>
+            <a:off x="10671227" y="4981300"/>
             <a:ext cx="1" cy="315218"/>
           </a:xfrm>
           <a:prstGeom prst="straightConnector1">
@@ -18516,7 +18516,7 @@
         </p:nvSpPr>
         <p:spPr>
           <a:xfrm>
-            <a:off x="9937039" y="6225912"/>
+            <a:off x="9937039" y="5748848"/>
             <a:ext cx="1462517" cy="267998"/>
           </a:xfrm>
           <a:prstGeom prst="rect">
@@ -18578,7 +18578,7 @@
         </p:nvSpPr>
         <p:spPr>
           <a:xfrm>
-            <a:off x="6867764" y="4507697"/>
+            <a:off x="6867764" y="3952300"/>
             <a:ext cx="1203109" cy="243942"/>
           </a:xfrm>
           <a:prstGeom prst="flowChartProcess">
@@ -18642,7 +18642,7 @@
         </p:nvSpPr>
         <p:spPr>
           <a:xfrm>
-            <a:off x="6867764" y="4767663"/>
+            <a:off x="6867764" y="4212266"/>
             <a:ext cx="1203109" cy="243942"/>
           </a:xfrm>
           <a:prstGeom prst="flowChartProcess">
@@ -18706,7 +18706,7 @@
         </p:nvSpPr>
         <p:spPr>
           <a:xfrm>
-            <a:off x="6867764" y="5030491"/>
+            <a:off x="6867764" y="4475094"/>
             <a:ext cx="1203109" cy="243942"/>
           </a:xfrm>
           <a:prstGeom prst="flowChartProcess">
@@ -18774,7 +18774,7 @@
         </p:nvCxnSpPr>
         <p:spPr>
           <a:xfrm rot="10800000" flipV="1">
-            <a:off x="5806550" y="4629667"/>
+            <a:off x="5806550" y="4074270"/>
             <a:ext cx="1061214" cy="300191"/>
           </a:xfrm>
           <a:prstGeom prst="bentConnector3">
@@ -18816,7 +18816,7 @@
         </p:nvCxnSpPr>
         <p:spPr>
           <a:xfrm rot="10800000">
-            <a:off x="5806550" y="3890115"/>
+            <a:off x="5806550" y="3334718"/>
             <a:ext cx="1051138" cy="78794"/>
           </a:xfrm>
           <a:prstGeom prst="bentConnector3">
@@ -18858,7 +18858,7 @@
         </p:nvCxnSpPr>
         <p:spPr>
           <a:xfrm rot="10800000">
-            <a:off x="5806550" y="3890115"/>
+            <a:off x="5806550" y="3334718"/>
             <a:ext cx="1051138" cy="341622"/>
           </a:xfrm>
           <a:prstGeom prst="bentConnector3">
@@ -18900,7 +18900,7 @@
         </p:nvCxnSpPr>
         <p:spPr>
           <a:xfrm rot="10800000" flipV="1">
-            <a:off x="5806550" y="4889633"/>
+            <a:off x="5806550" y="4334236"/>
             <a:ext cx="1061214" cy="40225"/>
           </a:xfrm>
           <a:prstGeom prst="bentConnector3">
@@ -18942,7 +18942,7 @@
         </p:nvCxnSpPr>
         <p:spPr>
           <a:xfrm rot="10800000">
-            <a:off x="5806550" y="4929860"/>
+            <a:off x="5806550" y="4374463"/>
             <a:ext cx="1061214" cy="222603"/>
           </a:xfrm>
           <a:prstGeom prst="bentConnector3">
@@ -18985,7 +18985,7 @@
         <p:spPr>
           <a:xfrm>
             <a:off x="4381527" y="2441830"/>
-            <a:ext cx="963697" cy="2488029"/>
+            <a:ext cx="963697" cy="1932632"/>
           </a:xfrm>
           <a:prstGeom prst="bentConnector3">
             <a:avLst>
@@ -19026,12 +19026,12 @@
         </p:nvCxnSpPr>
         <p:spPr>
           <a:xfrm rot="10800000">
-            <a:off x="8202088" y="4547131"/>
-            <a:ext cx="1261948" cy="374915"/>
+            <a:off x="8202088" y="3991733"/>
+            <a:ext cx="1261948" cy="453248"/>
           </a:xfrm>
           <a:prstGeom prst="bentConnector3">
             <a:avLst>
-              <a:gd name="adj1" fmla="val 50000"/>
+              <a:gd name="adj1" fmla="val 51459"/>
             </a:avLst>
           </a:prstGeom>
         </p:spPr>
@@ -19068,8 +19068,8 @@
         </p:nvCxnSpPr>
         <p:spPr>
           <a:xfrm rot="10800000" flipV="1">
-            <a:off x="8202089" y="4176164"/>
-            <a:ext cx="1228019" cy="370966"/>
+            <a:off x="8202089" y="3699099"/>
+            <a:ext cx="1228019" cy="292633"/>
           </a:xfrm>
           <a:prstGeom prst="bentConnector3">
             <a:avLst>
@@ -19107,14 +19107,16 @@
           <p:nvPr/>
         </p:nvPicPr>
         <p:blipFill>
-          <a:blip r:embed="rId17"/>
+          <a:blip r:embed="rId17">
+            <a:alphaModFix amt="35000"/>
+          </a:blip>
           <a:stretch>
             <a:fillRect/>
           </a:stretch>
         </p:blipFill>
         <p:spPr>
           <a:xfrm>
-            <a:off x="10443074" y="5765043"/>
+            <a:off x="10443074" y="5287979"/>
             <a:ext cx="460869" cy="460869"/>
           </a:xfrm>
           <a:prstGeom prst="rect">
@@ -19186,6 +19188,110 @@
           <a:xfrm rot="5400000" flipH="1" flipV="1">
             <a:off x="5191701" y="383869"/>
             <a:ext cx="245606" cy="3107110"/>
+          </a:xfrm>
+          <a:prstGeom prst="bentConnector2">
+            <a:avLst/>
+          </a:prstGeom>
+        </p:spPr>
+        <p:style>
+          <a:lnRef idx="2">
+            <a:schemeClr val="accent1"/>
+          </a:lnRef>
+          <a:fillRef idx="0">
+            <a:schemeClr val="accent1"/>
+          </a:fillRef>
+          <a:effectRef idx="1">
+            <a:schemeClr val="accent1"/>
+          </a:effectRef>
+          <a:fontRef idx="minor">
+            <a:schemeClr val="tx1"/>
+          </a:fontRef>
+        </p:style>
+      </p:cxnSp>
+      <p:sp>
+        <p:nvSpPr>
+          <p:cNvPr id="5" name="제목 1">
+            <a:extLst>
+              <a:ext uri="{FF2B5EF4-FFF2-40B4-BE49-F238E27FC236}">
+                <a16:creationId xmlns:a16="http://schemas.microsoft.com/office/drawing/2014/main" id="{65D95CA5-D44B-2EB7-BC26-A8F4140EBB0D}"/>
+              </a:ext>
+            </a:extLst>
+          </p:cNvPr>
+          <p:cNvSpPr txBox="1">
+            <a:spLocks/>
+          </p:cNvSpPr>
+          <p:nvPr/>
+        </p:nvSpPr>
+        <p:spPr>
+          <a:xfrm>
+            <a:off x="2002438" y="874498"/>
+            <a:ext cx="967879" cy="267998"/>
+          </a:xfrm>
+          <a:prstGeom prst="rect">
+            <a:avLst/>
+          </a:prstGeom>
+        </p:spPr>
+        <p:txBody>
+          <a:bodyPr vert="horz" lIns="91440" tIns="45720" rIns="91440" bIns="45720" rtlCol="0" anchor="ctr">
+            <a:normAutofit/>
+          </a:bodyPr>
+          <a:lstStyle>
+            <a:lvl1pPr algn="l" defTabSz="914400" rtl="0" eaLnBrk="1" latinLnBrk="1" hangingPunct="1">
+              <a:lnSpc>
+                <a:spcPct val="90000"/>
+              </a:lnSpc>
+              <a:spcBef>
+                <a:spcPct val="0"/>
+              </a:spcBef>
+              <a:buNone/>
+              <a:defRPr sz="4400" kern="1200">
+                <a:solidFill>
+                  <a:schemeClr val="tx1"/>
+                </a:solidFill>
+                <a:latin typeface="+mj-lt"/>
+                <a:ea typeface="+mj-ea"/>
+                <a:cs typeface="+mj-cs"/>
+              </a:defRPr>
+            </a:lvl1pPr>
+          </a:lstStyle>
+          <a:p>
+            <a:pPr algn="ctr"/>
+            <a:r>
+              <a:rPr kumimoji="1" lang="en-US" altLang="ko-KR" sz="900" b="1" dirty="0">
+                <a:latin typeface="KoPubWorldDotum Bold" pitchFamily="2" charset="-127"/>
+                <a:ea typeface="KoPubWorldDotum Bold" pitchFamily="2" charset="-127"/>
+                <a:cs typeface="KoPubWorldDotum Bold" pitchFamily="2" charset="-127"/>
+              </a:rPr>
+              <a:t>WAF</a:t>
+            </a:r>
+            <a:endParaRPr kumimoji="1" lang="ko-KR" altLang="en-US" sz="900" b="1" dirty="0">
+              <a:latin typeface="KoPubWorldDotum Bold" pitchFamily="2" charset="-127"/>
+              <a:ea typeface="KoPubWorldDotum Bold" pitchFamily="2" charset="-127"/>
+              <a:cs typeface="KoPubWorldDotum Bold" pitchFamily="2" charset="-127"/>
+            </a:endParaRPr>
+          </a:p>
+        </p:txBody>
+      </p:sp>
+      <p:cxnSp>
+        <p:nvCxnSpPr>
+          <p:cNvPr id="23" name="꺾인 연결선[E] 22">
+            <a:extLst>
+              <a:ext uri="{FF2B5EF4-FFF2-40B4-BE49-F238E27FC236}">
+                <a16:creationId xmlns:a16="http://schemas.microsoft.com/office/drawing/2014/main" id="{019784CC-420B-09FC-7FA6-32A6A24C9C7C}"/>
+              </a:ext>
+            </a:extLst>
+          </p:cNvPr>
+          <p:cNvCxnSpPr>
+            <a:cxnSpLocks/>
+            <a:stCxn id="63" idx="3"/>
+            <a:endCxn id="16" idx="2"/>
+          </p:cNvCxnSpPr>
+          <p:nvPr/>
+        </p:nvCxnSpPr>
+        <p:spPr>
+          <a:xfrm flipV="1">
+            <a:off x="5792698" y="5591208"/>
+            <a:ext cx="1669866" cy="416082"/>
           </a:xfrm>
           <a:prstGeom prst="bentConnector2">
             <a:avLst/>

--- a/개발계획서.pptx
+++ b/개발계획서.pptx
@@ -205,7 +205,7 @@
           <a:p>
             <a:fld id="{9458FFD9-5838-1449-9919-C8A4367C6D0D}" type="datetimeFigureOut">
               <a:rPr kumimoji="1" lang="ko-KR" altLang="en-US" smtClean="0"/>
-              <a:t>2024. 9. 17.</a:t>
+              <a:t>2024. 9. 19.</a:t>
             </a:fld>
             <a:endParaRPr kumimoji="1" lang="ko-KR" altLang="en-US"/>
           </a:p>
@@ -787,7 +787,7 @@
           <a:p>
             <a:fld id="{B2310862-A932-4A4D-BE7A-7832C8DBE490}" type="datetimeFigureOut">
               <a:rPr kumimoji="1" lang="ko-KR" altLang="en-US" smtClean="0"/>
-              <a:t>2024. 9. 17.</a:t>
+              <a:t>2024. 9. 19.</a:t>
             </a:fld>
             <a:endParaRPr kumimoji="1" lang="ko-KR" altLang="en-US"/>
           </a:p>
@@ -985,7 +985,7 @@
           <a:p>
             <a:fld id="{B2310862-A932-4A4D-BE7A-7832C8DBE490}" type="datetimeFigureOut">
               <a:rPr kumimoji="1" lang="ko-KR" altLang="en-US" smtClean="0"/>
-              <a:t>2024. 9. 17.</a:t>
+              <a:t>2024. 9. 19.</a:t>
             </a:fld>
             <a:endParaRPr kumimoji="1" lang="ko-KR" altLang="en-US"/>
           </a:p>
@@ -1193,7 +1193,7 @@
           <a:p>
             <a:fld id="{B2310862-A932-4A4D-BE7A-7832C8DBE490}" type="datetimeFigureOut">
               <a:rPr kumimoji="1" lang="ko-KR" altLang="en-US" smtClean="0"/>
-              <a:t>2024. 9. 17.</a:t>
+              <a:t>2024. 9. 19.</a:t>
             </a:fld>
             <a:endParaRPr kumimoji="1" lang="ko-KR" altLang="en-US"/>
           </a:p>
@@ -1391,7 +1391,7 @@
           <a:p>
             <a:fld id="{B2310862-A932-4A4D-BE7A-7832C8DBE490}" type="datetimeFigureOut">
               <a:rPr kumimoji="1" lang="ko-KR" altLang="en-US" smtClean="0"/>
-              <a:t>2024. 9. 17.</a:t>
+              <a:t>2024. 9. 19.</a:t>
             </a:fld>
             <a:endParaRPr kumimoji="1" lang="ko-KR" altLang="en-US"/>
           </a:p>
@@ -1666,7 +1666,7 @@
           <a:p>
             <a:fld id="{B2310862-A932-4A4D-BE7A-7832C8DBE490}" type="datetimeFigureOut">
               <a:rPr kumimoji="1" lang="ko-KR" altLang="en-US" smtClean="0"/>
-              <a:t>2024. 9. 17.</a:t>
+              <a:t>2024. 9. 19.</a:t>
             </a:fld>
             <a:endParaRPr kumimoji="1" lang="ko-KR" altLang="en-US"/>
           </a:p>
@@ -1931,7 +1931,7 @@
           <a:p>
             <a:fld id="{B2310862-A932-4A4D-BE7A-7832C8DBE490}" type="datetimeFigureOut">
               <a:rPr kumimoji="1" lang="ko-KR" altLang="en-US" smtClean="0"/>
-              <a:t>2024. 9. 17.</a:t>
+              <a:t>2024. 9. 19.</a:t>
             </a:fld>
             <a:endParaRPr kumimoji="1" lang="ko-KR" altLang="en-US"/>
           </a:p>
@@ -2343,7 +2343,7 @@
           <a:p>
             <a:fld id="{B2310862-A932-4A4D-BE7A-7832C8DBE490}" type="datetimeFigureOut">
               <a:rPr kumimoji="1" lang="ko-KR" altLang="en-US" smtClean="0"/>
-              <a:t>2024. 9. 17.</a:t>
+              <a:t>2024. 9. 19.</a:t>
             </a:fld>
             <a:endParaRPr kumimoji="1" lang="ko-KR" altLang="en-US"/>
           </a:p>
@@ -2484,7 +2484,7 @@
           <a:p>
             <a:fld id="{B2310862-A932-4A4D-BE7A-7832C8DBE490}" type="datetimeFigureOut">
               <a:rPr kumimoji="1" lang="ko-KR" altLang="en-US" smtClean="0"/>
-              <a:t>2024. 9. 17.</a:t>
+              <a:t>2024. 9. 19.</a:t>
             </a:fld>
             <a:endParaRPr kumimoji="1" lang="ko-KR" altLang="en-US"/>
           </a:p>
@@ -2597,7 +2597,7 @@
           <a:p>
             <a:fld id="{B2310862-A932-4A4D-BE7A-7832C8DBE490}" type="datetimeFigureOut">
               <a:rPr kumimoji="1" lang="ko-KR" altLang="en-US" smtClean="0"/>
-              <a:t>2024. 9. 17.</a:t>
+              <a:t>2024. 9. 19.</a:t>
             </a:fld>
             <a:endParaRPr kumimoji="1" lang="ko-KR" altLang="en-US"/>
           </a:p>
@@ -2908,7 +2908,7 @@
           <a:p>
             <a:fld id="{B2310862-A932-4A4D-BE7A-7832C8DBE490}" type="datetimeFigureOut">
               <a:rPr kumimoji="1" lang="ko-KR" altLang="en-US" smtClean="0"/>
-              <a:t>2024. 9. 17.</a:t>
+              <a:t>2024. 9. 19.</a:t>
             </a:fld>
             <a:endParaRPr kumimoji="1" lang="ko-KR" altLang="en-US"/>
           </a:p>
@@ -3196,7 +3196,7 @@
           <a:p>
             <a:fld id="{B2310862-A932-4A4D-BE7A-7832C8DBE490}" type="datetimeFigureOut">
               <a:rPr kumimoji="1" lang="ko-KR" altLang="en-US" smtClean="0"/>
-              <a:t>2024. 9. 17.</a:t>
+              <a:t>2024. 9. 19.</a:t>
             </a:fld>
             <a:endParaRPr kumimoji="1" lang="ko-KR" altLang="en-US"/>
           </a:p>
@@ -3437,7 +3437,7 @@
           <a:p>
             <a:fld id="{B2310862-A932-4A4D-BE7A-7832C8DBE490}" type="datetimeFigureOut">
               <a:rPr kumimoji="1" lang="ko-KR" altLang="en-US" smtClean="0"/>
-              <a:t>2024. 9. 17.</a:t>
+              <a:t>2024. 9. 19.</a:t>
             </a:fld>
             <a:endParaRPr kumimoji="1" lang="ko-KR" altLang="en-US"/>
           </a:p>
@@ -18554,7 +18554,7 @@
                 <a:ea typeface="KoPubWorldDotum Bold" pitchFamily="2" charset="-127"/>
                 <a:cs typeface="KoPubWorldDotum Bold" pitchFamily="2" charset="-127"/>
               </a:rPr>
-              <a:t>OpenSearch Serverless</a:t>
+              <a:t>Aurora Serverless</a:t>
             </a:r>
             <a:endParaRPr kumimoji="1" lang="ko-KR" altLang="en-US" sz="900" b="1" dirty="0">
               <a:latin typeface="KoPubWorldDotum Bold" pitchFamily="2" charset="-127"/>
@@ -19092,38 +19092,6 @@
           </a:fontRef>
         </p:style>
       </p:cxnSp>
-      <p:pic>
-        <p:nvPicPr>
-          <p:cNvPr id="12" name="그림 11">
-            <a:extLst>
-              <a:ext uri="{FF2B5EF4-FFF2-40B4-BE49-F238E27FC236}">
-                <a16:creationId xmlns:a16="http://schemas.microsoft.com/office/drawing/2014/main" id="{3E1D65A1-02E3-B0AE-98D7-048AE43EA08D}"/>
-              </a:ext>
-            </a:extLst>
-          </p:cNvPr>
-          <p:cNvPicPr>
-            <a:picLocks noChangeAspect="1"/>
-          </p:cNvPicPr>
-          <p:nvPr/>
-        </p:nvPicPr>
-        <p:blipFill>
-          <a:blip r:embed="rId17">
-            <a:alphaModFix amt="35000"/>
-          </a:blip>
-          <a:stretch>
-            <a:fillRect/>
-          </a:stretch>
-        </p:blipFill>
-        <p:spPr>
-          <a:xfrm>
-            <a:off x="10443074" y="5287979"/>
-            <a:ext cx="460869" cy="460869"/>
-          </a:xfrm>
-          <a:prstGeom prst="rect">
-            <a:avLst/>
-          </a:prstGeom>
-        </p:spPr>
-      </p:pic>
       <p:cxnSp>
         <p:nvCxnSpPr>
           <p:cNvPr id="62" name="직선 화살표 연결선 61">
@@ -19312,6 +19280,36 @@
           </a:fontRef>
         </p:style>
       </p:cxnSp>
+      <p:pic>
+        <p:nvPicPr>
+          <p:cNvPr id="14" name="그림 13">
+            <a:extLst>
+              <a:ext uri="{FF2B5EF4-FFF2-40B4-BE49-F238E27FC236}">
+                <a16:creationId xmlns:a16="http://schemas.microsoft.com/office/drawing/2014/main" id="{65B494CF-56A5-41CD-A0CB-E3236E1C62F2}"/>
+              </a:ext>
+            </a:extLst>
+          </p:cNvPr>
+          <p:cNvPicPr>
+            <a:picLocks noChangeAspect="1"/>
+          </p:cNvPicPr>
+          <p:nvPr/>
+        </p:nvPicPr>
+        <p:blipFill>
+          <a:blip r:embed="rId17"/>
+          <a:stretch>
+            <a:fillRect/>
+          </a:stretch>
+        </p:blipFill>
+        <p:spPr>
+          <a:xfrm>
+            <a:off x="10437862" y="5287979"/>
+            <a:ext cx="460869" cy="460869"/>
+          </a:xfrm>
+          <a:prstGeom prst="rect">
+            <a:avLst/>
+          </a:prstGeom>
+        </p:spPr>
+      </p:pic>
     </p:spTree>
     <p:extLst>
       <p:ext uri="{BB962C8B-B14F-4D97-AF65-F5344CB8AC3E}">

--- a/개발계획서.pptx
+++ b/개발계획서.pptx
@@ -205,7 +205,7 @@
           <a:p>
             <a:fld id="{9458FFD9-5838-1449-9919-C8A4367C6D0D}" type="datetimeFigureOut">
               <a:rPr kumimoji="1" lang="ko-KR" altLang="en-US" smtClean="0"/>
-              <a:t>2024. 9. 19.</a:t>
+              <a:t>2024. 9. 25.</a:t>
             </a:fld>
             <a:endParaRPr kumimoji="1" lang="ko-KR" altLang="en-US"/>
           </a:p>
@@ -787,7 +787,7 @@
           <a:p>
             <a:fld id="{B2310862-A932-4A4D-BE7A-7832C8DBE490}" type="datetimeFigureOut">
               <a:rPr kumimoji="1" lang="ko-KR" altLang="en-US" smtClean="0"/>
-              <a:t>2024. 9. 19.</a:t>
+              <a:t>2024. 9. 25.</a:t>
             </a:fld>
             <a:endParaRPr kumimoji="1" lang="ko-KR" altLang="en-US"/>
           </a:p>
@@ -985,7 +985,7 @@
           <a:p>
             <a:fld id="{B2310862-A932-4A4D-BE7A-7832C8DBE490}" type="datetimeFigureOut">
               <a:rPr kumimoji="1" lang="ko-KR" altLang="en-US" smtClean="0"/>
-              <a:t>2024. 9. 19.</a:t>
+              <a:t>2024. 9. 25.</a:t>
             </a:fld>
             <a:endParaRPr kumimoji="1" lang="ko-KR" altLang="en-US"/>
           </a:p>
@@ -1193,7 +1193,7 @@
           <a:p>
             <a:fld id="{B2310862-A932-4A4D-BE7A-7832C8DBE490}" type="datetimeFigureOut">
               <a:rPr kumimoji="1" lang="ko-KR" altLang="en-US" smtClean="0"/>
-              <a:t>2024. 9. 19.</a:t>
+              <a:t>2024. 9. 25.</a:t>
             </a:fld>
             <a:endParaRPr kumimoji="1" lang="ko-KR" altLang="en-US"/>
           </a:p>
@@ -1391,7 +1391,7 @@
           <a:p>
             <a:fld id="{B2310862-A932-4A4D-BE7A-7832C8DBE490}" type="datetimeFigureOut">
               <a:rPr kumimoji="1" lang="ko-KR" altLang="en-US" smtClean="0"/>
-              <a:t>2024. 9. 19.</a:t>
+              <a:t>2024. 9. 25.</a:t>
             </a:fld>
             <a:endParaRPr kumimoji="1" lang="ko-KR" altLang="en-US"/>
           </a:p>
@@ -1666,7 +1666,7 @@
           <a:p>
             <a:fld id="{B2310862-A932-4A4D-BE7A-7832C8DBE490}" type="datetimeFigureOut">
               <a:rPr kumimoji="1" lang="ko-KR" altLang="en-US" smtClean="0"/>
-              <a:t>2024. 9. 19.</a:t>
+              <a:t>2024. 9. 25.</a:t>
             </a:fld>
             <a:endParaRPr kumimoji="1" lang="ko-KR" altLang="en-US"/>
           </a:p>
@@ -1931,7 +1931,7 @@
           <a:p>
             <a:fld id="{B2310862-A932-4A4D-BE7A-7832C8DBE490}" type="datetimeFigureOut">
               <a:rPr kumimoji="1" lang="ko-KR" altLang="en-US" smtClean="0"/>
-              <a:t>2024. 9. 19.</a:t>
+              <a:t>2024. 9. 25.</a:t>
             </a:fld>
             <a:endParaRPr kumimoji="1" lang="ko-KR" altLang="en-US"/>
           </a:p>
@@ -2343,7 +2343,7 @@
           <a:p>
             <a:fld id="{B2310862-A932-4A4D-BE7A-7832C8DBE490}" type="datetimeFigureOut">
               <a:rPr kumimoji="1" lang="ko-KR" altLang="en-US" smtClean="0"/>
-              <a:t>2024. 9. 19.</a:t>
+              <a:t>2024. 9. 25.</a:t>
             </a:fld>
             <a:endParaRPr kumimoji="1" lang="ko-KR" altLang="en-US"/>
           </a:p>
@@ -2484,7 +2484,7 @@
           <a:p>
             <a:fld id="{B2310862-A932-4A4D-BE7A-7832C8DBE490}" type="datetimeFigureOut">
               <a:rPr kumimoji="1" lang="ko-KR" altLang="en-US" smtClean="0"/>
-              <a:t>2024. 9. 19.</a:t>
+              <a:t>2024. 9. 25.</a:t>
             </a:fld>
             <a:endParaRPr kumimoji="1" lang="ko-KR" altLang="en-US"/>
           </a:p>
@@ -2597,7 +2597,7 @@
           <a:p>
             <a:fld id="{B2310862-A932-4A4D-BE7A-7832C8DBE490}" type="datetimeFigureOut">
               <a:rPr kumimoji="1" lang="ko-KR" altLang="en-US" smtClean="0"/>
-              <a:t>2024. 9. 19.</a:t>
+              <a:t>2024. 9. 25.</a:t>
             </a:fld>
             <a:endParaRPr kumimoji="1" lang="ko-KR" altLang="en-US"/>
           </a:p>
@@ -2908,7 +2908,7 @@
           <a:p>
             <a:fld id="{B2310862-A932-4A4D-BE7A-7832C8DBE490}" type="datetimeFigureOut">
               <a:rPr kumimoji="1" lang="ko-KR" altLang="en-US" smtClean="0"/>
-              <a:t>2024. 9. 19.</a:t>
+              <a:t>2024. 9. 25.</a:t>
             </a:fld>
             <a:endParaRPr kumimoji="1" lang="ko-KR" altLang="en-US"/>
           </a:p>
@@ -3196,7 +3196,7 @@
           <a:p>
             <a:fld id="{B2310862-A932-4A4D-BE7A-7832C8DBE490}" type="datetimeFigureOut">
               <a:rPr kumimoji="1" lang="ko-KR" altLang="en-US" smtClean="0"/>
-              <a:t>2024. 9. 19.</a:t>
+              <a:t>2024. 9. 25.</a:t>
             </a:fld>
             <a:endParaRPr kumimoji="1" lang="ko-KR" altLang="en-US"/>
           </a:p>
@@ -3437,7 +3437,7 @@
           <a:p>
             <a:fld id="{B2310862-A932-4A4D-BE7A-7832C8DBE490}" type="datetimeFigureOut">
               <a:rPr kumimoji="1" lang="ko-KR" altLang="en-US" smtClean="0"/>
-              <a:t>2024. 9. 19.</a:t>
+              <a:t>2024. 9. 25.</a:t>
             </a:fld>
             <a:endParaRPr kumimoji="1" lang="ko-KR" altLang="en-US"/>
           </a:p>
@@ -15855,7 +15855,7 @@
         </p:blipFill>
         <p:spPr bwMode="auto">
           <a:xfrm>
-            <a:off x="9430107" y="3466385"/>
+            <a:off x="9430107" y="3020575"/>
             <a:ext cx="465430" cy="465430"/>
           </a:xfrm>
           <a:prstGeom prst="rect">
@@ -15889,7 +15889,7 @@
         </p:nvSpPr>
         <p:spPr>
           <a:xfrm>
-            <a:off x="9302452" y="3946622"/>
+            <a:off x="9302452" y="3500812"/>
             <a:ext cx="739201" cy="267998"/>
           </a:xfrm>
           <a:prstGeom prst="rect">
@@ -15991,7 +15991,7 @@
                 <a:ea typeface="KoPubWorldDotum Bold" pitchFamily="2" charset="-127"/>
                 <a:cs typeface="KoPubWorldDotum Bold" pitchFamily="2" charset="-127"/>
               </a:rPr>
-              <a:t>Claude 3 Sonnet</a:t>
+              <a:t>Claude 3.5 Sonnet</a:t>
             </a:r>
             <a:endParaRPr kumimoji="1" lang="ko-KR" altLang="en-US" sz="900" b="1" dirty="0">
               <a:latin typeface="KoPubWorldDotum Bold" pitchFamily="2" charset="-127"/>
@@ -16001,50 +16001,6 @@
           </a:p>
         </p:txBody>
       </p:sp>
-      <p:cxnSp>
-        <p:nvCxnSpPr>
-          <p:cNvPr id="10" name="직선 화살표 연결선 9">
-            <a:extLst>
-              <a:ext uri="{FF2B5EF4-FFF2-40B4-BE49-F238E27FC236}">
-                <a16:creationId xmlns:a16="http://schemas.microsoft.com/office/drawing/2014/main" id="{34C6F30D-1D00-1EFC-D3FA-EA475CB610D4}"/>
-              </a:ext>
-            </a:extLst>
-          </p:cNvPr>
-          <p:cNvCxnSpPr>
-            <a:cxnSpLocks/>
-            <a:stCxn id="13" idx="1"/>
-            <a:endCxn id="1026" idx="3"/>
-          </p:cNvCxnSpPr>
-          <p:nvPr/>
-        </p:nvCxnSpPr>
-        <p:spPr>
-          <a:xfrm flipH="1">
-            <a:off x="9895537" y="3698642"/>
-            <a:ext cx="1312838" cy="458"/>
-          </a:xfrm>
-          <a:prstGeom prst="straightConnector1">
-            <a:avLst/>
-          </a:prstGeom>
-          <a:ln>
-            <a:headEnd type="none" w="med" len="med"/>
-            <a:tailEnd type="none" w="med" len="med"/>
-          </a:ln>
-        </p:spPr>
-        <p:style>
-          <a:lnRef idx="2">
-            <a:schemeClr val="accent1"/>
-          </a:lnRef>
-          <a:fillRef idx="0">
-            <a:schemeClr val="accent1"/>
-          </a:fillRef>
-          <a:effectRef idx="1">
-            <a:schemeClr val="accent1"/>
-          </a:effectRef>
-          <a:fontRef idx="minor">
-            <a:schemeClr val="tx1"/>
-          </a:fontRef>
-        </p:style>
-      </p:cxnSp>
       <p:pic>
         <p:nvPicPr>
           <p:cNvPr id="13" name="Picture 2" descr="The AI wars heat up with Claude 3, claimed to have “near-human” abilities |  Ars Technica">
@@ -16106,7 +16062,7 @@
         </p:nvSpPr>
         <p:spPr>
           <a:xfrm>
-            <a:off x="10067923" y="4713302"/>
+            <a:off x="10265105" y="4865632"/>
             <a:ext cx="1206609" cy="267998"/>
           </a:xfrm>
           <a:prstGeom prst="rect">
@@ -18184,46 +18140,6 @@
       </p:sp>
       <p:cxnSp>
         <p:nvCxnSpPr>
-          <p:cNvPr id="1081" name="꺾인 연결선[E] 1080">
-            <a:extLst>
-              <a:ext uri="{FF2B5EF4-FFF2-40B4-BE49-F238E27FC236}">
-                <a16:creationId xmlns:a16="http://schemas.microsoft.com/office/drawing/2014/main" id="{97CCBB71-4045-39B2-FB57-0F67A76321A4}"/>
-              </a:ext>
-            </a:extLst>
-          </p:cNvPr>
-          <p:cNvCxnSpPr>
-            <a:cxnSpLocks/>
-            <a:stCxn id="3" idx="0"/>
-            <a:endCxn id="1026" idx="3"/>
-          </p:cNvCxnSpPr>
-          <p:nvPr/>
-        </p:nvCxnSpPr>
-        <p:spPr>
-          <a:xfrm rot="16200000" flipV="1">
-            <a:off x="10021867" y="3572770"/>
-            <a:ext cx="523032" cy="775691"/>
-          </a:xfrm>
-          <a:prstGeom prst="bentConnector2">
-            <a:avLst/>
-          </a:prstGeom>
-        </p:spPr>
-        <p:style>
-          <a:lnRef idx="2">
-            <a:schemeClr val="accent1"/>
-          </a:lnRef>
-          <a:fillRef idx="0">
-            <a:schemeClr val="accent1"/>
-          </a:fillRef>
-          <a:effectRef idx="1">
-            <a:schemeClr val="accent1"/>
-          </a:effectRef>
-          <a:fontRef idx="minor">
-            <a:schemeClr val="tx1"/>
-          </a:fontRef>
-        </p:style>
-      </p:cxnSp>
-      <p:cxnSp>
-        <p:nvCxnSpPr>
           <p:cNvPr id="1084" name="꺾인 연결선[E] 1083">
             <a:extLst>
               <a:ext uri="{FF2B5EF4-FFF2-40B4-BE49-F238E27FC236}">
@@ -18439,7 +18355,7 @@
         </p:blipFill>
         <p:spPr bwMode="auto">
           <a:xfrm>
-            <a:off x="10438513" y="4222132"/>
+            <a:off x="10635695" y="4374462"/>
             <a:ext cx="465430" cy="465430"/>
           </a:xfrm>
           <a:prstGeom prst="rect">
@@ -18474,7 +18390,7 @@
         </p:nvCxnSpPr>
         <p:spPr>
           <a:xfrm flipV="1">
-            <a:off x="10671227" y="4981300"/>
+            <a:off x="10868409" y="5133630"/>
             <a:ext cx="1" cy="315218"/>
           </a:xfrm>
           <a:prstGeom prst="straightConnector1">
@@ -18516,7 +18432,7 @@
         </p:nvSpPr>
         <p:spPr>
           <a:xfrm>
-            <a:off x="9937039" y="5748848"/>
+            <a:off x="10134221" y="5901178"/>
             <a:ext cx="1462517" cy="267998"/>
           </a:xfrm>
           <a:prstGeom prst="rect">
@@ -19010,48 +18926,6 @@
       </p:cxnSp>
       <p:cxnSp>
         <p:nvCxnSpPr>
-          <p:cNvPr id="1064" name="꺾인 연결선[E] 1063">
-            <a:extLst>
-              <a:ext uri="{FF2B5EF4-FFF2-40B4-BE49-F238E27FC236}">
-                <a16:creationId xmlns:a16="http://schemas.microsoft.com/office/drawing/2014/main" id="{F177D862-99A5-CE12-C7E9-9FCA81C17AB4}"/>
-              </a:ext>
-            </a:extLst>
-          </p:cNvPr>
-          <p:cNvCxnSpPr>
-            <a:cxnSpLocks/>
-            <a:stCxn id="18" idx="1"/>
-            <a:endCxn id="1043" idx="3"/>
-          </p:cNvCxnSpPr>
-          <p:nvPr/>
-        </p:nvCxnSpPr>
-        <p:spPr>
-          <a:xfrm rot="10800000">
-            <a:off x="8202088" y="3991733"/>
-            <a:ext cx="1261948" cy="453248"/>
-          </a:xfrm>
-          <a:prstGeom prst="bentConnector3">
-            <a:avLst>
-              <a:gd name="adj1" fmla="val 51459"/>
-            </a:avLst>
-          </a:prstGeom>
-        </p:spPr>
-        <p:style>
-          <a:lnRef idx="2">
-            <a:schemeClr val="accent1"/>
-          </a:lnRef>
-          <a:fillRef idx="0">
-            <a:schemeClr val="accent1"/>
-          </a:fillRef>
-          <a:effectRef idx="1">
-            <a:schemeClr val="accent1"/>
-          </a:effectRef>
-          <a:fontRef idx="minor">
-            <a:schemeClr val="tx1"/>
-          </a:fontRef>
-        </p:style>
-      </p:cxnSp>
-      <p:cxnSp>
-        <p:nvCxnSpPr>
           <p:cNvPr id="1067" name="꺾인 연결선[E] 1066">
             <a:extLst>
               <a:ext uri="{FF2B5EF4-FFF2-40B4-BE49-F238E27FC236}">
@@ -19068,8 +18942,8 @@
         </p:nvCxnSpPr>
         <p:spPr>
           <a:xfrm rot="10800000" flipV="1">
-            <a:off x="8202089" y="3699099"/>
-            <a:ext cx="1228019" cy="292633"/>
+            <a:off x="8202089" y="3253289"/>
+            <a:ext cx="1228019" cy="738443"/>
           </a:xfrm>
           <a:prstGeom prst="bentConnector3">
             <a:avLst>
@@ -19302,7 +19176,7 @@
         </p:blipFill>
         <p:spPr>
           <a:xfrm>
-            <a:off x="10437862" y="5287979"/>
+            <a:off x="10635044" y="5440309"/>
             <a:ext cx="460869" cy="460869"/>
           </a:xfrm>
           <a:prstGeom prst="rect">
@@ -19310,6 +19184,281 @@
           </a:prstGeom>
         </p:spPr>
       </p:pic>
+      <p:sp>
+        <p:nvSpPr>
+          <p:cNvPr id="12" name="제목 1">
+            <a:extLst>
+              <a:ext uri="{FF2B5EF4-FFF2-40B4-BE49-F238E27FC236}">
+                <a16:creationId xmlns:a16="http://schemas.microsoft.com/office/drawing/2014/main" id="{FA4EB3BE-1A7B-21BC-2153-F4E39E61BC46}"/>
+              </a:ext>
+            </a:extLst>
+          </p:cNvPr>
+          <p:cNvSpPr txBox="1">
+            <a:spLocks/>
+          </p:cNvSpPr>
+          <p:nvPr/>
+        </p:nvSpPr>
+        <p:spPr>
+          <a:xfrm>
+            <a:off x="10844718" y="3061881"/>
+            <a:ext cx="1304524" cy="262033"/>
+          </a:xfrm>
+          <a:prstGeom prst="rect">
+            <a:avLst/>
+          </a:prstGeom>
+        </p:spPr>
+        <p:txBody>
+          <a:bodyPr vert="horz" lIns="91440" tIns="45720" rIns="91440" bIns="45720" rtlCol="0" anchor="ctr">
+            <a:normAutofit/>
+          </a:bodyPr>
+          <a:lstStyle>
+            <a:lvl1pPr algn="l" defTabSz="914400" rtl="0" eaLnBrk="1" latinLnBrk="1" hangingPunct="1">
+              <a:lnSpc>
+                <a:spcPct val="90000"/>
+              </a:lnSpc>
+              <a:spcBef>
+                <a:spcPct val="0"/>
+              </a:spcBef>
+              <a:buNone/>
+              <a:defRPr sz="4400" kern="1200">
+                <a:solidFill>
+                  <a:schemeClr val="tx1"/>
+                </a:solidFill>
+                <a:latin typeface="+mj-lt"/>
+                <a:ea typeface="+mj-ea"/>
+                <a:cs typeface="+mj-cs"/>
+              </a:defRPr>
+            </a:lvl1pPr>
+          </a:lstStyle>
+          <a:p>
+            <a:pPr algn="ctr"/>
+            <a:r>
+              <a:rPr kumimoji="1" lang="en-US" altLang="ko-KR" sz="900" b="1" dirty="0">
+                <a:latin typeface="KoPubWorldDotum Bold" pitchFamily="2" charset="-127"/>
+                <a:ea typeface="KoPubWorldDotum Bold" pitchFamily="2" charset="-127"/>
+                <a:cs typeface="KoPubWorldDotum Bold" pitchFamily="2" charset="-127"/>
+              </a:rPr>
+              <a:t>Claude 3 Haiku</a:t>
+            </a:r>
+            <a:endParaRPr kumimoji="1" lang="ko-KR" altLang="en-US" sz="900" b="1" dirty="0">
+              <a:latin typeface="KoPubWorldDotum Bold" pitchFamily="2" charset="-127"/>
+              <a:ea typeface="KoPubWorldDotum Bold" pitchFamily="2" charset="-127"/>
+              <a:cs typeface="KoPubWorldDotum Bold" pitchFamily="2" charset="-127"/>
+            </a:endParaRPr>
+          </a:p>
+        </p:txBody>
+      </p:sp>
+      <p:pic>
+        <p:nvPicPr>
+          <p:cNvPr id="17" name="Picture 2" descr="The AI wars heat up with Claude 3, claimed to have “near-human” abilities |  Ars Technica">
+            <a:extLst>
+              <a:ext uri="{FF2B5EF4-FFF2-40B4-BE49-F238E27FC236}">
+                <a16:creationId xmlns:a16="http://schemas.microsoft.com/office/drawing/2014/main" id="{46FC2761-7E9A-6124-5215-BA20F763E78A}"/>
+              </a:ext>
+            </a:extLst>
+          </p:cNvPr>
+          <p:cNvPicPr>
+            <a:picLocks noChangeAspect="1" noChangeArrowheads="1"/>
+          </p:cNvPicPr>
+          <p:nvPr/>
+        </p:nvPicPr>
+        <p:blipFill rotWithShape="1">
+          <a:blip r:embed="rId4">
+            <a:extLst>
+              <a:ext uri="{28A0092B-C50C-407E-A947-70E740481C1C}">
+                <a14:useLocalDpi xmlns:a14="http://schemas.microsoft.com/office/drawing/2010/main" val="0"/>
+              </a:ext>
+            </a:extLst>
+          </a:blip>
+          <a:srcRect l="28567" t="10984" r="29591" b="14630"/>
+          <a:stretch/>
+        </p:blipFill>
+        <p:spPr bwMode="auto">
+          <a:xfrm>
+            <a:off x="11208375" y="2563637"/>
+            <a:ext cx="465430" cy="465430"/>
+          </a:xfrm>
+          <a:prstGeom prst="rect">
+            <a:avLst/>
+          </a:prstGeom>
+          <a:noFill/>
+          <a:extLst>
+            <a:ext uri="{909E8E84-426E-40DD-AFC4-6F175D3DCCD1}">
+              <a14:hiddenFill xmlns:a14="http://schemas.microsoft.com/office/drawing/2010/main">
+                <a:solidFill>
+                  <a:srgbClr val="FFFFFF"/>
+                </a:solidFill>
+              </a14:hiddenFill>
+            </a:ext>
+          </a:extLst>
+        </p:spPr>
+      </p:pic>
+      <p:cxnSp>
+        <p:nvCxnSpPr>
+          <p:cNvPr id="20" name="꺾인 연결선[E] 19">
+            <a:extLst>
+              <a:ext uri="{FF2B5EF4-FFF2-40B4-BE49-F238E27FC236}">
+                <a16:creationId xmlns:a16="http://schemas.microsoft.com/office/drawing/2014/main" id="{840BDB77-BCB7-7958-D61D-6C83D1218510}"/>
+              </a:ext>
+            </a:extLst>
+          </p:cNvPr>
+          <p:cNvCxnSpPr>
+            <a:cxnSpLocks/>
+            <a:stCxn id="17" idx="1"/>
+            <a:endCxn id="1026" idx="3"/>
+          </p:cNvCxnSpPr>
+          <p:nvPr/>
+        </p:nvCxnSpPr>
+        <p:spPr>
+          <a:xfrm rot="10800000" flipV="1">
+            <a:off x="9895537" y="2796352"/>
+            <a:ext cx="1312838" cy="456938"/>
+          </a:xfrm>
+          <a:prstGeom prst="bentConnector3">
+            <a:avLst>
+              <a:gd name="adj1" fmla="val 50000"/>
+            </a:avLst>
+          </a:prstGeom>
+        </p:spPr>
+        <p:style>
+          <a:lnRef idx="2">
+            <a:schemeClr val="accent1"/>
+          </a:lnRef>
+          <a:fillRef idx="0">
+            <a:schemeClr val="accent1"/>
+          </a:fillRef>
+          <a:effectRef idx="1">
+            <a:schemeClr val="accent1"/>
+          </a:effectRef>
+          <a:fontRef idx="minor">
+            <a:schemeClr val="tx1"/>
+          </a:fontRef>
+        </p:style>
+      </p:cxnSp>
+      <p:cxnSp>
+        <p:nvCxnSpPr>
+          <p:cNvPr id="46" name="꺾인 연결선[E] 45">
+            <a:extLst>
+              <a:ext uri="{FF2B5EF4-FFF2-40B4-BE49-F238E27FC236}">
+                <a16:creationId xmlns:a16="http://schemas.microsoft.com/office/drawing/2014/main" id="{9EDC3DC1-D47C-A99B-B734-BDC68BAFF980}"/>
+              </a:ext>
+            </a:extLst>
+          </p:cNvPr>
+          <p:cNvCxnSpPr>
+            <a:cxnSpLocks/>
+            <a:stCxn id="13" idx="1"/>
+            <a:endCxn id="1026" idx="3"/>
+          </p:cNvCxnSpPr>
+          <p:nvPr/>
+        </p:nvCxnSpPr>
+        <p:spPr>
+          <a:xfrm rot="10800000">
+            <a:off x="9895537" y="3253290"/>
+            <a:ext cx="1312838" cy="445352"/>
+          </a:xfrm>
+          <a:prstGeom prst="bentConnector3">
+            <a:avLst>
+              <a:gd name="adj1" fmla="val 50000"/>
+            </a:avLst>
+          </a:prstGeom>
+        </p:spPr>
+        <p:style>
+          <a:lnRef idx="2">
+            <a:schemeClr val="accent1"/>
+          </a:lnRef>
+          <a:fillRef idx="0">
+            <a:schemeClr val="accent1"/>
+          </a:fillRef>
+          <a:effectRef idx="1">
+            <a:schemeClr val="accent1"/>
+          </a:effectRef>
+          <a:fontRef idx="minor">
+            <a:schemeClr val="tx1"/>
+          </a:fontRef>
+        </p:style>
+      </p:cxnSp>
+      <p:cxnSp>
+        <p:nvCxnSpPr>
+          <p:cNvPr id="1025" name="꺾인 연결선[E] 1024">
+            <a:extLst>
+              <a:ext uri="{FF2B5EF4-FFF2-40B4-BE49-F238E27FC236}">
+                <a16:creationId xmlns:a16="http://schemas.microsoft.com/office/drawing/2014/main" id="{775E5D73-4837-8715-689A-C56F25A0C95A}"/>
+              </a:ext>
+            </a:extLst>
+          </p:cNvPr>
+          <p:cNvCxnSpPr>
+            <a:cxnSpLocks/>
+            <a:stCxn id="13" idx="1"/>
+            <a:endCxn id="3" idx="0"/>
+          </p:cNvCxnSpPr>
+          <p:nvPr/>
+        </p:nvCxnSpPr>
+        <p:spPr>
+          <a:xfrm rot="10800000" flipV="1">
+            <a:off x="10868411" y="3698642"/>
+            <a:ext cx="339965" cy="675820"/>
+          </a:xfrm>
+          <a:prstGeom prst="bentConnector2">
+            <a:avLst/>
+          </a:prstGeom>
+        </p:spPr>
+        <p:style>
+          <a:lnRef idx="2">
+            <a:schemeClr val="accent1"/>
+          </a:lnRef>
+          <a:fillRef idx="0">
+            <a:schemeClr val="accent1"/>
+          </a:fillRef>
+          <a:effectRef idx="1">
+            <a:schemeClr val="accent1"/>
+          </a:effectRef>
+          <a:fontRef idx="minor">
+            <a:schemeClr val="tx1"/>
+          </a:fontRef>
+        </p:style>
+      </p:cxnSp>
+      <p:cxnSp>
+        <p:nvCxnSpPr>
+          <p:cNvPr id="1041" name="꺾인 연결선[E] 1040">
+            <a:extLst>
+              <a:ext uri="{FF2B5EF4-FFF2-40B4-BE49-F238E27FC236}">
+                <a16:creationId xmlns:a16="http://schemas.microsoft.com/office/drawing/2014/main" id="{057F2AAA-880E-C167-FE14-1A5AE3AC603C}"/>
+              </a:ext>
+            </a:extLst>
+          </p:cNvPr>
+          <p:cNvCxnSpPr>
+            <a:cxnSpLocks/>
+            <a:stCxn id="18" idx="1"/>
+            <a:endCxn id="1043" idx="3"/>
+          </p:cNvCxnSpPr>
+          <p:nvPr/>
+        </p:nvCxnSpPr>
+        <p:spPr>
+          <a:xfrm rot="10800000">
+            <a:off x="8202088" y="3991733"/>
+            <a:ext cx="1261948" cy="453248"/>
+          </a:xfrm>
+          <a:prstGeom prst="bentConnector3">
+            <a:avLst>
+              <a:gd name="adj1" fmla="val 51306"/>
+            </a:avLst>
+          </a:prstGeom>
+        </p:spPr>
+        <p:style>
+          <a:lnRef idx="2">
+            <a:schemeClr val="accent1"/>
+          </a:lnRef>
+          <a:fillRef idx="0">
+            <a:schemeClr val="accent1"/>
+          </a:fillRef>
+          <a:effectRef idx="1">
+            <a:schemeClr val="accent1"/>
+          </a:effectRef>
+          <a:fontRef idx="minor">
+            <a:schemeClr val="tx1"/>
+          </a:fontRef>
+        </p:style>
+      </p:cxnSp>
     </p:spTree>
     <p:extLst>
       <p:ext uri="{BB962C8B-B14F-4D97-AF65-F5344CB8AC3E}">

--- a/개발계획서.pptx
+++ b/개발계획서.pptx
@@ -205,7 +205,7 @@
           <a:p>
             <a:fld id="{9458FFD9-5838-1449-9919-C8A4367C6D0D}" type="datetimeFigureOut">
               <a:rPr kumimoji="1" lang="ko-KR" altLang="en-US" smtClean="0"/>
-              <a:t>2024. 9. 25.</a:t>
+              <a:t>2024. 10. 1.</a:t>
             </a:fld>
             <a:endParaRPr kumimoji="1" lang="ko-KR" altLang="en-US"/>
           </a:p>
@@ -787,7 +787,7 @@
           <a:p>
             <a:fld id="{B2310862-A932-4A4D-BE7A-7832C8DBE490}" type="datetimeFigureOut">
               <a:rPr kumimoji="1" lang="ko-KR" altLang="en-US" smtClean="0"/>
-              <a:t>2024. 9. 25.</a:t>
+              <a:t>2024. 10. 1.</a:t>
             </a:fld>
             <a:endParaRPr kumimoji="1" lang="ko-KR" altLang="en-US"/>
           </a:p>
@@ -985,7 +985,7 @@
           <a:p>
             <a:fld id="{B2310862-A932-4A4D-BE7A-7832C8DBE490}" type="datetimeFigureOut">
               <a:rPr kumimoji="1" lang="ko-KR" altLang="en-US" smtClean="0"/>
-              <a:t>2024. 9. 25.</a:t>
+              <a:t>2024. 10. 1.</a:t>
             </a:fld>
             <a:endParaRPr kumimoji="1" lang="ko-KR" altLang="en-US"/>
           </a:p>
@@ -1193,7 +1193,7 @@
           <a:p>
             <a:fld id="{B2310862-A932-4A4D-BE7A-7832C8DBE490}" type="datetimeFigureOut">
               <a:rPr kumimoji="1" lang="ko-KR" altLang="en-US" smtClean="0"/>
-              <a:t>2024. 9. 25.</a:t>
+              <a:t>2024. 10. 1.</a:t>
             </a:fld>
             <a:endParaRPr kumimoji="1" lang="ko-KR" altLang="en-US"/>
           </a:p>
@@ -1391,7 +1391,7 @@
           <a:p>
             <a:fld id="{B2310862-A932-4A4D-BE7A-7832C8DBE490}" type="datetimeFigureOut">
               <a:rPr kumimoji="1" lang="ko-KR" altLang="en-US" smtClean="0"/>
-              <a:t>2024. 9. 25.</a:t>
+              <a:t>2024. 10. 1.</a:t>
             </a:fld>
             <a:endParaRPr kumimoji="1" lang="ko-KR" altLang="en-US"/>
           </a:p>
@@ -1666,7 +1666,7 @@
           <a:p>
             <a:fld id="{B2310862-A932-4A4D-BE7A-7832C8DBE490}" type="datetimeFigureOut">
               <a:rPr kumimoji="1" lang="ko-KR" altLang="en-US" smtClean="0"/>
-              <a:t>2024. 9. 25.</a:t>
+              <a:t>2024. 10. 1.</a:t>
             </a:fld>
             <a:endParaRPr kumimoji="1" lang="ko-KR" altLang="en-US"/>
           </a:p>
@@ -1931,7 +1931,7 @@
           <a:p>
             <a:fld id="{B2310862-A932-4A4D-BE7A-7832C8DBE490}" type="datetimeFigureOut">
               <a:rPr kumimoji="1" lang="ko-KR" altLang="en-US" smtClean="0"/>
-              <a:t>2024. 9. 25.</a:t>
+              <a:t>2024. 10. 1.</a:t>
             </a:fld>
             <a:endParaRPr kumimoji="1" lang="ko-KR" altLang="en-US"/>
           </a:p>
@@ -2343,7 +2343,7 @@
           <a:p>
             <a:fld id="{B2310862-A932-4A4D-BE7A-7832C8DBE490}" type="datetimeFigureOut">
               <a:rPr kumimoji="1" lang="ko-KR" altLang="en-US" smtClean="0"/>
-              <a:t>2024. 9. 25.</a:t>
+              <a:t>2024. 10. 1.</a:t>
             </a:fld>
             <a:endParaRPr kumimoji="1" lang="ko-KR" altLang="en-US"/>
           </a:p>
@@ -2484,7 +2484,7 @@
           <a:p>
             <a:fld id="{B2310862-A932-4A4D-BE7A-7832C8DBE490}" type="datetimeFigureOut">
               <a:rPr kumimoji="1" lang="ko-KR" altLang="en-US" smtClean="0"/>
-              <a:t>2024. 9. 25.</a:t>
+              <a:t>2024. 10. 1.</a:t>
             </a:fld>
             <a:endParaRPr kumimoji="1" lang="ko-KR" altLang="en-US"/>
           </a:p>
@@ -2597,7 +2597,7 @@
           <a:p>
             <a:fld id="{B2310862-A932-4A4D-BE7A-7832C8DBE490}" type="datetimeFigureOut">
               <a:rPr kumimoji="1" lang="ko-KR" altLang="en-US" smtClean="0"/>
-              <a:t>2024. 9. 25.</a:t>
+              <a:t>2024. 10. 1.</a:t>
             </a:fld>
             <a:endParaRPr kumimoji="1" lang="ko-KR" altLang="en-US"/>
           </a:p>
@@ -2908,7 +2908,7 @@
           <a:p>
             <a:fld id="{B2310862-A932-4A4D-BE7A-7832C8DBE490}" type="datetimeFigureOut">
               <a:rPr kumimoji="1" lang="ko-KR" altLang="en-US" smtClean="0"/>
-              <a:t>2024. 9. 25.</a:t>
+              <a:t>2024. 10. 1.</a:t>
             </a:fld>
             <a:endParaRPr kumimoji="1" lang="ko-KR" altLang="en-US"/>
           </a:p>
@@ -3196,7 +3196,7 @@
           <a:p>
             <a:fld id="{B2310862-A932-4A4D-BE7A-7832C8DBE490}" type="datetimeFigureOut">
               <a:rPr kumimoji="1" lang="ko-KR" altLang="en-US" smtClean="0"/>
-              <a:t>2024. 9. 25.</a:t>
+              <a:t>2024. 10. 1.</a:t>
             </a:fld>
             <a:endParaRPr kumimoji="1" lang="ko-KR" altLang="en-US"/>
           </a:p>
@@ -3437,7 +3437,7 @@
           <a:p>
             <a:fld id="{B2310862-A932-4A4D-BE7A-7832C8DBE490}" type="datetimeFigureOut">
               <a:rPr kumimoji="1" lang="ko-KR" altLang="en-US" smtClean="0"/>
-              <a:t>2024. 9. 25.</a:t>
+              <a:t>2024. 10. 1.</a:t>
             </a:fld>
             <a:endParaRPr kumimoji="1" lang="ko-KR" altLang="en-US"/>
           </a:p>
@@ -16142,7 +16142,7 @@
         </p:nvSpPr>
         <p:spPr>
           <a:xfrm>
-            <a:off x="7092963" y="5323210"/>
+            <a:off x="7092963" y="5713253"/>
             <a:ext cx="739201" cy="267998"/>
           </a:xfrm>
           <a:prstGeom prst="rect">
@@ -16306,7 +16306,7 @@
         </p:blipFill>
         <p:spPr>
           <a:xfrm>
-            <a:off x="5330556" y="5776219"/>
+            <a:off x="5330556" y="6094411"/>
             <a:ext cx="462142" cy="462142"/>
           </a:xfrm>
           <a:prstGeom prst="rect">
@@ -17013,7 +17013,7 @@
         </p:nvSpPr>
         <p:spPr>
           <a:xfrm>
-            <a:off x="5073022" y="6241111"/>
+            <a:off x="5073022" y="6559303"/>
             <a:ext cx="967879" cy="267998"/>
           </a:xfrm>
           <a:prstGeom prst="rect">
@@ -17171,8 +17171,8 @@
         </p:nvSpPr>
         <p:spPr>
           <a:xfrm>
-            <a:off x="6698433" y="2912281"/>
-            <a:ext cx="1503655" cy="2158904"/>
+            <a:off x="6698433" y="2912280"/>
+            <a:ext cx="1503655" cy="2536567"/>
           </a:xfrm>
           <a:prstGeom prst="rect">
             <a:avLst/>
@@ -17232,7 +17232,7 @@
         </p:blipFill>
         <p:spPr>
           <a:xfrm>
-            <a:off x="7220461" y="4827734"/>
+            <a:off x="7220461" y="5217777"/>
             <a:ext cx="462142" cy="462142"/>
           </a:xfrm>
           <a:prstGeom prst="rect">
@@ -18942,12 +18942,12 @@
         </p:nvCxnSpPr>
         <p:spPr>
           <a:xfrm rot="10800000" flipV="1">
-            <a:off x="8202089" y="3253289"/>
-            <a:ext cx="1228019" cy="738443"/>
+            <a:off x="8202089" y="3253290"/>
+            <a:ext cx="1228019" cy="927274"/>
           </a:xfrm>
           <a:prstGeom prst="bentConnector3">
             <a:avLst>
-              <a:gd name="adj1" fmla="val 50000"/>
+              <a:gd name="adj1" fmla="val 48646"/>
             </a:avLst>
           </a:prstGeom>
         </p:spPr>
@@ -19132,8 +19132,8 @@
         </p:nvCxnSpPr>
         <p:spPr>
           <a:xfrm flipV="1">
-            <a:off x="5792698" y="5591208"/>
-            <a:ext cx="1669866" cy="416082"/>
+            <a:off x="5792698" y="5981251"/>
+            <a:ext cx="1669866" cy="344231"/>
           </a:xfrm>
           <a:prstGeom prst="bentConnector2">
             <a:avLst/>
@@ -19435,12 +19435,118 @@
         </p:nvCxnSpPr>
         <p:spPr>
           <a:xfrm rot="10800000">
-            <a:off x="8202088" y="3991733"/>
-            <a:ext cx="1261948" cy="453248"/>
+            <a:off x="8202088" y="4180565"/>
+            <a:ext cx="1261948" cy="264417"/>
           </a:xfrm>
           <a:prstGeom prst="bentConnector3">
             <a:avLst>
-              <a:gd name="adj1" fmla="val 51306"/>
+              <a:gd name="adj1" fmla="val 50000"/>
+            </a:avLst>
+          </a:prstGeom>
+        </p:spPr>
+        <p:style>
+          <a:lnRef idx="2">
+            <a:schemeClr val="accent1"/>
+          </a:lnRef>
+          <a:fillRef idx="0">
+            <a:schemeClr val="accent1"/>
+          </a:fillRef>
+          <a:effectRef idx="1">
+            <a:schemeClr val="accent1"/>
+          </a:effectRef>
+          <a:fontRef idx="minor">
+            <a:schemeClr val="tx1"/>
+          </a:fontRef>
+        </p:style>
+      </p:cxnSp>
+      <p:sp>
+        <p:nvSpPr>
+          <p:cNvPr id="26" name="처리 25">
+            <a:extLst>
+              <a:ext uri="{FF2B5EF4-FFF2-40B4-BE49-F238E27FC236}">
+                <a16:creationId xmlns:a16="http://schemas.microsoft.com/office/drawing/2014/main" id="{EB7ADC3C-C91C-23BF-988B-06D1300A67FA}"/>
+              </a:ext>
+            </a:extLst>
+          </p:cNvPr>
+          <p:cNvSpPr/>
+          <p:nvPr/>
+        </p:nvSpPr>
+        <p:spPr>
+          <a:xfrm>
+            <a:off x="6861666" y="4741336"/>
+            <a:ext cx="1203109" cy="243942"/>
+          </a:xfrm>
+          <a:prstGeom prst="flowChartProcess">
+            <a:avLst/>
+          </a:prstGeom>
+          <a:solidFill>
+            <a:schemeClr val="accent1"/>
+          </a:solidFill>
+          <a:ln>
+            <a:noFill/>
+          </a:ln>
+        </p:spPr>
+        <p:style>
+          <a:lnRef idx="2">
+            <a:schemeClr val="accent1">
+              <a:shade val="15000"/>
+            </a:schemeClr>
+          </a:lnRef>
+          <a:fillRef idx="1">
+            <a:schemeClr val="accent1"/>
+          </a:fillRef>
+          <a:effectRef idx="0">
+            <a:schemeClr val="accent1"/>
+          </a:effectRef>
+          <a:fontRef idx="minor">
+            <a:schemeClr val="lt1"/>
+          </a:fontRef>
+        </p:style>
+        <p:txBody>
+          <a:bodyPr rtlCol="0" anchor="ctr"/>
+          <a:lstStyle/>
+          <a:p>
+            <a:pPr algn="ctr"/>
+            <a:r>
+              <a:rPr kumimoji="1" lang="en-US" altLang="ko-KR" sz="900" b="1" dirty="0" err="1">
+                <a:latin typeface="KoPubWorldDotum Bold" pitchFamily="2" charset="-127"/>
+                <a:ea typeface="KoPubWorldDotum Bold" pitchFamily="2" charset="-127"/>
+                <a:cs typeface="KoPubWorldDotum Bold" pitchFamily="2" charset="-127"/>
+              </a:rPr>
+              <a:t>DelteSession.py</a:t>
+            </a:r>
+            <a:endParaRPr kumimoji="1" lang="ko-KR" altLang="en-US" sz="900" b="1" dirty="0">
+              <a:latin typeface="KoPubWorldDotum Bold" pitchFamily="2" charset="-127"/>
+              <a:ea typeface="KoPubWorldDotum Bold" pitchFamily="2" charset="-127"/>
+              <a:cs typeface="KoPubWorldDotum Bold" pitchFamily="2" charset="-127"/>
+            </a:endParaRPr>
+          </a:p>
+        </p:txBody>
+      </p:sp>
+      <p:cxnSp>
+        <p:nvCxnSpPr>
+          <p:cNvPr id="30" name="꺾인 연결선[E] 29">
+            <a:extLst>
+              <a:ext uri="{FF2B5EF4-FFF2-40B4-BE49-F238E27FC236}">
+                <a16:creationId xmlns:a16="http://schemas.microsoft.com/office/drawing/2014/main" id="{452EF380-476F-711F-E59B-E9C084446D0B}"/>
+              </a:ext>
+            </a:extLst>
+          </p:cNvPr>
+          <p:cNvCxnSpPr>
+            <a:cxnSpLocks/>
+            <a:stCxn id="26" idx="1"/>
+            <a:endCxn id="57" idx="3"/>
+          </p:cNvCxnSpPr>
+          <p:nvPr/>
+        </p:nvCxnSpPr>
+        <p:spPr>
+          <a:xfrm rot="10800000">
+            <a:off x="5806550" y="4374463"/>
+            <a:ext cx="1055116" cy="488845"/>
+          </a:xfrm>
+          <a:prstGeom prst="bentConnector3">
+            <a:avLst>
+              <a:gd name="adj1" fmla="val 49444"/>
             </a:avLst>
           </a:prstGeom>
         </p:spPr>
